--- a/docs/ppt/nop-platform.pptx
+++ b/docs/ppt/nop-platform.pptx
@@ -9,13 +9,15 @@
     <p:sldId id="284" r:id="rId3"/>
     <p:sldId id="286" r:id="rId4"/>
     <p:sldId id="281" r:id="rId5"/>
-    <p:sldId id="259" r:id="rId6"/>
-    <p:sldId id="260" r:id="rId7"/>
-    <p:sldId id="263" r:id="rId8"/>
-    <p:sldId id="269" r:id="rId9"/>
-    <p:sldId id="282" r:id="rId10"/>
-    <p:sldId id="285" r:id="rId11"/>
-    <p:sldId id="287" r:id="rId12"/>
+    <p:sldId id="288" r:id="rId6"/>
+    <p:sldId id="289" r:id="rId7"/>
+    <p:sldId id="259" r:id="rId8"/>
+    <p:sldId id="260" r:id="rId9"/>
+    <p:sldId id="263" r:id="rId10"/>
+    <p:sldId id="269" r:id="rId11"/>
+    <p:sldId id="282" r:id="rId12"/>
+    <p:sldId id="285" r:id="rId13"/>
+    <p:sldId id="287" r:id="rId14"/>
   </p:sldIdLst>
   <p:sldSz cx="12192000" cy="6858000"/>
   <p:notesSz cx="6858000" cy="9144000"/>
@@ -281,7 +283,7 @@
           <a:p>
             <a:fld id="{781BEADB-AF5A-4392-865E-B1E711821C65}" type="datetimeFigureOut">
               <a:rPr lang="zh-CN" altLang="en-US" smtClean="0"/>
-              <a:t>2023/3/17</a:t>
+              <a:t>2023/3/18</a:t>
             </a:fld>
             <a:endParaRPr lang="zh-CN" altLang="en-US"/>
           </a:p>
@@ -479,7 +481,7 @@
           <a:p>
             <a:fld id="{781BEADB-AF5A-4392-865E-B1E711821C65}" type="datetimeFigureOut">
               <a:rPr lang="zh-CN" altLang="en-US" smtClean="0"/>
-              <a:t>2023/3/17</a:t>
+              <a:t>2023/3/18</a:t>
             </a:fld>
             <a:endParaRPr lang="zh-CN" altLang="en-US"/>
           </a:p>
@@ -687,7 +689,7 @@
           <a:p>
             <a:fld id="{781BEADB-AF5A-4392-865E-B1E711821C65}" type="datetimeFigureOut">
               <a:rPr lang="zh-CN" altLang="en-US" smtClean="0"/>
-              <a:t>2023/3/17</a:t>
+              <a:t>2023/3/18</a:t>
             </a:fld>
             <a:endParaRPr lang="zh-CN" altLang="en-US"/>
           </a:p>
@@ -885,7 +887,7 @@
           <a:p>
             <a:fld id="{781BEADB-AF5A-4392-865E-B1E711821C65}" type="datetimeFigureOut">
               <a:rPr lang="zh-CN" altLang="en-US" smtClean="0"/>
-              <a:t>2023/3/17</a:t>
+              <a:t>2023/3/18</a:t>
             </a:fld>
             <a:endParaRPr lang="zh-CN" altLang="en-US"/>
           </a:p>
@@ -1160,7 +1162,7 @@
           <a:p>
             <a:fld id="{781BEADB-AF5A-4392-865E-B1E711821C65}" type="datetimeFigureOut">
               <a:rPr lang="zh-CN" altLang="en-US" smtClean="0"/>
-              <a:t>2023/3/17</a:t>
+              <a:t>2023/3/18</a:t>
             </a:fld>
             <a:endParaRPr lang="zh-CN" altLang="en-US"/>
           </a:p>
@@ -1425,7 +1427,7 @@
           <a:p>
             <a:fld id="{781BEADB-AF5A-4392-865E-B1E711821C65}" type="datetimeFigureOut">
               <a:rPr lang="zh-CN" altLang="en-US" smtClean="0"/>
-              <a:t>2023/3/17</a:t>
+              <a:t>2023/3/18</a:t>
             </a:fld>
             <a:endParaRPr lang="zh-CN" altLang="en-US"/>
           </a:p>
@@ -1837,7 +1839,7 @@
           <a:p>
             <a:fld id="{781BEADB-AF5A-4392-865E-B1E711821C65}" type="datetimeFigureOut">
               <a:rPr lang="zh-CN" altLang="en-US" smtClean="0"/>
-              <a:t>2023/3/17</a:t>
+              <a:t>2023/3/18</a:t>
             </a:fld>
             <a:endParaRPr lang="zh-CN" altLang="en-US"/>
           </a:p>
@@ -1978,7 +1980,7 @@
           <a:p>
             <a:fld id="{781BEADB-AF5A-4392-865E-B1E711821C65}" type="datetimeFigureOut">
               <a:rPr lang="zh-CN" altLang="en-US" smtClean="0"/>
-              <a:t>2023/3/17</a:t>
+              <a:t>2023/3/18</a:t>
             </a:fld>
             <a:endParaRPr lang="zh-CN" altLang="en-US"/>
           </a:p>
@@ -2091,7 +2093,7 @@
           <a:p>
             <a:fld id="{781BEADB-AF5A-4392-865E-B1E711821C65}" type="datetimeFigureOut">
               <a:rPr lang="zh-CN" altLang="en-US" smtClean="0"/>
-              <a:t>2023/3/17</a:t>
+              <a:t>2023/3/18</a:t>
             </a:fld>
             <a:endParaRPr lang="zh-CN" altLang="en-US"/>
           </a:p>
@@ -2402,7 +2404,7 @@
           <a:p>
             <a:fld id="{781BEADB-AF5A-4392-865E-B1E711821C65}" type="datetimeFigureOut">
               <a:rPr lang="zh-CN" altLang="en-US" smtClean="0"/>
-              <a:t>2023/3/17</a:t>
+              <a:t>2023/3/18</a:t>
             </a:fld>
             <a:endParaRPr lang="zh-CN" altLang="en-US"/>
           </a:p>
@@ -2690,7 +2692,7 @@
           <a:p>
             <a:fld id="{781BEADB-AF5A-4392-865E-B1E711821C65}" type="datetimeFigureOut">
               <a:rPr lang="zh-CN" altLang="en-US" smtClean="0"/>
-              <a:t>2023/3/17</a:t>
+              <a:t>2023/3/18</a:t>
             </a:fld>
             <a:endParaRPr lang="zh-CN" altLang="en-US"/>
           </a:p>
@@ -2931,7 +2933,7 @@
           <a:p>
             <a:fld id="{781BEADB-AF5A-4392-865E-B1E711821C65}" type="datetimeFigureOut">
               <a:rPr lang="zh-CN" altLang="en-US" smtClean="0"/>
-              <a:t>2023/3/17</a:t>
+              <a:t>2023/3/18</a:t>
             </a:fld>
             <a:endParaRPr lang="zh-CN" altLang="en-US"/>
           </a:p>
@@ -3597,6 +3599,366 @@
           <a:chExt cx="0" cy="0"/>
         </a:xfrm>
       </p:grpSpPr>
+      <p:pic>
+        <p:nvPicPr>
+          <p:cNvPr id="3" name="图片 2">
+            <a:extLst>
+              <a:ext uri="{FF2B5EF4-FFF2-40B4-BE49-F238E27FC236}">
+                <a16:creationId xmlns:a16="http://schemas.microsoft.com/office/drawing/2014/main" id="{AC87EDDB-1E43-486E-03E5-6E6C0523EFB0}"/>
+              </a:ext>
+            </a:extLst>
+          </p:cNvPr>
+          <p:cNvPicPr>
+            <a:picLocks noChangeAspect="1"/>
+          </p:cNvPicPr>
+          <p:nvPr/>
+        </p:nvPicPr>
+        <p:blipFill>
+          <a:blip r:embed="rId2"/>
+          <a:stretch>
+            <a:fillRect/>
+          </a:stretch>
+        </p:blipFill>
+        <p:spPr>
+          <a:xfrm>
+            <a:off x="1547130" y="506189"/>
+            <a:ext cx="8726076" cy="6328222"/>
+          </a:xfrm>
+          <a:prstGeom prst="rect">
+            <a:avLst/>
+          </a:prstGeom>
+        </p:spPr>
+      </p:pic>
+      <p:sp>
+        <p:nvSpPr>
+          <p:cNvPr id="8" name="文本框 7">
+            <a:extLst>
+              <a:ext uri="{FF2B5EF4-FFF2-40B4-BE49-F238E27FC236}">
+                <a16:creationId xmlns:a16="http://schemas.microsoft.com/office/drawing/2014/main" id="{DFB1FE9B-8B28-28F7-2F2F-187EBC612C0D}"/>
+              </a:ext>
+            </a:extLst>
+          </p:cNvPr>
+          <p:cNvSpPr txBox="1"/>
+          <p:nvPr/>
+        </p:nvSpPr>
+        <p:spPr>
+          <a:xfrm>
+            <a:off x="204105" y="506189"/>
+            <a:ext cx="2669723" cy="579665"/>
+          </a:xfrm>
+          <a:prstGeom prst="rect">
+            <a:avLst/>
+          </a:prstGeom>
+          <a:noFill/>
+        </p:spPr>
+        <p:txBody>
+          <a:bodyPr wrap="square" rtlCol="0">
+            <a:spAutoFit/>
+          </a:bodyPr>
+          <a:lstStyle/>
+          <a:p>
+            <a:r>
+              <a:rPr lang="en-US" altLang="zh-CN" sz="3200" b="1" dirty="0" err="1"/>
+              <a:t>BizModel</a:t>
+            </a:r>
+            <a:endParaRPr lang="zh-CN" altLang="en-US" sz="3200" b="1" dirty="0"/>
+          </a:p>
+        </p:txBody>
+      </p:sp>
+    </p:spTree>
+    <p:extLst>
+      <p:ext uri="{BB962C8B-B14F-4D97-AF65-F5344CB8AC3E}">
+        <p14:creationId xmlns:p14="http://schemas.microsoft.com/office/powerpoint/2010/main" val="881827011"/>
+      </p:ext>
+    </p:extLst>
+  </p:cSld>
+  <p:clrMapOvr>
+    <a:masterClrMapping/>
+  </p:clrMapOvr>
+</p:sld>
+</file>
+
+<file path=ppt/slides/slide11.xml><?xml version="1.0" encoding="utf-8"?>
+<p:sld xmlns:a="http://schemas.openxmlformats.org/drawingml/2006/main" xmlns:r="http://schemas.openxmlformats.org/officeDocument/2006/relationships" xmlns:p="http://schemas.openxmlformats.org/presentationml/2006/main">
+  <p:cSld>
+    <p:spTree>
+      <p:nvGrpSpPr>
+        <p:cNvPr id="1" name=""/>
+        <p:cNvGrpSpPr/>
+        <p:nvPr/>
+      </p:nvGrpSpPr>
+      <p:grpSpPr>
+        <a:xfrm>
+          <a:off x="0" y="0"/>
+          <a:ext cx="0" cy="0"/>
+          <a:chOff x="0" y="0"/>
+          <a:chExt cx="0" cy="0"/>
+        </a:xfrm>
+      </p:grpSpPr>
+      <p:sp>
+        <p:nvSpPr>
+          <p:cNvPr id="2" name="标题 1">
+            <a:extLst>
+              <a:ext uri="{FF2B5EF4-FFF2-40B4-BE49-F238E27FC236}">
+                <a16:creationId xmlns:a16="http://schemas.microsoft.com/office/drawing/2014/main" id="{7B078A78-F1A6-B200-A327-496477BABCB1}"/>
+              </a:ext>
+            </a:extLst>
+          </p:cNvPr>
+          <p:cNvSpPr>
+            <a:spLocks noGrp="1"/>
+          </p:cNvSpPr>
+          <p:nvPr>
+            <p:ph type="title"/>
+          </p:nvPr>
+        </p:nvSpPr>
+        <p:spPr/>
+        <p:txBody>
+          <a:bodyPr/>
+          <a:lstStyle/>
+          <a:p>
+            <a:r>
+              <a:rPr lang="zh-CN" altLang="en-US" b="1" dirty="0"/>
+              <a:t>在金融科技方面的应用</a:t>
+            </a:r>
+          </a:p>
+        </p:txBody>
+      </p:sp>
+      <p:sp>
+        <p:nvSpPr>
+          <p:cNvPr id="3" name="文本框 2">
+            <a:extLst>
+              <a:ext uri="{FF2B5EF4-FFF2-40B4-BE49-F238E27FC236}">
+                <a16:creationId xmlns:a16="http://schemas.microsoft.com/office/drawing/2014/main" id="{ECE04C1C-1A27-7EF8-F549-0CA12B0352B7}"/>
+              </a:ext>
+            </a:extLst>
+          </p:cNvPr>
+          <p:cNvSpPr txBox="1"/>
+          <p:nvPr/>
+        </p:nvSpPr>
+        <p:spPr>
+          <a:xfrm>
+            <a:off x="930729" y="1828800"/>
+            <a:ext cx="7780564" cy="4062651"/>
+          </a:xfrm>
+          <a:prstGeom prst="rect">
+            <a:avLst/>
+          </a:prstGeom>
+          <a:noFill/>
+        </p:spPr>
+        <p:txBody>
+          <a:bodyPr wrap="square" rtlCol="0">
+            <a:spAutoFit/>
+          </a:bodyPr>
+          <a:lstStyle/>
+          <a:p>
+            <a:pPr marL="342900" indent="-342900">
+              <a:buFont typeface="Wingdings" panose="05000000000000000000" pitchFamily="2" charset="2"/>
+              <a:buChar char="ü"/>
+            </a:pPr>
+            <a:r>
+              <a:rPr lang="zh-CN" altLang="en-US" sz="2400" dirty="0"/>
+              <a:t>数据模型（</a:t>
+            </a:r>
+            <a:r>
+              <a:rPr lang="zh-CN" altLang="en-US" dirty="0"/>
+              <a:t>自动生成数据访问层代码和数据库定义</a:t>
+            </a:r>
+            <a:r>
+              <a:rPr lang="zh-CN" altLang="en-US" sz="2400" dirty="0"/>
+              <a:t>）</a:t>
+            </a:r>
+            <a:endParaRPr lang="en-US" altLang="zh-CN" sz="2400" dirty="0"/>
+          </a:p>
+          <a:p>
+            <a:pPr marL="342900" indent="-342900">
+              <a:buFont typeface="Wingdings" panose="05000000000000000000" pitchFamily="2" charset="2"/>
+              <a:buChar char="ü"/>
+            </a:pPr>
+            <a:r>
+              <a:rPr lang="en-US" altLang="zh-CN" sz="2400" dirty="0"/>
+              <a:t>API</a:t>
+            </a:r>
+            <a:r>
+              <a:rPr lang="zh-CN" altLang="en-US" sz="2400" dirty="0"/>
+              <a:t>接口模型（</a:t>
+            </a:r>
+            <a:r>
+              <a:rPr lang="zh-CN" altLang="en-US" dirty="0"/>
+              <a:t>自动生成</a:t>
+            </a:r>
+            <a:r>
+              <a:rPr lang="en-US" altLang="zh-CN" dirty="0"/>
+              <a:t>API</a:t>
+            </a:r>
+            <a:r>
+              <a:rPr lang="zh-CN" altLang="en-US" dirty="0"/>
+              <a:t>接口和缺省实现</a:t>
+            </a:r>
+            <a:r>
+              <a:rPr lang="zh-CN" altLang="en-US" sz="2400" dirty="0"/>
+              <a:t>）</a:t>
+            </a:r>
+            <a:endParaRPr lang="en-US" altLang="zh-CN" sz="2400" dirty="0"/>
+          </a:p>
+          <a:p>
+            <a:pPr marL="342900" indent="-342900">
+              <a:buFont typeface="Wingdings" panose="05000000000000000000" pitchFamily="2" charset="2"/>
+              <a:buChar char="ü"/>
+            </a:pPr>
+            <a:r>
+              <a:rPr lang="en-US" altLang="zh-CN" sz="2400" dirty="0"/>
+              <a:t>TCP</a:t>
+            </a:r>
+            <a:r>
+              <a:rPr lang="zh-CN" altLang="en-US" sz="2400" dirty="0"/>
+              <a:t>网络消息模型（</a:t>
+            </a:r>
+            <a:r>
+              <a:rPr lang="zh-CN" altLang="en-US" dirty="0"/>
+              <a:t>自动解析和生成网络协议包</a:t>
+            </a:r>
+            <a:r>
+              <a:rPr lang="zh-CN" altLang="en-US" sz="2400" dirty="0"/>
+              <a:t>）</a:t>
+            </a:r>
+            <a:endParaRPr lang="en-US" altLang="zh-CN" sz="2400" dirty="0"/>
+          </a:p>
+          <a:p>
+            <a:pPr marL="342900" indent="-342900">
+              <a:buFont typeface="Wingdings" panose="05000000000000000000" pitchFamily="2" charset="2"/>
+              <a:buChar char="ü"/>
+            </a:pPr>
+            <a:r>
+              <a:rPr lang="zh-CN" altLang="en-US" sz="2400" dirty="0"/>
+              <a:t>批处理文件格式模型（</a:t>
+            </a:r>
+            <a:r>
+              <a:rPr lang="zh-CN" altLang="en-US" dirty="0"/>
+              <a:t>自动生成和解析定长文件</a:t>
+            </a:r>
+            <a:r>
+              <a:rPr lang="zh-CN" altLang="en-US" sz="2400" dirty="0"/>
+              <a:t>）</a:t>
+            </a:r>
+            <a:endParaRPr lang="en-US" altLang="zh-CN" sz="2400" dirty="0"/>
+          </a:p>
+          <a:p>
+            <a:pPr marL="342900" indent="-342900">
+              <a:buFont typeface="Wingdings" panose="05000000000000000000" pitchFamily="2" charset="2"/>
+              <a:buChar char="ü"/>
+            </a:pPr>
+            <a:r>
+              <a:rPr lang="zh-CN" altLang="en-US" sz="2400" dirty="0"/>
+              <a:t>批处理任务模型（</a:t>
+            </a:r>
+            <a:r>
+              <a:rPr lang="zh-CN" altLang="en-US" dirty="0"/>
+              <a:t>编配分布式批处理任务</a:t>
+            </a:r>
+            <a:r>
+              <a:rPr lang="zh-CN" altLang="en-US" sz="2400" dirty="0"/>
+              <a:t>）</a:t>
+            </a:r>
+            <a:endParaRPr lang="en-US" altLang="zh-CN" sz="2400" dirty="0"/>
+          </a:p>
+          <a:p>
+            <a:pPr marL="342900" indent="-342900">
+              <a:buFont typeface="Wingdings" panose="05000000000000000000" pitchFamily="2" charset="2"/>
+              <a:buChar char="ü"/>
+            </a:pPr>
+            <a:r>
+              <a:rPr lang="zh-CN" altLang="en-US" sz="2400" dirty="0"/>
+              <a:t>业务规则模型和数据有效性校验模型</a:t>
+            </a:r>
+            <a:endParaRPr lang="en-US" altLang="zh-CN" sz="2400" dirty="0"/>
+          </a:p>
+          <a:p>
+            <a:pPr marL="342900" indent="-342900">
+              <a:buFont typeface="Wingdings" panose="05000000000000000000" pitchFamily="2" charset="2"/>
+              <a:buChar char="ü"/>
+            </a:pPr>
+            <a:r>
+              <a:rPr lang="zh-CN" altLang="en-US" sz="2400" dirty="0"/>
+              <a:t>业务处理流程模型</a:t>
+            </a:r>
+            <a:endParaRPr lang="en-US" altLang="zh-CN" sz="2400" dirty="0"/>
+          </a:p>
+          <a:p>
+            <a:pPr marL="342900" indent="-342900">
+              <a:buFont typeface="Wingdings" panose="05000000000000000000" pitchFamily="2" charset="2"/>
+              <a:buChar char="ü"/>
+            </a:pPr>
+            <a:r>
+              <a:rPr lang="zh-CN" altLang="en-US" sz="2400" dirty="0"/>
+              <a:t>压力测试数据模型（</a:t>
+            </a:r>
+            <a:r>
+              <a:rPr lang="zh-CN" altLang="en-US" dirty="0"/>
+              <a:t>自动生成具有指定分布的测试数据</a:t>
+            </a:r>
+            <a:r>
+              <a:rPr lang="zh-CN" altLang="en-US" sz="2400" dirty="0"/>
+              <a:t>）</a:t>
+            </a:r>
+            <a:endParaRPr lang="en-US" altLang="zh-CN" sz="2400" dirty="0"/>
+          </a:p>
+          <a:p>
+            <a:pPr marL="342900" indent="-342900">
+              <a:buFont typeface="Wingdings" panose="05000000000000000000" pitchFamily="2" charset="2"/>
+              <a:buChar char="ü"/>
+            </a:pPr>
+            <a:r>
+              <a:rPr lang="zh-CN" altLang="en-US" sz="2400" dirty="0"/>
+              <a:t>前端页面模型</a:t>
+            </a:r>
+            <a:endParaRPr lang="en-US" altLang="zh-CN" sz="2400" dirty="0"/>
+          </a:p>
+          <a:p>
+            <a:pPr marL="342900" indent="-342900">
+              <a:buFont typeface="Wingdings" panose="05000000000000000000" pitchFamily="2" charset="2"/>
+              <a:buChar char="ü"/>
+            </a:pPr>
+            <a:r>
+              <a:rPr lang="zh-CN" altLang="en-US" sz="2400" dirty="0"/>
+              <a:t>报表模型</a:t>
+            </a:r>
+            <a:endParaRPr lang="en-US" altLang="zh-CN" sz="2400" dirty="0"/>
+          </a:p>
+          <a:p>
+            <a:endParaRPr lang="zh-CN" altLang="en-US" dirty="0"/>
+          </a:p>
+        </p:txBody>
+      </p:sp>
+    </p:spTree>
+    <p:extLst>
+      <p:ext uri="{BB962C8B-B14F-4D97-AF65-F5344CB8AC3E}">
+        <p14:creationId xmlns:p14="http://schemas.microsoft.com/office/powerpoint/2010/main" val="1461263850"/>
+      </p:ext>
+    </p:extLst>
+  </p:cSld>
+  <p:clrMapOvr>
+    <a:masterClrMapping/>
+  </p:clrMapOvr>
+</p:sld>
+</file>
+
+<file path=ppt/slides/slide12.xml><?xml version="1.0" encoding="utf-8"?>
+<p:sld xmlns:a="http://schemas.openxmlformats.org/drawingml/2006/main" xmlns:r="http://schemas.openxmlformats.org/officeDocument/2006/relationships" xmlns:p="http://schemas.openxmlformats.org/presentationml/2006/main">
+  <p:cSld>
+    <p:spTree>
+      <p:nvGrpSpPr>
+        <p:cNvPr id="1" name=""/>
+        <p:cNvGrpSpPr/>
+        <p:nvPr/>
+      </p:nvGrpSpPr>
+      <p:grpSpPr>
+        <a:xfrm>
+          <a:off x="0" y="0"/>
+          <a:ext cx="0" cy="0"/>
+          <a:chOff x="0" y="0"/>
+          <a:chExt cx="0" cy="0"/>
+        </a:xfrm>
+      </p:grpSpPr>
       <p:sp>
         <p:nvSpPr>
           <p:cNvPr id="2" name="标题 1">
@@ -3708,7 +4070,7 @@
 </p:sld>
 </file>
 
-<file path=ppt/slides/slide11.xml><?xml version="1.0" encoding="utf-8"?>
+<file path=ppt/slides/slide13.xml><?xml version="1.0" encoding="utf-8"?>
 <p:sld xmlns:a="http://schemas.openxmlformats.org/drawingml/2006/main" xmlns:r="http://schemas.openxmlformats.org/officeDocument/2006/relationships" xmlns:p="http://schemas.openxmlformats.org/presentationml/2006/main">
   <p:cSld>
     <p:spTree>
@@ -4551,7 +4913,15 @@
           <a:p>
             <a:r>
               <a:rPr lang="zh-CN" altLang="en-US" sz="3200" dirty="0"/>
-              <a:t>固定的机器（无限的数据）</a:t>
+              <a:t>固定的机器</a:t>
+            </a:r>
+            <a:r>
+              <a:rPr lang="en-US" altLang="zh-CN" sz="3200" dirty="0"/>
+              <a:t>(</a:t>
+            </a:r>
+            <a:r>
+              <a:rPr lang="zh-CN" altLang="en-US" sz="3200" dirty="0"/>
+              <a:t>无限的数据）</a:t>
             </a:r>
           </a:p>
         </p:txBody>
@@ -4696,7 +5066,7 @@
           <a:p>
             <a:r>
               <a:rPr lang="zh-CN" altLang="en-US" sz="3200" dirty="0"/>
-              <a:t>无限复合的函数</a:t>
+              <a:t>无限复杂的函数</a:t>
             </a:r>
             <a:r>
               <a:rPr lang="en-US" altLang="zh-CN" sz="3200" dirty="0"/>
@@ -4711,6 +5081,42 @@
               <a:t>)</a:t>
             </a:r>
             <a:endParaRPr lang="zh-CN" altLang="en-US" sz="3200" dirty="0"/>
+          </a:p>
+        </p:txBody>
+      </p:sp>
+      <p:sp>
+        <p:nvSpPr>
+          <p:cNvPr id="3" name="文本框 2">
+            <a:extLst>
+              <a:ext uri="{FF2B5EF4-FFF2-40B4-BE49-F238E27FC236}">
+                <a16:creationId xmlns:a16="http://schemas.microsoft.com/office/drawing/2014/main" id="{E51D33DD-7A5E-D679-05B1-C5E4796900FE}"/>
+              </a:ext>
+            </a:extLst>
+          </p:cNvPr>
+          <p:cNvSpPr txBox="1"/>
+          <p:nvPr/>
+        </p:nvSpPr>
+        <p:spPr>
+          <a:xfrm>
+            <a:off x="4833257" y="2081815"/>
+            <a:ext cx="1551214" cy="584775"/>
+          </a:xfrm>
+          <a:prstGeom prst="rect">
+            <a:avLst/>
+          </a:prstGeom>
+          <a:noFill/>
+        </p:spPr>
+        <p:txBody>
+          <a:bodyPr wrap="square" rtlCol="0">
+            <a:spAutoFit/>
+          </a:bodyPr>
+          <a:lstStyle/>
+          <a:p>
+            <a:r>
+              <a:rPr lang="en-US" altLang="zh-CN" sz="3200" b="1" dirty="0"/>
+              <a:t>Y= F(X)</a:t>
+            </a:r>
+            <a:endParaRPr lang="zh-CN" altLang="en-US" sz="3200" b="1" dirty="0"/>
           </a:p>
         </p:txBody>
       </p:sp>
@@ -4886,712 +5292,958 @@
       </p:grpSpPr>
       <p:sp>
         <p:nvSpPr>
-          <p:cNvPr id="2" name="椭圆 1">
-            <a:extLst>
-              <a:ext uri="{FF2B5EF4-FFF2-40B4-BE49-F238E27FC236}">
-                <a16:creationId xmlns:a16="http://schemas.microsoft.com/office/drawing/2014/main" id="{9C8D1B08-AABE-CB26-E0DF-B972FCD61D53}"/>
-              </a:ext>
-            </a:extLst>
-          </p:cNvPr>
-          <p:cNvSpPr/>
+          <p:cNvPr id="2" name="标题 1">
+            <a:extLst>
+              <a:ext uri="{FF2B5EF4-FFF2-40B4-BE49-F238E27FC236}">
+                <a16:creationId xmlns:a16="http://schemas.microsoft.com/office/drawing/2014/main" id="{7B078A78-F1A6-B200-A327-496477BABCB1}"/>
+              </a:ext>
+            </a:extLst>
+          </p:cNvPr>
+          <p:cNvSpPr>
+            <a:spLocks noGrp="1"/>
+          </p:cNvSpPr>
+          <p:nvPr>
+            <p:ph type="title"/>
+          </p:nvPr>
+        </p:nvSpPr>
+        <p:spPr/>
+        <p:txBody>
+          <a:bodyPr/>
+          <a:lstStyle/>
+          <a:p>
+            <a:r>
+              <a:rPr lang="zh-CN" altLang="en-US" b="1" dirty="0"/>
+              <a:t>扩展软件复用原理</a:t>
+            </a:r>
+          </a:p>
+        </p:txBody>
+      </p:sp>
+      <p:pic>
+        <p:nvPicPr>
+          <p:cNvPr id="6" name="图片 44">
+            <a:extLst>
+              <a:ext uri="{FF2B5EF4-FFF2-40B4-BE49-F238E27FC236}">
+                <a16:creationId xmlns:a16="http://schemas.microsoft.com/office/drawing/2014/main" id="{E7713B08-8561-A98A-26D1-8F9F39A8CC25}"/>
+              </a:ext>
+            </a:extLst>
+          </p:cNvPr>
+          <p:cNvPicPr>
+            <a:picLocks noChangeAspect="1" noChangeArrowheads="1"/>
+          </p:cNvPicPr>
           <p:nvPr/>
-        </p:nvSpPr>
-        <p:spPr>
-          <a:xfrm>
-            <a:off x="4388779" y="969073"/>
-            <a:ext cx="1661602" cy="751537"/>
-          </a:xfrm>
-          <a:prstGeom prst="ellipse">
-            <a:avLst/>
-          </a:prstGeom>
-        </p:spPr>
-        <p:style>
-          <a:lnRef idx="2">
-            <a:schemeClr val="accent1">
-              <a:shade val="50000"/>
-            </a:schemeClr>
-          </a:lnRef>
-          <a:fillRef idx="1">
-            <a:schemeClr val="accent1"/>
-          </a:fillRef>
-          <a:effectRef idx="0">
-            <a:schemeClr val="accent1"/>
-          </a:effectRef>
-          <a:fontRef idx="minor">
-            <a:schemeClr val="lt1"/>
-          </a:fontRef>
-        </p:style>
-        <p:txBody>
-          <a:bodyPr rtlCol="0" anchor="ctr"/>
-          <a:lstStyle/>
-          <a:p>
-            <a:pPr algn="ctr"/>
-            <a:r>
-              <a:rPr lang="en-US" altLang="zh-CN" dirty="0"/>
-              <a:t>DSL</a:t>
-            </a:r>
-            <a:endParaRPr lang="zh-CN" altLang="en-US" dirty="0"/>
-          </a:p>
-        </p:txBody>
-      </p:sp>
-      <p:sp>
-        <p:nvSpPr>
-          <p:cNvPr id="3" name="椭圆 2">
-            <a:extLst>
-              <a:ext uri="{FF2B5EF4-FFF2-40B4-BE49-F238E27FC236}">
-                <a16:creationId xmlns:a16="http://schemas.microsoft.com/office/drawing/2014/main" id="{196463FB-5DD0-02E5-1BD9-45C2957449D1}"/>
-              </a:ext>
-            </a:extLst>
-          </p:cNvPr>
-          <p:cNvSpPr/>
-          <p:nvPr/>
-        </p:nvSpPr>
-        <p:spPr>
-          <a:xfrm>
-            <a:off x="7411094" y="974521"/>
-            <a:ext cx="1661603" cy="751537"/>
-          </a:xfrm>
-          <a:prstGeom prst="ellipse">
-            <a:avLst/>
-          </a:prstGeom>
-          <a:solidFill>
-            <a:schemeClr val="tx1"/>
-          </a:solidFill>
-        </p:spPr>
-        <p:style>
-          <a:lnRef idx="2">
-            <a:schemeClr val="accent1">
-              <a:shade val="50000"/>
-            </a:schemeClr>
-          </a:lnRef>
-          <a:fillRef idx="1">
-            <a:schemeClr val="accent1"/>
-          </a:fillRef>
-          <a:effectRef idx="0">
-            <a:schemeClr val="accent1"/>
-          </a:effectRef>
-          <a:fontRef idx="minor">
-            <a:schemeClr val="lt1"/>
-          </a:fontRef>
-        </p:style>
-        <p:txBody>
-          <a:bodyPr rtlCol="0" anchor="ctr"/>
-          <a:lstStyle/>
-          <a:p>
-            <a:pPr algn="ctr"/>
-            <a:r>
-              <a:rPr lang="en-US" altLang="zh-CN" dirty="0"/>
-              <a:t>App</a:t>
-            </a:r>
-            <a:endParaRPr lang="zh-CN" altLang="en-US" dirty="0"/>
-          </a:p>
-        </p:txBody>
-      </p:sp>
-      <p:sp>
-        <p:nvSpPr>
-          <p:cNvPr id="5" name="箭头: 右 4">
-            <a:extLst>
-              <a:ext uri="{FF2B5EF4-FFF2-40B4-BE49-F238E27FC236}">
-                <a16:creationId xmlns:a16="http://schemas.microsoft.com/office/drawing/2014/main" id="{6F3292F0-E1F7-D047-2003-B400FD1A1F57}"/>
-              </a:ext>
-            </a:extLst>
-          </p:cNvPr>
-          <p:cNvSpPr/>
-          <p:nvPr/>
-        </p:nvSpPr>
-        <p:spPr>
-          <a:xfrm>
-            <a:off x="6376951" y="1246661"/>
-            <a:ext cx="849086" cy="122464"/>
-          </a:xfrm>
-          <a:prstGeom prst="rightArrow">
-            <a:avLst/>
-          </a:prstGeom>
-        </p:spPr>
-        <p:style>
-          <a:lnRef idx="2">
-            <a:schemeClr val="accent1">
-              <a:shade val="50000"/>
-            </a:schemeClr>
-          </a:lnRef>
-          <a:fillRef idx="1">
-            <a:schemeClr val="accent1"/>
-          </a:fillRef>
-          <a:effectRef idx="0">
-            <a:schemeClr val="accent1"/>
-          </a:effectRef>
-          <a:fontRef idx="minor">
-            <a:schemeClr val="lt1"/>
-          </a:fontRef>
-        </p:style>
-        <p:txBody>
-          <a:bodyPr rtlCol="0" anchor="ctr"/>
-          <a:lstStyle/>
-          <a:p>
-            <a:pPr algn="ctr"/>
-            <a:endParaRPr lang="zh-CN" altLang="en-US"/>
-          </a:p>
-        </p:txBody>
-      </p:sp>
-      <p:sp>
-        <p:nvSpPr>
-          <p:cNvPr id="26" name="矩形 25">
-            <a:extLst>
-              <a:ext uri="{FF2B5EF4-FFF2-40B4-BE49-F238E27FC236}">
-                <a16:creationId xmlns:a16="http://schemas.microsoft.com/office/drawing/2014/main" id="{7CE1272F-FB37-D915-AAE0-14957294C46B}"/>
-              </a:ext>
-            </a:extLst>
-          </p:cNvPr>
-          <p:cNvSpPr/>
-          <p:nvPr/>
-        </p:nvSpPr>
-        <p:spPr>
-          <a:xfrm>
-            <a:off x="3953768" y="2636917"/>
-            <a:ext cx="2168531" cy="751537"/>
-          </a:xfrm>
-          <a:prstGeom prst="rect">
-            <a:avLst/>
-          </a:prstGeom>
-        </p:spPr>
-        <p:style>
-          <a:lnRef idx="2">
-            <a:schemeClr val="accent1">
-              <a:shade val="50000"/>
-            </a:schemeClr>
-          </a:lnRef>
-          <a:fillRef idx="1">
-            <a:schemeClr val="accent1"/>
-          </a:fillRef>
-          <a:effectRef idx="0">
-            <a:schemeClr val="accent1"/>
-          </a:effectRef>
-          <a:fontRef idx="minor">
-            <a:schemeClr val="lt1"/>
-          </a:fontRef>
-        </p:style>
-        <p:txBody>
-          <a:bodyPr rtlCol="0" anchor="ctr"/>
-          <a:lstStyle/>
-          <a:p>
-            <a:pPr algn="ctr"/>
-            <a:r>
-              <a:rPr lang="en-US" altLang="zh-CN" dirty="0"/>
-              <a:t>Generator&lt;DSL&gt;</a:t>
-            </a:r>
-            <a:endParaRPr lang="zh-CN" altLang="en-US" dirty="0"/>
-          </a:p>
-        </p:txBody>
-      </p:sp>
-      <p:sp>
-        <p:nvSpPr>
-          <p:cNvPr id="27" name="波形 26">
-            <a:extLst>
-              <a:ext uri="{FF2B5EF4-FFF2-40B4-BE49-F238E27FC236}">
-                <a16:creationId xmlns:a16="http://schemas.microsoft.com/office/drawing/2014/main" id="{54F89A0A-395C-1284-2BEF-441CAB1693D9}"/>
-              </a:ext>
-            </a:extLst>
-          </p:cNvPr>
-          <p:cNvSpPr/>
-          <p:nvPr/>
-        </p:nvSpPr>
-        <p:spPr>
-          <a:xfrm>
-            <a:off x="6421347" y="2825394"/>
-            <a:ext cx="849086" cy="184142"/>
-          </a:xfrm>
-          <a:prstGeom prst="wave">
-            <a:avLst/>
-          </a:prstGeom>
-        </p:spPr>
-        <p:style>
-          <a:lnRef idx="2">
-            <a:schemeClr val="accent1">
-              <a:shade val="50000"/>
-            </a:schemeClr>
-          </a:lnRef>
-          <a:fillRef idx="1">
-            <a:schemeClr val="accent1"/>
-          </a:fillRef>
-          <a:effectRef idx="0">
-            <a:schemeClr val="accent1"/>
-          </a:effectRef>
-          <a:fontRef idx="minor">
-            <a:schemeClr val="lt1"/>
-          </a:fontRef>
-        </p:style>
-        <p:txBody>
-          <a:bodyPr rtlCol="0" anchor="ctr"/>
-          <a:lstStyle/>
-          <a:p>
-            <a:pPr algn="ctr"/>
-            <a:endParaRPr lang="zh-CN" altLang="en-US"/>
-          </a:p>
-        </p:txBody>
-      </p:sp>
-      <p:sp>
-        <p:nvSpPr>
-          <p:cNvPr id="28" name="波形 27">
-            <a:extLst>
-              <a:ext uri="{FF2B5EF4-FFF2-40B4-BE49-F238E27FC236}">
-                <a16:creationId xmlns:a16="http://schemas.microsoft.com/office/drawing/2014/main" id="{FD6469EE-34F1-2386-64CF-D5539AA5F783}"/>
-              </a:ext>
-            </a:extLst>
-          </p:cNvPr>
-          <p:cNvSpPr/>
-          <p:nvPr/>
-        </p:nvSpPr>
-        <p:spPr>
-          <a:xfrm>
-            <a:off x="6421347" y="3051422"/>
-            <a:ext cx="849086" cy="184142"/>
-          </a:xfrm>
-          <a:prstGeom prst="wave">
-            <a:avLst/>
-          </a:prstGeom>
-        </p:spPr>
-        <p:style>
-          <a:lnRef idx="2">
-            <a:schemeClr val="accent1">
-              <a:shade val="50000"/>
-            </a:schemeClr>
-          </a:lnRef>
-          <a:fillRef idx="1">
-            <a:schemeClr val="accent1"/>
-          </a:fillRef>
-          <a:effectRef idx="0">
-            <a:schemeClr val="accent1"/>
-          </a:effectRef>
-          <a:fontRef idx="minor">
-            <a:schemeClr val="lt1"/>
-          </a:fontRef>
-        </p:style>
-        <p:txBody>
-          <a:bodyPr rtlCol="0" anchor="ctr"/>
-          <a:lstStyle/>
-          <a:p>
-            <a:pPr algn="ctr"/>
-            <a:endParaRPr lang="zh-CN" altLang="en-US"/>
-          </a:p>
-        </p:txBody>
-      </p:sp>
-      <p:sp>
-        <p:nvSpPr>
-          <p:cNvPr id="29" name="椭圆 28">
-            <a:extLst>
-              <a:ext uri="{FF2B5EF4-FFF2-40B4-BE49-F238E27FC236}">
-                <a16:creationId xmlns:a16="http://schemas.microsoft.com/office/drawing/2014/main" id="{3876BAD3-A6D9-E452-43F0-80BF855A026B}"/>
-              </a:ext>
-            </a:extLst>
-          </p:cNvPr>
-          <p:cNvSpPr/>
-          <p:nvPr/>
-        </p:nvSpPr>
-        <p:spPr>
-          <a:xfrm>
-            <a:off x="7460754" y="2575576"/>
-            <a:ext cx="1661603" cy="751537"/>
-          </a:xfrm>
-          <a:prstGeom prst="ellipse">
-            <a:avLst/>
-          </a:prstGeom>
-          <a:solidFill>
-            <a:schemeClr val="tx1"/>
-          </a:solidFill>
-        </p:spPr>
-        <p:style>
-          <a:lnRef idx="2">
-            <a:schemeClr val="accent1">
-              <a:shade val="50000"/>
-            </a:schemeClr>
-          </a:lnRef>
-          <a:fillRef idx="1">
-            <a:schemeClr val="accent1"/>
-          </a:fillRef>
-          <a:effectRef idx="0">
-            <a:schemeClr val="accent1"/>
-          </a:effectRef>
-          <a:fontRef idx="minor">
-            <a:schemeClr val="lt1"/>
-          </a:fontRef>
-        </p:style>
-        <p:txBody>
-          <a:bodyPr rtlCol="0" anchor="ctr"/>
-          <a:lstStyle/>
-          <a:p>
-            <a:pPr algn="ctr"/>
-            <a:r>
-              <a:rPr lang="en-US" altLang="zh-CN" dirty="0"/>
-              <a:t>App</a:t>
-            </a:r>
-            <a:endParaRPr lang="zh-CN" altLang="en-US" dirty="0"/>
-          </a:p>
-        </p:txBody>
-      </p:sp>
-      <p:sp>
-        <p:nvSpPr>
-          <p:cNvPr id="30" name="椭圆 29">
-            <a:extLst>
-              <a:ext uri="{FF2B5EF4-FFF2-40B4-BE49-F238E27FC236}">
-                <a16:creationId xmlns:a16="http://schemas.microsoft.com/office/drawing/2014/main" id="{616A20E3-C00A-BBC1-D970-B5C701808B2F}"/>
-              </a:ext>
-            </a:extLst>
-          </p:cNvPr>
-          <p:cNvSpPr/>
-          <p:nvPr/>
-        </p:nvSpPr>
-        <p:spPr>
-          <a:xfrm>
-            <a:off x="2239765" y="4515679"/>
-            <a:ext cx="1661603" cy="751537"/>
-          </a:xfrm>
-          <a:prstGeom prst="ellipse">
-            <a:avLst/>
-          </a:prstGeom>
-          <a:solidFill>
-            <a:srgbClr val="00B050"/>
-          </a:solidFill>
-        </p:spPr>
-        <p:style>
-          <a:lnRef idx="2">
-            <a:schemeClr val="accent1">
-              <a:shade val="50000"/>
-            </a:schemeClr>
-          </a:lnRef>
-          <a:fillRef idx="1">
-            <a:schemeClr val="accent1"/>
-          </a:fillRef>
-          <a:effectRef idx="0">
-            <a:schemeClr val="accent1"/>
-          </a:effectRef>
-          <a:fontRef idx="minor">
-            <a:schemeClr val="lt1"/>
-          </a:fontRef>
-        </p:style>
-        <p:txBody>
-          <a:bodyPr rtlCol="0" anchor="ctr"/>
-          <a:lstStyle/>
-          <a:p>
-            <a:pPr algn="ctr"/>
-            <a:r>
-              <a:rPr lang="en-US" altLang="zh-CN" dirty="0"/>
-              <a:t>Delta</a:t>
-            </a:r>
-            <a:endParaRPr lang="zh-CN" altLang="en-US" dirty="0"/>
-          </a:p>
-        </p:txBody>
-      </p:sp>
-      <p:sp>
-        <p:nvSpPr>
-          <p:cNvPr id="34" name="矩形 33">
-            <a:extLst>
-              <a:ext uri="{FF2B5EF4-FFF2-40B4-BE49-F238E27FC236}">
-                <a16:creationId xmlns:a16="http://schemas.microsoft.com/office/drawing/2014/main" id="{9D124D0D-80EC-99EE-1E71-82D0F4D25F32}"/>
-              </a:ext>
-            </a:extLst>
-          </p:cNvPr>
-          <p:cNvSpPr/>
-          <p:nvPr/>
-        </p:nvSpPr>
-        <p:spPr>
-          <a:xfrm>
-            <a:off x="5308602" y="4515788"/>
-            <a:ext cx="2168531" cy="751537"/>
-          </a:xfrm>
-          <a:prstGeom prst="rect">
-            <a:avLst/>
-          </a:prstGeom>
-        </p:spPr>
-        <p:style>
-          <a:lnRef idx="2">
-            <a:schemeClr val="accent1">
-              <a:shade val="50000"/>
-            </a:schemeClr>
-          </a:lnRef>
-          <a:fillRef idx="1">
-            <a:schemeClr val="accent1"/>
-          </a:fillRef>
-          <a:effectRef idx="0">
-            <a:schemeClr val="accent1"/>
-          </a:effectRef>
-          <a:fontRef idx="minor">
-            <a:schemeClr val="lt1"/>
-          </a:fontRef>
-        </p:style>
-        <p:txBody>
-          <a:bodyPr rtlCol="0" anchor="ctr"/>
-          <a:lstStyle/>
-          <a:p>
-            <a:pPr algn="ctr"/>
-            <a:r>
-              <a:rPr lang="en-US" altLang="zh-CN" dirty="0"/>
-              <a:t>Generator&lt;DSL&gt;</a:t>
-            </a:r>
-            <a:endParaRPr lang="zh-CN" altLang="en-US" dirty="0"/>
-          </a:p>
-        </p:txBody>
-      </p:sp>
-      <p:sp>
-        <p:nvSpPr>
-          <p:cNvPr id="35" name="箭头: 右 34">
-            <a:extLst>
-              <a:ext uri="{FF2B5EF4-FFF2-40B4-BE49-F238E27FC236}">
-                <a16:creationId xmlns:a16="http://schemas.microsoft.com/office/drawing/2014/main" id="{4AC889E5-7C6B-345C-EB0D-EA6A15EE3E41}"/>
-              </a:ext>
-            </a:extLst>
-          </p:cNvPr>
-          <p:cNvSpPr/>
-          <p:nvPr/>
-        </p:nvSpPr>
-        <p:spPr>
-          <a:xfrm>
-            <a:off x="4203532" y="4765565"/>
-            <a:ext cx="842481" cy="293960"/>
-          </a:xfrm>
-          <a:prstGeom prst="rightArrow">
-            <a:avLst>
-              <a:gd name="adj1" fmla="val 33704"/>
-              <a:gd name="adj2" fmla="val 50000"/>
-            </a:avLst>
-          </a:prstGeom>
-        </p:spPr>
-        <p:style>
-          <a:lnRef idx="2">
-            <a:schemeClr val="accent1">
-              <a:shade val="50000"/>
-            </a:schemeClr>
-          </a:lnRef>
-          <a:fillRef idx="1">
-            <a:schemeClr val="accent1"/>
-          </a:fillRef>
-          <a:effectRef idx="0">
-            <a:schemeClr val="accent1"/>
-          </a:effectRef>
-          <a:fontRef idx="minor">
-            <a:schemeClr val="lt1"/>
-          </a:fontRef>
-        </p:style>
-        <p:txBody>
-          <a:bodyPr rtlCol="0" anchor="ctr"/>
-          <a:lstStyle/>
-          <a:p>
-            <a:pPr algn="ctr"/>
-            <a:endParaRPr lang="zh-CN" altLang="en-US"/>
-          </a:p>
-        </p:txBody>
-      </p:sp>
-      <p:sp>
-        <p:nvSpPr>
-          <p:cNvPr id="33" name="加号 32">
-            <a:extLst>
-              <a:ext uri="{FF2B5EF4-FFF2-40B4-BE49-F238E27FC236}">
-                <a16:creationId xmlns:a16="http://schemas.microsoft.com/office/drawing/2014/main" id="{679FA90A-2AC3-68A9-EF59-E42519DE28E1}"/>
-              </a:ext>
-            </a:extLst>
-          </p:cNvPr>
-          <p:cNvSpPr/>
-          <p:nvPr/>
-        </p:nvSpPr>
-        <p:spPr>
-          <a:xfrm>
-            <a:off x="4058597" y="4536485"/>
-            <a:ext cx="977142" cy="751537"/>
-          </a:xfrm>
-          <a:prstGeom prst="mathPlus">
-            <a:avLst/>
-          </a:prstGeom>
-        </p:spPr>
-        <p:style>
-          <a:lnRef idx="2">
-            <a:schemeClr val="accent1">
-              <a:shade val="50000"/>
-            </a:schemeClr>
-          </a:lnRef>
-          <a:fillRef idx="1">
-            <a:schemeClr val="accent1"/>
-          </a:fillRef>
-          <a:effectRef idx="0">
-            <a:schemeClr val="accent1"/>
-          </a:effectRef>
-          <a:fontRef idx="minor">
-            <a:schemeClr val="lt1"/>
-          </a:fontRef>
-        </p:style>
-        <p:txBody>
-          <a:bodyPr rtlCol="0" anchor="ctr"/>
-          <a:lstStyle/>
-          <a:p>
-            <a:pPr algn="ctr"/>
-            <a:endParaRPr lang="zh-CN" altLang="en-US"/>
-          </a:p>
-        </p:txBody>
-      </p:sp>
-      <p:sp>
-        <p:nvSpPr>
-          <p:cNvPr id="37" name="矩形 36">
-            <a:extLst>
-              <a:ext uri="{FF2B5EF4-FFF2-40B4-BE49-F238E27FC236}">
-                <a16:creationId xmlns:a16="http://schemas.microsoft.com/office/drawing/2014/main" id="{0FFC943B-05AA-5C56-2937-2AC8C8200392}"/>
-              </a:ext>
-            </a:extLst>
-          </p:cNvPr>
-          <p:cNvSpPr/>
-          <p:nvPr/>
-        </p:nvSpPr>
-        <p:spPr>
-          <a:xfrm>
-            <a:off x="8001862" y="4940158"/>
-            <a:ext cx="772268" cy="119367"/>
-          </a:xfrm>
-          <a:prstGeom prst="rect">
-            <a:avLst/>
-          </a:prstGeom>
-        </p:spPr>
-        <p:style>
-          <a:lnRef idx="2">
-            <a:schemeClr val="accent1">
-              <a:shade val="50000"/>
-            </a:schemeClr>
-          </a:lnRef>
-          <a:fillRef idx="1">
-            <a:schemeClr val="accent1"/>
-          </a:fillRef>
-          <a:effectRef idx="0">
-            <a:schemeClr val="accent1"/>
-          </a:effectRef>
-          <a:fontRef idx="minor">
-            <a:schemeClr val="lt1"/>
-          </a:fontRef>
-        </p:style>
-        <p:txBody>
-          <a:bodyPr rtlCol="0" anchor="ctr"/>
-          <a:lstStyle/>
-          <a:p>
-            <a:pPr algn="ctr"/>
-            <a:endParaRPr lang="zh-CN" altLang="en-US"/>
-          </a:p>
-        </p:txBody>
-      </p:sp>
-      <p:sp>
-        <p:nvSpPr>
-          <p:cNvPr id="38" name="矩形 37">
-            <a:extLst>
-              <a:ext uri="{FF2B5EF4-FFF2-40B4-BE49-F238E27FC236}">
-                <a16:creationId xmlns:a16="http://schemas.microsoft.com/office/drawing/2014/main" id="{2503C6B9-8588-97A4-FA82-68BDEF9F1EF0}"/>
-              </a:ext>
-            </a:extLst>
-          </p:cNvPr>
-          <p:cNvSpPr/>
-          <p:nvPr/>
-        </p:nvSpPr>
-        <p:spPr>
-          <a:xfrm>
-            <a:off x="8000151" y="4743238"/>
-            <a:ext cx="773979" cy="119367"/>
-          </a:xfrm>
-          <a:prstGeom prst="rect">
-            <a:avLst/>
-          </a:prstGeom>
-        </p:spPr>
-        <p:style>
-          <a:lnRef idx="2">
-            <a:schemeClr val="accent1">
-              <a:shade val="50000"/>
-            </a:schemeClr>
-          </a:lnRef>
-          <a:fillRef idx="1">
-            <a:schemeClr val="accent1"/>
-          </a:fillRef>
-          <a:effectRef idx="0">
-            <a:schemeClr val="accent1"/>
-          </a:effectRef>
-          <a:fontRef idx="minor">
-            <a:schemeClr val="lt1"/>
-          </a:fontRef>
-        </p:style>
-        <p:txBody>
-          <a:bodyPr rtlCol="0" anchor="ctr"/>
-          <a:lstStyle/>
-          <a:p>
-            <a:pPr algn="ctr"/>
-            <a:endParaRPr lang="zh-CN" altLang="en-US"/>
-          </a:p>
-        </p:txBody>
-      </p:sp>
-      <p:sp>
-        <p:nvSpPr>
-          <p:cNvPr id="39" name="椭圆 38">
-            <a:extLst>
-              <a:ext uri="{FF2B5EF4-FFF2-40B4-BE49-F238E27FC236}">
-                <a16:creationId xmlns:a16="http://schemas.microsoft.com/office/drawing/2014/main" id="{4CC97309-4587-F45D-255D-14A6EC6D9BBB}"/>
-              </a:ext>
-            </a:extLst>
-          </p:cNvPr>
-          <p:cNvSpPr/>
-          <p:nvPr/>
-        </p:nvSpPr>
-        <p:spPr>
-          <a:xfrm>
-            <a:off x="9246749" y="4505404"/>
-            <a:ext cx="1661603" cy="751537"/>
-          </a:xfrm>
-          <a:prstGeom prst="ellipse">
-            <a:avLst/>
-          </a:prstGeom>
-          <a:solidFill>
-            <a:schemeClr val="tx1"/>
-          </a:solidFill>
-        </p:spPr>
-        <p:style>
-          <a:lnRef idx="2">
-            <a:schemeClr val="accent1">
-              <a:shade val="50000"/>
-            </a:schemeClr>
-          </a:lnRef>
-          <a:fillRef idx="1">
-            <a:schemeClr val="accent1"/>
-          </a:fillRef>
-          <a:effectRef idx="0">
-            <a:schemeClr val="accent1"/>
-          </a:effectRef>
-          <a:fontRef idx="minor">
-            <a:schemeClr val="lt1"/>
-          </a:fontRef>
-        </p:style>
-        <p:txBody>
-          <a:bodyPr rtlCol="0" anchor="ctr"/>
-          <a:lstStyle/>
-          <a:p>
-            <a:pPr algn="ctr"/>
-            <a:r>
-              <a:rPr lang="en-US" altLang="zh-CN" dirty="0"/>
-              <a:t>App</a:t>
-            </a:r>
-            <a:endParaRPr lang="zh-CN" altLang="en-US" dirty="0"/>
-          </a:p>
-        </p:txBody>
-      </p:sp>
-      <p:sp>
-        <p:nvSpPr>
-          <p:cNvPr id="6" name="文本框 5">
-            <a:extLst>
-              <a:ext uri="{FF2B5EF4-FFF2-40B4-BE49-F238E27FC236}">
-                <a16:creationId xmlns:a16="http://schemas.microsoft.com/office/drawing/2014/main" id="{886044FC-B065-DE39-E07E-69143E830ED5}"/>
-              </a:ext>
-            </a:extLst>
-          </p:cNvPr>
-          <p:cNvSpPr txBox="1"/>
-          <p:nvPr/>
-        </p:nvSpPr>
-        <p:spPr>
-          <a:xfrm>
-            <a:off x="531957" y="275012"/>
-            <a:ext cx="1944115" cy="523220"/>
+        </p:nvPicPr>
+        <p:blipFill>
+          <a:blip r:embed="rId2">
+            <a:extLst>
+              <a:ext uri="{28A0092B-C50C-407E-A947-70E740481C1C}">
+                <a14:useLocalDpi xmlns:a14="http://schemas.microsoft.com/office/drawing/2010/main" val="0"/>
+              </a:ext>
+            </a:extLst>
+          </a:blip>
+          <a:srcRect/>
+          <a:stretch>
+            <a:fillRect/>
+          </a:stretch>
+        </p:blipFill>
+        <p:spPr bwMode="auto">
+          <a:xfrm>
+            <a:off x="2835956" y="1636485"/>
+            <a:ext cx="1968500" cy="3389313"/>
           </a:xfrm>
           <a:prstGeom prst="rect">
             <a:avLst/>
           </a:prstGeom>
           <a:noFill/>
+          <a:ln>
+            <a:noFill/>
+          </a:ln>
+          <a:extLst>
+            <a:ext uri="{909E8E84-426E-40DD-AFC4-6F175D3DCCD1}">
+              <a14:hiddenFill xmlns:a14="http://schemas.microsoft.com/office/drawing/2010/main">
+                <a:solidFill>
+                  <a:srgbClr val="FFFFFF"/>
+                </a:solidFill>
+              </a14:hiddenFill>
+            </a:ext>
+            <a:ext uri="{91240B29-F687-4F45-9708-019B960494DF}">
+              <a14:hiddenLine xmlns:a14="http://schemas.microsoft.com/office/drawing/2010/main" w="9525">
+                <a:solidFill>
+                  <a:srgbClr val="000000"/>
+                </a:solidFill>
+                <a:miter lim="800000"/>
+                <a:headEnd/>
+                <a:tailEnd/>
+              </a14:hiddenLine>
+            </a:ext>
+          </a:extLst>
+        </p:spPr>
+      </p:pic>
+      <p:pic>
+        <p:nvPicPr>
+          <p:cNvPr id="7" name="图片 45">
+            <a:extLst>
+              <a:ext uri="{FF2B5EF4-FFF2-40B4-BE49-F238E27FC236}">
+                <a16:creationId xmlns:a16="http://schemas.microsoft.com/office/drawing/2014/main" id="{C063EFAC-AD27-8CAD-6B11-204A22D87A5D}"/>
+              </a:ext>
+            </a:extLst>
+          </p:cNvPr>
+          <p:cNvPicPr>
+            <a:picLocks noChangeAspect="1" noChangeArrowheads="1"/>
+          </p:cNvPicPr>
+          <p:nvPr/>
+        </p:nvPicPr>
+        <p:blipFill>
+          <a:blip r:embed="rId3">
+            <a:extLst>
+              <a:ext uri="{28A0092B-C50C-407E-A947-70E740481C1C}">
+                <a14:useLocalDpi xmlns:a14="http://schemas.microsoft.com/office/drawing/2010/main" val="0"/>
+              </a:ext>
+            </a:extLst>
+          </a:blip>
+          <a:srcRect/>
+          <a:stretch>
+            <a:fillRect/>
+          </a:stretch>
+        </p:blipFill>
+        <p:spPr bwMode="auto">
+          <a:xfrm>
+            <a:off x="875393" y="1606323"/>
+            <a:ext cx="2014538" cy="3467100"/>
+          </a:xfrm>
+          <a:prstGeom prst="rect">
+            <a:avLst/>
+          </a:prstGeom>
+          <a:noFill/>
+          <a:ln>
+            <a:noFill/>
+          </a:ln>
+          <a:extLst>
+            <a:ext uri="{909E8E84-426E-40DD-AFC4-6F175D3DCCD1}">
+              <a14:hiddenFill xmlns:a14="http://schemas.microsoft.com/office/drawing/2010/main">
+                <a:solidFill>
+                  <a:srgbClr val="FFFFFF"/>
+                </a:solidFill>
+              </a14:hiddenFill>
+            </a:ext>
+            <a:ext uri="{91240B29-F687-4F45-9708-019B960494DF}">
+              <a14:hiddenLine xmlns:a14="http://schemas.microsoft.com/office/drawing/2010/main" w="9525">
+                <a:solidFill>
+                  <a:srgbClr val="000000"/>
+                </a:solidFill>
+                <a:miter lim="800000"/>
+                <a:headEnd/>
+                <a:tailEnd/>
+              </a14:hiddenLine>
+            </a:ext>
+          </a:extLst>
+        </p:spPr>
+      </p:pic>
+      <p:pic>
+        <p:nvPicPr>
+          <p:cNvPr id="8" name="图片 47">
+            <a:extLst>
+              <a:ext uri="{FF2B5EF4-FFF2-40B4-BE49-F238E27FC236}">
+                <a16:creationId xmlns:a16="http://schemas.microsoft.com/office/drawing/2014/main" id="{A66C486B-2F08-4AED-0816-EEA5A32554B9}"/>
+              </a:ext>
+            </a:extLst>
+          </p:cNvPr>
+          <p:cNvPicPr>
+            <a:picLocks noChangeAspect="1" noChangeArrowheads="1"/>
+          </p:cNvPicPr>
+          <p:nvPr/>
+        </p:nvPicPr>
+        <p:blipFill>
+          <a:blip r:embed="rId4">
+            <a:extLst>
+              <a:ext uri="{28A0092B-C50C-407E-A947-70E740481C1C}">
+                <a14:useLocalDpi xmlns:a14="http://schemas.microsoft.com/office/drawing/2010/main" val="0"/>
+              </a:ext>
+            </a:extLst>
+          </a:blip>
+          <a:srcRect/>
+          <a:stretch>
+            <a:fillRect/>
+          </a:stretch>
+        </p:blipFill>
+        <p:spPr bwMode="auto">
+          <a:xfrm>
+            <a:off x="835706" y="3633560"/>
+            <a:ext cx="1616075" cy="1438275"/>
+          </a:xfrm>
+          <a:prstGeom prst="rect">
+            <a:avLst/>
+          </a:prstGeom>
+          <a:noFill/>
+          <a:ln>
+            <a:noFill/>
+          </a:ln>
+          <a:extLst>
+            <a:ext uri="{909E8E84-426E-40DD-AFC4-6F175D3DCCD1}">
+              <a14:hiddenFill xmlns:a14="http://schemas.microsoft.com/office/drawing/2010/main">
+                <a:solidFill>
+                  <a:srgbClr val="FFFFFF"/>
+                </a:solidFill>
+              </a14:hiddenFill>
+            </a:ext>
+            <a:ext uri="{91240B29-F687-4F45-9708-019B960494DF}">
+              <a14:hiddenLine xmlns:a14="http://schemas.microsoft.com/office/drawing/2010/main" w="9525">
+                <a:solidFill>
+                  <a:srgbClr val="000000"/>
+                </a:solidFill>
+                <a:miter lim="800000"/>
+                <a:headEnd/>
+                <a:tailEnd/>
+              </a14:hiddenLine>
+            </a:ext>
+          </a:extLst>
+        </p:spPr>
+      </p:pic>
+      <p:pic>
+        <p:nvPicPr>
+          <p:cNvPr id="9" name="图片 48">
+            <a:extLst>
+              <a:ext uri="{FF2B5EF4-FFF2-40B4-BE49-F238E27FC236}">
+                <a16:creationId xmlns:a16="http://schemas.microsoft.com/office/drawing/2014/main" id="{3960B91D-698F-D66F-325A-FC69A0D2B306}"/>
+              </a:ext>
+            </a:extLst>
+          </p:cNvPr>
+          <p:cNvPicPr>
+            <a:picLocks noChangeAspect="1" noChangeArrowheads="1"/>
+          </p:cNvPicPr>
+          <p:nvPr/>
+        </p:nvPicPr>
+        <p:blipFill>
+          <a:blip r:embed="rId5">
+            <a:extLst>
+              <a:ext uri="{28A0092B-C50C-407E-A947-70E740481C1C}">
+                <a14:useLocalDpi xmlns:a14="http://schemas.microsoft.com/office/drawing/2010/main" val="0"/>
+              </a:ext>
+            </a:extLst>
+          </a:blip>
+          <a:srcRect/>
+          <a:stretch>
+            <a:fillRect/>
+          </a:stretch>
+        </p:blipFill>
+        <p:spPr bwMode="auto">
+          <a:xfrm>
+            <a:off x="3256643" y="3635148"/>
+            <a:ext cx="1612900" cy="1433512"/>
+          </a:xfrm>
+          <a:prstGeom prst="rect">
+            <a:avLst/>
+          </a:prstGeom>
+          <a:noFill/>
+          <a:ln>
+            <a:noFill/>
+          </a:ln>
+          <a:extLst>
+            <a:ext uri="{909E8E84-426E-40DD-AFC4-6F175D3DCCD1}">
+              <a14:hiddenFill xmlns:a14="http://schemas.microsoft.com/office/drawing/2010/main">
+                <a:solidFill>
+                  <a:srgbClr val="FFFFFF"/>
+                </a:solidFill>
+              </a14:hiddenFill>
+            </a:ext>
+            <a:ext uri="{91240B29-F687-4F45-9708-019B960494DF}">
+              <a14:hiddenLine xmlns:a14="http://schemas.microsoft.com/office/drawing/2010/main" w="9525">
+                <a:solidFill>
+                  <a:srgbClr val="000000"/>
+                </a:solidFill>
+                <a:miter lim="800000"/>
+                <a:headEnd/>
+                <a:tailEnd/>
+              </a14:hiddenLine>
+            </a:ext>
+          </a:extLst>
+        </p:spPr>
+      </p:pic>
+      <p:pic>
+        <p:nvPicPr>
+          <p:cNvPr id="10" name="图片 49">
+            <a:extLst>
+              <a:ext uri="{FF2B5EF4-FFF2-40B4-BE49-F238E27FC236}">
+                <a16:creationId xmlns:a16="http://schemas.microsoft.com/office/drawing/2014/main" id="{C5699981-20A1-1328-E804-C112D8307895}"/>
+              </a:ext>
+            </a:extLst>
+          </p:cNvPr>
+          <p:cNvPicPr>
+            <a:picLocks noChangeAspect="1" noChangeArrowheads="1"/>
+          </p:cNvPicPr>
+          <p:nvPr/>
+        </p:nvPicPr>
+        <p:blipFill>
+          <a:blip r:embed="rId6">
+            <a:extLst>
+              <a:ext uri="{28A0092B-C50C-407E-A947-70E740481C1C}">
+                <a14:useLocalDpi xmlns:a14="http://schemas.microsoft.com/office/drawing/2010/main" val="0"/>
+              </a:ext>
+            </a:extLst>
+          </a:blip>
+          <a:srcRect/>
+          <a:stretch>
+            <a:fillRect/>
+          </a:stretch>
+        </p:blipFill>
+        <p:spPr bwMode="auto">
+          <a:xfrm>
+            <a:off x="857931" y="4508273"/>
+            <a:ext cx="2006600" cy="563562"/>
+          </a:xfrm>
+          <a:prstGeom prst="rect">
+            <a:avLst/>
+          </a:prstGeom>
+          <a:noFill/>
+          <a:ln>
+            <a:noFill/>
+          </a:ln>
+          <a:extLst>
+            <a:ext uri="{909E8E84-426E-40DD-AFC4-6F175D3DCCD1}">
+              <a14:hiddenFill xmlns:a14="http://schemas.microsoft.com/office/drawing/2010/main">
+                <a:solidFill>
+                  <a:srgbClr val="FFFFFF"/>
+                </a:solidFill>
+              </a14:hiddenFill>
+            </a:ext>
+            <a:ext uri="{91240B29-F687-4F45-9708-019B960494DF}">
+              <a14:hiddenLine xmlns:a14="http://schemas.microsoft.com/office/drawing/2010/main" w="9525">
+                <a:solidFill>
+                  <a:srgbClr val="000000"/>
+                </a:solidFill>
+                <a:miter lim="800000"/>
+                <a:headEnd/>
+                <a:tailEnd/>
+              </a14:hiddenLine>
+            </a:ext>
+          </a:extLst>
+        </p:spPr>
+      </p:pic>
+      <p:pic>
+        <p:nvPicPr>
+          <p:cNvPr id="11" name="图片 50">
+            <a:extLst>
+              <a:ext uri="{FF2B5EF4-FFF2-40B4-BE49-F238E27FC236}">
+                <a16:creationId xmlns:a16="http://schemas.microsoft.com/office/drawing/2014/main" id="{E6B76FC0-E890-3BAC-E205-6EFABCB2F94A}"/>
+              </a:ext>
+            </a:extLst>
+          </p:cNvPr>
+          <p:cNvPicPr>
+            <a:picLocks noChangeAspect="1" noChangeArrowheads="1"/>
+          </p:cNvPicPr>
+          <p:nvPr/>
+        </p:nvPicPr>
+        <p:blipFill>
+          <a:blip r:embed="rId7">
+            <a:extLst>
+              <a:ext uri="{28A0092B-C50C-407E-A947-70E740481C1C}">
+                <a14:useLocalDpi xmlns:a14="http://schemas.microsoft.com/office/drawing/2010/main" val="0"/>
+              </a:ext>
+            </a:extLst>
+          </a:blip>
+          <a:srcRect/>
+          <a:stretch>
+            <a:fillRect/>
+          </a:stretch>
+        </p:blipFill>
+        <p:spPr bwMode="auto">
+          <a:xfrm>
+            <a:off x="2845481" y="4508273"/>
+            <a:ext cx="2019300" cy="566737"/>
+          </a:xfrm>
+          <a:prstGeom prst="rect">
+            <a:avLst/>
+          </a:prstGeom>
+          <a:noFill/>
+          <a:ln>
+            <a:noFill/>
+          </a:ln>
+          <a:extLst>
+            <a:ext uri="{909E8E84-426E-40DD-AFC4-6F175D3DCCD1}">
+              <a14:hiddenFill xmlns:a14="http://schemas.microsoft.com/office/drawing/2010/main">
+                <a:solidFill>
+                  <a:srgbClr val="FFFFFF"/>
+                </a:solidFill>
+              </a14:hiddenFill>
+            </a:ext>
+            <a:ext uri="{91240B29-F687-4F45-9708-019B960494DF}">
+              <a14:hiddenLine xmlns:a14="http://schemas.microsoft.com/office/drawing/2010/main" w="9525">
+                <a:solidFill>
+                  <a:srgbClr val="000000"/>
+                </a:solidFill>
+                <a:miter lim="800000"/>
+                <a:headEnd/>
+                <a:tailEnd/>
+              </a14:hiddenLine>
+            </a:ext>
+          </a:extLst>
+        </p:spPr>
+      </p:pic>
+      <p:pic>
+        <p:nvPicPr>
+          <p:cNvPr id="12" name="图片 51">
+            <a:extLst>
+              <a:ext uri="{FF2B5EF4-FFF2-40B4-BE49-F238E27FC236}">
+                <a16:creationId xmlns:a16="http://schemas.microsoft.com/office/drawing/2014/main" id="{70F1BB29-D072-CFB1-B6A6-AE9545BA7112}"/>
+              </a:ext>
+            </a:extLst>
+          </p:cNvPr>
+          <p:cNvPicPr>
+            <a:picLocks noChangeAspect="1" noChangeArrowheads="1"/>
+          </p:cNvPicPr>
+          <p:nvPr/>
+        </p:nvPicPr>
+        <p:blipFill>
+          <a:blip r:embed="rId8">
+            <a:extLst>
+              <a:ext uri="{28A0092B-C50C-407E-A947-70E740481C1C}">
+                <a14:useLocalDpi xmlns:a14="http://schemas.microsoft.com/office/drawing/2010/main" val="0"/>
+              </a:ext>
+            </a:extLst>
+          </a:blip>
+          <a:srcRect/>
+          <a:stretch>
+            <a:fillRect/>
+          </a:stretch>
+        </p:blipFill>
+        <p:spPr bwMode="auto">
+          <a:xfrm>
+            <a:off x="2394631" y="4501923"/>
+            <a:ext cx="930275" cy="569912"/>
+          </a:xfrm>
+          <a:prstGeom prst="rect">
+            <a:avLst/>
+          </a:prstGeom>
+          <a:noFill/>
+          <a:ln>
+            <a:noFill/>
+          </a:ln>
+          <a:extLst>
+            <a:ext uri="{909E8E84-426E-40DD-AFC4-6F175D3DCCD1}">
+              <a14:hiddenFill xmlns:a14="http://schemas.microsoft.com/office/drawing/2010/main">
+                <a:solidFill>
+                  <a:srgbClr val="FFFFFF"/>
+                </a:solidFill>
+              </a14:hiddenFill>
+            </a:ext>
+            <a:ext uri="{91240B29-F687-4F45-9708-019B960494DF}">
+              <a14:hiddenLine xmlns:a14="http://schemas.microsoft.com/office/drawing/2010/main" w="9525">
+                <a:solidFill>
+                  <a:srgbClr val="000000"/>
+                </a:solidFill>
+                <a:miter lim="800000"/>
+                <a:headEnd/>
+                <a:tailEnd/>
+              </a14:hiddenLine>
+            </a:ext>
+          </a:extLst>
+        </p:spPr>
+      </p:pic>
+      <p:pic>
+        <p:nvPicPr>
+          <p:cNvPr id="13" name="图片 52">
+            <a:extLst>
+              <a:ext uri="{FF2B5EF4-FFF2-40B4-BE49-F238E27FC236}">
+                <a16:creationId xmlns:a16="http://schemas.microsoft.com/office/drawing/2014/main" id="{5CEDBFA8-89CF-686E-0548-D8E54B6C6358}"/>
+              </a:ext>
+            </a:extLst>
+          </p:cNvPr>
+          <p:cNvPicPr>
+            <a:picLocks noChangeAspect="1" noChangeArrowheads="1"/>
+          </p:cNvPicPr>
+          <p:nvPr/>
+        </p:nvPicPr>
+        <p:blipFill>
+          <a:blip r:embed="rId9">
+            <a:extLst>
+              <a:ext uri="{28A0092B-C50C-407E-A947-70E740481C1C}">
+                <a14:useLocalDpi xmlns:a14="http://schemas.microsoft.com/office/drawing/2010/main" val="0"/>
+              </a:ext>
+            </a:extLst>
+          </a:blip>
+          <a:srcRect/>
+          <a:stretch>
+            <a:fillRect/>
+          </a:stretch>
+        </p:blipFill>
+        <p:spPr bwMode="auto">
+          <a:xfrm>
+            <a:off x="2818493" y="1619023"/>
+            <a:ext cx="757238" cy="2079625"/>
+          </a:xfrm>
+          <a:prstGeom prst="rect">
+            <a:avLst/>
+          </a:prstGeom>
+          <a:noFill/>
+          <a:ln>
+            <a:noFill/>
+          </a:ln>
+          <a:extLst>
+            <a:ext uri="{909E8E84-426E-40DD-AFC4-6F175D3DCCD1}">
+              <a14:hiddenFill xmlns:a14="http://schemas.microsoft.com/office/drawing/2010/main">
+                <a:solidFill>
+                  <a:srgbClr val="FFFFFF"/>
+                </a:solidFill>
+              </a14:hiddenFill>
+            </a:ext>
+            <a:ext uri="{91240B29-F687-4F45-9708-019B960494DF}">
+              <a14:hiddenLine xmlns:a14="http://schemas.microsoft.com/office/drawing/2010/main" w="9525">
+                <a:solidFill>
+                  <a:srgbClr val="000000"/>
+                </a:solidFill>
+                <a:miter lim="800000"/>
+                <a:headEnd/>
+                <a:tailEnd/>
+              </a14:hiddenLine>
+            </a:ext>
+          </a:extLst>
+        </p:spPr>
+      </p:pic>
+      <p:pic>
+        <p:nvPicPr>
+          <p:cNvPr id="14" name="图片 53">
+            <a:extLst>
+              <a:ext uri="{FF2B5EF4-FFF2-40B4-BE49-F238E27FC236}">
+                <a16:creationId xmlns:a16="http://schemas.microsoft.com/office/drawing/2014/main" id="{A76428A8-5D85-20BF-556E-BAF6D83F67FB}"/>
+              </a:ext>
+            </a:extLst>
+          </p:cNvPr>
+          <p:cNvPicPr>
+            <a:picLocks noChangeAspect="1" noChangeArrowheads="1"/>
+          </p:cNvPicPr>
+          <p:nvPr/>
+        </p:nvPicPr>
+        <p:blipFill>
+          <a:blip r:embed="rId10">
+            <a:extLst>
+              <a:ext uri="{28A0092B-C50C-407E-A947-70E740481C1C}">
+                <a14:useLocalDpi xmlns:a14="http://schemas.microsoft.com/office/drawing/2010/main" val="0"/>
+              </a:ext>
+            </a:extLst>
+          </a:blip>
+          <a:srcRect/>
+          <a:stretch>
+            <a:fillRect/>
+          </a:stretch>
+        </p:blipFill>
+        <p:spPr bwMode="auto">
+          <a:xfrm>
+            <a:off x="2129518" y="1642835"/>
+            <a:ext cx="749300" cy="2055813"/>
+          </a:xfrm>
+          <a:prstGeom prst="rect">
+            <a:avLst/>
+          </a:prstGeom>
+          <a:noFill/>
+          <a:ln>
+            <a:noFill/>
+          </a:ln>
+          <a:extLst>
+            <a:ext uri="{909E8E84-426E-40DD-AFC4-6F175D3DCCD1}">
+              <a14:hiddenFill xmlns:a14="http://schemas.microsoft.com/office/drawing/2010/main">
+                <a:solidFill>
+                  <a:srgbClr val="FFFFFF"/>
+                </a:solidFill>
+              </a14:hiddenFill>
+            </a:ext>
+            <a:ext uri="{91240B29-F687-4F45-9708-019B960494DF}">
+              <a14:hiddenLine xmlns:a14="http://schemas.microsoft.com/office/drawing/2010/main" w="9525">
+                <a:solidFill>
+                  <a:srgbClr val="000000"/>
+                </a:solidFill>
+                <a:miter lim="800000"/>
+                <a:headEnd/>
+                <a:tailEnd/>
+              </a14:hiddenLine>
+            </a:ext>
+          </a:extLst>
+        </p:spPr>
+      </p:pic>
+      <p:pic>
+        <p:nvPicPr>
+          <p:cNvPr id="15" name="图片 24">
+            <a:extLst>
+              <a:ext uri="{FF2B5EF4-FFF2-40B4-BE49-F238E27FC236}">
+                <a16:creationId xmlns:a16="http://schemas.microsoft.com/office/drawing/2014/main" id="{67D05F23-C286-50DF-4C78-037F93327DF4}"/>
+              </a:ext>
+            </a:extLst>
+          </p:cNvPr>
+          <p:cNvPicPr>
+            <a:picLocks noChangeAspect="1" noChangeArrowheads="1"/>
+          </p:cNvPicPr>
+          <p:nvPr/>
+        </p:nvPicPr>
+        <p:blipFill>
+          <a:blip r:embed="rId11" cstate="print"/>
+          <a:srcRect/>
+          <a:stretch>
+            <a:fillRect/>
+          </a:stretch>
+        </p:blipFill>
+        <p:spPr bwMode="auto">
+          <a:xfrm>
+            <a:off x="7793047" y="3164114"/>
+            <a:ext cx="1835150" cy="2659063"/>
+          </a:xfrm>
+          <a:prstGeom prst="rect">
+            <a:avLst/>
+          </a:prstGeom>
+          <a:noFill/>
+          <a:ln w="9525">
+            <a:noFill/>
+            <a:miter lim="800000"/>
+            <a:headEnd/>
+            <a:tailEnd/>
+          </a:ln>
+        </p:spPr>
+      </p:pic>
+      <p:pic>
+        <p:nvPicPr>
+          <p:cNvPr id="16" name="图片 25">
+            <a:extLst>
+              <a:ext uri="{FF2B5EF4-FFF2-40B4-BE49-F238E27FC236}">
+                <a16:creationId xmlns:a16="http://schemas.microsoft.com/office/drawing/2014/main" id="{776A5465-E845-A3B2-983B-E409627AD7E9}"/>
+              </a:ext>
+            </a:extLst>
+          </p:cNvPr>
+          <p:cNvPicPr>
+            <a:picLocks noChangeAspect="1" noChangeArrowheads="1"/>
+          </p:cNvPicPr>
+          <p:nvPr/>
+        </p:nvPicPr>
+        <p:blipFill>
+          <a:blip r:embed="rId12" cstate="print"/>
+          <a:srcRect/>
+          <a:stretch>
+            <a:fillRect/>
+          </a:stretch>
+        </p:blipFill>
+        <p:spPr bwMode="auto">
+          <a:xfrm>
+            <a:off x="6621472" y="2954564"/>
+            <a:ext cx="4205287" cy="749300"/>
+          </a:xfrm>
+          <a:prstGeom prst="rect">
+            <a:avLst/>
+          </a:prstGeom>
+          <a:noFill/>
+          <a:ln w="9525">
+            <a:noFill/>
+            <a:miter lim="800000"/>
+            <a:headEnd/>
+            <a:tailEnd/>
+          </a:ln>
+        </p:spPr>
+      </p:pic>
+      <p:grpSp>
+        <p:nvGrpSpPr>
+          <p:cNvPr id="17" name="Group 12">
+            <a:extLst>
+              <a:ext uri="{FF2B5EF4-FFF2-40B4-BE49-F238E27FC236}">
+                <a16:creationId xmlns:a16="http://schemas.microsoft.com/office/drawing/2014/main" id="{6CCF0AD1-BA93-EC6F-23D1-20B92CE49B1D}"/>
+              </a:ext>
+            </a:extLst>
+          </p:cNvPr>
+          <p:cNvGrpSpPr>
+            <a:grpSpLocks noChangeAspect="1"/>
+          </p:cNvGrpSpPr>
+          <p:nvPr/>
+        </p:nvGrpSpPr>
+        <p:grpSpPr bwMode="auto">
+          <a:xfrm>
+            <a:off x="6883409" y="1543277"/>
+            <a:ext cx="2744788" cy="381000"/>
+            <a:chOff x="0" y="0"/>
+            <a:chExt cx="2745753" cy="381209"/>
+          </a:xfrm>
+        </p:grpSpPr>
+        <p:pic>
+          <p:nvPicPr>
+            <p:cNvPr id="18" name="图片 28">
+              <a:extLst>
+                <a:ext uri="{FF2B5EF4-FFF2-40B4-BE49-F238E27FC236}">
+                  <a16:creationId xmlns:a16="http://schemas.microsoft.com/office/drawing/2014/main" id="{523DCC04-D38C-F20F-F060-85B0AD095CA3}"/>
+                </a:ext>
+              </a:extLst>
+            </p:cNvPr>
+            <p:cNvPicPr>
+              <a:picLocks noChangeAspect="1" noChangeArrowheads="1"/>
+            </p:cNvPicPr>
+            <p:nvPr/>
+          </p:nvPicPr>
+          <p:blipFill>
+            <a:blip r:embed="rId13" cstate="print"/>
+            <a:srcRect/>
+            <a:stretch>
+              <a:fillRect/>
+            </a:stretch>
+          </p:blipFill>
+          <p:spPr bwMode="auto">
+            <a:xfrm>
+              <a:off x="936104" y="0"/>
+              <a:ext cx="1809649" cy="381209"/>
+            </a:xfrm>
+            <a:prstGeom prst="rect">
+              <a:avLst/>
+            </a:prstGeom>
+            <a:noFill/>
+            <a:ln w="9525">
+              <a:noFill/>
+              <a:miter lim="800000"/>
+              <a:headEnd/>
+              <a:tailEnd/>
+            </a:ln>
+          </p:spPr>
+        </p:pic>
+        <p:pic>
+          <p:nvPicPr>
+            <p:cNvPr id="19" name="图片 29">
+              <a:extLst>
+                <a:ext uri="{FF2B5EF4-FFF2-40B4-BE49-F238E27FC236}">
+                  <a16:creationId xmlns:a16="http://schemas.microsoft.com/office/drawing/2014/main" id="{1B6079C8-9D62-43BA-0A07-FE5A1B27E3FF}"/>
+                </a:ext>
+              </a:extLst>
+            </p:cNvPr>
+            <p:cNvPicPr>
+              <a:picLocks noChangeAspect="1" noChangeArrowheads="1"/>
+            </p:cNvPicPr>
+            <p:nvPr/>
+          </p:nvPicPr>
+          <p:blipFill>
+            <a:blip r:embed="rId14" cstate="print"/>
+            <a:srcRect/>
+            <a:stretch>
+              <a:fillRect/>
+            </a:stretch>
+          </p:blipFill>
+          <p:spPr bwMode="auto">
+            <a:xfrm>
+              <a:off x="0" y="120393"/>
+              <a:ext cx="630967" cy="127070"/>
+            </a:xfrm>
+            <a:prstGeom prst="rect">
+              <a:avLst/>
+            </a:prstGeom>
+            <a:noFill/>
+            <a:ln w="9525">
+              <a:noFill/>
+              <a:miter lim="800000"/>
+              <a:headEnd/>
+              <a:tailEnd/>
+            </a:ln>
+          </p:spPr>
+        </p:pic>
+      </p:grpSp>
+      <p:pic>
+        <p:nvPicPr>
+          <p:cNvPr id="20" name="图片 30">
+            <a:extLst>
+              <a:ext uri="{FF2B5EF4-FFF2-40B4-BE49-F238E27FC236}">
+                <a16:creationId xmlns:a16="http://schemas.microsoft.com/office/drawing/2014/main" id="{5EAD3C47-B679-57D9-3B44-7780816BD111}"/>
+              </a:ext>
+            </a:extLst>
+          </p:cNvPr>
+          <p:cNvPicPr>
+            <a:picLocks noChangeAspect="1" noChangeArrowheads="1"/>
+          </p:cNvPicPr>
+          <p:nvPr/>
+        </p:nvPicPr>
+        <p:blipFill>
+          <a:blip r:embed="rId15" cstate="print"/>
+          <a:srcRect/>
+          <a:stretch>
+            <a:fillRect/>
+          </a:stretch>
+        </p:blipFill>
+        <p:spPr bwMode="auto">
+          <a:xfrm>
+            <a:off x="8301047" y="2097314"/>
+            <a:ext cx="846137" cy="533400"/>
+          </a:xfrm>
+          <a:prstGeom prst="rect">
+            <a:avLst/>
+          </a:prstGeom>
+          <a:noFill/>
+          <a:ln w="9525">
+            <a:noFill/>
+            <a:miter lim="800000"/>
+            <a:headEnd/>
+            <a:tailEnd/>
+          </a:ln>
+        </p:spPr>
+      </p:pic>
+      <p:pic>
+        <p:nvPicPr>
+          <p:cNvPr id="21" name="图片 32">
+            <a:extLst>
+              <a:ext uri="{FF2B5EF4-FFF2-40B4-BE49-F238E27FC236}">
+                <a16:creationId xmlns:a16="http://schemas.microsoft.com/office/drawing/2014/main" id="{7FD745D1-ACE2-5F8C-3A16-D5BC168973D5}"/>
+              </a:ext>
+            </a:extLst>
+          </p:cNvPr>
+          <p:cNvPicPr>
+            <a:picLocks noChangeAspect="1" noChangeArrowheads="1"/>
+          </p:cNvPicPr>
+          <p:nvPr/>
+        </p:nvPicPr>
+        <p:blipFill>
+          <a:blip r:embed="rId13" cstate="print"/>
+          <a:srcRect/>
+          <a:stretch>
+            <a:fillRect/>
+          </a:stretch>
+        </p:blipFill>
+        <p:spPr bwMode="auto">
+          <a:xfrm>
+            <a:off x="7810509" y="1536927"/>
+            <a:ext cx="1809750" cy="381000"/>
+          </a:xfrm>
+          <a:prstGeom prst="rect">
+            <a:avLst/>
+          </a:prstGeom>
+          <a:noFill/>
+          <a:ln w="9525">
+            <a:noFill/>
+            <a:miter lim="800000"/>
+            <a:headEnd/>
+            <a:tailEnd/>
+          </a:ln>
+        </p:spPr>
+      </p:pic>
+      <p:pic>
+        <p:nvPicPr>
+          <p:cNvPr id="22" name="矩形 2">
+            <a:extLst>
+              <a:ext uri="{FF2B5EF4-FFF2-40B4-BE49-F238E27FC236}">
+                <a16:creationId xmlns:a16="http://schemas.microsoft.com/office/drawing/2014/main" id="{BF4BA82C-61B4-93E4-9924-35D43995118E}"/>
+              </a:ext>
+            </a:extLst>
+          </p:cNvPr>
+          <p:cNvPicPr>
+            <a:picLocks noChangeArrowheads="1"/>
+          </p:cNvPicPr>
+          <p:nvPr/>
+        </p:nvPicPr>
+        <p:blipFill>
+          <a:blip r:embed="rId16" cstate="print"/>
+          <a:srcRect/>
+          <a:stretch>
+            <a:fillRect/>
+          </a:stretch>
+        </p:blipFill>
+        <p:spPr bwMode="auto">
+          <a:xfrm>
+            <a:off x="9488497" y="4113439"/>
+            <a:ext cx="1603375" cy="809625"/>
+          </a:xfrm>
+          <a:prstGeom prst="rect">
+            <a:avLst/>
+          </a:prstGeom>
+          <a:noFill/>
+          <a:ln w="9525">
+            <a:noFill/>
+            <a:miter lim="800000"/>
+            <a:headEnd/>
+            <a:tailEnd/>
+          </a:ln>
+        </p:spPr>
+      </p:pic>
+      <p:pic>
+        <p:nvPicPr>
+          <p:cNvPr id="23" name="图片 41">
+            <a:extLst>
+              <a:ext uri="{FF2B5EF4-FFF2-40B4-BE49-F238E27FC236}">
+                <a16:creationId xmlns:a16="http://schemas.microsoft.com/office/drawing/2014/main" id="{8B4E5C7E-527E-137C-181D-35D03E8D86ED}"/>
+              </a:ext>
+            </a:extLst>
+          </p:cNvPr>
+          <p:cNvPicPr>
+            <a:picLocks noChangeAspect="1" noChangeArrowheads="1"/>
+          </p:cNvPicPr>
+          <p:nvPr/>
+        </p:nvPicPr>
+        <p:blipFill>
+          <a:blip r:embed="rId17" cstate="print"/>
+          <a:srcRect/>
+          <a:stretch>
+            <a:fillRect/>
+          </a:stretch>
+        </p:blipFill>
+        <p:spPr bwMode="auto">
+          <a:xfrm>
+            <a:off x="6596072" y="5062764"/>
+            <a:ext cx="4205287" cy="749300"/>
+          </a:xfrm>
+          <a:prstGeom prst="rect">
+            <a:avLst/>
+          </a:prstGeom>
+          <a:noFill/>
+          <a:ln w="9525">
+            <a:noFill/>
+            <a:miter lim="800000"/>
+            <a:headEnd/>
+            <a:tailEnd/>
+          </a:ln>
+        </p:spPr>
+      </p:pic>
+      <p:pic>
+        <p:nvPicPr>
+          <p:cNvPr id="24" name="图片 46">
+            <a:extLst>
+              <a:ext uri="{FF2B5EF4-FFF2-40B4-BE49-F238E27FC236}">
+                <a16:creationId xmlns:a16="http://schemas.microsoft.com/office/drawing/2014/main" id="{0D9D1B69-3371-5353-30DD-9F433CEF31BC}"/>
+              </a:ext>
+            </a:extLst>
+          </p:cNvPr>
+          <p:cNvPicPr>
+            <a:picLocks noChangeAspect="1" noChangeArrowheads="1"/>
+          </p:cNvPicPr>
+          <p:nvPr/>
+        </p:nvPicPr>
+        <p:blipFill>
+          <a:blip r:embed="rId12" cstate="print"/>
+          <a:srcRect/>
+          <a:stretch>
+            <a:fillRect/>
+          </a:stretch>
+        </p:blipFill>
+        <p:spPr bwMode="auto">
+          <a:xfrm>
+            <a:off x="6629409" y="2951389"/>
+            <a:ext cx="4206875" cy="749300"/>
+          </a:xfrm>
+          <a:prstGeom prst="rect">
+            <a:avLst/>
+          </a:prstGeom>
+          <a:noFill/>
+          <a:ln w="9525">
+            <a:noFill/>
+            <a:miter lim="800000"/>
+            <a:headEnd/>
+            <a:tailEnd/>
+          </a:ln>
+        </p:spPr>
+      </p:pic>
+      <p:sp>
+        <p:nvSpPr>
+          <p:cNvPr id="25" name="文本框 24">
+            <a:extLst>
+              <a:ext uri="{FF2B5EF4-FFF2-40B4-BE49-F238E27FC236}">
+                <a16:creationId xmlns:a16="http://schemas.microsoft.com/office/drawing/2014/main" id="{8FC73381-139C-1810-C444-78688300055D}"/>
+              </a:ext>
+            </a:extLst>
+          </p:cNvPr>
+          <p:cNvSpPr txBox="1"/>
+          <p:nvPr/>
+        </p:nvSpPr>
+        <p:spPr>
+          <a:xfrm>
+            <a:off x="1861456" y="5773965"/>
+            <a:ext cx="1887992" cy="461665"/>
+          </a:xfrm>
+          <a:prstGeom prst="rect">
+            <a:avLst/>
+          </a:prstGeom>
+          <a:noFill/>
         </p:spPr>
         <p:txBody>
           <a:bodyPr wrap="square" rtlCol="0">
@@ -5600,8 +6252,43 @@
           <a:lstStyle/>
           <a:p>
             <a:r>
-              <a:rPr lang="zh-CN" altLang="en-US" sz="2800" b="1" dirty="0"/>
-              <a:t>可逆计算</a:t>
+              <a:rPr lang="zh-CN" altLang="en-US" sz="2400" b="1" dirty="0"/>
+              <a:t>相同可复用</a:t>
+            </a:r>
+          </a:p>
+        </p:txBody>
+      </p:sp>
+      <p:sp>
+        <p:nvSpPr>
+          <p:cNvPr id="26" name="文本框 25">
+            <a:extLst>
+              <a:ext uri="{FF2B5EF4-FFF2-40B4-BE49-F238E27FC236}">
+                <a16:creationId xmlns:a16="http://schemas.microsoft.com/office/drawing/2014/main" id="{513717E8-1B21-7C6C-6652-6D521D98EE97}"/>
+              </a:ext>
+            </a:extLst>
+          </p:cNvPr>
+          <p:cNvSpPr txBox="1"/>
+          <p:nvPr/>
+        </p:nvSpPr>
+        <p:spPr>
+          <a:xfrm>
+            <a:off x="7965627" y="5926365"/>
+            <a:ext cx="1887992" cy="461665"/>
+          </a:xfrm>
+          <a:prstGeom prst="rect">
+            <a:avLst/>
+          </a:prstGeom>
+          <a:noFill/>
+        </p:spPr>
+        <p:txBody>
+          <a:bodyPr wrap="square" rtlCol="0">
+            <a:spAutoFit/>
+          </a:bodyPr>
+          <a:lstStyle/>
+          <a:p>
+            <a:r>
+              <a:rPr lang="zh-CN" altLang="en-US" sz="2400" b="1" dirty="0"/>
+              <a:t>相关可复用</a:t>
             </a:r>
           </a:p>
         </p:txBody>
@@ -5609,13 +6296,1320 @@
     </p:spTree>
     <p:extLst>
       <p:ext uri="{BB962C8B-B14F-4D97-AF65-F5344CB8AC3E}">
-        <p14:creationId xmlns:p14="http://schemas.microsoft.com/office/powerpoint/2010/main" val="2796935556"/>
+        <p14:creationId xmlns:p14="http://schemas.microsoft.com/office/powerpoint/2010/main" val="3506148171"/>
       </p:ext>
     </p:extLst>
   </p:cSld>
   <p:clrMapOvr>
     <a:masterClrMapping/>
   </p:clrMapOvr>
+  <p:timing>
+    <p:tnLst>
+      <p:par>
+        <p:cTn id="1" dur="indefinite" restart="never" nodeType="tmRoot">
+          <p:childTnLst>
+            <p:seq concurrent="1" nextAc="seek">
+              <p:cTn id="2" dur="indefinite" nodeType="mainSeq">
+                <p:childTnLst>
+                  <p:par>
+                    <p:cTn id="3" fill="hold">
+                      <p:stCondLst>
+                        <p:cond delay="indefinite"/>
+                        <p:cond evt="onBegin" delay="0">
+                          <p:tn val="2"/>
+                        </p:cond>
+                      </p:stCondLst>
+                      <p:childTnLst>
+                        <p:par>
+                          <p:cTn id="4" fill="hold">
+                            <p:stCondLst>
+                              <p:cond delay="0"/>
+                            </p:stCondLst>
+                            <p:childTnLst>
+                              <p:par>
+                                <p:cTn id="5" presetID="2" presetClass="entr" presetSubtype="9" fill="hold" nodeType="afterEffect">
+                                  <p:stCondLst>
+                                    <p:cond delay="0"/>
+                                  </p:stCondLst>
+                                  <p:childTnLst>
+                                    <p:set>
+                                      <p:cBhvr>
+                                        <p:cTn id="6" dur="1" fill="hold">
+                                          <p:stCondLst>
+                                            <p:cond delay="0"/>
+                                          </p:stCondLst>
+                                        </p:cTn>
+                                        <p:tgtEl>
+                                          <p:spTgt spid="7"/>
+                                        </p:tgtEl>
+                                        <p:attrNameLst>
+                                          <p:attrName>style.visibility</p:attrName>
+                                        </p:attrNameLst>
+                                      </p:cBhvr>
+                                      <p:to>
+                                        <p:strVal val="visible"/>
+                                      </p:to>
+                                    </p:set>
+                                    <p:anim calcmode="lin" valueType="num">
+                                      <p:cBhvr additive="base">
+                                        <p:cTn id="7" dur="500" fill="hold"/>
+                                        <p:tgtEl>
+                                          <p:spTgt spid="7"/>
+                                        </p:tgtEl>
+                                        <p:attrNameLst>
+                                          <p:attrName>ppt_x</p:attrName>
+                                        </p:attrNameLst>
+                                      </p:cBhvr>
+                                      <p:tavLst>
+                                        <p:tav tm="0">
+                                          <p:val>
+                                            <p:strVal val="0-#ppt_w/2"/>
+                                          </p:val>
+                                        </p:tav>
+                                        <p:tav tm="100000">
+                                          <p:val>
+                                            <p:strVal val="#ppt_x"/>
+                                          </p:val>
+                                        </p:tav>
+                                      </p:tavLst>
+                                    </p:anim>
+                                    <p:anim calcmode="lin" valueType="num">
+                                      <p:cBhvr additive="base">
+                                        <p:cTn id="8" dur="500" fill="hold"/>
+                                        <p:tgtEl>
+                                          <p:spTgt spid="7"/>
+                                        </p:tgtEl>
+                                        <p:attrNameLst>
+                                          <p:attrName>ppt_y</p:attrName>
+                                        </p:attrNameLst>
+                                      </p:cBhvr>
+                                      <p:tavLst>
+                                        <p:tav tm="0">
+                                          <p:val>
+                                            <p:strVal val="0-#ppt_h/2"/>
+                                          </p:val>
+                                        </p:tav>
+                                        <p:tav tm="100000">
+                                          <p:val>
+                                            <p:strVal val="#ppt_y"/>
+                                          </p:val>
+                                        </p:tav>
+                                      </p:tavLst>
+                                    </p:anim>
+                                  </p:childTnLst>
+                                </p:cTn>
+                              </p:par>
+                              <p:par>
+                                <p:cTn id="9" presetID="2" presetClass="entr" presetSubtype="3" fill="hold" nodeType="withEffect">
+                                  <p:stCondLst>
+                                    <p:cond delay="0"/>
+                                  </p:stCondLst>
+                                  <p:childTnLst>
+                                    <p:set>
+                                      <p:cBhvr>
+                                        <p:cTn id="10" dur="1" fill="hold">
+                                          <p:stCondLst>
+                                            <p:cond delay="0"/>
+                                          </p:stCondLst>
+                                        </p:cTn>
+                                        <p:tgtEl>
+                                          <p:spTgt spid="6"/>
+                                        </p:tgtEl>
+                                        <p:attrNameLst>
+                                          <p:attrName>style.visibility</p:attrName>
+                                        </p:attrNameLst>
+                                      </p:cBhvr>
+                                      <p:to>
+                                        <p:strVal val="visible"/>
+                                      </p:to>
+                                    </p:set>
+                                    <p:anim calcmode="lin" valueType="num">
+                                      <p:cBhvr additive="base">
+                                        <p:cTn id="11" dur="500" fill="hold"/>
+                                        <p:tgtEl>
+                                          <p:spTgt spid="6"/>
+                                        </p:tgtEl>
+                                        <p:attrNameLst>
+                                          <p:attrName>ppt_x</p:attrName>
+                                        </p:attrNameLst>
+                                      </p:cBhvr>
+                                      <p:tavLst>
+                                        <p:tav tm="0">
+                                          <p:val>
+                                            <p:strVal val="1+#ppt_w/2"/>
+                                          </p:val>
+                                        </p:tav>
+                                        <p:tav tm="100000">
+                                          <p:val>
+                                            <p:strVal val="#ppt_x"/>
+                                          </p:val>
+                                        </p:tav>
+                                      </p:tavLst>
+                                    </p:anim>
+                                    <p:anim calcmode="lin" valueType="num">
+                                      <p:cBhvr additive="base">
+                                        <p:cTn id="12" dur="500" fill="hold"/>
+                                        <p:tgtEl>
+                                          <p:spTgt spid="6"/>
+                                        </p:tgtEl>
+                                        <p:attrNameLst>
+                                          <p:attrName>ppt_y</p:attrName>
+                                        </p:attrNameLst>
+                                      </p:cBhvr>
+                                      <p:tavLst>
+                                        <p:tav tm="0">
+                                          <p:val>
+                                            <p:strVal val="0-#ppt_h/2"/>
+                                          </p:val>
+                                        </p:tav>
+                                        <p:tav tm="100000">
+                                          <p:val>
+                                            <p:strVal val="#ppt_y"/>
+                                          </p:val>
+                                        </p:tav>
+                                      </p:tavLst>
+                                    </p:anim>
+                                  </p:childTnLst>
+                                </p:cTn>
+                              </p:par>
+                            </p:childTnLst>
+                          </p:cTn>
+                        </p:par>
+                        <p:par>
+                          <p:cTn id="13" fill="hold">
+                            <p:stCondLst>
+                              <p:cond delay="500"/>
+                            </p:stCondLst>
+                            <p:childTnLst>
+                              <p:par>
+                                <p:cTn id="14" presetID="2" presetClass="entr" presetSubtype="12" fill="hold" nodeType="afterEffect">
+                                  <p:stCondLst>
+                                    <p:cond delay="0"/>
+                                  </p:stCondLst>
+                                  <p:childTnLst>
+                                    <p:set>
+                                      <p:cBhvr>
+                                        <p:cTn id="15" dur="1" fill="hold">
+                                          <p:stCondLst>
+                                            <p:cond delay="0"/>
+                                          </p:stCondLst>
+                                        </p:cTn>
+                                        <p:tgtEl>
+                                          <p:spTgt spid="10"/>
+                                        </p:tgtEl>
+                                        <p:attrNameLst>
+                                          <p:attrName>style.visibility</p:attrName>
+                                        </p:attrNameLst>
+                                      </p:cBhvr>
+                                      <p:to>
+                                        <p:strVal val="visible"/>
+                                      </p:to>
+                                    </p:set>
+                                    <p:anim calcmode="lin" valueType="num">
+                                      <p:cBhvr additive="base">
+                                        <p:cTn id="16" dur="500" fill="hold"/>
+                                        <p:tgtEl>
+                                          <p:spTgt spid="10"/>
+                                        </p:tgtEl>
+                                        <p:attrNameLst>
+                                          <p:attrName>ppt_x</p:attrName>
+                                        </p:attrNameLst>
+                                      </p:cBhvr>
+                                      <p:tavLst>
+                                        <p:tav tm="0">
+                                          <p:val>
+                                            <p:strVal val="0-#ppt_w/2"/>
+                                          </p:val>
+                                        </p:tav>
+                                        <p:tav tm="100000">
+                                          <p:val>
+                                            <p:strVal val="#ppt_x"/>
+                                          </p:val>
+                                        </p:tav>
+                                      </p:tavLst>
+                                    </p:anim>
+                                    <p:anim calcmode="lin" valueType="num">
+                                      <p:cBhvr additive="base">
+                                        <p:cTn id="17" dur="500" fill="hold"/>
+                                        <p:tgtEl>
+                                          <p:spTgt spid="10"/>
+                                        </p:tgtEl>
+                                        <p:attrNameLst>
+                                          <p:attrName>ppt_y</p:attrName>
+                                        </p:attrNameLst>
+                                      </p:cBhvr>
+                                      <p:tavLst>
+                                        <p:tav tm="0">
+                                          <p:val>
+                                            <p:strVal val="1+#ppt_h/2"/>
+                                          </p:val>
+                                        </p:tav>
+                                        <p:tav tm="100000">
+                                          <p:val>
+                                            <p:strVal val="#ppt_y"/>
+                                          </p:val>
+                                        </p:tav>
+                                      </p:tavLst>
+                                    </p:anim>
+                                  </p:childTnLst>
+                                </p:cTn>
+                              </p:par>
+                              <p:par>
+                                <p:cTn id="18" presetID="2" presetClass="entr" presetSubtype="6" fill="hold" nodeType="withEffect">
+                                  <p:stCondLst>
+                                    <p:cond delay="0"/>
+                                  </p:stCondLst>
+                                  <p:childTnLst>
+                                    <p:set>
+                                      <p:cBhvr>
+                                        <p:cTn id="19" dur="1" fill="hold">
+                                          <p:stCondLst>
+                                            <p:cond delay="0"/>
+                                          </p:stCondLst>
+                                        </p:cTn>
+                                        <p:tgtEl>
+                                          <p:spTgt spid="11"/>
+                                        </p:tgtEl>
+                                        <p:attrNameLst>
+                                          <p:attrName>style.visibility</p:attrName>
+                                        </p:attrNameLst>
+                                      </p:cBhvr>
+                                      <p:to>
+                                        <p:strVal val="visible"/>
+                                      </p:to>
+                                    </p:set>
+                                    <p:anim calcmode="lin" valueType="num">
+                                      <p:cBhvr additive="base">
+                                        <p:cTn id="20" dur="500" fill="hold"/>
+                                        <p:tgtEl>
+                                          <p:spTgt spid="11"/>
+                                        </p:tgtEl>
+                                        <p:attrNameLst>
+                                          <p:attrName>ppt_x</p:attrName>
+                                        </p:attrNameLst>
+                                      </p:cBhvr>
+                                      <p:tavLst>
+                                        <p:tav tm="0">
+                                          <p:val>
+                                            <p:strVal val="1+#ppt_w/2"/>
+                                          </p:val>
+                                        </p:tav>
+                                        <p:tav tm="100000">
+                                          <p:val>
+                                            <p:strVal val="#ppt_x"/>
+                                          </p:val>
+                                        </p:tav>
+                                      </p:tavLst>
+                                    </p:anim>
+                                    <p:anim calcmode="lin" valueType="num">
+                                      <p:cBhvr additive="base">
+                                        <p:cTn id="21" dur="500" fill="hold"/>
+                                        <p:tgtEl>
+                                          <p:spTgt spid="11"/>
+                                        </p:tgtEl>
+                                        <p:attrNameLst>
+                                          <p:attrName>ppt_y</p:attrName>
+                                        </p:attrNameLst>
+                                      </p:cBhvr>
+                                      <p:tavLst>
+                                        <p:tav tm="0">
+                                          <p:val>
+                                            <p:strVal val="1+#ppt_h/2"/>
+                                          </p:val>
+                                        </p:tav>
+                                        <p:tav tm="100000">
+                                          <p:val>
+                                            <p:strVal val="#ppt_y"/>
+                                          </p:val>
+                                        </p:tav>
+                                      </p:tavLst>
+                                    </p:anim>
+                                  </p:childTnLst>
+                                </p:cTn>
+                              </p:par>
+                            </p:childTnLst>
+                          </p:cTn>
+                        </p:par>
+                        <p:par>
+                          <p:cTn id="22" fill="hold">
+                            <p:stCondLst>
+                              <p:cond delay="1000"/>
+                            </p:stCondLst>
+                            <p:childTnLst>
+                              <p:par>
+                                <p:cTn id="23" presetID="2" presetClass="entr" presetSubtype="8" fill="hold" nodeType="afterEffect">
+                                  <p:stCondLst>
+                                    <p:cond delay="0"/>
+                                  </p:stCondLst>
+                                  <p:childTnLst>
+                                    <p:set>
+                                      <p:cBhvr>
+                                        <p:cTn id="24" dur="1" fill="hold">
+                                          <p:stCondLst>
+                                            <p:cond delay="0"/>
+                                          </p:stCondLst>
+                                        </p:cTn>
+                                        <p:tgtEl>
+                                          <p:spTgt spid="14"/>
+                                        </p:tgtEl>
+                                        <p:attrNameLst>
+                                          <p:attrName>style.visibility</p:attrName>
+                                        </p:attrNameLst>
+                                      </p:cBhvr>
+                                      <p:to>
+                                        <p:strVal val="visible"/>
+                                      </p:to>
+                                    </p:set>
+                                    <p:anim calcmode="lin" valueType="num">
+                                      <p:cBhvr additive="base">
+                                        <p:cTn id="25" dur="500" fill="hold"/>
+                                        <p:tgtEl>
+                                          <p:spTgt spid="14"/>
+                                        </p:tgtEl>
+                                        <p:attrNameLst>
+                                          <p:attrName>ppt_x</p:attrName>
+                                        </p:attrNameLst>
+                                      </p:cBhvr>
+                                      <p:tavLst>
+                                        <p:tav tm="0">
+                                          <p:val>
+                                            <p:strVal val="0-#ppt_w/2"/>
+                                          </p:val>
+                                        </p:tav>
+                                        <p:tav tm="100000">
+                                          <p:val>
+                                            <p:strVal val="#ppt_x"/>
+                                          </p:val>
+                                        </p:tav>
+                                      </p:tavLst>
+                                    </p:anim>
+                                    <p:anim calcmode="lin" valueType="num">
+                                      <p:cBhvr additive="base">
+                                        <p:cTn id="26" dur="500" fill="hold"/>
+                                        <p:tgtEl>
+                                          <p:spTgt spid="14"/>
+                                        </p:tgtEl>
+                                        <p:attrNameLst>
+                                          <p:attrName>ppt_y</p:attrName>
+                                        </p:attrNameLst>
+                                      </p:cBhvr>
+                                      <p:tavLst>
+                                        <p:tav tm="0">
+                                          <p:val>
+                                            <p:strVal val="#ppt_y"/>
+                                          </p:val>
+                                        </p:tav>
+                                        <p:tav tm="100000">
+                                          <p:val>
+                                            <p:strVal val="#ppt_y"/>
+                                          </p:val>
+                                        </p:tav>
+                                      </p:tavLst>
+                                    </p:anim>
+                                  </p:childTnLst>
+                                </p:cTn>
+                              </p:par>
+                              <p:par>
+                                <p:cTn id="27" presetID="2" presetClass="entr" presetSubtype="2" fill="hold" nodeType="withEffect">
+                                  <p:stCondLst>
+                                    <p:cond delay="0"/>
+                                  </p:stCondLst>
+                                  <p:childTnLst>
+                                    <p:set>
+                                      <p:cBhvr>
+                                        <p:cTn id="28" dur="1" fill="hold">
+                                          <p:stCondLst>
+                                            <p:cond delay="0"/>
+                                          </p:stCondLst>
+                                        </p:cTn>
+                                        <p:tgtEl>
+                                          <p:spTgt spid="13"/>
+                                        </p:tgtEl>
+                                        <p:attrNameLst>
+                                          <p:attrName>style.visibility</p:attrName>
+                                        </p:attrNameLst>
+                                      </p:cBhvr>
+                                      <p:to>
+                                        <p:strVal val="visible"/>
+                                      </p:to>
+                                    </p:set>
+                                    <p:anim calcmode="lin" valueType="num">
+                                      <p:cBhvr additive="base">
+                                        <p:cTn id="29" dur="500" fill="hold"/>
+                                        <p:tgtEl>
+                                          <p:spTgt spid="13"/>
+                                        </p:tgtEl>
+                                        <p:attrNameLst>
+                                          <p:attrName>ppt_x</p:attrName>
+                                        </p:attrNameLst>
+                                      </p:cBhvr>
+                                      <p:tavLst>
+                                        <p:tav tm="0">
+                                          <p:val>
+                                            <p:strVal val="1+#ppt_w/2"/>
+                                          </p:val>
+                                        </p:tav>
+                                        <p:tav tm="100000">
+                                          <p:val>
+                                            <p:strVal val="#ppt_x"/>
+                                          </p:val>
+                                        </p:tav>
+                                      </p:tavLst>
+                                    </p:anim>
+                                    <p:anim calcmode="lin" valueType="num">
+                                      <p:cBhvr additive="base">
+                                        <p:cTn id="30" dur="500" fill="hold"/>
+                                        <p:tgtEl>
+                                          <p:spTgt spid="13"/>
+                                        </p:tgtEl>
+                                        <p:attrNameLst>
+                                          <p:attrName>ppt_y</p:attrName>
+                                        </p:attrNameLst>
+                                      </p:cBhvr>
+                                      <p:tavLst>
+                                        <p:tav tm="0">
+                                          <p:val>
+                                            <p:strVal val="#ppt_y"/>
+                                          </p:val>
+                                        </p:tav>
+                                        <p:tav tm="100000">
+                                          <p:val>
+                                            <p:strVal val="#ppt_y"/>
+                                          </p:val>
+                                        </p:tav>
+                                      </p:tavLst>
+                                    </p:anim>
+                                  </p:childTnLst>
+                                </p:cTn>
+                              </p:par>
+                            </p:childTnLst>
+                          </p:cTn>
+                        </p:par>
+                        <p:par>
+                          <p:cTn id="31" fill="hold">
+                            <p:stCondLst>
+                              <p:cond delay="1500"/>
+                            </p:stCondLst>
+                            <p:childTnLst>
+                              <p:par>
+                                <p:cTn id="32" presetID="2" presetClass="entr" presetSubtype="8" fill="hold" nodeType="afterEffect">
+                                  <p:stCondLst>
+                                    <p:cond delay="0"/>
+                                  </p:stCondLst>
+                                  <p:childTnLst>
+                                    <p:set>
+                                      <p:cBhvr>
+                                        <p:cTn id="33" dur="1" fill="hold">
+                                          <p:stCondLst>
+                                            <p:cond delay="0"/>
+                                          </p:stCondLst>
+                                        </p:cTn>
+                                        <p:tgtEl>
+                                          <p:spTgt spid="8"/>
+                                        </p:tgtEl>
+                                        <p:attrNameLst>
+                                          <p:attrName>style.visibility</p:attrName>
+                                        </p:attrNameLst>
+                                      </p:cBhvr>
+                                      <p:to>
+                                        <p:strVal val="visible"/>
+                                      </p:to>
+                                    </p:set>
+                                    <p:anim calcmode="lin" valueType="num">
+                                      <p:cBhvr additive="base">
+                                        <p:cTn id="34" dur="500" fill="hold"/>
+                                        <p:tgtEl>
+                                          <p:spTgt spid="8"/>
+                                        </p:tgtEl>
+                                        <p:attrNameLst>
+                                          <p:attrName>ppt_x</p:attrName>
+                                        </p:attrNameLst>
+                                      </p:cBhvr>
+                                      <p:tavLst>
+                                        <p:tav tm="0">
+                                          <p:val>
+                                            <p:strVal val="0-#ppt_w/2"/>
+                                          </p:val>
+                                        </p:tav>
+                                        <p:tav tm="100000">
+                                          <p:val>
+                                            <p:strVal val="#ppt_x"/>
+                                          </p:val>
+                                        </p:tav>
+                                      </p:tavLst>
+                                    </p:anim>
+                                    <p:anim calcmode="lin" valueType="num">
+                                      <p:cBhvr additive="base">
+                                        <p:cTn id="35" dur="500" fill="hold"/>
+                                        <p:tgtEl>
+                                          <p:spTgt spid="8"/>
+                                        </p:tgtEl>
+                                        <p:attrNameLst>
+                                          <p:attrName>ppt_y</p:attrName>
+                                        </p:attrNameLst>
+                                      </p:cBhvr>
+                                      <p:tavLst>
+                                        <p:tav tm="0">
+                                          <p:val>
+                                            <p:strVal val="#ppt_y"/>
+                                          </p:val>
+                                        </p:tav>
+                                        <p:tav tm="100000">
+                                          <p:val>
+                                            <p:strVal val="#ppt_y"/>
+                                          </p:val>
+                                        </p:tav>
+                                      </p:tavLst>
+                                    </p:anim>
+                                  </p:childTnLst>
+                                </p:cTn>
+                              </p:par>
+                              <p:par>
+                                <p:cTn id="36" presetID="2" presetClass="entr" presetSubtype="2" fill="hold" nodeType="withEffect">
+                                  <p:stCondLst>
+                                    <p:cond delay="0"/>
+                                  </p:stCondLst>
+                                  <p:childTnLst>
+                                    <p:set>
+                                      <p:cBhvr>
+                                        <p:cTn id="37" dur="1" fill="hold">
+                                          <p:stCondLst>
+                                            <p:cond delay="0"/>
+                                          </p:stCondLst>
+                                        </p:cTn>
+                                        <p:tgtEl>
+                                          <p:spTgt spid="9"/>
+                                        </p:tgtEl>
+                                        <p:attrNameLst>
+                                          <p:attrName>style.visibility</p:attrName>
+                                        </p:attrNameLst>
+                                      </p:cBhvr>
+                                      <p:to>
+                                        <p:strVal val="visible"/>
+                                      </p:to>
+                                    </p:set>
+                                    <p:anim calcmode="lin" valueType="num">
+                                      <p:cBhvr additive="base">
+                                        <p:cTn id="38" dur="500" fill="hold"/>
+                                        <p:tgtEl>
+                                          <p:spTgt spid="9"/>
+                                        </p:tgtEl>
+                                        <p:attrNameLst>
+                                          <p:attrName>ppt_x</p:attrName>
+                                        </p:attrNameLst>
+                                      </p:cBhvr>
+                                      <p:tavLst>
+                                        <p:tav tm="0">
+                                          <p:val>
+                                            <p:strVal val="1+#ppt_w/2"/>
+                                          </p:val>
+                                        </p:tav>
+                                        <p:tav tm="100000">
+                                          <p:val>
+                                            <p:strVal val="#ppt_x"/>
+                                          </p:val>
+                                        </p:tav>
+                                      </p:tavLst>
+                                    </p:anim>
+                                    <p:anim calcmode="lin" valueType="num">
+                                      <p:cBhvr additive="base">
+                                        <p:cTn id="39" dur="500" fill="hold"/>
+                                        <p:tgtEl>
+                                          <p:spTgt spid="9"/>
+                                        </p:tgtEl>
+                                        <p:attrNameLst>
+                                          <p:attrName>ppt_y</p:attrName>
+                                        </p:attrNameLst>
+                                      </p:cBhvr>
+                                      <p:tavLst>
+                                        <p:tav tm="0">
+                                          <p:val>
+                                            <p:strVal val="#ppt_y"/>
+                                          </p:val>
+                                        </p:tav>
+                                        <p:tav tm="100000">
+                                          <p:val>
+                                            <p:strVal val="#ppt_y"/>
+                                          </p:val>
+                                        </p:tav>
+                                      </p:tavLst>
+                                    </p:anim>
+                                  </p:childTnLst>
+                                </p:cTn>
+                              </p:par>
+                            </p:childTnLst>
+                          </p:cTn>
+                        </p:par>
+                        <p:par>
+                          <p:cTn id="40" fill="hold">
+                            <p:stCondLst>
+                              <p:cond delay="2000"/>
+                            </p:stCondLst>
+                            <p:childTnLst>
+                              <p:par>
+                                <p:cTn id="41" presetID="2" presetClass="entr" presetSubtype="4" fill="hold" nodeType="afterEffect">
+                                  <p:stCondLst>
+                                    <p:cond delay="0"/>
+                                  </p:stCondLst>
+                                  <p:childTnLst>
+                                    <p:set>
+                                      <p:cBhvr>
+                                        <p:cTn id="42" dur="1" fill="hold">
+                                          <p:stCondLst>
+                                            <p:cond delay="0"/>
+                                          </p:stCondLst>
+                                        </p:cTn>
+                                        <p:tgtEl>
+                                          <p:spTgt spid="12"/>
+                                        </p:tgtEl>
+                                        <p:attrNameLst>
+                                          <p:attrName>style.visibility</p:attrName>
+                                        </p:attrNameLst>
+                                      </p:cBhvr>
+                                      <p:to>
+                                        <p:strVal val="visible"/>
+                                      </p:to>
+                                    </p:set>
+                                    <p:anim calcmode="lin" valueType="num">
+                                      <p:cBhvr additive="base">
+                                        <p:cTn id="43" dur="500" fill="hold"/>
+                                        <p:tgtEl>
+                                          <p:spTgt spid="12"/>
+                                        </p:tgtEl>
+                                        <p:attrNameLst>
+                                          <p:attrName>ppt_x</p:attrName>
+                                        </p:attrNameLst>
+                                      </p:cBhvr>
+                                      <p:tavLst>
+                                        <p:tav tm="0">
+                                          <p:val>
+                                            <p:strVal val="#ppt_x"/>
+                                          </p:val>
+                                        </p:tav>
+                                        <p:tav tm="100000">
+                                          <p:val>
+                                            <p:strVal val="#ppt_x"/>
+                                          </p:val>
+                                        </p:tav>
+                                      </p:tavLst>
+                                    </p:anim>
+                                    <p:anim calcmode="lin" valueType="num">
+                                      <p:cBhvr additive="base">
+                                        <p:cTn id="44" dur="500" fill="hold"/>
+                                        <p:tgtEl>
+                                          <p:spTgt spid="12"/>
+                                        </p:tgtEl>
+                                        <p:attrNameLst>
+                                          <p:attrName>ppt_y</p:attrName>
+                                        </p:attrNameLst>
+                                      </p:cBhvr>
+                                      <p:tavLst>
+                                        <p:tav tm="0">
+                                          <p:val>
+                                            <p:strVal val="1+#ppt_h/2"/>
+                                          </p:val>
+                                        </p:tav>
+                                        <p:tav tm="100000">
+                                          <p:val>
+                                            <p:strVal val="#ppt_y"/>
+                                          </p:val>
+                                        </p:tav>
+                                      </p:tavLst>
+                                    </p:anim>
+                                  </p:childTnLst>
+                                </p:cTn>
+                              </p:par>
+                            </p:childTnLst>
+                          </p:cTn>
+                        </p:par>
+                      </p:childTnLst>
+                    </p:cTn>
+                  </p:par>
+                  <p:par>
+                    <p:cTn id="45" fill="hold">
+                      <p:stCondLst>
+                        <p:cond delay="indefinite"/>
+                      </p:stCondLst>
+                      <p:childTnLst>
+                        <p:par>
+                          <p:cTn id="46" fill="hold">
+                            <p:stCondLst>
+                              <p:cond delay="0"/>
+                            </p:stCondLst>
+                            <p:childTnLst>
+                              <p:par>
+                                <p:cTn id="47" presetID="2" presetClass="entr" presetSubtype="8" fill="hold" nodeType="clickEffect">
+                                  <p:stCondLst>
+                                    <p:cond delay="0"/>
+                                  </p:stCondLst>
+                                  <p:childTnLst>
+                                    <p:set>
+                                      <p:cBhvr>
+                                        <p:cTn id="48" dur="1" fill="hold">
+                                          <p:stCondLst>
+                                            <p:cond delay="0"/>
+                                          </p:stCondLst>
+                                        </p:cTn>
+                                        <p:tgtEl>
+                                          <p:spTgt spid="17"/>
+                                        </p:tgtEl>
+                                        <p:attrNameLst>
+                                          <p:attrName>style.visibility</p:attrName>
+                                        </p:attrNameLst>
+                                      </p:cBhvr>
+                                      <p:to>
+                                        <p:strVal val="visible"/>
+                                      </p:to>
+                                    </p:set>
+                                    <p:anim calcmode="lin" valueType="num">
+                                      <p:cBhvr additive="base">
+                                        <p:cTn id="49" dur="300" fill="hold"/>
+                                        <p:tgtEl>
+                                          <p:spTgt spid="17"/>
+                                        </p:tgtEl>
+                                        <p:attrNameLst>
+                                          <p:attrName>ppt_x</p:attrName>
+                                        </p:attrNameLst>
+                                      </p:cBhvr>
+                                      <p:tavLst>
+                                        <p:tav tm="0">
+                                          <p:val>
+                                            <p:strVal val="0-#ppt_w/2"/>
+                                          </p:val>
+                                        </p:tav>
+                                        <p:tav tm="100000">
+                                          <p:val>
+                                            <p:strVal val="#ppt_x"/>
+                                          </p:val>
+                                        </p:tav>
+                                      </p:tavLst>
+                                    </p:anim>
+                                    <p:anim calcmode="lin" valueType="num">
+                                      <p:cBhvr additive="base">
+                                        <p:cTn id="50" dur="300" fill="hold"/>
+                                        <p:tgtEl>
+                                          <p:spTgt spid="17"/>
+                                        </p:tgtEl>
+                                        <p:attrNameLst>
+                                          <p:attrName>ppt_y</p:attrName>
+                                        </p:attrNameLst>
+                                      </p:cBhvr>
+                                      <p:tavLst>
+                                        <p:tav tm="0">
+                                          <p:val>
+                                            <p:strVal val="#ppt_y"/>
+                                          </p:val>
+                                        </p:tav>
+                                        <p:tav tm="100000">
+                                          <p:val>
+                                            <p:strVal val="#ppt_y"/>
+                                          </p:val>
+                                        </p:tav>
+                                      </p:tavLst>
+                                    </p:anim>
+                                  </p:childTnLst>
+                                </p:cTn>
+                              </p:par>
+                            </p:childTnLst>
+                          </p:cTn>
+                        </p:par>
+                        <p:par>
+                          <p:cTn id="51" fill="hold">
+                            <p:stCondLst>
+                              <p:cond delay="300"/>
+                            </p:stCondLst>
+                            <p:childTnLst>
+                              <p:par>
+                                <p:cTn id="52" presetID="10" presetClass="entr" presetSubtype="0" fill="hold" nodeType="afterEffect">
+                                  <p:stCondLst>
+                                    <p:cond delay="0"/>
+                                  </p:stCondLst>
+                                  <p:childTnLst>
+                                    <p:set>
+                                      <p:cBhvr>
+                                        <p:cTn id="53" dur="1" fill="hold">
+                                          <p:stCondLst>
+                                            <p:cond delay="0"/>
+                                          </p:stCondLst>
+                                        </p:cTn>
+                                        <p:tgtEl>
+                                          <p:spTgt spid="20"/>
+                                        </p:tgtEl>
+                                        <p:attrNameLst>
+                                          <p:attrName>style.visibility</p:attrName>
+                                        </p:attrNameLst>
+                                      </p:cBhvr>
+                                      <p:to>
+                                        <p:strVal val="visible"/>
+                                      </p:to>
+                                    </p:set>
+                                    <p:anim calcmode="lin" valueType="num">
+                                      <p:cBhvr>
+                                        <p:cTn id="54" dur="300" fill="hold"/>
+                                        <p:tgtEl>
+                                          <p:spTgt spid="20"/>
+                                        </p:tgtEl>
+                                        <p:attrNameLst>
+                                          <p:attrName>ppt_w</p:attrName>
+                                        </p:attrNameLst>
+                                      </p:cBhvr>
+                                      <p:tavLst>
+                                        <p:tav tm="0">
+                                          <p:val>
+                                            <p:fltVal val="0"/>
+                                          </p:val>
+                                        </p:tav>
+                                        <p:tav tm="100000">
+                                          <p:val>
+                                            <p:strVal val="#ppt_w"/>
+                                          </p:val>
+                                        </p:tav>
+                                      </p:tavLst>
+                                    </p:anim>
+                                    <p:anim calcmode="lin" valueType="num">
+                                      <p:cBhvr>
+                                        <p:cTn id="55" dur="300" fill="hold"/>
+                                        <p:tgtEl>
+                                          <p:spTgt spid="20"/>
+                                        </p:tgtEl>
+                                        <p:attrNameLst>
+                                          <p:attrName>ppt_h</p:attrName>
+                                        </p:attrNameLst>
+                                      </p:cBhvr>
+                                      <p:tavLst>
+                                        <p:tav tm="0">
+                                          <p:val>
+                                            <p:fltVal val="0"/>
+                                          </p:val>
+                                        </p:tav>
+                                        <p:tav tm="100000">
+                                          <p:val>
+                                            <p:strVal val="#ppt_h"/>
+                                          </p:val>
+                                        </p:tav>
+                                      </p:tavLst>
+                                    </p:anim>
+                                    <p:animEffect transition="in" filter="fade">
+                                      <p:cBhvr>
+                                        <p:cTn id="56" dur="300"/>
+                                        <p:tgtEl>
+                                          <p:spTgt spid="20"/>
+                                        </p:tgtEl>
+                                      </p:cBhvr>
+                                    </p:animEffect>
+                                  </p:childTnLst>
+                                </p:cTn>
+                              </p:par>
+                            </p:childTnLst>
+                          </p:cTn>
+                        </p:par>
+                        <p:par>
+                          <p:cTn id="57" fill="hold">
+                            <p:stCondLst>
+                              <p:cond delay="600"/>
+                            </p:stCondLst>
+                            <p:childTnLst>
+                              <p:par>
+                                <p:cTn id="58" presetID="42" presetClass="entr" presetSubtype="0" fill="hold" nodeType="afterEffect">
+                                  <p:stCondLst>
+                                    <p:cond delay="0"/>
+                                  </p:stCondLst>
+                                  <p:childTnLst>
+                                    <p:set>
+                                      <p:cBhvr>
+                                        <p:cTn id="59" dur="1" fill="hold">
+                                          <p:stCondLst>
+                                            <p:cond delay="0"/>
+                                          </p:stCondLst>
+                                        </p:cTn>
+                                        <p:tgtEl>
+                                          <p:spTgt spid="16"/>
+                                        </p:tgtEl>
+                                        <p:attrNameLst>
+                                          <p:attrName>style.visibility</p:attrName>
+                                        </p:attrNameLst>
+                                      </p:cBhvr>
+                                      <p:to>
+                                        <p:strVal val="visible"/>
+                                      </p:to>
+                                    </p:set>
+                                    <p:animEffect transition="in" filter="fade">
+                                      <p:cBhvr>
+                                        <p:cTn id="60" dur="500"/>
+                                        <p:tgtEl>
+                                          <p:spTgt spid="16"/>
+                                        </p:tgtEl>
+                                      </p:cBhvr>
+                                    </p:animEffect>
+                                    <p:anim calcmode="lin" valueType="num">
+                                      <p:cBhvr>
+                                        <p:cTn id="61" dur="500" fill="hold"/>
+                                        <p:tgtEl>
+                                          <p:spTgt spid="16"/>
+                                        </p:tgtEl>
+                                        <p:attrNameLst>
+                                          <p:attrName>ppt_x</p:attrName>
+                                        </p:attrNameLst>
+                                      </p:cBhvr>
+                                      <p:tavLst>
+                                        <p:tav tm="0">
+                                          <p:val>
+                                            <p:strVal val="#ppt_x"/>
+                                          </p:val>
+                                        </p:tav>
+                                        <p:tav tm="100000">
+                                          <p:val>
+                                            <p:strVal val="#ppt_x"/>
+                                          </p:val>
+                                        </p:tav>
+                                      </p:tavLst>
+                                    </p:anim>
+                                    <p:anim calcmode="lin" valueType="num">
+                                      <p:cBhvr>
+                                        <p:cTn id="62" dur="500" fill="hold"/>
+                                        <p:tgtEl>
+                                          <p:spTgt spid="16"/>
+                                        </p:tgtEl>
+                                        <p:attrNameLst>
+                                          <p:attrName>ppt_y</p:attrName>
+                                        </p:attrNameLst>
+                                      </p:cBhvr>
+                                      <p:tavLst>
+                                        <p:tav tm="0">
+                                          <p:val>
+                                            <p:strVal val="#ppt_y+.1"/>
+                                          </p:val>
+                                        </p:tav>
+                                        <p:tav tm="100000">
+                                          <p:val>
+                                            <p:strVal val="#ppt_y"/>
+                                          </p:val>
+                                        </p:tav>
+                                      </p:tavLst>
+                                    </p:anim>
+                                  </p:childTnLst>
+                                </p:cTn>
+                              </p:par>
+                            </p:childTnLst>
+                          </p:cTn>
+                        </p:par>
+                        <p:par>
+                          <p:cTn id="63" fill="hold">
+                            <p:stCondLst>
+                              <p:cond delay="1100"/>
+                            </p:stCondLst>
+                            <p:childTnLst>
+                              <p:par>
+                                <p:cTn id="64" presetID="1" presetClass="entr" presetSubtype="0" fill="hold" nodeType="afterEffect">
+                                  <p:stCondLst>
+                                    <p:cond delay="0"/>
+                                  </p:stCondLst>
+                                  <p:childTnLst>
+                                    <p:set>
+                                      <p:cBhvr>
+                                        <p:cTn id="65" dur="1" fill="hold">
+                                          <p:stCondLst>
+                                            <p:cond delay="0"/>
+                                          </p:stCondLst>
+                                        </p:cTn>
+                                        <p:tgtEl>
+                                          <p:spTgt spid="21"/>
+                                        </p:tgtEl>
+                                        <p:attrNameLst>
+                                          <p:attrName>style.visibility</p:attrName>
+                                        </p:attrNameLst>
+                                      </p:cBhvr>
+                                      <p:to>
+                                        <p:strVal val="visible"/>
+                                      </p:to>
+                                    </p:set>
+                                  </p:childTnLst>
+                                </p:cTn>
+                              </p:par>
+                            </p:childTnLst>
+                          </p:cTn>
+                        </p:par>
+                        <p:par>
+                          <p:cTn id="66" fill="hold">
+                            <p:stCondLst>
+                              <p:cond delay="1100"/>
+                            </p:stCondLst>
+                            <p:childTnLst>
+                              <p:par>
+                                <p:cTn id="67" presetID="42" presetClass="path" presetSubtype="0" accel="50000" decel="50000" fill="hold" nodeType="afterEffect">
+                                  <p:stCondLst>
+                                    <p:cond delay="0"/>
+                                  </p:stCondLst>
+                                  <p:childTnLst>
+                                    <p:animMotion origin="layout" path="M -3.05556E-6 -4.44444E-6 L -3.05556E-6 0.23635 " pathEditMode="relative" rAng="0" ptsTypes="AA">
+                                      <p:cBhvr>
+                                        <p:cTn id="68" dur="1000" fill="hold"/>
+                                        <p:tgtEl>
+                                          <p:spTgt spid="21"/>
+                                        </p:tgtEl>
+                                        <p:attrNameLst>
+                                          <p:attrName>ppt_x,ppt_y</p:attrName>
+                                        </p:attrNameLst>
+                                      </p:cBhvr>
+                                      <p:rCtr x="0" y="11806"/>
+                                    </p:animMotion>
+                                  </p:childTnLst>
+                                </p:cTn>
+                              </p:par>
+                            </p:childTnLst>
+                          </p:cTn>
+                        </p:par>
+                        <p:par>
+                          <p:cTn id="69" fill="hold">
+                            <p:stCondLst>
+                              <p:cond delay="2100"/>
+                            </p:stCondLst>
+                            <p:childTnLst>
+                              <p:par>
+                                <p:cTn id="70" presetID="1" presetClass="exit" presetSubtype="0" fill="hold" nodeType="afterEffect">
+                                  <p:stCondLst>
+                                    <p:cond delay="0"/>
+                                  </p:stCondLst>
+                                  <p:childTnLst>
+                                    <p:set>
+                                      <p:cBhvr>
+                                        <p:cTn id="71" dur="1" fill="hold">
+                                          <p:stCondLst>
+                                            <p:cond delay="0"/>
+                                          </p:stCondLst>
+                                        </p:cTn>
+                                        <p:tgtEl>
+                                          <p:spTgt spid="21"/>
+                                        </p:tgtEl>
+                                        <p:attrNameLst>
+                                          <p:attrName>style.visibility</p:attrName>
+                                        </p:attrNameLst>
+                                      </p:cBhvr>
+                                      <p:to>
+                                        <p:strVal val="hidden"/>
+                                      </p:to>
+                                    </p:set>
+                                  </p:childTnLst>
+                                </p:cTn>
+                              </p:par>
+                              <p:par>
+                                <p:cTn id="72" presetID="42" presetClass="path" presetSubtype="0" accel="50000" decel="50000" fill="hold" nodeType="withEffect">
+                                  <p:stCondLst>
+                                    <p:cond delay="0"/>
+                                  </p:stCondLst>
+                                  <p:childTnLst>
+                                    <p:animMotion origin="layout" path="M -0.00087 0.00277 L -0.00226 0.30833 " pathEditMode="relative" rAng="0" ptsTypes="AA">
+                                      <p:cBhvr>
+                                        <p:cTn id="73" dur="1000" fill="hold"/>
+                                        <p:tgtEl>
+                                          <p:spTgt spid="16"/>
+                                        </p:tgtEl>
+                                        <p:attrNameLst>
+                                          <p:attrName>ppt_x,ppt_y</p:attrName>
+                                        </p:attrNameLst>
+                                      </p:cBhvr>
+                                      <p:rCtr x="-64" y="15278"/>
+                                    </p:animMotion>
+                                  </p:childTnLst>
+                                </p:cTn>
+                              </p:par>
+                              <p:par>
+                                <p:cTn id="74" presetID="1" presetClass="entr" presetSubtype="0" fill="hold" nodeType="withEffect">
+                                  <p:stCondLst>
+                                    <p:cond delay="0"/>
+                                  </p:stCondLst>
+                                  <p:childTnLst>
+                                    <p:set>
+                                      <p:cBhvr>
+                                        <p:cTn id="75" dur="1" fill="hold">
+                                          <p:stCondLst>
+                                            <p:cond delay="0"/>
+                                          </p:stCondLst>
+                                        </p:cTn>
+                                        <p:tgtEl>
+                                          <p:spTgt spid="24"/>
+                                        </p:tgtEl>
+                                        <p:attrNameLst>
+                                          <p:attrName>style.visibility</p:attrName>
+                                        </p:attrNameLst>
+                                      </p:cBhvr>
+                                      <p:to>
+                                        <p:strVal val="visible"/>
+                                      </p:to>
+                                    </p:set>
+                                  </p:childTnLst>
+                                </p:cTn>
+                              </p:par>
+                            </p:childTnLst>
+                          </p:cTn>
+                        </p:par>
+                        <p:par>
+                          <p:cTn id="76" fill="hold">
+                            <p:stCondLst>
+                              <p:cond delay="3100"/>
+                            </p:stCondLst>
+                            <p:childTnLst>
+                              <p:par>
+                                <p:cTn id="77" presetID="22" presetClass="entr" presetSubtype="1" fill="hold" nodeType="afterEffect">
+                                  <p:stCondLst>
+                                    <p:cond delay="0"/>
+                                  </p:stCondLst>
+                                  <p:childTnLst>
+                                    <p:set>
+                                      <p:cBhvr>
+                                        <p:cTn id="78" dur="1" fill="hold">
+                                          <p:stCondLst>
+                                            <p:cond delay="0"/>
+                                          </p:stCondLst>
+                                        </p:cTn>
+                                        <p:tgtEl>
+                                          <p:spTgt spid="15"/>
+                                        </p:tgtEl>
+                                        <p:attrNameLst>
+                                          <p:attrName>style.visibility</p:attrName>
+                                        </p:attrNameLst>
+                                      </p:cBhvr>
+                                      <p:to>
+                                        <p:strVal val="visible"/>
+                                      </p:to>
+                                    </p:set>
+                                    <p:animEffect transition="in" filter="wipe(up)">
+                                      <p:cBhvr>
+                                        <p:cTn id="79" dur="500"/>
+                                        <p:tgtEl>
+                                          <p:spTgt spid="15"/>
+                                        </p:tgtEl>
+                                      </p:cBhvr>
+                                    </p:animEffect>
+                                  </p:childTnLst>
+                                </p:cTn>
+                              </p:par>
+                            </p:childTnLst>
+                          </p:cTn>
+                        </p:par>
+                        <p:par>
+                          <p:cTn id="80" fill="hold">
+                            <p:stCondLst>
+                              <p:cond delay="3600"/>
+                            </p:stCondLst>
+                            <p:childTnLst>
+                              <p:par>
+                                <p:cTn id="81" presetID="1" presetClass="exit" presetSubtype="0" fill="hold" nodeType="afterEffect">
+                                  <p:stCondLst>
+                                    <p:cond delay="0"/>
+                                  </p:stCondLst>
+                                  <p:childTnLst>
+                                    <p:set>
+                                      <p:cBhvr>
+                                        <p:cTn id="82" dur="1" fill="hold">
+                                          <p:stCondLst>
+                                            <p:cond delay="0"/>
+                                          </p:stCondLst>
+                                        </p:cTn>
+                                        <p:tgtEl>
+                                          <p:spTgt spid="16"/>
+                                        </p:tgtEl>
+                                        <p:attrNameLst>
+                                          <p:attrName>style.visibility</p:attrName>
+                                        </p:attrNameLst>
+                                      </p:cBhvr>
+                                      <p:to>
+                                        <p:strVal val="hidden"/>
+                                      </p:to>
+                                    </p:set>
+                                  </p:childTnLst>
+                                </p:cTn>
+                              </p:par>
+                              <p:par>
+                                <p:cTn id="83" presetID="10" presetClass="entr" presetSubtype="0" fill="hold" nodeType="withEffect">
+                                  <p:stCondLst>
+                                    <p:cond delay="0"/>
+                                  </p:stCondLst>
+                                  <p:childTnLst>
+                                    <p:set>
+                                      <p:cBhvr>
+                                        <p:cTn id="84" dur="1" fill="hold">
+                                          <p:stCondLst>
+                                            <p:cond delay="0"/>
+                                          </p:stCondLst>
+                                        </p:cTn>
+                                        <p:tgtEl>
+                                          <p:spTgt spid="22"/>
+                                        </p:tgtEl>
+                                        <p:attrNameLst>
+                                          <p:attrName>style.visibility</p:attrName>
+                                        </p:attrNameLst>
+                                      </p:cBhvr>
+                                      <p:to>
+                                        <p:strVal val="visible"/>
+                                      </p:to>
+                                    </p:set>
+                                    <p:animEffect transition="in" filter="fade">
+                                      <p:cBhvr>
+                                        <p:cTn id="85" dur="500"/>
+                                        <p:tgtEl>
+                                          <p:spTgt spid="22"/>
+                                        </p:tgtEl>
+                                      </p:cBhvr>
+                                    </p:animEffect>
+                                  </p:childTnLst>
+                                </p:cTn>
+                              </p:par>
+                              <p:par>
+                                <p:cTn id="86" presetID="1" presetClass="entr" presetSubtype="0" fill="hold" nodeType="withEffect">
+                                  <p:stCondLst>
+                                    <p:cond delay="0"/>
+                                  </p:stCondLst>
+                                  <p:childTnLst>
+                                    <p:set>
+                                      <p:cBhvr>
+                                        <p:cTn id="87" dur="1" fill="hold">
+                                          <p:stCondLst>
+                                            <p:cond delay="0"/>
+                                          </p:stCondLst>
+                                        </p:cTn>
+                                        <p:tgtEl>
+                                          <p:spTgt spid="23"/>
+                                        </p:tgtEl>
+                                        <p:attrNameLst>
+                                          <p:attrName>style.visibility</p:attrName>
+                                        </p:attrNameLst>
+                                      </p:cBhvr>
+                                      <p:to>
+                                        <p:strVal val="visible"/>
+                                      </p:to>
+                                    </p:set>
+                                  </p:childTnLst>
+                                </p:cTn>
+                              </p:par>
+                            </p:childTnLst>
+                          </p:cTn>
+                        </p:par>
+                      </p:childTnLst>
+                    </p:cTn>
+                  </p:par>
+                </p:childTnLst>
+              </p:cTn>
+              <p:prevCondLst>
+                <p:cond evt="onPrev" delay="0">
+                  <p:tgtEl>
+                    <p:sldTgt/>
+                  </p:tgtEl>
+                </p:cond>
+              </p:prevCondLst>
+              <p:nextCondLst>
+                <p:cond evt="onNext" delay="0">
+                  <p:tgtEl>
+                    <p:sldTgt/>
+                  </p:tgtEl>
+                </p:cond>
+              </p:nextCondLst>
+            </p:seq>
+          </p:childTnLst>
+        </p:cTn>
+      </p:par>
+    </p:tnLst>
+  </p:timing>
 </p:sld>
 </file>
 
@@ -5638,830 +7632,114 @@
       </p:grpSpPr>
       <p:sp>
         <p:nvSpPr>
-          <p:cNvPr id="4" name="椭圆 3">
-            <a:extLst>
-              <a:ext uri="{FF2B5EF4-FFF2-40B4-BE49-F238E27FC236}">
-                <a16:creationId xmlns:a16="http://schemas.microsoft.com/office/drawing/2014/main" id="{BA21F397-5CAF-7D57-3668-D7E3C34226A2}"/>
-              </a:ext>
-            </a:extLst>
-          </p:cNvPr>
-          <p:cNvSpPr/>
+          <p:cNvPr id="2" name="标题 1">
+            <a:extLst>
+              <a:ext uri="{FF2B5EF4-FFF2-40B4-BE49-F238E27FC236}">
+                <a16:creationId xmlns:a16="http://schemas.microsoft.com/office/drawing/2014/main" id="{7B078A78-F1A6-B200-A327-496477BABCB1}"/>
+              </a:ext>
+            </a:extLst>
+          </p:cNvPr>
+          <p:cNvSpPr>
+            <a:spLocks noGrp="1"/>
+          </p:cNvSpPr>
+          <p:nvPr>
+            <p:ph type="title"/>
+          </p:nvPr>
+        </p:nvSpPr>
+        <p:spPr/>
+        <p:txBody>
+          <a:bodyPr/>
+          <a:lstStyle/>
+          <a:p>
+            <a:r>
+              <a:rPr lang="zh-CN" altLang="en-US" b="1" dirty="0"/>
+              <a:t>软件产品线</a:t>
+            </a:r>
+          </a:p>
+        </p:txBody>
+      </p:sp>
+      <p:pic>
+        <p:nvPicPr>
+          <p:cNvPr id="3" name="Picture 2" descr="C:\DOCUME~1\a\LOCALS~1\Temp\ksohtml\wps112.tmp.png">
+            <a:extLst>
+              <a:ext uri="{FF2B5EF4-FFF2-40B4-BE49-F238E27FC236}">
+                <a16:creationId xmlns:a16="http://schemas.microsoft.com/office/drawing/2014/main" id="{DD6FCE93-E414-DC94-C5EA-745663892699}"/>
+              </a:ext>
+            </a:extLst>
+          </p:cNvPr>
+          <p:cNvPicPr>
+            <a:picLocks noChangeAspect="1" noChangeArrowheads="1"/>
+          </p:cNvPicPr>
           <p:nvPr/>
-        </p:nvSpPr>
-        <p:spPr>
-          <a:xfrm>
-            <a:off x="2126752" y="3406063"/>
-            <a:ext cx="1661603" cy="751537"/>
-          </a:xfrm>
-          <a:prstGeom prst="ellipse">
-            <a:avLst/>
-          </a:prstGeom>
-          <a:solidFill>
-            <a:srgbClr val="00B050"/>
-          </a:solidFill>
-        </p:spPr>
-        <p:style>
-          <a:lnRef idx="2">
-            <a:schemeClr val="accent1">
-              <a:shade val="50000"/>
-            </a:schemeClr>
-          </a:lnRef>
-          <a:fillRef idx="1">
-            <a:schemeClr val="accent1"/>
-          </a:fillRef>
-          <a:effectRef idx="0">
-            <a:schemeClr val="accent1"/>
-          </a:effectRef>
-          <a:fontRef idx="minor">
-            <a:schemeClr val="lt1"/>
-          </a:fontRef>
-        </p:style>
-        <p:txBody>
-          <a:bodyPr rtlCol="0" anchor="ctr"/>
-          <a:lstStyle/>
-          <a:p>
-            <a:pPr algn="ctr"/>
-            <a:r>
-              <a:rPr lang="en-US" altLang="zh-CN" dirty="0"/>
-              <a:t>Delta</a:t>
-            </a:r>
-            <a:endParaRPr lang="zh-CN" altLang="en-US" dirty="0"/>
-          </a:p>
-        </p:txBody>
-      </p:sp>
-      <p:sp>
-        <p:nvSpPr>
-          <p:cNvPr id="6" name="矩形 5">
-            <a:extLst>
-              <a:ext uri="{FF2B5EF4-FFF2-40B4-BE49-F238E27FC236}">
-                <a16:creationId xmlns:a16="http://schemas.microsoft.com/office/drawing/2014/main" id="{A592B2C6-E414-8D0D-7C13-EC4AA1091540}"/>
-              </a:ext>
-            </a:extLst>
-          </p:cNvPr>
-          <p:cNvSpPr/>
-          <p:nvPr/>
-        </p:nvSpPr>
-        <p:spPr>
-          <a:xfrm>
-            <a:off x="5195589" y="3406172"/>
-            <a:ext cx="2168531" cy="751537"/>
-          </a:xfrm>
-          <a:prstGeom prst="rect">
-            <a:avLst/>
-          </a:prstGeom>
-        </p:spPr>
-        <p:style>
-          <a:lnRef idx="2">
-            <a:schemeClr val="accent1">
-              <a:shade val="50000"/>
-            </a:schemeClr>
-          </a:lnRef>
-          <a:fillRef idx="1">
-            <a:schemeClr val="accent1"/>
-          </a:fillRef>
-          <a:effectRef idx="0">
-            <a:schemeClr val="accent1"/>
-          </a:effectRef>
-          <a:fontRef idx="minor">
-            <a:schemeClr val="lt1"/>
-          </a:fontRef>
-        </p:style>
-        <p:txBody>
-          <a:bodyPr rtlCol="0" anchor="ctr"/>
-          <a:lstStyle/>
-          <a:p>
-            <a:pPr algn="ctr"/>
-            <a:r>
-              <a:rPr lang="en-US" altLang="zh-CN" dirty="0"/>
-              <a:t>Generator&lt;DSL&gt;</a:t>
-            </a:r>
-            <a:endParaRPr lang="zh-CN" altLang="en-US" dirty="0"/>
-          </a:p>
-        </p:txBody>
-      </p:sp>
-      <p:sp>
-        <p:nvSpPr>
-          <p:cNvPr id="7" name="箭头: 右 6">
-            <a:extLst>
-              <a:ext uri="{FF2B5EF4-FFF2-40B4-BE49-F238E27FC236}">
-                <a16:creationId xmlns:a16="http://schemas.microsoft.com/office/drawing/2014/main" id="{B43E41AE-E5AE-5FD0-C739-3429C3503F2C}"/>
-              </a:ext>
-            </a:extLst>
-          </p:cNvPr>
-          <p:cNvSpPr/>
-          <p:nvPr/>
-        </p:nvSpPr>
-        <p:spPr>
-          <a:xfrm>
-            <a:off x="4090519" y="3655949"/>
-            <a:ext cx="842481" cy="293960"/>
-          </a:xfrm>
-          <a:prstGeom prst="rightArrow">
-            <a:avLst>
-              <a:gd name="adj1" fmla="val 33704"/>
-              <a:gd name="adj2" fmla="val 50000"/>
-            </a:avLst>
-          </a:prstGeom>
-        </p:spPr>
-        <p:style>
-          <a:lnRef idx="2">
-            <a:schemeClr val="accent1">
-              <a:shade val="50000"/>
-            </a:schemeClr>
-          </a:lnRef>
-          <a:fillRef idx="1">
-            <a:schemeClr val="accent1"/>
-          </a:fillRef>
-          <a:effectRef idx="0">
-            <a:schemeClr val="accent1"/>
-          </a:effectRef>
-          <a:fontRef idx="minor">
-            <a:schemeClr val="lt1"/>
-          </a:fontRef>
-        </p:style>
-        <p:txBody>
-          <a:bodyPr rtlCol="0" anchor="ctr"/>
-          <a:lstStyle/>
-          <a:p>
-            <a:pPr algn="ctr"/>
-            <a:endParaRPr lang="zh-CN" altLang="en-US"/>
-          </a:p>
-        </p:txBody>
-      </p:sp>
-      <p:sp>
-        <p:nvSpPr>
-          <p:cNvPr id="8" name="加号 7">
-            <a:extLst>
-              <a:ext uri="{FF2B5EF4-FFF2-40B4-BE49-F238E27FC236}">
-                <a16:creationId xmlns:a16="http://schemas.microsoft.com/office/drawing/2014/main" id="{47CD597C-D8A2-54A4-4573-4EF2E380D9D1}"/>
-              </a:ext>
-            </a:extLst>
-          </p:cNvPr>
-          <p:cNvSpPr/>
-          <p:nvPr/>
-        </p:nvSpPr>
-        <p:spPr>
-          <a:xfrm>
-            <a:off x="3945584" y="3426869"/>
-            <a:ext cx="977142" cy="751537"/>
-          </a:xfrm>
-          <a:prstGeom prst="mathPlus">
-            <a:avLst/>
-          </a:prstGeom>
-        </p:spPr>
-        <p:style>
-          <a:lnRef idx="2">
-            <a:schemeClr val="accent1">
-              <a:shade val="50000"/>
-            </a:schemeClr>
-          </a:lnRef>
-          <a:fillRef idx="1">
-            <a:schemeClr val="accent1"/>
-          </a:fillRef>
-          <a:effectRef idx="0">
-            <a:schemeClr val="accent1"/>
-          </a:effectRef>
-          <a:fontRef idx="minor">
-            <a:schemeClr val="lt1"/>
-          </a:fontRef>
-        </p:style>
-        <p:txBody>
-          <a:bodyPr rtlCol="0" anchor="ctr"/>
-          <a:lstStyle/>
-          <a:p>
-            <a:pPr algn="ctr"/>
-            <a:endParaRPr lang="zh-CN" altLang="en-US"/>
-          </a:p>
-        </p:txBody>
-      </p:sp>
-      <p:sp>
-        <p:nvSpPr>
-          <p:cNvPr id="9" name="矩形 8">
-            <a:extLst>
-              <a:ext uri="{FF2B5EF4-FFF2-40B4-BE49-F238E27FC236}">
-                <a16:creationId xmlns:a16="http://schemas.microsoft.com/office/drawing/2014/main" id="{AB67A7CB-8439-07EF-CCF1-8A27B4C87B7D}"/>
-              </a:ext>
-            </a:extLst>
-          </p:cNvPr>
-          <p:cNvSpPr/>
-          <p:nvPr/>
-        </p:nvSpPr>
-        <p:spPr>
-          <a:xfrm>
-            <a:off x="7888849" y="3830542"/>
-            <a:ext cx="772268" cy="119367"/>
-          </a:xfrm>
-          <a:prstGeom prst="rect">
-            <a:avLst/>
-          </a:prstGeom>
-        </p:spPr>
-        <p:style>
-          <a:lnRef idx="2">
-            <a:schemeClr val="accent1">
-              <a:shade val="50000"/>
-            </a:schemeClr>
-          </a:lnRef>
-          <a:fillRef idx="1">
-            <a:schemeClr val="accent1"/>
-          </a:fillRef>
-          <a:effectRef idx="0">
-            <a:schemeClr val="accent1"/>
-          </a:effectRef>
-          <a:fontRef idx="minor">
-            <a:schemeClr val="lt1"/>
-          </a:fontRef>
-        </p:style>
-        <p:txBody>
-          <a:bodyPr rtlCol="0" anchor="ctr"/>
-          <a:lstStyle/>
-          <a:p>
-            <a:pPr algn="ctr"/>
-            <a:endParaRPr lang="zh-CN" altLang="en-US"/>
-          </a:p>
-        </p:txBody>
-      </p:sp>
-      <p:sp>
-        <p:nvSpPr>
-          <p:cNvPr id="10" name="矩形 9">
-            <a:extLst>
-              <a:ext uri="{FF2B5EF4-FFF2-40B4-BE49-F238E27FC236}">
-                <a16:creationId xmlns:a16="http://schemas.microsoft.com/office/drawing/2014/main" id="{2759FF7F-6595-7E3D-462B-F693C8B55986}"/>
-              </a:ext>
-            </a:extLst>
-          </p:cNvPr>
-          <p:cNvSpPr/>
-          <p:nvPr/>
-        </p:nvSpPr>
-        <p:spPr>
-          <a:xfrm>
-            <a:off x="7887138" y="3633622"/>
-            <a:ext cx="773979" cy="119367"/>
-          </a:xfrm>
-          <a:prstGeom prst="rect">
-            <a:avLst/>
-          </a:prstGeom>
-        </p:spPr>
-        <p:style>
-          <a:lnRef idx="2">
-            <a:schemeClr val="accent1">
-              <a:shade val="50000"/>
-            </a:schemeClr>
-          </a:lnRef>
-          <a:fillRef idx="1">
-            <a:schemeClr val="accent1"/>
-          </a:fillRef>
-          <a:effectRef idx="0">
-            <a:schemeClr val="accent1"/>
-          </a:effectRef>
-          <a:fontRef idx="minor">
-            <a:schemeClr val="lt1"/>
-          </a:fontRef>
-        </p:style>
-        <p:txBody>
-          <a:bodyPr rtlCol="0" anchor="ctr"/>
-          <a:lstStyle/>
-          <a:p>
-            <a:pPr algn="ctr"/>
-            <a:endParaRPr lang="zh-CN" altLang="en-US"/>
-          </a:p>
-        </p:txBody>
-      </p:sp>
-      <p:sp>
-        <p:nvSpPr>
-          <p:cNvPr id="11" name="椭圆 10">
-            <a:extLst>
-              <a:ext uri="{FF2B5EF4-FFF2-40B4-BE49-F238E27FC236}">
-                <a16:creationId xmlns:a16="http://schemas.microsoft.com/office/drawing/2014/main" id="{2AA33660-0ED8-1BD8-58F6-A19187136E03}"/>
-              </a:ext>
-            </a:extLst>
-          </p:cNvPr>
-          <p:cNvSpPr/>
-          <p:nvPr/>
-        </p:nvSpPr>
-        <p:spPr>
-          <a:xfrm>
-            <a:off x="9133736" y="3395788"/>
-            <a:ext cx="1661603" cy="751537"/>
-          </a:xfrm>
-          <a:prstGeom prst="ellipse">
-            <a:avLst/>
-          </a:prstGeom>
-          <a:solidFill>
-            <a:schemeClr val="tx1"/>
-          </a:solidFill>
-        </p:spPr>
-        <p:style>
-          <a:lnRef idx="2">
-            <a:schemeClr val="accent1">
-              <a:shade val="50000"/>
-            </a:schemeClr>
-          </a:lnRef>
-          <a:fillRef idx="1">
-            <a:schemeClr val="accent1"/>
-          </a:fillRef>
-          <a:effectRef idx="0">
-            <a:schemeClr val="accent1"/>
-          </a:effectRef>
-          <a:fontRef idx="minor">
-            <a:schemeClr val="lt1"/>
-          </a:fontRef>
-        </p:style>
-        <p:txBody>
-          <a:bodyPr rtlCol="0" anchor="ctr"/>
-          <a:lstStyle/>
-          <a:p>
-            <a:pPr algn="ctr"/>
-            <a:r>
-              <a:rPr lang="en-US" altLang="zh-CN" dirty="0"/>
-              <a:t>App</a:t>
-            </a:r>
-            <a:endParaRPr lang="zh-CN" altLang="en-US" dirty="0"/>
-          </a:p>
-        </p:txBody>
-      </p:sp>
-      <p:sp>
-        <p:nvSpPr>
-          <p:cNvPr id="12" name="椭圆 11">
-            <a:extLst>
-              <a:ext uri="{FF2B5EF4-FFF2-40B4-BE49-F238E27FC236}">
-                <a16:creationId xmlns:a16="http://schemas.microsoft.com/office/drawing/2014/main" id="{67A5EEEF-AD36-B541-EB53-0DEE4B4F8DA2}"/>
-              </a:ext>
-            </a:extLst>
-          </p:cNvPr>
-          <p:cNvSpPr/>
-          <p:nvPr/>
-        </p:nvSpPr>
-        <p:spPr>
-          <a:xfrm>
-            <a:off x="4963825" y="1246778"/>
-            <a:ext cx="1661603" cy="751537"/>
-          </a:xfrm>
-          <a:prstGeom prst="ellipse">
-            <a:avLst/>
-          </a:prstGeom>
-          <a:solidFill>
-            <a:srgbClr val="C00000"/>
-          </a:solidFill>
-        </p:spPr>
-        <p:style>
-          <a:lnRef idx="2">
-            <a:schemeClr val="accent1">
-              <a:shade val="50000"/>
-            </a:schemeClr>
-          </a:lnRef>
-          <a:fillRef idx="1">
-            <a:schemeClr val="accent1"/>
-          </a:fillRef>
-          <a:effectRef idx="0">
-            <a:schemeClr val="accent1"/>
-          </a:effectRef>
-          <a:fontRef idx="minor">
-            <a:schemeClr val="lt1"/>
-          </a:fontRef>
-        </p:style>
-        <p:txBody>
-          <a:bodyPr rtlCol="0" anchor="ctr"/>
-          <a:lstStyle/>
-          <a:p>
-            <a:pPr algn="ctr"/>
-            <a:r>
-              <a:rPr lang="en-US" altLang="zh-CN" dirty="0"/>
-              <a:t>Delta</a:t>
-            </a:r>
-            <a:endParaRPr lang="zh-CN" altLang="en-US" dirty="0"/>
-          </a:p>
-        </p:txBody>
-      </p:sp>
-      <p:sp>
-        <p:nvSpPr>
-          <p:cNvPr id="13" name="箭头: 右 12">
-            <a:extLst>
-              <a:ext uri="{FF2B5EF4-FFF2-40B4-BE49-F238E27FC236}">
-                <a16:creationId xmlns:a16="http://schemas.microsoft.com/office/drawing/2014/main" id="{8DFA9062-86D1-0683-B576-81B333C92050}"/>
-              </a:ext>
-            </a:extLst>
-          </p:cNvPr>
-          <p:cNvSpPr/>
-          <p:nvPr/>
-        </p:nvSpPr>
-        <p:spPr>
-          <a:xfrm rot="5400000">
-            <a:off x="5672783" y="2823949"/>
-            <a:ext cx="290271" cy="313710"/>
-          </a:xfrm>
-          <a:prstGeom prst="rightArrow">
-            <a:avLst>
-              <a:gd name="adj1" fmla="val 33704"/>
-              <a:gd name="adj2" fmla="val 50000"/>
-            </a:avLst>
-          </a:prstGeom>
-        </p:spPr>
-        <p:style>
-          <a:lnRef idx="2">
-            <a:schemeClr val="accent1">
-              <a:shade val="50000"/>
-            </a:schemeClr>
-          </a:lnRef>
-          <a:fillRef idx="1">
-            <a:schemeClr val="accent1"/>
-          </a:fillRef>
-          <a:effectRef idx="0">
-            <a:schemeClr val="accent1"/>
-          </a:effectRef>
-          <a:fontRef idx="minor">
-            <a:schemeClr val="lt1"/>
-          </a:fontRef>
-        </p:style>
-        <p:txBody>
-          <a:bodyPr rtlCol="0" anchor="ctr"/>
-          <a:lstStyle/>
-          <a:p>
-            <a:pPr algn="ctr"/>
-            <a:endParaRPr lang="zh-CN" altLang="en-US"/>
-          </a:p>
-        </p:txBody>
-      </p:sp>
-      <p:sp>
-        <p:nvSpPr>
-          <p:cNvPr id="14" name="加号 13">
-            <a:extLst>
-              <a:ext uri="{FF2B5EF4-FFF2-40B4-BE49-F238E27FC236}">
-                <a16:creationId xmlns:a16="http://schemas.microsoft.com/office/drawing/2014/main" id="{42E43830-3051-8E87-14A1-B5BEC28AD4FA}"/>
-              </a:ext>
-            </a:extLst>
-          </p:cNvPr>
-          <p:cNvSpPr/>
-          <p:nvPr/>
-        </p:nvSpPr>
-        <p:spPr>
-          <a:xfrm>
-            <a:off x="5330031" y="2326475"/>
-            <a:ext cx="977142" cy="751537"/>
-          </a:xfrm>
-          <a:prstGeom prst="mathPlus">
-            <a:avLst/>
-          </a:prstGeom>
-        </p:spPr>
-        <p:style>
-          <a:lnRef idx="2">
-            <a:schemeClr val="accent1">
-              <a:shade val="50000"/>
-            </a:schemeClr>
-          </a:lnRef>
-          <a:fillRef idx="1">
-            <a:schemeClr val="accent1"/>
-          </a:fillRef>
-          <a:effectRef idx="0">
-            <a:schemeClr val="accent1"/>
-          </a:effectRef>
-          <a:fontRef idx="minor">
-            <a:schemeClr val="lt1"/>
-          </a:fontRef>
-        </p:style>
-        <p:txBody>
-          <a:bodyPr rtlCol="0" anchor="ctr"/>
-          <a:lstStyle/>
-          <a:p>
-            <a:pPr algn="ctr"/>
-            <a:endParaRPr lang="zh-CN" altLang="en-US"/>
-          </a:p>
-        </p:txBody>
-      </p:sp>
-      <p:sp>
-        <p:nvSpPr>
-          <p:cNvPr id="15" name="椭圆 14">
-            <a:extLst>
-              <a:ext uri="{FF2B5EF4-FFF2-40B4-BE49-F238E27FC236}">
-                <a16:creationId xmlns:a16="http://schemas.microsoft.com/office/drawing/2014/main" id="{95E8E489-4AFF-C818-DEDE-77B1C0E5370C}"/>
-              </a:ext>
-            </a:extLst>
-          </p:cNvPr>
-          <p:cNvSpPr/>
-          <p:nvPr/>
-        </p:nvSpPr>
-        <p:spPr>
-          <a:xfrm>
-            <a:off x="2128142" y="1277600"/>
-            <a:ext cx="1661603" cy="751537"/>
-          </a:xfrm>
-          <a:prstGeom prst="ellipse">
-            <a:avLst/>
-          </a:prstGeom>
-          <a:solidFill>
-            <a:srgbClr val="00B050"/>
-          </a:solidFill>
-        </p:spPr>
-        <p:style>
-          <a:lnRef idx="2">
-            <a:schemeClr val="accent1">
-              <a:shade val="50000"/>
-            </a:schemeClr>
-          </a:lnRef>
-          <a:fillRef idx="1">
-            <a:schemeClr val="accent1"/>
-          </a:fillRef>
-          <a:effectRef idx="0">
-            <a:schemeClr val="accent1"/>
-          </a:effectRef>
-          <a:fontRef idx="minor">
-            <a:schemeClr val="lt1"/>
-          </a:fontRef>
-        </p:style>
-        <p:txBody>
-          <a:bodyPr rtlCol="0" anchor="ctr"/>
-          <a:lstStyle/>
-          <a:p>
-            <a:pPr algn="ctr"/>
-            <a:r>
-              <a:rPr lang="en-US" altLang="zh-CN" dirty="0"/>
-              <a:t>Delta</a:t>
-            </a:r>
-            <a:endParaRPr lang="zh-CN" altLang="en-US" dirty="0"/>
-          </a:p>
-        </p:txBody>
-      </p:sp>
-      <p:sp>
-        <p:nvSpPr>
-          <p:cNvPr id="16" name="箭头: 右 15">
-            <a:extLst>
-              <a:ext uri="{FF2B5EF4-FFF2-40B4-BE49-F238E27FC236}">
-                <a16:creationId xmlns:a16="http://schemas.microsoft.com/office/drawing/2014/main" id="{1741330E-2C6B-EB14-BED1-08AA39913B8F}"/>
-              </a:ext>
-            </a:extLst>
-          </p:cNvPr>
-          <p:cNvSpPr/>
-          <p:nvPr/>
-        </p:nvSpPr>
-        <p:spPr>
-          <a:xfrm rot="5400000">
-            <a:off x="2837100" y="2854771"/>
-            <a:ext cx="290271" cy="313710"/>
-          </a:xfrm>
-          <a:prstGeom prst="rightArrow">
-            <a:avLst>
-              <a:gd name="adj1" fmla="val 33704"/>
-              <a:gd name="adj2" fmla="val 50000"/>
-            </a:avLst>
-          </a:prstGeom>
-        </p:spPr>
-        <p:style>
-          <a:lnRef idx="2">
-            <a:schemeClr val="accent1">
-              <a:shade val="50000"/>
-            </a:schemeClr>
-          </a:lnRef>
-          <a:fillRef idx="1">
-            <a:schemeClr val="accent1"/>
-          </a:fillRef>
-          <a:effectRef idx="0">
-            <a:schemeClr val="accent1"/>
-          </a:effectRef>
-          <a:fontRef idx="minor">
-            <a:schemeClr val="lt1"/>
-          </a:fontRef>
-        </p:style>
-        <p:txBody>
-          <a:bodyPr rtlCol="0" anchor="ctr"/>
-          <a:lstStyle/>
-          <a:p>
-            <a:pPr algn="ctr"/>
-            <a:endParaRPr lang="zh-CN" altLang="en-US"/>
-          </a:p>
-        </p:txBody>
-      </p:sp>
-      <p:sp>
-        <p:nvSpPr>
-          <p:cNvPr id="17" name="加号 16">
-            <a:extLst>
-              <a:ext uri="{FF2B5EF4-FFF2-40B4-BE49-F238E27FC236}">
-                <a16:creationId xmlns:a16="http://schemas.microsoft.com/office/drawing/2014/main" id="{23AE8C24-0648-7702-95C8-94D78DF26CE8}"/>
-              </a:ext>
-            </a:extLst>
-          </p:cNvPr>
-          <p:cNvSpPr/>
-          <p:nvPr/>
-        </p:nvSpPr>
-        <p:spPr>
-          <a:xfrm>
-            <a:off x="2494348" y="2357297"/>
-            <a:ext cx="977142" cy="751537"/>
-          </a:xfrm>
-          <a:prstGeom prst="mathPlus">
-            <a:avLst/>
-          </a:prstGeom>
-        </p:spPr>
-        <p:style>
-          <a:lnRef idx="2">
-            <a:schemeClr val="accent1">
-              <a:shade val="50000"/>
-            </a:schemeClr>
-          </a:lnRef>
-          <a:fillRef idx="1">
-            <a:schemeClr val="accent1"/>
-          </a:fillRef>
-          <a:effectRef idx="0">
-            <a:schemeClr val="accent1"/>
-          </a:effectRef>
-          <a:fontRef idx="minor">
-            <a:schemeClr val="lt1"/>
-          </a:fontRef>
-        </p:style>
-        <p:txBody>
-          <a:bodyPr rtlCol="0" anchor="ctr"/>
-          <a:lstStyle/>
-          <a:p>
-            <a:pPr algn="ctr"/>
-            <a:endParaRPr lang="zh-CN" altLang="en-US"/>
-          </a:p>
-        </p:txBody>
-      </p:sp>
-      <p:sp>
-        <p:nvSpPr>
-          <p:cNvPr id="18" name="椭圆 17">
-            <a:extLst>
-              <a:ext uri="{FF2B5EF4-FFF2-40B4-BE49-F238E27FC236}">
-                <a16:creationId xmlns:a16="http://schemas.microsoft.com/office/drawing/2014/main" id="{8233DB15-20BA-8F93-255D-DCA3EF0A8E16}"/>
-              </a:ext>
-            </a:extLst>
-          </p:cNvPr>
-          <p:cNvSpPr/>
-          <p:nvPr/>
-        </p:nvSpPr>
-        <p:spPr>
-          <a:xfrm>
-            <a:off x="5960417" y="5448917"/>
-            <a:ext cx="1661603" cy="751537"/>
-          </a:xfrm>
-          <a:prstGeom prst="ellipse">
-            <a:avLst/>
-          </a:prstGeom>
-          <a:solidFill>
-            <a:srgbClr val="7030A0"/>
-          </a:solidFill>
-        </p:spPr>
-        <p:style>
-          <a:lnRef idx="2">
-            <a:schemeClr val="accent1">
-              <a:shade val="50000"/>
-            </a:schemeClr>
-          </a:lnRef>
-          <a:fillRef idx="1">
-            <a:schemeClr val="accent1"/>
-          </a:fillRef>
-          <a:effectRef idx="0">
-            <a:schemeClr val="accent1"/>
-          </a:effectRef>
-          <a:fontRef idx="minor">
-            <a:schemeClr val="lt1"/>
-          </a:fontRef>
-        </p:style>
-        <p:txBody>
-          <a:bodyPr rtlCol="0" anchor="ctr"/>
-          <a:lstStyle/>
-          <a:p>
-            <a:pPr algn="ctr"/>
-            <a:r>
-              <a:rPr lang="en-US" altLang="zh-CN" dirty="0"/>
-              <a:t>Delta</a:t>
-            </a:r>
-            <a:endParaRPr lang="zh-CN" altLang="en-US" dirty="0"/>
-          </a:p>
-        </p:txBody>
-      </p:sp>
-      <p:sp>
-        <p:nvSpPr>
-          <p:cNvPr id="19" name="箭头: 右 18">
-            <a:extLst>
-              <a:ext uri="{FF2B5EF4-FFF2-40B4-BE49-F238E27FC236}">
-                <a16:creationId xmlns:a16="http://schemas.microsoft.com/office/drawing/2014/main" id="{EB45F6C5-C9EA-AFCD-5C81-399C113B9951}"/>
-              </a:ext>
-            </a:extLst>
-          </p:cNvPr>
-          <p:cNvSpPr/>
-          <p:nvPr/>
-        </p:nvSpPr>
-        <p:spPr>
-          <a:xfrm rot="16200000">
-            <a:off x="6618689" y="4384386"/>
-            <a:ext cx="290271" cy="313710"/>
-          </a:xfrm>
-          <a:prstGeom prst="rightArrow">
-            <a:avLst>
-              <a:gd name="adj1" fmla="val 33704"/>
-              <a:gd name="adj2" fmla="val 50000"/>
-            </a:avLst>
-          </a:prstGeom>
-        </p:spPr>
-        <p:style>
-          <a:lnRef idx="2">
-            <a:schemeClr val="accent1">
-              <a:shade val="50000"/>
-            </a:schemeClr>
-          </a:lnRef>
-          <a:fillRef idx="1">
-            <a:schemeClr val="accent1"/>
-          </a:fillRef>
-          <a:effectRef idx="0">
-            <a:schemeClr val="accent1"/>
-          </a:effectRef>
-          <a:fontRef idx="minor">
-            <a:schemeClr val="lt1"/>
-          </a:fontRef>
-        </p:style>
-        <p:txBody>
-          <a:bodyPr rtlCol="0" anchor="ctr"/>
-          <a:lstStyle/>
-          <a:p>
-            <a:pPr algn="ctr"/>
-            <a:endParaRPr lang="zh-CN" altLang="en-US"/>
-          </a:p>
-        </p:txBody>
-      </p:sp>
-      <p:sp>
-        <p:nvSpPr>
-          <p:cNvPr id="20" name="加号 19">
-            <a:extLst>
-              <a:ext uri="{FF2B5EF4-FFF2-40B4-BE49-F238E27FC236}">
-                <a16:creationId xmlns:a16="http://schemas.microsoft.com/office/drawing/2014/main" id="{2CD4D377-577C-FF2A-AEB9-15AA822BC005}"/>
-              </a:ext>
-            </a:extLst>
-          </p:cNvPr>
-          <p:cNvSpPr/>
-          <p:nvPr/>
-        </p:nvSpPr>
-        <p:spPr>
-          <a:xfrm>
-            <a:off x="6275253" y="4453228"/>
-            <a:ext cx="977142" cy="751537"/>
-          </a:xfrm>
-          <a:prstGeom prst="mathPlus">
-            <a:avLst/>
-          </a:prstGeom>
-        </p:spPr>
-        <p:style>
-          <a:lnRef idx="2">
-            <a:schemeClr val="accent1">
-              <a:shade val="50000"/>
-            </a:schemeClr>
-          </a:lnRef>
-          <a:fillRef idx="1">
-            <a:schemeClr val="accent1"/>
-          </a:fillRef>
-          <a:effectRef idx="0">
-            <a:schemeClr val="accent1"/>
-          </a:effectRef>
-          <a:fontRef idx="minor">
-            <a:schemeClr val="lt1"/>
-          </a:fontRef>
-        </p:style>
-        <p:txBody>
-          <a:bodyPr rtlCol="0" anchor="ctr"/>
-          <a:lstStyle/>
-          <a:p>
-            <a:pPr algn="ctr"/>
-            <a:endParaRPr lang="zh-CN" altLang="en-US"/>
-          </a:p>
-        </p:txBody>
-      </p:sp>
-      <p:sp>
-        <p:nvSpPr>
-          <p:cNvPr id="2" name="文本框 1">
-            <a:extLst>
-              <a:ext uri="{FF2B5EF4-FFF2-40B4-BE49-F238E27FC236}">
-                <a16:creationId xmlns:a16="http://schemas.microsoft.com/office/drawing/2014/main" id="{3C94D8A1-9917-8B97-5FC7-325C311C388B}"/>
-              </a:ext>
-            </a:extLst>
-          </p:cNvPr>
-          <p:cNvSpPr txBox="1"/>
-          <p:nvPr/>
-        </p:nvSpPr>
-        <p:spPr>
-          <a:xfrm>
-            <a:off x="434689" y="267393"/>
-            <a:ext cx="2909886" cy="523220"/>
+        </p:nvPicPr>
+        <p:blipFill>
+          <a:blip r:embed="rId2"/>
+          <a:srcRect/>
+          <a:stretch>
+            <a:fillRect/>
+          </a:stretch>
+        </p:blipFill>
+        <p:spPr bwMode="auto">
+          <a:xfrm>
+            <a:off x="2628900" y="2164142"/>
+            <a:ext cx="6025087" cy="4040715"/>
           </a:xfrm>
           <a:prstGeom prst="rect">
             <a:avLst/>
           </a:prstGeom>
           <a:noFill/>
         </p:spPr>
-        <p:txBody>
-          <a:bodyPr wrap="square" rtlCol="0">
+      </p:pic>
+      <p:sp>
+        <p:nvSpPr>
+          <p:cNvPr id="5" name="文本框 4">
+            <a:extLst>
+              <a:ext uri="{FF2B5EF4-FFF2-40B4-BE49-F238E27FC236}">
+                <a16:creationId xmlns:a16="http://schemas.microsoft.com/office/drawing/2014/main" id="{819C4387-1CF3-5117-5659-CB37164B8E99}"/>
+              </a:ext>
+            </a:extLst>
+          </p:cNvPr>
+          <p:cNvSpPr txBox="1"/>
+          <p:nvPr/>
+        </p:nvSpPr>
+        <p:spPr>
+          <a:xfrm>
+            <a:off x="3047320" y="1537998"/>
+            <a:ext cx="6094638" cy="369332"/>
+          </a:xfrm>
+          <a:prstGeom prst="rect">
+            <a:avLst/>
+          </a:prstGeom>
+          <a:noFill/>
+        </p:spPr>
+        <p:txBody>
+          <a:bodyPr wrap="square">
             <a:spAutoFit/>
           </a:bodyPr>
           <a:lstStyle/>
           <a:p>
-            <a:r>
-              <a:rPr lang="zh-CN" altLang="en-US" sz="2800" b="1" dirty="0"/>
-              <a:t>差量无处不在</a:t>
-            </a:r>
+            <a:pPr>
+              <a:spcBef>
+                <a:spcPct val="50000"/>
+              </a:spcBef>
+              <a:defRPr/>
+            </a:pPr>
+            <a:r>
+              <a:rPr lang="es-ES" altLang="en-US" sz="1800" b="1" dirty="0">
+                <a:latin typeface="Verdana" pitchFamily="34" charset="0"/>
+              </a:rPr>
+              <a:t>Y = (A + B + C)+(– C + D) = X + dY</a:t>
+            </a:r>
+            <a:endParaRPr lang="en-US" altLang="zh-CN" sz="500" b="1" dirty="0">
+              <a:latin typeface="Verdana" pitchFamily="34" charset="0"/>
+            </a:endParaRPr>
           </a:p>
         </p:txBody>
       </p:sp>
     </p:spTree>
     <p:extLst>
       <p:ext uri="{BB962C8B-B14F-4D97-AF65-F5344CB8AC3E}">
-        <p14:creationId xmlns:p14="http://schemas.microsoft.com/office/powerpoint/2010/main" val="3916503306"/>
+        <p14:creationId xmlns:p14="http://schemas.microsoft.com/office/powerpoint/2010/main" val="2547693607"/>
       </p:ext>
     </p:extLst>
   </p:cSld>
@@ -6490,10 +7768,10 @@
       </p:grpSpPr>
       <p:sp>
         <p:nvSpPr>
-          <p:cNvPr id="4" name="矩形 3">
-            <a:extLst>
-              <a:ext uri="{FF2B5EF4-FFF2-40B4-BE49-F238E27FC236}">
-                <a16:creationId xmlns:a16="http://schemas.microsoft.com/office/drawing/2014/main" id="{82624254-68F0-2252-7C78-0D7D3F200AEA}"/>
+          <p:cNvPr id="2" name="椭圆 1">
+            <a:extLst>
+              <a:ext uri="{FF2B5EF4-FFF2-40B4-BE49-F238E27FC236}">
+                <a16:creationId xmlns:a16="http://schemas.microsoft.com/office/drawing/2014/main" id="{9C8D1B08-AABE-CB26-E0DF-B972FCD61D53}"/>
               </a:ext>
             </a:extLst>
           </p:cNvPr>
@@ -6502,10 +7780,10 @@
         </p:nvSpPr>
         <p:spPr>
           <a:xfrm>
-            <a:off x="1184085" y="3721686"/>
+            <a:off x="4388779" y="969073"/>
             <a:ext cx="1661602" cy="751537"/>
           </a:xfrm>
-          <a:prstGeom prst="rect">
+          <a:prstGeom prst="ellipse">
             <a:avLst/>
           </a:prstGeom>
         </p:spPr>
@@ -6532,7 +7810,7 @@
             <a:pPr algn="ctr"/>
             <a:r>
               <a:rPr lang="en-US" altLang="zh-CN" dirty="0"/>
-              <a:t>_XORM</a:t>
+              <a:t>DSL</a:t>
             </a:r>
             <a:endParaRPr lang="zh-CN" altLang="en-US" dirty="0"/>
           </a:p>
@@ -6540,10 +7818,10 @@
       </p:sp>
       <p:sp>
         <p:nvSpPr>
-          <p:cNvPr id="5" name="矩形 4">
-            <a:extLst>
-              <a:ext uri="{FF2B5EF4-FFF2-40B4-BE49-F238E27FC236}">
-                <a16:creationId xmlns:a16="http://schemas.microsoft.com/office/drawing/2014/main" id="{CE1A4767-FE4D-56D1-40B2-262D4B5896C7}"/>
+          <p:cNvPr id="3" name="椭圆 2">
+            <a:extLst>
+              <a:ext uri="{FF2B5EF4-FFF2-40B4-BE49-F238E27FC236}">
+                <a16:creationId xmlns:a16="http://schemas.microsoft.com/office/drawing/2014/main" id="{196463FB-5DD0-02E5-1BD9-45C2957449D1}"/>
               </a:ext>
             </a:extLst>
           </p:cNvPr>
@@ -6552,12 +7830,15 @@
         </p:nvSpPr>
         <p:spPr>
           <a:xfrm>
-            <a:off x="1184085" y="2953653"/>
-            <a:ext cx="1661602" cy="751537"/>
-          </a:xfrm>
-          <a:prstGeom prst="rect">
+            <a:off x="7411094" y="974521"/>
+            <a:ext cx="1661603" cy="751537"/>
+          </a:xfrm>
+          <a:prstGeom prst="ellipse">
             <a:avLst/>
           </a:prstGeom>
+          <a:solidFill>
+            <a:schemeClr val="tx1"/>
+          </a:solidFill>
         </p:spPr>
         <p:style>
           <a:lnRef idx="2">
@@ -6582,7 +7863,7 @@
             <a:pPr algn="ctr"/>
             <a:r>
               <a:rPr lang="en-US" altLang="zh-CN" dirty="0"/>
-              <a:t>XORM</a:t>
+              <a:t>App</a:t>
             </a:r>
             <a:endParaRPr lang="zh-CN" altLang="en-US" dirty="0"/>
           </a:p>
@@ -6590,10 +7871,10 @@
       </p:sp>
       <p:sp>
         <p:nvSpPr>
-          <p:cNvPr id="12" name="矩形 11">
-            <a:extLst>
-              <a:ext uri="{FF2B5EF4-FFF2-40B4-BE49-F238E27FC236}">
-                <a16:creationId xmlns:a16="http://schemas.microsoft.com/office/drawing/2014/main" id="{D596708B-FC6D-BF5E-34FA-D9730BE8E7E6}"/>
+          <p:cNvPr id="5" name="箭头: 右 4">
+            <a:extLst>
+              <a:ext uri="{FF2B5EF4-FFF2-40B4-BE49-F238E27FC236}">
+                <a16:creationId xmlns:a16="http://schemas.microsoft.com/office/drawing/2014/main" id="{6F3292F0-E1F7-D047-2003-B400FD1A1F57}"/>
               </a:ext>
             </a:extLst>
           </p:cNvPr>
@@ -6602,10 +7883,10 @@
         </p:nvSpPr>
         <p:spPr>
           <a:xfrm>
-            <a:off x="3734841" y="3692778"/>
-            <a:ext cx="1661602" cy="751537"/>
-          </a:xfrm>
-          <a:prstGeom prst="rect">
+            <a:off x="6376951" y="1246661"/>
+            <a:ext cx="849086" cy="122464"/>
+          </a:xfrm>
+          <a:prstGeom prst="rightArrow">
             <a:avLst/>
           </a:prstGeom>
         </p:spPr>
@@ -6630,24 +7911,16 @@
           <a:lstStyle/>
           <a:p>
             <a:pPr algn="ctr"/>
-            <a:r>
-              <a:rPr lang="en-US" altLang="zh-CN" dirty="0"/>
-              <a:t>_</a:t>
-            </a:r>
-            <a:r>
-              <a:rPr lang="en-US" altLang="zh-CN" dirty="0" err="1"/>
-              <a:t>XMeta</a:t>
-            </a:r>
-            <a:endParaRPr lang="zh-CN" altLang="en-US" dirty="0"/>
-          </a:p>
-        </p:txBody>
-      </p:sp>
-      <p:sp>
-        <p:nvSpPr>
-          <p:cNvPr id="14" name="矩形 13">
-            <a:extLst>
-              <a:ext uri="{FF2B5EF4-FFF2-40B4-BE49-F238E27FC236}">
-                <a16:creationId xmlns:a16="http://schemas.microsoft.com/office/drawing/2014/main" id="{4EAEFFBD-C790-40AB-8120-0ED2F6F3E3AA}"/>
+            <a:endParaRPr lang="zh-CN" altLang="en-US"/>
+          </a:p>
+        </p:txBody>
+      </p:sp>
+      <p:sp>
+        <p:nvSpPr>
+          <p:cNvPr id="26" name="矩形 25">
+            <a:extLst>
+              <a:ext uri="{FF2B5EF4-FFF2-40B4-BE49-F238E27FC236}">
+                <a16:creationId xmlns:a16="http://schemas.microsoft.com/office/drawing/2014/main" id="{7CE1272F-FB37-D915-AAE0-14957294C46B}"/>
               </a:ext>
             </a:extLst>
           </p:cNvPr>
@@ -6656,15 +7929,12 @@
         </p:nvSpPr>
         <p:spPr>
           <a:xfrm>
-            <a:off x="6455593" y="3721686"/>
-            <a:ext cx="1661602" cy="751537"/>
+            <a:off x="3953768" y="2636917"/>
+            <a:ext cx="2168531" cy="751537"/>
           </a:xfrm>
           <a:prstGeom prst="rect">
             <a:avLst/>
           </a:prstGeom>
-          <a:solidFill>
-            <a:srgbClr val="C00000"/>
-          </a:solidFill>
         </p:spPr>
         <p:style>
           <a:lnRef idx="2">
@@ -6689,11 +7959,7 @@
             <a:pPr algn="ctr"/>
             <a:r>
               <a:rPr lang="en-US" altLang="zh-CN" dirty="0"/>
-              <a:t>_</a:t>
-            </a:r>
-            <a:r>
-              <a:rPr lang="en-US" altLang="zh-CN" dirty="0" err="1"/>
-              <a:t>XView</a:t>
+              <a:t>Generator&lt;DSL&gt;</a:t>
             </a:r>
             <a:endParaRPr lang="zh-CN" altLang="en-US" dirty="0"/>
           </a:p>
@@ -6701,10 +7967,10 @@
       </p:sp>
       <p:sp>
         <p:nvSpPr>
-          <p:cNvPr id="19" name="矩形 18">
-            <a:extLst>
-              <a:ext uri="{FF2B5EF4-FFF2-40B4-BE49-F238E27FC236}">
-                <a16:creationId xmlns:a16="http://schemas.microsoft.com/office/drawing/2014/main" id="{1DDE44B1-52E8-98C7-D898-D63D745B0F63}"/>
+          <p:cNvPr id="27" name="波形 26">
+            <a:extLst>
+              <a:ext uri="{FF2B5EF4-FFF2-40B4-BE49-F238E27FC236}">
+                <a16:creationId xmlns:a16="http://schemas.microsoft.com/office/drawing/2014/main" id="{54F89A0A-395C-1284-2BEF-441CAB1693D9}"/>
               </a:ext>
             </a:extLst>
           </p:cNvPr>
@@ -6713,15 +7979,12 @@
         </p:nvSpPr>
         <p:spPr>
           <a:xfrm>
-            <a:off x="9171697" y="2941241"/>
-            <a:ext cx="1661602" cy="751537"/>
-          </a:xfrm>
-          <a:prstGeom prst="rect">
+            <a:off x="6421347" y="2825394"/>
+            <a:ext cx="849086" cy="184142"/>
+          </a:xfrm>
+          <a:prstGeom prst="wave">
             <a:avLst/>
           </a:prstGeom>
-          <a:solidFill>
-            <a:srgbClr val="C00000"/>
-          </a:solidFill>
         </p:spPr>
         <p:style>
           <a:lnRef idx="2">
@@ -6744,55 +8007,16 @@
           <a:lstStyle/>
           <a:p>
             <a:pPr algn="ctr"/>
-            <a:r>
-              <a:rPr lang="en-US" altLang="zh-CN" dirty="0" err="1"/>
-              <a:t>XPage</a:t>
-            </a:r>
-            <a:endParaRPr lang="zh-CN" altLang="en-US" dirty="0"/>
-          </a:p>
-        </p:txBody>
-      </p:sp>
-      <p:sp>
-        <p:nvSpPr>
-          <p:cNvPr id="49" name="文本框 48">
-            <a:extLst>
-              <a:ext uri="{FF2B5EF4-FFF2-40B4-BE49-F238E27FC236}">
-                <a16:creationId xmlns:a16="http://schemas.microsoft.com/office/drawing/2014/main" id="{C76386B8-0A78-88D0-283F-26AEFDECAB74}"/>
-              </a:ext>
-            </a:extLst>
-          </p:cNvPr>
-          <p:cNvSpPr txBox="1"/>
-          <p:nvPr/>
-        </p:nvSpPr>
-        <p:spPr>
-          <a:xfrm>
-            <a:off x="434689" y="267393"/>
-            <a:ext cx="2380430" cy="523220"/>
-          </a:xfrm>
-          <a:prstGeom prst="rect">
-            <a:avLst/>
-          </a:prstGeom>
-          <a:noFill/>
-        </p:spPr>
-        <p:txBody>
-          <a:bodyPr wrap="square" rtlCol="0">
-            <a:spAutoFit/>
-          </a:bodyPr>
-          <a:lstStyle/>
-          <a:p>
-            <a:r>
-              <a:rPr lang="zh-CN" altLang="en-US" sz="2800" b="1" dirty="0"/>
-              <a:t>差量流水线</a:t>
-            </a:r>
-          </a:p>
-        </p:txBody>
-      </p:sp>
-      <p:sp>
-        <p:nvSpPr>
-          <p:cNvPr id="2" name="矩形 1">
-            <a:extLst>
-              <a:ext uri="{FF2B5EF4-FFF2-40B4-BE49-F238E27FC236}">
-                <a16:creationId xmlns:a16="http://schemas.microsoft.com/office/drawing/2014/main" id="{D9D7C2E0-53A0-8A71-7E5A-41DA55453420}"/>
+            <a:endParaRPr lang="zh-CN" altLang="en-US"/>
+          </a:p>
+        </p:txBody>
+      </p:sp>
+      <p:sp>
+        <p:nvSpPr>
+          <p:cNvPr id="28" name="波形 27">
+            <a:extLst>
+              <a:ext uri="{FF2B5EF4-FFF2-40B4-BE49-F238E27FC236}">
+                <a16:creationId xmlns:a16="http://schemas.microsoft.com/office/drawing/2014/main" id="{FD6469EE-34F1-2386-64CF-D5539AA5F783}"/>
               </a:ext>
             </a:extLst>
           </p:cNvPr>
@@ -6801,10 +8025,10 @@
         </p:nvSpPr>
         <p:spPr>
           <a:xfrm>
-            <a:off x="3739489" y="2941242"/>
-            <a:ext cx="1661602" cy="751537"/>
-          </a:xfrm>
-          <a:prstGeom prst="rect">
+            <a:off x="6421347" y="3051422"/>
+            <a:ext cx="849086" cy="184142"/>
+          </a:xfrm>
+          <a:prstGeom prst="wave">
             <a:avLst/>
           </a:prstGeom>
         </p:spPr>
@@ -6829,20 +8053,16 @@
           <a:lstStyle/>
           <a:p>
             <a:pPr algn="ctr"/>
-            <a:r>
-              <a:rPr lang="en-US" altLang="zh-CN" dirty="0" err="1"/>
-              <a:t>XMeta</a:t>
-            </a:r>
-            <a:endParaRPr lang="zh-CN" altLang="en-US" dirty="0"/>
-          </a:p>
-        </p:txBody>
-      </p:sp>
-      <p:sp>
-        <p:nvSpPr>
-          <p:cNvPr id="11" name="矩形 10">
-            <a:extLst>
-              <a:ext uri="{FF2B5EF4-FFF2-40B4-BE49-F238E27FC236}">
-                <a16:creationId xmlns:a16="http://schemas.microsoft.com/office/drawing/2014/main" id="{656E952D-7207-7257-2CE4-D3885B5052C3}"/>
+            <a:endParaRPr lang="zh-CN" altLang="en-US"/>
+          </a:p>
+        </p:txBody>
+      </p:sp>
+      <p:sp>
+        <p:nvSpPr>
+          <p:cNvPr id="29" name="椭圆 28">
+            <a:extLst>
+              <a:ext uri="{FF2B5EF4-FFF2-40B4-BE49-F238E27FC236}">
+                <a16:creationId xmlns:a16="http://schemas.microsoft.com/office/drawing/2014/main" id="{3876BAD3-A6D9-E452-43F0-80BF855A026B}"/>
               </a:ext>
             </a:extLst>
           </p:cNvPr>
@@ -6851,14 +8071,14 @@
         </p:nvSpPr>
         <p:spPr>
           <a:xfrm>
-            <a:off x="6455593" y="2953653"/>
-            <a:ext cx="1661602" cy="751537"/>
-          </a:xfrm>
-          <a:prstGeom prst="rect">
+            <a:off x="7460754" y="2575576"/>
+            <a:ext cx="1661603" cy="751537"/>
+          </a:xfrm>
+          <a:prstGeom prst="ellipse">
             <a:avLst/>
           </a:prstGeom>
           <a:solidFill>
-            <a:srgbClr val="C00000"/>
+            <a:schemeClr val="tx1"/>
           </a:solidFill>
         </p:spPr>
         <p:style>
@@ -6883,19 +8103,19 @@
           <a:p>
             <a:pPr algn="ctr"/>
             <a:r>
-              <a:rPr lang="en-US" altLang="zh-CN" dirty="0" err="1"/>
-              <a:t>XView</a:t>
-            </a:r>
-            <a:endParaRPr lang="en-US" altLang="zh-CN" dirty="0"/>
-          </a:p>
-        </p:txBody>
-      </p:sp>
-      <p:sp>
-        <p:nvSpPr>
-          <p:cNvPr id="22" name="矩形 21">
-            <a:extLst>
-              <a:ext uri="{FF2B5EF4-FFF2-40B4-BE49-F238E27FC236}">
-                <a16:creationId xmlns:a16="http://schemas.microsoft.com/office/drawing/2014/main" id="{CA4418D9-C431-D727-C854-E7CFD25EAA57}"/>
+              <a:rPr lang="en-US" altLang="zh-CN" dirty="0"/>
+              <a:t>App</a:t>
+            </a:r>
+            <a:endParaRPr lang="zh-CN" altLang="en-US" dirty="0"/>
+          </a:p>
+        </p:txBody>
+      </p:sp>
+      <p:sp>
+        <p:nvSpPr>
+          <p:cNvPr id="30" name="椭圆 29">
+            <a:extLst>
+              <a:ext uri="{FF2B5EF4-FFF2-40B4-BE49-F238E27FC236}">
+                <a16:creationId xmlns:a16="http://schemas.microsoft.com/office/drawing/2014/main" id="{616A20E3-C00A-BBC1-D970-B5C701808B2F}"/>
               </a:ext>
             </a:extLst>
           </p:cNvPr>
@@ -6904,14 +8124,14 @@
         </p:nvSpPr>
         <p:spPr>
           <a:xfrm>
-            <a:off x="9170477" y="3691632"/>
-            <a:ext cx="1661602" cy="751537"/>
-          </a:xfrm>
-          <a:prstGeom prst="rect">
+            <a:off x="2239765" y="4515679"/>
+            <a:ext cx="1661603" cy="751537"/>
+          </a:xfrm>
+          <a:prstGeom prst="ellipse">
             <a:avLst/>
           </a:prstGeom>
           <a:solidFill>
-            <a:srgbClr val="C00000"/>
+            <a:srgbClr val="00B050"/>
           </a:solidFill>
         </p:spPr>
         <p:style>
@@ -6937,11 +8157,7 @@
             <a:pPr algn="ctr"/>
             <a:r>
               <a:rPr lang="en-US" altLang="zh-CN" dirty="0"/>
-              <a:t>_</a:t>
-            </a:r>
-            <a:r>
-              <a:rPr lang="en-US" altLang="zh-CN" dirty="0" err="1"/>
-              <a:t>XPage</a:t>
+              <a:t>Delta</a:t>
             </a:r>
             <a:endParaRPr lang="zh-CN" altLang="en-US" dirty="0"/>
           </a:p>
@@ -6949,10 +8165,10 @@
       </p:sp>
       <p:sp>
         <p:nvSpPr>
-          <p:cNvPr id="7" name="椭圆 6">
-            <a:extLst>
-              <a:ext uri="{FF2B5EF4-FFF2-40B4-BE49-F238E27FC236}">
-                <a16:creationId xmlns:a16="http://schemas.microsoft.com/office/drawing/2014/main" id="{C8313F1A-B63D-3A10-E8C1-AB28C38E41FE}"/>
+          <p:cNvPr id="34" name="矩形 33">
+            <a:extLst>
+              <a:ext uri="{FF2B5EF4-FFF2-40B4-BE49-F238E27FC236}">
+                <a16:creationId xmlns:a16="http://schemas.microsoft.com/office/drawing/2014/main" id="{9D124D0D-80EC-99EE-1E71-82D0F4D25F32}"/>
               </a:ext>
             </a:extLst>
           </p:cNvPr>
@@ -6961,15 +8177,12 @@
         </p:nvSpPr>
         <p:spPr>
           <a:xfrm>
-            <a:off x="1185071" y="5255029"/>
-            <a:ext cx="1661602" cy="751537"/>
-          </a:xfrm>
-          <a:prstGeom prst="ellipse">
+            <a:off x="5308602" y="4515788"/>
+            <a:ext cx="2168531" cy="751537"/>
+          </a:xfrm>
+          <a:prstGeom prst="rect">
             <a:avLst/>
           </a:prstGeom>
-          <a:solidFill>
-            <a:srgbClr val="7030A0"/>
-          </a:solidFill>
         </p:spPr>
         <p:style>
           <a:lnRef idx="2">
@@ -6994,7 +8207,7 @@
             <a:pPr algn="ctr"/>
             <a:r>
               <a:rPr lang="en-US" altLang="zh-CN" dirty="0"/>
-              <a:t>Excel</a:t>
+              <a:t>Generator&lt;DSL&gt;</a:t>
             </a:r>
             <a:endParaRPr lang="zh-CN" altLang="en-US" dirty="0"/>
           </a:p>
@@ -7002,10 +8215,10 @@
       </p:sp>
       <p:sp>
         <p:nvSpPr>
-          <p:cNvPr id="8" name="箭头: 右 7">
-            <a:extLst>
-              <a:ext uri="{FF2B5EF4-FFF2-40B4-BE49-F238E27FC236}">
-                <a16:creationId xmlns:a16="http://schemas.microsoft.com/office/drawing/2014/main" id="{5B1CFA59-D8A1-E062-7710-F234E2186247}"/>
+          <p:cNvPr id="35" name="箭头: 右 34">
+            <a:extLst>
+              <a:ext uri="{FF2B5EF4-FFF2-40B4-BE49-F238E27FC236}">
+                <a16:creationId xmlns:a16="http://schemas.microsoft.com/office/drawing/2014/main" id="{4AC889E5-7C6B-345C-EB0D-EA6A15EE3E41}"/>
               </a:ext>
             </a:extLst>
           </p:cNvPr>
@@ -7013,12 +8226,15 @@
           <p:nvPr/>
         </p:nvSpPr>
         <p:spPr>
-          <a:xfrm rot="16200000">
-            <a:off x="1697848" y="4765617"/>
-            <a:ext cx="529841" cy="202391"/>
+          <a:xfrm>
+            <a:off x="4203532" y="4765565"/>
+            <a:ext cx="842481" cy="293960"/>
           </a:xfrm>
           <a:prstGeom prst="rightArrow">
-            <a:avLst/>
+            <a:avLst>
+              <a:gd name="adj1" fmla="val 33704"/>
+              <a:gd name="adj2" fmla="val 50000"/>
+            </a:avLst>
           </a:prstGeom>
         </p:spPr>
         <p:style>
@@ -7048,62 +8264,24 @@
       </p:sp>
       <p:sp>
         <p:nvSpPr>
-          <p:cNvPr id="15" name="文本框 14">
-            <a:extLst>
-              <a:ext uri="{FF2B5EF4-FFF2-40B4-BE49-F238E27FC236}">
-                <a16:creationId xmlns:a16="http://schemas.microsoft.com/office/drawing/2014/main" id="{AC6C489F-E051-914F-A225-76E8289574A4}"/>
-              </a:ext>
-            </a:extLst>
-          </p:cNvPr>
-          <p:cNvSpPr txBox="1"/>
+          <p:cNvPr id="33" name="加号 32">
+            <a:extLst>
+              <a:ext uri="{FF2B5EF4-FFF2-40B4-BE49-F238E27FC236}">
+                <a16:creationId xmlns:a16="http://schemas.microsoft.com/office/drawing/2014/main" id="{679FA90A-2AC3-68A9-EF59-E42519DE28E1}"/>
+              </a:ext>
+            </a:extLst>
+          </p:cNvPr>
+          <p:cNvSpPr/>
           <p:nvPr/>
         </p:nvSpPr>
         <p:spPr>
           <a:xfrm>
-            <a:off x="2114739" y="4677527"/>
-            <a:ext cx="708917" cy="369332"/>
-          </a:xfrm>
-          <a:prstGeom prst="rect">
+            <a:off x="4058597" y="4536485"/>
+            <a:ext cx="977142" cy="751537"/>
+          </a:xfrm>
+          <a:prstGeom prst="mathPlus">
             <a:avLst/>
           </a:prstGeom>
-          <a:noFill/>
-        </p:spPr>
-        <p:txBody>
-          <a:bodyPr wrap="square" rtlCol="0">
-            <a:spAutoFit/>
-          </a:bodyPr>
-          <a:lstStyle/>
-          <a:p>
-            <a:r>
-              <a:rPr lang="zh-CN" altLang="en-US" dirty="0"/>
-              <a:t>生成</a:t>
-            </a:r>
-          </a:p>
-        </p:txBody>
-      </p:sp>
-      <p:sp>
-        <p:nvSpPr>
-          <p:cNvPr id="26" name="椭圆 25">
-            <a:extLst>
-              <a:ext uri="{FF2B5EF4-FFF2-40B4-BE49-F238E27FC236}">
-                <a16:creationId xmlns:a16="http://schemas.microsoft.com/office/drawing/2014/main" id="{FAFE2A35-9FD0-1A68-9CAD-731A094AA618}"/>
-              </a:ext>
-            </a:extLst>
-          </p:cNvPr>
-          <p:cNvSpPr/>
-          <p:nvPr/>
-        </p:nvSpPr>
-        <p:spPr>
-          <a:xfrm>
-            <a:off x="9171697" y="1267187"/>
-            <a:ext cx="1661602" cy="751537"/>
-          </a:xfrm>
-          <a:prstGeom prst="ellipse">
-            <a:avLst/>
-          </a:prstGeom>
-          <a:solidFill>
-            <a:srgbClr val="7030A0"/>
-          </a:solidFill>
         </p:spPr>
         <p:style>
           <a:lnRef idx="2">
@@ -7126,19 +8304,16 @@
           <a:lstStyle/>
           <a:p>
             <a:pPr algn="ctr"/>
-            <a:r>
-              <a:rPr lang="zh-CN" altLang="en-US" dirty="0"/>
-              <a:t>界面</a:t>
-            </a:r>
-          </a:p>
-        </p:txBody>
-      </p:sp>
-      <p:sp>
-        <p:nvSpPr>
-          <p:cNvPr id="27" name="箭头: 右 26">
-            <a:extLst>
-              <a:ext uri="{FF2B5EF4-FFF2-40B4-BE49-F238E27FC236}">
-                <a16:creationId xmlns:a16="http://schemas.microsoft.com/office/drawing/2014/main" id="{0705D658-343D-D9A0-4C7A-321BC4AEAD24}"/>
+            <a:endParaRPr lang="zh-CN" altLang="en-US"/>
+          </a:p>
+        </p:txBody>
+      </p:sp>
+      <p:sp>
+        <p:nvSpPr>
+          <p:cNvPr id="37" name="矩形 36">
+            <a:extLst>
+              <a:ext uri="{FF2B5EF4-FFF2-40B4-BE49-F238E27FC236}">
+                <a16:creationId xmlns:a16="http://schemas.microsoft.com/office/drawing/2014/main" id="{0FFC943B-05AA-5C56-2937-2AC8C8200392}"/>
               </a:ext>
             </a:extLst>
           </p:cNvPr>
@@ -7146,15 +8321,12 @@
           <p:nvPr/>
         </p:nvSpPr>
         <p:spPr>
-          <a:xfrm rot="16200000">
-            <a:off x="9655636" y="2400626"/>
-            <a:ext cx="588892" cy="184934"/>
-          </a:xfrm>
-          <a:prstGeom prst="rightArrow">
-            <a:avLst>
-              <a:gd name="adj1" fmla="val 62154"/>
-              <a:gd name="adj2" fmla="val 50000"/>
-            </a:avLst>
+          <a:xfrm>
+            <a:off x="8001862" y="4940158"/>
+            <a:ext cx="772268" cy="119367"/>
+          </a:xfrm>
+          <a:prstGeom prst="rect">
+            <a:avLst/>
           </a:prstGeom>
         </p:spPr>
         <p:style>
@@ -7184,160 +8356,10 @@
       </p:sp>
       <p:sp>
         <p:nvSpPr>
-          <p:cNvPr id="28" name="文本框 27">
-            <a:extLst>
-              <a:ext uri="{FF2B5EF4-FFF2-40B4-BE49-F238E27FC236}">
-                <a16:creationId xmlns:a16="http://schemas.microsoft.com/office/drawing/2014/main" id="{7CE677EA-6653-B122-5525-0AF100D20D78}"/>
-              </a:ext>
-            </a:extLst>
-          </p:cNvPr>
-          <p:cNvSpPr txBox="1"/>
-          <p:nvPr/>
-        </p:nvSpPr>
-        <p:spPr>
-          <a:xfrm>
-            <a:off x="10128609" y="2303996"/>
-            <a:ext cx="921004" cy="369332"/>
-          </a:xfrm>
-          <a:prstGeom prst="rect">
-            <a:avLst/>
-          </a:prstGeom>
-          <a:noFill/>
-        </p:spPr>
-        <p:txBody>
-          <a:bodyPr wrap="square" rtlCol="0">
-            <a:spAutoFit/>
-          </a:bodyPr>
-          <a:lstStyle/>
-          <a:p>
-            <a:r>
-              <a:rPr lang="en-US" altLang="zh-CN" dirty="0"/>
-              <a:t>Render</a:t>
-            </a:r>
-            <a:endParaRPr lang="zh-CN" altLang="en-US" dirty="0"/>
-          </a:p>
-        </p:txBody>
-      </p:sp>
-      <p:cxnSp>
-        <p:nvCxnSpPr>
-          <p:cNvPr id="42" name="直接连接符 41">
-            <a:extLst>
-              <a:ext uri="{FF2B5EF4-FFF2-40B4-BE49-F238E27FC236}">
-                <a16:creationId xmlns:a16="http://schemas.microsoft.com/office/drawing/2014/main" id="{D50D6AB5-4D89-4BA6-A7E8-F8E26F6D2885}"/>
-              </a:ext>
-            </a:extLst>
-          </p:cNvPr>
-          <p:cNvCxnSpPr>
-            <a:cxnSpLocks/>
-          </p:cNvCxnSpPr>
-          <p:nvPr/>
-        </p:nvCxnSpPr>
-        <p:spPr>
-          <a:xfrm>
-            <a:off x="5900792" y="2749600"/>
-            <a:ext cx="0" cy="4018151"/>
-          </a:xfrm>
-          <a:prstGeom prst="line">
-            <a:avLst/>
-          </a:prstGeom>
-          <a:ln>
-            <a:solidFill>
-              <a:schemeClr val="accent1"/>
-            </a:solidFill>
-            <a:prstDash val="dash"/>
-          </a:ln>
-        </p:spPr>
-        <p:style>
-          <a:lnRef idx="1">
-            <a:schemeClr val="accent1"/>
-          </a:lnRef>
-          <a:fillRef idx="0">
-            <a:schemeClr val="accent1"/>
-          </a:fillRef>
-          <a:effectRef idx="0">
-            <a:schemeClr val="accent1"/>
-          </a:effectRef>
-          <a:fontRef idx="minor">
-            <a:schemeClr val="tx1"/>
-          </a:fontRef>
-        </p:style>
-      </p:cxnSp>
-      <p:sp>
-        <p:nvSpPr>
-          <p:cNvPr id="16" name="文本框 15">
-            <a:extLst>
-              <a:ext uri="{FF2B5EF4-FFF2-40B4-BE49-F238E27FC236}">
-                <a16:creationId xmlns:a16="http://schemas.microsoft.com/office/drawing/2014/main" id="{07128EE0-A808-4AAB-488A-DAAF10473AC0}"/>
-              </a:ext>
-            </a:extLst>
-          </p:cNvPr>
-          <p:cNvSpPr txBox="1"/>
-          <p:nvPr/>
-        </p:nvSpPr>
-        <p:spPr>
-          <a:xfrm>
-            <a:off x="2936609" y="2813342"/>
-            <a:ext cx="708917" cy="369332"/>
-          </a:xfrm>
-          <a:prstGeom prst="rect">
-            <a:avLst/>
-          </a:prstGeom>
-          <a:noFill/>
-        </p:spPr>
-        <p:txBody>
-          <a:bodyPr wrap="square" rtlCol="0">
-            <a:spAutoFit/>
-          </a:bodyPr>
-          <a:lstStyle/>
-          <a:p>
-            <a:r>
-              <a:rPr lang="zh-CN" altLang="en-US" dirty="0"/>
-              <a:t>生成</a:t>
-            </a:r>
-          </a:p>
-        </p:txBody>
-      </p:sp>
-      <p:sp>
-        <p:nvSpPr>
-          <p:cNvPr id="18" name="文本框 17">
-            <a:extLst>
-              <a:ext uri="{FF2B5EF4-FFF2-40B4-BE49-F238E27FC236}">
-                <a16:creationId xmlns:a16="http://schemas.microsoft.com/office/drawing/2014/main" id="{035EADB8-B836-BBCB-4B3A-4AD98E84DCBD}"/>
-              </a:ext>
-            </a:extLst>
-          </p:cNvPr>
-          <p:cNvSpPr txBox="1"/>
-          <p:nvPr/>
-        </p:nvSpPr>
-        <p:spPr>
-          <a:xfrm>
-            <a:off x="5581843" y="2848847"/>
-            <a:ext cx="708917" cy="369332"/>
-          </a:xfrm>
-          <a:prstGeom prst="rect">
-            <a:avLst/>
-          </a:prstGeom>
-          <a:noFill/>
-        </p:spPr>
-        <p:txBody>
-          <a:bodyPr wrap="square" rtlCol="0">
-            <a:spAutoFit/>
-          </a:bodyPr>
-          <a:lstStyle/>
-          <a:p>
-            <a:r>
-              <a:rPr lang="zh-CN" altLang="en-US" dirty="0"/>
-              <a:t>生成</a:t>
-            </a:r>
-          </a:p>
-        </p:txBody>
-      </p:sp>
-      <p:sp>
-        <p:nvSpPr>
-          <p:cNvPr id="21" name="矩形 20">
-            <a:extLst>
-              <a:ext uri="{FF2B5EF4-FFF2-40B4-BE49-F238E27FC236}">
-                <a16:creationId xmlns:a16="http://schemas.microsoft.com/office/drawing/2014/main" id="{53272BCD-B3A7-5DDB-7DF7-DE9D53F7B669}"/>
+          <p:cNvPr id="38" name="矩形 37">
+            <a:extLst>
+              <a:ext uri="{FF2B5EF4-FFF2-40B4-BE49-F238E27FC236}">
+                <a16:creationId xmlns:a16="http://schemas.microsoft.com/office/drawing/2014/main" id="{2503C6B9-8588-97A4-FA82-68BDEF9F1EF0}"/>
               </a:ext>
             </a:extLst>
           </p:cNvPr>
@@ -7346,8 +8368,8 @@
         </p:nvSpPr>
         <p:spPr>
           <a:xfrm>
-            <a:off x="3744932" y="1393457"/>
-            <a:ext cx="1661602" cy="751537"/>
+            <a:off x="8000151" y="4743238"/>
+            <a:ext cx="773979" cy="119367"/>
           </a:xfrm>
           <a:prstGeom prst="rect">
             <a:avLst/>
@@ -7374,20 +8396,16 @@
           <a:lstStyle/>
           <a:p>
             <a:pPr algn="ctr"/>
-            <a:r>
-              <a:rPr lang="en-US" altLang="zh-CN" dirty="0" err="1"/>
-              <a:t>GraphQL</a:t>
-            </a:r>
-            <a:endParaRPr lang="zh-CN" altLang="en-US" dirty="0"/>
-          </a:p>
-        </p:txBody>
-      </p:sp>
-      <p:sp>
-        <p:nvSpPr>
-          <p:cNvPr id="36" name="箭头: 上 35">
-            <a:extLst>
-              <a:ext uri="{FF2B5EF4-FFF2-40B4-BE49-F238E27FC236}">
-                <a16:creationId xmlns:a16="http://schemas.microsoft.com/office/drawing/2014/main" id="{AF326EC7-1256-780A-B70E-2888D1738247}"/>
+            <a:endParaRPr lang="zh-CN" altLang="en-US"/>
+          </a:p>
+        </p:txBody>
+      </p:sp>
+      <p:sp>
+        <p:nvSpPr>
+          <p:cNvPr id="39" name="椭圆 38">
+            <a:extLst>
+              <a:ext uri="{FF2B5EF4-FFF2-40B4-BE49-F238E27FC236}">
+                <a16:creationId xmlns:a16="http://schemas.microsoft.com/office/drawing/2014/main" id="{4CC97309-4587-F45D-255D-14A6EC6D9BBB}"/>
               </a:ext>
             </a:extLst>
           </p:cNvPr>
@@ -7396,12 +8414,15 @@
         </p:nvSpPr>
         <p:spPr>
           <a:xfrm>
-            <a:off x="4436907" y="2299827"/>
-            <a:ext cx="168315" cy="369331"/>
-          </a:xfrm>
-          <a:prstGeom prst="upArrow">
+            <a:off x="9246749" y="4505404"/>
+            <a:ext cx="1661603" cy="751537"/>
+          </a:xfrm>
+          <a:prstGeom prst="ellipse">
             <a:avLst/>
           </a:prstGeom>
+          <a:solidFill>
+            <a:schemeClr val="tx1"/>
+          </a:solidFill>
         </p:spPr>
         <p:style>
           <a:lnRef idx="2">
@@ -7424,16 +8445,20 @@
           <a:lstStyle/>
           <a:p>
             <a:pPr algn="ctr"/>
-            <a:endParaRPr lang="zh-CN" altLang="en-US"/>
-          </a:p>
-        </p:txBody>
-      </p:sp>
-      <p:sp>
-        <p:nvSpPr>
-          <p:cNvPr id="37" name="文本框 36">
-            <a:extLst>
-              <a:ext uri="{FF2B5EF4-FFF2-40B4-BE49-F238E27FC236}">
-                <a16:creationId xmlns:a16="http://schemas.microsoft.com/office/drawing/2014/main" id="{0A0BDC57-58BE-9A32-3FB7-E926CFEAEE82}"/>
+            <a:r>
+              <a:rPr lang="en-US" altLang="zh-CN" dirty="0"/>
+              <a:t>App</a:t>
+            </a:r>
+            <a:endParaRPr lang="zh-CN" altLang="en-US" dirty="0"/>
+          </a:p>
+        </p:txBody>
+      </p:sp>
+      <p:sp>
+        <p:nvSpPr>
+          <p:cNvPr id="6" name="文本框 5">
+            <a:extLst>
+              <a:ext uri="{FF2B5EF4-FFF2-40B4-BE49-F238E27FC236}">
+                <a16:creationId xmlns:a16="http://schemas.microsoft.com/office/drawing/2014/main" id="{886044FC-B065-DE39-E07E-69143E830ED5}"/>
               </a:ext>
             </a:extLst>
           </p:cNvPr>
@@ -7442,8 +8467,8 @@
         </p:nvSpPr>
         <p:spPr>
           <a:xfrm>
-            <a:off x="4693796" y="2287587"/>
-            <a:ext cx="1220709" cy="369332"/>
+            <a:off x="531957" y="275012"/>
+            <a:ext cx="1944115" cy="523220"/>
           </a:xfrm>
           <a:prstGeom prst="rect">
             <a:avLst/>
@@ -7457,219 +8482,8 @@
           <a:lstStyle/>
           <a:p>
             <a:r>
-              <a:rPr lang="en-US" altLang="zh-CN" dirty="0" err="1"/>
-              <a:t>BizModel</a:t>
-            </a:r>
-            <a:endParaRPr lang="en-US" altLang="zh-CN" dirty="0"/>
-          </a:p>
-        </p:txBody>
-      </p:sp>
-      <p:sp>
-        <p:nvSpPr>
-          <p:cNvPr id="41" name="加号 40">
-            <a:extLst>
-              <a:ext uri="{FF2B5EF4-FFF2-40B4-BE49-F238E27FC236}">
-                <a16:creationId xmlns:a16="http://schemas.microsoft.com/office/drawing/2014/main" id="{9231E943-E955-B34C-F9CC-CCDADFCEF50E}"/>
-              </a:ext>
-            </a:extLst>
-          </p:cNvPr>
-          <p:cNvSpPr/>
-          <p:nvPr/>
-        </p:nvSpPr>
-        <p:spPr>
-          <a:xfrm>
-            <a:off x="4348332" y="2322000"/>
-            <a:ext cx="345464" cy="369332"/>
-          </a:xfrm>
-          <a:prstGeom prst="mathPlus">
-            <a:avLst/>
-          </a:prstGeom>
-        </p:spPr>
-        <p:style>
-          <a:lnRef idx="2">
-            <a:schemeClr val="accent1">
-              <a:shade val="50000"/>
-            </a:schemeClr>
-          </a:lnRef>
-          <a:fillRef idx="1">
-            <a:schemeClr val="accent1"/>
-          </a:fillRef>
-          <a:effectRef idx="0">
-            <a:schemeClr val="accent1"/>
-          </a:effectRef>
-          <a:fontRef idx="minor">
-            <a:schemeClr val="lt1"/>
-          </a:fontRef>
-        </p:style>
-        <p:txBody>
-          <a:bodyPr rtlCol="0" anchor="ctr"/>
-          <a:lstStyle/>
-          <a:p>
-            <a:pPr algn="ctr"/>
-            <a:endParaRPr lang="zh-CN" altLang="en-US"/>
-          </a:p>
-        </p:txBody>
-      </p:sp>
-      <p:cxnSp>
-        <p:nvCxnSpPr>
-          <p:cNvPr id="50" name="连接符: 肘形 49">
-            <a:extLst>
-              <a:ext uri="{FF2B5EF4-FFF2-40B4-BE49-F238E27FC236}">
-                <a16:creationId xmlns:a16="http://schemas.microsoft.com/office/drawing/2014/main" id="{D53C0396-B1E4-2401-DA0E-CCA76C4CC91E}"/>
-              </a:ext>
-            </a:extLst>
-          </p:cNvPr>
-          <p:cNvCxnSpPr>
-            <a:cxnSpLocks/>
-          </p:cNvCxnSpPr>
-          <p:nvPr/>
-        </p:nvCxnSpPr>
-        <p:spPr>
-          <a:xfrm>
-            <a:off x="2944267" y="3380746"/>
-            <a:ext cx="763177" cy="590140"/>
-          </a:xfrm>
-          <a:prstGeom prst="bentConnector3">
-            <a:avLst>
-              <a:gd name="adj1" fmla="val 50000"/>
-            </a:avLst>
-          </a:prstGeom>
-          <a:ln w="53975">
-            <a:tailEnd type="triangle"/>
-          </a:ln>
-        </p:spPr>
-        <p:style>
-          <a:lnRef idx="1">
-            <a:schemeClr val="accent1"/>
-          </a:lnRef>
-          <a:fillRef idx="0">
-            <a:schemeClr val="accent1"/>
-          </a:fillRef>
-          <a:effectRef idx="0">
-            <a:schemeClr val="accent1"/>
-          </a:effectRef>
-          <a:fontRef idx="minor">
-            <a:schemeClr val="tx1"/>
-          </a:fontRef>
-        </p:style>
-      </p:cxnSp>
-      <p:cxnSp>
-        <p:nvCxnSpPr>
-          <p:cNvPr id="56" name="连接符: 肘形 55">
-            <a:extLst>
-              <a:ext uri="{FF2B5EF4-FFF2-40B4-BE49-F238E27FC236}">
-                <a16:creationId xmlns:a16="http://schemas.microsoft.com/office/drawing/2014/main" id="{57F9F954-A1D8-9A79-F3ED-BD312B9031E7}"/>
-              </a:ext>
-            </a:extLst>
-          </p:cNvPr>
-          <p:cNvCxnSpPr>
-            <a:cxnSpLocks/>
-          </p:cNvCxnSpPr>
-          <p:nvPr/>
-        </p:nvCxnSpPr>
-        <p:spPr>
-          <a:xfrm>
-            <a:off x="5531645" y="3430406"/>
-            <a:ext cx="763177" cy="590140"/>
-          </a:xfrm>
-          <a:prstGeom prst="bentConnector3">
-            <a:avLst>
-              <a:gd name="adj1" fmla="val 50000"/>
-            </a:avLst>
-          </a:prstGeom>
-          <a:ln w="53975">
-            <a:tailEnd type="triangle"/>
-          </a:ln>
-        </p:spPr>
-        <p:style>
-          <a:lnRef idx="1">
-            <a:schemeClr val="accent1"/>
-          </a:lnRef>
-          <a:fillRef idx="0">
-            <a:schemeClr val="accent1"/>
-          </a:fillRef>
-          <a:effectRef idx="0">
-            <a:schemeClr val="accent1"/>
-          </a:effectRef>
-          <a:fontRef idx="minor">
-            <a:schemeClr val="tx1"/>
-          </a:fontRef>
-        </p:style>
-      </p:cxnSp>
-      <p:cxnSp>
-        <p:nvCxnSpPr>
-          <p:cNvPr id="57" name="连接符: 肘形 56">
-            <a:extLst>
-              <a:ext uri="{FF2B5EF4-FFF2-40B4-BE49-F238E27FC236}">
-                <a16:creationId xmlns:a16="http://schemas.microsoft.com/office/drawing/2014/main" id="{69B37F02-B6DF-3079-E988-DFAEC8F2B29E}"/>
-              </a:ext>
-            </a:extLst>
-          </p:cNvPr>
-          <p:cNvCxnSpPr>
-            <a:cxnSpLocks/>
-          </p:cNvCxnSpPr>
-          <p:nvPr/>
-        </p:nvCxnSpPr>
-        <p:spPr>
-          <a:xfrm>
-            <a:off x="8273129" y="3428696"/>
-            <a:ext cx="763177" cy="590140"/>
-          </a:xfrm>
-          <a:prstGeom prst="bentConnector3">
-            <a:avLst>
-              <a:gd name="adj1" fmla="val 50000"/>
-            </a:avLst>
-          </a:prstGeom>
-          <a:ln w="53975">
-            <a:tailEnd type="triangle"/>
-          </a:ln>
-        </p:spPr>
-        <p:style>
-          <a:lnRef idx="1">
-            <a:schemeClr val="accent1"/>
-          </a:lnRef>
-          <a:fillRef idx="0">
-            <a:schemeClr val="accent1"/>
-          </a:fillRef>
-          <a:effectRef idx="0">
-            <a:schemeClr val="accent1"/>
-          </a:effectRef>
-          <a:fontRef idx="minor">
-            <a:schemeClr val="tx1"/>
-          </a:fontRef>
-        </p:style>
-      </p:cxnSp>
-      <p:sp>
-        <p:nvSpPr>
-          <p:cNvPr id="59" name="文本框 58">
-            <a:extLst>
-              <a:ext uri="{FF2B5EF4-FFF2-40B4-BE49-F238E27FC236}">
-                <a16:creationId xmlns:a16="http://schemas.microsoft.com/office/drawing/2014/main" id="{61EA4447-5C5C-F1A0-4594-4664B9C02180}"/>
-              </a:ext>
-            </a:extLst>
-          </p:cNvPr>
-          <p:cNvSpPr txBox="1"/>
-          <p:nvPr/>
-        </p:nvSpPr>
-        <p:spPr>
-          <a:xfrm>
-            <a:off x="8179491" y="2847137"/>
-            <a:ext cx="708917" cy="369332"/>
-          </a:xfrm>
-          <a:prstGeom prst="rect">
-            <a:avLst/>
-          </a:prstGeom>
-          <a:noFill/>
-        </p:spPr>
-        <p:txBody>
-          <a:bodyPr wrap="square" rtlCol="0">
-            <a:spAutoFit/>
-          </a:bodyPr>
-          <a:lstStyle/>
-          <a:p>
-            <a:r>
-              <a:rPr lang="zh-CN" altLang="en-US" dirty="0"/>
-              <a:t>生成</a:t>
+              <a:rPr lang="zh-CN" altLang="en-US" sz="2800" b="1" dirty="0"/>
+              <a:t>可逆计算</a:t>
             </a:r>
           </a:p>
         </p:txBody>
@@ -7677,7 +8491,7 @@
     </p:spTree>
     <p:extLst>
       <p:ext uri="{BB962C8B-B14F-4D97-AF65-F5344CB8AC3E}">
-        <p14:creationId xmlns:p14="http://schemas.microsoft.com/office/powerpoint/2010/main" val="138928013"/>
+        <p14:creationId xmlns:p14="http://schemas.microsoft.com/office/powerpoint/2010/main" val="2796935556"/>
       </p:ext>
     </p:extLst>
   </p:cSld>
@@ -7704,42 +8518,799 @@
           <a:chExt cx="0" cy="0"/>
         </a:xfrm>
       </p:grpSpPr>
-      <p:pic>
-        <p:nvPicPr>
-          <p:cNvPr id="3" name="图片 2">
-            <a:extLst>
-              <a:ext uri="{FF2B5EF4-FFF2-40B4-BE49-F238E27FC236}">
-                <a16:creationId xmlns:a16="http://schemas.microsoft.com/office/drawing/2014/main" id="{AC87EDDB-1E43-486E-03E5-6E6C0523EFB0}"/>
-              </a:ext>
-            </a:extLst>
-          </p:cNvPr>
-          <p:cNvPicPr>
-            <a:picLocks noChangeAspect="1"/>
-          </p:cNvPicPr>
+      <p:sp>
+        <p:nvSpPr>
+          <p:cNvPr id="4" name="椭圆 3">
+            <a:extLst>
+              <a:ext uri="{FF2B5EF4-FFF2-40B4-BE49-F238E27FC236}">
+                <a16:creationId xmlns:a16="http://schemas.microsoft.com/office/drawing/2014/main" id="{BA21F397-5CAF-7D57-3668-D7E3C34226A2}"/>
+              </a:ext>
+            </a:extLst>
+          </p:cNvPr>
+          <p:cNvSpPr/>
           <p:nvPr/>
-        </p:nvPicPr>
-        <p:blipFill>
-          <a:blip r:embed="rId2"/>
-          <a:stretch>
-            <a:fillRect/>
-          </a:stretch>
-        </p:blipFill>
+        </p:nvSpPr>
         <p:spPr>
           <a:xfrm>
-            <a:off x="1547130" y="506189"/>
-            <a:ext cx="8726076" cy="6328222"/>
+            <a:off x="2126752" y="3406063"/>
+            <a:ext cx="1661603" cy="751537"/>
+          </a:xfrm>
+          <a:prstGeom prst="ellipse">
+            <a:avLst/>
+          </a:prstGeom>
+          <a:solidFill>
+            <a:srgbClr val="00B050"/>
+          </a:solidFill>
+        </p:spPr>
+        <p:style>
+          <a:lnRef idx="2">
+            <a:schemeClr val="accent1">
+              <a:shade val="50000"/>
+            </a:schemeClr>
+          </a:lnRef>
+          <a:fillRef idx="1">
+            <a:schemeClr val="accent1"/>
+          </a:fillRef>
+          <a:effectRef idx="0">
+            <a:schemeClr val="accent1"/>
+          </a:effectRef>
+          <a:fontRef idx="minor">
+            <a:schemeClr val="lt1"/>
+          </a:fontRef>
+        </p:style>
+        <p:txBody>
+          <a:bodyPr rtlCol="0" anchor="ctr"/>
+          <a:lstStyle/>
+          <a:p>
+            <a:pPr algn="ctr"/>
+            <a:r>
+              <a:rPr lang="en-US" altLang="zh-CN" dirty="0"/>
+              <a:t>Delta</a:t>
+            </a:r>
+            <a:endParaRPr lang="zh-CN" altLang="en-US" dirty="0"/>
+          </a:p>
+        </p:txBody>
+      </p:sp>
+      <p:sp>
+        <p:nvSpPr>
+          <p:cNvPr id="6" name="矩形 5">
+            <a:extLst>
+              <a:ext uri="{FF2B5EF4-FFF2-40B4-BE49-F238E27FC236}">
+                <a16:creationId xmlns:a16="http://schemas.microsoft.com/office/drawing/2014/main" id="{A592B2C6-E414-8D0D-7C13-EC4AA1091540}"/>
+              </a:ext>
+            </a:extLst>
+          </p:cNvPr>
+          <p:cNvSpPr/>
+          <p:nvPr/>
+        </p:nvSpPr>
+        <p:spPr>
+          <a:xfrm>
+            <a:off x="5195589" y="3406172"/>
+            <a:ext cx="2168531" cy="751537"/>
           </a:xfrm>
           <a:prstGeom prst="rect">
             <a:avLst/>
           </a:prstGeom>
         </p:spPr>
-      </p:pic>
-      <p:sp>
-        <p:nvSpPr>
-          <p:cNvPr id="8" name="文本框 7">
-            <a:extLst>
-              <a:ext uri="{FF2B5EF4-FFF2-40B4-BE49-F238E27FC236}">
-                <a16:creationId xmlns:a16="http://schemas.microsoft.com/office/drawing/2014/main" id="{DFB1FE9B-8B28-28F7-2F2F-187EBC612C0D}"/>
+        <p:style>
+          <a:lnRef idx="2">
+            <a:schemeClr val="accent1">
+              <a:shade val="50000"/>
+            </a:schemeClr>
+          </a:lnRef>
+          <a:fillRef idx="1">
+            <a:schemeClr val="accent1"/>
+          </a:fillRef>
+          <a:effectRef idx="0">
+            <a:schemeClr val="accent1"/>
+          </a:effectRef>
+          <a:fontRef idx="minor">
+            <a:schemeClr val="lt1"/>
+          </a:fontRef>
+        </p:style>
+        <p:txBody>
+          <a:bodyPr rtlCol="0" anchor="ctr"/>
+          <a:lstStyle/>
+          <a:p>
+            <a:pPr algn="ctr"/>
+            <a:r>
+              <a:rPr lang="en-US" altLang="zh-CN" dirty="0"/>
+              <a:t>Generator&lt;DSL&gt;</a:t>
+            </a:r>
+            <a:endParaRPr lang="zh-CN" altLang="en-US" dirty="0"/>
+          </a:p>
+        </p:txBody>
+      </p:sp>
+      <p:sp>
+        <p:nvSpPr>
+          <p:cNvPr id="7" name="箭头: 右 6">
+            <a:extLst>
+              <a:ext uri="{FF2B5EF4-FFF2-40B4-BE49-F238E27FC236}">
+                <a16:creationId xmlns:a16="http://schemas.microsoft.com/office/drawing/2014/main" id="{B43E41AE-E5AE-5FD0-C739-3429C3503F2C}"/>
+              </a:ext>
+            </a:extLst>
+          </p:cNvPr>
+          <p:cNvSpPr/>
+          <p:nvPr/>
+        </p:nvSpPr>
+        <p:spPr>
+          <a:xfrm>
+            <a:off x="4090519" y="3655949"/>
+            <a:ext cx="842481" cy="293960"/>
+          </a:xfrm>
+          <a:prstGeom prst="rightArrow">
+            <a:avLst>
+              <a:gd name="adj1" fmla="val 33704"/>
+              <a:gd name="adj2" fmla="val 50000"/>
+            </a:avLst>
+          </a:prstGeom>
+        </p:spPr>
+        <p:style>
+          <a:lnRef idx="2">
+            <a:schemeClr val="accent1">
+              <a:shade val="50000"/>
+            </a:schemeClr>
+          </a:lnRef>
+          <a:fillRef idx="1">
+            <a:schemeClr val="accent1"/>
+          </a:fillRef>
+          <a:effectRef idx="0">
+            <a:schemeClr val="accent1"/>
+          </a:effectRef>
+          <a:fontRef idx="minor">
+            <a:schemeClr val="lt1"/>
+          </a:fontRef>
+        </p:style>
+        <p:txBody>
+          <a:bodyPr rtlCol="0" anchor="ctr"/>
+          <a:lstStyle/>
+          <a:p>
+            <a:pPr algn="ctr"/>
+            <a:endParaRPr lang="zh-CN" altLang="en-US"/>
+          </a:p>
+        </p:txBody>
+      </p:sp>
+      <p:sp>
+        <p:nvSpPr>
+          <p:cNvPr id="8" name="加号 7">
+            <a:extLst>
+              <a:ext uri="{FF2B5EF4-FFF2-40B4-BE49-F238E27FC236}">
+                <a16:creationId xmlns:a16="http://schemas.microsoft.com/office/drawing/2014/main" id="{47CD597C-D8A2-54A4-4573-4EF2E380D9D1}"/>
+              </a:ext>
+            </a:extLst>
+          </p:cNvPr>
+          <p:cNvSpPr/>
+          <p:nvPr/>
+        </p:nvSpPr>
+        <p:spPr>
+          <a:xfrm>
+            <a:off x="3945584" y="3426869"/>
+            <a:ext cx="977142" cy="751537"/>
+          </a:xfrm>
+          <a:prstGeom prst="mathPlus">
+            <a:avLst/>
+          </a:prstGeom>
+        </p:spPr>
+        <p:style>
+          <a:lnRef idx="2">
+            <a:schemeClr val="accent1">
+              <a:shade val="50000"/>
+            </a:schemeClr>
+          </a:lnRef>
+          <a:fillRef idx="1">
+            <a:schemeClr val="accent1"/>
+          </a:fillRef>
+          <a:effectRef idx="0">
+            <a:schemeClr val="accent1"/>
+          </a:effectRef>
+          <a:fontRef idx="minor">
+            <a:schemeClr val="lt1"/>
+          </a:fontRef>
+        </p:style>
+        <p:txBody>
+          <a:bodyPr rtlCol="0" anchor="ctr"/>
+          <a:lstStyle/>
+          <a:p>
+            <a:pPr algn="ctr"/>
+            <a:endParaRPr lang="zh-CN" altLang="en-US"/>
+          </a:p>
+        </p:txBody>
+      </p:sp>
+      <p:sp>
+        <p:nvSpPr>
+          <p:cNvPr id="9" name="矩形 8">
+            <a:extLst>
+              <a:ext uri="{FF2B5EF4-FFF2-40B4-BE49-F238E27FC236}">
+                <a16:creationId xmlns:a16="http://schemas.microsoft.com/office/drawing/2014/main" id="{AB67A7CB-8439-07EF-CCF1-8A27B4C87B7D}"/>
+              </a:ext>
+            </a:extLst>
+          </p:cNvPr>
+          <p:cNvSpPr/>
+          <p:nvPr/>
+        </p:nvSpPr>
+        <p:spPr>
+          <a:xfrm>
+            <a:off x="7888849" y="3830542"/>
+            <a:ext cx="772268" cy="119367"/>
+          </a:xfrm>
+          <a:prstGeom prst="rect">
+            <a:avLst/>
+          </a:prstGeom>
+        </p:spPr>
+        <p:style>
+          <a:lnRef idx="2">
+            <a:schemeClr val="accent1">
+              <a:shade val="50000"/>
+            </a:schemeClr>
+          </a:lnRef>
+          <a:fillRef idx="1">
+            <a:schemeClr val="accent1"/>
+          </a:fillRef>
+          <a:effectRef idx="0">
+            <a:schemeClr val="accent1"/>
+          </a:effectRef>
+          <a:fontRef idx="minor">
+            <a:schemeClr val="lt1"/>
+          </a:fontRef>
+        </p:style>
+        <p:txBody>
+          <a:bodyPr rtlCol="0" anchor="ctr"/>
+          <a:lstStyle/>
+          <a:p>
+            <a:pPr algn="ctr"/>
+            <a:endParaRPr lang="zh-CN" altLang="en-US"/>
+          </a:p>
+        </p:txBody>
+      </p:sp>
+      <p:sp>
+        <p:nvSpPr>
+          <p:cNvPr id="10" name="矩形 9">
+            <a:extLst>
+              <a:ext uri="{FF2B5EF4-FFF2-40B4-BE49-F238E27FC236}">
+                <a16:creationId xmlns:a16="http://schemas.microsoft.com/office/drawing/2014/main" id="{2759FF7F-6595-7E3D-462B-F693C8B55986}"/>
+              </a:ext>
+            </a:extLst>
+          </p:cNvPr>
+          <p:cNvSpPr/>
+          <p:nvPr/>
+        </p:nvSpPr>
+        <p:spPr>
+          <a:xfrm>
+            <a:off x="7887138" y="3633622"/>
+            <a:ext cx="773979" cy="119367"/>
+          </a:xfrm>
+          <a:prstGeom prst="rect">
+            <a:avLst/>
+          </a:prstGeom>
+        </p:spPr>
+        <p:style>
+          <a:lnRef idx="2">
+            <a:schemeClr val="accent1">
+              <a:shade val="50000"/>
+            </a:schemeClr>
+          </a:lnRef>
+          <a:fillRef idx="1">
+            <a:schemeClr val="accent1"/>
+          </a:fillRef>
+          <a:effectRef idx="0">
+            <a:schemeClr val="accent1"/>
+          </a:effectRef>
+          <a:fontRef idx="minor">
+            <a:schemeClr val="lt1"/>
+          </a:fontRef>
+        </p:style>
+        <p:txBody>
+          <a:bodyPr rtlCol="0" anchor="ctr"/>
+          <a:lstStyle/>
+          <a:p>
+            <a:pPr algn="ctr"/>
+            <a:endParaRPr lang="zh-CN" altLang="en-US"/>
+          </a:p>
+        </p:txBody>
+      </p:sp>
+      <p:sp>
+        <p:nvSpPr>
+          <p:cNvPr id="11" name="椭圆 10">
+            <a:extLst>
+              <a:ext uri="{FF2B5EF4-FFF2-40B4-BE49-F238E27FC236}">
+                <a16:creationId xmlns:a16="http://schemas.microsoft.com/office/drawing/2014/main" id="{2AA33660-0ED8-1BD8-58F6-A19187136E03}"/>
+              </a:ext>
+            </a:extLst>
+          </p:cNvPr>
+          <p:cNvSpPr/>
+          <p:nvPr/>
+        </p:nvSpPr>
+        <p:spPr>
+          <a:xfrm>
+            <a:off x="9133736" y="3395788"/>
+            <a:ext cx="1661603" cy="751537"/>
+          </a:xfrm>
+          <a:prstGeom prst="ellipse">
+            <a:avLst/>
+          </a:prstGeom>
+          <a:solidFill>
+            <a:schemeClr val="tx1"/>
+          </a:solidFill>
+        </p:spPr>
+        <p:style>
+          <a:lnRef idx="2">
+            <a:schemeClr val="accent1">
+              <a:shade val="50000"/>
+            </a:schemeClr>
+          </a:lnRef>
+          <a:fillRef idx="1">
+            <a:schemeClr val="accent1"/>
+          </a:fillRef>
+          <a:effectRef idx="0">
+            <a:schemeClr val="accent1"/>
+          </a:effectRef>
+          <a:fontRef idx="minor">
+            <a:schemeClr val="lt1"/>
+          </a:fontRef>
+        </p:style>
+        <p:txBody>
+          <a:bodyPr rtlCol="0" anchor="ctr"/>
+          <a:lstStyle/>
+          <a:p>
+            <a:pPr algn="ctr"/>
+            <a:r>
+              <a:rPr lang="en-US" altLang="zh-CN" dirty="0"/>
+              <a:t>App</a:t>
+            </a:r>
+            <a:endParaRPr lang="zh-CN" altLang="en-US" dirty="0"/>
+          </a:p>
+        </p:txBody>
+      </p:sp>
+      <p:sp>
+        <p:nvSpPr>
+          <p:cNvPr id="12" name="椭圆 11">
+            <a:extLst>
+              <a:ext uri="{FF2B5EF4-FFF2-40B4-BE49-F238E27FC236}">
+                <a16:creationId xmlns:a16="http://schemas.microsoft.com/office/drawing/2014/main" id="{67A5EEEF-AD36-B541-EB53-0DEE4B4F8DA2}"/>
+              </a:ext>
+            </a:extLst>
+          </p:cNvPr>
+          <p:cNvSpPr/>
+          <p:nvPr/>
+        </p:nvSpPr>
+        <p:spPr>
+          <a:xfrm>
+            <a:off x="4963825" y="1246778"/>
+            <a:ext cx="1661603" cy="751537"/>
+          </a:xfrm>
+          <a:prstGeom prst="ellipse">
+            <a:avLst/>
+          </a:prstGeom>
+          <a:solidFill>
+            <a:srgbClr val="C00000"/>
+          </a:solidFill>
+        </p:spPr>
+        <p:style>
+          <a:lnRef idx="2">
+            <a:schemeClr val="accent1">
+              <a:shade val="50000"/>
+            </a:schemeClr>
+          </a:lnRef>
+          <a:fillRef idx="1">
+            <a:schemeClr val="accent1"/>
+          </a:fillRef>
+          <a:effectRef idx="0">
+            <a:schemeClr val="accent1"/>
+          </a:effectRef>
+          <a:fontRef idx="minor">
+            <a:schemeClr val="lt1"/>
+          </a:fontRef>
+        </p:style>
+        <p:txBody>
+          <a:bodyPr rtlCol="0" anchor="ctr"/>
+          <a:lstStyle/>
+          <a:p>
+            <a:pPr algn="ctr"/>
+            <a:r>
+              <a:rPr lang="en-US" altLang="zh-CN" dirty="0"/>
+              <a:t>Delta</a:t>
+            </a:r>
+            <a:endParaRPr lang="zh-CN" altLang="en-US" dirty="0"/>
+          </a:p>
+        </p:txBody>
+      </p:sp>
+      <p:sp>
+        <p:nvSpPr>
+          <p:cNvPr id="13" name="箭头: 右 12">
+            <a:extLst>
+              <a:ext uri="{FF2B5EF4-FFF2-40B4-BE49-F238E27FC236}">
+                <a16:creationId xmlns:a16="http://schemas.microsoft.com/office/drawing/2014/main" id="{8DFA9062-86D1-0683-B576-81B333C92050}"/>
+              </a:ext>
+            </a:extLst>
+          </p:cNvPr>
+          <p:cNvSpPr/>
+          <p:nvPr/>
+        </p:nvSpPr>
+        <p:spPr>
+          <a:xfrm rot="5400000">
+            <a:off x="5672783" y="2823949"/>
+            <a:ext cx="290271" cy="313710"/>
+          </a:xfrm>
+          <a:prstGeom prst="rightArrow">
+            <a:avLst>
+              <a:gd name="adj1" fmla="val 33704"/>
+              <a:gd name="adj2" fmla="val 50000"/>
+            </a:avLst>
+          </a:prstGeom>
+        </p:spPr>
+        <p:style>
+          <a:lnRef idx="2">
+            <a:schemeClr val="accent1">
+              <a:shade val="50000"/>
+            </a:schemeClr>
+          </a:lnRef>
+          <a:fillRef idx="1">
+            <a:schemeClr val="accent1"/>
+          </a:fillRef>
+          <a:effectRef idx="0">
+            <a:schemeClr val="accent1"/>
+          </a:effectRef>
+          <a:fontRef idx="minor">
+            <a:schemeClr val="lt1"/>
+          </a:fontRef>
+        </p:style>
+        <p:txBody>
+          <a:bodyPr rtlCol="0" anchor="ctr"/>
+          <a:lstStyle/>
+          <a:p>
+            <a:pPr algn="ctr"/>
+            <a:endParaRPr lang="zh-CN" altLang="en-US"/>
+          </a:p>
+        </p:txBody>
+      </p:sp>
+      <p:sp>
+        <p:nvSpPr>
+          <p:cNvPr id="14" name="加号 13">
+            <a:extLst>
+              <a:ext uri="{FF2B5EF4-FFF2-40B4-BE49-F238E27FC236}">
+                <a16:creationId xmlns:a16="http://schemas.microsoft.com/office/drawing/2014/main" id="{42E43830-3051-8E87-14A1-B5BEC28AD4FA}"/>
+              </a:ext>
+            </a:extLst>
+          </p:cNvPr>
+          <p:cNvSpPr/>
+          <p:nvPr/>
+        </p:nvSpPr>
+        <p:spPr>
+          <a:xfrm>
+            <a:off x="5330031" y="2326475"/>
+            <a:ext cx="977142" cy="751537"/>
+          </a:xfrm>
+          <a:prstGeom prst="mathPlus">
+            <a:avLst/>
+          </a:prstGeom>
+        </p:spPr>
+        <p:style>
+          <a:lnRef idx="2">
+            <a:schemeClr val="accent1">
+              <a:shade val="50000"/>
+            </a:schemeClr>
+          </a:lnRef>
+          <a:fillRef idx="1">
+            <a:schemeClr val="accent1"/>
+          </a:fillRef>
+          <a:effectRef idx="0">
+            <a:schemeClr val="accent1"/>
+          </a:effectRef>
+          <a:fontRef idx="minor">
+            <a:schemeClr val="lt1"/>
+          </a:fontRef>
+        </p:style>
+        <p:txBody>
+          <a:bodyPr rtlCol="0" anchor="ctr"/>
+          <a:lstStyle/>
+          <a:p>
+            <a:pPr algn="ctr"/>
+            <a:endParaRPr lang="zh-CN" altLang="en-US"/>
+          </a:p>
+        </p:txBody>
+      </p:sp>
+      <p:sp>
+        <p:nvSpPr>
+          <p:cNvPr id="15" name="椭圆 14">
+            <a:extLst>
+              <a:ext uri="{FF2B5EF4-FFF2-40B4-BE49-F238E27FC236}">
+                <a16:creationId xmlns:a16="http://schemas.microsoft.com/office/drawing/2014/main" id="{95E8E489-4AFF-C818-DEDE-77B1C0E5370C}"/>
+              </a:ext>
+            </a:extLst>
+          </p:cNvPr>
+          <p:cNvSpPr/>
+          <p:nvPr/>
+        </p:nvSpPr>
+        <p:spPr>
+          <a:xfrm>
+            <a:off x="2128142" y="1277600"/>
+            <a:ext cx="1661603" cy="751537"/>
+          </a:xfrm>
+          <a:prstGeom prst="ellipse">
+            <a:avLst/>
+          </a:prstGeom>
+          <a:solidFill>
+            <a:srgbClr val="00B050"/>
+          </a:solidFill>
+        </p:spPr>
+        <p:style>
+          <a:lnRef idx="2">
+            <a:schemeClr val="accent1">
+              <a:shade val="50000"/>
+            </a:schemeClr>
+          </a:lnRef>
+          <a:fillRef idx="1">
+            <a:schemeClr val="accent1"/>
+          </a:fillRef>
+          <a:effectRef idx="0">
+            <a:schemeClr val="accent1"/>
+          </a:effectRef>
+          <a:fontRef idx="minor">
+            <a:schemeClr val="lt1"/>
+          </a:fontRef>
+        </p:style>
+        <p:txBody>
+          <a:bodyPr rtlCol="0" anchor="ctr"/>
+          <a:lstStyle/>
+          <a:p>
+            <a:pPr algn="ctr"/>
+            <a:r>
+              <a:rPr lang="en-US" altLang="zh-CN" dirty="0"/>
+              <a:t>Delta</a:t>
+            </a:r>
+            <a:endParaRPr lang="zh-CN" altLang="en-US" dirty="0"/>
+          </a:p>
+        </p:txBody>
+      </p:sp>
+      <p:sp>
+        <p:nvSpPr>
+          <p:cNvPr id="16" name="箭头: 右 15">
+            <a:extLst>
+              <a:ext uri="{FF2B5EF4-FFF2-40B4-BE49-F238E27FC236}">
+                <a16:creationId xmlns:a16="http://schemas.microsoft.com/office/drawing/2014/main" id="{1741330E-2C6B-EB14-BED1-08AA39913B8F}"/>
+              </a:ext>
+            </a:extLst>
+          </p:cNvPr>
+          <p:cNvSpPr/>
+          <p:nvPr/>
+        </p:nvSpPr>
+        <p:spPr>
+          <a:xfrm rot="5400000">
+            <a:off x="2837100" y="2854771"/>
+            <a:ext cx="290271" cy="313710"/>
+          </a:xfrm>
+          <a:prstGeom prst="rightArrow">
+            <a:avLst>
+              <a:gd name="adj1" fmla="val 33704"/>
+              <a:gd name="adj2" fmla="val 50000"/>
+            </a:avLst>
+          </a:prstGeom>
+        </p:spPr>
+        <p:style>
+          <a:lnRef idx="2">
+            <a:schemeClr val="accent1">
+              <a:shade val="50000"/>
+            </a:schemeClr>
+          </a:lnRef>
+          <a:fillRef idx="1">
+            <a:schemeClr val="accent1"/>
+          </a:fillRef>
+          <a:effectRef idx="0">
+            <a:schemeClr val="accent1"/>
+          </a:effectRef>
+          <a:fontRef idx="minor">
+            <a:schemeClr val="lt1"/>
+          </a:fontRef>
+        </p:style>
+        <p:txBody>
+          <a:bodyPr rtlCol="0" anchor="ctr"/>
+          <a:lstStyle/>
+          <a:p>
+            <a:pPr algn="ctr"/>
+            <a:endParaRPr lang="zh-CN" altLang="en-US"/>
+          </a:p>
+        </p:txBody>
+      </p:sp>
+      <p:sp>
+        <p:nvSpPr>
+          <p:cNvPr id="17" name="加号 16">
+            <a:extLst>
+              <a:ext uri="{FF2B5EF4-FFF2-40B4-BE49-F238E27FC236}">
+                <a16:creationId xmlns:a16="http://schemas.microsoft.com/office/drawing/2014/main" id="{23AE8C24-0648-7702-95C8-94D78DF26CE8}"/>
+              </a:ext>
+            </a:extLst>
+          </p:cNvPr>
+          <p:cNvSpPr/>
+          <p:nvPr/>
+        </p:nvSpPr>
+        <p:spPr>
+          <a:xfrm>
+            <a:off x="2494348" y="2357297"/>
+            <a:ext cx="977142" cy="751537"/>
+          </a:xfrm>
+          <a:prstGeom prst="mathPlus">
+            <a:avLst/>
+          </a:prstGeom>
+        </p:spPr>
+        <p:style>
+          <a:lnRef idx="2">
+            <a:schemeClr val="accent1">
+              <a:shade val="50000"/>
+            </a:schemeClr>
+          </a:lnRef>
+          <a:fillRef idx="1">
+            <a:schemeClr val="accent1"/>
+          </a:fillRef>
+          <a:effectRef idx="0">
+            <a:schemeClr val="accent1"/>
+          </a:effectRef>
+          <a:fontRef idx="minor">
+            <a:schemeClr val="lt1"/>
+          </a:fontRef>
+        </p:style>
+        <p:txBody>
+          <a:bodyPr rtlCol="0" anchor="ctr"/>
+          <a:lstStyle/>
+          <a:p>
+            <a:pPr algn="ctr"/>
+            <a:endParaRPr lang="zh-CN" altLang="en-US"/>
+          </a:p>
+        </p:txBody>
+      </p:sp>
+      <p:sp>
+        <p:nvSpPr>
+          <p:cNvPr id="18" name="椭圆 17">
+            <a:extLst>
+              <a:ext uri="{FF2B5EF4-FFF2-40B4-BE49-F238E27FC236}">
+                <a16:creationId xmlns:a16="http://schemas.microsoft.com/office/drawing/2014/main" id="{8233DB15-20BA-8F93-255D-DCA3EF0A8E16}"/>
+              </a:ext>
+            </a:extLst>
+          </p:cNvPr>
+          <p:cNvSpPr/>
+          <p:nvPr/>
+        </p:nvSpPr>
+        <p:spPr>
+          <a:xfrm>
+            <a:off x="5960417" y="5448917"/>
+            <a:ext cx="1661603" cy="751537"/>
+          </a:xfrm>
+          <a:prstGeom prst="ellipse">
+            <a:avLst/>
+          </a:prstGeom>
+          <a:solidFill>
+            <a:srgbClr val="7030A0"/>
+          </a:solidFill>
+        </p:spPr>
+        <p:style>
+          <a:lnRef idx="2">
+            <a:schemeClr val="accent1">
+              <a:shade val="50000"/>
+            </a:schemeClr>
+          </a:lnRef>
+          <a:fillRef idx="1">
+            <a:schemeClr val="accent1"/>
+          </a:fillRef>
+          <a:effectRef idx="0">
+            <a:schemeClr val="accent1"/>
+          </a:effectRef>
+          <a:fontRef idx="minor">
+            <a:schemeClr val="lt1"/>
+          </a:fontRef>
+        </p:style>
+        <p:txBody>
+          <a:bodyPr rtlCol="0" anchor="ctr"/>
+          <a:lstStyle/>
+          <a:p>
+            <a:pPr algn="ctr"/>
+            <a:r>
+              <a:rPr lang="en-US" altLang="zh-CN" dirty="0"/>
+              <a:t>Delta</a:t>
+            </a:r>
+            <a:endParaRPr lang="zh-CN" altLang="en-US" dirty="0"/>
+          </a:p>
+        </p:txBody>
+      </p:sp>
+      <p:sp>
+        <p:nvSpPr>
+          <p:cNvPr id="19" name="箭头: 右 18">
+            <a:extLst>
+              <a:ext uri="{FF2B5EF4-FFF2-40B4-BE49-F238E27FC236}">
+                <a16:creationId xmlns:a16="http://schemas.microsoft.com/office/drawing/2014/main" id="{EB45F6C5-C9EA-AFCD-5C81-399C113B9951}"/>
+              </a:ext>
+            </a:extLst>
+          </p:cNvPr>
+          <p:cNvSpPr/>
+          <p:nvPr/>
+        </p:nvSpPr>
+        <p:spPr>
+          <a:xfrm rot="16200000">
+            <a:off x="6618689" y="4384386"/>
+            <a:ext cx="290271" cy="313710"/>
+          </a:xfrm>
+          <a:prstGeom prst="rightArrow">
+            <a:avLst>
+              <a:gd name="adj1" fmla="val 33704"/>
+              <a:gd name="adj2" fmla="val 50000"/>
+            </a:avLst>
+          </a:prstGeom>
+        </p:spPr>
+        <p:style>
+          <a:lnRef idx="2">
+            <a:schemeClr val="accent1">
+              <a:shade val="50000"/>
+            </a:schemeClr>
+          </a:lnRef>
+          <a:fillRef idx="1">
+            <a:schemeClr val="accent1"/>
+          </a:fillRef>
+          <a:effectRef idx="0">
+            <a:schemeClr val="accent1"/>
+          </a:effectRef>
+          <a:fontRef idx="minor">
+            <a:schemeClr val="lt1"/>
+          </a:fontRef>
+        </p:style>
+        <p:txBody>
+          <a:bodyPr rtlCol="0" anchor="ctr"/>
+          <a:lstStyle/>
+          <a:p>
+            <a:pPr algn="ctr"/>
+            <a:endParaRPr lang="zh-CN" altLang="en-US"/>
+          </a:p>
+        </p:txBody>
+      </p:sp>
+      <p:sp>
+        <p:nvSpPr>
+          <p:cNvPr id="20" name="加号 19">
+            <a:extLst>
+              <a:ext uri="{FF2B5EF4-FFF2-40B4-BE49-F238E27FC236}">
+                <a16:creationId xmlns:a16="http://schemas.microsoft.com/office/drawing/2014/main" id="{2CD4D377-577C-FF2A-AEB9-15AA822BC005}"/>
+              </a:ext>
+            </a:extLst>
+          </p:cNvPr>
+          <p:cNvSpPr/>
+          <p:nvPr/>
+        </p:nvSpPr>
+        <p:spPr>
+          <a:xfrm>
+            <a:off x="6275253" y="4453228"/>
+            <a:ext cx="977142" cy="751537"/>
+          </a:xfrm>
+          <a:prstGeom prst="mathPlus">
+            <a:avLst/>
+          </a:prstGeom>
+        </p:spPr>
+        <p:style>
+          <a:lnRef idx="2">
+            <a:schemeClr val="accent1">
+              <a:shade val="50000"/>
+            </a:schemeClr>
+          </a:lnRef>
+          <a:fillRef idx="1">
+            <a:schemeClr val="accent1"/>
+          </a:fillRef>
+          <a:effectRef idx="0">
+            <a:schemeClr val="accent1"/>
+          </a:effectRef>
+          <a:fontRef idx="minor">
+            <a:schemeClr val="lt1"/>
+          </a:fontRef>
+        </p:style>
+        <p:txBody>
+          <a:bodyPr rtlCol="0" anchor="ctr"/>
+          <a:lstStyle/>
+          <a:p>
+            <a:pPr algn="ctr"/>
+            <a:endParaRPr lang="zh-CN" altLang="en-US"/>
+          </a:p>
+        </p:txBody>
+      </p:sp>
+      <p:sp>
+        <p:nvSpPr>
+          <p:cNvPr id="2" name="文本框 1">
+            <a:extLst>
+              <a:ext uri="{FF2B5EF4-FFF2-40B4-BE49-F238E27FC236}">
+                <a16:creationId xmlns:a16="http://schemas.microsoft.com/office/drawing/2014/main" id="{3C94D8A1-9917-8B97-5FC7-325C311C388B}"/>
               </a:ext>
             </a:extLst>
           </p:cNvPr>
@@ -7748,8 +9319,8 @@
         </p:nvSpPr>
         <p:spPr>
           <a:xfrm>
-            <a:off x="204105" y="506189"/>
-            <a:ext cx="2669723" cy="579665"/>
+            <a:off x="434689" y="267393"/>
+            <a:ext cx="2909886" cy="523220"/>
           </a:xfrm>
           <a:prstGeom prst="rect">
             <a:avLst/>
@@ -7763,17 +9334,16 @@
           <a:lstStyle/>
           <a:p>
             <a:r>
-              <a:rPr lang="en-US" altLang="zh-CN" sz="3200" b="1" dirty="0" err="1"/>
-              <a:t>BizModel</a:t>
-            </a:r>
-            <a:endParaRPr lang="zh-CN" altLang="en-US" sz="3200" b="1" dirty="0"/>
+              <a:rPr lang="zh-CN" altLang="en-US" sz="2800" b="1" dirty="0"/>
+              <a:t>差量无处不在</a:t>
+            </a:r>
           </a:p>
         </p:txBody>
       </p:sp>
     </p:spTree>
     <p:extLst>
       <p:ext uri="{BB962C8B-B14F-4D97-AF65-F5344CB8AC3E}">
-        <p14:creationId xmlns:p14="http://schemas.microsoft.com/office/powerpoint/2010/main" val="881827011"/>
+        <p14:creationId xmlns:p14="http://schemas.microsoft.com/office/powerpoint/2010/main" val="3916503306"/>
       </p:ext>
     </p:extLst>
   </p:cSld>
@@ -7802,38 +9372,274 @@
       </p:grpSpPr>
       <p:sp>
         <p:nvSpPr>
-          <p:cNvPr id="2" name="标题 1">
-            <a:extLst>
-              <a:ext uri="{FF2B5EF4-FFF2-40B4-BE49-F238E27FC236}">
-                <a16:creationId xmlns:a16="http://schemas.microsoft.com/office/drawing/2014/main" id="{7B078A78-F1A6-B200-A327-496477BABCB1}"/>
-              </a:ext>
-            </a:extLst>
-          </p:cNvPr>
-          <p:cNvSpPr>
-            <a:spLocks noGrp="1"/>
-          </p:cNvSpPr>
-          <p:nvPr>
-            <p:ph type="title"/>
-          </p:nvPr>
-        </p:nvSpPr>
-        <p:spPr/>
-        <p:txBody>
-          <a:bodyPr/>
-          <a:lstStyle/>
-          <a:p>
-            <a:r>
-              <a:rPr lang="zh-CN" altLang="en-US" b="1" dirty="0"/>
-              <a:t>在金融科技方面的应用</a:t>
-            </a:r>
-          </a:p>
-        </p:txBody>
-      </p:sp>
-      <p:sp>
-        <p:nvSpPr>
-          <p:cNvPr id="3" name="文本框 2">
-            <a:extLst>
-              <a:ext uri="{FF2B5EF4-FFF2-40B4-BE49-F238E27FC236}">
-                <a16:creationId xmlns:a16="http://schemas.microsoft.com/office/drawing/2014/main" id="{ECE04C1C-1A27-7EF8-F549-0CA12B0352B7}"/>
+          <p:cNvPr id="4" name="矩形 3">
+            <a:extLst>
+              <a:ext uri="{FF2B5EF4-FFF2-40B4-BE49-F238E27FC236}">
+                <a16:creationId xmlns:a16="http://schemas.microsoft.com/office/drawing/2014/main" id="{82624254-68F0-2252-7C78-0D7D3F200AEA}"/>
+              </a:ext>
+            </a:extLst>
+          </p:cNvPr>
+          <p:cNvSpPr/>
+          <p:nvPr/>
+        </p:nvSpPr>
+        <p:spPr>
+          <a:xfrm>
+            <a:off x="1118773" y="3680866"/>
+            <a:ext cx="1661602" cy="751537"/>
+          </a:xfrm>
+          <a:prstGeom prst="rect">
+            <a:avLst/>
+          </a:prstGeom>
+        </p:spPr>
+        <p:style>
+          <a:lnRef idx="2">
+            <a:schemeClr val="accent1">
+              <a:shade val="50000"/>
+            </a:schemeClr>
+          </a:lnRef>
+          <a:fillRef idx="1">
+            <a:schemeClr val="accent1"/>
+          </a:fillRef>
+          <a:effectRef idx="0">
+            <a:schemeClr val="accent1"/>
+          </a:effectRef>
+          <a:fontRef idx="minor">
+            <a:schemeClr val="lt1"/>
+          </a:fontRef>
+        </p:style>
+        <p:txBody>
+          <a:bodyPr rtlCol="0" anchor="ctr"/>
+          <a:lstStyle/>
+          <a:p>
+            <a:pPr algn="ctr"/>
+            <a:r>
+              <a:rPr lang="en-US" altLang="zh-CN" dirty="0"/>
+              <a:t>_XORM</a:t>
+            </a:r>
+            <a:endParaRPr lang="zh-CN" altLang="en-US" dirty="0"/>
+          </a:p>
+        </p:txBody>
+      </p:sp>
+      <p:sp>
+        <p:nvSpPr>
+          <p:cNvPr id="5" name="矩形 4">
+            <a:extLst>
+              <a:ext uri="{FF2B5EF4-FFF2-40B4-BE49-F238E27FC236}">
+                <a16:creationId xmlns:a16="http://schemas.microsoft.com/office/drawing/2014/main" id="{CE1A4767-FE4D-56D1-40B2-262D4B5896C7}"/>
+              </a:ext>
+            </a:extLst>
+          </p:cNvPr>
+          <p:cNvSpPr/>
+          <p:nvPr/>
+        </p:nvSpPr>
+        <p:spPr>
+          <a:xfrm>
+            <a:off x="1118773" y="2953653"/>
+            <a:ext cx="1661602" cy="751537"/>
+          </a:xfrm>
+          <a:prstGeom prst="rect">
+            <a:avLst/>
+          </a:prstGeom>
+        </p:spPr>
+        <p:style>
+          <a:lnRef idx="2">
+            <a:schemeClr val="accent1">
+              <a:shade val="50000"/>
+            </a:schemeClr>
+          </a:lnRef>
+          <a:fillRef idx="1">
+            <a:schemeClr val="accent1"/>
+          </a:fillRef>
+          <a:effectRef idx="0">
+            <a:schemeClr val="accent1"/>
+          </a:effectRef>
+          <a:fontRef idx="minor">
+            <a:schemeClr val="lt1"/>
+          </a:fontRef>
+        </p:style>
+        <p:txBody>
+          <a:bodyPr rtlCol="0" anchor="ctr"/>
+          <a:lstStyle/>
+          <a:p>
+            <a:pPr algn="ctr"/>
+            <a:r>
+              <a:rPr lang="en-US" altLang="zh-CN" dirty="0"/>
+              <a:t>XORM</a:t>
+            </a:r>
+            <a:endParaRPr lang="zh-CN" altLang="en-US" dirty="0"/>
+          </a:p>
+        </p:txBody>
+      </p:sp>
+      <p:sp>
+        <p:nvSpPr>
+          <p:cNvPr id="12" name="矩形 11">
+            <a:extLst>
+              <a:ext uri="{FF2B5EF4-FFF2-40B4-BE49-F238E27FC236}">
+                <a16:creationId xmlns:a16="http://schemas.microsoft.com/office/drawing/2014/main" id="{D596708B-FC6D-BF5E-34FA-D9730BE8E7E6}"/>
+              </a:ext>
+            </a:extLst>
+          </p:cNvPr>
+          <p:cNvSpPr/>
+          <p:nvPr/>
+        </p:nvSpPr>
+        <p:spPr>
+          <a:xfrm>
+            <a:off x="3743005" y="3692778"/>
+            <a:ext cx="1661602" cy="751537"/>
+          </a:xfrm>
+          <a:prstGeom prst="rect">
+            <a:avLst/>
+          </a:prstGeom>
+        </p:spPr>
+        <p:style>
+          <a:lnRef idx="2">
+            <a:schemeClr val="accent1">
+              <a:shade val="50000"/>
+            </a:schemeClr>
+          </a:lnRef>
+          <a:fillRef idx="1">
+            <a:schemeClr val="accent1"/>
+          </a:fillRef>
+          <a:effectRef idx="0">
+            <a:schemeClr val="accent1"/>
+          </a:effectRef>
+          <a:fontRef idx="minor">
+            <a:schemeClr val="lt1"/>
+          </a:fontRef>
+        </p:style>
+        <p:txBody>
+          <a:bodyPr rtlCol="0" anchor="ctr"/>
+          <a:lstStyle/>
+          <a:p>
+            <a:pPr algn="ctr"/>
+            <a:r>
+              <a:rPr lang="en-US" altLang="zh-CN" dirty="0"/>
+              <a:t>_</a:t>
+            </a:r>
+            <a:r>
+              <a:rPr lang="en-US" altLang="zh-CN" dirty="0" err="1"/>
+              <a:t>XMeta</a:t>
+            </a:r>
+            <a:endParaRPr lang="zh-CN" altLang="en-US" dirty="0"/>
+          </a:p>
+        </p:txBody>
+      </p:sp>
+      <p:sp>
+        <p:nvSpPr>
+          <p:cNvPr id="14" name="矩形 13">
+            <a:extLst>
+              <a:ext uri="{FF2B5EF4-FFF2-40B4-BE49-F238E27FC236}">
+                <a16:creationId xmlns:a16="http://schemas.microsoft.com/office/drawing/2014/main" id="{4EAEFFBD-C790-40AB-8120-0ED2F6F3E3AA}"/>
+              </a:ext>
+            </a:extLst>
+          </p:cNvPr>
+          <p:cNvSpPr/>
+          <p:nvPr/>
+        </p:nvSpPr>
+        <p:spPr>
+          <a:xfrm>
+            <a:off x="6455593" y="3705358"/>
+            <a:ext cx="1661602" cy="751537"/>
+          </a:xfrm>
+          <a:prstGeom prst="rect">
+            <a:avLst/>
+          </a:prstGeom>
+          <a:solidFill>
+            <a:srgbClr val="C00000"/>
+          </a:solidFill>
+        </p:spPr>
+        <p:style>
+          <a:lnRef idx="2">
+            <a:schemeClr val="accent1">
+              <a:shade val="50000"/>
+            </a:schemeClr>
+          </a:lnRef>
+          <a:fillRef idx="1">
+            <a:schemeClr val="accent1"/>
+          </a:fillRef>
+          <a:effectRef idx="0">
+            <a:schemeClr val="accent1"/>
+          </a:effectRef>
+          <a:fontRef idx="minor">
+            <a:schemeClr val="lt1"/>
+          </a:fontRef>
+        </p:style>
+        <p:txBody>
+          <a:bodyPr rtlCol="0" anchor="ctr"/>
+          <a:lstStyle/>
+          <a:p>
+            <a:pPr algn="ctr"/>
+            <a:r>
+              <a:rPr lang="en-US" altLang="zh-CN" dirty="0"/>
+              <a:t>_</a:t>
+            </a:r>
+            <a:r>
+              <a:rPr lang="en-US" altLang="zh-CN" dirty="0" err="1"/>
+              <a:t>XView</a:t>
+            </a:r>
+            <a:endParaRPr lang="zh-CN" altLang="en-US" dirty="0"/>
+          </a:p>
+        </p:txBody>
+      </p:sp>
+      <p:sp>
+        <p:nvSpPr>
+          <p:cNvPr id="19" name="矩形 18">
+            <a:extLst>
+              <a:ext uri="{FF2B5EF4-FFF2-40B4-BE49-F238E27FC236}">
+                <a16:creationId xmlns:a16="http://schemas.microsoft.com/office/drawing/2014/main" id="{1DDE44B1-52E8-98C7-D898-D63D745B0F63}"/>
+              </a:ext>
+            </a:extLst>
+          </p:cNvPr>
+          <p:cNvSpPr/>
+          <p:nvPr/>
+        </p:nvSpPr>
+        <p:spPr>
+          <a:xfrm>
+            <a:off x="9171697" y="2941241"/>
+            <a:ext cx="1661602" cy="751537"/>
+          </a:xfrm>
+          <a:prstGeom prst="rect">
+            <a:avLst/>
+          </a:prstGeom>
+          <a:solidFill>
+            <a:srgbClr val="C00000"/>
+          </a:solidFill>
+        </p:spPr>
+        <p:style>
+          <a:lnRef idx="2">
+            <a:schemeClr val="accent1">
+              <a:shade val="50000"/>
+            </a:schemeClr>
+          </a:lnRef>
+          <a:fillRef idx="1">
+            <a:schemeClr val="accent1"/>
+          </a:fillRef>
+          <a:effectRef idx="0">
+            <a:schemeClr val="accent1"/>
+          </a:effectRef>
+          <a:fontRef idx="minor">
+            <a:schemeClr val="lt1"/>
+          </a:fontRef>
+        </p:style>
+        <p:txBody>
+          <a:bodyPr rtlCol="0" anchor="ctr"/>
+          <a:lstStyle/>
+          <a:p>
+            <a:pPr algn="ctr"/>
+            <a:r>
+              <a:rPr lang="en-US" altLang="zh-CN" dirty="0" err="1"/>
+              <a:t>XPage</a:t>
+            </a:r>
+            <a:endParaRPr lang="zh-CN" altLang="en-US" dirty="0"/>
+          </a:p>
+        </p:txBody>
+      </p:sp>
+      <p:sp>
+        <p:nvSpPr>
+          <p:cNvPr id="49" name="文本框 48">
+            <a:extLst>
+              <a:ext uri="{FF2B5EF4-FFF2-40B4-BE49-F238E27FC236}">
+                <a16:creationId xmlns:a16="http://schemas.microsoft.com/office/drawing/2014/main" id="{C76386B8-0A78-88D0-283F-26AEFDECAB74}"/>
               </a:ext>
             </a:extLst>
           </p:cNvPr>
@@ -7842,8 +9648,8 @@
         </p:nvSpPr>
         <p:spPr>
           <a:xfrm>
-            <a:off x="930729" y="1828800"/>
-            <a:ext cx="7780564" cy="4062651"/>
+            <a:off x="434689" y="267393"/>
+            <a:ext cx="2380430" cy="523220"/>
           </a:xfrm>
           <a:prstGeom prst="rect">
             <a:avLst/>
@@ -7856,188 +9662,904 @@
           </a:bodyPr>
           <a:lstStyle/>
           <a:p>
-            <a:pPr marL="342900" indent="-342900">
-              <a:buFont typeface="Wingdings" panose="05000000000000000000" pitchFamily="2" charset="2"/>
-              <a:buChar char="ü"/>
-            </a:pPr>
-            <a:r>
-              <a:rPr lang="zh-CN" altLang="en-US" sz="2400" dirty="0"/>
-              <a:t>数据模型（</a:t>
-            </a:r>
+            <a:r>
+              <a:rPr lang="zh-CN" altLang="en-US" sz="2800" b="1" dirty="0"/>
+              <a:t>差量流水线</a:t>
+            </a:r>
+          </a:p>
+        </p:txBody>
+      </p:sp>
+      <p:sp>
+        <p:nvSpPr>
+          <p:cNvPr id="2" name="矩形 1">
+            <a:extLst>
+              <a:ext uri="{FF2B5EF4-FFF2-40B4-BE49-F238E27FC236}">
+                <a16:creationId xmlns:a16="http://schemas.microsoft.com/office/drawing/2014/main" id="{D9D7C2E0-53A0-8A71-7E5A-41DA55453420}"/>
+              </a:ext>
+            </a:extLst>
+          </p:cNvPr>
+          <p:cNvSpPr/>
+          <p:nvPr/>
+        </p:nvSpPr>
+        <p:spPr>
+          <a:xfrm>
+            <a:off x="3739489" y="2941242"/>
+            <a:ext cx="1661602" cy="751537"/>
+          </a:xfrm>
+          <a:prstGeom prst="rect">
+            <a:avLst/>
+          </a:prstGeom>
+        </p:spPr>
+        <p:style>
+          <a:lnRef idx="2">
+            <a:schemeClr val="accent1">
+              <a:shade val="50000"/>
+            </a:schemeClr>
+          </a:lnRef>
+          <a:fillRef idx="1">
+            <a:schemeClr val="accent1"/>
+          </a:fillRef>
+          <a:effectRef idx="0">
+            <a:schemeClr val="accent1"/>
+          </a:effectRef>
+          <a:fontRef idx="minor">
+            <a:schemeClr val="lt1"/>
+          </a:fontRef>
+        </p:style>
+        <p:txBody>
+          <a:bodyPr rtlCol="0" anchor="ctr"/>
+          <a:lstStyle/>
+          <a:p>
+            <a:pPr algn="ctr"/>
+            <a:r>
+              <a:rPr lang="en-US" altLang="zh-CN" dirty="0" err="1"/>
+              <a:t>XMeta</a:t>
+            </a:r>
+            <a:endParaRPr lang="zh-CN" altLang="en-US" dirty="0"/>
+          </a:p>
+        </p:txBody>
+      </p:sp>
+      <p:sp>
+        <p:nvSpPr>
+          <p:cNvPr id="11" name="矩形 10">
+            <a:extLst>
+              <a:ext uri="{FF2B5EF4-FFF2-40B4-BE49-F238E27FC236}">
+                <a16:creationId xmlns:a16="http://schemas.microsoft.com/office/drawing/2014/main" id="{656E952D-7207-7257-2CE4-D3885B5052C3}"/>
+              </a:ext>
+            </a:extLst>
+          </p:cNvPr>
+          <p:cNvSpPr/>
+          <p:nvPr/>
+        </p:nvSpPr>
+        <p:spPr>
+          <a:xfrm>
+            <a:off x="6455593" y="2953653"/>
+            <a:ext cx="1661602" cy="751537"/>
+          </a:xfrm>
+          <a:prstGeom prst="rect">
+            <a:avLst/>
+          </a:prstGeom>
+          <a:solidFill>
+            <a:srgbClr val="C00000"/>
+          </a:solidFill>
+        </p:spPr>
+        <p:style>
+          <a:lnRef idx="2">
+            <a:schemeClr val="accent1">
+              <a:shade val="50000"/>
+            </a:schemeClr>
+          </a:lnRef>
+          <a:fillRef idx="1">
+            <a:schemeClr val="accent1"/>
+          </a:fillRef>
+          <a:effectRef idx="0">
+            <a:schemeClr val="accent1"/>
+          </a:effectRef>
+          <a:fontRef idx="minor">
+            <a:schemeClr val="lt1"/>
+          </a:fontRef>
+        </p:style>
+        <p:txBody>
+          <a:bodyPr rtlCol="0" anchor="ctr"/>
+          <a:lstStyle/>
+          <a:p>
+            <a:pPr algn="ctr"/>
+            <a:r>
+              <a:rPr lang="en-US" altLang="zh-CN" dirty="0" err="1"/>
+              <a:t>XView</a:t>
+            </a:r>
+            <a:endParaRPr lang="en-US" altLang="zh-CN" dirty="0"/>
+          </a:p>
+        </p:txBody>
+      </p:sp>
+      <p:sp>
+        <p:nvSpPr>
+          <p:cNvPr id="22" name="矩形 21">
+            <a:extLst>
+              <a:ext uri="{FF2B5EF4-FFF2-40B4-BE49-F238E27FC236}">
+                <a16:creationId xmlns:a16="http://schemas.microsoft.com/office/drawing/2014/main" id="{CA4418D9-C431-D727-C854-E7CFD25EAA57}"/>
+              </a:ext>
+            </a:extLst>
+          </p:cNvPr>
+          <p:cNvSpPr/>
+          <p:nvPr/>
+        </p:nvSpPr>
+        <p:spPr>
+          <a:xfrm>
+            <a:off x="9170477" y="3691632"/>
+            <a:ext cx="1661602" cy="751537"/>
+          </a:xfrm>
+          <a:prstGeom prst="rect">
+            <a:avLst/>
+          </a:prstGeom>
+          <a:solidFill>
+            <a:srgbClr val="C00000"/>
+          </a:solidFill>
+        </p:spPr>
+        <p:style>
+          <a:lnRef idx="2">
+            <a:schemeClr val="accent1">
+              <a:shade val="50000"/>
+            </a:schemeClr>
+          </a:lnRef>
+          <a:fillRef idx="1">
+            <a:schemeClr val="accent1"/>
+          </a:fillRef>
+          <a:effectRef idx="0">
+            <a:schemeClr val="accent1"/>
+          </a:effectRef>
+          <a:fontRef idx="minor">
+            <a:schemeClr val="lt1"/>
+          </a:fontRef>
+        </p:style>
+        <p:txBody>
+          <a:bodyPr rtlCol="0" anchor="ctr"/>
+          <a:lstStyle/>
+          <a:p>
+            <a:pPr algn="ctr"/>
+            <a:r>
+              <a:rPr lang="en-US" altLang="zh-CN" dirty="0"/>
+              <a:t>_</a:t>
+            </a:r>
+            <a:r>
+              <a:rPr lang="en-US" altLang="zh-CN" dirty="0" err="1"/>
+              <a:t>XPage</a:t>
+            </a:r>
+            <a:endParaRPr lang="zh-CN" altLang="en-US" dirty="0"/>
+          </a:p>
+        </p:txBody>
+      </p:sp>
+      <p:sp>
+        <p:nvSpPr>
+          <p:cNvPr id="7" name="椭圆 6">
+            <a:extLst>
+              <a:ext uri="{FF2B5EF4-FFF2-40B4-BE49-F238E27FC236}">
+                <a16:creationId xmlns:a16="http://schemas.microsoft.com/office/drawing/2014/main" id="{C8313F1A-B63D-3A10-E8C1-AB28C38E41FE}"/>
+              </a:ext>
+            </a:extLst>
+          </p:cNvPr>
+          <p:cNvSpPr/>
+          <p:nvPr/>
+        </p:nvSpPr>
+        <p:spPr>
+          <a:xfrm>
+            <a:off x="1119759" y="5255029"/>
+            <a:ext cx="1661602" cy="751537"/>
+          </a:xfrm>
+          <a:prstGeom prst="ellipse">
+            <a:avLst/>
+          </a:prstGeom>
+          <a:solidFill>
+            <a:srgbClr val="7030A0"/>
+          </a:solidFill>
+        </p:spPr>
+        <p:style>
+          <a:lnRef idx="2">
+            <a:schemeClr val="accent1">
+              <a:shade val="50000"/>
+            </a:schemeClr>
+          </a:lnRef>
+          <a:fillRef idx="1">
+            <a:schemeClr val="accent1"/>
+          </a:fillRef>
+          <a:effectRef idx="0">
+            <a:schemeClr val="accent1"/>
+          </a:effectRef>
+          <a:fontRef idx="minor">
+            <a:schemeClr val="lt1"/>
+          </a:fontRef>
+        </p:style>
+        <p:txBody>
+          <a:bodyPr rtlCol="0" anchor="ctr"/>
+          <a:lstStyle/>
+          <a:p>
+            <a:pPr algn="ctr"/>
+            <a:r>
+              <a:rPr lang="en-US" altLang="zh-CN" dirty="0"/>
+              <a:t>Excel</a:t>
+            </a:r>
+            <a:endParaRPr lang="zh-CN" altLang="en-US" dirty="0"/>
+          </a:p>
+        </p:txBody>
+      </p:sp>
+      <p:sp>
+        <p:nvSpPr>
+          <p:cNvPr id="8" name="箭头: 右 7">
+            <a:extLst>
+              <a:ext uri="{FF2B5EF4-FFF2-40B4-BE49-F238E27FC236}">
+                <a16:creationId xmlns:a16="http://schemas.microsoft.com/office/drawing/2014/main" id="{5B1CFA59-D8A1-E062-7710-F234E2186247}"/>
+              </a:ext>
+            </a:extLst>
+          </p:cNvPr>
+          <p:cNvSpPr/>
+          <p:nvPr/>
+        </p:nvSpPr>
+        <p:spPr>
+          <a:xfrm rot="16200000">
+            <a:off x="1632536" y="4765617"/>
+            <a:ext cx="529841" cy="202391"/>
+          </a:xfrm>
+          <a:prstGeom prst="rightArrow">
+            <a:avLst/>
+          </a:prstGeom>
+        </p:spPr>
+        <p:style>
+          <a:lnRef idx="2">
+            <a:schemeClr val="accent1">
+              <a:shade val="50000"/>
+            </a:schemeClr>
+          </a:lnRef>
+          <a:fillRef idx="1">
+            <a:schemeClr val="accent1"/>
+          </a:fillRef>
+          <a:effectRef idx="0">
+            <a:schemeClr val="accent1"/>
+          </a:effectRef>
+          <a:fontRef idx="minor">
+            <a:schemeClr val="lt1"/>
+          </a:fontRef>
+        </p:style>
+        <p:txBody>
+          <a:bodyPr rtlCol="0" anchor="ctr"/>
+          <a:lstStyle/>
+          <a:p>
+            <a:pPr algn="ctr"/>
+            <a:endParaRPr lang="zh-CN" altLang="en-US"/>
+          </a:p>
+        </p:txBody>
+      </p:sp>
+      <p:sp>
+        <p:nvSpPr>
+          <p:cNvPr id="15" name="文本框 14">
+            <a:extLst>
+              <a:ext uri="{FF2B5EF4-FFF2-40B4-BE49-F238E27FC236}">
+                <a16:creationId xmlns:a16="http://schemas.microsoft.com/office/drawing/2014/main" id="{AC6C489F-E051-914F-A225-76E8289574A4}"/>
+              </a:ext>
+            </a:extLst>
+          </p:cNvPr>
+          <p:cNvSpPr txBox="1"/>
+          <p:nvPr/>
+        </p:nvSpPr>
+        <p:spPr>
+          <a:xfrm>
+            <a:off x="2049427" y="4677527"/>
+            <a:ext cx="708917" cy="369332"/>
+          </a:xfrm>
+          <a:prstGeom prst="rect">
+            <a:avLst/>
+          </a:prstGeom>
+          <a:noFill/>
+        </p:spPr>
+        <p:txBody>
+          <a:bodyPr wrap="square" rtlCol="0">
+            <a:spAutoFit/>
+          </a:bodyPr>
+          <a:lstStyle/>
+          <a:p>
             <a:r>
               <a:rPr lang="zh-CN" altLang="en-US" dirty="0"/>
-              <a:t>自动生成数据访问层代码和数据库定义</a:t>
-            </a:r>
-            <a:r>
-              <a:rPr lang="zh-CN" altLang="en-US" sz="2400" dirty="0"/>
-              <a:t>）</a:t>
-            </a:r>
-            <a:endParaRPr lang="en-US" altLang="zh-CN" sz="2400" dirty="0"/>
-          </a:p>
-          <a:p>
-            <a:pPr marL="342900" indent="-342900">
-              <a:buFont typeface="Wingdings" panose="05000000000000000000" pitchFamily="2" charset="2"/>
-              <a:buChar char="ü"/>
-            </a:pPr>
-            <a:r>
-              <a:rPr lang="en-US" altLang="zh-CN" sz="2400" dirty="0"/>
-              <a:t>API</a:t>
-            </a:r>
-            <a:r>
-              <a:rPr lang="zh-CN" altLang="en-US" sz="2400" dirty="0"/>
-              <a:t>接口模型（</a:t>
-            </a:r>
+              <a:t>生成</a:t>
+            </a:r>
+          </a:p>
+        </p:txBody>
+      </p:sp>
+      <p:sp>
+        <p:nvSpPr>
+          <p:cNvPr id="26" name="椭圆 25">
+            <a:extLst>
+              <a:ext uri="{FF2B5EF4-FFF2-40B4-BE49-F238E27FC236}">
+                <a16:creationId xmlns:a16="http://schemas.microsoft.com/office/drawing/2014/main" id="{FAFE2A35-9FD0-1A68-9CAD-731A094AA618}"/>
+              </a:ext>
+            </a:extLst>
+          </p:cNvPr>
+          <p:cNvSpPr/>
+          <p:nvPr/>
+        </p:nvSpPr>
+        <p:spPr>
+          <a:xfrm>
+            <a:off x="9171697" y="1267187"/>
+            <a:ext cx="1661602" cy="751537"/>
+          </a:xfrm>
+          <a:prstGeom prst="ellipse">
+            <a:avLst/>
+          </a:prstGeom>
+          <a:solidFill>
+            <a:srgbClr val="7030A0"/>
+          </a:solidFill>
+        </p:spPr>
+        <p:style>
+          <a:lnRef idx="2">
+            <a:schemeClr val="accent1">
+              <a:shade val="50000"/>
+            </a:schemeClr>
+          </a:lnRef>
+          <a:fillRef idx="1">
+            <a:schemeClr val="accent1"/>
+          </a:fillRef>
+          <a:effectRef idx="0">
+            <a:schemeClr val="accent1"/>
+          </a:effectRef>
+          <a:fontRef idx="minor">
+            <a:schemeClr val="lt1"/>
+          </a:fontRef>
+        </p:style>
+        <p:txBody>
+          <a:bodyPr rtlCol="0" anchor="ctr"/>
+          <a:lstStyle/>
+          <a:p>
+            <a:pPr algn="ctr"/>
             <a:r>
               <a:rPr lang="zh-CN" altLang="en-US" dirty="0"/>
-              <a:t>自动生成</a:t>
-            </a:r>
+              <a:t>界面</a:t>
+            </a:r>
+          </a:p>
+        </p:txBody>
+      </p:sp>
+      <p:sp>
+        <p:nvSpPr>
+          <p:cNvPr id="27" name="箭头: 右 26">
+            <a:extLst>
+              <a:ext uri="{FF2B5EF4-FFF2-40B4-BE49-F238E27FC236}">
+                <a16:creationId xmlns:a16="http://schemas.microsoft.com/office/drawing/2014/main" id="{0705D658-343D-D9A0-4C7A-321BC4AEAD24}"/>
+              </a:ext>
+            </a:extLst>
+          </p:cNvPr>
+          <p:cNvSpPr/>
+          <p:nvPr/>
+        </p:nvSpPr>
+        <p:spPr>
+          <a:xfrm rot="16200000">
+            <a:off x="9655636" y="2400626"/>
+            <a:ext cx="588892" cy="184934"/>
+          </a:xfrm>
+          <a:prstGeom prst="rightArrow">
+            <a:avLst>
+              <a:gd name="adj1" fmla="val 62154"/>
+              <a:gd name="adj2" fmla="val 50000"/>
+            </a:avLst>
+          </a:prstGeom>
+        </p:spPr>
+        <p:style>
+          <a:lnRef idx="2">
+            <a:schemeClr val="accent1">
+              <a:shade val="50000"/>
+            </a:schemeClr>
+          </a:lnRef>
+          <a:fillRef idx="1">
+            <a:schemeClr val="accent1"/>
+          </a:fillRef>
+          <a:effectRef idx="0">
+            <a:schemeClr val="accent1"/>
+          </a:effectRef>
+          <a:fontRef idx="minor">
+            <a:schemeClr val="lt1"/>
+          </a:fontRef>
+        </p:style>
+        <p:txBody>
+          <a:bodyPr rtlCol="0" anchor="ctr"/>
+          <a:lstStyle/>
+          <a:p>
+            <a:pPr algn="ctr"/>
+            <a:endParaRPr lang="zh-CN" altLang="en-US"/>
+          </a:p>
+        </p:txBody>
+      </p:sp>
+      <p:sp>
+        <p:nvSpPr>
+          <p:cNvPr id="28" name="文本框 27">
+            <a:extLst>
+              <a:ext uri="{FF2B5EF4-FFF2-40B4-BE49-F238E27FC236}">
+                <a16:creationId xmlns:a16="http://schemas.microsoft.com/office/drawing/2014/main" id="{7CE677EA-6653-B122-5525-0AF100D20D78}"/>
+              </a:ext>
+            </a:extLst>
+          </p:cNvPr>
+          <p:cNvSpPr txBox="1"/>
+          <p:nvPr/>
+        </p:nvSpPr>
+        <p:spPr>
+          <a:xfrm>
+            <a:off x="10128609" y="2303996"/>
+            <a:ext cx="921004" cy="369332"/>
+          </a:xfrm>
+          <a:prstGeom prst="rect">
+            <a:avLst/>
+          </a:prstGeom>
+          <a:noFill/>
+        </p:spPr>
+        <p:txBody>
+          <a:bodyPr wrap="square" rtlCol="0">
+            <a:spAutoFit/>
+          </a:bodyPr>
+          <a:lstStyle/>
+          <a:p>
             <a:r>
               <a:rPr lang="en-US" altLang="zh-CN" dirty="0"/>
-              <a:t>API</a:t>
-            </a:r>
+              <a:t>Render</a:t>
+            </a:r>
+            <a:endParaRPr lang="zh-CN" altLang="en-US" dirty="0"/>
+          </a:p>
+        </p:txBody>
+      </p:sp>
+      <p:cxnSp>
+        <p:nvCxnSpPr>
+          <p:cNvPr id="42" name="直接连接符 41">
+            <a:extLst>
+              <a:ext uri="{FF2B5EF4-FFF2-40B4-BE49-F238E27FC236}">
+                <a16:creationId xmlns:a16="http://schemas.microsoft.com/office/drawing/2014/main" id="{D50D6AB5-4D89-4BA6-A7E8-F8E26F6D2885}"/>
+              </a:ext>
+            </a:extLst>
+          </p:cNvPr>
+          <p:cNvCxnSpPr>
+            <a:cxnSpLocks/>
+          </p:cNvCxnSpPr>
+          <p:nvPr/>
+        </p:nvCxnSpPr>
+        <p:spPr>
+          <a:xfrm>
+            <a:off x="5900792" y="2749600"/>
+            <a:ext cx="0" cy="4018151"/>
+          </a:xfrm>
+          <a:prstGeom prst="line">
+            <a:avLst/>
+          </a:prstGeom>
+          <a:ln>
+            <a:solidFill>
+              <a:schemeClr val="accent1"/>
+            </a:solidFill>
+            <a:prstDash val="dash"/>
+          </a:ln>
+        </p:spPr>
+        <p:style>
+          <a:lnRef idx="1">
+            <a:schemeClr val="accent1"/>
+          </a:lnRef>
+          <a:fillRef idx="0">
+            <a:schemeClr val="accent1"/>
+          </a:fillRef>
+          <a:effectRef idx="0">
+            <a:schemeClr val="accent1"/>
+          </a:effectRef>
+          <a:fontRef idx="minor">
+            <a:schemeClr val="tx1"/>
+          </a:fontRef>
+        </p:style>
+      </p:cxnSp>
+      <p:sp>
+        <p:nvSpPr>
+          <p:cNvPr id="16" name="文本框 15">
+            <a:extLst>
+              <a:ext uri="{FF2B5EF4-FFF2-40B4-BE49-F238E27FC236}">
+                <a16:creationId xmlns:a16="http://schemas.microsoft.com/office/drawing/2014/main" id="{07128EE0-A808-4AAB-488A-DAAF10473AC0}"/>
+              </a:ext>
+            </a:extLst>
+          </p:cNvPr>
+          <p:cNvSpPr txBox="1"/>
+          <p:nvPr/>
+        </p:nvSpPr>
+        <p:spPr>
+          <a:xfrm>
+            <a:off x="2871297" y="2813342"/>
+            <a:ext cx="708917" cy="369332"/>
+          </a:xfrm>
+          <a:prstGeom prst="rect">
+            <a:avLst/>
+          </a:prstGeom>
+          <a:noFill/>
+        </p:spPr>
+        <p:txBody>
+          <a:bodyPr wrap="square" rtlCol="0">
+            <a:spAutoFit/>
+          </a:bodyPr>
+          <a:lstStyle/>
+          <a:p>
             <a:r>
               <a:rPr lang="zh-CN" altLang="en-US" dirty="0"/>
-              <a:t>接口和缺省实现</a:t>
-            </a:r>
-            <a:r>
-              <a:rPr lang="zh-CN" altLang="en-US" sz="2400" dirty="0"/>
-              <a:t>）</a:t>
-            </a:r>
-            <a:endParaRPr lang="en-US" altLang="zh-CN" sz="2400" dirty="0"/>
-          </a:p>
-          <a:p>
-            <a:pPr marL="342900" indent="-342900">
-              <a:buFont typeface="Wingdings" panose="05000000000000000000" pitchFamily="2" charset="2"/>
-              <a:buChar char="ü"/>
-            </a:pPr>
-            <a:r>
-              <a:rPr lang="en-US" altLang="zh-CN" sz="2400" dirty="0"/>
-              <a:t>TCP</a:t>
-            </a:r>
-            <a:r>
-              <a:rPr lang="zh-CN" altLang="en-US" sz="2400" dirty="0"/>
-              <a:t>网络消息模型（</a:t>
-            </a:r>
+              <a:t>生成</a:t>
+            </a:r>
+          </a:p>
+        </p:txBody>
+      </p:sp>
+      <p:sp>
+        <p:nvSpPr>
+          <p:cNvPr id="18" name="文本框 17">
+            <a:extLst>
+              <a:ext uri="{FF2B5EF4-FFF2-40B4-BE49-F238E27FC236}">
+                <a16:creationId xmlns:a16="http://schemas.microsoft.com/office/drawing/2014/main" id="{035EADB8-B836-BBCB-4B3A-4AD98E84DCBD}"/>
+              </a:ext>
+            </a:extLst>
+          </p:cNvPr>
+          <p:cNvSpPr txBox="1"/>
+          <p:nvPr/>
+        </p:nvSpPr>
+        <p:spPr>
+          <a:xfrm>
+            <a:off x="5581843" y="2848847"/>
+            <a:ext cx="708917" cy="369332"/>
+          </a:xfrm>
+          <a:prstGeom prst="rect">
+            <a:avLst/>
+          </a:prstGeom>
+          <a:noFill/>
+        </p:spPr>
+        <p:txBody>
+          <a:bodyPr wrap="square" rtlCol="0">
+            <a:spAutoFit/>
+          </a:bodyPr>
+          <a:lstStyle/>
+          <a:p>
             <a:r>
               <a:rPr lang="zh-CN" altLang="en-US" dirty="0"/>
-              <a:t>自动解析和生成网络协议包</a:t>
-            </a:r>
-            <a:r>
-              <a:rPr lang="zh-CN" altLang="en-US" sz="2400" dirty="0"/>
-              <a:t>）</a:t>
-            </a:r>
-            <a:endParaRPr lang="en-US" altLang="zh-CN" sz="2400" dirty="0"/>
-          </a:p>
-          <a:p>
-            <a:pPr marL="342900" indent="-342900">
-              <a:buFont typeface="Wingdings" panose="05000000000000000000" pitchFamily="2" charset="2"/>
-              <a:buChar char="ü"/>
-            </a:pPr>
-            <a:r>
-              <a:rPr lang="zh-CN" altLang="en-US" sz="2400" dirty="0"/>
-              <a:t>批处理文件格式模型（</a:t>
-            </a:r>
+              <a:t>生成</a:t>
+            </a:r>
+          </a:p>
+        </p:txBody>
+      </p:sp>
+      <p:sp>
+        <p:nvSpPr>
+          <p:cNvPr id="21" name="矩形 20">
+            <a:extLst>
+              <a:ext uri="{FF2B5EF4-FFF2-40B4-BE49-F238E27FC236}">
+                <a16:creationId xmlns:a16="http://schemas.microsoft.com/office/drawing/2014/main" id="{53272BCD-B3A7-5DDB-7DF7-DE9D53F7B669}"/>
+              </a:ext>
+            </a:extLst>
+          </p:cNvPr>
+          <p:cNvSpPr/>
+          <p:nvPr/>
+        </p:nvSpPr>
+        <p:spPr>
+          <a:xfrm>
+            <a:off x="3744932" y="1393457"/>
+            <a:ext cx="1661602" cy="751537"/>
+          </a:xfrm>
+          <a:prstGeom prst="rect">
+            <a:avLst/>
+          </a:prstGeom>
+        </p:spPr>
+        <p:style>
+          <a:lnRef idx="2">
+            <a:schemeClr val="accent1">
+              <a:shade val="50000"/>
+            </a:schemeClr>
+          </a:lnRef>
+          <a:fillRef idx="1">
+            <a:schemeClr val="accent1"/>
+          </a:fillRef>
+          <a:effectRef idx="0">
+            <a:schemeClr val="accent1"/>
+          </a:effectRef>
+          <a:fontRef idx="minor">
+            <a:schemeClr val="lt1"/>
+          </a:fontRef>
+        </p:style>
+        <p:txBody>
+          <a:bodyPr rtlCol="0" anchor="ctr"/>
+          <a:lstStyle/>
+          <a:p>
+            <a:pPr algn="ctr"/>
+            <a:r>
+              <a:rPr lang="en-US" altLang="zh-CN" dirty="0" err="1"/>
+              <a:t>GraphQL</a:t>
+            </a:r>
+            <a:endParaRPr lang="zh-CN" altLang="en-US" dirty="0"/>
+          </a:p>
+        </p:txBody>
+      </p:sp>
+      <p:sp>
+        <p:nvSpPr>
+          <p:cNvPr id="36" name="箭头: 上 35">
+            <a:extLst>
+              <a:ext uri="{FF2B5EF4-FFF2-40B4-BE49-F238E27FC236}">
+                <a16:creationId xmlns:a16="http://schemas.microsoft.com/office/drawing/2014/main" id="{AF326EC7-1256-780A-B70E-2888D1738247}"/>
+              </a:ext>
+            </a:extLst>
+          </p:cNvPr>
+          <p:cNvSpPr/>
+          <p:nvPr/>
+        </p:nvSpPr>
+        <p:spPr>
+          <a:xfrm>
+            <a:off x="4436907" y="2299827"/>
+            <a:ext cx="168315" cy="369331"/>
+          </a:xfrm>
+          <a:prstGeom prst="upArrow">
+            <a:avLst/>
+          </a:prstGeom>
+        </p:spPr>
+        <p:style>
+          <a:lnRef idx="2">
+            <a:schemeClr val="accent1">
+              <a:shade val="50000"/>
+            </a:schemeClr>
+          </a:lnRef>
+          <a:fillRef idx="1">
+            <a:schemeClr val="accent1"/>
+          </a:fillRef>
+          <a:effectRef idx="0">
+            <a:schemeClr val="accent1"/>
+          </a:effectRef>
+          <a:fontRef idx="minor">
+            <a:schemeClr val="lt1"/>
+          </a:fontRef>
+        </p:style>
+        <p:txBody>
+          <a:bodyPr rtlCol="0" anchor="ctr"/>
+          <a:lstStyle/>
+          <a:p>
+            <a:pPr algn="ctr"/>
+            <a:endParaRPr lang="zh-CN" altLang="en-US"/>
+          </a:p>
+        </p:txBody>
+      </p:sp>
+      <p:sp>
+        <p:nvSpPr>
+          <p:cNvPr id="37" name="文本框 36">
+            <a:extLst>
+              <a:ext uri="{FF2B5EF4-FFF2-40B4-BE49-F238E27FC236}">
+                <a16:creationId xmlns:a16="http://schemas.microsoft.com/office/drawing/2014/main" id="{0A0BDC57-58BE-9A32-3FB7-E926CFEAEE82}"/>
+              </a:ext>
+            </a:extLst>
+          </p:cNvPr>
+          <p:cNvSpPr txBox="1"/>
+          <p:nvPr/>
+        </p:nvSpPr>
+        <p:spPr>
+          <a:xfrm>
+            <a:off x="4693796" y="2287587"/>
+            <a:ext cx="1220709" cy="369332"/>
+          </a:xfrm>
+          <a:prstGeom prst="rect">
+            <a:avLst/>
+          </a:prstGeom>
+          <a:noFill/>
+        </p:spPr>
+        <p:txBody>
+          <a:bodyPr wrap="square" rtlCol="0">
+            <a:spAutoFit/>
+          </a:bodyPr>
+          <a:lstStyle/>
+          <a:p>
+            <a:r>
+              <a:rPr lang="en-US" altLang="zh-CN" dirty="0" err="1"/>
+              <a:t>BizModel</a:t>
+            </a:r>
+            <a:endParaRPr lang="en-US" altLang="zh-CN" dirty="0"/>
+          </a:p>
+        </p:txBody>
+      </p:sp>
+      <p:sp>
+        <p:nvSpPr>
+          <p:cNvPr id="41" name="加号 40">
+            <a:extLst>
+              <a:ext uri="{FF2B5EF4-FFF2-40B4-BE49-F238E27FC236}">
+                <a16:creationId xmlns:a16="http://schemas.microsoft.com/office/drawing/2014/main" id="{9231E943-E955-B34C-F9CC-CCDADFCEF50E}"/>
+              </a:ext>
+            </a:extLst>
+          </p:cNvPr>
+          <p:cNvSpPr/>
+          <p:nvPr/>
+        </p:nvSpPr>
+        <p:spPr>
+          <a:xfrm>
+            <a:off x="4348332" y="2322000"/>
+            <a:ext cx="345464" cy="369332"/>
+          </a:xfrm>
+          <a:prstGeom prst="mathPlus">
+            <a:avLst/>
+          </a:prstGeom>
+        </p:spPr>
+        <p:style>
+          <a:lnRef idx="2">
+            <a:schemeClr val="accent1">
+              <a:shade val="50000"/>
+            </a:schemeClr>
+          </a:lnRef>
+          <a:fillRef idx="1">
+            <a:schemeClr val="accent1"/>
+          </a:fillRef>
+          <a:effectRef idx="0">
+            <a:schemeClr val="accent1"/>
+          </a:effectRef>
+          <a:fontRef idx="minor">
+            <a:schemeClr val="lt1"/>
+          </a:fontRef>
+        </p:style>
+        <p:txBody>
+          <a:bodyPr rtlCol="0" anchor="ctr"/>
+          <a:lstStyle/>
+          <a:p>
+            <a:pPr algn="ctr"/>
+            <a:endParaRPr lang="zh-CN" altLang="en-US"/>
+          </a:p>
+        </p:txBody>
+      </p:sp>
+      <p:cxnSp>
+        <p:nvCxnSpPr>
+          <p:cNvPr id="50" name="连接符: 肘形 49">
+            <a:extLst>
+              <a:ext uri="{FF2B5EF4-FFF2-40B4-BE49-F238E27FC236}">
+                <a16:creationId xmlns:a16="http://schemas.microsoft.com/office/drawing/2014/main" id="{D53C0396-B1E4-2401-DA0E-CCA76C4CC91E}"/>
+              </a:ext>
+            </a:extLst>
+          </p:cNvPr>
+          <p:cNvCxnSpPr>
+            <a:cxnSpLocks/>
+          </p:cNvCxnSpPr>
+          <p:nvPr/>
+        </p:nvCxnSpPr>
+        <p:spPr>
+          <a:xfrm>
+            <a:off x="2878955" y="3380746"/>
+            <a:ext cx="763177" cy="590140"/>
+          </a:xfrm>
+          <a:prstGeom prst="bentConnector3">
+            <a:avLst>
+              <a:gd name="adj1" fmla="val 50000"/>
+            </a:avLst>
+          </a:prstGeom>
+          <a:ln w="53975">
+            <a:tailEnd type="triangle"/>
+          </a:ln>
+        </p:spPr>
+        <p:style>
+          <a:lnRef idx="1">
+            <a:schemeClr val="accent1"/>
+          </a:lnRef>
+          <a:fillRef idx="0">
+            <a:schemeClr val="accent1"/>
+          </a:fillRef>
+          <a:effectRef idx="0">
+            <a:schemeClr val="accent1"/>
+          </a:effectRef>
+          <a:fontRef idx="minor">
+            <a:schemeClr val="tx1"/>
+          </a:fontRef>
+        </p:style>
+      </p:cxnSp>
+      <p:cxnSp>
+        <p:nvCxnSpPr>
+          <p:cNvPr id="56" name="连接符: 肘形 55">
+            <a:extLst>
+              <a:ext uri="{FF2B5EF4-FFF2-40B4-BE49-F238E27FC236}">
+                <a16:creationId xmlns:a16="http://schemas.microsoft.com/office/drawing/2014/main" id="{57F9F954-A1D8-9A79-F3ED-BD312B9031E7}"/>
+              </a:ext>
+            </a:extLst>
+          </p:cNvPr>
+          <p:cNvCxnSpPr>
+            <a:cxnSpLocks/>
+          </p:cNvCxnSpPr>
+          <p:nvPr/>
+        </p:nvCxnSpPr>
+        <p:spPr>
+          <a:xfrm>
+            <a:off x="5531645" y="3430406"/>
+            <a:ext cx="763177" cy="590140"/>
+          </a:xfrm>
+          <a:prstGeom prst="bentConnector3">
+            <a:avLst>
+              <a:gd name="adj1" fmla="val 50000"/>
+            </a:avLst>
+          </a:prstGeom>
+          <a:ln w="53975">
+            <a:tailEnd type="triangle"/>
+          </a:ln>
+        </p:spPr>
+        <p:style>
+          <a:lnRef idx="1">
+            <a:schemeClr val="accent1"/>
+          </a:lnRef>
+          <a:fillRef idx="0">
+            <a:schemeClr val="accent1"/>
+          </a:fillRef>
+          <a:effectRef idx="0">
+            <a:schemeClr val="accent1"/>
+          </a:effectRef>
+          <a:fontRef idx="minor">
+            <a:schemeClr val="tx1"/>
+          </a:fontRef>
+        </p:style>
+      </p:cxnSp>
+      <p:cxnSp>
+        <p:nvCxnSpPr>
+          <p:cNvPr id="57" name="连接符: 肘形 56">
+            <a:extLst>
+              <a:ext uri="{FF2B5EF4-FFF2-40B4-BE49-F238E27FC236}">
+                <a16:creationId xmlns:a16="http://schemas.microsoft.com/office/drawing/2014/main" id="{69B37F02-B6DF-3079-E988-DFAEC8F2B29E}"/>
+              </a:ext>
+            </a:extLst>
+          </p:cNvPr>
+          <p:cNvCxnSpPr>
+            <a:cxnSpLocks/>
+          </p:cNvCxnSpPr>
+          <p:nvPr/>
+        </p:nvCxnSpPr>
+        <p:spPr>
+          <a:xfrm>
+            <a:off x="8273129" y="3428696"/>
+            <a:ext cx="763177" cy="590140"/>
+          </a:xfrm>
+          <a:prstGeom prst="bentConnector3">
+            <a:avLst>
+              <a:gd name="adj1" fmla="val 50000"/>
+            </a:avLst>
+          </a:prstGeom>
+          <a:ln w="53975">
+            <a:tailEnd type="triangle"/>
+          </a:ln>
+        </p:spPr>
+        <p:style>
+          <a:lnRef idx="1">
+            <a:schemeClr val="accent1"/>
+          </a:lnRef>
+          <a:fillRef idx="0">
+            <a:schemeClr val="accent1"/>
+          </a:fillRef>
+          <a:effectRef idx="0">
+            <a:schemeClr val="accent1"/>
+          </a:effectRef>
+          <a:fontRef idx="minor">
+            <a:schemeClr val="tx1"/>
+          </a:fontRef>
+        </p:style>
+      </p:cxnSp>
+      <p:sp>
+        <p:nvSpPr>
+          <p:cNvPr id="59" name="文本框 58">
+            <a:extLst>
+              <a:ext uri="{FF2B5EF4-FFF2-40B4-BE49-F238E27FC236}">
+                <a16:creationId xmlns:a16="http://schemas.microsoft.com/office/drawing/2014/main" id="{61EA4447-5C5C-F1A0-4594-4664B9C02180}"/>
+              </a:ext>
+            </a:extLst>
+          </p:cNvPr>
+          <p:cNvSpPr txBox="1"/>
+          <p:nvPr/>
+        </p:nvSpPr>
+        <p:spPr>
+          <a:xfrm>
+            <a:off x="8179491" y="2847137"/>
+            <a:ext cx="708917" cy="369332"/>
+          </a:xfrm>
+          <a:prstGeom prst="rect">
+            <a:avLst/>
+          </a:prstGeom>
+          <a:noFill/>
+        </p:spPr>
+        <p:txBody>
+          <a:bodyPr wrap="square" rtlCol="0">
+            <a:spAutoFit/>
+          </a:bodyPr>
+          <a:lstStyle/>
+          <a:p>
             <a:r>
               <a:rPr lang="zh-CN" altLang="en-US" dirty="0"/>
-              <a:t>自动生成和解析定长文件</a:t>
-            </a:r>
-            <a:r>
-              <a:rPr lang="zh-CN" altLang="en-US" sz="2400" dirty="0"/>
-              <a:t>）</a:t>
-            </a:r>
-            <a:endParaRPr lang="en-US" altLang="zh-CN" sz="2400" dirty="0"/>
-          </a:p>
-          <a:p>
-            <a:pPr marL="342900" indent="-342900">
-              <a:buFont typeface="Wingdings" panose="05000000000000000000" pitchFamily="2" charset="2"/>
-              <a:buChar char="ü"/>
-            </a:pPr>
-            <a:r>
-              <a:rPr lang="zh-CN" altLang="en-US" sz="2400" dirty="0"/>
-              <a:t>批处理任务模型（</a:t>
-            </a:r>
-            <a:r>
-              <a:rPr lang="zh-CN" altLang="en-US" dirty="0"/>
-              <a:t>编配分布式批处理任务</a:t>
-            </a:r>
-            <a:r>
-              <a:rPr lang="zh-CN" altLang="en-US" sz="2400" dirty="0"/>
-              <a:t>）</a:t>
-            </a:r>
-            <a:endParaRPr lang="en-US" altLang="zh-CN" sz="2400" dirty="0"/>
-          </a:p>
-          <a:p>
-            <a:pPr marL="342900" indent="-342900">
-              <a:buFont typeface="Wingdings" panose="05000000000000000000" pitchFamily="2" charset="2"/>
-              <a:buChar char="ü"/>
-            </a:pPr>
-            <a:r>
-              <a:rPr lang="zh-CN" altLang="en-US" sz="2400" dirty="0"/>
-              <a:t>业务规则模型和数据有效性校验模型</a:t>
-            </a:r>
-            <a:endParaRPr lang="en-US" altLang="zh-CN" sz="2400" dirty="0"/>
-          </a:p>
-          <a:p>
-            <a:pPr marL="342900" indent="-342900">
-              <a:buFont typeface="Wingdings" panose="05000000000000000000" pitchFamily="2" charset="2"/>
-              <a:buChar char="ü"/>
-            </a:pPr>
-            <a:r>
-              <a:rPr lang="zh-CN" altLang="en-US" sz="2400" dirty="0"/>
-              <a:t>业务处理流程模型</a:t>
-            </a:r>
-            <a:endParaRPr lang="en-US" altLang="zh-CN" sz="2400" dirty="0"/>
-          </a:p>
-          <a:p>
-            <a:pPr marL="342900" indent="-342900">
-              <a:buFont typeface="Wingdings" panose="05000000000000000000" pitchFamily="2" charset="2"/>
-              <a:buChar char="ü"/>
-            </a:pPr>
-            <a:r>
-              <a:rPr lang="zh-CN" altLang="en-US" sz="2400" dirty="0"/>
-              <a:t>压力测试数据模型（</a:t>
-            </a:r>
-            <a:r>
-              <a:rPr lang="zh-CN" altLang="en-US" dirty="0"/>
-              <a:t>自动生成具有指定分布的测试数据</a:t>
-            </a:r>
-            <a:r>
-              <a:rPr lang="zh-CN" altLang="en-US" sz="2400" dirty="0"/>
-              <a:t>）</a:t>
-            </a:r>
-            <a:endParaRPr lang="en-US" altLang="zh-CN" sz="2400" dirty="0"/>
-          </a:p>
-          <a:p>
-            <a:pPr marL="342900" indent="-342900">
-              <a:buFont typeface="Wingdings" panose="05000000000000000000" pitchFamily="2" charset="2"/>
-              <a:buChar char="ü"/>
-            </a:pPr>
-            <a:r>
-              <a:rPr lang="zh-CN" altLang="en-US" sz="2400" dirty="0"/>
-              <a:t>前端页面模型</a:t>
-            </a:r>
-            <a:endParaRPr lang="en-US" altLang="zh-CN" sz="2400" dirty="0"/>
-          </a:p>
-          <a:p>
-            <a:pPr marL="342900" indent="-342900">
-              <a:buFont typeface="Wingdings" panose="05000000000000000000" pitchFamily="2" charset="2"/>
-              <a:buChar char="ü"/>
-            </a:pPr>
-            <a:r>
-              <a:rPr lang="zh-CN" altLang="en-US" sz="2400" dirty="0"/>
-              <a:t>报表模型</a:t>
-            </a:r>
-            <a:endParaRPr lang="en-US" altLang="zh-CN" sz="2400" dirty="0"/>
-          </a:p>
-          <a:p>
-            <a:endParaRPr lang="zh-CN" altLang="en-US" dirty="0"/>
+              <a:t>生成</a:t>
+            </a:r>
           </a:p>
         </p:txBody>
       </p:sp>
     </p:spTree>
     <p:extLst>
       <p:ext uri="{BB962C8B-B14F-4D97-AF65-F5344CB8AC3E}">
-        <p14:creationId xmlns:p14="http://schemas.microsoft.com/office/powerpoint/2010/main" val="1461263850"/>
+        <p14:creationId xmlns:p14="http://schemas.microsoft.com/office/powerpoint/2010/main" val="138928013"/>
       </p:ext>
     </p:extLst>
   </p:cSld>

--- a/docs/ppt/nop-platform.pptx
+++ b/docs/ppt/nop-platform.pptx
@@ -11,13 +11,14 @@
     <p:sldId id="281" r:id="rId5"/>
     <p:sldId id="288" r:id="rId6"/>
     <p:sldId id="289" r:id="rId7"/>
-    <p:sldId id="259" r:id="rId8"/>
-    <p:sldId id="260" r:id="rId9"/>
-    <p:sldId id="263" r:id="rId10"/>
-    <p:sldId id="269" r:id="rId11"/>
-    <p:sldId id="282" r:id="rId12"/>
-    <p:sldId id="285" r:id="rId13"/>
-    <p:sldId id="287" r:id="rId14"/>
+    <p:sldId id="290" r:id="rId8"/>
+    <p:sldId id="259" r:id="rId9"/>
+    <p:sldId id="260" r:id="rId10"/>
+    <p:sldId id="263" r:id="rId11"/>
+    <p:sldId id="269" r:id="rId12"/>
+    <p:sldId id="282" r:id="rId13"/>
+    <p:sldId id="285" r:id="rId14"/>
+    <p:sldId id="287" r:id="rId15"/>
   </p:sldIdLst>
   <p:sldSz cx="12192000" cy="6858000"/>
   <p:notesSz cx="6858000" cy="9144000"/>
@@ -283,7 +284,7 @@
           <a:p>
             <a:fld id="{781BEADB-AF5A-4392-865E-B1E711821C65}" type="datetimeFigureOut">
               <a:rPr lang="zh-CN" altLang="en-US" smtClean="0"/>
-              <a:t>2023/3/18</a:t>
+              <a:t>2023/4/2</a:t>
             </a:fld>
             <a:endParaRPr lang="zh-CN" altLang="en-US"/>
           </a:p>
@@ -481,7 +482,7 @@
           <a:p>
             <a:fld id="{781BEADB-AF5A-4392-865E-B1E711821C65}" type="datetimeFigureOut">
               <a:rPr lang="zh-CN" altLang="en-US" smtClean="0"/>
-              <a:t>2023/3/18</a:t>
+              <a:t>2023/4/2</a:t>
             </a:fld>
             <a:endParaRPr lang="zh-CN" altLang="en-US"/>
           </a:p>
@@ -689,7 +690,7 @@
           <a:p>
             <a:fld id="{781BEADB-AF5A-4392-865E-B1E711821C65}" type="datetimeFigureOut">
               <a:rPr lang="zh-CN" altLang="en-US" smtClean="0"/>
-              <a:t>2023/3/18</a:t>
+              <a:t>2023/4/2</a:t>
             </a:fld>
             <a:endParaRPr lang="zh-CN" altLang="en-US"/>
           </a:p>
@@ -887,7 +888,7 @@
           <a:p>
             <a:fld id="{781BEADB-AF5A-4392-865E-B1E711821C65}" type="datetimeFigureOut">
               <a:rPr lang="zh-CN" altLang="en-US" smtClean="0"/>
-              <a:t>2023/3/18</a:t>
+              <a:t>2023/4/2</a:t>
             </a:fld>
             <a:endParaRPr lang="zh-CN" altLang="en-US"/>
           </a:p>
@@ -1162,7 +1163,7 @@
           <a:p>
             <a:fld id="{781BEADB-AF5A-4392-865E-B1E711821C65}" type="datetimeFigureOut">
               <a:rPr lang="zh-CN" altLang="en-US" smtClean="0"/>
-              <a:t>2023/3/18</a:t>
+              <a:t>2023/4/2</a:t>
             </a:fld>
             <a:endParaRPr lang="zh-CN" altLang="en-US"/>
           </a:p>
@@ -1427,7 +1428,7 @@
           <a:p>
             <a:fld id="{781BEADB-AF5A-4392-865E-B1E711821C65}" type="datetimeFigureOut">
               <a:rPr lang="zh-CN" altLang="en-US" smtClean="0"/>
-              <a:t>2023/3/18</a:t>
+              <a:t>2023/4/2</a:t>
             </a:fld>
             <a:endParaRPr lang="zh-CN" altLang="en-US"/>
           </a:p>
@@ -1839,7 +1840,7 @@
           <a:p>
             <a:fld id="{781BEADB-AF5A-4392-865E-B1E711821C65}" type="datetimeFigureOut">
               <a:rPr lang="zh-CN" altLang="en-US" smtClean="0"/>
-              <a:t>2023/3/18</a:t>
+              <a:t>2023/4/2</a:t>
             </a:fld>
             <a:endParaRPr lang="zh-CN" altLang="en-US"/>
           </a:p>
@@ -1980,7 +1981,7 @@
           <a:p>
             <a:fld id="{781BEADB-AF5A-4392-865E-B1E711821C65}" type="datetimeFigureOut">
               <a:rPr lang="zh-CN" altLang="en-US" smtClean="0"/>
-              <a:t>2023/3/18</a:t>
+              <a:t>2023/4/2</a:t>
             </a:fld>
             <a:endParaRPr lang="zh-CN" altLang="en-US"/>
           </a:p>
@@ -2093,7 +2094,7 @@
           <a:p>
             <a:fld id="{781BEADB-AF5A-4392-865E-B1E711821C65}" type="datetimeFigureOut">
               <a:rPr lang="zh-CN" altLang="en-US" smtClean="0"/>
-              <a:t>2023/3/18</a:t>
+              <a:t>2023/4/2</a:t>
             </a:fld>
             <a:endParaRPr lang="zh-CN" altLang="en-US"/>
           </a:p>
@@ -2404,7 +2405,7 @@
           <a:p>
             <a:fld id="{781BEADB-AF5A-4392-865E-B1E711821C65}" type="datetimeFigureOut">
               <a:rPr lang="zh-CN" altLang="en-US" smtClean="0"/>
-              <a:t>2023/3/18</a:t>
+              <a:t>2023/4/2</a:t>
             </a:fld>
             <a:endParaRPr lang="zh-CN" altLang="en-US"/>
           </a:p>
@@ -2692,7 +2693,7 @@
           <a:p>
             <a:fld id="{781BEADB-AF5A-4392-865E-B1E711821C65}" type="datetimeFigureOut">
               <a:rPr lang="zh-CN" altLang="en-US" smtClean="0"/>
-              <a:t>2023/3/18</a:t>
+              <a:t>2023/4/2</a:t>
             </a:fld>
             <a:endParaRPr lang="zh-CN" altLang="en-US"/>
           </a:p>
@@ -2933,7 +2934,7 @@
           <a:p>
             <a:fld id="{781BEADB-AF5A-4392-865E-B1E711821C65}" type="datetimeFigureOut">
               <a:rPr lang="zh-CN" altLang="en-US" smtClean="0"/>
-              <a:t>2023/3/18</a:t>
+              <a:t>2023/4/2</a:t>
             </a:fld>
             <a:endParaRPr lang="zh-CN" altLang="en-US"/>
           </a:p>
@@ -3599,42 +3600,276 @@
           <a:chExt cx="0" cy="0"/>
         </a:xfrm>
       </p:grpSpPr>
-      <p:pic>
-        <p:nvPicPr>
-          <p:cNvPr id="3" name="图片 2">
-            <a:extLst>
-              <a:ext uri="{FF2B5EF4-FFF2-40B4-BE49-F238E27FC236}">
-                <a16:creationId xmlns:a16="http://schemas.microsoft.com/office/drawing/2014/main" id="{AC87EDDB-1E43-486E-03E5-6E6C0523EFB0}"/>
-              </a:ext>
-            </a:extLst>
-          </p:cNvPr>
-          <p:cNvPicPr>
-            <a:picLocks noChangeAspect="1"/>
-          </p:cNvPicPr>
+      <p:sp>
+        <p:nvSpPr>
+          <p:cNvPr id="4" name="矩形 3">
+            <a:extLst>
+              <a:ext uri="{FF2B5EF4-FFF2-40B4-BE49-F238E27FC236}">
+                <a16:creationId xmlns:a16="http://schemas.microsoft.com/office/drawing/2014/main" id="{82624254-68F0-2252-7C78-0D7D3F200AEA}"/>
+              </a:ext>
+            </a:extLst>
+          </p:cNvPr>
+          <p:cNvSpPr/>
           <p:nvPr/>
-        </p:nvPicPr>
-        <p:blipFill>
-          <a:blip r:embed="rId2"/>
-          <a:stretch>
-            <a:fillRect/>
-          </a:stretch>
-        </p:blipFill>
+        </p:nvSpPr>
         <p:spPr>
           <a:xfrm>
-            <a:off x="1547130" y="506189"/>
-            <a:ext cx="8726076" cy="6328222"/>
+            <a:off x="1118773" y="3680866"/>
+            <a:ext cx="1661602" cy="751537"/>
           </a:xfrm>
           <a:prstGeom prst="rect">
             <a:avLst/>
           </a:prstGeom>
         </p:spPr>
-      </p:pic>
-      <p:sp>
-        <p:nvSpPr>
-          <p:cNvPr id="8" name="文本框 7">
-            <a:extLst>
-              <a:ext uri="{FF2B5EF4-FFF2-40B4-BE49-F238E27FC236}">
-                <a16:creationId xmlns:a16="http://schemas.microsoft.com/office/drawing/2014/main" id="{DFB1FE9B-8B28-28F7-2F2F-187EBC612C0D}"/>
+        <p:style>
+          <a:lnRef idx="2">
+            <a:schemeClr val="accent1">
+              <a:shade val="50000"/>
+            </a:schemeClr>
+          </a:lnRef>
+          <a:fillRef idx="1">
+            <a:schemeClr val="accent1"/>
+          </a:fillRef>
+          <a:effectRef idx="0">
+            <a:schemeClr val="accent1"/>
+          </a:effectRef>
+          <a:fontRef idx="minor">
+            <a:schemeClr val="lt1"/>
+          </a:fontRef>
+        </p:style>
+        <p:txBody>
+          <a:bodyPr rtlCol="0" anchor="ctr"/>
+          <a:lstStyle/>
+          <a:p>
+            <a:pPr algn="ctr"/>
+            <a:r>
+              <a:rPr lang="en-US" altLang="zh-CN" dirty="0"/>
+              <a:t>_XORM</a:t>
+            </a:r>
+            <a:endParaRPr lang="zh-CN" altLang="en-US" dirty="0"/>
+          </a:p>
+        </p:txBody>
+      </p:sp>
+      <p:sp>
+        <p:nvSpPr>
+          <p:cNvPr id="5" name="矩形 4">
+            <a:extLst>
+              <a:ext uri="{FF2B5EF4-FFF2-40B4-BE49-F238E27FC236}">
+                <a16:creationId xmlns:a16="http://schemas.microsoft.com/office/drawing/2014/main" id="{CE1A4767-FE4D-56D1-40B2-262D4B5896C7}"/>
+              </a:ext>
+            </a:extLst>
+          </p:cNvPr>
+          <p:cNvSpPr/>
+          <p:nvPr/>
+        </p:nvSpPr>
+        <p:spPr>
+          <a:xfrm>
+            <a:off x="1118773" y="2953653"/>
+            <a:ext cx="1661602" cy="751537"/>
+          </a:xfrm>
+          <a:prstGeom prst="rect">
+            <a:avLst/>
+          </a:prstGeom>
+        </p:spPr>
+        <p:style>
+          <a:lnRef idx="2">
+            <a:schemeClr val="accent1">
+              <a:shade val="50000"/>
+            </a:schemeClr>
+          </a:lnRef>
+          <a:fillRef idx="1">
+            <a:schemeClr val="accent1"/>
+          </a:fillRef>
+          <a:effectRef idx="0">
+            <a:schemeClr val="accent1"/>
+          </a:effectRef>
+          <a:fontRef idx="minor">
+            <a:schemeClr val="lt1"/>
+          </a:fontRef>
+        </p:style>
+        <p:txBody>
+          <a:bodyPr rtlCol="0" anchor="ctr"/>
+          <a:lstStyle/>
+          <a:p>
+            <a:pPr algn="ctr"/>
+            <a:r>
+              <a:rPr lang="en-US" altLang="zh-CN" dirty="0"/>
+              <a:t>XORM</a:t>
+            </a:r>
+            <a:endParaRPr lang="zh-CN" altLang="en-US" dirty="0"/>
+          </a:p>
+        </p:txBody>
+      </p:sp>
+      <p:sp>
+        <p:nvSpPr>
+          <p:cNvPr id="12" name="矩形 11">
+            <a:extLst>
+              <a:ext uri="{FF2B5EF4-FFF2-40B4-BE49-F238E27FC236}">
+                <a16:creationId xmlns:a16="http://schemas.microsoft.com/office/drawing/2014/main" id="{D596708B-FC6D-BF5E-34FA-D9730BE8E7E6}"/>
+              </a:ext>
+            </a:extLst>
+          </p:cNvPr>
+          <p:cNvSpPr/>
+          <p:nvPr/>
+        </p:nvSpPr>
+        <p:spPr>
+          <a:xfrm>
+            <a:off x="3743005" y="3692778"/>
+            <a:ext cx="1661602" cy="751537"/>
+          </a:xfrm>
+          <a:prstGeom prst="rect">
+            <a:avLst/>
+          </a:prstGeom>
+        </p:spPr>
+        <p:style>
+          <a:lnRef idx="2">
+            <a:schemeClr val="accent1">
+              <a:shade val="50000"/>
+            </a:schemeClr>
+          </a:lnRef>
+          <a:fillRef idx="1">
+            <a:schemeClr val="accent1"/>
+          </a:fillRef>
+          <a:effectRef idx="0">
+            <a:schemeClr val="accent1"/>
+          </a:effectRef>
+          <a:fontRef idx="minor">
+            <a:schemeClr val="lt1"/>
+          </a:fontRef>
+        </p:style>
+        <p:txBody>
+          <a:bodyPr rtlCol="0" anchor="ctr"/>
+          <a:lstStyle/>
+          <a:p>
+            <a:pPr algn="ctr"/>
+            <a:r>
+              <a:rPr lang="en-US" altLang="zh-CN" dirty="0"/>
+              <a:t>_</a:t>
+            </a:r>
+            <a:r>
+              <a:rPr lang="en-US" altLang="zh-CN" dirty="0" err="1"/>
+              <a:t>XMeta</a:t>
+            </a:r>
+            <a:endParaRPr lang="zh-CN" altLang="en-US" dirty="0"/>
+          </a:p>
+        </p:txBody>
+      </p:sp>
+      <p:sp>
+        <p:nvSpPr>
+          <p:cNvPr id="14" name="矩形 13">
+            <a:extLst>
+              <a:ext uri="{FF2B5EF4-FFF2-40B4-BE49-F238E27FC236}">
+                <a16:creationId xmlns:a16="http://schemas.microsoft.com/office/drawing/2014/main" id="{4EAEFFBD-C790-40AB-8120-0ED2F6F3E3AA}"/>
+              </a:ext>
+            </a:extLst>
+          </p:cNvPr>
+          <p:cNvSpPr/>
+          <p:nvPr/>
+        </p:nvSpPr>
+        <p:spPr>
+          <a:xfrm>
+            <a:off x="6455593" y="3705358"/>
+            <a:ext cx="1661602" cy="751537"/>
+          </a:xfrm>
+          <a:prstGeom prst="rect">
+            <a:avLst/>
+          </a:prstGeom>
+          <a:solidFill>
+            <a:srgbClr val="C00000"/>
+          </a:solidFill>
+        </p:spPr>
+        <p:style>
+          <a:lnRef idx="2">
+            <a:schemeClr val="accent1">
+              <a:shade val="50000"/>
+            </a:schemeClr>
+          </a:lnRef>
+          <a:fillRef idx="1">
+            <a:schemeClr val="accent1"/>
+          </a:fillRef>
+          <a:effectRef idx="0">
+            <a:schemeClr val="accent1"/>
+          </a:effectRef>
+          <a:fontRef idx="minor">
+            <a:schemeClr val="lt1"/>
+          </a:fontRef>
+        </p:style>
+        <p:txBody>
+          <a:bodyPr rtlCol="0" anchor="ctr"/>
+          <a:lstStyle/>
+          <a:p>
+            <a:pPr algn="ctr"/>
+            <a:r>
+              <a:rPr lang="en-US" altLang="zh-CN" dirty="0"/>
+              <a:t>_</a:t>
+            </a:r>
+            <a:r>
+              <a:rPr lang="en-US" altLang="zh-CN" dirty="0" err="1"/>
+              <a:t>XView</a:t>
+            </a:r>
+            <a:endParaRPr lang="zh-CN" altLang="en-US" dirty="0"/>
+          </a:p>
+        </p:txBody>
+      </p:sp>
+      <p:sp>
+        <p:nvSpPr>
+          <p:cNvPr id="19" name="矩形 18">
+            <a:extLst>
+              <a:ext uri="{FF2B5EF4-FFF2-40B4-BE49-F238E27FC236}">
+                <a16:creationId xmlns:a16="http://schemas.microsoft.com/office/drawing/2014/main" id="{1DDE44B1-52E8-98C7-D898-D63D745B0F63}"/>
+              </a:ext>
+            </a:extLst>
+          </p:cNvPr>
+          <p:cNvSpPr/>
+          <p:nvPr/>
+        </p:nvSpPr>
+        <p:spPr>
+          <a:xfrm>
+            <a:off x="9171697" y="2941241"/>
+            <a:ext cx="1661602" cy="751537"/>
+          </a:xfrm>
+          <a:prstGeom prst="rect">
+            <a:avLst/>
+          </a:prstGeom>
+          <a:solidFill>
+            <a:srgbClr val="C00000"/>
+          </a:solidFill>
+        </p:spPr>
+        <p:style>
+          <a:lnRef idx="2">
+            <a:schemeClr val="accent1">
+              <a:shade val="50000"/>
+            </a:schemeClr>
+          </a:lnRef>
+          <a:fillRef idx="1">
+            <a:schemeClr val="accent1"/>
+          </a:fillRef>
+          <a:effectRef idx="0">
+            <a:schemeClr val="accent1"/>
+          </a:effectRef>
+          <a:fontRef idx="minor">
+            <a:schemeClr val="lt1"/>
+          </a:fontRef>
+        </p:style>
+        <p:txBody>
+          <a:bodyPr rtlCol="0" anchor="ctr"/>
+          <a:lstStyle/>
+          <a:p>
+            <a:pPr algn="ctr"/>
+            <a:r>
+              <a:rPr lang="en-US" altLang="zh-CN" dirty="0" err="1"/>
+              <a:t>XPage</a:t>
+            </a:r>
+            <a:endParaRPr lang="zh-CN" altLang="en-US" dirty="0"/>
+          </a:p>
+        </p:txBody>
+      </p:sp>
+      <p:sp>
+        <p:nvSpPr>
+          <p:cNvPr id="49" name="文本框 48">
+            <a:extLst>
+              <a:ext uri="{FF2B5EF4-FFF2-40B4-BE49-F238E27FC236}">
+                <a16:creationId xmlns:a16="http://schemas.microsoft.com/office/drawing/2014/main" id="{C76386B8-0A78-88D0-283F-26AEFDECAB74}"/>
               </a:ext>
             </a:extLst>
           </p:cNvPr>
@@ -3643,8 +3878,8 @@
         </p:nvSpPr>
         <p:spPr>
           <a:xfrm>
-            <a:off x="204105" y="506189"/>
-            <a:ext cx="2669723" cy="579665"/>
+            <a:off x="434689" y="267393"/>
+            <a:ext cx="2380430" cy="523220"/>
           </a:xfrm>
           <a:prstGeom prst="rect">
             <a:avLst/>
@@ -3658,17 +3893,903 @@
           <a:lstStyle/>
           <a:p>
             <a:r>
-              <a:rPr lang="en-US" altLang="zh-CN" sz="3200" b="1" dirty="0" err="1"/>
+              <a:rPr lang="zh-CN" altLang="en-US" sz="2800" b="1" dirty="0"/>
+              <a:t>差量流水线</a:t>
+            </a:r>
+          </a:p>
+        </p:txBody>
+      </p:sp>
+      <p:sp>
+        <p:nvSpPr>
+          <p:cNvPr id="2" name="矩形 1">
+            <a:extLst>
+              <a:ext uri="{FF2B5EF4-FFF2-40B4-BE49-F238E27FC236}">
+                <a16:creationId xmlns:a16="http://schemas.microsoft.com/office/drawing/2014/main" id="{D9D7C2E0-53A0-8A71-7E5A-41DA55453420}"/>
+              </a:ext>
+            </a:extLst>
+          </p:cNvPr>
+          <p:cNvSpPr/>
+          <p:nvPr/>
+        </p:nvSpPr>
+        <p:spPr>
+          <a:xfrm>
+            <a:off x="3739489" y="2941242"/>
+            <a:ext cx="1661602" cy="751537"/>
+          </a:xfrm>
+          <a:prstGeom prst="rect">
+            <a:avLst/>
+          </a:prstGeom>
+        </p:spPr>
+        <p:style>
+          <a:lnRef idx="2">
+            <a:schemeClr val="accent1">
+              <a:shade val="50000"/>
+            </a:schemeClr>
+          </a:lnRef>
+          <a:fillRef idx="1">
+            <a:schemeClr val="accent1"/>
+          </a:fillRef>
+          <a:effectRef idx="0">
+            <a:schemeClr val="accent1"/>
+          </a:effectRef>
+          <a:fontRef idx="minor">
+            <a:schemeClr val="lt1"/>
+          </a:fontRef>
+        </p:style>
+        <p:txBody>
+          <a:bodyPr rtlCol="0" anchor="ctr"/>
+          <a:lstStyle/>
+          <a:p>
+            <a:pPr algn="ctr"/>
+            <a:r>
+              <a:rPr lang="en-US" altLang="zh-CN" dirty="0" err="1"/>
+              <a:t>XMeta</a:t>
+            </a:r>
+            <a:endParaRPr lang="zh-CN" altLang="en-US" dirty="0"/>
+          </a:p>
+        </p:txBody>
+      </p:sp>
+      <p:sp>
+        <p:nvSpPr>
+          <p:cNvPr id="11" name="矩形 10">
+            <a:extLst>
+              <a:ext uri="{FF2B5EF4-FFF2-40B4-BE49-F238E27FC236}">
+                <a16:creationId xmlns:a16="http://schemas.microsoft.com/office/drawing/2014/main" id="{656E952D-7207-7257-2CE4-D3885B5052C3}"/>
+              </a:ext>
+            </a:extLst>
+          </p:cNvPr>
+          <p:cNvSpPr/>
+          <p:nvPr/>
+        </p:nvSpPr>
+        <p:spPr>
+          <a:xfrm>
+            <a:off x="6455593" y="2953653"/>
+            <a:ext cx="1661602" cy="751537"/>
+          </a:xfrm>
+          <a:prstGeom prst="rect">
+            <a:avLst/>
+          </a:prstGeom>
+          <a:solidFill>
+            <a:srgbClr val="C00000"/>
+          </a:solidFill>
+        </p:spPr>
+        <p:style>
+          <a:lnRef idx="2">
+            <a:schemeClr val="accent1">
+              <a:shade val="50000"/>
+            </a:schemeClr>
+          </a:lnRef>
+          <a:fillRef idx="1">
+            <a:schemeClr val="accent1"/>
+          </a:fillRef>
+          <a:effectRef idx="0">
+            <a:schemeClr val="accent1"/>
+          </a:effectRef>
+          <a:fontRef idx="minor">
+            <a:schemeClr val="lt1"/>
+          </a:fontRef>
+        </p:style>
+        <p:txBody>
+          <a:bodyPr rtlCol="0" anchor="ctr"/>
+          <a:lstStyle/>
+          <a:p>
+            <a:pPr algn="ctr"/>
+            <a:r>
+              <a:rPr lang="en-US" altLang="zh-CN" dirty="0" err="1"/>
+              <a:t>XView</a:t>
+            </a:r>
+            <a:endParaRPr lang="en-US" altLang="zh-CN" dirty="0"/>
+          </a:p>
+        </p:txBody>
+      </p:sp>
+      <p:sp>
+        <p:nvSpPr>
+          <p:cNvPr id="22" name="矩形 21">
+            <a:extLst>
+              <a:ext uri="{FF2B5EF4-FFF2-40B4-BE49-F238E27FC236}">
+                <a16:creationId xmlns:a16="http://schemas.microsoft.com/office/drawing/2014/main" id="{CA4418D9-C431-D727-C854-E7CFD25EAA57}"/>
+              </a:ext>
+            </a:extLst>
+          </p:cNvPr>
+          <p:cNvSpPr/>
+          <p:nvPr/>
+        </p:nvSpPr>
+        <p:spPr>
+          <a:xfrm>
+            <a:off x="9170477" y="3691632"/>
+            <a:ext cx="1661602" cy="751537"/>
+          </a:xfrm>
+          <a:prstGeom prst="rect">
+            <a:avLst/>
+          </a:prstGeom>
+          <a:solidFill>
+            <a:srgbClr val="C00000"/>
+          </a:solidFill>
+        </p:spPr>
+        <p:style>
+          <a:lnRef idx="2">
+            <a:schemeClr val="accent1">
+              <a:shade val="50000"/>
+            </a:schemeClr>
+          </a:lnRef>
+          <a:fillRef idx="1">
+            <a:schemeClr val="accent1"/>
+          </a:fillRef>
+          <a:effectRef idx="0">
+            <a:schemeClr val="accent1"/>
+          </a:effectRef>
+          <a:fontRef idx="minor">
+            <a:schemeClr val="lt1"/>
+          </a:fontRef>
+        </p:style>
+        <p:txBody>
+          <a:bodyPr rtlCol="0" anchor="ctr"/>
+          <a:lstStyle/>
+          <a:p>
+            <a:pPr algn="ctr"/>
+            <a:r>
+              <a:rPr lang="en-US" altLang="zh-CN" dirty="0"/>
+              <a:t>_</a:t>
+            </a:r>
+            <a:r>
+              <a:rPr lang="en-US" altLang="zh-CN" dirty="0" err="1"/>
+              <a:t>XPage</a:t>
+            </a:r>
+            <a:endParaRPr lang="zh-CN" altLang="en-US" dirty="0"/>
+          </a:p>
+        </p:txBody>
+      </p:sp>
+      <p:sp>
+        <p:nvSpPr>
+          <p:cNvPr id="7" name="椭圆 6">
+            <a:extLst>
+              <a:ext uri="{FF2B5EF4-FFF2-40B4-BE49-F238E27FC236}">
+                <a16:creationId xmlns:a16="http://schemas.microsoft.com/office/drawing/2014/main" id="{C8313F1A-B63D-3A10-E8C1-AB28C38E41FE}"/>
+              </a:ext>
+            </a:extLst>
+          </p:cNvPr>
+          <p:cNvSpPr/>
+          <p:nvPr/>
+        </p:nvSpPr>
+        <p:spPr>
+          <a:xfrm>
+            <a:off x="1119759" y="5255029"/>
+            <a:ext cx="1661602" cy="751537"/>
+          </a:xfrm>
+          <a:prstGeom prst="ellipse">
+            <a:avLst/>
+          </a:prstGeom>
+          <a:solidFill>
+            <a:srgbClr val="7030A0"/>
+          </a:solidFill>
+        </p:spPr>
+        <p:style>
+          <a:lnRef idx="2">
+            <a:schemeClr val="accent1">
+              <a:shade val="50000"/>
+            </a:schemeClr>
+          </a:lnRef>
+          <a:fillRef idx="1">
+            <a:schemeClr val="accent1"/>
+          </a:fillRef>
+          <a:effectRef idx="0">
+            <a:schemeClr val="accent1"/>
+          </a:effectRef>
+          <a:fontRef idx="minor">
+            <a:schemeClr val="lt1"/>
+          </a:fontRef>
+        </p:style>
+        <p:txBody>
+          <a:bodyPr rtlCol="0" anchor="ctr"/>
+          <a:lstStyle/>
+          <a:p>
+            <a:pPr algn="ctr"/>
+            <a:r>
+              <a:rPr lang="en-US" altLang="zh-CN" dirty="0"/>
+              <a:t>Excel</a:t>
+            </a:r>
+            <a:endParaRPr lang="zh-CN" altLang="en-US" dirty="0"/>
+          </a:p>
+        </p:txBody>
+      </p:sp>
+      <p:sp>
+        <p:nvSpPr>
+          <p:cNvPr id="8" name="箭头: 右 7">
+            <a:extLst>
+              <a:ext uri="{FF2B5EF4-FFF2-40B4-BE49-F238E27FC236}">
+                <a16:creationId xmlns:a16="http://schemas.microsoft.com/office/drawing/2014/main" id="{5B1CFA59-D8A1-E062-7710-F234E2186247}"/>
+              </a:ext>
+            </a:extLst>
+          </p:cNvPr>
+          <p:cNvSpPr/>
+          <p:nvPr/>
+        </p:nvSpPr>
+        <p:spPr>
+          <a:xfrm rot="16200000">
+            <a:off x="1632536" y="4765617"/>
+            <a:ext cx="529841" cy="202391"/>
+          </a:xfrm>
+          <a:prstGeom prst="rightArrow">
+            <a:avLst/>
+          </a:prstGeom>
+        </p:spPr>
+        <p:style>
+          <a:lnRef idx="2">
+            <a:schemeClr val="accent1">
+              <a:shade val="50000"/>
+            </a:schemeClr>
+          </a:lnRef>
+          <a:fillRef idx="1">
+            <a:schemeClr val="accent1"/>
+          </a:fillRef>
+          <a:effectRef idx="0">
+            <a:schemeClr val="accent1"/>
+          </a:effectRef>
+          <a:fontRef idx="minor">
+            <a:schemeClr val="lt1"/>
+          </a:fontRef>
+        </p:style>
+        <p:txBody>
+          <a:bodyPr rtlCol="0" anchor="ctr"/>
+          <a:lstStyle/>
+          <a:p>
+            <a:pPr algn="ctr"/>
+            <a:endParaRPr lang="zh-CN" altLang="en-US"/>
+          </a:p>
+        </p:txBody>
+      </p:sp>
+      <p:sp>
+        <p:nvSpPr>
+          <p:cNvPr id="15" name="文本框 14">
+            <a:extLst>
+              <a:ext uri="{FF2B5EF4-FFF2-40B4-BE49-F238E27FC236}">
+                <a16:creationId xmlns:a16="http://schemas.microsoft.com/office/drawing/2014/main" id="{AC6C489F-E051-914F-A225-76E8289574A4}"/>
+              </a:ext>
+            </a:extLst>
+          </p:cNvPr>
+          <p:cNvSpPr txBox="1"/>
+          <p:nvPr/>
+        </p:nvSpPr>
+        <p:spPr>
+          <a:xfrm>
+            <a:off x="2049427" y="4677527"/>
+            <a:ext cx="708917" cy="369332"/>
+          </a:xfrm>
+          <a:prstGeom prst="rect">
+            <a:avLst/>
+          </a:prstGeom>
+          <a:noFill/>
+        </p:spPr>
+        <p:txBody>
+          <a:bodyPr wrap="square" rtlCol="0">
+            <a:spAutoFit/>
+          </a:bodyPr>
+          <a:lstStyle/>
+          <a:p>
+            <a:r>
+              <a:rPr lang="zh-CN" altLang="en-US" dirty="0"/>
+              <a:t>生成</a:t>
+            </a:r>
+          </a:p>
+        </p:txBody>
+      </p:sp>
+      <p:sp>
+        <p:nvSpPr>
+          <p:cNvPr id="26" name="椭圆 25">
+            <a:extLst>
+              <a:ext uri="{FF2B5EF4-FFF2-40B4-BE49-F238E27FC236}">
+                <a16:creationId xmlns:a16="http://schemas.microsoft.com/office/drawing/2014/main" id="{FAFE2A35-9FD0-1A68-9CAD-731A094AA618}"/>
+              </a:ext>
+            </a:extLst>
+          </p:cNvPr>
+          <p:cNvSpPr/>
+          <p:nvPr/>
+        </p:nvSpPr>
+        <p:spPr>
+          <a:xfrm>
+            <a:off x="9171697" y="1267187"/>
+            <a:ext cx="1661602" cy="751537"/>
+          </a:xfrm>
+          <a:prstGeom prst="ellipse">
+            <a:avLst/>
+          </a:prstGeom>
+          <a:solidFill>
+            <a:srgbClr val="7030A0"/>
+          </a:solidFill>
+        </p:spPr>
+        <p:style>
+          <a:lnRef idx="2">
+            <a:schemeClr val="accent1">
+              <a:shade val="50000"/>
+            </a:schemeClr>
+          </a:lnRef>
+          <a:fillRef idx="1">
+            <a:schemeClr val="accent1"/>
+          </a:fillRef>
+          <a:effectRef idx="0">
+            <a:schemeClr val="accent1"/>
+          </a:effectRef>
+          <a:fontRef idx="minor">
+            <a:schemeClr val="lt1"/>
+          </a:fontRef>
+        </p:style>
+        <p:txBody>
+          <a:bodyPr rtlCol="0" anchor="ctr"/>
+          <a:lstStyle/>
+          <a:p>
+            <a:pPr algn="ctr"/>
+            <a:r>
+              <a:rPr lang="zh-CN" altLang="en-US" dirty="0"/>
+              <a:t>界面</a:t>
+            </a:r>
+          </a:p>
+        </p:txBody>
+      </p:sp>
+      <p:sp>
+        <p:nvSpPr>
+          <p:cNvPr id="27" name="箭头: 右 26">
+            <a:extLst>
+              <a:ext uri="{FF2B5EF4-FFF2-40B4-BE49-F238E27FC236}">
+                <a16:creationId xmlns:a16="http://schemas.microsoft.com/office/drawing/2014/main" id="{0705D658-343D-D9A0-4C7A-321BC4AEAD24}"/>
+              </a:ext>
+            </a:extLst>
+          </p:cNvPr>
+          <p:cNvSpPr/>
+          <p:nvPr/>
+        </p:nvSpPr>
+        <p:spPr>
+          <a:xfrm rot="16200000">
+            <a:off x="9655636" y="2400626"/>
+            <a:ext cx="588892" cy="184934"/>
+          </a:xfrm>
+          <a:prstGeom prst="rightArrow">
+            <a:avLst>
+              <a:gd name="adj1" fmla="val 62154"/>
+              <a:gd name="adj2" fmla="val 50000"/>
+            </a:avLst>
+          </a:prstGeom>
+        </p:spPr>
+        <p:style>
+          <a:lnRef idx="2">
+            <a:schemeClr val="accent1">
+              <a:shade val="50000"/>
+            </a:schemeClr>
+          </a:lnRef>
+          <a:fillRef idx="1">
+            <a:schemeClr val="accent1"/>
+          </a:fillRef>
+          <a:effectRef idx="0">
+            <a:schemeClr val="accent1"/>
+          </a:effectRef>
+          <a:fontRef idx="minor">
+            <a:schemeClr val="lt1"/>
+          </a:fontRef>
+        </p:style>
+        <p:txBody>
+          <a:bodyPr rtlCol="0" anchor="ctr"/>
+          <a:lstStyle/>
+          <a:p>
+            <a:pPr algn="ctr"/>
+            <a:endParaRPr lang="zh-CN" altLang="en-US"/>
+          </a:p>
+        </p:txBody>
+      </p:sp>
+      <p:sp>
+        <p:nvSpPr>
+          <p:cNvPr id="28" name="文本框 27">
+            <a:extLst>
+              <a:ext uri="{FF2B5EF4-FFF2-40B4-BE49-F238E27FC236}">
+                <a16:creationId xmlns:a16="http://schemas.microsoft.com/office/drawing/2014/main" id="{7CE677EA-6653-B122-5525-0AF100D20D78}"/>
+              </a:ext>
+            </a:extLst>
+          </p:cNvPr>
+          <p:cNvSpPr txBox="1"/>
+          <p:nvPr/>
+        </p:nvSpPr>
+        <p:spPr>
+          <a:xfrm>
+            <a:off x="10128609" y="2303996"/>
+            <a:ext cx="921004" cy="369332"/>
+          </a:xfrm>
+          <a:prstGeom prst="rect">
+            <a:avLst/>
+          </a:prstGeom>
+          <a:noFill/>
+        </p:spPr>
+        <p:txBody>
+          <a:bodyPr wrap="square" rtlCol="0">
+            <a:spAutoFit/>
+          </a:bodyPr>
+          <a:lstStyle/>
+          <a:p>
+            <a:r>
+              <a:rPr lang="en-US" altLang="zh-CN" dirty="0"/>
+              <a:t>Render</a:t>
+            </a:r>
+            <a:endParaRPr lang="zh-CN" altLang="en-US" dirty="0"/>
+          </a:p>
+        </p:txBody>
+      </p:sp>
+      <p:cxnSp>
+        <p:nvCxnSpPr>
+          <p:cNvPr id="42" name="直接连接符 41">
+            <a:extLst>
+              <a:ext uri="{FF2B5EF4-FFF2-40B4-BE49-F238E27FC236}">
+                <a16:creationId xmlns:a16="http://schemas.microsoft.com/office/drawing/2014/main" id="{D50D6AB5-4D89-4BA6-A7E8-F8E26F6D2885}"/>
+              </a:ext>
+            </a:extLst>
+          </p:cNvPr>
+          <p:cNvCxnSpPr>
+            <a:cxnSpLocks/>
+          </p:cNvCxnSpPr>
+          <p:nvPr/>
+        </p:nvCxnSpPr>
+        <p:spPr>
+          <a:xfrm>
+            <a:off x="5900792" y="2749600"/>
+            <a:ext cx="0" cy="4018151"/>
+          </a:xfrm>
+          <a:prstGeom prst="line">
+            <a:avLst/>
+          </a:prstGeom>
+          <a:ln>
+            <a:solidFill>
+              <a:schemeClr val="accent1"/>
+            </a:solidFill>
+            <a:prstDash val="dash"/>
+          </a:ln>
+        </p:spPr>
+        <p:style>
+          <a:lnRef idx="1">
+            <a:schemeClr val="accent1"/>
+          </a:lnRef>
+          <a:fillRef idx="0">
+            <a:schemeClr val="accent1"/>
+          </a:fillRef>
+          <a:effectRef idx="0">
+            <a:schemeClr val="accent1"/>
+          </a:effectRef>
+          <a:fontRef idx="minor">
+            <a:schemeClr val="tx1"/>
+          </a:fontRef>
+        </p:style>
+      </p:cxnSp>
+      <p:sp>
+        <p:nvSpPr>
+          <p:cNvPr id="16" name="文本框 15">
+            <a:extLst>
+              <a:ext uri="{FF2B5EF4-FFF2-40B4-BE49-F238E27FC236}">
+                <a16:creationId xmlns:a16="http://schemas.microsoft.com/office/drawing/2014/main" id="{07128EE0-A808-4AAB-488A-DAAF10473AC0}"/>
+              </a:ext>
+            </a:extLst>
+          </p:cNvPr>
+          <p:cNvSpPr txBox="1"/>
+          <p:nvPr/>
+        </p:nvSpPr>
+        <p:spPr>
+          <a:xfrm>
+            <a:off x="2871297" y="2813342"/>
+            <a:ext cx="708917" cy="369332"/>
+          </a:xfrm>
+          <a:prstGeom prst="rect">
+            <a:avLst/>
+          </a:prstGeom>
+          <a:noFill/>
+        </p:spPr>
+        <p:txBody>
+          <a:bodyPr wrap="square" rtlCol="0">
+            <a:spAutoFit/>
+          </a:bodyPr>
+          <a:lstStyle/>
+          <a:p>
+            <a:r>
+              <a:rPr lang="zh-CN" altLang="en-US" dirty="0"/>
+              <a:t>生成</a:t>
+            </a:r>
+          </a:p>
+        </p:txBody>
+      </p:sp>
+      <p:sp>
+        <p:nvSpPr>
+          <p:cNvPr id="18" name="文本框 17">
+            <a:extLst>
+              <a:ext uri="{FF2B5EF4-FFF2-40B4-BE49-F238E27FC236}">
+                <a16:creationId xmlns:a16="http://schemas.microsoft.com/office/drawing/2014/main" id="{035EADB8-B836-BBCB-4B3A-4AD98E84DCBD}"/>
+              </a:ext>
+            </a:extLst>
+          </p:cNvPr>
+          <p:cNvSpPr txBox="1"/>
+          <p:nvPr/>
+        </p:nvSpPr>
+        <p:spPr>
+          <a:xfrm>
+            <a:off x="5581843" y="2848847"/>
+            <a:ext cx="708917" cy="369332"/>
+          </a:xfrm>
+          <a:prstGeom prst="rect">
+            <a:avLst/>
+          </a:prstGeom>
+          <a:noFill/>
+        </p:spPr>
+        <p:txBody>
+          <a:bodyPr wrap="square" rtlCol="0">
+            <a:spAutoFit/>
+          </a:bodyPr>
+          <a:lstStyle/>
+          <a:p>
+            <a:r>
+              <a:rPr lang="zh-CN" altLang="en-US" dirty="0"/>
+              <a:t>生成</a:t>
+            </a:r>
+          </a:p>
+        </p:txBody>
+      </p:sp>
+      <p:sp>
+        <p:nvSpPr>
+          <p:cNvPr id="21" name="矩形 20">
+            <a:extLst>
+              <a:ext uri="{FF2B5EF4-FFF2-40B4-BE49-F238E27FC236}">
+                <a16:creationId xmlns:a16="http://schemas.microsoft.com/office/drawing/2014/main" id="{53272BCD-B3A7-5DDB-7DF7-DE9D53F7B669}"/>
+              </a:ext>
+            </a:extLst>
+          </p:cNvPr>
+          <p:cNvSpPr/>
+          <p:nvPr/>
+        </p:nvSpPr>
+        <p:spPr>
+          <a:xfrm>
+            <a:off x="3744932" y="1393457"/>
+            <a:ext cx="1661602" cy="751537"/>
+          </a:xfrm>
+          <a:prstGeom prst="rect">
+            <a:avLst/>
+          </a:prstGeom>
+        </p:spPr>
+        <p:style>
+          <a:lnRef idx="2">
+            <a:schemeClr val="accent1">
+              <a:shade val="50000"/>
+            </a:schemeClr>
+          </a:lnRef>
+          <a:fillRef idx="1">
+            <a:schemeClr val="accent1"/>
+          </a:fillRef>
+          <a:effectRef idx="0">
+            <a:schemeClr val="accent1"/>
+          </a:effectRef>
+          <a:fontRef idx="minor">
+            <a:schemeClr val="lt1"/>
+          </a:fontRef>
+        </p:style>
+        <p:txBody>
+          <a:bodyPr rtlCol="0" anchor="ctr"/>
+          <a:lstStyle/>
+          <a:p>
+            <a:pPr algn="ctr"/>
+            <a:r>
+              <a:rPr lang="en-US" altLang="zh-CN" dirty="0" err="1"/>
+              <a:t>GraphQL</a:t>
+            </a:r>
+            <a:endParaRPr lang="zh-CN" altLang="en-US" dirty="0"/>
+          </a:p>
+        </p:txBody>
+      </p:sp>
+      <p:sp>
+        <p:nvSpPr>
+          <p:cNvPr id="36" name="箭头: 上 35">
+            <a:extLst>
+              <a:ext uri="{FF2B5EF4-FFF2-40B4-BE49-F238E27FC236}">
+                <a16:creationId xmlns:a16="http://schemas.microsoft.com/office/drawing/2014/main" id="{AF326EC7-1256-780A-B70E-2888D1738247}"/>
+              </a:ext>
+            </a:extLst>
+          </p:cNvPr>
+          <p:cNvSpPr/>
+          <p:nvPr/>
+        </p:nvSpPr>
+        <p:spPr>
+          <a:xfrm>
+            <a:off x="4436907" y="2299827"/>
+            <a:ext cx="168315" cy="369331"/>
+          </a:xfrm>
+          <a:prstGeom prst="upArrow">
+            <a:avLst/>
+          </a:prstGeom>
+        </p:spPr>
+        <p:style>
+          <a:lnRef idx="2">
+            <a:schemeClr val="accent1">
+              <a:shade val="50000"/>
+            </a:schemeClr>
+          </a:lnRef>
+          <a:fillRef idx="1">
+            <a:schemeClr val="accent1"/>
+          </a:fillRef>
+          <a:effectRef idx="0">
+            <a:schemeClr val="accent1"/>
+          </a:effectRef>
+          <a:fontRef idx="minor">
+            <a:schemeClr val="lt1"/>
+          </a:fontRef>
+        </p:style>
+        <p:txBody>
+          <a:bodyPr rtlCol="0" anchor="ctr"/>
+          <a:lstStyle/>
+          <a:p>
+            <a:pPr algn="ctr"/>
+            <a:endParaRPr lang="zh-CN" altLang="en-US"/>
+          </a:p>
+        </p:txBody>
+      </p:sp>
+      <p:sp>
+        <p:nvSpPr>
+          <p:cNvPr id="37" name="文本框 36">
+            <a:extLst>
+              <a:ext uri="{FF2B5EF4-FFF2-40B4-BE49-F238E27FC236}">
+                <a16:creationId xmlns:a16="http://schemas.microsoft.com/office/drawing/2014/main" id="{0A0BDC57-58BE-9A32-3FB7-E926CFEAEE82}"/>
+              </a:ext>
+            </a:extLst>
+          </p:cNvPr>
+          <p:cNvSpPr txBox="1"/>
+          <p:nvPr/>
+        </p:nvSpPr>
+        <p:spPr>
+          <a:xfrm>
+            <a:off x="4693796" y="2287587"/>
+            <a:ext cx="1220709" cy="369332"/>
+          </a:xfrm>
+          <a:prstGeom prst="rect">
+            <a:avLst/>
+          </a:prstGeom>
+          <a:noFill/>
+        </p:spPr>
+        <p:txBody>
+          <a:bodyPr wrap="square" rtlCol="0">
+            <a:spAutoFit/>
+          </a:bodyPr>
+          <a:lstStyle/>
+          <a:p>
+            <a:r>
+              <a:rPr lang="en-US" altLang="zh-CN" dirty="0" err="1"/>
               <a:t>BizModel</a:t>
             </a:r>
-            <a:endParaRPr lang="zh-CN" altLang="en-US" sz="3200" b="1" dirty="0"/>
+            <a:endParaRPr lang="en-US" altLang="zh-CN" dirty="0"/>
+          </a:p>
+        </p:txBody>
+      </p:sp>
+      <p:sp>
+        <p:nvSpPr>
+          <p:cNvPr id="41" name="加号 40">
+            <a:extLst>
+              <a:ext uri="{FF2B5EF4-FFF2-40B4-BE49-F238E27FC236}">
+                <a16:creationId xmlns:a16="http://schemas.microsoft.com/office/drawing/2014/main" id="{9231E943-E955-B34C-F9CC-CCDADFCEF50E}"/>
+              </a:ext>
+            </a:extLst>
+          </p:cNvPr>
+          <p:cNvSpPr/>
+          <p:nvPr/>
+        </p:nvSpPr>
+        <p:spPr>
+          <a:xfrm>
+            <a:off x="4348332" y="2322000"/>
+            <a:ext cx="345464" cy="369332"/>
+          </a:xfrm>
+          <a:prstGeom prst="mathPlus">
+            <a:avLst/>
+          </a:prstGeom>
+        </p:spPr>
+        <p:style>
+          <a:lnRef idx="2">
+            <a:schemeClr val="accent1">
+              <a:shade val="50000"/>
+            </a:schemeClr>
+          </a:lnRef>
+          <a:fillRef idx="1">
+            <a:schemeClr val="accent1"/>
+          </a:fillRef>
+          <a:effectRef idx="0">
+            <a:schemeClr val="accent1"/>
+          </a:effectRef>
+          <a:fontRef idx="minor">
+            <a:schemeClr val="lt1"/>
+          </a:fontRef>
+        </p:style>
+        <p:txBody>
+          <a:bodyPr rtlCol="0" anchor="ctr"/>
+          <a:lstStyle/>
+          <a:p>
+            <a:pPr algn="ctr"/>
+            <a:endParaRPr lang="zh-CN" altLang="en-US"/>
+          </a:p>
+        </p:txBody>
+      </p:sp>
+      <p:cxnSp>
+        <p:nvCxnSpPr>
+          <p:cNvPr id="50" name="连接符: 肘形 49">
+            <a:extLst>
+              <a:ext uri="{FF2B5EF4-FFF2-40B4-BE49-F238E27FC236}">
+                <a16:creationId xmlns:a16="http://schemas.microsoft.com/office/drawing/2014/main" id="{D53C0396-B1E4-2401-DA0E-CCA76C4CC91E}"/>
+              </a:ext>
+            </a:extLst>
+          </p:cNvPr>
+          <p:cNvCxnSpPr>
+            <a:cxnSpLocks/>
+          </p:cNvCxnSpPr>
+          <p:nvPr/>
+        </p:nvCxnSpPr>
+        <p:spPr>
+          <a:xfrm>
+            <a:off x="2878955" y="3380746"/>
+            <a:ext cx="763177" cy="590140"/>
+          </a:xfrm>
+          <a:prstGeom prst="bentConnector3">
+            <a:avLst>
+              <a:gd name="adj1" fmla="val 50000"/>
+            </a:avLst>
+          </a:prstGeom>
+          <a:ln w="53975">
+            <a:tailEnd type="triangle"/>
+          </a:ln>
+        </p:spPr>
+        <p:style>
+          <a:lnRef idx="1">
+            <a:schemeClr val="accent1"/>
+          </a:lnRef>
+          <a:fillRef idx="0">
+            <a:schemeClr val="accent1"/>
+          </a:fillRef>
+          <a:effectRef idx="0">
+            <a:schemeClr val="accent1"/>
+          </a:effectRef>
+          <a:fontRef idx="minor">
+            <a:schemeClr val="tx1"/>
+          </a:fontRef>
+        </p:style>
+      </p:cxnSp>
+      <p:cxnSp>
+        <p:nvCxnSpPr>
+          <p:cNvPr id="56" name="连接符: 肘形 55">
+            <a:extLst>
+              <a:ext uri="{FF2B5EF4-FFF2-40B4-BE49-F238E27FC236}">
+                <a16:creationId xmlns:a16="http://schemas.microsoft.com/office/drawing/2014/main" id="{57F9F954-A1D8-9A79-F3ED-BD312B9031E7}"/>
+              </a:ext>
+            </a:extLst>
+          </p:cNvPr>
+          <p:cNvCxnSpPr>
+            <a:cxnSpLocks/>
+          </p:cNvCxnSpPr>
+          <p:nvPr/>
+        </p:nvCxnSpPr>
+        <p:spPr>
+          <a:xfrm>
+            <a:off x="5531645" y="3430406"/>
+            <a:ext cx="763177" cy="590140"/>
+          </a:xfrm>
+          <a:prstGeom prst="bentConnector3">
+            <a:avLst>
+              <a:gd name="adj1" fmla="val 50000"/>
+            </a:avLst>
+          </a:prstGeom>
+          <a:ln w="53975">
+            <a:tailEnd type="triangle"/>
+          </a:ln>
+        </p:spPr>
+        <p:style>
+          <a:lnRef idx="1">
+            <a:schemeClr val="accent1"/>
+          </a:lnRef>
+          <a:fillRef idx="0">
+            <a:schemeClr val="accent1"/>
+          </a:fillRef>
+          <a:effectRef idx="0">
+            <a:schemeClr val="accent1"/>
+          </a:effectRef>
+          <a:fontRef idx="minor">
+            <a:schemeClr val="tx1"/>
+          </a:fontRef>
+        </p:style>
+      </p:cxnSp>
+      <p:cxnSp>
+        <p:nvCxnSpPr>
+          <p:cNvPr id="57" name="连接符: 肘形 56">
+            <a:extLst>
+              <a:ext uri="{FF2B5EF4-FFF2-40B4-BE49-F238E27FC236}">
+                <a16:creationId xmlns:a16="http://schemas.microsoft.com/office/drawing/2014/main" id="{69B37F02-B6DF-3079-E988-DFAEC8F2B29E}"/>
+              </a:ext>
+            </a:extLst>
+          </p:cNvPr>
+          <p:cNvCxnSpPr>
+            <a:cxnSpLocks/>
+          </p:cNvCxnSpPr>
+          <p:nvPr/>
+        </p:nvCxnSpPr>
+        <p:spPr>
+          <a:xfrm>
+            <a:off x="8273129" y="3428696"/>
+            <a:ext cx="763177" cy="590140"/>
+          </a:xfrm>
+          <a:prstGeom prst="bentConnector3">
+            <a:avLst>
+              <a:gd name="adj1" fmla="val 50000"/>
+            </a:avLst>
+          </a:prstGeom>
+          <a:ln w="53975">
+            <a:tailEnd type="triangle"/>
+          </a:ln>
+        </p:spPr>
+        <p:style>
+          <a:lnRef idx="1">
+            <a:schemeClr val="accent1"/>
+          </a:lnRef>
+          <a:fillRef idx="0">
+            <a:schemeClr val="accent1"/>
+          </a:fillRef>
+          <a:effectRef idx="0">
+            <a:schemeClr val="accent1"/>
+          </a:effectRef>
+          <a:fontRef idx="minor">
+            <a:schemeClr val="tx1"/>
+          </a:fontRef>
+        </p:style>
+      </p:cxnSp>
+      <p:sp>
+        <p:nvSpPr>
+          <p:cNvPr id="59" name="文本框 58">
+            <a:extLst>
+              <a:ext uri="{FF2B5EF4-FFF2-40B4-BE49-F238E27FC236}">
+                <a16:creationId xmlns:a16="http://schemas.microsoft.com/office/drawing/2014/main" id="{61EA4447-5C5C-F1A0-4594-4664B9C02180}"/>
+              </a:ext>
+            </a:extLst>
+          </p:cNvPr>
+          <p:cNvSpPr txBox="1"/>
+          <p:nvPr/>
+        </p:nvSpPr>
+        <p:spPr>
+          <a:xfrm>
+            <a:off x="8179491" y="2847137"/>
+            <a:ext cx="708917" cy="369332"/>
+          </a:xfrm>
+          <a:prstGeom prst="rect">
+            <a:avLst/>
+          </a:prstGeom>
+          <a:noFill/>
+        </p:spPr>
+        <p:txBody>
+          <a:bodyPr wrap="square" rtlCol="0">
+            <a:spAutoFit/>
+          </a:bodyPr>
+          <a:lstStyle/>
+          <a:p>
+            <a:r>
+              <a:rPr lang="zh-CN" altLang="en-US" dirty="0"/>
+              <a:t>生成</a:t>
+            </a:r>
           </a:p>
         </p:txBody>
       </p:sp>
     </p:spTree>
     <p:extLst>
       <p:ext uri="{BB962C8B-B14F-4D97-AF65-F5344CB8AC3E}">
-        <p14:creationId xmlns:p14="http://schemas.microsoft.com/office/powerpoint/2010/main" val="881827011"/>
+        <p14:creationId xmlns:p14="http://schemas.microsoft.com/office/powerpoint/2010/main" val="138928013"/>
       </p:ext>
     </p:extLst>
   </p:cSld>
@@ -3695,40 +4816,42 @@
           <a:chExt cx="0" cy="0"/>
         </a:xfrm>
       </p:grpSpPr>
-      <p:sp>
-        <p:nvSpPr>
-          <p:cNvPr id="2" name="标题 1">
-            <a:extLst>
-              <a:ext uri="{FF2B5EF4-FFF2-40B4-BE49-F238E27FC236}">
-                <a16:creationId xmlns:a16="http://schemas.microsoft.com/office/drawing/2014/main" id="{7B078A78-F1A6-B200-A327-496477BABCB1}"/>
-              </a:ext>
-            </a:extLst>
-          </p:cNvPr>
-          <p:cNvSpPr>
-            <a:spLocks noGrp="1"/>
-          </p:cNvSpPr>
-          <p:nvPr>
-            <p:ph type="title"/>
-          </p:nvPr>
-        </p:nvSpPr>
-        <p:spPr/>
-        <p:txBody>
-          <a:bodyPr/>
-          <a:lstStyle/>
-          <a:p>
-            <a:r>
-              <a:rPr lang="zh-CN" altLang="en-US" b="1" dirty="0"/>
-              <a:t>在金融科技方面的应用</a:t>
-            </a:r>
-          </a:p>
-        </p:txBody>
-      </p:sp>
-      <p:sp>
-        <p:nvSpPr>
-          <p:cNvPr id="3" name="文本框 2">
-            <a:extLst>
-              <a:ext uri="{FF2B5EF4-FFF2-40B4-BE49-F238E27FC236}">
-                <a16:creationId xmlns:a16="http://schemas.microsoft.com/office/drawing/2014/main" id="{ECE04C1C-1A27-7EF8-F549-0CA12B0352B7}"/>
+      <p:pic>
+        <p:nvPicPr>
+          <p:cNvPr id="3" name="图片 2">
+            <a:extLst>
+              <a:ext uri="{FF2B5EF4-FFF2-40B4-BE49-F238E27FC236}">
+                <a16:creationId xmlns:a16="http://schemas.microsoft.com/office/drawing/2014/main" id="{AC87EDDB-1E43-486E-03E5-6E6C0523EFB0}"/>
+              </a:ext>
+            </a:extLst>
+          </p:cNvPr>
+          <p:cNvPicPr>
+            <a:picLocks noChangeAspect="1"/>
+          </p:cNvPicPr>
+          <p:nvPr/>
+        </p:nvPicPr>
+        <p:blipFill>
+          <a:blip r:embed="rId2"/>
+          <a:stretch>
+            <a:fillRect/>
+          </a:stretch>
+        </p:blipFill>
+        <p:spPr>
+          <a:xfrm>
+            <a:off x="1547130" y="506189"/>
+            <a:ext cx="8726076" cy="6328222"/>
+          </a:xfrm>
+          <a:prstGeom prst="rect">
+            <a:avLst/>
+          </a:prstGeom>
+        </p:spPr>
+      </p:pic>
+      <p:sp>
+        <p:nvSpPr>
+          <p:cNvPr id="8" name="文本框 7">
+            <a:extLst>
+              <a:ext uri="{FF2B5EF4-FFF2-40B4-BE49-F238E27FC236}">
+                <a16:creationId xmlns:a16="http://schemas.microsoft.com/office/drawing/2014/main" id="{DFB1FE9B-8B28-28F7-2F2F-187EBC612C0D}"/>
               </a:ext>
             </a:extLst>
           </p:cNvPr>
@@ -3737,8 +4860,8 @@
         </p:nvSpPr>
         <p:spPr>
           <a:xfrm>
-            <a:off x="930729" y="1828800"/>
-            <a:ext cx="7780564" cy="4062651"/>
+            <a:off x="204105" y="506189"/>
+            <a:ext cx="2669723" cy="579665"/>
           </a:xfrm>
           <a:prstGeom prst="rect">
             <a:avLst/>
@@ -3751,188 +4874,18 @@
           </a:bodyPr>
           <a:lstStyle/>
           <a:p>
-            <a:pPr marL="342900" indent="-342900">
-              <a:buFont typeface="Wingdings" panose="05000000000000000000" pitchFamily="2" charset="2"/>
-              <a:buChar char="ü"/>
-            </a:pPr>
-            <a:r>
-              <a:rPr lang="zh-CN" altLang="en-US" sz="2400" dirty="0"/>
-              <a:t>数据模型（</a:t>
-            </a:r>
-            <a:r>
-              <a:rPr lang="zh-CN" altLang="en-US" dirty="0"/>
-              <a:t>自动生成数据访问层代码和数据库定义</a:t>
-            </a:r>
-            <a:r>
-              <a:rPr lang="zh-CN" altLang="en-US" sz="2400" dirty="0"/>
-              <a:t>）</a:t>
-            </a:r>
-            <a:endParaRPr lang="en-US" altLang="zh-CN" sz="2400" dirty="0"/>
-          </a:p>
-          <a:p>
-            <a:pPr marL="342900" indent="-342900">
-              <a:buFont typeface="Wingdings" panose="05000000000000000000" pitchFamily="2" charset="2"/>
-              <a:buChar char="ü"/>
-            </a:pPr>
-            <a:r>
-              <a:rPr lang="en-US" altLang="zh-CN" sz="2400" dirty="0"/>
-              <a:t>API</a:t>
-            </a:r>
-            <a:r>
-              <a:rPr lang="zh-CN" altLang="en-US" sz="2400" dirty="0"/>
-              <a:t>接口模型（</a:t>
-            </a:r>
-            <a:r>
-              <a:rPr lang="zh-CN" altLang="en-US" dirty="0"/>
-              <a:t>自动生成</a:t>
-            </a:r>
-            <a:r>
-              <a:rPr lang="en-US" altLang="zh-CN" dirty="0"/>
-              <a:t>API</a:t>
-            </a:r>
-            <a:r>
-              <a:rPr lang="zh-CN" altLang="en-US" dirty="0"/>
-              <a:t>接口和缺省实现</a:t>
-            </a:r>
-            <a:r>
-              <a:rPr lang="zh-CN" altLang="en-US" sz="2400" dirty="0"/>
-              <a:t>）</a:t>
-            </a:r>
-            <a:endParaRPr lang="en-US" altLang="zh-CN" sz="2400" dirty="0"/>
-          </a:p>
-          <a:p>
-            <a:pPr marL="342900" indent="-342900">
-              <a:buFont typeface="Wingdings" panose="05000000000000000000" pitchFamily="2" charset="2"/>
-              <a:buChar char="ü"/>
-            </a:pPr>
-            <a:r>
-              <a:rPr lang="en-US" altLang="zh-CN" sz="2400" dirty="0"/>
-              <a:t>TCP</a:t>
-            </a:r>
-            <a:r>
-              <a:rPr lang="zh-CN" altLang="en-US" sz="2400" dirty="0"/>
-              <a:t>网络消息模型（</a:t>
-            </a:r>
-            <a:r>
-              <a:rPr lang="zh-CN" altLang="en-US" dirty="0"/>
-              <a:t>自动解析和生成网络协议包</a:t>
-            </a:r>
-            <a:r>
-              <a:rPr lang="zh-CN" altLang="en-US" sz="2400" dirty="0"/>
-              <a:t>）</a:t>
-            </a:r>
-            <a:endParaRPr lang="en-US" altLang="zh-CN" sz="2400" dirty="0"/>
-          </a:p>
-          <a:p>
-            <a:pPr marL="342900" indent="-342900">
-              <a:buFont typeface="Wingdings" panose="05000000000000000000" pitchFamily="2" charset="2"/>
-              <a:buChar char="ü"/>
-            </a:pPr>
-            <a:r>
-              <a:rPr lang="zh-CN" altLang="en-US" sz="2400" dirty="0"/>
-              <a:t>批处理文件格式模型（</a:t>
-            </a:r>
-            <a:r>
-              <a:rPr lang="zh-CN" altLang="en-US" dirty="0"/>
-              <a:t>自动生成和解析定长文件</a:t>
-            </a:r>
-            <a:r>
-              <a:rPr lang="zh-CN" altLang="en-US" sz="2400" dirty="0"/>
-              <a:t>）</a:t>
-            </a:r>
-            <a:endParaRPr lang="en-US" altLang="zh-CN" sz="2400" dirty="0"/>
-          </a:p>
-          <a:p>
-            <a:pPr marL="342900" indent="-342900">
-              <a:buFont typeface="Wingdings" panose="05000000000000000000" pitchFamily="2" charset="2"/>
-              <a:buChar char="ü"/>
-            </a:pPr>
-            <a:r>
-              <a:rPr lang="zh-CN" altLang="en-US" sz="2400" dirty="0"/>
-              <a:t>批处理任务模型（</a:t>
-            </a:r>
-            <a:r>
-              <a:rPr lang="zh-CN" altLang="en-US" dirty="0"/>
-              <a:t>编配分布式批处理任务</a:t>
-            </a:r>
-            <a:r>
-              <a:rPr lang="zh-CN" altLang="en-US" sz="2400" dirty="0"/>
-              <a:t>）</a:t>
-            </a:r>
-            <a:endParaRPr lang="en-US" altLang="zh-CN" sz="2400" dirty="0"/>
-          </a:p>
-          <a:p>
-            <a:pPr marL="342900" indent="-342900">
-              <a:buFont typeface="Wingdings" panose="05000000000000000000" pitchFamily="2" charset="2"/>
-              <a:buChar char="ü"/>
-            </a:pPr>
-            <a:r>
-              <a:rPr lang="zh-CN" altLang="en-US" sz="2400" dirty="0"/>
-              <a:t>业务规则模型和数据有效性校验模型</a:t>
-            </a:r>
-            <a:endParaRPr lang="en-US" altLang="zh-CN" sz="2400" dirty="0"/>
-          </a:p>
-          <a:p>
-            <a:pPr marL="342900" indent="-342900">
-              <a:buFont typeface="Wingdings" panose="05000000000000000000" pitchFamily="2" charset="2"/>
-              <a:buChar char="ü"/>
-            </a:pPr>
-            <a:r>
-              <a:rPr lang="zh-CN" altLang="en-US" sz="2400" dirty="0"/>
-              <a:t>业务处理流程模型</a:t>
-            </a:r>
-            <a:endParaRPr lang="en-US" altLang="zh-CN" sz="2400" dirty="0"/>
-          </a:p>
-          <a:p>
-            <a:pPr marL="342900" indent="-342900">
-              <a:buFont typeface="Wingdings" panose="05000000000000000000" pitchFamily="2" charset="2"/>
-              <a:buChar char="ü"/>
-            </a:pPr>
-            <a:r>
-              <a:rPr lang="zh-CN" altLang="en-US" sz="2400" dirty="0"/>
-              <a:t>压力测试数据模型（</a:t>
-            </a:r>
-            <a:r>
-              <a:rPr lang="zh-CN" altLang="en-US" dirty="0"/>
-              <a:t>自动生成具有指定分布的测试数据</a:t>
-            </a:r>
-            <a:r>
-              <a:rPr lang="zh-CN" altLang="en-US" sz="2400" dirty="0"/>
-              <a:t>）</a:t>
-            </a:r>
-            <a:endParaRPr lang="en-US" altLang="zh-CN" sz="2400" dirty="0"/>
-          </a:p>
-          <a:p>
-            <a:pPr marL="342900" indent="-342900">
-              <a:buFont typeface="Wingdings" panose="05000000000000000000" pitchFamily="2" charset="2"/>
-              <a:buChar char="ü"/>
-            </a:pPr>
-            <a:r>
-              <a:rPr lang="zh-CN" altLang="en-US" sz="2400" dirty="0"/>
-              <a:t>前端页面模型</a:t>
-            </a:r>
-            <a:endParaRPr lang="en-US" altLang="zh-CN" sz="2400" dirty="0"/>
-          </a:p>
-          <a:p>
-            <a:pPr marL="342900" indent="-342900">
-              <a:buFont typeface="Wingdings" panose="05000000000000000000" pitchFamily="2" charset="2"/>
-              <a:buChar char="ü"/>
-            </a:pPr>
-            <a:r>
-              <a:rPr lang="zh-CN" altLang="en-US" sz="2400" dirty="0"/>
-              <a:t>报表模型</a:t>
-            </a:r>
-            <a:endParaRPr lang="en-US" altLang="zh-CN" sz="2400" dirty="0"/>
-          </a:p>
-          <a:p>
-            <a:endParaRPr lang="zh-CN" altLang="en-US" dirty="0"/>
+            <a:r>
+              <a:rPr lang="en-US" altLang="zh-CN" sz="3200" b="1" dirty="0" err="1"/>
+              <a:t>BizModel</a:t>
+            </a:r>
+            <a:endParaRPr lang="zh-CN" altLang="en-US" sz="3200" b="1" dirty="0"/>
           </a:p>
         </p:txBody>
       </p:sp>
     </p:spTree>
     <p:extLst>
       <p:ext uri="{BB962C8B-B14F-4D97-AF65-F5344CB8AC3E}">
-        <p14:creationId xmlns:p14="http://schemas.microsoft.com/office/powerpoint/2010/main" val="1461263850"/>
+        <p14:creationId xmlns:p14="http://schemas.microsoft.com/office/powerpoint/2010/main" val="881827011"/>
       </p:ext>
     </p:extLst>
   </p:cSld>
@@ -3981,6 +4934,270 @@
           <a:lstStyle/>
           <a:p>
             <a:r>
+              <a:rPr lang="zh-CN" altLang="en-US" b="1" dirty="0"/>
+              <a:t>在金融科技方面的应用</a:t>
+            </a:r>
+          </a:p>
+        </p:txBody>
+      </p:sp>
+      <p:sp>
+        <p:nvSpPr>
+          <p:cNvPr id="3" name="文本框 2">
+            <a:extLst>
+              <a:ext uri="{FF2B5EF4-FFF2-40B4-BE49-F238E27FC236}">
+                <a16:creationId xmlns:a16="http://schemas.microsoft.com/office/drawing/2014/main" id="{ECE04C1C-1A27-7EF8-F549-0CA12B0352B7}"/>
+              </a:ext>
+            </a:extLst>
+          </p:cNvPr>
+          <p:cNvSpPr txBox="1"/>
+          <p:nvPr/>
+        </p:nvSpPr>
+        <p:spPr>
+          <a:xfrm>
+            <a:off x="930729" y="1828800"/>
+            <a:ext cx="7780564" cy="4062651"/>
+          </a:xfrm>
+          <a:prstGeom prst="rect">
+            <a:avLst/>
+          </a:prstGeom>
+          <a:noFill/>
+        </p:spPr>
+        <p:txBody>
+          <a:bodyPr wrap="square" rtlCol="0">
+            <a:spAutoFit/>
+          </a:bodyPr>
+          <a:lstStyle/>
+          <a:p>
+            <a:pPr marL="342900" indent="-342900">
+              <a:buFont typeface="Wingdings" panose="05000000000000000000" pitchFamily="2" charset="2"/>
+              <a:buChar char="ü"/>
+            </a:pPr>
+            <a:r>
+              <a:rPr lang="zh-CN" altLang="en-US" sz="2400" dirty="0"/>
+              <a:t>数据模型（</a:t>
+            </a:r>
+            <a:r>
+              <a:rPr lang="zh-CN" altLang="en-US" dirty="0"/>
+              <a:t>自动生成数据访问层代码和数据库定义</a:t>
+            </a:r>
+            <a:r>
+              <a:rPr lang="zh-CN" altLang="en-US" sz="2400" dirty="0"/>
+              <a:t>）</a:t>
+            </a:r>
+            <a:endParaRPr lang="en-US" altLang="zh-CN" sz="2400" dirty="0"/>
+          </a:p>
+          <a:p>
+            <a:pPr marL="342900" indent="-342900">
+              <a:buFont typeface="Wingdings" panose="05000000000000000000" pitchFamily="2" charset="2"/>
+              <a:buChar char="ü"/>
+            </a:pPr>
+            <a:r>
+              <a:rPr lang="en-US" altLang="zh-CN" sz="2400" dirty="0"/>
+              <a:t>API</a:t>
+            </a:r>
+            <a:r>
+              <a:rPr lang="zh-CN" altLang="en-US" sz="2400" dirty="0"/>
+              <a:t>接口模型（</a:t>
+            </a:r>
+            <a:r>
+              <a:rPr lang="zh-CN" altLang="en-US" dirty="0"/>
+              <a:t>自动生成</a:t>
+            </a:r>
+            <a:r>
+              <a:rPr lang="en-US" altLang="zh-CN" dirty="0"/>
+              <a:t>API</a:t>
+            </a:r>
+            <a:r>
+              <a:rPr lang="zh-CN" altLang="en-US" dirty="0"/>
+              <a:t>接口和缺省实现</a:t>
+            </a:r>
+            <a:r>
+              <a:rPr lang="zh-CN" altLang="en-US" sz="2400" dirty="0"/>
+              <a:t>）</a:t>
+            </a:r>
+            <a:endParaRPr lang="en-US" altLang="zh-CN" sz="2400" dirty="0"/>
+          </a:p>
+          <a:p>
+            <a:pPr marL="342900" indent="-342900">
+              <a:buFont typeface="Wingdings" panose="05000000000000000000" pitchFamily="2" charset="2"/>
+              <a:buChar char="ü"/>
+            </a:pPr>
+            <a:r>
+              <a:rPr lang="en-US" altLang="zh-CN" sz="2400" dirty="0"/>
+              <a:t>TCP</a:t>
+            </a:r>
+            <a:r>
+              <a:rPr lang="zh-CN" altLang="en-US" sz="2400" dirty="0"/>
+              <a:t>网络消息模型（</a:t>
+            </a:r>
+            <a:r>
+              <a:rPr lang="zh-CN" altLang="en-US" dirty="0"/>
+              <a:t>自动解析和生成网络协议包</a:t>
+            </a:r>
+            <a:r>
+              <a:rPr lang="zh-CN" altLang="en-US" sz="2400" dirty="0"/>
+              <a:t>）</a:t>
+            </a:r>
+            <a:endParaRPr lang="en-US" altLang="zh-CN" sz="2400" dirty="0"/>
+          </a:p>
+          <a:p>
+            <a:pPr marL="342900" indent="-342900">
+              <a:buFont typeface="Wingdings" panose="05000000000000000000" pitchFamily="2" charset="2"/>
+              <a:buChar char="ü"/>
+            </a:pPr>
+            <a:r>
+              <a:rPr lang="zh-CN" altLang="en-US" sz="2400" dirty="0"/>
+              <a:t>批处理文件格式模型（</a:t>
+            </a:r>
+            <a:r>
+              <a:rPr lang="zh-CN" altLang="en-US" dirty="0"/>
+              <a:t>自动生成和解析定长文件</a:t>
+            </a:r>
+            <a:r>
+              <a:rPr lang="zh-CN" altLang="en-US" sz="2400" dirty="0"/>
+              <a:t>）</a:t>
+            </a:r>
+            <a:endParaRPr lang="en-US" altLang="zh-CN" sz="2400" dirty="0"/>
+          </a:p>
+          <a:p>
+            <a:pPr marL="342900" indent="-342900">
+              <a:buFont typeface="Wingdings" panose="05000000000000000000" pitchFamily="2" charset="2"/>
+              <a:buChar char="ü"/>
+            </a:pPr>
+            <a:r>
+              <a:rPr lang="zh-CN" altLang="en-US" sz="2400" dirty="0"/>
+              <a:t>批处理任务模型（</a:t>
+            </a:r>
+            <a:r>
+              <a:rPr lang="zh-CN" altLang="en-US" dirty="0"/>
+              <a:t>编配分布式批处理任务</a:t>
+            </a:r>
+            <a:r>
+              <a:rPr lang="zh-CN" altLang="en-US" sz="2400" dirty="0"/>
+              <a:t>）</a:t>
+            </a:r>
+            <a:endParaRPr lang="en-US" altLang="zh-CN" sz="2400" dirty="0"/>
+          </a:p>
+          <a:p>
+            <a:pPr marL="342900" indent="-342900">
+              <a:buFont typeface="Wingdings" panose="05000000000000000000" pitchFamily="2" charset="2"/>
+              <a:buChar char="ü"/>
+            </a:pPr>
+            <a:r>
+              <a:rPr lang="zh-CN" altLang="en-US" sz="2400" dirty="0"/>
+              <a:t>业务规则模型和数据有效性校验模型</a:t>
+            </a:r>
+            <a:endParaRPr lang="en-US" altLang="zh-CN" sz="2400" dirty="0"/>
+          </a:p>
+          <a:p>
+            <a:pPr marL="342900" indent="-342900">
+              <a:buFont typeface="Wingdings" panose="05000000000000000000" pitchFamily="2" charset="2"/>
+              <a:buChar char="ü"/>
+            </a:pPr>
+            <a:r>
+              <a:rPr lang="zh-CN" altLang="en-US" sz="2400" dirty="0"/>
+              <a:t>业务处理流程模型</a:t>
+            </a:r>
+            <a:endParaRPr lang="en-US" altLang="zh-CN" sz="2400" dirty="0"/>
+          </a:p>
+          <a:p>
+            <a:pPr marL="342900" indent="-342900">
+              <a:buFont typeface="Wingdings" panose="05000000000000000000" pitchFamily="2" charset="2"/>
+              <a:buChar char="ü"/>
+            </a:pPr>
+            <a:r>
+              <a:rPr lang="zh-CN" altLang="en-US" sz="2400" dirty="0"/>
+              <a:t>压力测试数据模型（</a:t>
+            </a:r>
+            <a:r>
+              <a:rPr lang="zh-CN" altLang="en-US" dirty="0"/>
+              <a:t>自动生成具有指定分布的测试数据</a:t>
+            </a:r>
+            <a:r>
+              <a:rPr lang="zh-CN" altLang="en-US" sz="2400" dirty="0"/>
+              <a:t>）</a:t>
+            </a:r>
+            <a:endParaRPr lang="en-US" altLang="zh-CN" sz="2400" dirty="0"/>
+          </a:p>
+          <a:p>
+            <a:pPr marL="342900" indent="-342900">
+              <a:buFont typeface="Wingdings" panose="05000000000000000000" pitchFamily="2" charset="2"/>
+              <a:buChar char="ü"/>
+            </a:pPr>
+            <a:r>
+              <a:rPr lang="zh-CN" altLang="en-US" sz="2400" dirty="0"/>
+              <a:t>前端页面模型</a:t>
+            </a:r>
+            <a:endParaRPr lang="en-US" altLang="zh-CN" sz="2400" dirty="0"/>
+          </a:p>
+          <a:p>
+            <a:pPr marL="342900" indent="-342900">
+              <a:buFont typeface="Wingdings" panose="05000000000000000000" pitchFamily="2" charset="2"/>
+              <a:buChar char="ü"/>
+            </a:pPr>
+            <a:r>
+              <a:rPr lang="zh-CN" altLang="en-US" sz="2400" dirty="0"/>
+              <a:t>报表模型</a:t>
+            </a:r>
+            <a:endParaRPr lang="en-US" altLang="zh-CN" sz="2400" dirty="0"/>
+          </a:p>
+          <a:p>
+            <a:endParaRPr lang="zh-CN" altLang="en-US" dirty="0"/>
+          </a:p>
+        </p:txBody>
+      </p:sp>
+    </p:spTree>
+    <p:extLst>
+      <p:ext uri="{BB962C8B-B14F-4D97-AF65-F5344CB8AC3E}">
+        <p14:creationId xmlns:p14="http://schemas.microsoft.com/office/powerpoint/2010/main" val="1461263850"/>
+      </p:ext>
+    </p:extLst>
+  </p:cSld>
+  <p:clrMapOvr>
+    <a:masterClrMapping/>
+  </p:clrMapOvr>
+</p:sld>
+</file>
+
+<file path=ppt/slides/slide13.xml><?xml version="1.0" encoding="utf-8"?>
+<p:sld xmlns:a="http://schemas.openxmlformats.org/drawingml/2006/main" xmlns:r="http://schemas.openxmlformats.org/officeDocument/2006/relationships" xmlns:p="http://schemas.openxmlformats.org/presentationml/2006/main">
+  <p:cSld>
+    <p:spTree>
+      <p:nvGrpSpPr>
+        <p:cNvPr id="1" name=""/>
+        <p:cNvGrpSpPr/>
+        <p:nvPr/>
+      </p:nvGrpSpPr>
+      <p:grpSpPr>
+        <a:xfrm>
+          <a:off x="0" y="0"/>
+          <a:ext cx="0" cy="0"/>
+          <a:chOff x="0" y="0"/>
+          <a:chExt cx="0" cy="0"/>
+        </a:xfrm>
+      </p:grpSpPr>
+      <p:sp>
+        <p:nvSpPr>
+          <p:cNvPr id="2" name="标题 1">
+            <a:extLst>
+              <a:ext uri="{FF2B5EF4-FFF2-40B4-BE49-F238E27FC236}">
+                <a16:creationId xmlns:a16="http://schemas.microsoft.com/office/drawing/2014/main" id="{7B078A78-F1A6-B200-A327-496477BABCB1}"/>
+              </a:ext>
+            </a:extLst>
+          </p:cNvPr>
+          <p:cNvSpPr>
+            <a:spLocks noGrp="1"/>
+          </p:cNvSpPr>
+          <p:nvPr>
+            <p:ph type="title"/>
+          </p:nvPr>
+        </p:nvSpPr>
+        <p:spPr/>
+        <p:txBody>
+          <a:bodyPr/>
+          <a:lstStyle/>
+          <a:p>
+            <a:r>
               <a:rPr lang="en-US" altLang="zh-CN" b="1" dirty="0" err="1"/>
               <a:t>Nop</a:t>
             </a:r>
@@ -4070,7 +5287,7 @@
 </p:sld>
 </file>
 
-<file path=ppt/slides/slide13.xml><?xml version="1.0" encoding="utf-8"?>
+<file path=ppt/slides/slide14.xml><?xml version="1.0" encoding="utf-8"?>
 <p:sld xmlns:a="http://schemas.openxmlformats.org/drawingml/2006/main" xmlns:r="http://schemas.openxmlformats.org/officeDocument/2006/relationships" xmlns:p="http://schemas.openxmlformats.org/presentationml/2006/main">
   <p:cSld>
     <p:spTree>
@@ -5050,8 +6267,8 @@
         </p:nvSpPr>
         <p:spPr>
           <a:xfrm>
-            <a:off x="6479722" y="4866293"/>
-            <a:ext cx="4694464" cy="584775"/>
+            <a:off x="6319157" y="4866293"/>
+            <a:ext cx="4855029" cy="584775"/>
           </a:xfrm>
           <a:prstGeom prst="rect">
             <a:avLst/>
@@ -5066,7 +6283,7 @@
           <a:p>
             <a:r>
               <a:rPr lang="zh-CN" altLang="en-US" sz="3200" dirty="0"/>
-              <a:t>无限复杂的函数</a:t>
+              <a:t>无限复杂的机器</a:t>
             </a:r>
             <a:r>
               <a:rPr lang="en-US" altLang="zh-CN" sz="3200" dirty="0"/>
@@ -5074,7 +6291,7 @@
             </a:r>
             <a:r>
               <a:rPr lang="zh-CN" altLang="en-US" sz="3200" dirty="0"/>
-              <a:t>常量值</a:t>
+              <a:t>固定的值</a:t>
             </a:r>
             <a:r>
               <a:rPr lang="en-US" altLang="zh-CN" sz="3200" dirty="0"/>
@@ -7768,697 +8985,78 @@
       </p:grpSpPr>
       <p:sp>
         <p:nvSpPr>
-          <p:cNvPr id="2" name="椭圆 1">
-            <a:extLst>
-              <a:ext uri="{FF2B5EF4-FFF2-40B4-BE49-F238E27FC236}">
-                <a16:creationId xmlns:a16="http://schemas.microsoft.com/office/drawing/2014/main" id="{9C8D1B08-AABE-CB26-E0DF-B972FCD61D53}"/>
-              </a:ext>
-            </a:extLst>
-          </p:cNvPr>
-          <p:cNvSpPr/>
+          <p:cNvPr id="2" name="标题 1">
+            <a:extLst>
+              <a:ext uri="{FF2B5EF4-FFF2-40B4-BE49-F238E27FC236}">
+                <a16:creationId xmlns:a16="http://schemas.microsoft.com/office/drawing/2014/main" id="{7B078A78-F1A6-B200-A327-496477BABCB1}"/>
+              </a:ext>
+            </a:extLst>
+          </p:cNvPr>
+          <p:cNvSpPr>
+            <a:spLocks noGrp="1"/>
+          </p:cNvSpPr>
+          <p:nvPr>
+            <p:ph type="title"/>
+          </p:nvPr>
+        </p:nvSpPr>
+        <p:spPr/>
+        <p:txBody>
+          <a:bodyPr/>
+          <a:lstStyle/>
+          <a:p>
+            <a:r>
+              <a:rPr lang="en-US" altLang="zh-CN" b="1" dirty="0"/>
+              <a:t>Docker</a:t>
+            </a:r>
+            <a:r>
+              <a:rPr lang="zh-CN" altLang="en-US" b="1" dirty="0"/>
+              <a:t>作为可逆计算的实例</a:t>
+            </a:r>
+          </a:p>
+        </p:txBody>
+      </p:sp>
+      <p:pic>
+        <p:nvPicPr>
+          <p:cNvPr id="7" name="图片 6">
+            <a:extLst>
+              <a:ext uri="{FF2B5EF4-FFF2-40B4-BE49-F238E27FC236}">
+                <a16:creationId xmlns:a16="http://schemas.microsoft.com/office/drawing/2014/main" id="{A9FAD954-709D-F5D5-9100-CC20B6B65DD1}"/>
+              </a:ext>
+            </a:extLst>
+          </p:cNvPr>
+          <p:cNvPicPr>
+            <a:picLocks noChangeAspect="1"/>
+          </p:cNvPicPr>
           <p:nvPr/>
-        </p:nvSpPr>
+        </p:nvPicPr>
+        <p:blipFill>
+          <a:blip r:embed="rId2">
+            <a:extLst>
+              <a:ext uri="{28A0092B-C50C-407E-A947-70E740481C1C}">
+                <a14:useLocalDpi xmlns:a14="http://schemas.microsoft.com/office/drawing/2010/main" val="0"/>
+              </a:ext>
+            </a:extLst>
+          </a:blip>
+          <a:stretch>
+            <a:fillRect/>
+          </a:stretch>
+        </p:blipFill>
         <p:spPr>
           <a:xfrm>
-            <a:off x="4388779" y="969073"/>
-            <a:ext cx="1661602" cy="751537"/>
-          </a:xfrm>
-          <a:prstGeom prst="ellipse">
-            <a:avLst/>
-          </a:prstGeom>
-        </p:spPr>
-        <p:style>
-          <a:lnRef idx="2">
-            <a:schemeClr val="accent1">
-              <a:shade val="50000"/>
-            </a:schemeClr>
-          </a:lnRef>
-          <a:fillRef idx="1">
-            <a:schemeClr val="accent1"/>
-          </a:fillRef>
-          <a:effectRef idx="0">
-            <a:schemeClr val="accent1"/>
-          </a:effectRef>
-          <a:fontRef idx="minor">
-            <a:schemeClr val="lt1"/>
-          </a:fontRef>
-        </p:style>
-        <p:txBody>
-          <a:bodyPr rtlCol="0" anchor="ctr"/>
-          <a:lstStyle/>
-          <a:p>
-            <a:pPr algn="ctr"/>
-            <a:r>
-              <a:rPr lang="en-US" altLang="zh-CN" dirty="0"/>
-              <a:t>DSL</a:t>
-            </a:r>
-            <a:endParaRPr lang="zh-CN" altLang="en-US" dirty="0"/>
-          </a:p>
-        </p:txBody>
-      </p:sp>
-      <p:sp>
-        <p:nvSpPr>
-          <p:cNvPr id="3" name="椭圆 2">
-            <a:extLst>
-              <a:ext uri="{FF2B5EF4-FFF2-40B4-BE49-F238E27FC236}">
-                <a16:creationId xmlns:a16="http://schemas.microsoft.com/office/drawing/2014/main" id="{196463FB-5DD0-02E5-1BD9-45C2957449D1}"/>
-              </a:ext>
-            </a:extLst>
-          </p:cNvPr>
-          <p:cNvSpPr/>
-          <p:nvPr/>
-        </p:nvSpPr>
-        <p:spPr>
-          <a:xfrm>
-            <a:off x="7411094" y="974521"/>
-            <a:ext cx="1661603" cy="751537"/>
-          </a:xfrm>
-          <a:prstGeom prst="ellipse">
-            <a:avLst/>
-          </a:prstGeom>
-          <a:solidFill>
-            <a:schemeClr val="tx1"/>
-          </a:solidFill>
-        </p:spPr>
-        <p:style>
-          <a:lnRef idx="2">
-            <a:schemeClr val="accent1">
-              <a:shade val="50000"/>
-            </a:schemeClr>
-          </a:lnRef>
-          <a:fillRef idx="1">
-            <a:schemeClr val="accent1"/>
-          </a:fillRef>
-          <a:effectRef idx="0">
-            <a:schemeClr val="accent1"/>
-          </a:effectRef>
-          <a:fontRef idx="minor">
-            <a:schemeClr val="lt1"/>
-          </a:fontRef>
-        </p:style>
-        <p:txBody>
-          <a:bodyPr rtlCol="0" anchor="ctr"/>
-          <a:lstStyle/>
-          <a:p>
-            <a:pPr algn="ctr"/>
-            <a:r>
-              <a:rPr lang="en-US" altLang="zh-CN" dirty="0"/>
-              <a:t>App</a:t>
-            </a:r>
-            <a:endParaRPr lang="zh-CN" altLang="en-US" dirty="0"/>
-          </a:p>
-        </p:txBody>
-      </p:sp>
-      <p:sp>
-        <p:nvSpPr>
-          <p:cNvPr id="5" name="箭头: 右 4">
-            <a:extLst>
-              <a:ext uri="{FF2B5EF4-FFF2-40B4-BE49-F238E27FC236}">
-                <a16:creationId xmlns:a16="http://schemas.microsoft.com/office/drawing/2014/main" id="{6F3292F0-E1F7-D047-2003-B400FD1A1F57}"/>
-              </a:ext>
-            </a:extLst>
-          </p:cNvPr>
-          <p:cNvSpPr/>
-          <p:nvPr/>
-        </p:nvSpPr>
-        <p:spPr>
-          <a:xfrm>
-            <a:off x="6376951" y="1246661"/>
-            <a:ext cx="849086" cy="122464"/>
-          </a:xfrm>
-          <a:prstGeom prst="rightArrow">
-            <a:avLst/>
-          </a:prstGeom>
-        </p:spPr>
-        <p:style>
-          <a:lnRef idx="2">
-            <a:schemeClr val="accent1">
-              <a:shade val="50000"/>
-            </a:schemeClr>
-          </a:lnRef>
-          <a:fillRef idx="1">
-            <a:schemeClr val="accent1"/>
-          </a:fillRef>
-          <a:effectRef idx="0">
-            <a:schemeClr val="accent1"/>
-          </a:effectRef>
-          <a:fontRef idx="minor">
-            <a:schemeClr val="lt1"/>
-          </a:fontRef>
-        </p:style>
-        <p:txBody>
-          <a:bodyPr rtlCol="0" anchor="ctr"/>
-          <a:lstStyle/>
-          <a:p>
-            <a:pPr algn="ctr"/>
-            <a:endParaRPr lang="zh-CN" altLang="en-US"/>
-          </a:p>
-        </p:txBody>
-      </p:sp>
-      <p:sp>
-        <p:nvSpPr>
-          <p:cNvPr id="26" name="矩形 25">
-            <a:extLst>
-              <a:ext uri="{FF2B5EF4-FFF2-40B4-BE49-F238E27FC236}">
-                <a16:creationId xmlns:a16="http://schemas.microsoft.com/office/drawing/2014/main" id="{7CE1272F-FB37-D915-AAE0-14957294C46B}"/>
-              </a:ext>
-            </a:extLst>
-          </p:cNvPr>
-          <p:cNvSpPr/>
-          <p:nvPr/>
-        </p:nvSpPr>
-        <p:spPr>
-          <a:xfrm>
-            <a:off x="3953768" y="2636917"/>
-            <a:ext cx="2168531" cy="751537"/>
+            <a:off x="2963634" y="1545091"/>
+            <a:ext cx="4849586" cy="3637190"/>
           </a:xfrm>
           <a:prstGeom prst="rect">
             <a:avLst/>
           </a:prstGeom>
         </p:spPr>
-        <p:style>
-          <a:lnRef idx="2">
-            <a:schemeClr val="accent1">
-              <a:shade val="50000"/>
-            </a:schemeClr>
-          </a:lnRef>
-          <a:fillRef idx="1">
-            <a:schemeClr val="accent1"/>
-          </a:fillRef>
-          <a:effectRef idx="0">
-            <a:schemeClr val="accent1"/>
-          </a:effectRef>
-          <a:fontRef idx="minor">
-            <a:schemeClr val="lt1"/>
-          </a:fontRef>
-        </p:style>
-        <p:txBody>
-          <a:bodyPr rtlCol="0" anchor="ctr"/>
-          <a:lstStyle/>
-          <a:p>
-            <a:pPr algn="ctr"/>
-            <a:r>
-              <a:rPr lang="en-US" altLang="zh-CN" dirty="0"/>
-              <a:t>Generator&lt;DSL&gt;</a:t>
-            </a:r>
-            <a:endParaRPr lang="zh-CN" altLang="en-US" dirty="0"/>
-          </a:p>
-        </p:txBody>
-      </p:sp>
-      <p:sp>
-        <p:nvSpPr>
-          <p:cNvPr id="27" name="波形 26">
-            <a:extLst>
-              <a:ext uri="{FF2B5EF4-FFF2-40B4-BE49-F238E27FC236}">
-                <a16:creationId xmlns:a16="http://schemas.microsoft.com/office/drawing/2014/main" id="{54F89A0A-395C-1284-2BEF-441CAB1693D9}"/>
-              </a:ext>
-            </a:extLst>
-          </p:cNvPr>
-          <p:cNvSpPr/>
-          <p:nvPr/>
-        </p:nvSpPr>
-        <p:spPr>
-          <a:xfrm>
-            <a:off x="6421347" y="2825394"/>
-            <a:ext cx="849086" cy="184142"/>
-          </a:xfrm>
-          <a:prstGeom prst="wave">
-            <a:avLst/>
-          </a:prstGeom>
-        </p:spPr>
-        <p:style>
-          <a:lnRef idx="2">
-            <a:schemeClr val="accent1">
-              <a:shade val="50000"/>
-            </a:schemeClr>
-          </a:lnRef>
-          <a:fillRef idx="1">
-            <a:schemeClr val="accent1"/>
-          </a:fillRef>
-          <a:effectRef idx="0">
-            <a:schemeClr val="accent1"/>
-          </a:effectRef>
-          <a:fontRef idx="minor">
-            <a:schemeClr val="lt1"/>
-          </a:fontRef>
-        </p:style>
-        <p:txBody>
-          <a:bodyPr rtlCol="0" anchor="ctr"/>
-          <a:lstStyle/>
-          <a:p>
-            <a:pPr algn="ctr"/>
-            <a:endParaRPr lang="zh-CN" altLang="en-US"/>
-          </a:p>
-        </p:txBody>
-      </p:sp>
-      <p:sp>
-        <p:nvSpPr>
-          <p:cNvPr id="28" name="波形 27">
-            <a:extLst>
-              <a:ext uri="{FF2B5EF4-FFF2-40B4-BE49-F238E27FC236}">
-                <a16:creationId xmlns:a16="http://schemas.microsoft.com/office/drawing/2014/main" id="{FD6469EE-34F1-2386-64CF-D5539AA5F783}"/>
-              </a:ext>
-            </a:extLst>
-          </p:cNvPr>
-          <p:cNvSpPr/>
-          <p:nvPr/>
-        </p:nvSpPr>
-        <p:spPr>
-          <a:xfrm>
-            <a:off x="6421347" y="3051422"/>
-            <a:ext cx="849086" cy="184142"/>
-          </a:xfrm>
-          <a:prstGeom prst="wave">
-            <a:avLst/>
-          </a:prstGeom>
-        </p:spPr>
-        <p:style>
-          <a:lnRef idx="2">
-            <a:schemeClr val="accent1">
-              <a:shade val="50000"/>
-            </a:schemeClr>
-          </a:lnRef>
-          <a:fillRef idx="1">
-            <a:schemeClr val="accent1"/>
-          </a:fillRef>
-          <a:effectRef idx="0">
-            <a:schemeClr val="accent1"/>
-          </a:effectRef>
-          <a:fontRef idx="minor">
-            <a:schemeClr val="lt1"/>
-          </a:fontRef>
-        </p:style>
-        <p:txBody>
-          <a:bodyPr rtlCol="0" anchor="ctr"/>
-          <a:lstStyle/>
-          <a:p>
-            <a:pPr algn="ctr"/>
-            <a:endParaRPr lang="zh-CN" altLang="en-US"/>
-          </a:p>
-        </p:txBody>
-      </p:sp>
-      <p:sp>
-        <p:nvSpPr>
-          <p:cNvPr id="29" name="椭圆 28">
-            <a:extLst>
-              <a:ext uri="{FF2B5EF4-FFF2-40B4-BE49-F238E27FC236}">
-                <a16:creationId xmlns:a16="http://schemas.microsoft.com/office/drawing/2014/main" id="{3876BAD3-A6D9-E452-43F0-80BF855A026B}"/>
-              </a:ext>
-            </a:extLst>
-          </p:cNvPr>
-          <p:cNvSpPr/>
-          <p:nvPr/>
-        </p:nvSpPr>
-        <p:spPr>
-          <a:xfrm>
-            <a:off x="7460754" y="2575576"/>
-            <a:ext cx="1661603" cy="751537"/>
-          </a:xfrm>
-          <a:prstGeom prst="ellipse">
-            <a:avLst/>
-          </a:prstGeom>
-          <a:solidFill>
-            <a:schemeClr val="tx1"/>
-          </a:solidFill>
-        </p:spPr>
-        <p:style>
-          <a:lnRef idx="2">
-            <a:schemeClr val="accent1">
-              <a:shade val="50000"/>
-            </a:schemeClr>
-          </a:lnRef>
-          <a:fillRef idx="1">
-            <a:schemeClr val="accent1"/>
-          </a:fillRef>
-          <a:effectRef idx="0">
-            <a:schemeClr val="accent1"/>
-          </a:effectRef>
-          <a:fontRef idx="minor">
-            <a:schemeClr val="lt1"/>
-          </a:fontRef>
-        </p:style>
-        <p:txBody>
-          <a:bodyPr rtlCol="0" anchor="ctr"/>
-          <a:lstStyle/>
-          <a:p>
-            <a:pPr algn="ctr"/>
-            <a:r>
-              <a:rPr lang="en-US" altLang="zh-CN" dirty="0"/>
-              <a:t>App</a:t>
-            </a:r>
-            <a:endParaRPr lang="zh-CN" altLang="en-US" dirty="0"/>
-          </a:p>
-        </p:txBody>
-      </p:sp>
-      <p:sp>
-        <p:nvSpPr>
-          <p:cNvPr id="30" name="椭圆 29">
-            <a:extLst>
-              <a:ext uri="{FF2B5EF4-FFF2-40B4-BE49-F238E27FC236}">
-                <a16:creationId xmlns:a16="http://schemas.microsoft.com/office/drawing/2014/main" id="{616A20E3-C00A-BBC1-D970-B5C701808B2F}"/>
-              </a:ext>
-            </a:extLst>
-          </p:cNvPr>
-          <p:cNvSpPr/>
-          <p:nvPr/>
-        </p:nvSpPr>
-        <p:spPr>
-          <a:xfrm>
-            <a:off x="2239765" y="4515679"/>
-            <a:ext cx="1661603" cy="751537"/>
-          </a:xfrm>
-          <a:prstGeom prst="ellipse">
-            <a:avLst/>
-          </a:prstGeom>
-          <a:solidFill>
-            <a:srgbClr val="00B050"/>
-          </a:solidFill>
-        </p:spPr>
-        <p:style>
-          <a:lnRef idx="2">
-            <a:schemeClr val="accent1">
-              <a:shade val="50000"/>
-            </a:schemeClr>
-          </a:lnRef>
-          <a:fillRef idx="1">
-            <a:schemeClr val="accent1"/>
-          </a:fillRef>
-          <a:effectRef idx="0">
-            <a:schemeClr val="accent1"/>
-          </a:effectRef>
-          <a:fontRef idx="minor">
-            <a:schemeClr val="lt1"/>
-          </a:fontRef>
-        </p:style>
-        <p:txBody>
-          <a:bodyPr rtlCol="0" anchor="ctr"/>
-          <a:lstStyle/>
-          <a:p>
-            <a:pPr algn="ctr"/>
-            <a:r>
-              <a:rPr lang="en-US" altLang="zh-CN" dirty="0"/>
-              <a:t>Delta</a:t>
-            </a:r>
-            <a:endParaRPr lang="zh-CN" altLang="en-US" dirty="0"/>
-          </a:p>
-        </p:txBody>
-      </p:sp>
-      <p:sp>
-        <p:nvSpPr>
-          <p:cNvPr id="34" name="矩形 33">
-            <a:extLst>
-              <a:ext uri="{FF2B5EF4-FFF2-40B4-BE49-F238E27FC236}">
-                <a16:creationId xmlns:a16="http://schemas.microsoft.com/office/drawing/2014/main" id="{9D124D0D-80EC-99EE-1E71-82D0F4D25F32}"/>
-              </a:ext>
-            </a:extLst>
-          </p:cNvPr>
-          <p:cNvSpPr/>
-          <p:nvPr/>
-        </p:nvSpPr>
-        <p:spPr>
-          <a:xfrm>
-            <a:off x="5308602" y="4515788"/>
-            <a:ext cx="2168531" cy="751537"/>
-          </a:xfrm>
-          <a:prstGeom prst="rect">
-            <a:avLst/>
-          </a:prstGeom>
-        </p:spPr>
-        <p:style>
-          <a:lnRef idx="2">
-            <a:schemeClr val="accent1">
-              <a:shade val="50000"/>
-            </a:schemeClr>
-          </a:lnRef>
-          <a:fillRef idx="1">
-            <a:schemeClr val="accent1"/>
-          </a:fillRef>
-          <a:effectRef idx="0">
-            <a:schemeClr val="accent1"/>
-          </a:effectRef>
-          <a:fontRef idx="minor">
-            <a:schemeClr val="lt1"/>
-          </a:fontRef>
-        </p:style>
-        <p:txBody>
-          <a:bodyPr rtlCol="0" anchor="ctr"/>
-          <a:lstStyle/>
-          <a:p>
-            <a:pPr algn="ctr"/>
-            <a:r>
-              <a:rPr lang="en-US" altLang="zh-CN" dirty="0"/>
-              <a:t>Generator&lt;DSL&gt;</a:t>
-            </a:r>
-            <a:endParaRPr lang="zh-CN" altLang="en-US" dirty="0"/>
-          </a:p>
-        </p:txBody>
-      </p:sp>
-      <p:sp>
-        <p:nvSpPr>
-          <p:cNvPr id="35" name="箭头: 右 34">
-            <a:extLst>
-              <a:ext uri="{FF2B5EF4-FFF2-40B4-BE49-F238E27FC236}">
-                <a16:creationId xmlns:a16="http://schemas.microsoft.com/office/drawing/2014/main" id="{4AC889E5-7C6B-345C-EB0D-EA6A15EE3E41}"/>
-              </a:ext>
-            </a:extLst>
-          </p:cNvPr>
-          <p:cNvSpPr/>
-          <p:nvPr/>
-        </p:nvSpPr>
-        <p:spPr>
-          <a:xfrm>
-            <a:off x="4203532" y="4765565"/>
-            <a:ext cx="842481" cy="293960"/>
-          </a:xfrm>
-          <a:prstGeom prst="rightArrow">
-            <a:avLst>
-              <a:gd name="adj1" fmla="val 33704"/>
-              <a:gd name="adj2" fmla="val 50000"/>
-            </a:avLst>
-          </a:prstGeom>
-        </p:spPr>
-        <p:style>
-          <a:lnRef idx="2">
-            <a:schemeClr val="accent1">
-              <a:shade val="50000"/>
-            </a:schemeClr>
-          </a:lnRef>
-          <a:fillRef idx="1">
-            <a:schemeClr val="accent1"/>
-          </a:fillRef>
-          <a:effectRef idx="0">
-            <a:schemeClr val="accent1"/>
-          </a:effectRef>
-          <a:fontRef idx="minor">
-            <a:schemeClr val="lt1"/>
-          </a:fontRef>
-        </p:style>
-        <p:txBody>
-          <a:bodyPr rtlCol="0" anchor="ctr"/>
-          <a:lstStyle/>
-          <a:p>
-            <a:pPr algn="ctr"/>
-            <a:endParaRPr lang="zh-CN" altLang="en-US"/>
-          </a:p>
-        </p:txBody>
-      </p:sp>
-      <p:sp>
-        <p:nvSpPr>
-          <p:cNvPr id="33" name="加号 32">
-            <a:extLst>
-              <a:ext uri="{FF2B5EF4-FFF2-40B4-BE49-F238E27FC236}">
-                <a16:creationId xmlns:a16="http://schemas.microsoft.com/office/drawing/2014/main" id="{679FA90A-2AC3-68A9-EF59-E42519DE28E1}"/>
-              </a:ext>
-            </a:extLst>
-          </p:cNvPr>
-          <p:cNvSpPr/>
-          <p:nvPr/>
-        </p:nvSpPr>
-        <p:spPr>
-          <a:xfrm>
-            <a:off x="4058597" y="4536485"/>
-            <a:ext cx="977142" cy="751537"/>
-          </a:xfrm>
-          <a:prstGeom prst="mathPlus">
-            <a:avLst/>
-          </a:prstGeom>
-        </p:spPr>
-        <p:style>
-          <a:lnRef idx="2">
-            <a:schemeClr val="accent1">
-              <a:shade val="50000"/>
-            </a:schemeClr>
-          </a:lnRef>
-          <a:fillRef idx="1">
-            <a:schemeClr val="accent1"/>
-          </a:fillRef>
-          <a:effectRef idx="0">
-            <a:schemeClr val="accent1"/>
-          </a:effectRef>
-          <a:fontRef idx="minor">
-            <a:schemeClr val="lt1"/>
-          </a:fontRef>
-        </p:style>
-        <p:txBody>
-          <a:bodyPr rtlCol="0" anchor="ctr"/>
-          <a:lstStyle/>
-          <a:p>
-            <a:pPr algn="ctr"/>
-            <a:endParaRPr lang="zh-CN" altLang="en-US"/>
-          </a:p>
-        </p:txBody>
-      </p:sp>
-      <p:sp>
-        <p:nvSpPr>
-          <p:cNvPr id="37" name="矩形 36">
-            <a:extLst>
-              <a:ext uri="{FF2B5EF4-FFF2-40B4-BE49-F238E27FC236}">
-                <a16:creationId xmlns:a16="http://schemas.microsoft.com/office/drawing/2014/main" id="{0FFC943B-05AA-5C56-2937-2AC8C8200392}"/>
-              </a:ext>
-            </a:extLst>
-          </p:cNvPr>
-          <p:cNvSpPr/>
-          <p:nvPr/>
-        </p:nvSpPr>
-        <p:spPr>
-          <a:xfrm>
-            <a:off x="8001862" y="4940158"/>
-            <a:ext cx="772268" cy="119367"/>
-          </a:xfrm>
-          <a:prstGeom prst="rect">
-            <a:avLst/>
-          </a:prstGeom>
-        </p:spPr>
-        <p:style>
-          <a:lnRef idx="2">
-            <a:schemeClr val="accent1">
-              <a:shade val="50000"/>
-            </a:schemeClr>
-          </a:lnRef>
-          <a:fillRef idx="1">
-            <a:schemeClr val="accent1"/>
-          </a:fillRef>
-          <a:effectRef idx="0">
-            <a:schemeClr val="accent1"/>
-          </a:effectRef>
-          <a:fontRef idx="minor">
-            <a:schemeClr val="lt1"/>
-          </a:fontRef>
-        </p:style>
-        <p:txBody>
-          <a:bodyPr rtlCol="0" anchor="ctr"/>
-          <a:lstStyle/>
-          <a:p>
-            <a:pPr algn="ctr"/>
-            <a:endParaRPr lang="zh-CN" altLang="en-US"/>
-          </a:p>
-        </p:txBody>
-      </p:sp>
-      <p:sp>
-        <p:nvSpPr>
-          <p:cNvPr id="38" name="矩形 37">
-            <a:extLst>
-              <a:ext uri="{FF2B5EF4-FFF2-40B4-BE49-F238E27FC236}">
-                <a16:creationId xmlns:a16="http://schemas.microsoft.com/office/drawing/2014/main" id="{2503C6B9-8588-97A4-FA82-68BDEF9F1EF0}"/>
-              </a:ext>
-            </a:extLst>
-          </p:cNvPr>
-          <p:cNvSpPr/>
-          <p:nvPr/>
-        </p:nvSpPr>
-        <p:spPr>
-          <a:xfrm>
-            <a:off x="8000151" y="4743238"/>
-            <a:ext cx="773979" cy="119367"/>
-          </a:xfrm>
-          <a:prstGeom prst="rect">
-            <a:avLst/>
-          </a:prstGeom>
-        </p:spPr>
-        <p:style>
-          <a:lnRef idx="2">
-            <a:schemeClr val="accent1">
-              <a:shade val="50000"/>
-            </a:schemeClr>
-          </a:lnRef>
-          <a:fillRef idx="1">
-            <a:schemeClr val="accent1"/>
-          </a:fillRef>
-          <a:effectRef idx="0">
-            <a:schemeClr val="accent1"/>
-          </a:effectRef>
-          <a:fontRef idx="minor">
-            <a:schemeClr val="lt1"/>
-          </a:fontRef>
-        </p:style>
-        <p:txBody>
-          <a:bodyPr rtlCol="0" anchor="ctr"/>
-          <a:lstStyle/>
-          <a:p>
-            <a:pPr algn="ctr"/>
-            <a:endParaRPr lang="zh-CN" altLang="en-US"/>
-          </a:p>
-        </p:txBody>
-      </p:sp>
-      <p:sp>
-        <p:nvSpPr>
-          <p:cNvPr id="39" name="椭圆 38">
-            <a:extLst>
-              <a:ext uri="{FF2B5EF4-FFF2-40B4-BE49-F238E27FC236}">
-                <a16:creationId xmlns:a16="http://schemas.microsoft.com/office/drawing/2014/main" id="{4CC97309-4587-F45D-255D-14A6EC6D9BBB}"/>
-              </a:ext>
-            </a:extLst>
-          </p:cNvPr>
-          <p:cNvSpPr/>
-          <p:nvPr/>
-        </p:nvSpPr>
-        <p:spPr>
-          <a:xfrm>
-            <a:off x="9246749" y="4505404"/>
-            <a:ext cx="1661603" cy="751537"/>
-          </a:xfrm>
-          <a:prstGeom prst="ellipse">
-            <a:avLst/>
-          </a:prstGeom>
-          <a:solidFill>
-            <a:schemeClr val="tx1"/>
-          </a:solidFill>
-        </p:spPr>
-        <p:style>
-          <a:lnRef idx="2">
-            <a:schemeClr val="accent1">
-              <a:shade val="50000"/>
-            </a:schemeClr>
-          </a:lnRef>
-          <a:fillRef idx="1">
-            <a:schemeClr val="accent1"/>
-          </a:fillRef>
-          <a:effectRef idx="0">
-            <a:schemeClr val="accent1"/>
-          </a:effectRef>
-          <a:fontRef idx="minor">
-            <a:schemeClr val="lt1"/>
-          </a:fontRef>
-        </p:style>
-        <p:txBody>
-          <a:bodyPr rtlCol="0" anchor="ctr"/>
-          <a:lstStyle/>
-          <a:p>
-            <a:pPr algn="ctr"/>
-            <a:r>
-              <a:rPr lang="en-US" altLang="zh-CN" dirty="0"/>
-              <a:t>App</a:t>
-            </a:r>
-            <a:endParaRPr lang="zh-CN" altLang="en-US" dirty="0"/>
-          </a:p>
-        </p:txBody>
-      </p:sp>
-      <p:sp>
-        <p:nvSpPr>
-          <p:cNvPr id="6" name="文本框 5">
-            <a:extLst>
-              <a:ext uri="{FF2B5EF4-FFF2-40B4-BE49-F238E27FC236}">
-                <a16:creationId xmlns:a16="http://schemas.microsoft.com/office/drawing/2014/main" id="{886044FC-B065-DE39-E07E-69143E830ED5}"/>
+      </p:pic>
+      <p:sp>
+        <p:nvSpPr>
+          <p:cNvPr id="8" name="文本框 7">
+            <a:extLst>
+              <a:ext uri="{FF2B5EF4-FFF2-40B4-BE49-F238E27FC236}">
+                <a16:creationId xmlns:a16="http://schemas.microsoft.com/office/drawing/2014/main" id="{00DF1367-32D6-49B4-E298-E4BAF2B93B88}"/>
               </a:ext>
             </a:extLst>
           </p:cNvPr>
@@ -8467,8 +9065,8 @@
         </p:nvSpPr>
         <p:spPr>
           <a:xfrm>
-            <a:off x="531957" y="275012"/>
-            <a:ext cx="1944115" cy="523220"/>
+            <a:off x="1298121" y="5608864"/>
+            <a:ext cx="9429750" cy="584775"/>
           </a:xfrm>
           <a:prstGeom prst="rect">
             <a:avLst/>
@@ -8482,16 +9080,29 @@
           <a:lstStyle/>
           <a:p>
             <a:r>
-              <a:rPr lang="zh-CN" altLang="en-US" sz="2800" b="1" dirty="0"/>
-              <a:t>可逆计算</a:t>
-            </a:r>
+              <a:rPr lang="en-US" altLang="zh-CN" sz="3200" b="1" dirty="0"/>
+              <a:t> App = Build&lt;</a:t>
+            </a:r>
+            <a:r>
+              <a:rPr lang="en-US" altLang="zh-CN" sz="3200" b="1" dirty="0" err="1"/>
+              <a:t>DockerFile</a:t>
+            </a:r>
+            <a:r>
+              <a:rPr lang="en-US" altLang="zh-CN" sz="3200" b="1" dirty="0"/>
+              <a:t>&gt; union-fs  </a:t>
+            </a:r>
+            <a:r>
+              <a:rPr lang="en-US" altLang="zh-CN" sz="3200" b="1" dirty="0" err="1"/>
+              <a:t>BaseImage</a:t>
+            </a:r>
+            <a:endParaRPr lang="zh-CN" altLang="en-US" sz="3200" b="1" dirty="0"/>
           </a:p>
         </p:txBody>
       </p:sp>
     </p:spTree>
     <p:extLst>
       <p:ext uri="{BB962C8B-B14F-4D97-AF65-F5344CB8AC3E}">
-        <p14:creationId xmlns:p14="http://schemas.microsoft.com/office/powerpoint/2010/main" val="2796935556"/>
+        <p14:creationId xmlns:p14="http://schemas.microsoft.com/office/powerpoint/2010/main" val="2243421205"/>
       </p:ext>
     </p:extLst>
   </p:cSld>
@@ -8520,10 +9131,10 @@
       </p:grpSpPr>
       <p:sp>
         <p:nvSpPr>
-          <p:cNvPr id="4" name="椭圆 3">
-            <a:extLst>
-              <a:ext uri="{FF2B5EF4-FFF2-40B4-BE49-F238E27FC236}">
-                <a16:creationId xmlns:a16="http://schemas.microsoft.com/office/drawing/2014/main" id="{BA21F397-5CAF-7D57-3668-D7E3C34226A2}"/>
+          <p:cNvPr id="2" name="椭圆 1">
+            <a:extLst>
+              <a:ext uri="{FF2B5EF4-FFF2-40B4-BE49-F238E27FC236}">
+                <a16:creationId xmlns:a16="http://schemas.microsoft.com/office/drawing/2014/main" id="{9C8D1B08-AABE-CB26-E0DF-B972FCD61D53}"/>
               </a:ext>
             </a:extLst>
           </p:cNvPr>
@@ -8532,15 +9143,12 @@
         </p:nvSpPr>
         <p:spPr>
           <a:xfrm>
-            <a:off x="2126752" y="3406063"/>
-            <a:ext cx="1661603" cy="751537"/>
+            <a:off x="4388779" y="969073"/>
+            <a:ext cx="1661602" cy="751537"/>
           </a:xfrm>
           <a:prstGeom prst="ellipse">
             <a:avLst/>
           </a:prstGeom>
-          <a:solidFill>
-            <a:srgbClr val="00B050"/>
-          </a:solidFill>
         </p:spPr>
         <p:style>
           <a:lnRef idx="2">
@@ -8565,7 +9173,7 @@
             <a:pPr algn="ctr"/>
             <a:r>
               <a:rPr lang="en-US" altLang="zh-CN" dirty="0"/>
-              <a:t>Delta</a:t>
+              <a:t>DSL</a:t>
             </a:r>
             <a:endParaRPr lang="zh-CN" altLang="en-US" dirty="0"/>
           </a:p>
@@ -8573,10 +9181,10 @@
       </p:sp>
       <p:sp>
         <p:nvSpPr>
-          <p:cNvPr id="6" name="矩形 5">
-            <a:extLst>
-              <a:ext uri="{FF2B5EF4-FFF2-40B4-BE49-F238E27FC236}">
-                <a16:creationId xmlns:a16="http://schemas.microsoft.com/office/drawing/2014/main" id="{A592B2C6-E414-8D0D-7C13-EC4AA1091540}"/>
+          <p:cNvPr id="3" name="椭圆 2">
+            <a:extLst>
+              <a:ext uri="{FF2B5EF4-FFF2-40B4-BE49-F238E27FC236}">
+                <a16:creationId xmlns:a16="http://schemas.microsoft.com/office/drawing/2014/main" id="{196463FB-5DD0-02E5-1BD9-45C2957449D1}"/>
               </a:ext>
             </a:extLst>
           </p:cNvPr>
@@ -8585,12 +9193,15 @@
         </p:nvSpPr>
         <p:spPr>
           <a:xfrm>
-            <a:off x="5195589" y="3406172"/>
-            <a:ext cx="2168531" cy="751537"/>
-          </a:xfrm>
-          <a:prstGeom prst="rect">
+            <a:off x="7411094" y="974521"/>
+            <a:ext cx="1661603" cy="751537"/>
+          </a:xfrm>
+          <a:prstGeom prst="ellipse">
             <a:avLst/>
           </a:prstGeom>
+          <a:solidFill>
+            <a:schemeClr val="tx1"/>
+          </a:solidFill>
         </p:spPr>
         <p:style>
           <a:lnRef idx="2">
@@ -8615,7 +9226,7 @@
             <a:pPr algn="ctr"/>
             <a:r>
               <a:rPr lang="en-US" altLang="zh-CN" dirty="0"/>
-              <a:t>Generator&lt;DSL&gt;</a:t>
+              <a:t>App</a:t>
             </a:r>
             <a:endParaRPr lang="zh-CN" altLang="en-US" dirty="0"/>
           </a:p>
@@ -8623,10 +9234,10 @@
       </p:sp>
       <p:sp>
         <p:nvSpPr>
-          <p:cNvPr id="7" name="箭头: 右 6">
-            <a:extLst>
-              <a:ext uri="{FF2B5EF4-FFF2-40B4-BE49-F238E27FC236}">
-                <a16:creationId xmlns:a16="http://schemas.microsoft.com/office/drawing/2014/main" id="{B43E41AE-E5AE-5FD0-C739-3429C3503F2C}"/>
+          <p:cNvPr id="5" name="箭头: 右 4">
+            <a:extLst>
+              <a:ext uri="{FF2B5EF4-FFF2-40B4-BE49-F238E27FC236}">
+                <a16:creationId xmlns:a16="http://schemas.microsoft.com/office/drawing/2014/main" id="{6F3292F0-E1F7-D047-2003-B400FD1A1F57}"/>
               </a:ext>
             </a:extLst>
           </p:cNvPr>
@@ -8635,14 +9246,11 @@
         </p:nvSpPr>
         <p:spPr>
           <a:xfrm>
-            <a:off x="4090519" y="3655949"/>
-            <a:ext cx="842481" cy="293960"/>
+            <a:off x="6376951" y="1246661"/>
+            <a:ext cx="849086" cy="122464"/>
           </a:xfrm>
           <a:prstGeom prst="rightArrow">
-            <a:avLst>
-              <a:gd name="adj1" fmla="val 33704"/>
-              <a:gd name="adj2" fmla="val 50000"/>
-            </a:avLst>
+            <a:avLst/>
           </a:prstGeom>
         </p:spPr>
         <p:style>
@@ -8672,10 +9280,10 @@
       </p:sp>
       <p:sp>
         <p:nvSpPr>
-          <p:cNvPr id="8" name="加号 7">
-            <a:extLst>
-              <a:ext uri="{FF2B5EF4-FFF2-40B4-BE49-F238E27FC236}">
-                <a16:creationId xmlns:a16="http://schemas.microsoft.com/office/drawing/2014/main" id="{47CD597C-D8A2-54A4-4573-4EF2E380D9D1}"/>
+          <p:cNvPr id="26" name="矩形 25">
+            <a:extLst>
+              <a:ext uri="{FF2B5EF4-FFF2-40B4-BE49-F238E27FC236}">
+                <a16:creationId xmlns:a16="http://schemas.microsoft.com/office/drawing/2014/main" id="{7CE1272F-FB37-D915-AAE0-14957294C46B}"/>
               </a:ext>
             </a:extLst>
           </p:cNvPr>
@@ -8684,10 +9292,10 @@
         </p:nvSpPr>
         <p:spPr>
           <a:xfrm>
-            <a:off x="3945584" y="3426869"/>
-            <a:ext cx="977142" cy="751537"/>
-          </a:xfrm>
-          <a:prstGeom prst="mathPlus">
+            <a:off x="3953768" y="2636917"/>
+            <a:ext cx="2168531" cy="751537"/>
+          </a:xfrm>
+          <a:prstGeom prst="rect">
             <a:avLst/>
           </a:prstGeom>
         </p:spPr>
@@ -8712,16 +9320,20 @@
           <a:lstStyle/>
           <a:p>
             <a:pPr algn="ctr"/>
-            <a:endParaRPr lang="zh-CN" altLang="en-US"/>
-          </a:p>
-        </p:txBody>
-      </p:sp>
-      <p:sp>
-        <p:nvSpPr>
-          <p:cNvPr id="9" name="矩形 8">
-            <a:extLst>
-              <a:ext uri="{FF2B5EF4-FFF2-40B4-BE49-F238E27FC236}">
-                <a16:creationId xmlns:a16="http://schemas.microsoft.com/office/drawing/2014/main" id="{AB67A7CB-8439-07EF-CCF1-8A27B4C87B7D}"/>
+            <a:r>
+              <a:rPr lang="en-US" altLang="zh-CN" dirty="0"/>
+              <a:t>Generator&lt;DSL&gt;</a:t>
+            </a:r>
+            <a:endParaRPr lang="zh-CN" altLang="en-US" dirty="0"/>
+          </a:p>
+        </p:txBody>
+      </p:sp>
+      <p:sp>
+        <p:nvSpPr>
+          <p:cNvPr id="27" name="波形 26">
+            <a:extLst>
+              <a:ext uri="{FF2B5EF4-FFF2-40B4-BE49-F238E27FC236}">
+                <a16:creationId xmlns:a16="http://schemas.microsoft.com/office/drawing/2014/main" id="{54F89A0A-395C-1284-2BEF-441CAB1693D9}"/>
               </a:ext>
             </a:extLst>
           </p:cNvPr>
@@ -8730,10 +9342,10 @@
         </p:nvSpPr>
         <p:spPr>
           <a:xfrm>
-            <a:off x="7888849" y="3830542"/>
-            <a:ext cx="772268" cy="119367"/>
-          </a:xfrm>
-          <a:prstGeom prst="rect">
+            <a:off x="6421347" y="2825394"/>
+            <a:ext cx="849086" cy="184142"/>
+          </a:xfrm>
+          <a:prstGeom prst="wave">
             <a:avLst/>
           </a:prstGeom>
         </p:spPr>
@@ -8764,10 +9376,10 @@
       </p:sp>
       <p:sp>
         <p:nvSpPr>
-          <p:cNvPr id="10" name="矩形 9">
-            <a:extLst>
-              <a:ext uri="{FF2B5EF4-FFF2-40B4-BE49-F238E27FC236}">
-                <a16:creationId xmlns:a16="http://schemas.microsoft.com/office/drawing/2014/main" id="{2759FF7F-6595-7E3D-462B-F693C8B55986}"/>
+          <p:cNvPr id="28" name="波形 27">
+            <a:extLst>
+              <a:ext uri="{FF2B5EF4-FFF2-40B4-BE49-F238E27FC236}">
+                <a16:creationId xmlns:a16="http://schemas.microsoft.com/office/drawing/2014/main" id="{FD6469EE-34F1-2386-64CF-D5539AA5F783}"/>
               </a:ext>
             </a:extLst>
           </p:cNvPr>
@@ -8776,10 +9388,10 @@
         </p:nvSpPr>
         <p:spPr>
           <a:xfrm>
-            <a:off x="7887138" y="3633622"/>
-            <a:ext cx="773979" cy="119367"/>
-          </a:xfrm>
-          <a:prstGeom prst="rect">
+            <a:off x="6421347" y="3051422"/>
+            <a:ext cx="849086" cy="184142"/>
+          </a:xfrm>
+          <a:prstGeom prst="wave">
             <a:avLst/>
           </a:prstGeom>
         </p:spPr>
@@ -8810,10 +9422,10 @@
       </p:sp>
       <p:sp>
         <p:nvSpPr>
-          <p:cNvPr id="11" name="椭圆 10">
-            <a:extLst>
-              <a:ext uri="{FF2B5EF4-FFF2-40B4-BE49-F238E27FC236}">
-                <a16:creationId xmlns:a16="http://schemas.microsoft.com/office/drawing/2014/main" id="{2AA33660-0ED8-1BD8-58F6-A19187136E03}"/>
+          <p:cNvPr id="29" name="椭圆 28">
+            <a:extLst>
+              <a:ext uri="{FF2B5EF4-FFF2-40B4-BE49-F238E27FC236}">
+                <a16:creationId xmlns:a16="http://schemas.microsoft.com/office/drawing/2014/main" id="{3876BAD3-A6D9-E452-43F0-80BF855A026B}"/>
               </a:ext>
             </a:extLst>
           </p:cNvPr>
@@ -8822,7 +9434,7 @@
         </p:nvSpPr>
         <p:spPr>
           <a:xfrm>
-            <a:off x="9133736" y="3395788"/>
+            <a:off x="7460754" y="2575576"/>
             <a:ext cx="1661603" cy="751537"/>
           </a:xfrm>
           <a:prstGeom prst="ellipse">
@@ -8863,10 +9475,10 @@
       </p:sp>
       <p:sp>
         <p:nvSpPr>
-          <p:cNvPr id="12" name="椭圆 11">
-            <a:extLst>
-              <a:ext uri="{FF2B5EF4-FFF2-40B4-BE49-F238E27FC236}">
-                <a16:creationId xmlns:a16="http://schemas.microsoft.com/office/drawing/2014/main" id="{67A5EEEF-AD36-B541-EB53-0DEE4B4F8DA2}"/>
+          <p:cNvPr id="30" name="椭圆 29">
+            <a:extLst>
+              <a:ext uri="{FF2B5EF4-FFF2-40B4-BE49-F238E27FC236}">
+                <a16:creationId xmlns:a16="http://schemas.microsoft.com/office/drawing/2014/main" id="{616A20E3-C00A-BBC1-D970-B5C701808B2F}"/>
               </a:ext>
             </a:extLst>
           </p:cNvPr>
@@ -8875,14 +9487,14 @@
         </p:nvSpPr>
         <p:spPr>
           <a:xfrm>
-            <a:off x="4963825" y="1246778"/>
+            <a:off x="2239765" y="4515679"/>
             <a:ext cx="1661603" cy="751537"/>
           </a:xfrm>
           <a:prstGeom prst="ellipse">
             <a:avLst/>
           </a:prstGeom>
           <a:solidFill>
-            <a:srgbClr val="C00000"/>
+            <a:srgbClr val="00B050"/>
           </a:solidFill>
         </p:spPr>
         <p:style>
@@ -8916,10 +9528,10 @@
       </p:sp>
       <p:sp>
         <p:nvSpPr>
-          <p:cNvPr id="13" name="箭头: 右 12">
-            <a:extLst>
-              <a:ext uri="{FF2B5EF4-FFF2-40B4-BE49-F238E27FC236}">
-                <a16:creationId xmlns:a16="http://schemas.microsoft.com/office/drawing/2014/main" id="{8DFA9062-86D1-0683-B576-81B333C92050}"/>
+          <p:cNvPr id="34" name="矩形 33">
+            <a:extLst>
+              <a:ext uri="{FF2B5EF4-FFF2-40B4-BE49-F238E27FC236}">
+                <a16:creationId xmlns:a16="http://schemas.microsoft.com/office/drawing/2014/main" id="{9D124D0D-80EC-99EE-1E71-82D0F4D25F32}"/>
               </a:ext>
             </a:extLst>
           </p:cNvPr>
@@ -8927,15 +9539,12 @@
           <p:nvPr/>
         </p:nvSpPr>
         <p:spPr>
-          <a:xfrm rot="5400000">
-            <a:off x="5672783" y="2823949"/>
-            <a:ext cx="290271" cy="313710"/>
-          </a:xfrm>
-          <a:prstGeom prst="rightArrow">
-            <a:avLst>
-              <a:gd name="adj1" fmla="val 33704"/>
-              <a:gd name="adj2" fmla="val 50000"/>
-            </a:avLst>
+          <a:xfrm>
+            <a:off x="5308602" y="4515788"/>
+            <a:ext cx="2168531" cy="751537"/>
+          </a:xfrm>
+          <a:prstGeom prst="rect">
+            <a:avLst/>
           </a:prstGeom>
         </p:spPr>
         <p:style>
@@ -8959,16 +9568,20 @@
           <a:lstStyle/>
           <a:p>
             <a:pPr algn="ctr"/>
-            <a:endParaRPr lang="zh-CN" altLang="en-US"/>
-          </a:p>
-        </p:txBody>
-      </p:sp>
-      <p:sp>
-        <p:nvSpPr>
-          <p:cNvPr id="14" name="加号 13">
-            <a:extLst>
-              <a:ext uri="{FF2B5EF4-FFF2-40B4-BE49-F238E27FC236}">
-                <a16:creationId xmlns:a16="http://schemas.microsoft.com/office/drawing/2014/main" id="{42E43830-3051-8E87-14A1-B5BEC28AD4FA}"/>
+            <a:r>
+              <a:rPr lang="en-US" altLang="zh-CN" dirty="0"/>
+              <a:t>Generator&lt;DSL&gt;</a:t>
+            </a:r>
+            <a:endParaRPr lang="zh-CN" altLang="en-US" dirty="0"/>
+          </a:p>
+        </p:txBody>
+      </p:sp>
+      <p:sp>
+        <p:nvSpPr>
+          <p:cNvPr id="35" name="箭头: 右 34">
+            <a:extLst>
+              <a:ext uri="{FF2B5EF4-FFF2-40B4-BE49-F238E27FC236}">
+                <a16:creationId xmlns:a16="http://schemas.microsoft.com/office/drawing/2014/main" id="{4AC889E5-7C6B-345C-EB0D-EA6A15EE3E41}"/>
               </a:ext>
             </a:extLst>
           </p:cNvPr>
@@ -8977,11 +9590,14 @@
         </p:nvSpPr>
         <p:spPr>
           <a:xfrm>
-            <a:off x="5330031" y="2326475"/>
-            <a:ext cx="977142" cy="751537"/>
-          </a:xfrm>
-          <a:prstGeom prst="mathPlus">
-            <a:avLst/>
+            <a:off x="4203532" y="4765565"/>
+            <a:ext cx="842481" cy="293960"/>
+          </a:xfrm>
+          <a:prstGeom prst="rightArrow">
+            <a:avLst>
+              <a:gd name="adj1" fmla="val 33704"/>
+              <a:gd name="adj2" fmla="val 50000"/>
+            </a:avLst>
           </a:prstGeom>
         </p:spPr>
         <p:style>
@@ -9011,10 +9627,10 @@
       </p:sp>
       <p:sp>
         <p:nvSpPr>
-          <p:cNvPr id="15" name="椭圆 14">
-            <a:extLst>
-              <a:ext uri="{FF2B5EF4-FFF2-40B4-BE49-F238E27FC236}">
-                <a16:creationId xmlns:a16="http://schemas.microsoft.com/office/drawing/2014/main" id="{95E8E489-4AFF-C818-DEDE-77B1C0E5370C}"/>
+          <p:cNvPr id="33" name="加号 32">
+            <a:extLst>
+              <a:ext uri="{FF2B5EF4-FFF2-40B4-BE49-F238E27FC236}">
+                <a16:creationId xmlns:a16="http://schemas.microsoft.com/office/drawing/2014/main" id="{679FA90A-2AC3-68A9-EF59-E42519DE28E1}"/>
               </a:ext>
             </a:extLst>
           </p:cNvPr>
@@ -9023,15 +9639,12 @@
         </p:nvSpPr>
         <p:spPr>
           <a:xfrm>
-            <a:off x="2128142" y="1277600"/>
-            <a:ext cx="1661603" cy="751537"/>
-          </a:xfrm>
-          <a:prstGeom prst="ellipse">
+            <a:off x="4058597" y="4536485"/>
+            <a:ext cx="977142" cy="751537"/>
+          </a:xfrm>
+          <a:prstGeom prst="mathPlus">
             <a:avLst/>
           </a:prstGeom>
-          <a:solidFill>
-            <a:srgbClr val="00B050"/>
-          </a:solidFill>
         </p:spPr>
         <p:style>
           <a:lnRef idx="2">
@@ -9054,20 +9667,16 @@
           <a:lstStyle/>
           <a:p>
             <a:pPr algn="ctr"/>
-            <a:r>
-              <a:rPr lang="en-US" altLang="zh-CN" dirty="0"/>
-              <a:t>Delta</a:t>
-            </a:r>
-            <a:endParaRPr lang="zh-CN" altLang="en-US" dirty="0"/>
-          </a:p>
-        </p:txBody>
-      </p:sp>
-      <p:sp>
-        <p:nvSpPr>
-          <p:cNvPr id="16" name="箭头: 右 15">
-            <a:extLst>
-              <a:ext uri="{FF2B5EF4-FFF2-40B4-BE49-F238E27FC236}">
-                <a16:creationId xmlns:a16="http://schemas.microsoft.com/office/drawing/2014/main" id="{1741330E-2C6B-EB14-BED1-08AA39913B8F}"/>
+            <a:endParaRPr lang="zh-CN" altLang="en-US"/>
+          </a:p>
+        </p:txBody>
+      </p:sp>
+      <p:sp>
+        <p:nvSpPr>
+          <p:cNvPr id="37" name="矩形 36">
+            <a:extLst>
+              <a:ext uri="{FF2B5EF4-FFF2-40B4-BE49-F238E27FC236}">
+                <a16:creationId xmlns:a16="http://schemas.microsoft.com/office/drawing/2014/main" id="{0FFC943B-05AA-5C56-2937-2AC8C8200392}"/>
               </a:ext>
             </a:extLst>
           </p:cNvPr>
@@ -9075,15 +9684,12 @@
           <p:nvPr/>
         </p:nvSpPr>
         <p:spPr>
-          <a:xfrm rot="5400000">
-            <a:off x="2837100" y="2854771"/>
-            <a:ext cx="290271" cy="313710"/>
-          </a:xfrm>
-          <a:prstGeom prst="rightArrow">
-            <a:avLst>
-              <a:gd name="adj1" fmla="val 33704"/>
-              <a:gd name="adj2" fmla="val 50000"/>
-            </a:avLst>
+          <a:xfrm>
+            <a:off x="8001862" y="4940158"/>
+            <a:ext cx="772268" cy="119367"/>
+          </a:xfrm>
+          <a:prstGeom prst="rect">
+            <a:avLst/>
           </a:prstGeom>
         </p:spPr>
         <p:style>
@@ -9113,10 +9719,10 @@
       </p:sp>
       <p:sp>
         <p:nvSpPr>
-          <p:cNvPr id="17" name="加号 16">
-            <a:extLst>
-              <a:ext uri="{FF2B5EF4-FFF2-40B4-BE49-F238E27FC236}">
-                <a16:creationId xmlns:a16="http://schemas.microsoft.com/office/drawing/2014/main" id="{23AE8C24-0648-7702-95C8-94D78DF26CE8}"/>
+          <p:cNvPr id="38" name="矩形 37">
+            <a:extLst>
+              <a:ext uri="{FF2B5EF4-FFF2-40B4-BE49-F238E27FC236}">
+                <a16:creationId xmlns:a16="http://schemas.microsoft.com/office/drawing/2014/main" id="{2503C6B9-8588-97A4-FA82-68BDEF9F1EF0}"/>
               </a:ext>
             </a:extLst>
           </p:cNvPr>
@@ -9125,10 +9731,10 @@
         </p:nvSpPr>
         <p:spPr>
           <a:xfrm>
-            <a:off x="2494348" y="2357297"/>
-            <a:ext cx="977142" cy="751537"/>
-          </a:xfrm>
-          <a:prstGeom prst="mathPlus">
+            <a:off x="8000151" y="4743238"/>
+            <a:ext cx="773979" cy="119367"/>
+          </a:xfrm>
+          <a:prstGeom prst="rect">
             <a:avLst/>
           </a:prstGeom>
         </p:spPr>
@@ -9159,10 +9765,10 @@
       </p:sp>
       <p:sp>
         <p:nvSpPr>
-          <p:cNvPr id="18" name="椭圆 17">
-            <a:extLst>
-              <a:ext uri="{FF2B5EF4-FFF2-40B4-BE49-F238E27FC236}">
-                <a16:creationId xmlns:a16="http://schemas.microsoft.com/office/drawing/2014/main" id="{8233DB15-20BA-8F93-255D-DCA3EF0A8E16}"/>
+          <p:cNvPr id="39" name="椭圆 38">
+            <a:extLst>
+              <a:ext uri="{FF2B5EF4-FFF2-40B4-BE49-F238E27FC236}">
+                <a16:creationId xmlns:a16="http://schemas.microsoft.com/office/drawing/2014/main" id="{4CC97309-4587-F45D-255D-14A6EC6D9BBB}"/>
               </a:ext>
             </a:extLst>
           </p:cNvPr>
@@ -9171,14 +9777,14 @@
         </p:nvSpPr>
         <p:spPr>
           <a:xfrm>
-            <a:off x="5960417" y="5448917"/>
+            <a:off x="9246749" y="4505404"/>
             <a:ext cx="1661603" cy="751537"/>
           </a:xfrm>
           <a:prstGeom prst="ellipse">
             <a:avLst/>
           </a:prstGeom>
           <a:solidFill>
-            <a:srgbClr val="7030A0"/>
+            <a:schemeClr val="tx1"/>
           </a:solidFill>
         </p:spPr>
         <p:style>
@@ -9204,7 +9810,7 @@
             <a:pPr algn="ctr"/>
             <a:r>
               <a:rPr lang="en-US" altLang="zh-CN" dirty="0"/>
-              <a:t>Delta</a:t>
+              <a:t>App</a:t>
             </a:r>
             <a:endParaRPr lang="zh-CN" altLang="en-US" dirty="0"/>
           </a:p>
@@ -9212,105 +9818,10 @@
       </p:sp>
       <p:sp>
         <p:nvSpPr>
-          <p:cNvPr id="19" name="箭头: 右 18">
-            <a:extLst>
-              <a:ext uri="{FF2B5EF4-FFF2-40B4-BE49-F238E27FC236}">
-                <a16:creationId xmlns:a16="http://schemas.microsoft.com/office/drawing/2014/main" id="{EB45F6C5-C9EA-AFCD-5C81-399C113B9951}"/>
-              </a:ext>
-            </a:extLst>
-          </p:cNvPr>
-          <p:cNvSpPr/>
-          <p:nvPr/>
-        </p:nvSpPr>
-        <p:spPr>
-          <a:xfrm rot="16200000">
-            <a:off x="6618689" y="4384386"/>
-            <a:ext cx="290271" cy="313710"/>
-          </a:xfrm>
-          <a:prstGeom prst="rightArrow">
-            <a:avLst>
-              <a:gd name="adj1" fmla="val 33704"/>
-              <a:gd name="adj2" fmla="val 50000"/>
-            </a:avLst>
-          </a:prstGeom>
-        </p:spPr>
-        <p:style>
-          <a:lnRef idx="2">
-            <a:schemeClr val="accent1">
-              <a:shade val="50000"/>
-            </a:schemeClr>
-          </a:lnRef>
-          <a:fillRef idx="1">
-            <a:schemeClr val="accent1"/>
-          </a:fillRef>
-          <a:effectRef idx="0">
-            <a:schemeClr val="accent1"/>
-          </a:effectRef>
-          <a:fontRef idx="minor">
-            <a:schemeClr val="lt1"/>
-          </a:fontRef>
-        </p:style>
-        <p:txBody>
-          <a:bodyPr rtlCol="0" anchor="ctr"/>
-          <a:lstStyle/>
-          <a:p>
-            <a:pPr algn="ctr"/>
-            <a:endParaRPr lang="zh-CN" altLang="en-US"/>
-          </a:p>
-        </p:txBody>
-      </p:sp>
-      <p:sp>
-        <p:nvSpPr>
-          <p:cNvPr id="20" name="加号 19">
-            <a:extLst>
-              <a:ext uri="{FF2B5EF4-FFF2-40B4-BE49-F238E27FC236}">
-                <a16:creationId xmlns:a16="http://schemas.microsoft.com/office/drawing/2014/main" id="{2CD4D377-577C-FF2A-AEB9-15AA822BC005}"/>
-              </a:ext>
-            </a:extLst>
-          </p:cNvPr>
-          <p:cNvSpPr/>
-          <p:nvPr/>
-        </p:nvSpPr>
-        <p:spPr>
-          <a:xfrm>
-            <a:off x="6275253" y="4453228"/>
-            <a:ext cx="977142" cy="751537"/>
-          </a:xfrm>
-          <a:prstGeom prst="mathPlus">
-            <a:avLst/>
-          </a:prstGeom>
-        </p:spPr>
-        <p:style>
-          <a:lnRef idx="2">
-            <a:schemeClr val="accent1">
-              <a:shade val="50000"/>
-            </a:schemeClr>
-          </a:lnRef>
-          <a:fillRef idx="1">
-            <a:schemeClr val="accent1"/>
-          </a:fillRef>
-          <a:effectRef idx="0">
-            <a:schemeClr val="accent1"/>
-          </a:effectRef>
-          <a:fontRef idx="minor">
-            <a:schemeClr val="lt1"/>
-          </a:fontRef>
-        </p:style>
-        <p:txBody>
-          <a:bodyPr rtlCol="0" anchor="ctr"/>
-          <a:lstStyle/>
-          <a:p>
-            <a:pPr algn="ctr"/>
-            <a:endParaRPr lang="zh-CN" altLang="en-US"/>
-          </a:p>
-        </p:txBody>
-      </p:sp>
-      <p:sp>
-        <p:nvSpPr>
-          <p:cNvPr id="2" name="文本框 1">
-            <a:extLst>
-              <a:ext uri="{FF2B5EF4-FFF2-40B4-BE49-F238E27FC236}">
-                <a16:creationId xmlns:a16="http://schemas.microsoft.com/office/drawing/2014/main" id="{3C94D8A1-9917-8B97-5FC7-325C311C388B}"/>
+          <p:cNvPr id="6" name="文本框 5">
+            <a:extLst>
+              <a:ext uri="{FF2B5EF4-FFF2-40B4-BE49-F238E27FC236}">
+                <a16:creationId xmlns:a16="http://schemas.microsoft.com/office/drawing/2014/main" id="{886044FC-B065-DE39-E07E-69143E830ED5}"/>
               </a:ext>
             </a:extLst>
           </p:cNvPr>
@@ -9319,8 +9830,8 @@
         </p:nvSpPr>
         <p:spPr>
           <a:xfrm>
-            <a:off x="434689" y="267393"/>
-            <a:ext cx="2909886" cy="523220"/>
+            <a:off x="531957" y="275012"/>
+            <a:ext cx="1944115" cy="523220"/>
           </a:xfrm>
           <a:prstGeom prst="rect">
             <a:avLst/>
@@ -9335,7 +9846,7 @@
           <a:p>
             <a:r>
               <a:rPr lang="zh-CN" altLang="en-US" sz="2800" b="1" dirty="0"/>
-              <a:t>差量无处不在</a:t>
+              <a:t>可逆计算</a:t>
             </a:r>
           </a:p>
         </p:txBody>
@@ -9343,7 +9854,7 @@
     </p:spTree>
     <p:extLst>
       <p:ext uri="{BB962C8B-B14F-4D97-AF65-F5344CB8AC3E}">
-        <p14:creationId xmlns:p14="http://schemas.microsoft.com/office/powerpoint/2010/main" val="3916503306"/>
+        <p14:creationId xmlns:p14="http://schemas.microsoft.com/office/powerpoint/2010/main" val="2796935556"/>
       </p:ext>
     </p:extLst>
   </p:cSld>
@@ -9372,10 +9883,10 @@
       </p:grpSpPr>
       <p:sp>
         <p:nvSpPr>
-          <p:cNvPr id="4" name="矩形 3">
-            <a:extLst>
-              <a:ext uri="{FF2B5EF4-FFF2-40B4-BE49-F238E27FC236}">
-                <a16:creationId xmlns:a16="http://schemas.microsoft.com/office/drawing/2014/main" id="{82624254-68F0-2252-7C78-0D7D3F200AEA}"/>
+          <p:cNvPr id="4" name="椭圆 3">
+            <a:extLst>
+              <a:ext uri="{FF2B5EF4-FFF2-40B4-BE49-F238E27FC236}">
+                <a16:creationId xmlns:a16="http://schemas.microsoft.com/office/drawing/2014/main" id="{BA21F397-5CAF-7D57-3668-D7E3C34226A2}"/>
               </a:ext>
             </a:extLst>
           </p:cNvPr>
@@ -9384,12 +9895,15 @@
         </p:nvSpPr>
         <p:spPr>
           <a:xfrm>
-            <a:off x="1118773" y="3680866"/>
-            <a:ext cx="1661602" cy="751537"/>
-          </a:xfrm>
-          <a:prstGeom prst="rect">
+            <a:off x="2126752" y="3406063"/>
+            <a:ext cx="1661603" cy="751537"/>
+          </a:xfrm>
+          <a:prstGeom prst="ellipse">
             <a:avLst/>
           </a:prstGeom>
+          <a:solidFill>
+            <a:srgbClr val="00B050"/>
+          </a:solidFill>
         </p:spPr>
         <p:style>
           <a:lnRef idx="2">
@@ -9414,7 +9928,7 @@
             <a:pPr algn="ctr"/>
             <a:r>
               <a:rPr lang="en-US" altLang="zh-CN" dirty="0"/>
-              <a:t>_XORM</a:t>
+              <a:t>Delta</a:t>
             </a:r>
             <a:endParaRPr lang="zh-CN" altLang="en-US" dirty="0"/>
           </a:p>
@@ -9422,10 +9936,10 @@
       </p:sp>
       <p:sp>
         <p:nvSpPr>
-          <p:cNvPr id="5" name="矩形 4">
-            <a:extLst>
-              <a:ext uri="{FF2B5EF4-FFF2-40B4-BE49-F238E27FC236}">
-                <a16:creationId xmlns:a16="http://schemas.microsoft.com/office/drawing/2014/main" id="{CE1A4767-FE4D-56D1-40B2-262D4B5896C7}"/>
+          <p:cNvPr id="6" name="矩形 5">
+            <a:extLst>
+              <a:ext uri="{FF2B5EF4-FFF2-40B4-BE49-F238E27FC236}">
+                <a16:creationId xmlns:a16="http://schemas.microsoft.com/office/drawing/2014/main" id="{A592B2C6-E414-8D0D-7C13-EC4AA1091540}"/>
               </a:ext>
             </a:extLst>
           </p:cNvPr>
@@ -9434,8 +9948,8 @@
         </p:nvSpPr>
         <p:spPr>
           <a:xfrm>
-            <a:off x="1118773" y="2953653"/>
-            <a:ext cx="1661602" cy="751537"/>
+            <a:off x="5195589" y="3406172"/>
+            <a:ext cx="2168531" cy="751537"/>
           </a:xfrm>
           <a:prstGeom prst="rect">
             <a:avLst/>
@@ -9464,7 +9978,7 @@
             <a:pPr algn="ctr"/>
             <a:r>
               <a:rPr lang="en-US" altLang="zh-CN" dirty="0"/>
-              <a:t>XORM</a:t>
+              <a:t>Generator&lt;DSL&gt;</a:t>
             </a:r>
             <a:endParaRPr lang="zh-CN" altLang="en-US" dirty="0"/>
           </a:p>
@@ -9472,10 +9986,10 @@
       </p:sp>
       <p:sp>
         <p:nvSpPr>
-          <p:cNvPr id="12" name="矩形 11">
-            <a:extLst>
-              <a:ext uri="{FF2B5EF4-FFF2-40B4-BE49-F238E27FC236}">
-                <a16:creationId xmlns:a16="http://schemas.microsoft.com/office/drawing/2014/main" id="{D596708B-FC6D-BF5E-34FA-D9730BE8E7E6}"/>
+          <p:cNvPr id="7" name="箭头: 右 6">
+            <a:extLst>
+              <a:ext uri="{FF2B5EF4-FFF2-40B4-BE49-F238E27FC236}">
+                <a16:creationId xmlns:a16="http://schemas.microsoft.com/office/drawing/2014/main" id="{B43E41AE-E5AE-5FD0-C739-3429C3503F2C}"/>
               </a:ext>
             </a:extLst>
           </p:cNvPr>
@@ -9484,11 +9998,14 @@
         </p:nvSpPr>
         <p:spPr>
           <a:xfrm>
-            <a:off x="3743005" y="3692778"/>
-            <a:ext cx="1661602" cy="751537"/>
-          </a:xfrm>
-          <a:prstGeom prst="rect">
-            <a:avLst/>
+            <a:off x="4090519" y="3655949"/>
+            <a:ext cx="842481" cy="293960"/>
+          </a:xfrm>
+          <a:prstGeom prst="rightArrow">
+            <a:avLst>
+              <a:gd name="adj1" fmla="val 33704"/>
+              <a:gd name="adj2" fmla="val 50000"/>
+            </a:avLst>
           </a:prstGeom>
         </p:spPr>
         <p:style>
@@ -9512,24 +10029,16 @@
           <a:lstStyle/>
           <a:p>
             <a:pPr algn="ctr"/>
-            <a:r>
-              <a:rPr lang="en-US" altLang="zh-CN" dirty="0"/>
-              <a:t>_</a:t>
-            </a:r>
-            <a:r>
-              <a:rPr lang="en-US" altLang="zh-CN" dirty="0" err="1"/>
-              <a:t>XMeta</a:t>
-            </a:r>
-            <a:endParaRPr lang="zh-CN" altLang="en-US" dirty="0"/>
-          </a:p>
-        </p:txBody>
-      </p:sp>
-      <p:sp>
-        <p:nvSpPr>
-          <p:cNvPr id="14" name="矩形 13">
-            <a:extLst>
-              <a:ext uri="{FF2B5EF4-FFF2-40B4-BE49-F238E27FC236}">
-                <a16:creationId xmlns:a16="http://schemas.microsoft.com/office/drawing/2014/main" id="{4EAEFFBD-C790-40AB-8120-0ED2F6F3E3AA}"/>
+            <a:endParaRPr lang="zh-CN" altLang="en-US"/>
+          </a:p>
+        </p:txBody>
+      </p:sp>
+      <p:sp>
+        <p:nvSpPr>
+          <p:cNvPr id="8" name="加号 7">
+            <a:extLst>
+              <a:ext uri="{FF2B5EF4-FFF2-40B4-BE49-F238E27FC236}">
+                <a16:creationId xmlns:a16="http://schemas.microsoft.com/office/drawing/2014/main" id="{47CD597C-D8A2-54A4-4573-4EF2E380D9D1}"/>
               </a:ext>
             </a:extLst>
           </p:cNvPr>
@@ -9538,15 +10047,12 @@
         </p:nvSpPr>
         <p:spPr>
           <a:xfrm>
-            <a:off x="6455593" y="3705358"/>
-            <a:ext cx="1661602" cy="751537"/>
-          </a:xfrm>
-          <a:prstGeom prst="rect">
+            <a:off x="3945584" y="3426869"/>
+            <a:ext cx="977142" cy="751537"/>
+          </a:xfrm>
+          <a:prstGeom prst="mathPlus">
             <a:avLst/>
           </a:prstGeom>
-          <a:solidFill>
-            <a:srgbClr val="C00000"/>
-          </a:solidFill>
         </p:spPr>
         <p:style>
           <a:lnRef idx="2">
@@ -9569,24 +10075,16 @@
           <a:lstStyle/>
           <a:p>
             <a:pPr algn="ctr"/>
-            <a:r>
-              <a:rPr lang="en-US" altLang="zh-CN" dirty="0"/>
-              <a:t>_</a:t>
-            </a:r>
-            <a:r>
-              <a:rPr lang="en-US" altLang="zh-CN" dirty="0" err="1"/>
-              <a:t>XView</a:t>
-            </a:r>
-            <a:endParaRPr lang="zh-CN" altLang="en-US" dirty="0"/>
-          </a:p>
-        </p:txBody>
-      </p:sp>
-      <p:sp>
-        <p:nvSpPr>
-          <p:cNvPr id="19" name="矩形 18">
-            <a:extLst>
-              <a:ext uri="{FF2B5EF4-FFF2-40B4-BE49-F238E27FC236}">
-                <a16:creationId xmlns:a16="http://schemas.microsoft.com/office/drawing/2014/main" id="{1DDE44B1-52E8-98C7-D898-D63D745B0F63}"/>
+            <a:endParaRPr lang="zh-CN" altLang="en-US"/>
+          </a:p>
+        </p:txBody>
+      </p:sp>
+      <p:sp>
+        <p:nvSpPr>
+          <p:cNvPr id="9" name="矩形 8">
+            <a:extLst>
+              <a:ext uri="{FF2B5EF4-FFF2-40B4-BE49-F238E27FC236}">
+                <a16:creationId xmlns:a16="http://schemas.microsoft.com/office/drawing/2014/main" id="{AB67A7CB-8439-07EF-CCF1-8A27B4C87B7D}"/>
               </a:ext>
             </a:extLst>
           </p:cNvPr>
@@ -9595,15 +10093,12 @@
         </p:nvSpPr>
         <p:spPr>
           <a:xfrm>
-            <a:off x="9171697" y="2941241"/>
-            <a:ext cx="1661602" cy="751537"/>
+            <a:off x="7888849" y="3830542"/>
+            <a:ext cx="772268" cy="119367"/>
           </a:xfrm>
           <a:prstGeom prst="rect">
             <a:avLst/>
           </a:prstGeom>
-          <a:solidFill>
-            <a:srgbClr val="C00000"/>
-          </a:solidFill>
         </p:spPr>
         <p:style>
           <a:lnRef idx="2">
@@ -9626,55 +10121,16 @@
           <a:lstStyle/>
           <a:p>
             <a:pPr algn="ctr"/>
-            <a:r>
-              <a:rPr lang="en-US" altLang="zh-CN" dirty="0" err="1"/>
-              <a:t>XPage</a:t>
-            </a:r>
-            <a:endParaRPr lang="zh-CN" altLang="en-US" dirty="0"/>
-          </a:p>
-        </p:txBody>
-      </p:sp>
-      <p:sp>
-        <p:nvSpPr>
-          <p:cNvPr id="49" name="文本框 48">
-            <a:extLst>
-              <a:ext uri="{FF2B5EF4-FFF2-40B4-BE49-F238E27FC236}">
-                <a16:creationId xmlns:a16="http://schemas.microsoft.com/office/drawing/2014/main" id="{C76386B8-0A78-88D0-283F-26AEFDECAB74}"/>
-              </a:ext>
-            </a:extLst>
-          </p:cNvPr>
-          <p:cNvSpPr txBox="1"/>
-          <p:nvPr/>
-        </p:nvSpPr>
-        <p:spPr>
-          <a:xfrm>
-            <a:off x="434689" y="267393"/>
-            <a:ext cx="2380430" cy="523220"/>
-          </a:xfrm>
-          <a:prstGeom prst="rect">
-            <a:avLst/>
-          </a:prstGeom>
-          <a:noFill/>
-        </p:spPr>
-        <p:txBody>
-          <a:bodyPr wrap="square" rtlCol="0">
-            <a:spAutoFit/>
-          </a:bodyPr>
-          <a:lstStyle/>
-          <a:p>
-            <a:r>
-              <a:rPr lang="zh-CN" altLang="en-US" sz="2800" b="1" dirty="0"/>
-              <a:t>差量流水线</a:t>
-            </a:r>
-          </a:p>
-        </p:txBody>
-      </p:sp>
-      <p:sp>
-        <p:nvSpPr>
-          <p:cNvPr id="2" name="矩形 1">
-            <a:extLst>
-              <a:ext uri="{FF2B5EF4-FFF2-40B4-BE49-F238E27FC236}">
-                <a16:creationId xmlns:a16="http://schemas.microsoft.com/office/drawing/2014/main" id="{D9D7C2E0-53A0-8A71-7E5A-41DA55453420}"/>
+            <a:endParaRPr lang="zh-CN" altLang="en-US"/>
+          </a:p>
+        </p:txBody>
+      </p:sp>
+      <p:sp>
+        <p:nvSpPr>
+          <p:cNvPr id="10" name="矩形 9">
+            <a:extLst>
+              <a:ext uri="{FF2B5EF4-FFF2-40B4-BE49-F238E27FC236}">
+                <a16:creationId xmlns:a16="http://schemas.microsoft.com/office/drawing/2014/main" id="{2759FF7F-6595-7E3D-462B-F693C8B55986}"/>
               </a:ext>
             </a:extLst>
           </p:cNvPr>
@@ -9683,8 +10139,8 @@
         </p:nvSpPr>
         <p:spPr>
           <a:xfrm>
-            <a:off x="3739489" y="2941242"/>
-            <a:ext cx="1661602" cy="751537"/>
+            <a:off x="7887138" y="3633622"/>
+            <a:ext cx="773979" cy="119367"/>
           </a:xfrm>
           <a:prstGeom prst="rect">
             <a:avLst/>
@@ -9711,20 +10167,16 @@
           <a:lstStyle/>
           <a:p>
             <a:pPr algn="ctr"/>
-            <a:r>
-              <a:rPr lang="en-US" altLang="zh-CN" dirty="0" err="1"/>
-              <a:t>XMeta</a:t>
-            </a:r>
-            <a:endParaRPr lang="zh-CN" altLang="en-US" dirty="0"/>
-          </a:p>
-        </p:txBody>
-      </p:sp>
-      <p:sp>
-        <p:nvSpPr>
-          <p:cNvPr id="11" name="矩形 10">
-            <a:extLst>
-              <a:ext uri="{FF2B5EF4-FFF2-40B4-BE49-F238E27FC236}">
-                <a16:creationId xmlns:a16="http://schemas.microsoft.com/office/drawing/2014/main" id="{656E952D-7207-7257-2CE4-D3885B5052C3}"/>
+            <a:endParaRPr lang="zh-CN" altLang="en-US"/>
+          </a:p>
+        </p:txBody>
+      </p:sp>
+      <p:sp>
+        <p:nvSpPr>
+          <p:cNvPr id="11" name="椭圆 10">
+            <a:extLst>
+              <a:ext uri="{FF2B5EF4-FFF2-40B4-BE49-F238E27FC236}">
+                <a16:creationId xmlns:a16="http://schemas.microsoft.com/office/drawing/2014/main" id="{2AA33660-0ED8-1BD8-58F6-A19187136E03}"/>
               </a:ext>
             </a:extLst>
           </p:cNvPr>
@@ -9733,14 +10185,14 @@
         </p:nvSpPr>
         <p:spPr>
           <a:xfrm>
-            <a:off x="6455593" y="2953653"/>
-            <a:ext cx="1661602" cy="751537"/>
-          </a:xfrm>
-          <a:prstGeom prst="rect">
+            <a:off x="9133736" y="3395788"/>
+            <a:ext cx="1661603" cy="751537"/>
+          </a:xfrm>
+          <a:prstGeom prst="ellipse">
             <a:avLst/>
           </a:prstGeom>
           <a:solidFill>
-            <a:srgbClr val="C00000"/>
+            <a:schemeClr val="tx1"/>
           </a:solidFill>
         </p:spPr>
         <p:style>
@@ -9765,19 +10217,19 @@
           <a:p>
             <a:pPr algn="ctr"/>
             <a:r>
-              <a:rPr lang="en-US" altLang="zh-CN" dirty="0" err="1"/>
-              <a:t>XView</a:t>
-            </a:r>
-            <a:endParaRPr lang="en-US" altLang="zh-CN" dirty="0"/>
-          </a:p>
-        </p:txBody>
-      </p:sp>
-      <p:sp>
-        <p:nvSpPr>
-          <p:cNvPr id="22" name="矩形 21">
-            <a:extLst>
-              <a:ext uri="{FF2B5EF4-FFF2-40B4-BE49-F238E27FC236}">
-                <a16:creationId xmlns:a16="http://schemas.microsoft.com/office/drawing/2014/main" id="{CA4418D9-C431-D727-C854-E7CFD25EAA57}"/>
+              <a:rPr lang="en-US" altLang="zh-CN" dirty="0"/>
+              <a:t>App</a:t>
+            </a:r>
+            <a:endParaRPr lang="zh-CN" altLang="en-US" dirty="0"/>
+          </a:p>
+        </p:txBody>
+      </p:sp>
+      <p:sp>
+        <p:nvSpPr>
+          <p:cNvPr id="12" name="椭圆 11">
+            <a:extLst>
+              <a:ext uri="{FF2B5EF4-FFF2-40B4-BE49-F238E27FC236}">
+                <a16:creationId xmlns:a16="http://schemas.microsoft.com/office/drawing/2014/main" id="{67A5EEEF-AD36-B541-EB53-0DEE4B4F8DA2}"/>
               </a:ext>
             </a:extLst>
           </p:cNvPr>
@@ -9786,10 +10238,10 @@
         </p:nvSpPr>
         <p:spPr>
           <a:xfrm>
-            <a:off x="9170477" y="3691632"/>
-            <a:ext cx="1661602" cy="751537"/>
-          </a:xfrm>
-          <a:prstGeom prst="rect">
+            <a:off x="4963825" y="1246778"/>
+            <a:ext cx="1661603" cy="751537"/>
+          </a:xfrm>
+          <a:prstGeom prst="ellipse">
             <a:avLst/>
           </a:prstGeom>
           <a:solidFill>
@@ -9819,11 +10271,7 @@
             <a:pPr algn="ctr"/>
             <a:r>
               <a:rPr lang="en-US" altLang="zh-CN" dirty="0"/>
-              <a:t>_</a:t>
-            </a:r>
-            <a:r>
-              <a:rPr lang="en-US" altLang="zh-CN" dirty="0" err="1"/>
-              <a:t>XPage</a:t>
+              <a:t>Delta</a:t>
             </a:r>
             <a:endParaRPr lang="zh-CN" altLang="en-US" dirty="0"/>
           </a:p>
@@ -9831,10 +10279,10 @@
       </p:sp>
       <p:sp>
         <p:nvSpPr>
-          <p:cNvPr id="7" name="椭圆 6">
-            <a:extLst>
-              <a:ext uri="{FF2B5EF4-FFF2-40B4-BE49-F238E27FC236}">
-                <a16:creationId xmlns:a16="http://schemas.microsoft.com/office/drawing/2014/main" id="{C8313F1A-B63D-3A10-E8C1-AB28C38E41FE}"/>
+          <p:cNvPr id="13" name="箭头: 右 12">
+            <a:extLst>
+              <a:ext uri="{FF2B5EF4-FFF2-40B4-BE49-F238E27FC236}">
+                <a16:creationId xmlns:a16="http://schemas.microsoft.com/office/drawing/2014/main" id="{8DFA9062-86D1-0683-B576-81B333C92050}"/>
               </a:ext>
             </a:extLst>
           </p:cNvPr>
@@ -9842,16 +10290,16 @@
           <p:nvPr/>
         </p:nvSpPr>
         <p:spPr>
-          <a:xfrm>
-            <a:off x="1119759" y="5255029"/>
-            <a:ext cx="1661602" cy="751537"/>
-          </a:xfrm>
-          <a:prstGeom prst="ellipse">
-            <a:avLst/>
+          <a:xfrm rot="5400000">
+            <a:off x="5672783" y="2823949"/>
+            <a:ext cx="290271" cy="313710"/>
+          </a:xfrm>
+          <a:prstGeom prst="rightArrow">
+            <a:avLst>
+              <a:gd name="adj1" fmla="val 33704"/>
+              <a:gd name="adj2" fmla="val 50000"/>
+            </a:avLst>
           </a:prstGeom>
-          <a:solidFill>
-            <a:srgbClr val="7030A0"/>
-          </a:solidFill>
         </p:spPr>
         <p:style>
           <a:lnRef idx="2">
@@ -9874,20 +10322,16 @@
           <a:lstStyle/>
           <a:p>
             <a:pPr algn="ctr"/>
-            <a:r>
-              <a:rPr lang="en-US" altLang="zh-CN" dirty="0"/>
-              <a:t>Excel</a:t>
-            </a:r>
-            <a:endParaRPr lang="zh-CN" altLang="en-US" dirty="0"/>
-          </a:p>
-        </p:txBody>
-      </p:sp>
-      <p:sp>
-        <p:nvSpPr>
-          <p:cNvPr id="8" name="箭头: 右 7">
-            <a:extLst>
-              <a:ext uri="{FF2B5EF4-FFF2-40B4-BE49-F238E27FC236}">
-                <a16:creationId xmlns:a16="http://schemas.microsoft.com/office/drawing/2014/main" id="{5B1CFA59-D8A1-E062-7710-F234E2186247}"/>
+            <a:endParaRPr lang="zh-CN" altLang="en-US"/>
+          </a:p>
+        </p:txBody>
+      </p:sp>
+      <p:sp>
+        <p:nvSpPr>
+          <p:cNvPr id="14" name="加号 13">
+            <a:extLst>
+              <a:ext uri="{FF2B5EF4-FFF2-40B4-BE49-F238E27FC236}">
+                <a16:creationId xmlns:a16="http://schemas.microsoft.com/office/drawing/2014/main" id="{42E43830-3051-8E87-14A1-B5BEC28AD4FA}"/>
               </a:ext>
             </a:extLst>
           </p:cNvPr>
@@ -9895,11 +10339,11 @@
           <p:nvPr/>
         </p:nvSpPr>
         <p:spPr>
-          <a:xfrm rot="16200000">
-            <a:off x="1632536" y="4765617"/>
-            <a:ext cx="529841" cy="202391"/>
-          </a:xfrm>
-          <a:prstGeom prst="rightArrow">
+          <a:xfrm>
+            <a:off x="5330031" y="2326475"/>
+            <a:ext cx="977142" cy="751537"/>
+          </a:xfrm>
+          <a:prstGeom prst="mathPlus">
             <a:avLst/>
           </a:prstGeom>
         </p:spPr>
@@ -9930,45 +10374,10 @@
       </p:sp>
       <p:sp>
         <p:nvSpPr>
-          <p:cNvPr id="15" name="文本框 14">
-            <a:extLst>
-              <a:ext uri="{FF2B5EF4-FFF2-40B4-BE49-F238E27FC236}">
-                <a16:creationId xmlns:a16="http://schemas.microsoft.com/office/drawing/2014/main" id="{AC6C489F-E051-914F-A225-76E8289574A4}"/>
-              </a:ext>
-            </a:extLst>
-          </p:cNvPr>
-          <p:cNvSpPr txBox="1"/>
-          <p:nvPr/>
-        </p:nvSpPr>
-        <p:spPr>
-          <a:xfrm>
-            <a:off x="2049427" y="4677527"/>
-            <a:ext cx="708917" cy="369332"/>
-          </a:xfrm>
-          <a:prstGeom prst="rect">
-            <a:avLst/>
-          </a:prstGeom>
-          <a:noFill/>
-        </p:spPr>
-        <p:txBody>
-          <a:bodyPr wrap="square" rtlCol="0">
-            <a:spAutoFit/>
-          </a:bodyPr>
-          <a:lstStyle/>
-          <a:p>
-            <a:r>
-              <a:rPr lang="zh-CN" altLang="en-US" dirty="0"/>
-              <a:t>生成</a:t>
-            </a:r>
-          </a:p>
-        </p:txBody>
-      </p:sp>
-      <p:sp>
-        <p:nvSpPr>
-          <p:cNvPr id="26" name="椭圆 25">
-            <a:extLst>
-              <a:ext uri="{FF2B5EF4-FFF2-40B4-BE49-F238E27FC236}">
-                <a16:creationId xmlns:a16="http://schemas.microsoft.com/office/drawing/2014/main" id="{FAFE2A35-9FD0-1A68-9CAD-731A094AA618}"/>
+          <p:cNvPr id="15" name="椭圆 14">
+            <a:extLst>
+              <a:ext uri="{FF2B5EF4-FFF2-40B4-BE49-F238E27FC236}">
+                <a16:creationId xmlns:a16="http://schemas.microsoft.com/office/drawing/2014/main" id="{95E8E489-4AFF-C818-DEDE-77B1C0E5370C}"/>
               </a:ext>
             </a:extLst>
           </p:cNvPr>
@@ -9977,14 +10386,14 @@
         </p:nvSpPr>
         <p:spPr>
           <a:xfrm>
-            <a:off x="9171697" y="1267187"/>
-            <a:ext cx="1661602" cy="751537"/>
+            <a:off x="2128142" y="1277600"/>
+            <a:ext cx="1661603" cy="751537"/>
           </a:xfrm>
           <a:prstGeom prst="ellipse">
             <a:avLst/>
           </a:prstGeom>
           <a:solidFill>
-            <a:srgbClr val="7030A0"/>
+            <a:srgbClr val="00B050"/>
           </a:solidFill>
         </p:spPr>
         <p:style>
@@ -10009,18 +10418,19 @@
           <a:p>
             <a:pPr algn="ctr"/>
             <a:r>
-              <a:rPr lang="zh-CN" altLang="en-US" dirty="0"/>
-              <a:t>界面</a:t>
-            </a:r>
-          </a:p>
-        </p:txBody>
-      </p:sp>
-      <p:sp>
-        <p:nvSpPr>
-          <p:cNvPr id="27" name="箭头: 右 26">
-            <a:extLst>
-              <a:ext uri="{FF2B5EF4-FFF2-40B4-BE49-F238E27FC236}">
-                <a16:creationId xmlns:a16="http://schemas.microsoft.com/office/drawing/2014/main" id="{0705D658-343D-D9A0-4C7A-321BC4AEAD24}"/>
+              <a:rPr lang="en-US" altLang="zh-CN" dirty="0"/>
+              <a:t>Delta</a:t>
+            </a:r>
+            <a:endParaRPr lang="zh-CN" altLang="en-US" dirty="0"/>
+          </a:p>
+        </p:txBody>
+      </p:sp>
+      <p:sp>
+        <p:nvSpPr>
+          <p:cNvPr id="16" name="箭头: 右 15">
+            <a:extLst>
+              <a:ext uri="{FF2B5EF4-FFF2-40B4-BE49-F238E27FC236}">
+                <a16:creationId xmlns:a16="http://schemas.microsoft.com/office/drawing/2014/main" id="{1741330E-2C6B-EB14-BED1-08AA39913B8F}"/>
               </a:ext>
             </a:extLst>
           </p:cNvPr>
@@ -10028,13 +10438,13 @@
           <p:nvPr/>
         </p:nvSpPr>
         <p:spPr>
-          <a:xfrm rot="16200000">
-            <a:off x="9655636" y="2400626"/>
-            <a:ext cx="588892" cy="184934"/>
+          <a:xfrm rot="5400000">
+            <a:off x="2837100" y="2854771"/>
+            <a:ext cx="290271" cy="313710"/>
           </a:xfrm>
           <a:prstGeom prst="rightArrow">
             <a:avLst>
-              <a:gd name="adj1" fmla="val 62154"/>
+              <a:gd name="adj1" fmla="val 33704"/>
               <a:gd name="adj2" fmla="val 50000"/>
             </a:avLst>
           </a:prstGeom>
@@ -10066,160 +10476,10 @@
       </p:sp>
       <p:sp>
         <p:nvSpPr>
-          <p:cNvPr id="28" name="文本框 27">
-            <a:extLst>
-              <a:ext uri="{FF2B5EF4-FFF2-40B4-BE49-F238E27FC236}">
-                <a16:creationId xmlns:a16="http://schemas.microsoft.com/office/drawing/2014/main" id="{7CE677EA-6653-B122-5525-0AF100D20D78}"/>
-              </a:ext>
-            </a:extLst>
-          </p:cNvPr>
-          <p:cNvSpPr txBox="1"/>
-          <p:nvPr/>
-        </p:nvSpPr>
-        <p:spPr>
-          <a:xfrm>
-            <a:off x="10128609" y="2303996"/>
-            <a:ext cx="921004" cy="369332"/>
-          </a:xfrm>
-          <a:prstGeom prst="rect">
-            <a:avLst/>
-          </a:prstGeom>
-          <a:noFill/>
-        </p:spPr>
-        <p:txBody>
-          <a:bodyPr wrap="square" rtlCol="0">
-            <a:spAutoFit/>
-          </a:bodyPr>
-          <a:lstStyle/>
-          <a:p>
-            <a:r>
-              <a:rPr lang="en-US" altLang="zh-CN" dirty="0"/>
-              <a:t>Render</a:t>
-            </a:r>
-            <a:endParaRPr lang="zh-CN" altLang="en-US" dirty="0"/>
-          </a:p>
-        </p:txBody>
-      </p:sp>
-      <p:cxnSp>
-        <p:nvCxnSpPr>
-          <p:cNvPr id="42" name="直接连接符 41">
-            <a:extLst>
-              <a:ext uri="{FF2B5EF4-FFF2-40B4-BE49-F238E27FC236}">
-                <a16:creationId xmlns:a16="http://schemas.microsoft.com/office/drawing/2014/main" id="{D50D6AB5-4D89-4BA6-A7E8-F8E26F6D2885}"/>
-              </a:ext>
-            </a:extLst>
-          </p:cNvPr>
-          <p:cNvCxnSpPr>
-            <a:cxnSpLocks/>
-          </p:cNvCxnSpPr>
-          <p:nvPr/>
-        </p:nvCxnSpPr>
-        <p:spPr>
-          <a:xfrm>
-            <a:off x="5900792" y="2749600"/>
-            <a:ext cx="0" cy="4018151"/>
-          </a:xfrm>
-          <a:prstGeom prst="line">
-            <a:avLst/>
-          </a:prstGeom>
-          <a:ln>
-            <a:solidFill>
-              <a:schemeClr val="accent1"/>
-            </a:solidFill>
-            <a:prstDash val="dash"/>
-          </a:ln>
-        </p:spPr>
-        <p:style>
-          <a:lnRef idx="1">
-            <a:schemeClr val="accent1"/>
-          </a:lnRef>
-          <a:fillRef idx="0">
-            <a:schemeClr val="accent1"/>
-          </a:fillRef>
-          <a:effectRef idx="0">
-            <a:schemeClr val="accent1"/>
-          </a:effectRef>
-          <a:fontRef idx="minor">
-            <a:schemeClr val="tx1"/>
-          </a:fontRef>
-        </p:style>
-      </p:cxnSp>
-      <p:sp>
-        <p:nvSpPr>
-          <p:cNvPr id="16" name="文本框 15">
-            <a:extLst>
-              <a:ext uri="{FF2B5EF4-FFF2-40B4-BE49-F238E27FC236}">
-                <a16:creationId xmlns:a16="http://schemas.microsoft.com/office/drawing/2014/main" id="{07128EE0-A808-4AAB-488A-DAAF10473AC0}"/>
-              </a:ext>
-            </a:extLst>
-          </p:cNvPr>
-          <p:cNvSpPr txBox="1"/>
-          <p:nvPr/>
-        </p:nvSpPr>
-        <p:spPr>
-          <a:xfrm>
-            <a:off x="2871297" y="2813342"/>
-            <a:ext cx="708917" cy="369332"/>
-          </a:xfrm>
-          <a:prstGeom prst="rect">
-            <a:avLst/>
-          </a:prstGeom>
-          <a:noFill/>
-        </p:spPr>
-        <p:txBody>
-          <a:bodyPr wrap="square" rtlCol="0">
-            <a:spAutoFit/>
-          </a:bodyPr>
-          <a:lstStyle/>
-          <a:p>
-            <a:r>
-              <a:rPr lang="zh-CN" altLang="en-US" dirty="0"/>
-              <a:t>生成</a:t>
-            </a:r>
-          </a:p>
-        </p:txBody>
-      </p:sp>
-      <p:sp>
-        <p:nvSpPr>
-          <p:cNvPr id="18" name="文本框 17">
-            <a:extLst>
-              <a:ext uri="{FF2B5EF4-FFF2-40B4-BE49-F238E27FC236}">
-                <a16:creationId xmlns:a16="http://schemas.microsoft.com/office/drawing/2014/main" id="{035EADB8-B836-BBCB-4B3A-4AD98E84DCBD}"/>
-              </a:ext>
-            </a:extLst>
-          </p:cNvPr>
-          <p:cNvSpPr txBox="1"/>
-          <p:nvPr/>
-        </p:nvSpPr>
-        <p:spPr>
-          <a:xfrm>
-            <a:off x="5581843" y="2848847"/>
-            <a:ext cx="708917" cy="369332"/>
-          </a:xfrm>
-          <a:prstGeom prst="rect">
-            <a:avLst/>
-          </a:prstGeom>
-          <a:noFill/>
-        </p:spPr>
-        <p:txBody>
-          <a:bodyPr wrap="square" rtlCol="0">
-            <a:spAutoFit/>
-          </a:bodyPr>
-          <a:lstStyle/>
-          <a:p>
-            <a:r>
-              <a:rPr lang="zh-CN" altLang="en-US" dirty="0"/>
-              <a:t>生成</a:t>
-            </a:r>
-          </a:p>
-        </p:txBody>
-      </p:sp>
-      <p:sp>
-        <p:nvSpPr>
-          <p:cNvPr id="21" name="矩形 20">
-            <a:extLst>
-              <a:ext uri="{FF2B5EF4-FFF2-40B4-BE49-F238E27FC236}">
-                <a16:creationId xmlns:a16="http://schemas.microsoft.com/office/drawing/2014/main" id="{53272BCD-B3A7-5DDB-7DF7-DE9D53F7B669}"/>
+          <p:cNvPr id="17" name="加号 16">
+            <a:extLst>
+              <a:ext uri="{FF2B5EF4-FFF2-40B4-BE49-F238E27FC236}">
+                <a16:creationId xmlns:a16="http://schemas.microsoft.com/office/drawing/2014/main" id="{23AE8C24-0648-7702-95C8-94D78DF26CE8}"/>
               </a:ext>
             </a:extLst>
           </p:cNvPr>
@@ -10228,10 +10488,10 @@
         </p:nvSpPr>
         <p:spPr>
           <a:xfrm>
-            <a:off x="3744932" y="1393457"/>
-            <a:ext cx="1661602" cy="751537"/>
-          </a:xfrm>
-          <a:prstGeom prst="rect">
+            <a:off x="2494348" y="2357297"/>
+            <a:ext cx="977142" cy="751537"/>
+          </a:xfrm>
+          <a:prstGeom prst="mathPlus">
             <a:avLst/>
           </a:prstGeom>
         </p:spPr>
@@ -10256,20 +10516,16 @@
           <a:lstStyle/>
           <a:p>
             <a:pPr algn="ctr"/>
-            <a:r>
-              <a:rPr lang="en-US" altLang="zh-CN" dirty="0" err="1"/>
-              <a:t>GraphQL</a:t>
-            </a:r>
-            <a:endParaRPr lang="zh-CN" altLang="en-US" dirty="0"/>
-          </a:p>
-        </p:txBody>
-      </p:sp>
-      <p:sp>
-        <p:nvSpPr>
-          <p:cNvPr id="36" name="箭头: 上 35">
-            <a:extLst>
-              <a:ext uri="{FF2B5EF4-FFF2-40B4-BE49-F238E27FC236}">
-                <a16:creationId xmlns:a16="http://schemas.microsoft.com/office/drawing/2014/main" id="{AF326EC7-1256-780A-B70E-2888D1738247}"/>
+            <a:endParaRPr lang="zh-CN" altLang="en-US"/>
+          </a:p>
+        </p:txBody>
+      </p:sp>
+      <p:sp>
+        <p:nvSpPr>
+          <p:cNvPr id="18" name="椭圆 17">
+            <a:extLst>
+              <a:ext uri="{FF2B5EF4-FFF2-40B4-BE49-F238E27FC236}">
+                <a16:creationId xmlns:a16="http://schemas.microsoft.com/office/drawing/2014/main" id="{8233DB15-20BA-8F93-255D-DCA3EF0A8E16}"/>
               </a:ext>
             </a:extLst>
           </p:cNvPr>
@@ -10278,12 +10534,15 @@
         </p:nvSpPr>
         <p:spPr>
           <a:xfrm>
-            <a:off x="4436907" y="2299827"/>
-            <a:ext cx="168315" cy="369331"/>
-          </a:xfrm>
-          <a:prstGeom prst="upArrow">
+            <a:off x="5960417" y="5448917"/>
+            <a:ext cx="1661603" cy="751537"/>
+          </a:xfrm>
+          <a:prstGeom prst="ellipse">
             <a:avLst/>
           </a:prstGeom>
+          <a:solidFill>
+            <a:srgbClr val="7030A0"/>
+          </a:solidFill>
         </p:spPr>
         <p:style>
           <a:lnRef idx="2">
@@ -10306,52 +10565,20 @@
           <a:lstStyle/>
           <a:p>
             <a:pPr algn="ctr"/>
-            <a:endParaRPr lang="zh-CN" altLang="en-US"/>
-          </a:p>
-        </p:txBody>
-      </p:sp>
-      <p:sp>
-        <p:nvSpPr>
-          <p:cNvPr id="37" name="文本框 36">
-            <a:extLst>
-              <a:ext uri="{FF2B5EF4-FFF2-40B4-BE49-F238E27FC236}">
-                <a16:creationId xmlns:a16="http://schemas.microsoft.com/office/drawing/2014/main" id="{0A0BDC57-58BE-9A32-3FB7-E926CFEAEE82}"/>
-              </a:ext>
-            </a:extLst>
-          </p:cNvPr>
-          <p:cNvSpPr txBox="1"/>
-          <p:nvPr/>
-        </p:nvSpPr>
-        <p:spPr>
-          <a:xfrm>
-            <a:off x="4693796" y="2287587"/>
-            <a:ext cx="1220709" cy="369332"/>
-          </a:xfrm>
-          <a:prstGeom prst="rect">
-            <a:avLst/>
-          </a:prstGeom>
-          <a:noFill/>
-        </p:spPr>
-        <p:txBody>
-          <a:bodyPr wrap="square" rtlCol="0">
-            <a:spAutoFit/>
-          </a:bodyPr>
-          <a:lstStyle/>
-          <a:p>
-            <a:r>
-              <a:rPr lang="en-US" altLang="zh-CN" dirty="0" err="1"/>
-              <a:t>BizModel</a:t>
-            </a:r>
-            <a:endParaRPr lang="en-US" altLang="zh-CN" dirty="0"/>
-          </a:p>
-        </p:txBody>
-      </p:sp>
-      <p:sp>
-        <p:nvSpPr>
-          <p:cNvPr id="41" name="加号 40">
-            <a:extLst>
-              <a:ext uri="{FF2B5EF4-FFF2-40B4-BE49-F238E27FC236}">
-                <a16:creationId xmlns:a16="http://schemas.microsoft.com/office/drawing/2014/main" id="{9231E943-E955-B34C-F9CC-CCDADFCEF50E}"/>
+            <a:r>
+              <a:rPr lang="en-US" altLang="zh-CN" dirty="0"/>
+              <a:t>Delta</a:t>
+            </a:r>
+            <a:endParaRPr lang="zh-CN" altLang="en-US" dirty="0"/>
+          </a:p>
+        </p:txBody>
+      </p:sp>
+      <p:sp>
+        <p:nvSpPr>
+          <p:cNvPr id="19" name="箭头: 右 18">
+            <a:extLst>
+              <a:ext uri="{FF2B5EF4-FFF2-40B4-BE49-F238E27FC236}">
+                <a16:creationId xmlns:a16="http://schemas.microsoft.com/office/drawing/2014/main" id="{EB45F6C5-C9EA-AFCD-5C81-399C113B9951}"/>
               </a:ext>
             </a:extLst>
           </p:cNvPr>
@@ -10359,12 +10586,15 @@
           <p:nvPr/>
         </p:nvSpPr>
         <p:spPr>
-          <a:xfrm>
-            <a:off x="4348332" y="2322000"/>
-            <a:ext cx="345464" cy="369332"/>
-          </a:xfrm>
-          <a:prstGeom prst="mathPlus">
-            <a:avLst/>
+          <a:xfrm rot="16200000">
+            <a:off x="6618689" y="4384386"/>
+            <a:ext cx="290271" cy="313710"/>
+          </a:xfrm>
+          <a:prstGeom prst="rightArrow">
+            <a:avLst>
+              <a:gd name="adj1" fmla="val 33704"/>
+              <a:gd name="adj2" fmla="val 50000"/>
+            </a:avLst>
           </a:prstGeom>
         </p:spPr>
         <p:style>
@@ -10392,141 +10622,58 @@
           </a:p>
         </p:txBody>
       </p:sp>
-      <p:cxnSp>
-        <p:nvCxnSpPr>
-          <p:cNvPr id="50" name="连接符: 肘形 49">
-            <a:extLst>
-              <a:ext uri="{FF2B5EF4-FFF2-40B4-BE49-F238E27FC236}">
-                <a16:creationId xmlns:a16="http://schemas.microsoft.com/office/drawing/2014/main" id="{D53C0396-B1E4-2401-DA0E-CCA76C4CC91E}"/>
-              </a:ext>
-            </a:extLst>
-          </p:cNvPr>
-          <p:cNvCxnSpPr>
-            <a:cxnSpLocks/>
-          </p:cNvCxnSpPr>
+      <p:sp>
+        <p:nvSpPr>
+          <p:cNvPr id="20" name="加号 19">
+            <a:extLst>
+              <a:ext uri="{FF2B5EF4-FFF2-40B4-BE49-F238E27FC236}">
+                <a16:creationId xmlns:a16="http://schemas.microsoft.com/office/drawing/2014/main" id="{2CD4D377-577C-FF2A-AEB9-15AA822BC005}"/>
+              </a:ext>
+            </a:extLst>
+          </p:cNvPr>
+          <p:cNvSpPr/>
           <p:nvPr/>
-        </p:nvCxnSpPr>
+        </p:nvSpPr>
         <p:spPr>
           <a:xfrm>
-            <a:off x="2878955" y="3380746"/>
-            <a:ext cx="763177" cy="590140"/>
-          </a:xfrm>
-          <a:prstGeom prst="bentConnector3">
-            <a:avLst>
-              <a:gd name="adj1" fmla="val 50000"/>
-            </a:avLst>
+            <a:off x="6275253" y="4453228"/>
+            <a:ext cx="977142" cy="751537"/>
+          </a:xfrm>
+          <a:prstGeom prst="mathPlus">
+            <a:avLst/>
           </a:prstGeom>
-          <a:ln w="53975">
-            <a:tailEnd type="triangle"/>
-          </a:ln>
         </p:spPr>
         <p:style>
-          <a:lnRef idx="1">
-            <a:schemeClr val="accent1"/>
+          <a:lnRef idx="2">
+            <a:schemeClr val="accent1">
+              <a:shade val="50000"/>
+            </a:schemeClr>
           </a:lnRef>
-          <a:fillRef idx="0">
+          <a:fillRef idx="1">
             <a:schemeClr val="accent1"/>
           </a:fillRef>
           <a:effectRef idx="0">
             <a:schemeClr val="accent1"/>
           </a:effectRef>
           <a:fontRef idx="minor">
-            <a:schemeClr val="tx1"/>
+            <a:schemeClr val="lt1"/>
           </a:fontRef>
         </p:style>
-      </p:cxnSp>
-      <p:cxnSp>
-        <p:nvCxnSpPr>
-          <p:cNvPr id="56" name="连接符: 肘形 55">
-            <a:extLst>
-              <a:ext uri="{FF2B5EF4-FFF2-40B4-BE49-F238E27FC236}">
-                <a16:creationId xmlns:a16="http://schemas.microsoft.com/office/drawing/2014/main" id="{57F9F954-A1D8-9A79-F3ED-BD312B9031E7}"/>
-              </a:ext>
-            </a:extLst>
-          </p:cNvPr>
-          <p:cNvCxnSpPr>
-            <a:cxnSpLocks/>
-          </p:cNvCxnSpPr>
-          <p:nvPr/>
-        </p:nvCxnSpPr>
-        <p:spPr>
-          <a:xfrm>
-            <a:off x="5531645" y="3430406"/>
-            <a:ext cx="763177" cy="590140"/>
-          </a:xfrm>
-          <a:prstGeom prst="bentConnector3">
-            <a:avLst>
-              <a:gd name="adj1" fmla="val 50000"/>
-            </a:avLst>
-          </a:prstGeom>
-          <a:ln w="53975">
-            <a:tailEnd type="triangle"/>
-          </a:ln>
-        </p:spPr>
-        <p:style>
-          <a:lnRef idx="1">
-            <a:schemeClr val="accent1"/>
-          </a:lnRef>
-          <a:fillRef idx="0">
-            <a:schemeClr val="accent1"/>
-          </a:fillRef>
-          <a:effectRef idx="0">
-            <a:schemeClr val="accent1"/>
-          </a:effectRef>
-          <a:fontRef idx="minor">
-            <a:schemeClr val="tx1"/>
-          </a:fontRef>
-        </p:style>
-      </p:cxnSp>
-      <p:cxnSp>
-        <p:nvCxnSpPr>
-          <p:cNvPr id="57" name="连接符: 肘形 56">
-            <a:extLst>
-              <a:ext uri="{FF2B5EF4-FFF2-40B4-BE49-F238E27FC236}">
-                <a16:creationId xmlns:a16="http://schemas.microsoft.com/office/drawing/2014/main" id="{69B37F02-B6DF-3079-E988-DFAEC8F2B29E}"/>
-              </a:ext>
-            </a:extLst>
-          </p:cNvPr>
-          <p:cNvCxnSpPr>
-            <a:cxnSpLocks/>
-          </p:cNvCxnSpPr>
-          <p:nvPr/>
-        </p:nvCxnSpPr>
-        <p:spPr>
-          <a:xfrm>
-            <a:off x="8273129" y="3428696"/>
-            <a:ext cx="763177" cy="590140"/>
-          </a:xfrm>
-          <a:prstGeom prst="bentConnector3">
-            <a:avLst>
-              <a:gd name="adj1" fmla="val 50000"/>
-            </a:avLst>
-          </a:prstGeom>
-          <a:ln w="53975">
-            <a:tailEnd type="triangle"/>
-          </a:ln>
-        </p:spPr>
-        <p:style>
-          <a:lnRef idx="1">
-            <a:schemeClr val="accent1"/>
-          </a:lnRef>
-          <a:fillRef idx="0">
-            <a:schemeClr val="accent1"/>
-          </a:fillRef>
-          <a:effectRef idx="0">
-            <a:schemeClr val="accent1"/>
-          </a:effectRef>
-          <a:fontRef idx="minor">
-            <a:schemeClr val="tx1"/>
-          </a:fontRef>
-        </p:style>
-      </p:cxnSp>
-      <p:sp>
-        <p:nvSpPr>
-          <p:cNvPr id="59" name="文本框 58">
-            <a:extLst>
-              <a:ext uri="{FF2B5EF4-FFF2-40B4-BE49-F238E27FC236}">
-                <a16:creationId xmlns:a16="http://schemas.microsoft.com/office/drawing/2014/main" id="{61EA4447-5C5C-F1A0-4594-4664B9C02180}"/>
+        <p:txBody>
+          <a:bodyPr rtlCol="0" anchor="ctr"/>
+          <a:lstStyle/>
+          <a:p>
+            <a:pPr algn="ctr"/>
+            <a:endParaRPr lang="zh-CN" altLang="en-US"/>
+          </a:p>
+        </p:txBody>
+      </p:sp>
+      <p:sp>
+        <p:nvSpPr>
+          <p:cNvPr id="2" name="文本框 1">
+            <a:extLst>
+              <a:ext uri="{FF2B5EF4-FFF2-40B4-BE49-F238E27FC236}">
+                <a16:creationId xmlns:a16="http://schemas.microsoft.com/office/drawing/2014/main" id="{3C94D8A1-9917-8B97-5FC7-325C311C388B}"/>
               </a:ext>
             </a:extLst>
           </p:cNvPr>
@@ -10535,8 +10682,8 @@
         </p:nvSpPr>
         <p:spPr>
           <a:xfrm>
-            <a:off x="8179491" y="2847137"/>
-            <a:ext cx="708917" cy="369332"/>
+            <a:off x="434689" y="267393"/>
+            <a:ext cx="2909886" cy="523220"/>
           </a:xfrm>
           <a:prstGeom prst="rect">
             <a:avLst/>
@@ -10550,8 +10697,8 @@
           <a:lstStyle/>
           <a:p>
             <a:r>
-              <a:rPr lang="zh-CN" altLang="en-US" dirty="0"/>
-              <a:t>生成</a:t>
+              <a:rPr lang="zh-CN" altLang="en-US" sz="2800" b="1" dirty="0"/>
+              <a:t>差量无处不在</a:t>
             </a:r>
           </a:p>
         </p:txBody>
@@ -10559,7 +10706,7 @@
     </p:spTree>
     <p:extLst>
       <p:ext uri="{BB962C8B-B14F-4D97-AF65-F5344CB8AC3E}">
-        <p14:creationId xmlns:p14="http://schemas.microsoft.com/office/powerpoint/2010/main" val="138928013"/>
+        <p14:creationId xmlns:p14="http://schemas.microsoft.com/office/powerpoint/2010/main" val="3916503306"/>
       </p:ext>
     </p:extLst>
   </p:cSld>

--- a/docs/ppt/nop-platform.pptx
+++ b/docs/ppt/nop-platform.pptx
@@ -17,8 +17,9 @@
     <p:sldId id="263" r:id="rId11"/>
     <p:sldId id="269" r:id="rId12"/>
     <p:sldId id="282" r:id="rId13"/>
-    <p:sldId id="285" r:id="rId14"/>
-    <p:sldId id="287" r:id="rId15"/>
+    <p:sldId id="291" r:id="rId14"/>
+    <p:sldId id="285" r:id="rId15"/>
+    <p:sldId id="287" r:id="rId16"/>
   </p:sldIdLst>
   <p:sldSz cx="12192000" cy="6858000"/>
   <p:notesSz cx="6858000" cy="9144000"/>
@@ -284,7 +285,7 @@
           <a:p>
             <a:fld id="{781BEADB-AF5A-4392-865E-B1E711821C65}" type="datetimeFigureOut">
               <a:rPr lang="zh-CN" altLang="en-US" smtClean="0"/>
-              <a:t>2023/4/2</a:t>
+              <a:t>2023/5/11</a:t>
             </a:fld>
             <a:endParaRPr lang="zh-CN" altLang="en-US"/>
           </a:p>
@@ -482,7 +483,7 @@
           <a:p>
             <a:fld id="{781BEADB-AF5A-4392-865E-B1E711821C65}" type="datetimeFigureOut">
               <a:rPr lang="zh-CN" altLang="en-US" smtClean="0"/>
-              <a:t>2023/4/2</a:t>
+              <a:t>2023/5/11</a:t>
             </a:fld>
             <a:endParaRPr lang="zh-CN" altLang="en-US"/>
           </a:p>
@@ -690,7 +691,7 @@
           <a:p>
             <a:fld id="{781BEADB-AF5A-4392-865E-B1E711821C65}" type="datetimeFigureOut">
               <a:rPr lang="zh-CN" altLang="en-US" smtClean="0"/>
-              <a:t>2023/4/2</a:t>
+              <a:t>2023/5/11</a:t>
             </a:fld>
             <a:endParaRPr lang="zh-CN" altLang="en-US"/>
           </a:p>
@@ -888,7 +889,7 @@
           <a:p>
             <a:fld id="{781BEADB-AF5A-4392-865E-B1E711821C65}" type="datetimeFigureOut">
               <a:rPr lang="zh-CN" altLang="en-US" smtClean="0"/>
-              <a:t>2023/4/2</a:t>
+              <a:t>2023/5/11</a:t>
             </a:fld>
             <a:endParaRPr lang="zh-CN" altLang="en-US"/>
           </a:p>
@@ -1163,7 +1164,7 @@
           <a:p>
             <a:fld id="{781BEADB-AF5A-4392-865E-B1E711821C65}" type="datetimeFigureOut">
               <a:rPr lang="zh-CN" altLang="en-US" smtClean="0"/>
-              <a:t>2023/4/2</a:t>
+              <a:t>2023/5/11</a:t>
             </a:fld>
             <a:endParaRPr lang="zh-CN" altLang="en-US"/>
           </a:p>
@@ -1428,7 +1429,7 @@
           <a:p>
             <a:fld id="{781BEADB-AF5A-4392-865E-B1E711821C65}" type="datetimeFigureOut">
               <a:rPr lang="zh-CN" altLang="en-US" smtClean="0"/>
-              <a:t>2023/4/2</a:t>
+              <a:t>2023/5/11</a:t>
             </a:fld>
             <a:endParaRPr lang="zh-CN" altLang="en-US"/>
           </a:p>
@@ -1840,7 +1841,7 @@
           <a:p>
             <a:fld id="{781BEADB-AF5A-4392-865E-B1E711821C65}" type="datetimeFigureOut">
               <a:rPr lang="zh-CN" altLang="en-US" smtClean="0"/>
-              <a:t>2023/4/2</a:t>
+              <a:t>2023/5/11</a:t>
             </a:fld>
             <a:endParaRPr lang="zh-CN" altLang="en-US"/>
           </a:p>
@@ -1981,7 +1982,7 @@
           <a:p>
             <a:fld id="{781BEADB-AF5A-4392-865E-B1E711821C65}" type="datetimeFigureOut">
               <a:rPr lang="zh-CN" altLang="en-US" smtClean="0"/>
-              <a:t>2023/4/2</a:t>
+              <a:t>2023/5/11</a:t>
             </a:fld>
             <a:endParaRPr lang="zh-CN" altLang="en-US"/>
           </a:p>
@@ -2094,7 +2095,7 @@
           <a:p>
             <a:fld id="{781BEADB-AF5A-4392-865E-B1E711821C65}" type="datetimeFigureOut">
               <a:rPr lang="zh-CN" altLang="en-US" smtClean="0"/>
-              <a:t>2023/4/2</a:t>
+              <a:t>2023/5/11</a:t>
             </a:fld>
             <a:endParaRPr lang="zh-CN" altLang="en-US"/>
           </a:p>
@@ -2405,7 +2406,7 @@
           <a:p>
             <a:fld id="{781BEADB-AF5A-4392-865E-B1E711821C65}" type="datetimeFigureOut">
               <a:rPr lang="zh-CN" altLang="en-US" smtClean="0"/>
-              <a:t>2023/4/2</a:t>
+              <a:t>2023/5/11</a:t>
             </a:fld>
             <a:endParaRPr lang="zh-CN" altLang="en-US"/>
           </a:p>
@@ -2693,7 +2694,7 @@
           <a:p>
             <a:fld id="{781BEADB-AF5A-4392-865E-B1E711821C65}" type="datetimeFigureOut">
               <a:rPr lang="zh-CN" altLang="en-US" smtClean="0"/>
-              <a:t>2023/4/2</a:t>
+              <a:t>2023/5/11</a:t>
             </a:fld>
             <a:endParaRPr lang="zh-CN" altLang="en-US"/>
           </a:p>
@@ -2934,7 +2935,7 @@
           <a:p>
             <a:fld id="{781BEADB-AF5A-4392-865E-B1E711821C65}" type="datetimeFigureOut">
               <a:rPr lang="zh-CN" altLang="en-US" smtClean="0"/>
-              <a:t>2023/4/2</a:t>
+              <a:t>2023/5/11</a:t>
             </a:fld>
             <a:endParaRPr lang="zh-CN" altLang="en-US"/>
           </a:p>
@@ -5198,6 +5199,253 @@
           <a:lstStyle/>
           <a:p>
             <a:r>
+              <a:rPr lang="zh-CN" altLang="en-US" b="1" dirty="0"/>
+              <a:t>基于</a:t>
+            </a:r>
+            <a:r>
+              <a:rPr lang="en-US" altLang="zh-CN" b="1" dirty="0" err="1"/>
+              <a:t>Nop</a:t>
+            </a:r>
+            <a:r>
+              <a:rPr lang="zh-CN" altLang="en-US" b="1" dirty="0"/>
+              <a:t>平台的定制化开发</a:t>
+            </a:r>
+          </a:p>
+        </p:txBody>
+      </p:sp>
+      <p:sp>
+        <p:nvSpPr>
+          <p:cNvPr id="9" name="文本框 8">
+            <a:extLst>
+              <a:ext uri="{FF2B5EF4-FFF2-40B4-BE49-F238E27FC236}">
+                <a16:creationId xmlns:a16="http://schemas.microsoft.com/office/drawing/2014/main" id="{540A60B3-93A5-7288-4BDF-50258236F659}"/>
+              </a:ext>
+            </a:extLst>
+          </p:cNvPr>
+          <p:cNvSpPr txBox="1"/>
+          <p:nvPr/>
+        </p:nvSpPr>
+        <p:spPr>
+          <a:xfrm>
+            <a:off x="838200" y="1583872"/>
+            <a:ext cx="10208079" cy="4031873"/>
+          </a:xfrm>
+          <a:prstGeom prst="rect">
+            <a:avLst/>
+          </a:prstGeom>
+          <a:noFill/>
+        </p:spPr>
+        <p:txBody>
+          <a:bodyPr wrap="square" rtlCol="0">
+            <a:spAutoFit/>
+          </a:bodyPr>
+          <a:lstStyle/>
+          <a:p>
+            <a:pPr marL="457200" indent="-457200">
+              <a:buFont typeface="Wingdings" panose="05000000000000000000" pitchFamily="2" charset="2"/>
+              <a:buChar char="Ø"/>
+            </a:pPr>
+            <a:r>
+              <a:rPr lang="zh-CN" altLang="en-US" sz="3200" dirty="0"/>
+              <a:t>专用的</a:t>
+            </a:r>
+            <a:r>
+              <a:rPr lang="en-US" altLang="zh-CN" sz="3200" dirty="0"/>
+              <a:t>Delta</a:t>
+            </a:r>
+            <a:r>
+              <a:rPr lang="zh-CN" altLang="en-US" sz="3200" dirty="0"/>
+              <a:t>模块</a:t>
+            </a:r>
+            <a:endParaRPr lang="en-US" altLang="zh-CN" sz="3200" dirty="0"/>
+          </a:p>
+          <a:p>
+            <a:pPr marL="457200" indent="-457200">
+              <a:buFont typeface="Wingdings" panose="05000000000000000000" pitchFamily="2" charset="2"/>
+              <a:buChar char="Ø"/>
+            </a:pPr>
+            <a:r>
+              <a:rPr lang="zh-CN" altLang="en-US" sz="3200" dirty="0"/>
+              <a:t>数据模型的</a:t>
+            </a:r>
+            <a:r>
+              <a:rPr lang="en-US" altLang="zh-CN" sz="3200" dirty="0"/>
+              <a:t>Delta</a:t>
+            </a:r>
+            <a:r>
+              <a:rPr lang="zh-CN" altLang="en-US" sz="3200" dirty="0"/>
+              <a:t>定制</a:t>
+            </a:r>
+            <a:endParaRPr lang="en-US" altLang="zh-CN" sz="3200" dirty="0"/>
+          </a:p>
+          <a:p>
+            <a:pPr marL="457200" indent="-457200">
+              <a:buFont typeface="Wingdings" panose="05000000000000000000" pitchFamily="2" charset="2"/>
+              <a:buChar char="Ø"/>
+            </a:pPr>
+            <a:r>
+              <a:rPr lang="en-US" altLang="zh-CN" sz="3200" dirty="0"/>
+              <a:t>IoC</a:t>
+            </a:r>
+            <a:r>
+              <a:rPr lang="zh-CN" altLang="en-US" sz="3200" dirty="0"/>
+              <a:t>容器的</a:t>
+            </a:r>
+            <a:r>
+              <a:rPr lang="en-US" altLang="zh-CN" sz="3200" dirty="0"/>
+              <a:t>Delta</a:t>
+            </a:r>
+            <a:r>
+              <a:rPr lang="zh-CN" altLang="en-US" sz="3200" dirty="0"/>
+              <a:t>定制</a:t>
+            </a:r>
+            <a:endParaRPr lang="en-US" altLang="zh-CN" sz="3200" dirty="0"/>
+          </a:p>
+          <a:p>
+            <a:pPr marL="457200" indent="-457200">
+              <a:buFont typeface="Wingdings" panose="05000000000000000000" pitchFamily="2" charset="2"/>
+              <a:buChar char="Ø"/>
+            </a:pPr>
+            <a:r>
+              <a:rPr lang="en-US" altLang="zh-CN" sz="3200" dirty="0" err="1"/>
+              <a:t>GraphQL</a:t>
+            </a:r>
+            <a:r>
+              <a:rPr lang="zh-CN" altLang="en-US" sz="3200" dirty="0"/>
+              <a:t>对象的</a:t>
+            </a:r>
+            <a:r>
+              <a:rPr lang="en-US" altLang="zh-CN" sz="3200" dirty="0"/>
+              <a:t>Delta</a:t>
+            </a:r>
+            <a:r>
+              <a:rPr lang="zh-CN" altLang="en-US" sz="3200" dirty="0"/>
+              <a:t>定制</a:t>
+            </a:r>
+            <a:endParaRPr lang="en-US" altLang="zh-CN" sz="3200" dirty="0"/>
+          </a:p>
+          <a:p>
+            <a:pPr marL="457200" indent="-457200">
+              <a:buFont typeface="Wingdings" panose="05000000000000000000" pitchFamily="2" charset="2"/>
+              <a:buChar char="Ø"/>
+            </a:pPr>
+            <a:r>
+              <a:rPr lang="zh-CN" altLang="en-US" sz="3200" dirty="0"/>
+              <a:t>标签函数的</a:t>
+            </a:r>
+            <a:r>
+              <a:rPr lang="en-US" altLang="zh-CN" sz="3200" dirty="0"/>
+              <a:t>Delta</a:t>
+            </a:r>
+            <a:r>
+              <a:rPr lang="zh-CN" altLang="en-US" sz="3200" dirty="0"/>
+              <a:t>定制</a:t>
+            </a:r>
+            <a:endParaRPr lang="en-US" altLang="zh-CN" sz="3200" dirty="0"/>
+          </a:p>
+          <a:p>
+            <a:pPr marL="457200" indent="-457200">
+              <a:buFont typeface="Wingdings" panose="05000000000000000000" pitchFamily="2" charset="2"/>
+              <a:buChar char="Ø"/>
+            </a:pPr>
+            <a:r>
+              <a:rPr lang="zh-CN" altLang="en-US" sz="3200" dirty="0"/>
+              <a:t>前端页面的</a:t>
+            </a:r>
+            <a:r>
+              <a:rPr lang="en-US" altLang="zh-CN" sz="3200" dirty="0"/>
+              <a:t>Delta</a:t>
+            </a:r>
+            <a:r>
+              <a:rPr lang="zh-CN" altLang="en-US" sz="3200" dirty="0"/>
+              <a:t>定制</a:t>
+            </a:r>
+            <a:endParaRPr lang="en-US" altLang="zh-CN" sz="3200" dirty="0"/>
+          </a:p>
+          <a:p>
+            <a:pPr marL="457200" indent="-457200">
+              <a:buFont typeface="Wingdings" panose="05000000000000000000" pitchFamily="2" charset="2"/>
+              <a:buChar char="Ø"/>
+            </a:pPr>
+            <a:r>
+              <a:rPr lang="zh-CN" altLang="en-US" sz="3200" dirty="0"/>
+              <a:t>其他模型的</a:t>
+            </a:r>
+            <a:r>
+              <a:rPr lang="en-US" altLang="zh-CN" sz="3200" dirty="0"/>
+              <a:t>Delta</a:t>
+            </a:r>
+            <a:r>
+              <a:rPr lang="zh-CN" altLang="en-US" sz="3200" dirty="0"/>
+              <a:t>定制 </a:t>
+            </a:r>
+            <a:endParaRPr lang="en-US" altLang="zh-CN" sz="3200" dirty="0"/>
+          </a:p>
+          <a:p>
+            <a:pPr marL="457200" indent="-457200">
+              <a:buFont typeface="Wingdings" panose="05000000000000000000" pitchFamily="2" charset="2"/>
+              <a:buChar char="Ø"/>
+            </a:pPr>
+            <a:r>
+              <a:rPr lang="zh-CN" altLang="en-US" sz="3200" dirty="0"/>
+              <a:t>编译期的特性开关</a:t>
+            </a:r>
+            <a:endParaRPr lang="en-US" altLang="zh-CN" sz="3200" dirty="0"/>
+          </a:p>
+        </p:txBody>
+      </p:sp>
+    </p:spTree>
+    <p:extLst>
+      <p:ext uri="{BB962C8B-B14F-4D97-AF65-F5344CB8AC3E}">
+        <p14:creationId xmlns:p14="http://schemas.microsoft.com/office/powerpoint/2010/main" val="3712466064"/>
+      </p:ext>
+    </p:extLst>
+  </p:cSld>
+  <p:clrMapOvr>
+    <a:masterClrMapping/>
+  </p:clrMapOvr>
+</p:sld>
+</file>
+
+<file path=ppt/slides/slide14.xml><?xml version="1.0" encoding="utf-8"?>
+<p:sld xmlns:a="http://schemas.openxmlformats.org/drawingml/2006/main" xmlns:r="http://schemas.openxmlformats.org/officeDocument/2006/relationships" xmlns:p="http://schemas.openxmlformats.org/presentationml/2006/main">
+  <p:cSld>
+    <p:spTree>
+      <p:nvGrpSpPr>
+        <p:cNvPr id="1" name=""/>
+        <p:cNvGrpSpPr/>
+        <p:nvPr/>
+      </p:nvGrpSpPr>
+      <p:grpSpPr>
+        <a:xfrm>
+          <a:off x="0" y="0"/>
+          <a:ext cx="0" cy="0"/>
+          <a:chOff x="0" y="0"/>
+          <a:chExt cx="0" cy="0"/>
+        </a:xfrm>
+      </p:grpSpPr>
+      <p:sp>
+        <p:nvSpPr>
+          <p:cNvPr id="2" name="标题 1">
+            <a:extLst>
+              <a:ext uri="{FF2B5EF4-FFF2-40B4-BE49-F238E27FC236}">
+                <a16:creationId xmlns:a16="http://schemas.microsoft.com/office/drawing/2014/main" id="{7B078A78-F1A6-B200-A327-496477BABCB1}"/>
+              </a:ext>
+            </a:extLst>
+          </p:cNvPr>
+          <p:cNvSpPr>
+            <a:spLocks noGrp="1"/>
+          </p:cNvSpPr>
+          <p:nvPr>
+            <p:ph type="title"/>
+          </p:nvPr>
+        </p:nvSpPr>
+        <p:spPr/>
+        <p:txBody>
+          <a:bodyPr/>
+          <a:lstStyle/>
+          <a:p>
+            <a:r>
               <a:rPr lang="en-US" altLang="zh-CN" b="1" dirty="0" err="1"/>
               <a:t>Nop</a:t>
             </a:r>
@@ -5287,7 +5535,7 @@
 </p:sld>
 </file>
 
-<file path=ppt/slides/slide14.xml><?xml version="1.0" encoding="utf-8"?>
+<file path=ppt/slides/slide15.xml><?xml version="1.0" encoding="utf-8"?>
 <p:sld xmlns:a="http://schemas.openxmlformats.org/drawingml/2006/main" xmlns:r="http://schemas.openxmlformats.org/officeDocument/2006/relationships" xmlns:p="http://schemas.openxmlformats.org/presentationml/2006/main">
   <p:cSld>
     <p:spTree>

--- a/docs/ppt/nop-platform.pptx
+++ b/docs/ppt/nop-platform.pptx
@@ -11,15 +11,17 @@
     <p:sldId id="281" r:id="rId5"/>
     <p:sldId id="288" r:id="rId6"/>
     <p:sldId id="289" r:id="rId7"/>
-    <p:sldId id="290" r:id="rId8"/>
-    <p:sldId id="259" r:id="rId9"/>
+    <p:sldId id="259" r:id="rId8"/>
+    <p:sldId id="290" r:id="rId9"/>
     <p:sldId id="260" r:id="rId10"/>
-    <p:sldId id="263" r:id="rId11"/>
-    <p:sldId id="269" r:id="rId12"/>
-    <p:sldId id="282" r:id="rId13"/>
-    <p:sldId id="291" r:id="rId14"/>
-    <p:sldId id="285" r:id="rId15"/>
-    <p:sldId id="287" r:id="rId16"/>
+    <p:sldId id="293" r:id="rId11"/>
+    <p:sldId id="292" r:id="rId12"/>
+    <p:sldId id="263" r:id="rId13"/>
+    <p:sldId id="269" r:id="rId14"/>
+    <p:sldId id="282" r:id="rId15"/>
+    <p:sldId id="291" r:id="rId16"/>
+    <p:sldId id="285" r:id="rId17"/>
+    <p:sldId id="287" r:id="rId18"/>
   </p:sldIdLst>
   <p:sldSz cx="12192000" cy="6858000"/>
   <p:notesSz cx="6858000" cy="9144000"/>
@@ -285,7 +287,7 @@
           <a:p>
             <a:fld id="{781BEADB-AF5A-4392-865E-B1E711821C65}" type="datetimeFigureOut">
               <a:rPr lang="zh-CN" altLang="en-US" smtClean="0"/>
-              <a:t>2023/5/11</a:t>
+              <a:t>2023/7/30</a:t>
             </a:fld>
             <a:endParaRPr lang="zh-CN" altLang="en-US"/>
           </a:p>
@@ -483,7 +485,7 @@
           <a:p>
             <a:fld id="{781BEADB-AF5A-4392-865E-B1E711821C65}" type="datetimeFigureOut">
               <a:rPr lang="zh-CN" altLang="en-US" smtClean="0"/>
-              <a:t>2023/5/11</a:t>
+              <a:t>2023/7/30</a:t>
             </a:fld>
             <a:endParaRPr lang="zh-CN" altLang="en-US"/>
           </a:p>
@@ -691,7 +693,7 @@
           <a:p>
             <a:fld id="{781BEADB-AF5A-4392-865E-B1E711821C65}" type="datetimeFigureOut">
               <a:rPr lang="zh-CN" altLang="en-US" smtClean="0"/>
-              <a:t>2023/5/11</a:t>
+              <a:t>2023/7/30</a:t>
             </a:fld>
             <a:endParaRPr lang="zh-CN" altLang="en-US"/>
           </a:p>
@@ -889,7 +891,7 @@
           <a:p>
             <a:fld id="{781BEADB-AF5A-4392-865E-B1E711821C65}" type="datetimeFigureOut">
               <a:rPr lang="zh-CN" altLang="en-US" smtClean="0"/>
-              <a:t>2023/5/11</a:t>
+              <a:t>2023/7/30</a:t>
             </a:fld>
             <a:endParaRPr lang="zh-CN" altLang="en-US"/>
           </a:p>
@@ -1164,7 +1166,7 @@
           <a:p>
             <a:fld id="{781BEADB-AF5A-4392-865E-B1E711821C65}" type="datetimeFigureOut">
               <a:rPr lang="zh-CN" altLang="en-US" smtClean="0"/>
-              <a:t>2023/5/11</a:t>
+              <a:t>2023/7/30</a:t>
             </a:fld>
             <a:endParaRPr lang="zh-CN" altLang="en-US"/>
           </a:p>
@@ -1429,7 +1431,7 @@
           <a:p>
             <a:fld id="{781BEADB-AF5A-4392-865E-B1E711821C65}" type="datetimeFigureOut">
               <a:rPr lang="zh-CN" altLang="en-US" smtClean="0"/>
-              <a:t>2023/5/11</a:t>
+              <a:t>2023/7/30</a:t>
             </a:fld>
             <a:endParaRPr lang="zh-CN" altLang="en-US"/>
           </a:p>
@@ -1841,7 +1843,7 @@
           <a:p>
             <a:fld id="{781BEADB-AF5A-4392-865E-B1E711821C65}" type="datetimeFigureOut">
               <a:rPr lang="zh-CN" altLang="en-US" smtClean="0"/>
-              <a:t>2023/5/11</a:t>
+              <a:t>2023/7/30</a:t>
             </a:fld>
             <a:endParaRPr lang="zh-CN" altLang="en-US"/>
           </a:p>
@@ -1982,7 +1984,7 @@
           <a:p>
             <a:fld id="{781BEADB-AF5A-4392-865E-B1E711821C65}" type="datetimeFigureOut">
               <a:rPr lang="zh-CN" altLang="en-US" smtClean="0"/>
-              <a:t>2023/5/11</a:t>
+              <a:t>2023/7/30</a:t>
             </a:fld>
             <a:endParaRPr lang="zh-CN" altLang="en-US"/>
           </a:p>
@@ -2095,7 +2097,7 @@
           <a:p>
             <a:fld id="{781BEADB-AF5A-4392-865E-B1E711821C65}" type="datetimeFigureOut">
               <a:rPr lang="zh-CN" altLang="en-US" smtClean="0"/>
-              <a:t>2023/5/11</a:t>
+              <a:t>2023/7/30</a:t>
             </a:fld>
             <a:endParaRPr lang="zh-CN" altLang="en-US"/>
           </a:p>
@@ -2406,7 +2408,7 @@
           <a:p>
             <a:fld id="{781BEADB-AF5A-4392-865E-B1E711821C65}" type="datetimeFigureOut">
               <a:rPr lang="zh-CN" altLang="en-US" smtClean="0"/>
-              <a:t>2023/5/11</a:t>
+              <a:t>2023/7/30</a:t>
             </a:fld>
             <a:endParaRPr lang="zh-CN" altLang="en-US"/>
           </a:p>
@@ -2694,7 +2696,7 @@
           <a:p>
             <a:fld id="{781BEADB-AF5A-4392-865E-B1E711821C65}" type="datetimeFigureOut">
               <a:rPr lang="zh-CN" altLang="en-US" smtClean="0"/>
-              <a:t>2023/5/11</a:t>
+              <a:t>2023/7/30</a:t>
             </a:fld>
             <a:endParaRPr lang="zh-CN" altLang="en-US"/>
           </a:p>
@@ -2935,7 +2937,7 @@
           <a:p>
             <a:fld id="{781BEADB-AF5A-4392-865E-B1E711821C65}" type="datetimeFigureOut">
               <a:rPr lang="zh-CN" altLang="en-US" smtClean="0"/>
-              <a:t>2023/5/11</a:t>
+              <a:t>2023/7/30</a:t>
             </a:fld>
             <a:endParaRPr lang="zh-CN" altLang="en-US"/>
           </a:p>
@@ -3603,274 +3605,10 @@
       </p:grpSpPr>
       <p:sp>
         <p:nvSpPr>
-          <p:cNvPr id="4" name="矩形 3">
-            <a:extLst>
-              <a:ext uri="{FF2B5EF4-FFF2-40B4-BE49-F238E27FC236}">
-                <a16:creationId xmlns:a16="http://schemas.microsoft.com/office/drawing/2014/main" id="{82624254-68F0-2252-7C78-0D7D3F200AEA}"/>
-              </a:ext>
-            </a:extLst>
-          </p:cNvPr>
-          <p:cNvSpPr/>
-          <p:nvPr/>
-        </p:nvSpPr>
-        <p:spPr>
-          <a:xfrm>
-            <a:off x="1118773" y="3680866"/>
-            <a:ext cx="1661602" cy="751537"/>
-          </a:xfrm>
-          <a:prstGeom prst="rect">
-            <a:avLst/>
-          </a:prstGeom>
-        </p:spPr>
-        <p:style>
-          <a:lnRef idx="2">
-            <a:schemeClr val="accent1">
-              <a:shade val="50000"/>
-            </a:schemeClr>
-          </a:lnRef>
-          <a:fillRef idx="1">
-            <a:schemeClr val="accent1"/>
-          </a:fillRef>
-          <a:effectRef idx="0">
-            <a:schemeClr val="accent1"/>
-          </a:effectRef>
-          <a:fontRef idx="minor">
-            <a:schemeClr val="lt1"/>
-          </a:fontRef>
-        </p:style>
-        <p:txBody>
-          <a:bodyPr rtlCol="0" anchor="ctr"/>
-          <a:lstStyle/>
-          <a:p>
-            <a:pPr algn="ctr"/>
-            <a:r>
-              <a:rPr lang="en-US" altLang="zh-CN" dirty="0"/>
-              <a:t>_XORM</a:t>
-            </a:r>
-            <a:endParaRPr lang="zh-CN" altLang="en-US" dirty="0"/>
-          </a:p>
-        </p:txBody>
-      </p:sp>
-      <p:sp>
-        <p:nvSpPr>
-          <p:cNvPr id="5" name="矩形 4">
-            <a:extLst>
-              <a:ext uri="{FF2B5EF4-FFF2-40B4-BE49-F238E27FC236}">
-                <a16:creationId xmlns:a16="http://schemas.microsoft.com/office/drawing/2014/main" id="{CE1A4767-FE4D-56D1-40B2-262D4B5896C7}"/>
-              </a:ext>
-            </a:extLst>
-          </p:cNvPr>
-          <p:cNvSpPr/>
-          <p:nvPr/>
-        </p:nvSpPr>
-        <p:spPr>
-          <a:xfrm>
-            <a:off x="1118773" y="2953653"/>
-            <a:ext cx="1661602" cy="751537"/>
-          </a:xfrm>
-          <a:prstGeom prst="rect">
-            <a:avLst/>
-          </a:prstGeom>
-        </p:spPr>
-        <p:style>
-          <a:lnRef idx="2">
-            <a:schemeClr val="accent1">
-              <a:shade val="50000"/>
-            </a:schemeClr>
-          </a:lnRef>
-          <a:fillRef idx="1">
-            <a:schemeClr val="accent1"/>
-          </a:fillRef>
-          <a:effectRef idx="0">
-            <a:schemeClr val="accent1"/>
-          </a:effectRef>
-          <a:fontRef idx="minor">
-            <a:schemeClr val="lt1"/>
-          </a:fontRef>
-        </p:style>
-        <p:txBody>
-          <a:bodyPr rtlCol="0" anchor="ctr"/>
-          <a:lstStyle/>
-          <a:p>
-            <a:pPr algn="ctr"/>
-            <a:r>
-              <a:rPr lang="en-US" altLang="zh-CN" dirty="0"/>
-              <a:t>XORM</a:t>
-            </a:r>
-            <a:endParaRPr lang="zh-CN" altLang="en-US" dirty="0"/>
-          </a:p>
-        </p:txBody>
-      </p:sp>
-      <p:sp>
-        <p:nvSpPr>
-          <p:cNvPr id="12" name="矩形 11">
-            <a:extLst>
-              <a:ext uri="{FF2B5EF4-FFF2-40B4-BE49-F238E27FC236}">
-                <a16:creationId xmlns:a16="http://schemas.microsoft.com/office/drawing/2014/main" id="{D596708B-FC6D-BF5E-34FA-D9730BE8E7E6}"/>
-              </a:ext>
-            </a:extLst>
-          </p:cNvPr>
-          <p:cNvSpPr/>
-          <p:nvPr/>
-        </p:nvSpPr>
-        <p:spPr>
-          <a:xfrm>
-            <a:off x="3743005" y="3692778"/>
-            <a:ext cx="1661602" cy="751537"/>
-          </a:xfrm>
-          <a:prstGeom prst="rect">
-            <a:avLst/>
-          </a:prstGeom>
-        </p:spPr>
-        <p:style>
-          <a:lnRef idx="2">
-            <a:schemeClr val="accent1">
-              <a:shade val="50000"/>
-            </a:schemeClr>
-          </a:lnRef>
-          <a:fillRef idx="1">
-            <a:schemeClr val="accent1"/>
-          </a:fillRef>
-          <a:effectRef idx="0">
-            <a:schemeClr val="accent1"/>
-          </a:effectRef>
-          <a:fontRef idx="minor">
-            <a:schemeClr val="lt1"/>
-          </a:fontRef>
-        </p:style>
-        <p:txBody>
-          <a:bodyPr rtlCol="0" anchor="ctr"/>
-          <a:lstStyle/>
-          <a:p>
-            <a:pPr algn="ctr"/>
-            <a:r>
-              <a:rPr lang="en-US" altLang="zh-CN" dirty="0"/>
-              <a:t>_</a:t>
-            </a:r>
-            <a:r>
-              <a:rPr lang="en-US" altLang="zh-CN" dirty="0" err="1"/>
-              <a:t>XMeta</a:t>
-            </a:r>
-            <a:endParaRPr lang="zh-CN" altLang="en-US" dirty="0"/>
-          </a:p>
-        </p:txBody>
-      </p:sp>
-      <p:sp>
-        <p:nvSpPr>
-          <p:cNvPr id="14" name="矩形 13">
-            <a:extLst>
-              <a:ext uri="{FF2B5EF4-FFF2-40B4-BE49-F238E27FC236}">
-                <a16:creationId xmlns:a16="http://schemas.microsoft.com/office/drawing/2014/main" id="{4EAEFFBD-C790-40AB-8120-0ED2F6F3E3AA}"/>
-              </a:ext>
-            </a:extLst>
-          </p:cNvPr>
-          <p:cNvSpPr/>
-          <p:nvPr/>
-        </p:nvSpPr>
-        <p:spPr>
-          <a:xfrm>
-            <a:off x="6455593" y="3705358"/>
-            <a:ext cx="1661602" cy="751537"/>
-          </a:xfrm>
-          <a:prstGeom prst="rect">
-            <a:avLst/>
-          </a:prstGeom>
-          <a:solidFill>
-            <a:srgbClr val="C00000"/>
-          </a:solidFill>
-        </p:spPr>
-        <p:style>
-          <a:lnRef idx="2">
-            <a:schemeClr val="accent1">
-              <a:shade val="50000"/>
-            </a:schemeClr>
-          </a:lnRef>
-          <a:fillRef idx="1">
-            <a:schemeClr val="accent1"/>
-          </a:fillRef>
-          <a:effectRef idx="0">
-            <a:schemeClr val="accent1"/>
-          </a:effectRef>
-          <a:fontRef idx="minor">
-            <a:schemeClr val="lt1"/>
-          </a:fontRef>
-        </p:style>
-        <p:txBody>
-          <a:bodyPr rtlCol="0" anchor="ctr"/>
-          <a:lstStyle/>
-          <a:p>
-            <a:pPr algn="ctr"/>
-            <a:r>
-              <a:rPr lang="en-US" altLang="zh-CN" dirty="0"/>
-              <a:t>_</a:t>
-            </a:r>
-            <a:r>
-              <a:rPr lang="en-US" altLang="zh-CN" dirty="0" err="1"/>
-              <a:t>XView</a:t>
-            </a:r>
-            <a:endParaRPr lang="zh-CN" altLang="en-US" dirty="0"/>
-          </a:p>
-        </p:txBody>
-      </p:sp>
-      <p:sp>
-        <p:nvSpPr>
-          <p:cNvPr id="19" name="矩形 18">
-            <a:extLst>
-              <a:ext uri="{FF2B5EF4-FFF2-40B4-BE49-F238E27FC236}">
-                <a16:creationId xmlns:a16="http://schemas.microsoft.com/office/drawing/2014/main" id="{1DDE44B1-52E8-98C7-D898-D63D745B0F63}"/>
-              </a:ext>
-            </a:extLst>
-          </p:cNvPr>
-          <p:cNvSpPr/>
-          <p:nvPr/>
-        </p:nvSpPr>
-        <p:spPr>
-          <a:xfrm>
-            <a:off x="9171697" y="2941241"/>
-            <a:ext cx="1661602" cy="751537"/>
-          </a:xfrm>
-          <a:prstGeom prst="rect">
-            <a:avLst/>
-          </a:prstGeom>
-          <a:solidFill>
-            <a:srgbClr val="C00000"/>
-          </a:solidFill>
-        </p:spPr>
-        <p:style>
-          <a:lnRef idx="2">
-            <a:schemeClr val="accent1">
-              <a:shade val="50000"/>
-            </a:schemeClr>
-          </a:lnRef>
-          <a:fillRef idx="1">
-            <a:schemeClr val="accent1"/>
-          </a:fillRef>
-          <a:effectRef idx="0">
-            <a:schemeClr val="accent1"/>
-          </a:effectRef>
-          <a:fontRef idx="minor">
-            <a:schemeClr val="lt1"/>
-          </a:fontRef>
-        </p:style>
-        <p:txBody>
-          <a:bodyPr rtlCol="0" anchor="ctr"/>
-          <a:lstStyle/>
-          <a:p>
-            <a:pPr algn="ctr"/>
-            <a:r>
-              <a:rPr lang="en-US" altLang="zh-CN" dirty="0" err="1"/>
-              <a:t>XPage</a:t>
-            </a:r>
-            <a:endParaRPr lang="zh-CN" altLang="en-US" dirty="0"/>
-          </a:p>
-        </p:txBody>
-      </p:sp>
-      <p:sp>
-        <p:nvSpPr>
-          <p:cNvPr id="49" name="文本框 48">
-            <a:extLst>
-              <a:ext uri="{FF2B5EF4-FFF2-40B4-BE49-F238E27FC236}">
-                <a16:creationId xmlns:a16="http://schemas.microsoft.com/office/drawing/2014/main" id="{C76386B8-0A78-88D0-283F-26AEFDECAB74}"/>
+          <p:cNvPr id="2" name="文本框 1">
+            <a:extLst>
+              <a:ext uri="{FF2B5EF4-FFF2-40B4-BE49-F238E27FC236}">
+                <a16:creationId xmlns:a16="http://schemas.microsoft.com/office/drawing/2014/main" id="{3C94D8A1-9917-8B97-5FC7-325C311C388B}"/>
               </a:ext>
             </a:extLst>
           </p:cNvPr>
@@ -3880,7 +3618,7 @@
         <p:spPr>
           <a:xfrm>
             <a:off x="434689" y="267393"/>
-            <a:ext cx="2380430" cy="523220"/>
+            <a:ext cx="2909886" cy="523220"/>
           </a:xfrm>
           <a:prstGeom prst="rect">
             <a:avLst/>
@@ -3895,276 +3633,17 @@
           <a:p>
             <a:r>
               <a:rPr lang="zh-CN" altLang="en-US" sz="2800" b="1" dirty="0"/>
-              <a:t>差量流水线</a:t>
-            </a:r>
-          </a:p>
-        </p:txBody>
-      </p:sp>
-      <p:sp>
-        <p:nvSpPr>
-          <p:cNvPr id="2" name="矩形 1">
-            <a:extLst>
-              <a:ext uri="{FF2B5EF4-FFF2-40B4-BE49-F238E27FC236}">
-                <a16:creationId xmlns:a16="http://schemas.microsoft.com/office/drawing/2014/main" id="{D9D7C2E0-53A0-8A71-7E5A-41DA55453420}"/>
-              </a:ext>
-            </a:extLst>
-          </p:cNvPr>
-          <p:cNvSpPr/>
-          <p:nvPr/>
-        </p:nvSpPr>
-        <p:spPr>
-          <a:xfrm>
-            <a:off x="3739489" y="2941242"/>
-            <a:ext cx="1661602" cy="751537"/>
-          </a:xfrm>
-          <a:prstGeom prst="rect">
-            <a:avLst/>
-          </a:prstGeom>
-        </p:spPr>
-        <p:style>
-          <a:lnRef idx="2">
-            <a:schemeClr val="accent1">
-              <a:shade val="50000"/>
-            </a:schemeClr>
-          </a:lnRef>
-          <a:fillRef idx="1">
-            <a:schemeClr val="accent1"/>
-          </a:fillRef>
-          <a:effectRef idx="0">
-            <a:schemeClr val="accent1"/>
-          </a:effectRef>
-          <a:fontRef idx="minor">
-            <a:schemeClr val="lt1"/>
-          </a:fontRef>
-        </p:style>
-        <p:txBody>
-          <a:bodyPr rtlCol="0" anchor="ctr"/>
-          <a:lstStyle/>
-          <a:p>
-            <a:pPr algn="ctr"/>
-            <a:r>
-              <a:rPr lang="en-US" altLang="zh-CN" dirty="0" err="1"/>
-              <a:t>XMeta</a:t>
-            </a:r>
-            <a:endParaRPr lang="zh-CN" altLang="en-US" dirty="0"/>
-          </a:p>
-        </p:txBody>
-      </p:sp>
-      <p:sp>
-        <p:nvSpPr>
-          <p:cNvPr id="11" name="矩形 10">
-            <a:extLst>
-              <a:ext uri="{FF2B5EF4-FFF2-40B4-BE49-F238E27FC236}">
-                <a16:creationId xmlns:a16="http://schemas.microsoft.com/office/drawing/2014/main" id="{656E952D-7207-7257-2CE4-D3885B5052C3}"/>
-              </a:ext>
-            </a:extLst>
-          </p:cNvPr>
-          <p:cNvSpPr/>
-          <p:nvPr/>
-        </p:nvSpPr>
-        <p:spPr>
-          <a:xfrm>
-            <a:off x="6455593" y="2953653"/>
-            <a:ext cx="1661602" cy="751537"/>
-          </a:xfrm>
-          <a:prstGeom prst="rect">
-            <a:avLst/>
-          </a:prstGeom>
-          <a:solidFill>
-            <a:srgbClr val="C00000"/>
-          </a:solidFill>
-        </p:spPr>
-        <p:style>
-          <a:lnRef idx="2">
-            <a:schemeClr val="accent1">
-              <a:shade val="50000"/>
-            </a:schemeClr>
-          </a:lnRef>
-          <a:fillRef idx="1">
-            <a:schemeClr val="accent1"/>
-          </a:fillRef>
-          <a:effectRef idx="0">
-            <a:schemeClr val="accent1"/>
-          </a:effectRef>
-          <a:fontRef idx="minor">
-            <a:schemeClr val="lt1"/>
-          </a:fontRef>
-        </p:style>
-        <p:txBody>
-          <a:bodyPr rtlCol="0" anchor="ctr"/>
-          <a:lstStyle/>
-          <a:p>
-            <a:pPr algn="ctr"/>
-            <a:r>
-              <a:rPr lang="en-US" altLang="zh-CN" dirty="0" err="1"/>
-              <a:t>XView</a:t>
-            </a:r>
-            <a:endParaRPr lang="en-US" altLang="zh-CN" dirty="0"/>
-          </a:p>
-        </p:txBody>
-      </p:sp>
-      <p:sp>
-        <p:nvSpPr>
-          <p:cNvPr id="22" name="矩形 21">
-            <a:extLst>
-              <a:ext uri="{FF2B5EF4-FFF2-40B4-BE49-F238E27FC236}">
-                <a16:creationId xmlns:a16="http://schemas.microsoft.com/office/drawing/2014/main" id="{CA4418D9-C431-D727-C854-E7CFD25EAA57}"/>
-              </a:ext>
-            </a:extLst>
-          </p:cNvPr>
-          <p:cNvSpPr/>
-          <p:nvPr/>
-        </p:nvSpPr>
-        <p:spPr>
-          <a:xfrm>
-            <a:off x="9170477" y="3691632"/>
-            <a:ext cx="1661602" cy="751537"/>
-          </a:xfrm>
-          <a:prstGeom prst="rect">
-            <a:avLst/>
-          </a:prstGeom>
-          <a:solidFill>
-            <a:srgbClr val="C00000"/>
-          </a:solidFill>
-        </p:spPr>
-        <p:style>
-          <a:lnRef idx="2">
-            <a:schemeClr val="accent1">
-              <a:shade val="50000"/>
-            </a:schemeClr>
-          </a:lnRef>
-          <a:fillRef idx="1">
-            <a:schemeClr val="accent1"/>
-          </a:fillRef>
-          <a:effectRef idx="0">
-            <a:schemeClr val="accent1"/>
-          </a:effectRef>
-          <a:fontRef idx="minor">
-            <a:schemeClr val="lt1"/>
-          </a:fontRef>
-        </p:style>
-        <p:txBody>
-          <a:bodyPr rtlCol="0" anchor="ctr"/>
-          <a:lstStyle/>
-          <a:p>
-            <a:pPr algn="ctr"/>
-            <a:r>
-              <a:rPr lang="en-US" altLang="zh-CN" dirty="0"/>
-              <a:t>_</a:t>
-            </a:r>
-            <a:r>
-              <a:rPr lang="en-US" altLang="zh-CN" dirty="0" err="1"/>
-              <a:t>XPage</a:t>
-            </a:r>
-            <a:endParaRPr lang="zh-CN" altLang="en-US" dirty="0"/>
-          </a:p>
-        </p:txBody>
-      </p:sp>
-      <p:sp>
-        <p:nvSpPr>
-          <p:cNvPr id="7" name="椭圆 6">
-            <a:extLst>
-              <a:ext uri="{FF2B5EF4-FFF2-40B4-BE49-F238E27FC236}">
-                <a16:creationId xmlns:a16="http://schemas.microsoft.com/office/drawing/2014/main" id="{C8313F1A-B63D-3A10-E8C1-AB28C38E41FE}"/>
-              </a:ext>
-            </a:extLst>
-          </p:cNvPr>
-          <p:cNvSpPr/>
-          <p:nvPr/>
-        </p:nvSpPr>
-        <p:spPr>
-          <a:xfrm>
-            <a:off x="1119759" y="5255029"/>
-            <a:ext cx="1661602" cy="751537"/>
-          </a:xfrm>
-          <a:prstGeom prst="ellipse">
-            <a:avLst/>
-          </a:prstGeom>
-          <a:solidFill>
-            <a:srgbClr val="7030A0"/>
-          </a:solidFill>
-        </p:spPr>
-        <p:style>
-          <a:lnRef idx="2">
-            <a:schemeClr val="accent1">
-              <a:shade val="50000"/>
-            </a:schemeClr>
-          </a:lnRef>
-          <a:fillRef idx="1">
-            <a:schemeClr val="accent1"/>
-          </a:fillRef>
-          <a:effectRef idx="0">
-            <a:schemeClr val="accent1"/>
-          </a:effectRef>
-          <a:fontRef idx="minor">
-            <a:schemeClr val="lt1"/>
-          </a:fontRef>
-        </p:style>
-        <p:txBody>
-          <a:bodyPr rtlCol="0" anchor="ctr"/>
-          <a:lstStyle/>
-          <a:p>
-            <a:pPr algn="ctr"/>
-            <a:r>
-              <a:rPr lang="en-US" altLang="zh-CN" dirty="0"/>
-              <a:t>Excel</a:t>
-            </a:r>
-            <a:endParaRPr lang="zh-CN" altLang="en-US" dirty="0"/>
-          </a:p>
-        </p:txBody>
-      </p:sp>
-      <p:sp>
-        <p:nvSpPr>
-          <p:cNvPr id="8" name="箭头: 右 7">
-            <a:extLst>
-              <a:ext uri="{FF2B5EF4-FFF2-40B4-BE49-F238E27FC236}">
-                <a16:creationId xmlns:a16="http://schemas.microsoft.com/office/drawing/2014/main" id="{5B1CFA59-D8A1-E062-7710-F234E2186247}"/>
-              </a:ext>
-            </a:extLst>
-          </p:cNvPr>
-          <p:cNvSpPr/>
-          <p:nvPr/>
-        </p:nvSpPr>
-        <p:spPr>
-          <a:xfrm rot="16200000">
-            <a:off x="1632536" y="4765617"/>
-            <a:ext cx="529841" cy="202391"/>
-          </a:xfrm>
-          <a:prstGeom prst="rightArrow">
-            <a:avLst/>
-          </a:prstGeom>
-        </p:spPr>
-        <p:style>
-          <a:lnRef idx="2">
-            <a:schemeClr val="accent1">
-              <a:shade val="50000"/>
-            </a:schemeClr>
-          </a:lnRef>
-          <a:fillRef idx="1">
-            <a:schemeClr val="accent1"/>
-          </a:fillRef>
-          <a:effectRef idx="0">
-            <a:schemeClr val="accent1"/>
-          </a:effectRef>
-          <a:fontRef idx="minor">
-            <a:schemeClr val="lt1"/>
-          </a:fontRef>
-        </p:style>
-        <p:txBody>
-          <a:bodyPr rtlCol="0" anchor="ctr"/>
-          <a:lstStyle/>
-          <a:p>
-            <a:pPr algn="ctr"/>
-            <a:endParaRPr lang="zh-CN" altLang="en-US"/>
-          </a:p>
-        </p:txBody>
-      </p:sp>
-      <p:sp>
-        <p:nvSpPr>
-          <p:cNvPr id="15" name="文本框 14">
-            <a:extLst>
-              <a:ext uri="{FF2B5EF4-FFF2-40B4-BE49-F238E27FC236}">
-                <a16:creationId xmlns:a16="http://schemas.microsoft.com/office/drawing/2014/main" id="{AC6C489F-E051-914F-A225-76E8289574A4}"/>
+              <a:t>可逆计算的实现</a:t>
+            </a:r>
+          </a:p>
+        </p:txBody>
+      </p:sp>
+      <p:sp>
+        <p:nvSpPr>
+          <p:cNvPr id="5" name="文本框 4">
+            <a:extLst>
+              <a:ext uri="{FF2B5EF4-FFF2-40B4-BE49-F238E27FC236}">
+                <a16:creationId xmlns:a16="http://schemas.microsoft.com/office/drawing/2014/main" id="{A84BC0B8-C288-5EAE-954C-4AAF55CA2262}"/>
               </a:ext>
             </a:extLst>
           </p:cNvPr>
@@ -4173,8 +3652,8 @@
         </p:nvSpPr>
         <p:spPr>
           <a:xfrm>
-            <a:off x="2049427" y="4677527"/>
-            <a:ext cx="708917" cy="369332"/>
+            <a:off x="1094014" y="1494067"/>
+            <a:ext cx="9511393" cy="646331"/>
           </a:xfrm>
           <a:prstGeom prst="rect">
             <a:avLst/>
@@ -4182,125 +3661,24 @@
           <a:noFill/>
         </p:spPr>
         <p:txBody>
-          <a:bodyPr wrap="square" rtlCol="0">
+          <a:bodyPr wrap="square">
             <a:spAutoFit/>
           </a:bodyPr>
           <a:lstStyle/>
           <a:p>
             <a:r>
-              <a:rPr lang="zh-CN" altLang="en-US" dirty="0"/>
-              <a:t>生成</a:t>
-            </a:r>
-          </a:p>
-        </p:txBody>
-      </p:sp>
-      <p:sp>
-        <p:nvSpPr>
-          <p:cNvPr id="26" name="椭圆 25">
-            <a:extLst>
-              <a:ext uri="{FF2B5EF4-FFF2-40B4-BE49-F238E27FC236}">
-                <a16:creationId xmlns:a16="http://schemas.microsoft.com/office/drawing/2014/main" id="{FAFE2A35-9FD0-1A68-9CAD-731A094AA618}"/>
-              </a:ext>
-            </a:extLst>
-          </p:cNvPr>
-          <p:cNvSpPr/>
-          <p:nvPr/>
-        </p:nvSpPr>
-        <p:spPr>
-          <a:xfrm>
-            <a:off x="9171697" y="1267187"/>
-            <a:ext cx="1661602" cy="751537"/>
-          </a:xfrm>
-          <a:prstGeom prst="ellipse">
-            <a:avLst/>
-          </a:prstGeom>
-          <a:solidFill>
-            <a:srgbClr val="7030A0"/>
-          </a:solidFill>
-        </p:spPr>
-        <p:style>
-          <a:lnRef idx="2">
-            <a:schemeClr val="accent1">
-              <a:shade val="50000"/>
-            </a:schemeClr>
-          </a:lnRef>
-          <a:fillRef idx="1">
-            <a:schemeClr val="accent1"/>
-          </a:fillRef>
-          <a:effectRef idx="0">
-            <a:schemeClr val="accent1"/>
-          </a:effectRef>
-          <a:fontRef idx="minor">
-            <a:schemeClr val="lt1"/>
-          </a:fontRef>
-        </p:style>
-        <p:txBody>
-          <a:bodyPr rtlCol="0" anchor="ctr"/>
-          <a:lstStyle/>
-          <a:p>
-            <a:pPr algn="ctr"/>
-            <a:r>
-              <a:rPr lang="zh-CN" altLang="en-US" dirty="0"/>
-              <a:t>界面</a:t>
-            </a:r>
-          </a:p>
-        </p:txBody>
-      </p:sp>
-      <p:sp>
-        <p:nvSpPr>
-          <p:cNvPr id="27" name="箭头: 右 26">
-            <a:extLst>
-              <a:ext uri="{FF2B5EF4-FFF2-40B4-BE49-F238E27FC236}">
-                <a16:creationId xmlns:a16="http://schemas.microsoft.com/office/drawing/2014/main" id="{0705D658-343D-D9A0-4C7A-321BC4AEAD24}"/>
-              </a:ext>
-            </a:extLst>
-          </p:cNvPr>
-          <p:cNvSpPr/>
-          <p:nvPr/>
-        </p:nvSpPr>
-        <p:spPr>
-          <a:xfrm rot="16200000">
-            <a:off x="9655636" y="2400626"/>
-            <a:ext cx="588892" cy="184934"/>
-          </a:xfrm>
-          <a:prstGeom prst="rightArrow">
-            <a:avLst>
-              <a:gd name="adj1" fmla="val 62154"/>
-              <a:gd name="adj2" fmla="val 50000"/>
-            </a:avLst>
-          </a:prstGeom>
-        </p:spPr>
-        <p:style>
-          <a:lnRef idx="2">
-            <a:schemeClr val="accent1">
-              <a:shade val="50000"/>
-            </a:schemeClr>
-          </a:lnRef>
-          <a:fillRef idx="1">
-            <a:schemeClr val="accent1"/>
-          </a:fillRef>
-          <a:effectRef idx="0">
-            <a:schemeClr val="accent1"/>
-          </a:effectRef>
-          <a:fontRef idx="minor">
-            <a:schemeClr val="lt1"/>
-          </a:fontRef>
-        </p:style>
-        <p:txBody>
-          <a:bodyPr rtlCol="0" anchor="ctr"/>
-          <a:lstStyle/>
-          <a:p>
-            <a:pPr algn="ctr"/>
-            <a:endParaRPr lang="zh-CN" altLang="en-US"/>
-          </a:p>
-        </p:txBody>
-      </p:sp>
-      <p:sp>
-        <p:nvSpPr>
-          <p:cNvPr id="28" name="文本框 27">
-            <a:extLst>
-              <a:ext uri="{FF2B5EF4-FFF2-40B4-BE49-F238E27FC236}">
-                <a16:creationId xmlns:a16="http://schemas.microsoft.com/office/drawing/2014/main" id="{7CE677EA-6653-B122-5525-0AF100D20D78}"/>
+              <a:rPr lang="en-US" altLang="zh-CN" sz="3600" dirty="0"/>
+              <a:t>  Object  = Map extends Map&lt;Map&gt;</a:t>
+            </a:r>
+          </a:p>
+        </p:txBody>
+      </p:sp>
+      <p:sp>
+        <p:nvSpPr>
+          <p:cNvPr id="21" name="文本框 20">
+            <a:extLst>
+              <a:ext uri="{FF2B5EF4-FFF2-40B4-BE49-F238E27FC236}">
+                <a16:creationId xmlns:a16="http://schemas.microsoft.com/office/drawing/2014/main" id="{8A75C438-2535-F2D3-5048-EA2A87FA1518}"/>
               </a:ext>
             </a:extLst>
           </p:cNvPr>
@@ -4309,8 +3687,8 @@
         </p:nvSpPr>
         <p:spPr>
           <a:xfrm>
-            <a:off x="10128609" y="2303996"/>
-            <a:ext cx="921004" cy="369332"/>
+            <a:off x="1238250" y="2905782"/>
+            <a:ext cx="7807779" cy="646331"/>
           </a:xfrm>
           <a:prstGeom prst="rect">
             <a:avLst/>
@@ -4318,69 +3696,24 @@
           <a:noFill/>
         </p:spPr>
         <p:txBody>
-          <a:bodyPr wrap="square" rtlCol="0">
+          <a:bodyPr wrap="square">
             <a:spAutoFit/>
           </a:bodyPr>
           <a:lstStyle/>
           <a:p>
             <a:r>
-              <a:rPr lang="en-US" altLang="zh-CN" dirty="0"/>
-              <a:t>Render</a:t>
-            </a:r>
-            <a:endParaRPr lang="zh-CN" altLang="en-US" dirty="0"/>
-          </a:p>
-        </p:txBody>
-      </p:sp>
-      <p:cxnSp>
-        <p:nvCxnSpPr>
-          <p:cNvPr id="42" name="直接连接符 41">
-            <a:extLst>
-              <a:ext uri="{FF2B5EF4-FFF2-40B4-BE49-F238E27FC236}">
-                <a16:creationId xmlns:a16="http://schemas.microsoft.com/office/drawing/2014/main" id="{D50D6AB5-4D89-4BA6-A7E8-F8E26F6D2885}"/>
-              </a:ext>
-            </a:extLst>
-          </p:cNvPr>
-          <p:cNvCxnSpPr>
-            <a:cxnSpLocks/>
-          </p:cNvCxnSpPr>
-          <p:nvPr/>
-        </p:nvCxnSpPr>
-        <p:spPr>
-          <a:xfrm>
-            <a:off x="5900792" y="2749600"/>
-            <a:ext cx="0" cy="4018151"/>
-          </a:xfrm>
-          <a:prstGeom prst="line">
-            <a:avLst/>
-          </a:prstGeom>
-          <a:ln>
-            <a:solidFill>
-              <a:schemeClr val="accent1"/>
-            </a:solidFill>
-            <a:prstDash val="dash"/>
-          </a:ln>
-        </p:spPr>
-        <p:style>
-          <a:lnRef idx="1">
-            <a:schemeClr val="accent1"/>
-          </a:lnRef>
-          <a:fillRef idx="0">
-            <a:schemeClr val="accent1"/>
-          </a:fillRef>
-          <a:effectRef idx="0">
-            <a:schemeClr val="accent1"/>
-          </a:effectRef>
-          <a:fontRef idx="minor">
-            <a:schemeClr val="tx1"/>
-          </a:fontRef>
-        </p:style>
-      </p:cxnSp>
-      <p:sp>
-        <p:nvSpPr>
-          <p:cNvPr id="16" name="文本框 15">
-            <a:extLst>
-              <a:ext uri="{FF2B5EF4-FFF2-40B4-BE49-F238E27FC236}">
-                <a16:creationId xmlns:a16="http://schemas.microsoft.com/office/drawing/2014/main" id="{07128EE0-A808-4AAB-488A-DAAF10473AC0}"/>
+              <a:rPr lang="en-US" altLang="zh-CN" sz="3600" dirty="0"/>
+              <a:t>  App = Tree x-extends Tree&lt;Tree&gt;</a:t>
+            </a:r>
+          </a:p>
+        </p:txBody>
+      </p:sp>
+      <p:sp>
+        <p:nvSpPr>
+          <p:cNvPr id="3" name="文本框 2">
+            <a:extLst>
+              <a:ext uri="{FF2B5EF4-FFF2-40B4-BE49-F238E27FC236}">
+                <a16:creationId xmlns:a16="http://schemas.microsoft.com/office/drawing/2014/main" id="{A53CCC2C-5348-EC7B-95D6-3DF6C0965CCA}"/>
               </a:ext>
             </a:extLst>
           </p:cNvPr>
@@ -4389,8 +3722,8 @@
         </p:nvSpPr>
         <p:spPr>
           <a:xfrm>
-            <a:off x="2871297" y="2813342"/>
-            <a:ext cx="708917" cy="369332"/>
+            <a:off x="1298121" y="4474026"/>
+            <a:ext cx="9429750" cy="584775"/>
           </a:xfrm>
           <a:prstGeom prst="rect">
             <a:avLst/>
@@ -4404,393 +3737,17 @@
           <a:lstStyle/>
           <a:p>
             <a:r>
-              <a:rPr lang="zh-CN" altLang="en-US" dirty="0"/>
-              <a:t>生成</a:t>
-            </a:r>
-          </a:p>
-        </p:txBody>
-      </p:sp>
-      <p:sp>
-        <p:nvSpPr>
-          <p:cNvPr id="18" name="文本框 17">
-            <a:extLst>
-              <a:ext uri="{FF2B5EF4-FFF2-40B4-BE49-F238E27FC236}">
-                <a16:creationId xmlns:a16="http://schemas.microsoft.com/office/drawing/2014/main" id="{035EADB8-B836-BBCB-4B3A-4AD98E84DCBD}"/>
-              </a:ext>
-            </a:extLst>
-          </p:cNvPr>
-          <p:cNvSpPr txBox="1"/>
-          <p:nvPr/>
-        </p:nvSpPr>
-        <p:spPr>
-          <a:xfrm>
-            <a:off x="5581843" y="2848847"/>
-            <a:ext cx="708917" cy="369332"/>
-          </a:xfrm>
-          <a:prstGeom prst="rect">
-            <a:avLst/>
-          </a:prstGeom>
-          <a:noFill/>
-        </p:spPr>
-        <p:txBody>
-          <a:bodyPr wrap="square" rtlCol="0">
-            <a:spAutoFit/>
-          </a:bodyPr>
-          <a:lstStyle/>
-          <a:p>
-            <a:r>
-              <a:rPr lang="zh-CN" altLang="en-US" dirty="0"/>
-              <a:t>生成</a:t>
-            </a:r>
-          </a:p>
-        </p:txBody>
-      </p:sp>
-      <p:sp>
-        <p:nvSpPr>
-          <p:cNvPr id="21" name="矩形 20">
-            <a:extLst>
-              <a:ext uri="{FF2B5EF4-FFF2-40B4-BE49-F238E27FC236}">
-                <a16:creationId xmlns:a16="http://schemas.microsoft.com/office/drawing/2014/main" id="{53272BCD-B3A7-5DDB-7DF7-DE9D53F7B669}"/>
-              </a:ext>
-            </a:extLst>
-          </p:cNvPr>
-          <p:cNvSpPr/>
-          <p:nvPr/>
-        </p:nvSpPr>
-        <p:spPr>
-          <a:xfrm>
-            <a:off x="3744932" y="1393457"/>
-            <a:ext cx="1661602" cy="751537"/>
-          </a:xfrm>
-          <a:prstGeom prst="rect">
-            <a:avLst/>
-          </a:prstGeom>
-        </p:spPr>
-        <p:style>
-          <a:lnRef idx="2">
-            <a:schemeClr val="accent1">
-              <a:shade val="50000"/>
-            </a:schemeClr>
-          </a:lnRef>
-          <a:fillRef idx="1">
-            <a:schemeClr val="accent1"/>
-          </a:fillRef>
-          <a:effectRef idx="0">
-            <a:schemeClr val="accent1"/>
-          </a:effectRef>
-          <a:fontRef idx="minor">
-            <a:schemeClr val="lt1"/>
-          </a:fontRef>
-        </p:style>
-        <p:txBody>
-          <a:bodyPr rtlCol="0" anchor="ctr"/>
-          <a:lstStyle/>
-          <a:p>
-            <a:pPr algn="ctr"/>
-            <a:r>
-              <a:rPr lang="en-US" altLang="zh-CN" dirty="0" err="1"/>
-              <a:t>GraphQL</a:t>
-            </a:r>
-            <a:endParaRPr lang="zh-CN" altLang="en-US" dirty="0"/>
-          </a:p>
-        </p:txBody>
-      </p:sp>
-      <p:sp>
-        <p:nvSpPr>
-          <p:cNvPr id="36" name="箭头: 上 35">
-            <a:extLst>
-              <a:ext uri="{FF2B5EF4-FFF2-40B4-BE49-F238E27FC236}">
-                <a16:creationId xmlns:a16="http://schemas.microsoft.com/office/drawing/2014/main" id="{AF326EC7-1256-780A-B70E-2888D1738247}"/>
-              </a:ext>
-            </a:extLst>
-          </p:cNvPr>
-          <p:cNvSpPr/>
-          <p:nvPr/>
-        </p:nvSpPr>
-        <p:spPr>
-          <a:xfrm>
-            <a:off x="4436907" y="2299827"/>
-            <a:ext cx="168315" cy="369331"/>
-          </a:xfrm>
-          <a:prstGeom prst="upArrow">
-            <a:avLst/>
-          </a:prstGeom>
-        </p:spPr>
-        <p:style>
-          <a:lnRef idx="2">
-            <a:schemeClr val="accent1">
-              <a:shade val="50000"/>
-            </a:schemeClr>
-          </a:lnRef>
-          <a:fillRef idx="1">
-            <a:schemeClr val="accent1"/>
-          </a:fillRef>
-          <a:effectRef idx="0">
-            <a:schemeClr val="accent1"/>
-          </a:effectRef>
-          <a:fontRef idx="minor">
-            <a:schemeClr val="lt1"/>
-          </a:fontRef>
-        </p:style>
-        <p:txBody>
-          <a:bodyPr rtlCol="0" anchor="ctr"/>
-          <a:lstStyle/>
-          <a:p>
-            <a:pPr algn="ctr"/>
-            <a:endParaRPr lang="zh-CN" altLang="en-US"/>
-          </a:p>
-        </p:txBody>
-      </p:sp>
-      <p:sp>
-        <p:nvSpPr>
-          <p:cNvPr id="37" name="文本框 36">
-            <a:extLst>
-              <a:ext uri="{FF2B5EF4-FFF2-40B4-BE49-F238E27FC236}">
-                <a16:creationId xmlns:a16="http://schemas.microsoft.com/office/drawing/2014/main" id="{0A0BDC57-58BE-9A32-3FB7-E926CFEAEE82}"/>
-              </a:ext>
-            </a:extLst>
-          </p:cNvPr>
-          <p:cNvSpPr txBox="1"/>
-          <p:nvPr/>
-        </p:nvSpPr>
-        <p:spPr>
-          <a:xfrm>
-            <a:off x="4693796" y="2287587"/>
-            <a:ext cx="1220709" cy="369332"/>
-          </a:xfrm>
-          <a:prstGeom prst="rect">
-            <a:avLst/>
-          </a:prstGeom>
-          <a:noFill/>
-        </p:spPr>
-        <p:txBody>
-          <a:bodyPr wrap="square" rtlCol="0">
-            <a:spAutoFit/>
-          </a:bodyPr>
-          <a:lstStyle/>
-          <a:p>
-            <a:r>
-              <a:rPr lang="en-US" altLang="zh-CN" dirty="0" err="1"/>
-              <a:t>BizModel</a:t>
-            </a:r>
-            <a:endParaRPr lang="en-US" altLang="zh-CN" dirty="0"/>
-          </a:p>
-        </p:txBody>
-      </p:sp>
-      <p:sp>
-        <p:nvSpPr>
-          <p:cNvPr id="41" name="加号 40">
-            <a:extLst>
-              <a:ext uri="{FF2B5EF4-FFF2-40B4-BE49-F238E27FC236}">
-                <a16:creationId xmlns:a16="http://schemas.microsoft.com/office/drawing/2014/main" id="{9231E943-E955-B34C-F9CC-CCDADFCEF50E}"/>
-              </a:ext>
-            </a:extLst>
-          </p:cNvPr>
-          <p:cNvSpPr/>
-          <p:nvPr/>
-        </p:nvSpPr>
-        <p:spPr>
-          <a:xfrm>
-            <a:off x="4348332" y="2322000"/>
-            <a:ext cx="345464" cy="369332"/>
-          </a:xfrm>
-          <a:prstGeom prst="mathPlus">
-            <a:avLst/>
-          </a:prstGeom>
-        </p:spPr>
-        <p:style>
-          <a:lnRef idx="2">
-            <a:schemeClr val="accent1">
-              <a:shade val="50000"/>
-            </a:schemeClr>
-          </a:lnRef>
-          <a:fillRef idx="1">
-            <a:schemeClr val="accent1"/>
-          </a:fillRef>
-          <a:effectRef idx="0">
-            <a:schemeClr val="accent1"/>
-          </a:effectRef>
-          <a:fontRef idx="minor">
-            <a:schemeClr val="lt1"/>
-          </a:fontRef>
-        </p:style>
-        <p:txBody>
-          <a:bodyPr rtlCol="0" anchor="ctr"/>
-          <a:lstStyle/>
-          <a:p>
-            <a:pPr algn="ctr"/>
-            <a:endParaRPr lang="zh-CN" altLang="en-US"/>
-          </a:p>
-        </p:txBody>
-      </p:sp>
-      <p:cxnSp>
-        <p:nvCxnSpPr>
-          <p:cNvPr id="50" name="连接符: 肘形 49">
-            <a:extLst>
-              <a:ext uri="{FF2B5EF4-FFF2-40B4-BE49-F238E27FC236}">
-                <a16:creationId xmlns:a16="http://schemas.microsoft.com/office/drawing/2014/main" id="{D53C0396-B1E4-2401-DA0E-CCA76C4CC91E}"/>
-              </a:ext>
-            </a:extLst>
-          </p:cNvPr>
-          <p:cNvCxnSpPr>
-            <a:cxnSpLocks/>
-          </p:cNvCxnSpPr>
-          <p:nvPr/>
-        </p:nvCxnSpPr>
-        <p:spPr>
-          <a:xfrm>
-            <a:off x="2878955" y="3380746"/>
-            <a:ext cx="763177" cy="590140"/>
-          </a:xfrm>
-          <a:prstGeom prst="bentConnector3">
-            <a:avLst>
-              <a:gd name="adj1" fmla="val 50000"/>
-            </a:avLst>
-          </a:prstGeom>
-          <a:ln w="53975">
-            <a:tailEnd type="triangle"/>
-          </a:ln>
-        </p:spPr>
-        <p:style>
-          <a:lnRef idx="1">
-            <a:schemeClr val="accent1"/>
-          </a:lnRef>
-          <a:fillRef idx="0">
-            <a:schemeClr val="accent1"/>
-          </a:fillRef>
-          <a:effectRef idx="0">
-            <a:schemeClr val="accent1"/>
-          </a:effectRef>
-          <a:fontRef idx="minor">
-            <a:schemeClr val="tx1"/>
-          </a:fontRef>
-        </p:style>
-      </p:cxnSp>
-      <p:cxnSp>
-        <p:nvCxnSpPr>
-          <p:cNvPr id="56" name="连接符: 肘形 55">
-            <a:extLst>
-              <a:ext uri="{FF2B5EF4-FFF2-40B4-BE49-F238E27FC236}">
-                <a16:creationId xmlns:a16="http://schemas.microsoft.com/office/drawing/2014/main" id="{57F9F954-A1D8-9A79-F3ED-BD312B9031E7}"/>
-              </a:ext>
-            </a:extLst>
-          </p:cNvPr>
-          <p:cNvCxnSpPr>
-            <a:cxnSpLocks/>
-          </p:cNvCxnSpPr>
-          <p:nvPr/>
-        </p:nvCxnSpPr>
-        <p:spPr>
-          <a:xfrm>
-            <a:off x="5531645" y="3430406"/>
-            <a:ext cx="763177" cy="590140"/>
-          </a:xfrm>
-          <a:prstGeom prst="bentConnector3">
-            <a:avLst>
-              <a:gd name="adj1" fmla="val 50000"/>
-            </a:avLst>
-          </a:prstGeom>
-          <a:ln w="53975">
-            <a:tailEnd type="triangle"/>
-          </a:ln>
-        </p:spPr>
-        <p:style>
-          <a:lnRef idx="1">
-            <a:schemeClr val="accent1"/>
-          </a:lnRef>
-          <a:fillRef idx="0">
-            <a:schemeClr val="accent1"/>
-          </a:fillRef>
-          <a:effectRef idx="0">
-            <a:schemeClr val="accent1"/>
-          </a:effectRef>
-          <a:fontRef idx="minor">
-            <a:schemeClr val="tx1"/>
-          </a:fontRef>
-        </p:style>
-      </p:cxnSp>
-      <p:cxnSp>
-        <p:nvCxnSpPr>
-          <p:cNvPr id="57" name="连接符: 肘形 56">
-            <a:extLst>
-              <a:ext uri="{FF2B5EF4-FFF2-40B4-BE49-F238E27FC236}">
-                <a16:creationId xmlns:a16="http://schemas.microsoft.com/office/drawing/2014/main" id="{69B37F02-B6DF-3079-E988-DFAEC8F2B29E}"/>
-              </a:ext>
-            </a:extLst>
-          </p:cNvPr>
-          <p:cNvCxnSpPr>
-            <a:cxnSpLocks/>
-          </p:cNvCxnSpPr>
-          <p:nvPr/>
-        </p:nvCxnSpPr>
-        <p:spPr>
-          <a:xfrm>
-            <a:off x="8273129" y="3428696"/>
-            <a:ext cx="763177" cy="590140"/>
-          </a:xfrm>
-          <a:prstGeom prst="bentConnector3">
-            <a:avLst>
-              <a:gd name="adj1" fmla="val 50000"/>
-            </a:avLst>
-          </a:prstGeom>
-          <a:ln w="53975">
-            <a:tailEnd type="triangle"/>
-          </a:ln>
-        </p:spPr>
-        <p:style>
-          <a:lnRef idx="1">
-            <a:schemeClr val="accent1"/>
-          </a:lnRef>
-          <a:fillRef idx="0">
-            <a:schemeClr val="accent1"/>
-          </a:fillRef>
-          <a:effectRef idx="0">
-            <a:schemeClr val="accent1"/>
-          </a:effectRef>
-          <a:fontRef idx="minor">
-            <a:schemeClr val="tx1"/>
-          </a:fontRef>
-        </p:style>
-      </p:cxnSp>
-      <p:sp>
-        <p:nvSpPr>
-          <p:cNvPr id="59" name="文本框 58">
-            <a:extLst>
-              <a:ext uri="{FF2B5EF4-FFF2-40B4-BE49-F238E27FC236}">
-                <a16:creationId xmlns:a16="http://schemas.microsoft.com/office/drawing/2014/main" id="{61EA4447-5C5C-F1A0-4594-4664B9C02180}"/>
-              </a:ext>
-            </a:extLst>
-          </p:cNvPr>
-          <p:cNvSpPr txBox="1"/>
-          <p:nvPr/>
-        </p:nvSpPr>
-        <p:spPr>
-          <a:xfrm>
-            <a:off x="8179491" y="2847137"/>
-            <a:ext cx="708917" cy="369332"/>
-          </a:xfrm>
-          <a:prstGeom prst="rect">
-            <a:avLst/>
-          </a:prstGeom>
-          <a:noFill/>
-        </p:spPr>
-        <p:txBody>
-          <a:bodyPr wrap="square" rtlCol="0">
-            <a:spAutoFit/>
-          </a:bodyPr>
-          <a:lstStyle/>
-          <a:p>
-            <a:r>
-              <a:rPr lang="zh-CN" altLang="en-US" dirty="0"/>
-              <a:t>生成</a:t>
-            </a:r>
+              <a:rPr lang="en-US" altLang="zh-CN" sz="3200" b="1" dirty="0"/>
+              <a:t> App = Delta x-extends Generator&lt;DSL&gt;</a:t>
+            </a:r>
+            <a:endParaRPr lang="zh-CN" altLang="en-US" sz="3200" b="1" dirty="0"/>
           </a:p>
         </p:txBody>
       </p:sp>
     </p:spTree>
     <p:extLst>
       <p:ext uri="{BB962C8B-B14F-4D97-AF65-F5344CB8AC3E}">
-        <p14:creationId xmlns:p14="http://schemas.microsoft.com/office/powerpoint/2010/main" val="138928013"/>
+        <p14:creationId xmlns:p14="http://schemas.microsoft.com/office/powerpoint/2010/main" val="361804329"/>
       </p:ext>
     </p:extLst>
   </p:cSld>
@@ -4817,42 +3774,12 @@
           <a:chExt cx="0" cy="0"/>
         </a:xfrm>
       </p:grpSpPr>
-      <p:pic>
-        <p:nvPicPr>
-          <p:cNvPr id="3" name="图片 2">
-            <a:extLst>
-              <a:ext uri="{FF2B5EF4-FFF2-40B4-BE49-F238E27FC236}">
-                <a16:creationId xmlns:a16="http://schemas.microsoft.com/office/drawing/2014/main" id="{AC87EDDB-1E43-486E-03E5-6E6C0523EFB0}"/>
-              </a:ext>
-            </a:extLst>
-          </p:cNvPr>
-          <p:cNvPicPr>
-            <a:picLocks noChangeAspect="1"/>
-          </p:cNvPicPr>
-          <p:nvPr/>
-        </p:nvPicPr>
-        <p:blipFill>
-          <a:blip r:embed="rId2"/>
-          <a:stretch>
-            <a:fillRect/>
-          </a:stretch>
-        </p:blipFill>
-        <p:spPr>
-          <a:xfrm>
-            <a:off x="1547130" y="506189"/>
-            <a:ext cx="8726076" cy="6328222"/>
-          </a:xfrm>
-          <a:prstGeom prst="rect">
-            <a:avLst/>
-          </a:prstGeom>
-        </p:spPr>
-      </p:pic>
-      <p:sp>
-        <p:nvSpPr>
-          <p:cNvPr id="8" name="文本框 7">
-            <a:extLst>
-              <a:ext uri="{FF2B5EF4-FFF2-40B4-BE49-F238E27FC236}">
-                <a16:creationId xmlns:a16="http://schemas.microsoft.com/office/drawing/2014/main" id="{DFB1FE9B-8B28-28F7-2F2F-187EBC612C0D}"/>
+      <p:sp>
+        <p:nvSpPr>
+          <p:cNvPr id="2" name="文本框 1">
+            <a:extLst>
+              <a:ext uri="{FF2B5EF4-FFF2-40B4-BE49-F238E27FC236}">
+                <a16:creationId xmlns:a16="http://schemas.microsoft.com/office/drawing/2014/main" id="{3C94D8A1-9917-8B97-5FC7-325C311C388B}"/>
               </a:ext>
             </a:extLst>
           </p:cNvPr>
@@ -4861,8 +3788,8 @@
         </p:nvSpPr>
         <p:spPr>
           <a:xfrm>
-            <a:off x="204105" y="506189"/>
-            <a:ext cx="2669723" cy="579665"/>
+            <a:off x="434689" y="267393"/>
+            <a:ext cx="3435182" cy="523220"/>
           </a:xfrm>
           <a:prstGeom prst="rect">
             <a:avLst/>
@@ -4876,17 +3803,103 @@
           <a:lstStyle/>
           <a:p>
             <a:r>
-              <a:rPr lang="en-US" altLang="zh-CN" sz="3200" b="1" dirty="0" err="1"/>
-              <a:t>BizModel</a:t>
-            </a:r>
-            <a:endParaRPr lang="zh-CN" altLang="en-US" sz="3200" b="1" dirty="0"/>
+              <a:rPr lang="zh-CN" altLang="en-US" sz="2800" b="1" dirty="0"/>
+              <a:t>可逆计算的分析框架</a:t>
+            </a:r>
+          </a:p>
+        </p:txBody>
+      </p:sp>
+      <p:sp>
+        <p:nvSpPr>
+          <p:cNvPr id="5" name="文本框 4">
+            <a:extLst>
+              <a:ext uri="{FF2B5EF4-FFF2-40B4-BE49-F238E27FC236}">
+                <a16:creationId xmlns:a16="http://schemas.microsoft.com/office/drawing/2014/main" id="{A84BC0B8-C288-5EAE-954C-4AAF55CA2262}"/>
+              </a:ext>
+            </a:extLst>
+          </p:cNvPr>
+          <p:cNvSpPr txBox="1"/>
+          <p:nvPr/>
+        </p:nvSpPr>
+        <p:spPr>
+          <a:xfrm>
+            <a:off x="1094014" y="1379766"/>
+            <a:ext cx="9511393" cy="954107"/>
+          </a:xfrm>
+          <a:prstGeom prst="rect">
+            <a:avLst/>
+          </a:prstGeom>
+          <a:noFill/>
+        </p:spPr>
+        <p:txBody>
+          <a:bodyPr wrap="square">
+            <a:spAutoFit/>
+          </a:bodyPr>
+          <a:lstStyle/>
+          <a:p>
+            <a:r>
+              <a:rPr lang="en-US" altLang="zh-CN" sz="2800" dirty="0"/>
+              <a:t>  App =  Biz ⊕ G1&lt;DSL1&gt; ⊕ G2&lt;DSL2&gt; ⊕ …</a:t>
+            </a:r>
+          </a:p>
+          <a:p>
+            <a:r>
+              <a:rPr lang="en-US" altLang="zh-CN" sz="2800" dirty="0"/>
+              <a:t>         ≡ (Biz, DSL1, DSL2, …)</a:t>
+            </a:r>
+          </a:p>
+        </p:txBody>
+      </p:sp>
+      <p:sp>
+        <p:nvSpPr>
+          <p:cNvPr id="21" name="文本框 20">
+            <a:extLst>
+              <a:ext uri="{FF2B5EF4-FFF2-40B4-BE49-F238E27FC236}">
+                <a16:creationId xmlns:a16="http://schemas.microsoft.com/office/drawing/2014/main" id="{8A75C438-2535-F2D3-5048-EA2A87FA1518}"/>
+              </a:ext>
+            </a:extLst>
+          </p:cNvPr>
+          <p:cNvSpPr txBox="1"/>
+          <p:nvPr/>
+        </p:nvSpPr>
+        <p:spPr>
+          <a:xfrm>
+            <a:off x="1009650" y="2960919"/>
+            <a:ext cx="9511393" cy="954107"/>
+          </a:xfrm>
+          <a:prstGeom prst="rect">
+            <a:avLst/>
+          </a:prstGeom>
+          <a:noFill/>
+        </p:spPr>
+        <p:txBody>
+          <a:bodyPr wrap="square">
+            <a:spAutoFit/>
+          </a:bodyPr>
+          <a:lstStyle/>
+          <a:p>
+            <a:r>
+              <a:rPr lang="en-US" altLang="zh-CN" sz="2800" dirty="0"/>
+              <a:t>  App =  D1 ⊕ G1&lt;DSL1&gt; </a:t>
+            </a:r>
+          </a:p>
+          <a:p>
+            <a:r>
+              <a:rPr lang="en-US" altLang="zh-CN" sz="2800" dirty="0"/>
+              <a:t>          =  D1 ⊕ G1&lt;</a:t>
+            </a:r>
+            <a:r>
+              <a:rPr lang="en-US" altLang="zh-CN" sz="2800"/>
+              <a:t>D2 ⊕ G2&lt;DSL2&gt;&gt; </a:t>
+            </a:r>
+            <a:endParaRPr lang="en-US" altLang="zh-CN" sz="2800" dirty="0"/>
           </a:p>
         </p:txBody>
       </p:sp>
     </p:spTree>
     <p:extLst>
       <p:ext uri="{BB962C8B-B14F-4D97-AF65-F5344CB8AC3E}">
-        <p14:creationId xmlns:p14="http://schemas.microsoft.com/office/powerpoint/2010/main" val="881827011"/>
+        <p14:creationId xmlns:p14="http://schemas.microsoft.com/office/powerpoint/2010/main" val="3639506574"/>
       </p:ext>
     </p:extLst>
   </p:cSld>
@@ -4915,38 +3928,274 @@
       </p:grpSpPr>
       <p:sp>
         <p:nvSpPr>
-          <p:cNvPr id="2" name="标题 1">
-            <a:extLst>
-              <a:ext uri="{FF2B5EF4-FFF2-40B4-BE49-F238E27FC236}">
-                <a16:creationId xmlns:a16="http://schemas.microsoft.com/office/drawing/2014/main" id="{7B078A78-F1A6-B200-A327-496477BABCB1}"/>
-              </a:ext>
-            </a:extLst>
-          </p:cNvPr>
-          <p:cNvSpPr>
-            <a:spLocks noGrp="1"/>
-          </p:cNvSpPr>
-          <p:nvPr>
-            <p:ph type="title"/>
-          </p:nvPr>
-        </p:nvSpPr>
-        <p:spPr/>
-        <p:txBody>
-          <a:bodyPr/>
-          <a:lstStyle/>
-          <a:p>
-            <a:r>
-              <a:rPr lang="zh-CN" altLang="en-US" b="1" dirty="0"/>
-              <a:t>在金融科技方面的应用</a:t>
-            </a:r>
-          </a:p>
-        </p:txBody>
-      </p:sp>
-      <p:sp>
-        <p:nvSpPr>
-          <p:cNvPr id="3" name="文本框 2">
-            <a:extLst>
-              <a:ext uri="{FF2B5EF4-FFF2-40B4-BE49-F238E27FC236}">
-                <a16:creationId xmlns:a16="http://schemas.microsoft.com/office/drawing/2014/main" id="{ECE04C1C-1A27-7EF8-F549-0CA12B0352B7}"/>
+          <p:cNvPr id="4" name="矩形 3">
+            <a:extLst>
+              <a:ext uri="{FF2B5EF4-FFF2-40B4-BE49-F238E27FC236}">
+                <a16:creationId xmlns:a16="http://schemas.microsoft.com/office/drawing/2014/main" id="{82624254-68F0-2252-7C78-0D7D3F200AEA}"/>
+              </a:ext>
+            </a:extLst>
+          </p:cNvPr>
+          <p:cNvSpPr/>
+          <p:nvPr/>
+        </p:nvSpPr>
+        <p:spPr>
+          <a:xfrm>
+            <a:off x="1118773" y="3680866"/>
+            <a:ext cx="1661602" cy="751537"/>
+          </a:xfrm>
+          <a:prstGeom prst="rect">
+            <a:avLst/>
+          </a:prstGeom>
+        </p:spPr>
+        <p:style>
+          <a:lnRef idx="2">
+            <a:schemeClr val="accent1">
+              <a:shade val="50000"/>
+            </a:schemeClr>
+          </a:lnRef>
+          <a:fillRef idx="1">
+            <a:schemeClr val="accent1"/>
+          </a:fillRef>
+          <a:effectRef idx="0">
+            <a:schemeClr val="accent1"/>
+          </a:effectRef>
+          <a:fontRef idx="minor">
+            <a:schemeClr val="lt1"/>
+          </a:fontRef>
+        </p:style>
+        <p:txBody>
+          <a:bodyPr rtlCol="0" anchor="ctr"/>
+          <a:lstStyle/>
+          <a:p>
+            <a:pPr algn="ctr"/>
+            <a:r>
+              <a:rPr lang="en-US" altLang="zh-CN" dirty="0"/>
+              <a:t>_XORM</a:t>
+            </a:r>
+            <a:endParaRPr lang="zh-CN" altLang="en-US" dirty="0"/>
+          </a:p>
+        </p:txBody>
+      </p:sp>
+      <p:sp>
+        <p:nvSpPr>
+          <p:cNvPr id="5" name="矩形 4">
+            <a:extLst>
+              <a:ext uri="{FF2B5EF4-FFF2-40B4-BE49-F238E27FC236}">
+                <a16:creationId xmlns:a16="http://schemas.microsoft.com/office/drawing/2014/main" id="{CE1A4767-FE4D-56D1-40B2-262D4B5896C7}"/>
+              </a:ext>
+            </a:extLst>
+          </p:cNvPr>
+          <p:cNvSpPr/>
+          <p:nvPr/>
+        </p:nvSpPr>
+        <p:spPr>
+          <a:xfrm>
+            <a:off x="1118773" y="2953653"/>
+            <a:ext cx="1661602" cy="751537"/>
+          </a:xfrm>
+          <a:prstGeom prst="rect">
+            <a:avLst/>
+          </a:prstGeom>
+        </p:spPr>
+        <p:style>
+          <a:lnRef idx="2">
+            <a:schemeClr val="accent1">
+              <a:shade val="50000"/>
+            </a:schemeClr>
+          </a:lnRef>
+          <a:fillRef idx="1">
+            <a:schemeClr val="accent1"/>
+          </a:fillRef>
+          <a:effectRef idx="0">
+            <a:schemeClr val="accent1"/>
+          </a:effectRef>
+          <a:fontRef idx="minor">
+            <a:schemeClr val="lt1"/>
+          </a:fontRef>
+        </p:style>
+        <p:txBody>
+          <a:bodyPr rtlCol="0" anchor="ctr"/>
+          <a:lstStyle/>
+          <a:p>
+            <a:pPr algn="ctr"/>
+            <a:r>
+              <a:rPr lang="en-US" altLang="zh-CN" dirty="0"/>
+              <a:t>XORM</a:t>
+            </a:r>
+            <a:endParaRPr lang="zh-CN" altLang="en-US" dirty="0"/>
+          </a:p>
+        </p:txBody>
+      </p:sp>
+      <p:sp>
+        <p:nvSpPr>
+          <p:cNvPr id="12" name="矩形 11">
+            <a:extLst>
+              <a:ext uri="{FF2B5EF4-FFF2-40B4-BE49-F238E27FC236}">
+                <a16:creationId xmlns:a16="http://schemas.microsoft.com/office/drawing/2014/main" id="{D596708B-FC6D-BF5E-34FA-D9730BE8E7E6}"/>
+              </a:ext>
+            </a:extLst>
+          </p:cNvPr>
+          <p:cNvSpPr/>
+          <p:nvPr/>
+        </p:nvSpPr>
+        <p:spPr>
+          <a:xfrm>
+            <a:off x="3743005" y="3692778"/>
+            <a:ext cx="1661602" cy="751537"/>
+          </a:xfrm>
+          <a:prstGeom prst="rect">
+            <a:avLst/>
+          </a:prstGeom>
+        </p:spPr>
+        <p:style>
+          <a:lnRef idx="2">
+            <a:schemeClr val="accent1">
+              <a:shade val="50000"/>
+            </a:schemeClr>
+          </a:lnRef>
+          <a:fillRef idx="1">
+            <a:schemeClr val="accent1"/>
+          </a:fillRef>
+          <a:effectRef idx="0">
+            <a:schemeClr val="accent1"/>
+          </a:effectRef>
+          <a:fontRef idx="minor">
+            <a:schemeClr val="lt1"/>
+          </a:fontRef>
+        </p:style>
+        <p:txBody>
+          <a:bodyPr rtlCol="0" anchor="ctr"/>
+          <a:lstStyle/>
+          <a:p>
+            <a:pPr algn="ctr"/>
+            <a:r>
+              <a:rPr lang="en-US" altLang="zh-CN" dirty="0"/>
+              <a:t>_</a:t>
+            </a:r>
+            <a:r>
+              <a:rPr lang="en-US" altLang="zh-CN" dirty="0" err="1"/>
+              <a:t>XMeta</a:t>
+            </a:r>
+            <a:endParaRPr lang="zh-CN" altLang="en-US" dirty="0"/>
+          </a:p>
+        </p:txBody>
+      </p:sp>
+      <p:sp>
+        <p:nvSpPr>
+          <p:cNvPr id="14" name="矩形 13">
+            <a:extLst>
+              <a:ext uri="{FF2B5EF4-FFF2-40B4-BE49-F238E27FC236}">
+                <a16:creationId xmlns:a16="http://schemas.microsoft.com/office/drawing/2014/main" id="{4EAEFFBD-C790-40AB-8120-0ED2F6F3E3AA}"/>
+              </a:ext>
+            </a:extLst>
+          </p:cNvPr>
+          <p:cNvSpPr/>
+          <p:nvPr/>
+        </p:nvSpPr>
+        <p:spPr>
+          <a:xfrm>
+            <a:off x="6455593" y="3705358"/>
+            <a:ext cx="1661602" cy="751537"/>
+          </a:xfrm>
+          <a:prstGeom prst="rect">
+            <a:avLst/>
+          </a:prstGeom>
+          <a:solidFill>
+            <a:srgbClr val="C00000"/>
+          </a:solidFill>
+        </p:spPr>
+        <p:style>
+          <a:lnRef idx="2">
+            <a:schemeClr val="accent1">
+              <a:shade val="50000"/>
+            </a:schemeClr>
+          </a:lnRef>
+          <a:fillRef idx="1">
+            <a:schemeClr val="accent1"/>
+          </a:fillRef>
+          <a:effectRef idx="0">
+            <a:schemeClr val="accent1"/>
+          </a:effectRef>
+          <a:fontRef idx="minor">
+            <a:schemeClr val="lt1"/>
+          </a:fontRef>
+        </p:style>
+        <p:txBody>
+          <a:bodyPr rtlCol="0" anchor="ctr"/>
+          <a:lstStyle/>
+          <a:p>
+            <a:pPr algn="ctr"/>
+            <a:r>
+              <a:rPr lang="en-US" altLang="zh-CN" dirty="0"/>
+              <a:t>_</a:t>
+            </a:r>
+            <a:r>
+              <a:rPr lang="en-US" altLang="zh-CN" dirty="0" err="1"/>
+              <a:t>XView</a:t>
+            </a:r>
+            <a:endParaRPr lang="zh-CN" altLang="en-US" dirty="0"/>
+          </a:p>
+        </p:txBody>
+      </p:sp>
+      <p:sp>
+        <p:nvSpPr>
+          <p:cNvPr id="19" name="矩形 18">
+            <a:extLst>
+              <a:ext uri="{FF2B5EF4-FFF2-40B4-BE49-F238E27FC236}">
+                <a16:creationId xmlns:a16="http://schemas.microsoft.com/office/drawing/2014/main" id="{1DDE44B1-52E8-98C7-D898-D63D745B0F63}"/>
+              </a:ext>
+            </a:extLst>
+          </p:cNvPr>
+          <p:cNvSpPr/>
+          <p:nvPr/>
+        </p:nvSpPr>
+        <p:spPr>
+          <a:xfrm>
+            <a:off x="9171697" y="2941241"/>
+            <a:ext cx="1661602" cy="751537"/>
+          </a:xfrm>
+          <a:prstGeom prst="rect">
+            <a:avLst/>
+          </a:prstGeom>
+          <a:solidFill>
+            <a:srgbClr val="C00000"/>
+          </a:solidFill>
+        </p:spPr>
+        <p:style>
+          <a:lnRef idx="2">
+            <a:schemeClr val="accent1">
+              <a:shade val="50000"/>
+            </a:schemeClr>
+          </a:lnRef>
+          <a:fillRef idx="1">
+            <a:schemeClr val="accent1"/>
+          </a:fillRef>
+          <a:effectRef idx="0">
+            <a:schemeClr val="accent1"/>
+          </a:effectRef>
+          <a:fontRef idx="minor">
+            <a:schemeClr val="lt1"/>
+          </a:fontRef>
+        </p:style>
+        <p:txBody>
+          <a:bodyPr rtlCol="0" anchor="ctr"/>
+          <a:lstStyle/>
+          <a:p>
+            <a:pPr algn="ctr"/>
+            <a:r>
+              <a:rPr lang="en-US" altLang="zh-CN" dirty="0" err="1"/>
+              <a:t>XPage</a:t>
+            </a:r>
+            <a:endParaRPr lang="zh-CN" altLang="en-US" dirty="0"/>
+          </a:p>
+        </p:txBody>
+      </p:sp>
+      <p:sp>
+        <p:nvSpPr>
+          <p:cNvPr id="49" name="文本框 48">
+            <a:extLst>
+              <a:ext uri="{FF2B5EF4-FFF2-40B4-BE49-F238E27FC236}">
+                <a16:creationId xmlns:a16="http://schemas.microsoft.com/office/drawing/2014/main" id="{C76386B8-0A78-88D0-283F-26AEFDECAB74}"/>
               </a:ext>
             </a:extLst>
           </p:cNvPr>
@@ -4955,8 +4204,8 @@
         </p:nvSpPr>
         <p:spPr>
           <a:xfrm>
-            <a:off x="930729" y="1828800"/>
-            <a:ext cx="7780564" cy="4062651"/>
+            <a:off x="434689" y="267393"/>
+            <a:ext cx="2380430" cy="523220"/>
           </a:xfrm>
           <a:prstGeom prst="rect">
             <a:avLst/>
@@ -4969,188 +4218,904 @@
           </a:bodyPr>
           <a:lstStyle/>
           <a:p>
-            <a:pPr marL="342900" indent="-342900">
-              <a:buFont typeface="Wingdings" panose="05000000000000000000" pitchFamily="2" charset="2"/>
-              <a:buChar char="ü"/>
-            </a:pPr>
-            <a:r>
-              <a:rPr lang="zh-CN" altLang="en-US" sz="2400" dirty="0"/>
-              <a:t>数据模型（</a:t>
-            </a:r>
+            <a:r>
+              <a:rPr lang="zh-CN" altLang="en-US" sz="2800" b="1" dirty="0"/>
+              <a:t>差量流水线</a:t>
+            </a:r>
+          </a:p>
+        </p:txBody>
+      </p:sp>
+      <p:sp>
+        <p:nvSpPr>
+          <p:cNvPr id="2" name="矩形 1">
+            <a:extLst>
+              <a:ext uri="{FF2B5EF4-FFF2-40B4-BE49-F238E27FC236}">
+                <a16:creationId xmlns:a16="http://schemas.microsoft.com/office/drawing/2014/main" id="{D9D7C2E0-53A0-8A71-7E5A-41DA55453420}"/>
+              </a:ext>
+            </a:extLst>
+          </p:cNvPr>
+          <p:cNvSpPr/>
+          <p:nvPr/>
+        </p:nvSpPr>
+        <p:spPr>
+          <a:xfrm>
+            <a:off x="3739489" y="2941242"/>
+            <a:ext cx="1661602" cy="751537"/>
+          </a:xfrm>
+          <a:prstGeom prst="rect">
+            <a:avLst/>
+          </a:prstGeom>
+        </p:spPr>
+        <p:style>
+          <a:lnRef idx="2">
+            <a:schemeClr val="accent1">
+              <a:shade val="50000"/>
+            </a:schemeClr>
+          </a:lnRef>
+          <a:fillRef idx="1">
+            <a:schemeClr val="accent1"/>
+          </a:fillRef>
+          <a:effectRef idx="0">
+            <a:schemeClr val="accent1"/>
+          </a:effectRef>
+          <a:fontRef idx="minor">
+            <a:schemeClr val="lt1"/>
+          </a:fontRef>
+        </p:style>
+        <p:txBody>
+          <a:bodyPr rtlCol="0" anchor="ctr"/>
+          <a:lstStyle/>
+          <a:p>
+            <a:pPr algn="ctr"/>
+            <a:r>
+              <a:rPr lang="en-US" altLang="zh-CN" dirty="0" err="1"/>
+              <a:t>XMeta</a:t>
+            </a:r>
+            <a:endParaRPr lang="zh-CN" altLang="en-US" dirty="0"/>
+          </a:p>
+        </p:txBody>
+      </p:sp>
+      <p:sp>
+        <p:nvSpPr>
+          <p:cNvPr id="11" name="矩形 10">
+            <a:extLst>
+              <a:ext uri="{FF2B5EF4-FFF2-40B4-BE49-F238E27FC236}">
+                <a16:creationId xmlns:a16="http://schemas.microsoft.com/office/drawing/2014/main" id="{656E952D-7207-7257-2CE4-D3885B5052C3}"/>
+              </a:ext>
+            </a:extLst>
+          </p:cNvPr>
+          <p:cNvSpPr/>
+          <p:nvPr/>
+        </p:nvSpPr>
+        <p:spPr>
+          <a:xfrm>
+            <a:off x="6455593" y="2953653"/>
+            <a:ext cx="1661602" cy="751537"/>
+          </a:xfrm>
+          <a:prstGeom prst="rect">
+            <a:avLst/>
+          </a:prstGeom>
+          <a:solidFill>
+            <a:srgbClr val="C00000"/>
+          </a:solidFill>
+        </p:spPr>
+        <p:style>
+          <a:lnRef idx="2">
+            <a:schemeClr val="accent1">
+              <a:shade val="50000"/>
+            </a:schemeClr>
+          </a:lnRef>
+          <a:fillRef idx="1">
+            <a:schemeClr val="accent1"/>
+          </a:fillRef>
+          <a:effectRef idx="0">
+            <a:schemeClr val="accent1"/>
+          </a:effectRef>
+          <a:fontRef idx="minor">
+            <a:schemeClr val="lt1"/>
+          </a:fontRef>
+        </p:style>
+        <p:txBody>
+          <a:bodyPr rtlCol="0" anchor="ctr"/>
+          <a:lstStyle/>
+          <a:p>
+            <a:pPr algn="ctr"/>
+            <a:r>
+              <a:rPr lang="en-US" altLang="zh-CN" dirty="0" err="1"/>
+              <a:t>XView</a:t>
+            </a:r>
+            <a:endParaRPr lang="en-US" altLang="zh-CN" dirty="0"/>
+          </a:p>
+        </p:txBody>
+      </p:sp>
+      <p:sp>
+        <p:nvSpPr>
+          <p:cNvPr id="22" name="矩形 21">
+            <a:extLst>
+              <a:ext uri="{FF2B5EF4-FFF2-40B4-BE49-F238E27FC236}">
+                <a16:creationId xmlns:a16="http://schemas.microsoft.com/office/drawing/2014/main" id="{CA4418D9-C431-D727-C854-E7CFD25EAA57}"/>
+              </a:ext>
+            </a:extLst>
+          </p:cNvPr>
+          <p:cNvSpPr/>
+          <p:nvPr/>
+        </p:nvSpPr>
+        <p:spPr>
+          <a:xfrm>
+            <a:off x="9170477" y="3691632"/>
+            <a:ext cx="1661602" cy="751537"/>
+          </a:xfrm>
+          <a:prstGeom prst="rect">
+            <a:avLst/>
+          </a:prstGeom>
+          <a:solidFill>
+            <a:srgbClr val="C00000"/>
+          </a:solidFill>
+        </p:spPr>
+        <p:style>
+          <a:lnRef idx="2">
+            <a:schemeClr val="accent1">
+              <a:shade val="50000"/>
+            </a:schemeClr>
+          </a:lnRef>
+          <a:fillRef idx="1">
+            <a:schemeClr val="accent1"/>
+          </a:fillRef>
+          <a:effectRef idx="0">
+            <a:schemeClr val="accent1"/>
+          </a:effectRef>
+          <a:fontRef idx="minor">
+            <a:schemeClr val="lt1"/>
+          </a:fontRef>
+        </p:style>
+        <p:txBody>
+          <a:bodyPr rtlCol="0" anchor="ctr"/>
+          <a:lstStyle/>
+          <a:p>
+            <a:pPr algn="ctr"/>
+            <a:r>
+              <a:rPr lang="en-US" altLang="zh-CN" dirty="0"/>
+              <a:t>_</a:t>
+            </a:r>
+            <a:r>
+              <a:rPr lang="en-US" altLang="zh-CN" dirty="0" err="1"/>
+              <a:t>XPage</a:t>
+            </a:r>
+            <a:endParaRPr lang="zh-CN" altLang="en-US" dirty="0"/>
+          </a:p>
+        </p:txBody>
+      </p:sp>
+      <p:sp>
+        <p:nvSpPr>
+          <p:cNvPr id="7" name="椭圆 6">
+            <a:extLst>
+              <a:ext uri="{FF2B5EF4-FFF2-40B4-BE49-F238E27FC236}">
+                <a16:creationId xmlns:a16="http://schemas.microsoft.com/office/drawing/2014/main" id="{C8313F1A-B63D-3A10-E8C1-AB28C38E41FE}"/>
+              </a:ext>
+            </a:extLst>
+          </p:cNvPr>
+          <p:cNvSpPr/>
+          <p:nvPr/>
+        </p:nvSpPr>
+        <p:spPr>
+          <a:xfrm>
+            <a:off x="1119759" y="5255029"/>
+            <a:ext cx="1661602" cy="751537"/>
+          </a:xfrm>
+          <a:prstGeom prst="ellipse">
+            <a:avLst/>
+          </a:prstGeom>
+          <a:solidFill>
+            <a:srgbClr val="7030A0"/>
+          </a:solidFill>
+        </p:spPr>
+        <p:style>
+          <a:lnRef idx="2">
+            <a:schemeClr val="accent1">
+              <a:shade val="50000"/>
+            </a:schemeClr>
+          </a:lnRef>
+          <a:fillRef idx="1">
+            <a:schemeClr val="accent1"/>
+          </a:fillRef>
+          <a:effectRef idx="0">
+            <a:schemeClr val="accent1"/>
+          </a:effectRef>
+          <a:fontRef idx="minor">
+            <a:schemeClr val="lt1"/>
+          </a:fontRef>
+        </p:style>
+        <p:txBody>
+          <a:bodyPr rtlCol="0" anchor="ctr"/>
+          <a:lstStyle/>
+          <a:p>
+            <a:pPr algn="ctr"/>
+            <a:r>
+              <a:rPr lang="en-US" altLang="zh-CN" dirty="0"/>
+              <a:t>Excel</a:t>
+            </a:r>
+            <a:endParaRPr lang="zh-CN" altLang="en-US" dirty="0"/>
+          </a:p>
+        </p:txBody>
+      </p:sp>
+      <p:sp>
+        <p:nvSpPr>
+          <p:cNvPr id="8" name="箭头: 右 7">
+            <a:extLst>
+              <a:ext uri="{FF2B5EF4-FFF2-40B4-BE49-F238E27FC236}">
+                <a16:creationId xmlns:a16="http://schemas.microsoft.com/office/drawing/2014/main" id="{5B1CFA59-D8A1-E062-7710-F234E2186247}"/>
+              </a:ext>
+            </a:extLst>
+          </p:cNvPr>
+          <p:cNvSpPr/>
+          <p:nvPr/>
+        </p:nvSpPr>
+        <p:spPr>
+          <a:xfrm rot="16200000">
+            <a:off x="1632536" y="4765617"/>
+            <a:ext cx="529841" cy="202391"/>
+          </a:xfrm>
+          <a:prstGeom prst="rightArrow">
+            <a:avLst/>
+          </a:prstGeom>
+        </p:spPr>
+        <p:style>
+          <a:lnRef idx="2">
+            <a:schemeClr val="accent1">
+              <a:shade val="50000"/>
+            </a:schemeClr>
+          </a:lnRef>
+          <a:fillRef idx="1">
+            <a:schemeClr val="accent1"/>
+          </a:fillRef>
+          <a:effectRef idx="0">
+            <a:schemeClr val="accent1"/>
+          </a:effectRef>
+          <a:fontRef idx="minor">
+            <a:schemeClr val="lt1"/>
+          </a:fontRef>
+        </p:style>
+        <p:txBody>
+          <a:bodyPr rtlCol="0" anchor="ctr"/>
+          <a:lstStyle/>
+          <a:p>
+            <a:pPr algn="ctr"/>
+            <a:endParaRPr lang="zh-CN" altLang="en-US"/>
+          </a:p>
+        </p:txBody>
+      </p:sp>
+      <p:sp>
+        <p:nvSpPr>
+          <p:cNvPr id="15" name="文本框 14">
+            <a:extLst>
+              <a:ext uri="{FF2B5EF4-FFF2-40B4-BE49-F238E27FC236}">
+                <a16:creationId xmlns:a16="http://schemas.microsoft.com/office/drawing/2014/main" id="{AC6C489F-E051-914F-A225-76E8289574A4}"/>
+              </a:ext>
+            </a:extLst>
+          </p:cNvPr>
+          <p:cNvSpPr txBox="1"/>
+          <p:nvPr/>
+        </p:nvSpPr>
+        <p:spPr>
+          <a:xfrm>
+            <a:off x="2049427" y="4677527"/>
+            <a:ext cx="708917" cy="369332"/>
+          </a:xfrm>
+          <a:prstGeom prst="rect">
+            <a:avLst/>
+          </a:prstGeom>
+          <a:noFill/>
+        </p:spPr>
+        <p:txBody>
+          <a:bodyPr wrap="square" rtlCol="0">
+            <a:spAutoFit/>
+          </a:bodyPr>
+          <a:lstStyle/>
+          <a:p>
             <a:r>
               <a:rPr lang="zh-CN" altLang="en-US" dirty="0"/>
-              <a:t>自动生成数据访问层代码和数据库定义</a:t>
-            </a:r>
-            <a:r>
-              <a:rPr lang="zh-CN" altLang="en-US" sz="2400" dirty="0"/>
-              <a:t>）</a:t>
-            </a:r>
-            <a:endParaRPr lang="en-US" altLang="zh-CN" sz="2400" dirty="0"/>
-          </a:p>
-          <a:p>
-            <a:pPr marL="342900" indent="-342900">
-              <a:buFont typeface="Wingdings" panose="05000000000000000000" pitchFamily="2" charset="2"/>
-              <a:buChar char="ü"/>
-            </a:pPr>
-            <a:r>
-              <a:rPr lang="en-US" altLang="zh-CN" sz="2400" dirty="0"/>
-              <a:t>API</a:t>
-            </a:r>
-            <a:r>
-              <a:rPr lang="zh-CN" altLang="en-US" sz="2400" dirty="0"/>
-              <a:t>接口模型（</a:t>
-            </a:r>
+              <a:t>生成</a:t>
+            </a:r>
+          </a:p>
+        </p:txBody>
+      </p:sp>
+      <p:sp>
+        <p:nvSpPr>
+          <p:cNvPr id="26" name="椭圆 25">
+            <a:extLst>
+              <a:ext uri="{FF2B5EF4-FFF2-40B4-BE49-F238E27FC236}">
+                <a16:creationId xmlns:a16="http://schemas.microsoft.com/office/drawing/2014/main" id="{FAFE2A35-9FD0-1A68-9CAD-731A094AA618}"/>
+              </a:ext>
+            </a:extLst>
+          </p:cNvPr>
+          <p:cNvSpPr/>
+          <p:nvPr/>
+        </p:nvSpPr>
+        <p:spPr>
+          <a:xfrm>
+            <a:off x="9171697" y="1267187"/>
+            <a:ext cx="1661602" cy="751537"/>
+          </a:xfrm>
+          <a:prstGeom prst="ellipse">
+            <a:avLst/>
+          </a:prstGeom>
+          <a:solidFill>
+            <a:srgbClr val="7030A0"/>
+          </a:solidFill>
+        </p:spPr>
+        <p:style>
+          <a:lnRef idx="2">
+            <a:schemeClr val="accent1">
+              <a:shade val="50000"/>
+            </a:schemeClr>
+          </a:lnRef>
+          <a:fillRef idx="1">
+            <a:schemeClr val="accent1"/>
+          </a:fillRef>
+          <a:effectRef idx="0">
+            <a:schemeClr val="accent1"/>
+          </a:effectRef>
+          <a:fontRef idx="minor">
+            <a:schemeClr val="lt1"/>
+          </a:fontRef>
+        </p:style>
+        <p:txBody>
+          <a:bodyPr rtlCol="0" anchor="ctr"/>
+          <a:lstStyle/>
+          <a:p>
+            <a:pPr algn="ctr"/>
             <a:r>
               <a:rPr lang="zh-CN" altLang="en-US" dirty="0"/>
-              <a:t>自动生成</a:t>
-            </a:r>
+              <a:t>界面</a:t>
+            </a:r>
+          </a:p>
+        </p:txBody>
+      </p:sp>
+      <p:sp>
+        <p:nvSpPr>
+          <p:cNvPr id="27" name="箭头: 右 26">
+            <a:extLst>
+              <a:ext uri="{FF2B5EF4-FFF2-40B4-BE49-F238E27FC236}">
+                <a16:creationId xmlns:a16="http://schemas.microsoft.com/office/drawing/2014/main" id="{0705D658-343D-D9A0-4C7A-321BC4AEAD24}"/>
+              </a:ext>
+            </a:extLst>
+          </p:cNvPr>
+          <p:cNvSpPr/>
+          <p:nvPr/>
+        </p:nvSpPr>
+        <p:spPr>
+          <a:xfrm rot="16200000">
+            <a:off x="9655636" y="2400626"/>
+            <a:ext cx="588892" cy="184934"/>
+          </a:xfrm>
+          <a:prstGeom prst="rightArrow">
+            <a:avLst>
+              <a:gd name="adj1" fmla="val 62154"/>
+              <a:gd name="adj2" fmla="val 50000"/>
+            </a:avLst>
+          </a:prstGeom>
+        </p:spPr>
+        <p:style>
+          <a:lnRef idx="2">
+            <a:schemeClr val="accent1">
+              <a:shade val="50000"/>
+            </a:schemeClr>
+          </a:lnRef>
+          <a:fillRef idx="1">
+            <a:schemeClr val="accent1"/>
+          </a:fillRef>
+          <a:effectRef idx="0">
+            <a:schemeClr val="accent1"/>
+          </a:effectRef>
+          <a:fontRef idx="minor">
+            <a:schemeClr val="lt1"/>
+          </a:fontRef>
+        </p:style>
+        <p:txBody>
+          <a:bodyPr rtlCol="0" anchor="ctr"/>
+          <a:lstStyle/>
+          <a:p>
+            <a:pPr algn="ctr"/>
+            <a:endParaRPr lang="zh-CN" altLang="en-US"/>
+          </a:p>
+        </p:txBody>
+      </p:sp>
+      <p:sp>
+        <p:nvSpPr>
+          <p:cNvPr id="28" name="文本框 27">
+            <a:extLst>
+              <a:ext uri="{FF2B5EF4-FFF2-40B4-BE49-F238E27FC236}">
+                <a16:creationId xmlns:a16="http://schemas.microsoft.com/office/drawing/2014/main" id="{7CE677EA-6653-B122-5525-0AF100D20D78}"/>
+              </a:ext>
+            </a:extLst>
+          </p:cNvPr>
+          <p:cNvSpPr txBox="1"/>
+          <p:nvPr/>
+        </p:nvSpPr>
+        <p:spPr>
+          <a:xfrm>
+            <a:off x="10128609" y="2303996"/>
+            <a:ext cx="921004" cy="369332"/>
+          </a:xfrm>
+          <a:prstGeom prst="rect">
+            <a:avLst/>
+          </a:prstGeom>
+          <a:noFill/>
+        </p:spPr>
+        <p:txBody>
+          <a:bodyPr wrap="square" rtlCol="0">
+            <a:spAutoFit/>
+          </a:bodyPr>
+          <a:lstStyle/>
+          <a:p>
             <a:r>
               <a:rPr lang="en-US" altLang="zh-CN" dirty="0"/>
-              <a:t>API</a:t>
-            </a:r>
+              <a:t>Render</a:t>
+            </a:r>
+            <a:endParaRPr lang="zh-CN" altLang="en-US" dirty="0"/>
+          </a:p>
+        </p:txBody>
+      </p:sp>
+      <p:cxnSp>
+        <p:nvCxnSpPr>
+          <p:cNvPr id="42" name="直接连接符 41">
+            <a:extLst>
+              <a:ext uri="{FF2B5EF4-FFF2-40B4-BE49-F238E27FC236}">
+                <a16:creationId xmlns:a16="http://schemas.microsoft.com/office/drawing/2014/main" id="{D50D6AB5-4D89-4BA6-A7E8-F8E26F6D2885}"/>
+              </a:ext>
+            </a:extLst>
+          </p:cNvPr>
+          <p:cNvCxnSpPr>
+            <a:cxnSpLocks/>
+          </p:cNvCxnSpPr>
+          <p:nvPr/>
+        </p:nvCxnSpPr>
+        <p:spPr>
+          <a:xfrm>
+            <a:off x="5900792" y="2749600"/>
+            <a:ext cx="0" cy="4018151"/>
+          </a:xfrm>
+          <a:prstGeom prst="line">
+            <a:avLst/>
+          </a:prstGeom>
+          <a:ln>
+            <a:solidFill>
+              <a:schemeClr val="accent1"/>
+            </a:solidFill>
+            <a:prstDash val="dash"/>
+          </a:ln>
+        </p:spPr>
+        <p:style>
+          <a:lnRef idx="1">
+            <a:schemeClr val="accent1"/>
+          </a:lnRef>
+          <a:fillRef idx="0">
+            <a:schemeClr val="accent1"/>
+          </a:fillRef>
+          <a:effectRef idx="0">
+            <a:schemeClr val="accent1"/>
+          </a:effectRef>
+          <a:fontRef idx="minor">
+            <a:schemeClr val="tx1"/>
+          </a:fontRef>
+        </p:style>
+      </p:cxnSp>
+      <p:sp>
+        <p:nvSpPr>
+          <p:cNvPr id="16" name="文本框 15">
+            <a:extLst>
+              <a:ext uri="{FF2B5EF4-FFF2-40B4-BE49-F238E27FC236}">
+                <a16:creationId xmlns:a16="http://schemas.microsoft.com/office/drawing/2014/main" id="{07128EE0-A808-4AAB-488A-DAAF10473AC0}"/>
+              </a:ext>
+            </a:extLst>
+          </p:cNvPr>
+          <p:cNvSpPr txBox="1"/>
+          <p:nvPr/>
+        </p:nvSpPr>
+        <p:spPr>
+          <a:xfrm>
+            <a:off x="2871297" y="2813342"/>
+            <a:ext cx="708917" cy="369332"/>
+          </a:xfrm>
+          <a:prstGeom prst="rect">
+            <a:avLst/>
+          </a:prstGeom>
+          <a:noFill/>
+        </p:spPr>
+        <p:txBody>
+          <a:bodyPr wrap="square" rtlCol="0">
+            <a:spAutoFit/>
+          </a:bodyPr>
+          <a:lstStyle/>
+          <a:p>
             <a:r>
               <a:rPr lang="zh-CN" altLang="en-US" dirty="0"/>
-              <a:t>接口和缺省实现</a:t>
-            </a:r>
-            <a:r>
-              <a:rPr lang="zh-CN" altLang="en-US" sz="2400" dirty="0"/>
-              <a:t>）</a:t>
-            </a:r>
-            <a:endParaRPr lang="en-US" altLang="zh-CN" sz="2400" dirty="0"/>
-          </a:p>
-          <a:p>
-            <a:pPr marL="342900" indent="-342900">
-              <a:buFont typeface="Wingdings" panose="05000000000000000000" pitchFamily="2" charset="2"/>
-              <a:buChar char="ü"/>
-            </a:pPr>
-            <a:r>
-              <a:rPr lang="en-US" altLang="zh-CN" sz="2400" dirty="0"/>
-              <a:t>TCP</a:t>
-            </a:r>
-            <a:r>
-              <a:rPr lang="zh-CN" altLang="en-US" sz="2400" dirty="0"/>
-              <a:t>网络消息模型（</a:t>
-            </a:r>
+              <a:t>生成</a:t>
+            </a:r>
+          </a:p>
+        </p:txBody>
+      </p:sp>
+      <p:sp>
+        <p:nvSpPr>
+          <p:cNvPr id="18" name="文本框 17">
+            <a:extLst>
+              <a:ext uri="{FF2B5EF4-FFF2-40B4-BE49-F238E27FC236}">
+                <a16:creationId xmlns:a16="http://schemas.microsoft.com/office/drawing/2014/main" id="{035EADB8-B836-BBCB-4B3A-4AD98E84DCBD}"/>
+              </a:ext>
+            </a:extLst>
+          </p:cNvPr>
+          <p:cNvSpPr txBox="1"/>
+          <p:nvPr/>
+        </p:nvSpPr>
+        <p:spPr>
+          <a:xfrm>
+            <a:off x="5581843" y="2848847"/>
+            <a:ext cx="708917" cy="369332"/>
+          </a:xfrm>
+          <a:prstGeom prst="rect">
+            <a:avLst/>
+          </a:prstGeom>
+          <a:noFill/>
+        </p:spPr>
+        <p:txBody>
+          <a:bodyPr wrap="square" rtlCol="0">
+            <a:spAutoFit/>
+          </a:bodyPr>
+          <a:lstStyle/>
+          <a:p>
             <a:r>
               <a:rPr lang="zh-CN" altLang="en-US" dirty="0"/>
-              <a:t>自动解析和生成网络协议包</a:t>
-            </a:r>
-            <a:r>
-              <a:rPr lang="zh-CN" altLang="en-US" sz="2400" dirty="0"/>
-              <a:t>）</a:t>
-            </a:r>
-            <a:endParaRPr lang="en-US" altLang="zh-CN" sz="2400" dirty="0"/>
-          </a:p>
-          <a:p>
-            <a:pPr marL="342900" indent="-342900">
-              <a:buFont typeface="Wingdings" panose="05000000000000000000" pitchFamily="2" charset="2"/>
-              <a:buChar char="ü"/>
-            </a:pPr>
-            <a:r>
-              <a:rPr lang="zh-CN" altLang="en-US" sz="2400" dirty="0"/>
-              <a:t>批处理文件格式模型（</a:t>
-            </a:r>
+              <a:t>生成</a:t>
+            </a:r>
+          </a:p>
+        </p:txBody>
+      </p:sp>
+      <p:sp>
+        <p:nvSpPr>
+          <p:cNvPr id="21" name="矩形 20">
+            <a:extLst>
+              <a:ext uri="{FF2B5EF4-FFF2-40B4-BE49-F238E27FC236}">
+                <a16:creationId xmlns:a16="http://schemas.microsoft.com/office/drawing/2014/main" id="{53272BCD-B3A7-5DDB-7DF7-DE9D53F7B669}"/>
+              </a:ext>
+            </a:extLst>
+          </p:cNvPr>
+          <p:cNvSpPr/>
+          <p:nvPr/>
+        </p:nvSpPr>
+        <p:spPr>
+          <a:xfrm>
+            <a:off x="3744932" y="1393457"/>
+            <a:ext cx="1661602" cy="751537"/>
+          </a:xfrm>
+          <a:prstGeom prst="rect">
+            <a:avLst/>
+          </a:prstGeom>
+        </p:spPr>
+        <p:style>
+          <a:lnRef idx="2">
+            <a:schemeClr val="accent1">
+              <a:shade val="50000"/>
+            </a:schemeClr>
+          </a:lnRef>
+          <a:fillRef idx="1">
+            <a:schemeClr val="accent1"/>
+          </a:fillRef>
+          <a:effectRef idx="0">
+            <a:schemeClr val="accent1"/>
+          </a:effectRef>
+          <a:fontRef idx="minor">
+            <a:schemeClr val="lt1"/>
+          </a:fontRef>
+        </p:style>
+        <p:txBody>
+          <a:bodyPr rtlCol="0" anchor="ctr"/>
+          <a:lstStyle/>
+          <a:p>
+            <a:pPr algn="ctr"/>
+            <a:r>
+              <a:rPr lang="en-US" altLang="zh-CN" dirty="0" err="1"/>
+              <a:t>GraphQL</a:t>
+            </a:r>
+            <a:endParaRPr lang="zh-CN" altLang="en-US" dirty="0"/>
+          </a:p>
+        </p:txBody>
+      </p:sp>
+      <p:sp>
+        <p:nvSpPr>
+          <p:cNvPr id="36" name="箭头: 上 35">
+            <a:extLst>
+              <a:ext uri="{FF2B5EF4-FFF2-40B4-BE49-F238E27FC236}">
+                <a16:creationId xmlns:a16="http://schemas.microsoft.com/office/drawing/2014/main" id="{AF326EC7-1256-780A-B70E-2888D1738247}"/>
+              </a:ext>
+            </a:extLst>
+          </p:cNvPr>
+          <p:cNvSpPr/>
+          <p:nvPr/>
+        </p:nvSpPr>
+        <p:spPr>
+          <a:xfrm>
+            <a:off x="4436907" y="2299827"/>
+            <a:ext cx="168315" cy="369331"/>
+          </a:xfrm>
+          <a:prstGeom prst="upArrow">
+            <a:avLst/>
+          </a:prstGeom>
+        </p:spPr>
+        <p:style>
+          <a:lnRef idx="2">
+            <a:schemeClr val="accent1">
+              <a:shade val="50000"/>
+            </a:schemeClr>
+          </a:lnRef>
+          <a:fillRef idx="1">
+            <a:schemeClr val="accent1"/>
+          </a:fillRef>
+          <a:effectRef idx="0">
+            <a:schemeClr val="accent1"/>
+          </a:effectRef>
+          <a:fontRef idx="minor">
+            <a:schemeClr val="lt1"/>
+          </a:fontRef>
+        </p:style>
+        <p:txBody>
+          <a:bodyPr rtlCol="0" anchor="ctr"/>
+          <a:lstStyle/>
+          <a:p>
+            <a:pPr algn="ctr"/>
+            <a:endParaRPr lang="zh-CN" altLang="en-US"/>
+          </a:p>
+        </p:txBody>
+      </p:sp>
+      <p:sp>
+        <p:nvSpPr>
+          <p:cNvPr id="37" name="文本框 36">
+            <a:extLst>
+              <a:ext uri="{FF2B5EF4-FFF2-40B4-BE49-F238E27FC236}">
+                <a16:creationId xmlns:a16="http://schemas.microsoft.com/office/drawing/2014/main" id="{0A0BDC57-58BE-9A32-3FB7-E926CFEAEE82}"/>
+              </a:ext>
+            </a:extLst>
+          </p:cNvPr>
+          <p:cNvSpPr txBox="1"/>
+          <p:nvPr/>
+        </p:nvSpPr>
+        <p:spPr>
+          <a:xfrm>
+            <a:off x="4693796" y="2287587"/>
+            <a:ext cx="1220709" cy="369332"/>
+          </a:xfrm>
+          <a:prstGeom prst="rect">
+            <a:avLst/>
+          </a:prstGeom>
+          <a:noFill/>
+        </p:spPr>
+        <p:txBody>
+          <a:bodyPr wrap="square" rtlCol="0">
+            <a:spAutoFit/>
+          </a:bodyPr>
+          <a:lstStyle/>
+          <a:p>
+            <a:r>
+              <a:rPr lang="en-US" altLang="zh-CN" dirty="0" err="1"/>
+              <a:t>BizModel</a:t>
+            </a:r>
+            <a:endParaRPr lang="en-US" altLang="zh-CN" dirty="0"/>
+          </a:p>
+        </p:txBody>
+      </p:sp>
+      <p:sp>
+        <p:nvSpPr>
+          <p:cNvPr id="41" name="加号 40">
+            <a:extLst>
+              <a:ext uri="{FF2B5EF4-FFF2-40B4-BE49-F238E27FC236}">
+                <a16:creationId xmlns:a16="http://schemas.microsoft.com/office/drawing/2014/main" id="{9231E943-E955-B34C-F9CC-CCDADFCEF50E}"/>
+              </a:ext>
+            </a:extLst>
+          </p:cNvPr>
+          <p:cNvSpPr/>
+          <p:nvPr/>
+        </p:nvSpPr>
+        <p:spPr>
+          <a:xfrm>
+            <a:off x="4348332" y="2322000"/>
+            <a:ext cx="345464" cy="369332"/>
+          </a:xfrm>
+          <a:prstGeom prst="mathPlus">
+            <a:avLst/>
+          </a:prstGeom>
+        </p:spPr>
+        <p:style>
+          <a:lnRef idx="2">
+            <a:schemeClr val="accent1">
+              <a:shade val="50000"/>
+            </a:schemeClr>
+          </a:lnRef>
+          <a:fillRef idx="1">
+            <a:schemeClr val="accent1"/>
+          </a:fillRef>
+          <a:effectRef idx="0">
+            <a:schemeClr val="accent1"/>
+          </a:effectRef>
+          <a:fontRef idx="minor">
+            <a:schemeClr val="lt1"/>
+          </a:fontRef>
+        </p:style>
+        <p:txBody>
+          <a:bodyPr rtlCol="0" anchor="ctr"/>
+          <a:lstStyle/>
+          <a:p>
+            <a:pPr algn="ctr"/>
+            <a:endParaRPr lang="zh-CN" altLang="en-US"/>
+          </a:p>
+        </p:txBody>
+      </p:sp>
+      <p:cxnSp>
+        <p:nvCxnSpPr>
+          <p:cNvPr id="50" name="连接符: 肘形 49">
+            <a:extLst>
+              <a:ext uri="{FF2B5EF4-FFF2-40B4-BE49-F238E27FC236}">
+                <a16:creationId xmlns:a16="http://schemas.microsoft.com/office/drawing/2014/main" id="{D53C0396-B1E4-2401-DA0E-CCA76C4CC91E}"/>
+              </a:ext>
+            </a:extLst>
+          </p:cNvPr>
+          <p:cNvCxnSpPr>
+            <a:cxnSpLocks/>
+          </p:cNvCxnSpPr>
+          <p:nvPr/>
+        </p:nvCxnSpPr>
+        <p:spPr>
+          <a:xfrm>
+            <a:off x="2878955" y="3380746"/>
+            <a:ext cx="763177" cy="590140"/>
+          </a:xfrm>
+          <a:prstGeom prst="bentConnector3">
+            <a:avLst>
+              <a:gd name="adj1" fmla="val 50000"/>
+            </a:avLst>
+          </a:prstGeom>
+          <a:ln w="53975">
+            <a:tailEnd type="triangle"/>
+          </a:ln>
+        </p:spPr>
+        <p:style>
+          <a:lnRef idx="1">
+            <a:schemeClr val="accent1"/>
+          </a:lnRef>
+          <a:fillRef idx="0">
+            <a:schemeClr val="accent1"/>
+          </a:fillRef>
+          <a:effectRef idx="0">
+            <a:schemeClr val="accent1"/>
+          </a:effectRef>
+          <a:fontRef idx="minor">
+            <a:schemeClr val="tx1"/>
+          </a:fontRef>
+        </p:style>
+      </p:cxnSp>
+      <p:cxnSp>
+        <p:nvCxnSpPr>
+          <p:cNvPr id="56" name="连接符: 肘形 55">
+            <a:extLst>
+              <a:ext uri="{FF2B5EF4-FFF2-40B4-BE49-F238E27FC236}">
+                <a16:creationId xmlns:a16="http://schemas.microsoft.com/office/drawing/2014/main" id="{57F9F954-A1D8-9A79-F3ED-BD312B9031E7}"/>
+              </a:ext>
+            </a:extLst>
+          </p:cNvPr>
+          <p:cNvCxnSpPr>
+            <a:cxnSpLocks/>
+          </p:cNvCxnSpPr>
+          <p:nvPr/>
+        </p:nvCxnSpPr>
+        <p:spPr>
+          <a:xfrm>
+            <a:off x="5531645" y="3430406"/>
+            <a:ext cx="763177" cy="590140"/>
+          </a:xfrm>
+          <a:prstGeom prst="bentConnector3">
+            <a:avLst>
+              <a:gd name="adj1" fmla="val 50000"/>
+            </a:avLst>
+          </a:prstGeom>
+          <a:ln w="53975">
+            <a:tailEnd type="triangle"/>
+          </a:ln>
+        </p:spPr>
+        <p:style>
+          <a:lnRef idx="1">
+            <a:schemeClr val="accent1"/>
+          </a:lnRef>
+          <a:fillRef idx="0">
+            <a:schemeClr val="accent1"/>
+          </a:fillRef>
+          <a:effectRef idx="0">
+            <a:schemeClr val="accent1"/>
+          </a:effectRef>
+          <a:fontRef idx="minor">
+            <a:schemeClr val="tx1"/>
+          </a:fontRef>
+        </p:style>
+      </p:cxnSp>
+      <p:cxnSp>
+        <p:nvCxnSpPr>
+          <p:cNvPr id="57" name="连接符: 肘形 56">
+            <a:extLst>
+              <a:ext uri="{FF2B5EF4-FFF2-40B4-BE49-F238E27FC236}">
+                <a16:creationId xmlns:a16="http://schemas.microsoft.com/office/drawing/2014/main" id="{69B37F02-B6DF-3079-E988-DFAEC8F2B29E}"/>
+              </a:ext>
+            </a:extLst>
+          </p:cNvPr>
+          <p:cNvCxnSpPr>
+            <a:cxnSpLocks/>
+          </p:cNvCxnSpPr>
+          <p:nvPr/>
+        </p:nvCxnSpPr>
+        <p:spPr>
+          <a:xfrm>
+            <a:off x="8273129" y="3428696"/>
+            <a:ext cx="763177" cy="590140"/>
+          </a:xfrm>
+          <a:prstGeom prst="bentConnector3">
+            <a:avLst>
+              <a:gd name="adj1" fmla="val 50000"/>
+            </a:avLst>
+          </a:prstGeom>
+          <a:ln w="53975">
+            <a:tailEnd type="triangle"/>
+          </a:ln>
+        </p:spPr>
+        <p:style>
+          <a:lnRef idx="1">
+            <a:schemeClr val="accent1"/>
+          </a:lnRef>
+          <a:fillRef idx="0">
+            <a:schemeClr val="accent1"/>
+          </a:fillRef>
+          <a:effectRef idx="0">
+            <a:schemeClr val="accent1"/>
+          </a:effectRef>
+          <a:fontRef idx="minor">
+            <a:schemeClr val="tx1"/>
+          </a:fontRef>
+        </p:style>
+      </p:cxnSp>
+      <p:sp>
+        <p:nvSpPr>
+          <p:cNvPr id="59" name="文本框 58">
+            <a:extLst>
+              <a:ext uri="{FF2B5EF4-FFF2-40B4-BE49-F238E27FC236}">
+                <a16:creationId xmlns:a16="http://schemas.microsoft.com/office/drawing/2014/main" id="{61EA4447-5C5C-F1A0-4594-4664B9C02180}"/>
+              </a:ext>
+            </a:extLst>
+          </p:cNvPr>
+          <p:cNvSpPr txBox="1"/>
+          <p:nvPr/>
+        </p:nvSpPr>
+        <p:spPr>
+          <a:xfrm>
+            <a:off x="8179491" y="2847137"/>
+            <a:ext cx="708917" cy="369332"/>
+          </a:xfrm>
+          <a:prstGeom prst="rect">
+            <a:avLst/>
+          </a:prstGeom>
+          <a:noFill/>
+        </p:spPr>
+        <p:txBody>
+          <a:bodyPr wrap="square" rtlCol="0">
+            <a:spAutoFit/>
+          </a:bodyPr>
+          <a:lstStyle/>
+          <a:p>
             <a:r>
               <a:rPr lang="zh-CN" altLang="en-US" dirty="0"/>
-              <a:t>自动生成和解析定长文件</a:t>
-            </a:r>
-            <a:r>
-              <a:rPr lang="zh-CN" altLang="en-US" sz="2400" dirty="0"/>
-              <a:t>）</a:t>
-            </a:r>
-            <a:endParaRPr lang="en-US" altLang="zh-CN" sz="2400" dirty="0"/>
-          </a:p>
-          <a:p>
-            <a:pPr marL="342900" indent="-342900">
-              <a:buFont typeface="Wingdings" panose="05000000000000000000" pitchFamily="2" charset="2"/>
-              <a:buChar char="ü"/>
-            </a:pPr>
-            <a:r>
-              <a:rPr lang="zh-CN" altLang="en-US" sz="2400" dirty="0"/>
-              <a:t>批处理任务模型（</a:t>
-            </a:r>
-            <a:r>
-              <a:rPr lang="zh-CN" altLang="en-US" dirty="0"/>
-              <a:t>编配分布式批处理任务</a:t>
-            </a:r>
-            <a:r>
-              <a:rPr lang="zh-CN" altLang="en-US" sz="2400" dirty="0"/>
-              <a:t>）</a:t>
-            </a:r>
-            <a:endParaRPr lang="en-US" altLang="zh-CN" sz="2400" dirty="0"/>
-          </a:p>
-          <a:p>
-            <a:pPr marL="342900" indent="-342900">
-              <a:buFont typeface="Wingdings" panose="05000000000000000000" pitchFamily="2" charset="2"/>
-              <a:buChar char="ü"/>
-            </a:pPr>
-            <a:r>
-              <a:rPr lang="zh-CN" altLang="en-US" sz="2400" dirty="0"/>
-              <a:t>业务规则模型和数据有效性校验模型</a:t>
-            </a:r>
-            <a:endParaRPr lang="en-US" altLang="zh-CN" sz="2400" dirty="0"/>
-          </a:p>
-          <a:p>
-            <a:pPr marL="342900" indent="-342900">
-              <a:buFont typeface="Wingdings" panose="05000000000000000000" pitchFamily="2" charset="2"/>
-              <a:buChar char="ü"/>
-            </a:pPr>
-            <a:r>
-              <a:rPr lang="zh-CN" altLang="en-US" sz="2400" dirty="0"/>
-              <a:t>业务处理流程模型</a:t>
-            </a:r>
-            <a:endParaRPr lang="en-US" altLang="zh-CN" sz="2400" dirty="0"/>
-          </a:p>
-          <a:p>
-            <a:pPr marL="342900" indent="-342900">
-              <a:buFont typeface="Wingdings" panose="05000000000000000000" pitchFamily="2" charset="2"/>
-              <a:buChar char="ü"/>
-            </a:pPr>
-            <a:r>
-              <a:rPr lang="zh-CN" altLang="en-US" sz="2400" dirty="0"/>
-              <a:t>压力测试数据模型（</a:t>
-            </a:r>
-            <a:r>
-              <a:rPr lang="zh-CN" altLang="en-US" dirty="0"/>
-              <a:t>自动生成具有指定分布的测试数据</a:t>
-            </a:r>
-            <a:r>
-              <a:rPr lang="zh-CN" altLang="en-US" sz="2400" dirty="0"/>
-              <a:t>）</a:t>
-            </a:r>
-            <a:endParaRPr lang="en-US" altLang="zh-CN" sz="2400" dirty="0"/>
-          </a:p>
-          <a:p>
-            <a:pPr marL="342900" indent="-342900">
-              <a:buFont typeface="Wingdings" panose="05000000000000000000" pitchFamily="2" charset="2"/>
-              <a:buChar char="ü"/>
-            </a:pPr>
-            <a:r>
-              <a:rPr lang="zh-CN" altLang="en-US" sz="2400" dirty="0"/>
-              <a:t>前端页面模型</a:t>
-            </a:r>
-            <a:endParaRPr lang="en-US" altLang="zh-CN" sz="2400" dirty="0"/>
-          </a:p>
-          <a:p>
-            <a:pPr marL="342900" indent="-342900">
-              <a:buFont typeface="Wingdings" panose="05000000000000000000" pitchFamily="2" charset="2"/>
-              <a:buChar char="ü"/>
-            </a:pPr>
-            <a:r>
-              <a:rPr lang="zh-CN" altLang="en-US" sz="2400" dirty="0"/>
-              <a:t>报表模型</a:t>
-            </a:r>
-            <a:endParaRPr lang="en-US" altLang="zh-CN" sz="2400" dirty="0"/>
-          </a:p>
-          <a:p>
-            <a:endParaRPr lang="zh-CN" altLang="en-US" dirty="0"/>
+              <a:t>生成</a:t>
+            </a:r>
           </a:p>
         </p:txBody>
       </p:sp>
     </p:spTree>
     <p:extLst>
       <p:ext uri="{BB962C8B-B14F-4D97-AF65-F5344CB8AC3E}">
-        <p14:creationId xmlns:p14="http://schemas.microsoft.com/office/powerpoint/2010/main" val="1461263850"/>
+        <p14:creationId xmlns:p14="http://schemas.microsoft.com/office/powerpoint/2010/main" val="138928013"/>
       </p:ext>
     </p:extLst>
   </p:cSld>
@@ -5177,48 +5142,42 @@
           <a:chExt cx="0" cy="0"/>
         </a:xfrm>
       </p:grpSpPr>
-      <p:sp>
-        <p:nvSpPr>
-          <p:cNvPr id="2" name="标题 1">
-            <a:extLst>
-              <a:ext uri="{FF2B5EF4-FFF2-40B4-BE49-F238E27FC236}">
-                <a16:creationId xmlns:a16="http://schemas.microsoft.com/office/drawing/2014/main" id="{7B078A78-F1A6-B200-A327-496477BABCB1}"/>
-              </a:ext>
-            </a:extLst>
-          </p:cNvPr>
-          <p:cNvSpPr>
-            <a:spLocks noGrp="1"/>
-          </p:cNvSpPr>
-          <p:nvPr>
-            <p:ph type="title"/>
-          </p:nvPr>
-        </p:nvSpPr>
-        <p:spPr/>
-        <p:txBody>
-          <a:bodyPr/>
-          <a:lstStyle/>
-          <a:p>
-            <a:r>
-              <a:rPr lang="zh-CN" altLang="en-US" b="1" dirty="0"/>
-              <a:t>基于</a:t>
-            </a:r>
-            <a:r>
-              <a:rPr lang="en-US" altLang="zh-CN" b="1" dirty="0" err="1"/>
-              <a:t>Nop</a:t>
-            </a:r>
-            <a:r>
-              <a:rPr lang="zh-CN" altLang="en-US" b="1" dirty="0"/>
-              <a:t>平台的定制化开发</a:t>
-            </a:r>
-          </a:p>
-        </p:txBody>
-      </p:sp>
-      <p:sp>
-        <p:nvSpPr>
-          <p:cNvPr id="9" name="文本框 8">
-            <a:extLst>
-              <a:ext uri="{FF2B5EF4-FFF2-40B4-BE49-F238E27FC236}">
-                <a16:creationId xmlns:a16="http://schemas.microsoft.com/office/drawing/2014/main" id="{540A60B3-93A5-7288-4BDF-50258236F659}"/>
+      <p:pic>
+        <p:nvPicPr>
+          <p:cNvPr id="3" name="图片 2">
+            <a:extLst>
+              <a:ext uri="{FF2B5EF4-FFF2-40B4-BE49-F238E27FC236}">
+                <a16:creationId xmlns:a16="http://schemas.microsoft.com/office/drawing/2014/main" id="{AC87EDDB-1E43-486E-03E5-6E6C0523EFB0}"/>
+              </a:ext>
+            </a:extLst>
+          </p:cNvPr>
+          <p:cNvPicPr>
+            <a:picLocks noChangeAspect="1"/>
+          </p:cNvPicPr>
+          <p:nvPr/>
+        </p:nvPicPr>
+        <p:blipFill>
+          <a:blip r:embed="rId2"/>
+          <a:stretch>
+            <a:fillRect/>
+          </a:stretch>
+        </p:blipFill>
+        <p:spPr>
+          <a:xfrm>
+            <a:off x="1547130" y="506189"/>
+            <a:ext cx="8726076" cy="6328222"/>
+          </a:xfrm>
+          <a:prstGeom prst="rect">
+            <a:avLst/>
+          </a:prstGeom>
+        </p:spPr>
+      </p:pic>
+      <p:sp>
+        <p:nvSpPr>
+          <p:cNvPr id="8" name="文本框 7">
+            <a:extLst>
+              <a:ext uri="{FF2B5EF4-FFF2-40B4-BE49-F238E27FC236}">
+                <a16:creationId xmlns:a16="http://schemas.microsoft.com/office/drawing/2014/main" id="{DFB1FE9B-8B28-28F7-2F2F-187EBC612C0D}"/>
               </a:ext>
             </a:extLst>
           </p:cNvPr>
@@ -5227,8 +5186,8 @@
         </p:nvSpPr>
         <p:spPr>
           <a:xfrm>
-            <a:off x="838200" y="1583872"/>
-            <a:ext cx="10208079" cy="4031873"/>
+            <a:off x="204105" y="506189"/>
+            <a:ext cx="2669723" cy="579665"/>
           </a:xfrm>
           <a:prstGeom prst="rect">
             <a:avLst/>
@@ -5241,163 +5200,18 @@
           </a:bodyPr>
           <a:lstStyle/>
           <a:p>
-            <a:pPr marL="457200" indent="-457200">
-              <a:buFont typeface="Wingdings" panose="05000000000000000000" pitchFamily="2" charset="2"/>
-              <a:buChar char="Ø"/>
-            </a:pPr>
-            <a:r>
-              <a:rPr lang="zh-CN" altLang="en-US" sz="3200" dirty="0"/>
-              <a:t>专用的</a:t>
-            </a:r>
-            <a:r>
-              <a:rPr lang="en-US" altLang="zh-CN" sz="3200" dirty="0"/>
-              <a:t>Delta</a:t>
-            </a:r>
-            <a:r>
-              <a:rPr lang="zh-CN" altLang="en-US" sz="3200" dirty="0"/>
-              <a:t>模块</a:t>
-            </a:r>
-            <a:endParaRPr lang="en-US" altLang="zh-CN" sz="3200" dirty="0"/>
-          </a:p>
-          <a:p>
-            <a:pPr marL="457200" indent="-457200">
-              <a:buFont typeface="Wingdings" panose="05000000000000000000" pitchFamily="2" charset="2"/>
-              <a:buChar char="Ø"/>
-            </a:pPr>
-            <a:r>
-              <a:rPr lang="zh-CN" altLang="en-US" sz="3200" dirty="0"/>
-              <a:t>数据模型的</a:t>
-            </a:r>
-            <a:r>
-              <a:rPr lang="en-US" altLang="zh-CN" sz="3200" dirty="0"/>
-              <a:t>Delta</a:t>
-            </a:r>
-            <a:r>
-              <a:rPr lang="zh-CN" altLang="en-US" sz="3200" dirty="0"/>
-              <a:t>定制</a:t>
-            </a:r>
-            <a:endParaRPr lang="en-US" altLang="zh-CN" sz="3200" dirty="0"/>
-          </a:p>
-          <a:p>
-            <a:pPr marL="457200" indent="-457200">
-              <a:buFont typeface="Wingdings" panose="05000000000000000000" pitchFamily="2" charset="2"/>
-              <a:buChar char="Ø"/>
-            </a:pPr>
-            <a:r>
-              <a:rPr lang="en-US" altLang="zh-CN" sz="3200" dirty="0"/>
-              <a:t>IoC</a:t>
-            </a:r>
-            <a:r>
-              <a:rPr lang="zh-CN" altLang="en-US" sz="3200" dirty="0"/>
-              <a:t>容器的</a:t>
-            </a:r>
-            <a:r>
-              <a:rPr lang="en-US" altLang="zh-CN" sz="3200" dirty="0"/>
-              <a:t>Delta</a:t>
-            </a:r>
-            <a:r>
-              <a:rPr lang="zh-CN" altLang="en-US" sz="3200" dirty="0"/>
-              <a:t>定制</a:t>
-            </a:r>
-            <a:endParaRPr lang="en-US" altLang="zh-CN" sz="3200" dirty="0"/>
-          </a:p>
-          <a:p>
-            <a:pPr marL="457200" indent="-457200">
-              <a:buFont typeface="Wingdings" panose="05000000000000000000" pitchFamily="2" charset="2"/>
-              <a:buChar char="Ø"/>
-            </a:pPr>
-            <a:r>
-              <a:rPr lang="en-US" altLang="zh-CN" sz="3200" dirty="0" err="1"/>
-              <a:t>GraphQL</a:t>
-            </a:r>
-            <a:r>
-              <a:rPr lang="zh-CN" altLang="en-US" sz="3200" dirty="0"/>
-              <a:t>对象的</a:t>
-            </a:r>
-            <a:r>
-              <a:rPr lang="en-US" altLang="zh-CN" sz="3200" dirty="0"/>
-              <a:t>Delta</a:t>
-            </a:r>
-            <a:r>
-              <a:rPr lang="zh-CN" altLang="en-US" sz="3200" dirty="0"/>
-              <a:t>定制</a:t>
-            </a:r>
-            <a:endParaRPr lang="en-US" altLang="zh-CN" sz="3200" dirty="0"/>
-          </a:p>
-          <a:p>
-            <a:pPr marL="457200" indent="-457200">
-              <a:buFont typeface="Wingdings" panose="05000000000000000000" pitchFamily="2" charset="2"/>
-              <a:buChar char="Ø"/>
-            </a:pPr>
-            <a:r>
-              <a:rPr lang="zh-CN" altLang="en-US" sz="3200" dirty="0"/>
-              <a:t>标签函数的</a:t>
-            </a:r>
-            <a:r>
-              <a:rPr lang="en-US" altLang="zh-CN" sz="3200" dirty="0"/>
-              <a:t>Delta</a:t>
-            </a:r>
-            <a:r>
-              <a:rPr lang="zh-CN" altLang="en-US" sz="3200" dirty="0"/>
-              <a:t>定制</a:t>
-            </a:r>
-            <a:endParaRPr lang="en-US" altLang="zh-CN" sz="3200" dirty="0"/>
-          </a:p>
-          <a:p>
-            <a:pPr marL="457200" indent="-457200">
-              <a:buFont typeface="Wingdings" panose="05000000000000000000" pitchFamily="2" charset="2"/>
-              <a:buChar char="Ø"/>
-            </a:pPr>
-            <a:r>
-              <a:rPr lang="zh-CN" altLang="en-US" sz="3200" dirty="0"/>
-              <a:t>前端页面的</a:t>
-            </a:r>
-            <a:r>
-              <a:rPr lang="en-US" altLang="zh-CN" sz="3200" dirty="0"/>
-              <a:t>Delta</a:t>
-            </a:r>
-            <a:r>
-              <a:rPr lang="zh-CN" altLang="en-US" sz="3200" dirty="0"/>
-              <a:t>定制</a:t>
-            </a:r>
-            <a:endParaRPr lang="en-US" altLang="zh-CN" sz="3200" dirty="0"/>
-          </a:p>
-          <a:p>
-            <a:pPr marL="457200" indent="-457200">
-              <a:buFont typeface="Wingdings" panose="05000000000000000000" pitchFamily="2" charset="2"/>
-              <a:buChar char="Ø"/>
-            </a:pPr>
-            <a:r>
-              <a:rPr lang="zh-CN" altLang="en-US" sz="3200" dirty="0"/>
-              <a:t>其他模型的</a:t>
-            </a:r>
-            <a:r>
-              <a:rPr lang="en-US" altLang="zh-CN" sz="3200" dirty="0"/>
-              <a:t>Delta</a:t>
-            </a:r>
-            <a:r>
-              <a:rPr lang="zh-CN" altLang="en-US" sz="3200" dirty="0"/>
-              <a:t>定制 </a:t>
-            </a:r>
-            <a:endParaRPr lang="en-US" altLang="zh-CN" sz="3200" dirty="0"/>
-          </a:p>
-          <a:p>
-            <a:pPr marL="457200" indent="-457200">
-              <a:buFont typeface="Wingdings" panose="05000000000000000000" pitchFamily="2" charset="2"/>
-              <a:buChar char="Ø"/>
-            </a:pPr>
-            <a:r>
-              <a:rPr lang="zh-CN" altLang="en-US" sz="3200" dirty="0"/>
-              <a:t>编译期的特性开关</a:t>
-            </a:r>
-            <a:endParaRPr lang="en-US" altLang="zh-CN" sz="3200" dirty="0"/>
+            <a:r>
+              <a:rPr lang="en-US" altLang="zh-CN" sz="3200" b="1" dirty="0" err="1"/>
+              <a:t>BizModel</a:t>
+            </a:r>
+            <a:endParaRPr lang="zh-CN" altLang="en-US" sz="3200" b="1" dirty="0"/>
           </a:p>
         </p:txBody>
       </p:sp>
     </p:spTree>
     <p:extLst>
       <p:ext uri="{BB962C8B-B14F-4D97-AF65-F5344CB8AC3E}">
-        <p14:creationId xmlns:p14="http://schemas.microsoft.com/office/powerpoint/2010/main" val="3712466064"/>
+        <p14:creationId xmlns:p14="http://schemas.microsoft.com/office/powerpoint/2010/main" val="881827011"/>
       </p:ext>
     </p:extLst>
   </p:cSld>
@@ -5446,6 +5260,517 @@
           <a:lstStyle/>
           <a:p>
             <a:r>
+              <a:rPr lang="zh-CN" altLang="en-US" b="1" dirty="0"/>
+              <a:t>在金融科技方面的应用</a:t>
+            </a:r>
+          </a:p>
+        </p:txBody>
+      </p:sp>
+      <p:sp>
+        <p:nvSpPr>
+          <p:cNvPr id="3" name="文本框 2">
+            <a:extLst>
+              <a:ext uri="{FF2B5EF4-FFF2-40B4-BE49-F238E27FC236}">
+                <a16:creationId xmlns:a16="http://schemas.microsoft.com/office/drawing/2014/main" id="{ECE04C1C-1A27-7EF8-F549-0CA12B0352B7}"/>
+              </a:ext>
+            </a:extLst>
+          </p:cNvPr>
+          <p:cNvSpPr txBox="1"/>
+          <p:nvPr/>
+        </p:nvSpPr>
+        <p:spPr>
+          <a:xfrm>
+            <a:off x="930729" y="1828800"/>
+            <a:ext cx="7780564" cy="4062651"/>
+          </a:xfrm>
+          <a:prstGeom prst="rect">
+            <a:avLst/>
+          </a:prstGeom>
+          <a:noFill/>
+        </p:spPr>
+        <p:txBody>
+          <a:bodyPr wrap="square" rtlCol="0">
+            <a:spAutoFit/>
+          </a:bodyPr>
+          <a:lstStyle/>
+          <a:p>
+            <a:pPr marL="342900" indent="-342900">
+              <a:buFont typeface="Wingdings" panose="05000000000000000000" pitchFamily="2" charset="2"/>
+              <a:buChar char="ü"/>
+            </a:pPr>
+            <a:r>
+              <a:rPr lang="zh-CN" altLang="en-US" sz="2400" dirty="0"/>
+              <a:t>数据模型（</a:t>
+            </a:r>
+            <a:r>
+              <a:rPr lang="zh-CN" altLang="en-US" dirty="0"/>
+              <a:t>自动生成数据访问层代码和数据库定义</a:t>
+            </a:r>
+            <a:r>
+              <a:rPr lang="zh-CN" altLang="en-US" sz="2400" dirty="0"/>
+              <a:t>）</a:t>
+            </a:r>
+            <a:endParaRPr lang="en-US" altLang="zh-CN" sz="2400" dirty="0"/>
+          </a:p>
+          <a:p>
+            <a:pPr marL="342900" indent="-342900">
+              <a:buFont typeface="Wingdings" panose="05000000000000000000" pitchFamily="2" charset="2"/>
+              <a:buChar char="ü"/>
+            </a:pPr>
+            <a:r>
+              <a:rPr lang="en-US" altLang="zh-CN" sz="2400" dirty="0"/>
+              <a:t>API</a:t>
+            </a:r>
+            <a:r>
+              <a:rPr lang="zh-CN" altLang="en-US" sz="2400" dirty="0"/>
+              <a:t>接口模型（</a:t>
+            </a:r>
+            <a:r>
+              <a:rPr lang="zh-CN" altLang="en-US" dirty="0"/>
+              <a:t>自动生成</a:t>
+            </a:r>
+            <a:r>
+              <a:rPr lang="en-US" altLang="zh-CN" dirty="0"/>
+              <a:t>API</a:t>
+            </a:r>
+            <a:r>
+              <a:rPr lang="zh-CN" altLang="en-US" dirty="0"/>
+              <a:t>接口和缺省实现</a:t>
+            </a:r>
+            <a:r>
+              <a:rPr lang="zh-CN" altLang="en-US" sz="2400" dirty="0"/>
+              <a:t>）</a:t>
+            </a:r>
+            <a:endParaRPr lang="en-US" altLang="zh-CN" sz="2400" dirty="0"/>
+          </a:p>
+          <a:p>
+            <a:pPr marL="342900" indent="-342900">
+              <a:buFont typeface="Wingdings" panose="05000000000000000000" pitchFamily="2" charset="2"/>
+              <a:buChar char="ü"/>
+            </a:pPr>
+            <a:r>
+              <a:rPr lang="en-US" altLang="zh-CN" sz="2400" dirty="0"/>
+              <a:t>TCP</a:t>
+            </a:r>
+            <a:r>
+              <a:rPr lang="zh-CN" altLang="en-US" sz="2400" dirty="0"/>
+              <a:t>网络消息模型（</a:t>
+            </a:r>
+            <a:r>
+              <a:rPr lang="zh-CN" altLang="en-US" dirty="0"/>
+              <a:t>自动解析和生成网络协议包</a:t>
+            </a:r>
+            <a:r>
+              <a:rPr lang="zh-CN" altLang="en-US" sz="2400" dirty="0"/>
+              <a:t>）</a:t>
+            </a:r>
+            <a:endParaRPr lang="en-US" altLang="zh-CN" sz="2400" dirty="0"/>
+          </a:p>
+          <a:p>
+            <a:pPr marL="342900" indent="-342900">
+              <a:buFont typeface="Wingdings" panose="05000000000000000000" pitchFamily="2" charset="2"/>
+              <a:buChar char="ü"/>
+            </a:pPr>
+            <a:r>
+              <a:rPr lang="zh-CN" altLang="en-US" sz="2400" dirty="0"/>
+              <a:t>批处理文件格式模型（</a:t>
+            </a:r>
+            <a:r>
+              <a:rPr lang="zh-CN" altLang="en-US" dirty="0"/>
+              <a:t>自动生成和解析定长文件</a:t>
+            </a:r>
+            <a:r>
+              <a:rPr lang="zh-CN" altLang="en-US" sz="2400" dirty="0"/>
+              <a:t>）</a:t>
+            </a:r>
+            <a:endParaRPr lang="en-US" altLang="zh-CN" sz="2400" dirty="0"/>
+          </a:p>
+          <a:p>
+            <a:pPr marL="342900" indent="-342900">
+              <a:buFont typeface="Wingdings" panose="05000000000000000000" pitchFamily="2" charset="2"/>
+              <a:buChar char="ü"/>
+            </a:pPr>
+            <a:r>
+              <a:rPr lang="zh-CN" altLang="en-US" sz="2400" dirty="0"/>
+              <a:t>批处理任务模型（</a:t>
+            </a:r>
+            <a:r>
+              <a:rPr lang="zh-CN" altLang="en-US" dirty="0"/>
+              <a:t>编配分布式批处理任务</a:t>
+            </a:r>
+            <a:r>
+              <a:rPr lang="zh-CN" altLang="en-US" sz="2400" dirty="0"/>
+              <a:t>）</a:t>
+            </a:r>
+            <a:endParaRPr lang="en-US" altLang="zh-CN" sz="2400" dirty="0"/>
+          </a:p>
+          <a:p>
+            <a:pPr marL="342900" indent="-342900">
+              <a:buFont typeface="Wingdings" panose="05000000000000000000" pitchFamily="2" charset="2"/>
+              <a:buChar char="ü"/>
+            </a:pPr>
+            <a:r>
+              <a:rPr lang="zh-CN" altLang="en-US" sz="2400" dirty="0"/>
+              <a:t>业务规则模型和数据有效性校验模型</a:t>
+            </a:r>
+            <a:endParaRPr lang="en-US" altLang="zh-CN" sz="2400" dirty="0"/>
+          </a:p>
+          <a:p>
+            <a:pPr marL="342900" indent="-342900">
+              <a:buFont typeface="Wingdings" panose="05000000000000000000" pitchFamily="2" charset="2"/>
+              <a:buChar char="ü"/>
+            </a:pPr>
+            <a:r>
+              <a:rPr lang="zh-CN" altLang="en-US" sz="2400" dirty="0"/>
+              <a:t>业务处理流程模型</a:t>
+            </a:r>
+            <a:endParaRPr lang="en-US" altLang="zh-CN" sz="2400" dirty="0"/>
+          </a:p>
+          <a:p>
+            <a:pPr marL="342900" indent="-342900">
+              <a:buFont typeface="Wingdings" panose="05000000000000000000" pitchFamily="2" charset="2"/>
+              <a:buChar char="ü"/>
+            </a:pPr>
+            <a:r>
+              <a:rPr lang="zh-CN" altLang="en-US" sz="2400" dirty="0"/>
+              <a:t>压力测试数据模型（</a:t>
+            </a:r>
+            <a:r>
+              <a:rPr lang="zh-CN" altLang="en-US" dirty="0"/>
+              <a:t>自动生成具有指定分布的测试数据</a:t>
+            </a:r>
+            <a:r>
+              <a:rPr lang="zh-CN" altLang="en-US" sz="2400" dirty="0"/>
+              <a:t>）</a:t>
+            </a:r>
+            <a:endParaRPr lang="en-US" altLang="zh-CN" sz="2400" dirty="0"/>
+          </a:p>
+          <a:p>
+            <a:pPr marL="342900" indent="-342900">
+              <a:buFont typeface="Wingdings" panose="05000000000000000000" pitchFamily="2" charset="2"/>
+              <a:buChar char="ü"/>
+            </a:pPr>
+            <a:r>
+              <a:rPr lang="zh-CN" altLang="en-US" sz="2400" dirty="0"/>
+              <a:t>前端页面模型</a:t>
+            </a:r>
+            <a:endParaRPr lang="en-US" altLang="zh-CN" sz="2400" dirty="0"/>
+          </a:p>
+          <a:p>
+            <a:pPr marL="342900" indent="-342900">
+              <a:buFont typeface="Wingdings" panose="05000000000000000000" pitchFamily="2" charset="2"/>
+              <a:buChar char="ü"/>
+            </a:pPr>
+            <a:r>
+              <a:rPr lang="zh-CN" altLang="en-US" sz="2400" dirty="0"/>
+              <a:t>报表模型</a:t>
+            </a:r>
+            <a:endParaRPr lang="en-US" altLang="zh-CN" sz="2400" dirty="0"/>
+          </a:p>
+          <a:p>
+            <a:endParaRPr lang="zh-CN" altLang="en-US" dirty="0"/>
+          </a:p>
+        </p:txBody>
+      </p:sp>
+    </p:spTree>
+    <p:extLst>
+      <p:ext uri="{BB962C8B-B14F-4D97-AF65-F5344CB8AC3E}">
+        <p14:creationId xmlns:p14="http://schemas.microsoft.com/office/powerpoint/2010/main" val="1461263850"/>
+      </p:ext>
+    </p:extLst>
+  </p:cSld>
+  <p:clrMapOvr>
+    <a:masterClrMapping/>
+  </p:clrMapOvr>
+</p:sld>
+</file>
+
+<file path=ppt/slides/slide15.xml><?xml version="1.0" encoding="utf-8"?>
+<p:sld xmlns:a="http://schemas.openxmlformats.org/drawingml/2006/main" xmlns:r="http://schemas.openxmlformats.org/officeDocument/2006/relationships" xmlns:p="http://schemas.openxmlformats.org/presentationml/2006/main">
+  <p:cSld>
+    <p:spTree>
+      <p:nvGrpSpPr>
+        <p:cNvPr id="1" name=""/>
+        <p:cNvGrpSpPr/>
+        <p:nvPr/>
+      </p:nvGrpSpPr>
+      <p:grpSpPr>
+        <a:xfrm>
+          <a:off x="0" y="0"/>
+          <a:ext cx="0" cy="0"/>
+          <a:chOff x="0" y="0"/>
+          <a:chExt cx="0" cy="0"/>
+        </a:xfrm>
+      </p:grpSpPr>
+      <p:sp>
+        <p:nvSpPr>
+          <p:cNvPr id="2" name="标题 1">
+            <a:extLst>
+              <a:ext uri="{FF2B5EF4-FFF2-40B4-BE49-F238E27FC236}">
+                <a16:creationId xmlns:a16="http://schemas.microsoft.com/office/drawing/2014/main" id="{7B078A78-F1A6-B200-A327-496477BABCB1}"/>
+              </a:ext>
+            </a:extLst>
+          </p:cNvPr>
+          <p:cNvSpPr>
+            <a:spLocks noGrp="1"/>
+          </p:cNvSpPr>
+          <p:nvPr>
+            <p:ph type="title"/>
+          </p:nvPr>
+        </p:nvSpPr>
+        <p:spPr/>
+        <p:txBody>
+          <a:bodyPr/>
+          <a:lstStyle/>
+          <a:p>
+            <a:r>
+              <a:rPr lang="zh-CN" altLang="en-US" b="1" dirty="0"/>
+              <a:t>基于</a:t>
+            </a:r>
+            <a:r>
+              <a:rPr lang="en-US" altLang="zh-CN" b="1" dirty="0" err="1"/>
+              <a:t>Nop</a:t>
+            </a:r>
+            <a:r>
+              <a:rPr lang="zh-CN" altLang="en-US" b="1" dirty="0"/>
+              <a:t>平台的定制化开发</a:t>
+            </a:r>
+          </a:p>
+        </p:txBody>
+      </p:sp>
+      <p:sp>
+        <p:nvSpPr>
+          <p:cNvPr id="9" name="文本框 8">
+            <a:extLst>
+              <a:ext uri="{FF2B5EF4-FFF2-40B4-BE49-F238E27FC236}">
+                <a16:creationId xmlns:a16="http://schemas.microsoft.com/office/drawing/2014/main" id="{540A60B3-93A5-7288-4BDF-50258236F659}"/>
+              </a:ext>
+            </a:extLst>
+          </p:cNvPr>
+          <p:cNvSpPr txBox="1"/>
+          <p:nvPr/>
+        </p:nvSpPr>
+        <p:spPr>
+          <a:xfrm>
+            <a:off x="838200" y="1583872"/>
+            <a:ext cx="10208079" cy="4031873"/>
+          </a:xfrm>
+          <a:prstGeom prst="rect">
+            <a:avLst/>
+          </a:prstGeom>
+          <a:noFill/>
+        </p:spPr>
+        <p:txBody>
+          <a:bodyPr wrap="square" rtlCol="0">
+            <a:spAutoFit/>
+          </a:bodyPr>
+          <a:lstStyle/>
+          <a:p>
+            <a:pPr marL="457200" indent="-457200">
+              <a:buFont typeface="Wingdings" panose="05000000000000000000" pitchFamily="2" charset="2"/>
+              <a:buChar char="Ø"/>
+            </a:pPr>
+            <a:r>
+              <a:rPr lang="zh-CN" altLang="en-US" sz="3200" dirty="0"/>
+              <a:t>专用的</a:t>
+            </a:r>
+            <a:r>
+              <a:rPr lang="en-US" altLang="zh-CN" sz="3200" dirty="0"/>
+              <a:t>Delta</a:t>
+            </a:r>
+            <a:r>
+              <a:rPr lang="zh-CN" altLang="en-US" sz="3200" dirty="0"/>
+              <a:t>模块</a:t>
+            </a:r>
+            <a:endParaRPr lang="en-US" altLang="zh-CN" sz="3200" dirty="0"/>
+          </a:p>
+          <a:p>
+            <a:pPr marL="457200" indent="-457200">
+              <a:buFont typeface="Wingdings" panose="05000000000000000000" pitchFamily="2" charset="2"/>
+              <a:buChar char="Ø"/>
+            </a:pPr>
+            <a:r>
+              <a:rPr lang="zh-CN" altLang="en-US" sz="3200" dirty="0"/>
+              <a:t>数据模型的</a:t>
+            </a:r>
+            <a:r>
+              <a:rPr lang="en-US" altLang="zh-CN" sz="3200" dirty="0"/>
+              <a:t>Delta</a:t>
+            </a:r>
+            <a:r>
+              <a:rPr lang="zh-CN" altLang="en-US" sz="3200" dirty="0"/>
+              <a:t>定制</a:t>
+            </a:r>
+            <a:endParaRPr lang="en-US" altLang="zh-CN" sz="3200" dirty="0"/>
+          </a:p>
+          <a:p>
+            <a:pPr marL="457200" indent="-457200">
+              <a:buFont typeface="Wingdings" panose="05000000000000000000" pitchFamily="2" charset="2"/>
+              <a:buChar char="Ø"/>
+            </a:pPr>
+            <a:r>
+              <a:rPr lang="en-US" altLang="zh-CN" sz="3200" dirty="0"/>
+              <a:t>IoC</a:t>
+            </a:r>
+            <a:r>
+              <a:rPr lang="zh-CN" altLang="en-US" sz="3200" dirty="0"/>
+              <a:t>容器的</a:t>
+            </a:r>
+            <a:r>
+              <a:rPr lang="en-US" altLang="zh-CN" sz="3200" dirty="0"/>
+              <a:t>Delta</a:t>
+            </a:r>
+            <a:r>
+              <a:rPr lang="zh-CN" altLang="en-US" sz="3200" dirty="0"/>
+              <a:t>定制</a:t>
+            </a:r>
+            <a:endParaRPr lang="en-US" altLang="zh-CN" sz="3200" dirty="0"/>
+          </a:p>
+          <a:p>
+            <a:pPr marL="457200" indent="-457200">
+              <a:buFont typeface="Wingdings" panose="05000000000000000000" pitchFamily="2" charset="2"/>
+              <a:buChar char="Ø"/>
+            </a:pPr>
+            <a:r>
+              <a:rPr lang="en-US" altLang="zh-CN" sz="3200" dirty="0" err="1"/>
+              <a:t>GraphQL</a:t>
+            </a:r>
+            <a:r>
+              <a:rPr lang="zh-CN" altLang="en-US" sz="3200" dirty="0"/>
+              <a:t>对象的</a:t>
+            </a:r>
+            <a:r>
+              <a:rPr lang="en-US" altLang="zh-CN" sz="3200" dirty="0"/>
+              <a:t>Delta</a:t>
+            </a:r>
+            <a:r>
+              <a:rPr lang="zh-CN" altLang="en-US" sz="3200" dirty="0"/>
+              <a:t>定制</a:t>
+            </a:r>
+            <a:endParaRPr lang="en-US" altLang="zh-CN" sz="3200" dirty="0"/>
+          </a:p>
+          <a:p>
+            <a:pPr marL="457200" indent="-457200">
+              <a:buFont typeface="Wingdings" panose="05000000000000000000" pitchFamily="2" charset="2"/>
+              <a:buChar char="Ø"/>
+            </a:pPr>
+            <a:r>
+              <a:rPr lang="zh-CN" altLang="en-US" sz="3200" dirty="0"/>
+              <a:t>标签函数的</a:t>
+            </a:r>
+            <a:r>
+              <a:rPr lang="en-US" altLang="zh-CN" sz="3200" dirty="0"/>
+              <a:t>Delta</a:t>
+            </a:r>
+            <a:r>
+              <a:rPr lang="zh-CN" altLang="en-US" sz="3200" dirty="0"/>
+              <a:t>定制</a:t>
+            </a:r>
+            <a:endParaRPr lang="en-US" altLang="zh-CN" sz="3200" dirty="0"/>
+          </a:p>
+          <a:p>
+            <a:pPr marL="457200" indent="-457200">
+              <a:buFont typeface="Wingdings" panose="05000000000000000000" pitchFamily="2" charset="2"/>
+              <a:buChar char="Ø"/>
+            </a:pPr>
+            <a:r>
+              <a:rPr lang="zh-CN" altLang="en-US" sz="3200" dirty="0"/>
+              <a:t>前端页面的</a:t>
+            </a:r>
+            <a:r>
+              <a:rPr lang="en-US" altLang="zh-CN" sz="3200" dirty="0"/>
+              <a:t>Delta</a:t>
+            </a:r>
+            <a:r>
+              <a:rPr lang="zh-CN" altLang="en-US" sz="3200" dirty="0"/>
+              <a:t>定制</a:t>
+            </a:r>
+            <a:endParaRPr lang="en-US" altLang="zh-CN" sz="3200" dirty="0"/>
+          </a:p>
+          <a:p>
+            <a:pPr marL="457200" indent="-457200">
+              <a:buFont typeface="Wingdings" panose="05000000000000000000" pitchFamily="2" charset="2"/>
+              <a:buChar char="Ø"/>
+            </a:pPr>
+            <a:r>
+              <a:rPr lang="zh-CN" altLang="en-US" sz="3200" dirty="0"/>
+              <a:t>其他模型的</a:t>
+            </a:r>
+            <a:r>
+              <a:rPr lang="en-US" altLang="zh-CN" sz="3200" dirty="0"/>
+              <a:t>Delta</a:t>
+            </a:r>
+            <a:r>
+              <a:rPr lang="zh-CN" altLang="en-US" sz="3200" dirty="0"/>
+              <a:t>定制 </a:t>
+            </a:r>
+            <a:endParaRPr lang="en-US" altLang="zh-CN" sz="3200" dirty="0"/>
+          </a:p>
+          <a:p>
+            <a:pPr marL="457200" indent="-457200">
+              <a:buFont typeface="Wingdings" panose="05000000000000000000" pitchFamily="2" charset="2"/>
+              <a:buChar char="Ø"/>
+            </a:pPr>
+            <a:r>
+              <a:rPr lang="zh-CN" altLang="en-US" sz="3200" dirty="0"/>
+              <a:t>编译期的特性开关</a:t>
+            </a:r>
+            <a:endParaRPr lang="en-US" altLang="zh-CN" sz="3200" dirty="0"/>
+          </a:p>
+        </p:txBody>
+      </p:sp>
+    </p:spTree>
+    <p:extLst>
+      <p:ext uri="{BB962C8B-B14F-4D97-AF65-F5344CB8AC3E}">
+        <p14:creationId xmlns:p14="http://schemas.microsoft.com/office/powerpoint/2010/main" val="3712466064"/>
+      </p:ext>
+    </p:extLst>
+  </p:cSld>
+  <p:clrMapOvr>
+    <a:masterClrMapping/>
+  </p:clrMapOvr>
+</p:sld>
+</file>
+
+<file path=ppt/slides/slide16.xml><?xml version="1.0" encoding="utf-8"?>
+<p:sld xmlns:a="http://schemas.openxmlformats.org/drawingml/2006/main" xmlns:r="http://schemas.openxmlformats.org/officeDocument/2006/relationships" xmlns:p="http://schemas.openxmlformats.org/presentationml/2006/main">
+  <p:cSld>
+    <p:spTree>
+      <p:nvGrpSpPr>
+        <p:cNvPr id="1" name=""/>
+        <p:cNvGrpSpPr/>
+        <p:nvPr/>
+      </p:nvGrpSpPr>
+      <p:grpSpPr>
+        <a:xfrm>
+          <a:off x="0" y="0"/>
+          <a:ext cx="0" cy="0"/>
+          <a:chOff x="0" y="0"/>
+          <a:chExt cx="0" cy="0"/>
+        </a:xfrm>
+      </p:grpSpPr>
+      <p:sp>
+        <p:nvSpPr>
+          <p:cNvPr id="2" name="标题 1">
+            <a:extLst>
+              <a:ext uri="{FF2B5EF4-FFF2-40B4-BE49-F238E27FC236}">
+                <a16:creationId xmlns:a16="http://schemas.microsoft.com/office/drawing/2014/main" id="{7B078A78-F1A6-B200-A327-496477BABCB1}"/>
+              </a:ext>
+            </a:extLst>
+          </p:cNvPr>
+          <p:cNvSpPr>
+            <a:spLocks noGrp="1"/>
+          </p:cNvSpPr>
+          <p:nvPr>
+            <p:ph type="title"/>
+          </p:nvPr>
+        </p:nvSpPr>
+        <p:spPr/>
+        <p:txBody>
+          <a:bodyPr/>
+          <a:lstStyle/>
+          <a:p>
+            <a:r>
               <a:rPr lang="en-US" altLang="zh-CN" b="1" dirty="0" err="1"/>
               <a:t>Nop</a:t>
             </a:r>
@@ -5535,7 +5860,7 @@
 </p:sld>
 </file>
 
-<file path=ppt/slides/slide15.xml><?xml version="1.0" encoding="utf-8"?>
+<file path=ppt/slides/slide17.xml><?xml version="1.0" encoding="utf-8"?>
 <p:sld xmlns:a="http://schemas.openxmlformats.org/drawingml/2006/main" xmlns:r="http://schemas.openxmlformats.org/officeDocument/2006/relationships" xmlns:p="http://schemas.openxmlformats.org/presentationml/2006/main">
   <p:cSld>
     <p:spTree>
@@ -9233,78 +9558,697 @@
       </p:grpSpPr>
       <p:sp>
         <p:nvSpPr>
-          <p:cNvPr id="2" name="标题 1">
-            <a:extLst>
-              <a:ext uri="{FF2B5EF4-FFF2-40B4-BE49-F238E27FC236}">
-                <a16:creationId xmlns:a16="http://schemas.microsoft.com/office/drawing/2014/main" id="{7B078A78-F1A6-B200-A327-496477BABCB1}"/>
-              </a:ext>
-            </a:extLst>
-          </p:cNvPr>
-          <p:cNvSpPr>
-            <a:spLocks noGrp="1"/>
-          </p:cNvSpPr>
-          <p:nvPr>
-            <p:ph type="title"/>
-          </p:nvPr>
-        </p:nvSpPr>
-        <p:spPr/>
-        <p:txBody>
-          <a:bodyPr/>
-          <a:lstStyle/>
-          <a:p>
-            <a:r>
-              <a:rPr lang="en-US" altLang="zh-CN" b="1" dirty="0"/>
-              <a:t>Docker</a:t>
-            </a:r>
-            <a:r>
-              <a:rPr lang="zh-CN" altLang="en-US" b="1" dirty="0"/>
-              <a:t>作为可逆计算的实例</a:t>
-            </a:r>
-          </a:p>
-        </p:txBody>
-      </p:sp>
-      <p:pic>
-        <p:nvPicPr>
-          <p:cNvPr id="7" name="图片 6">
-            <a:extLst>
-              <a:ext uri="{FF2B5EF4-FFF2-40B4-BE49-F238E27FC236}">
-                <a16:creationId xmlns:a16="http://schemas.microsoft.com/office/drawing/2014/main" id="{A9FAD954-709D-F5D5-9100-CC20B6B65DD1}"/>
-              </a:ext>
-            </a:extLst>
-          </p:cNvPr>
-          <p:cNvPicPr>
-            <a:picLocks noChangeAspect="1"/>
-          </p:cNvPicPr>
+          <p:cNvPr id="2" name="椭圆 1">
+            <a:extLst>
+              <a:ext uri="{FF2B5EF4-FFF2-40B4-BE49-F238E27FC236}">
+                <a16:creationId xmlns:a16="http://schemas.microsoft.com/office/drawing/2014/main" id="{9C8D1B08-AABE-CB26-E0DF-B972FCD61D53}"/>
+              </a:ext>
+            </a:extLst>
+          </p:cNvPr>
+          <p:cNvSpPr/>
           <p:nvPr/>
-        </p:nvPicPr>
-        <p:blipFill>
-          <a:blip r:embed="rId2">
-            <a:extLst>
-              <a:ext uri="{28A0092B-C50C-407E-A947-70E740481C1C}">
-                <a14:useLocalDpi xmlns:a14="http://schemas.microsoft.com/office/drawing/2010/main" val="0"/>
-              </a:ext>
-            </a:extLst>
-          </a:blip>
-          <a:stretch>
-            <a:fillRect/>
-          </a:stretch>
-        </p:blipFill>
+        </p:nvSpPr>
         <p:spPr>
           <a:xfrm>
-            <a:off x="2963634" y="1545091"/>
-            <a:ext cx="4849586" cy="3637190"/>
+            <a:off x="4388779" y="969073"/>
+            <a:ext cx="1661602" cy="751537"/>
+          </a:xfrm>
+          <a:prstGeom prst="ellipse">
+            <a:avLst/>
+          </a:prstGeom>
+        </p:spPr>
+        <p:style>
+          <a:lnRef idx="2">
+            <a:schemeClr val="accent1">
+              <a:shade val="50000"/>
+            </a:schemeClr>
+          </a:lnRef>
+          <a:fillRef idx="1">
+            <a:schemeClr val="accent1"/>
+          </a:fillRef>
+          <a:effectRef idx="0">
+            <a:schemeClr val="accent1"/>
+          </a:effectRef>
+          <a:fontRef idx="minor">
+            <a:schemeClr val="lt1"/>
+          </a:fontRef>
+        </p:style>
+        <p:txBody>
+          <a:bodyPr rtlCol="0" anchor="ctr"/>
+          <a:lstStyle/>
+          <a:p>
+            <a:pPr algn="ctr"/>
+            <a:r>
+              <a:rPr lang="en-US" altLang="zh-CN" dirty="0"/>
+              <a:t>DSL</a:t>
+            </a:r>
+            <a:endParaRPr lang="zh-CN" altLang="en-US" dirty="0"/>
+          </a:p>
+        </p:txBody>
+      </p:sp>
+      <p:sp>
+        <p:nvSpPr>
+          <p:cNvPr id="3" name="椭圆 2">
+            <a:extLst>
+              <a:ext uri="{FF2B5EF4-FFF2-40B4-BE49-F238E27FC236}">
+                <a16:creationId xmlns:a16="http://schemas.microsoft.com/office/drawing/2014/main" id="{196463FB-5DD0-02E5-1BD9-45C2957449D1}"/>
+              </a:ext>
+            </a:extLst>
+          </p:cNvPr>
+          <p:cNvSpPr/>
+          <p:nvPr/>
+        </p:nvSpPr>
+        <p:spPr>
+          <a:xfrm>
+            <a:off x="7411094" y="974521"/>
+            <a:ext cx="1661603" cy="751537"/>
+          </a:xfrm>
+          <a:prstGeom prst="ellipse">
+            <a:avLst/>
+          </a:prstGeom>
+          <a:solidFill>
+            <a:schemeClr val="tx1"/>
+          </a:solidFill>
+        </p:spPr>
+        <p:style>
+          <a:lnRef idx="2">
+            <a:schemeClr val="accent1">
+              <a:shade val="50000"/>
+            </a:schemeClr>
+          </a:lnRef>
+          <a:fillRef idx="1">
+            <a:schemeClr val="accent1"/>
+          </a:fillRef>
+          <a:effectRef idx="0">
+            <a:schemeClr val="accent1"/>
+          </a:effectRef>
+          <a:fontRef idx="minor">
+            <a:schemeClr val="lt1"/>
+          </a:fontRef>
+        </p:style>
+        <p:txBody>
+          <a:bodyPr rtlCol="0" anchor="ctr"/>
+          <a:lstStyle/>
+          <a:p>
+            <a:pPr algn="ctr"/>
+            <a:r>
+              <a:rPr lang="en-US" altLang="zh-CN" dirty="0"/>
+              <a:t>App</a:t>
+            </a:r>
+            <a:endParaRPr lang="zh-CN" altLang="en-US" dirty="0"/>
+          </a:p>
+        </p:txBody>
+      </p:sp>
+      <p:sp>
+        <p:nvSpPr>
+          <p:cNvPr id="5" name="箭头: 右 4">
+            <a:extLst>
+              <a:ext uri="{FF2B5EF4-FFF2-40B4-BE49-F238E27FC236}">
+                <a16:creationId xmlns:a16="http://schemas.microsoft.com/office/drawing/2014/main" id="{6F3292F0-E1F7-D047-2003-B400FD1A1F57}"/>
+              </a:ext>
+            </a:extLst>
+          </p:cNvPr>
+          <p:cNvSpPr/>
+          <p:nvPr/>
+        </p:nvSpPr>
+        <p:spPr>
+          <a:xfrm>
+            <a:off x="6376951" y="1246661"/>
+            <a:ext cx="849086" cy="122464"/>
+          </a:xfrm>
+          <a:prstGeom prst="rightArrow">
+            <a:avLst/>
+          </a:prstGeom>
+        </p:spPr>
+        <p:style>
+          <a:lnRef idx="2">
+            <a:schemeClr val="accent1">
+              <a:shade val="50000"/>
+            </a:schemeClr>
+          </a:lnRef>
+          <a:fillRef idx="1">
+            <a:schemeClr val="accent1"/>
+          </a:fillRef>
+          <a:effectRef idx="0">
+            <a:schemeClr val="accent1"/>
+          </a:effectRef>
+          <a:fontRef idx="minor">
+            <a:schemeClr val="lt1"/>
+          </a:fontRef>
+        </p:style>
+        <p:txBody>
+          <a:bodyPr rtlCol="0" anchor="ctr"/>
+          <a:lstStyle/>
+          <a:p>
+            <a:pPr algn="ctr"/>
+            <a:endParaRPr lang="zh-CN" altLang="en-US"/>
+          </a:p>
+        </p:txBody>
+      </p:sp>
+      <p:sp>
+        <p:nvSpPr>
+          <p:cNvPr id="26" name="矩形 25">
+            <a:extLst>
+              <a:ext uri="{FF2B5EF4-FFF2-40B4-BE49-F238E27FC236}">
+                <a16:creationId xmlns:a16="http://schemas.microsoft.com/office/drawing/2014/main" id="{7CE1272F-FB37-D915-AAE0-14957294C46B}"/>
+              </a:ext>
+            </a:extLst>
+          </p:cNvPr>
+          <p:cNvSpPr/>
+          <p:nvPr/>
+        </p:nvSpPr>
+        <p:spPr>
+          <a:xfrm>
+            <a:off x="3953768" y="2636917"/>
+            <a:ext cx="2168531" cy="751537"/>
           </a:xfrm>
           <a:prstGeom prst="rect">
             <a:avLst/>
           </a:prstGeom>
         </p:spPr>
-      </p:pic>
-      <p:sp>
-        <p:nvSpPr>
-          <p:cNvPr id="8" name="文本框 7">
-            <a:extLst>
-              <a:ext uri="{FF2B5EF4-FFF2-40B4-BE49-F238E27FC236}">
-                <a16:creationId xmlns:a16="http://schemas.microsoft.com/office/drawing/2014/main" id="{00DF1367-32D6-49B4-E298-E4BAF2B93B88}"/>
+        <p:style>
+          <a:lnRef idx="2">
+            <a:schemeClr val="accent1">
+              <a:shade val="50000"/>
+            </a:schemeClr>
+          </a:lnRef>
+          <a:fillRef idx="1">
+            <a:schemeClr val="accent1"/>
+          </a:fillRef>
+          <a:effectRef idx="0">
+            <a:schemeClr val="accent1"/>
+          </a:effectRef>
+          <a:fontRef idx="minor">
+            <a:schemeClr val="lt1"/>
+          </a:fontRef>
+        </p:style>
+        <p:txBody>
+          <a:bodyPr rtlCol="0" anchor="ctr"/>
+          <a:lstStyle/>
+          <a:p>
+            <a:pPr algn="ctr"/>
+            <a:r>
+              <a:rPr lang="en-US" altLang="zh-CN" dirty="0"/>
+              <a:t>Generator&lt;DSL&gt;</a:t>
+            </a:r>
+            <a:endParaRPr lang="zh-CN" altLang="en-US" dirty="0"/>
+          </a:p>
+        </p:txBody>
+      </p:sp>
+      <p:sp>
+        <p:nvSpPr>
+          <p:cNvPr id="27" name="波形 26">
+            <a:extLst>
+              <a:ext uri="{FF2B5EF4-FFF2-40B4-BE49-F238E27FC236}">
+                <a16:creationId xmlns:a16="http://schemas.microsoft.com/office/drawing/2014/main" id="{54F89A0A-395C-1284-2BEF-441CAB1693D9}"/>
+              </a:ext>
+            </a:extLst>
+          </p:cNvPr>
+          <p:cNvSpPr/>
+          <p:nvPr/>
+        </p:nvSpPr>
+        <p:spPr>
+          <a:xfrm>
+            <a:off x="6421347" y="2825394"/>
+            <a:ext cx="849086" cy="184142"/>
+          </a:xfrm>
+          <a:prstGeom prst="wave">
+            <a:avLst/>
+          </a:prstGeom>
+        </p:spPr>
+        <p:style>
+          <a:lnRef idx="2">
+            <a:schemeClr val="accent1">
+              <a:shade val="50000"/>
+            </a:schemeClr>
+          </a:lnRef>
+          <a:fillRef idx="1">
+            <a:schemeClr val="accent1"/>
+          </a:fillRef>
+          <a:effectRef idx="0">
+            <a:schemeClr val="accent1"/>
+          </a:effectRef>
+          <a:fontRef idx="minor">
+            <a:schemeClr val="lt1"/>
+          </a:fontRef>
+        </p:style>
+        <p:txBody>
+          <a:bodyPr rtlCol="0" anchor="ctr"/>
+          <a:lstStyle/>
+          <a:p>
+            <a:pPr algn="ctr"/>
+            <a:endParaRPr lang="zh-CN" altLang="en-US"/>
+          </a:p>
+        </p:txBody>
+      </p:sp>
+      <p:sp>
+        <p:nvSpPr>
+          <p:cNvPr id="28" name="波形 27">
+            <a:extLst>
+              <a:ext uri="{FF2B5EF4-FFF2-40B4-BE49-F238E27FC236}">
+                <a16:creationId xmlns:a16="http://schemas.microsoft.com/office/drawing/2014/main" id="{FD6469EE-34F1-2386-64CF-D5539AA5F783}"/>
+              </a:ext>
+            </a:extLst>
+          </p:cNvPr>
+          <p:cNvSpPr/>
+          <p:nvPr/>
+        </p:nvSpPr>
+        <p:spPr>
+          <a:xfrm>
+            <a:off x="6421347" y="3051422"/>
+            <a:ext cx="849086" cy="184142"/>
+          </a:xfrm>
+          <a:prstGeom prst="wave">
+            <a:avLst/>
+          </a:prstGeom>
+        </p:spPr>
+        <p:style>
+          <a:lnRef idx="2">
+            <a:schemeClr val="accent1">
+              <a:shade val="50000"/>
+            </a:schemeClr>
+          </a:lnRef>
+          <a:fillRef idx="1">
+            <a:schemeClr val="accent1"/>
+          </a:fillRef>
+          <a:effectRef idx="0">
+            <a:schemeClr val="accent1"/>
+          </a:effectRef>
+          <a:fontRef idx="minor">
+            <a:schemeClr val="lt1"/>
+          </a:fontRef>
+        </p:style>
+        <p:txBody>
+          <a:bodyPr rtlCol="0" anchor="ctr"/>
+          <a:lstStyle/>
+          <a:p>
+            <a:pPr algn="ctr"/>
+            <a:endParaRPr lang="zh-CN" altLang="en-US"/>
+          </a:p>
+        </p:txBody>
+      </p:sp>
+      <p:sp>
+        <p:nvSpPr>
+          <p:cNvPr id="29" name="椭圆 28">
+            <a:extLst>
+              <a:ext uri="{FF2B5EF4-FFF2-40B4-BE49-F238E27FC236}">
+                <a16:creationId xmlns:a16="http://schemas.microsoft.com/office/drawing/2014/main" id="{3876BAD3-A6D9-E452-43F0-80BF855A026B}"/>
+              </a:ext>
+            </a:extLst>
+          </p:cNvPr>
+          <p:cNvSpPr/>
+          <p:nvPr/>
+        </p:nvSpPr>
+        <p:spPr>
+          <a:xfrm>
+            <a:off x="7460754" y="2575576"/>
+            <a:ext cx="1661603" cy="751537"/>
+          </a:xfrm>
+          <a:prstGeom prst="ellipse">
+            <a:avLst/>
+          </a:prstGeom>
+          <a:solidFill>
+            <a:schemeClr val="tx1"/>
+          </a:solidFill>
+        </p:spPr>
+        <p:style>
+          <a:lnRef idx="2">
+            <a:schemeClr val="accent1">
+              <a:shade val="50000"/>
+            </a:schemeClr>
+          </a:lnRef>
+          <a:fillRef idx="1">
+            <a:schemeClr val="accent1"/>
+          </a:fillRef>
+          <a:effectRef idx="0">
+            <a:schemeClr val="accent1"/>
+          </a:effectRef>
+          <a:fontRef idx="minor">
+            <a:schemeClr val="lt1"/>
+          </a:fontRef>
+        </p:style>
+        <p:txBody>
+          <a:bodyPr rtlCol="0" anchor="ctr"/>
+          <a:lstStyle/>
+          <a:p>
+            <a:pPr algn="ctr"/>
+            <a:r>
+              <a:rPr lang="en-US" altLang="zh-CN" dirty="0"/>
+              <a:t>App</a:t>
+            </a:r>
+            <a:endParaRPr lang="zh-CN" altLang="en-US" dirty="0"/>
+          </a:p>
+        </p:txBody>
+      </p:sp>
+      <p:sp>
+        <p:nvSpPr>
+          <p:cNvPr id="30" name="椭圆 29">
+            <a:extLst>
+              <a:ext uri="{FF2B5EF4-FFF2-40B4-BE49-F238E27FC236}">
+                <a16:creationId xmlns:a16="http://schemas.microsoft.com/office/drawing/2014/main" id="{616A20E3-C00A-BBC1-D970-B5C701808B2F}"/>
+              </a:ext>
+            </a:extLst>
+          </p:cNvPr>
+          <p:cNvSpPr/>
+          <p:nvPr/>
+        </p:nvSpPr>
+        <p:spPr>
+          <a:xfrm>
+            <a:off x="2239765" y="4515679"/>
+            <a:ext cx="1661603" cy="751537"/>
+          </a:xfrm>
+          <a:prstGeom prst="ellipse">
+            <a:avLst/>
+          </a:prstGeom>
+          <a:solidFill>
+            <a:srgbClr val="00B050"/>
+          </a:solidFill>
+        </p:spPr>
+        <p:style>
+          <a:lnRef idx="2">
+            <a:schemeClr val="accent1">
+              <a:shade val="50000"/>
+            </a:schemeClr>
+          </a:lnRef>
+          <a:fillRef idx="1">
+            <a:schemeClr val="accent1"/>
+          </a:fillRef>
+          <a:effectRef idx="0">
+            <a:schemeClr val="accent1"/>
+          </a:effectRef>
+          <a:fontRef idx="minor">
+            <a:schemeClr val="lt1"/>
+          </a:fontRef>
+        </p:style>
+        <p:txBody>
+          <a:bodyPr rtlCol="0" anchor="ctr"/>
+          <a:lstStyle/>
+          <a:p>
+            <a:pPr algn="ctr"/>
+            <a:r>
+              <a:rPr lang="en-US" altLang="zh-CN" dirty="0"/>
+              <a:t>Delta</a:t>
+            </a:r>
+            <a:endParaRPr lang="zh-CN" altLang="en-US" dirty="0"/>
+          </a:p>
+        </p:txBody>
+      </p:sp>
+      <p:sp>
+        <p:nvSpPr>
+          <p:cNvPr id="34" name="矩形 33">
+            <a:extLst>
+              <a:ext uri="{FF2B5EF4-FFF2-40B4-BE49-F238E27FC236}">
+                <a16:creationId xmlns:a16="http://schemas.microsoft.com/office/drawing/2014/main" id="{9D124D0D-80EC-99EE-1E71-82D0F4D25F32}"/>
+              </a:ext>
+            </a:extLst>
+          </p:cNvPr>
+          <p:cNvSpPr/>
+          <p:nvPr/>
+        </p:nvSpPr>
+        <p:spPr>
+          <a:xfrm>
+            <a:off x="5308602" y="4515788"/>
+            <a:ext cx="2168531" cy="751537"/>
+          </a:xfrm>
+          <a:prstGeom prst="rect">
+            <a:avLst/>
+          </a:prstGeom>
+        </p:spPr>
+        <p:style>
+          <a:lnRef idx="2">
+            <a:schemeClr val="accent1">
+              <a:shade val="50000"/>
+            </a:schemeClr>
+          </a:lnRef>
+          <a:fillRef idx="1">
+            <a:schemeClr val="accent1"/>
+          </a:fillRef>
+          <a:effectRef idx="0">
+            <a:schemeClr val="accent1"/>
+          </a:effectRef>
+          <a:fontRef idx="minor">
+            <a:schemeClr val="lt1"/>
+          </a:fontRef>
+        </p:style>
+        <p:txBody>
+          <a:bodyPr rtlCol="0" anchor="ctr"/>
+          <a:lstStyle/>
+          <a:p>
+            <a:pPr algn="ctr"/>
+            <a:r>
+              <a:rPr lang="en-US" altLang="zh-CN" dirty="0"/>
+              <a:t>Generator&lt;DSL&gt;</a:t>
+            </a:r>
+            <a:endParaRPr lang="zh-CN" altLang="en-US" dirty="0"/>
+          </a:p>
+        </p:txBody>
+      </p:sp>
+      <p:sp>
+        <p:nvSpPr>
+          <p:cNvPr id="35" name="箭头: 右 34">
+            <a:extLst>
+              <a:ext uri="{FF2B5EF4-FFF2-40B4-BE49-F238E27FC236}">
+                <a16:creationId xmlns:a16="http://schemas.microsoft.com/office/drawing/2014/main" id="{4AC889E5-7C6B-345C-EB0D-EA6A15EE3E41}"/>
+              </a:ext>
+            </a:extLst>
+          </p:cNvPr>
+          <p:cNvSpPr/>
+          <p:nvPr/>
+        </p:nvSpPr>
+        <p:spPr>
+          <a:xfrm>
+            <a:off x="4203532" y="4765565"/>
+            <a:ext cx="842481" cy="293960"/>
+          </a:xfrm>
+          <a:prstGeom prst="rightArrow">
+            <a:avLst>
+              <a:gd name="adj1" fmla="val 33704"/>
+              <a:gd name="adj2" fmla="val 50000"/>
+            </a:avLst>
+          </a:prstGeom>
+        </p:spPr>
+        <p:style>
+          <a:lnRef idx="2">
+            <a:schemeClr val="accent1">
+              <a:shade val="50000"/>
+            </a:schemeClr>
+          </a:lnRef>
+          <a:fillRef idx="1">
+            <a:schemeClr val="accent1"/>
+          </a:fillRef>
+          <a:effectRef idx="0">
+            <a:schemeClr val="accent1"/>
+          </a:effectRef>
+          <a:fontRef idx="minor">
+            <a:schemeClr val="lt1"/>
+          </a:fontRef>
+        </p:style>
+        <p:txBody>
+          <a:bodyPr rtlCol="0" anchor="ctr"/>
+          <a:lstStyle/>
+          <a:p>
+            <a:pPr algn="ctr"/>
+            <a:endParaRPr lang="zh-CN" altLang="en-US"/>
+          </a:p>
+        </p:txBody>
+      </p:sp>
+      <p:sp>
+        <p:nvSpPr>
+          <p:cNvPr id="33" name="加号 32">
+            <a:extLst>
+              <a:ext uri="{FF2B5EF4-FFF2-40B4-BE49-F238E27FC236}">
+                <a16:creationId xmlns:a16="http://schemas.microsoft.com/office/drawing/2014/main" id="{679FA90A-2AC3-68A9-EF59-E42519DE28E1}"/>
+              </a:ext>
+            </a:extLst>
+          </p:cNvPr>
+          <p:cNvSpPr/>
+          <p:nvPr/>
+        </p:nvSpPr>
+        <p:spPr>
+          <a:xfrm>
+            <a:off x="4058597" y="4536485"/>
+            <a:ext cx="977142" cy="751537"/>
+          </a:xfrm>
+          <a:prstGeom prst="mathPlus">
+            <a:avLst/>
+          </a:prstGeom>
+        </p:spPr>
+        <p:style>
+          <a:lnRef idx="2">
+            <a:schemeClr val="accent1">
+              <a:shade val="50000"/>
+            </a:schemeClr>
+          </a:lnRef>
+          <a:fillRef idx="1">
+            <a:schemeClr val="accent1"/>
+          </a:fillRef>
+          <a:effectRef idx="0">
+            <a:schemeClr val="accent1"/>
+          </a:effectRef>
+          <a:fontRef idx="minor">
+            <a:schemeClr val="lt1"/>
+          </a:fontRef>
+        </p:style>
+        <p:txBody>
+          <a:bodyPr rtlCol="0" anchor="ctr"/>
+          <a:lstStyle/>
+          <a:p>
+            <a:pPr algn="ctr"/>
+            <a:endParaRPr lang="zh-CN" altLang="en-US"/>
+          </a:p>
+        </p:txBody>
+      </p:sp>
+      <p:sp>
+        <p:nvSpPr>
+          <p:cNvPr id="37" name="矩形 36">
+            <a:extLst>
+              <a:ext uri="{FF2B5EF4-FFF2-40B4-BE49-F238E27FC236}">
+                <a16:creationId xmlns:a16="http://schemas.microsoft.com/office/drawing/2014/main" id="{0FFC943B-05AA-5C56-2937-2AC8C8200392}"/>
+              </a:ext>
+            </a:extLst>
+          </p:cNvPr>
+          <p:cNvSpPr/>
+          <p:nvPr/>
+        </p:nvSpPr>
+        <p:spPr>
+          <a:xfrm>
+            <a:off x="8001862" y="4940158"/>
+            <a:ext cx="772268" cy="119367"/>
+          </a:xfrm>
+          <a:prstGeom prst="rect">
+            <a:avLst/>
+          </a:prstGeom>
+        </p:spPr>
+        <p:style>
+          <a:lnRef idx="2">
+            <a:schemeClr val="accent1">
+              <a:shade val="50000"/>
+            </a:schemeClr>
+          </a:lnRef>
+          <a:fillRef idx="1">
+            <a:schemeClr val="accent1"/>
+          </a:fillRef>
+          <a:effectRef idx="0">
+            <a:schemeClr val="accent1"/>
+          </a:effectRef>
+          <a:fontRef idx="minor">
+            <a:schemeClr val="lt1"/>
+          </a:fontRef>
+        </p:style>
+        <p:txBody>
+          <a:bodyPr rtlCol="0" anchor="ctr"/>
+          <a:lstStyle/>
+          <a:p>
+            <a:pPr algn="ctr"/>
+            <a:endParaRPr lang="zh-CN" altLang="en-US"/>
+          </a:p>
+        </p:txBody>
+      </p:sp>
+      <p:sp>
+        <p:nvSpPr>
+          <p:cNvPr id="38" name="矩形 37">
+            <a:extLst>
+              <a:ext uri="{FF2B5EF4-FFF2-40B4-BE49-F238E27FC236}">
+                <a16:creationId xmlns:a16="http://schemas.microsoft.com/office/drawing/2014/main" id="{2503C6B9-8588-97A4-FA82-68BDEF9F1EF0}"/>
+              </a:ext>
+            </a:extLst>
+          </p:cNvPr>
+          <p:cNvSpPr/>
+          <p:nvPr/>
+        </p:nvSpPr>
+        <p:spPr>
+          <a:xfrm>
+            <a:off x="8000151" y="4743238"/>
+            <a:ext cx="773979" cy="119367"/>
+          </a:xfrm>
+          <a:prstGeom prst="rect">
+            <a:avLst/>
+          </a:prstGeom>
+        </p:spPr>
+        <p:style>
+          <a:lnRef idx="2">
+            <a:schemeClr val="accent1">
+              <a:shade val="50000"/>
+            </a:schemeClr>
+          </a:lnRef>
+          <a:fillRef idx="1">
+            <a:schemeClr val="accent1"/>
+          </a:fillRef>
+          <a:effectRef idx="0">
+            <a:schemeClr val="accent1"/>
+          </a:effectRef>
+          <a:fontRef idx="minor">
+            <a:schemeClr val="lt1"/>
+          </a:fontRef>
+        </p:style>
+        <p:txBody>
+          <a:bodyPr rtlCol="0" anchor="ctr"/>
+          <a:lstStyle/>
+          <a:p>
+            <a:pPr algn="ctr"/>
+            <a:endParaRPr lang="zh-CN" altLang="en-US"/>
+          </a:p>
+        </p:txBody>
+      </p:sp>
+      <p:sp>
+        <p:nvSpPr>
+          <p:cNvPr id="39" name="椭圆 38">
+            <a:extLst>
+              <a:ext uri="{FF2B5EF4-FFF2-40B4-BE49-F238E27FC236}">
+                <a16:creationId xmlns:a16="http://schemas.microsoft.com/office/drawing/2014/main" id="{4CC97309-4587-F45D-255D-14A6EC6D9BBB}"/>
+              </a:ext>
+            </a:extLst>
+          </p:cNvPr>
+          <p:cNvSpPr/>
+          <p:nvPr/>
+        </p:nvSpPr>
+        <p:spPr>
+          <a:xfrm>
+            <a:off x="9246749" y="4505404"/>
+            <a:ext cx="1661603" cy="751537"/>
+          </a:xfrm>
+          <a:prstGeom prst="ellipse">
+            <a:avLst/>
+          </a:prstGeom>
+          <a:solidFill>
+            <a:schemeClr val="tx1"/>
+          </a:solidFill>
+        </p:spPr>
+        <p:style>
+          <a:lnRef idx="2">
+            <a:schemeClr val="accent1">
+              <a:shade val="50000"/>
+            </a:schemeClr>
+          </a:lnRef>
+          <a:fillRef idx="1">
+            <a:schemeClr val="accent1"/>
+          </a:fillRef>
+          <a:effectRef idx="0">
+            <a:schemeClr val="accent1"/>
+          </a:effectRef>
+          <a:fontRef idx="minor">
+            <a:schemeClr val="lt1"/>
+          </a:fontRef>
+        </p:style>
+        <p:txBody>
+          <a:bodyPr rtlCol="0" anchor="ctr"/>
+          <a:lstStyle/>
+          <a:p>
+            <a:pPr algn="ctr"/>
+            <a:r>
+              <a:rPr lang="en-US" altLang="zh-CN" dirty="0"/>
+              <a:t>App</a:t>
+            </a:r>
+            <a:endParaRPr lang="zh-CN" altLang="en-US" dirty="0"/>
+          </a:p>
+        </p:txBody>
+      </p:sp>
+      <p:sp>
+        <p:nvSpPr>
+          <p:cNvPr id="6" name="文本框 5">
+            <a:extLst>
+              <a:ext uri="{FF2B5EF4-FFF2-40B4-BE49-F238E27FC236}">
+                <a16:creationId xmlns:a16="http://schemas.microsoft.com/office/drawing/2014/main" id="{886044FC-B065-DE39-E07E-69143E830ED5}"/>
               </a:ext>
             </a:extLst>
           </p:cNvPr>
@@ -9313,8 +10257,8 @@
         </p:nvSpPr>
         <p:spPr>
           <a:xfrm>
-            <a:off x="1298121" y="5608864"/>
-            <a:ext cx="9429750" cy="584775"/>
+            <a:off x="531957" y="275012"/>
+            <a:ext cx="1944115" cy="523220"/>
           </a:xfrm>
           <a:prstGeom prst="rect">
             <a:avLst/>
@@ -9328,29 +10272,16 @@
           <a:lstStyle/>
           <a:p>
             <a:r>
-              <a:rPr lang="en-US" altLang="zh-CN" sz="3200" b="1" dirty="0"/>
-              <a:t> App = Build&lt;</a:t>
-            </a:r>
-            <a:r>
-              <a:rPr lang="en-US" altLang="zh-CN" sz="3200" b="1" dirty="0" err="1"/>
-              <a:t>DockerFile</a:t>
-            </a:r>
-            <a:r>
-              <a:rPr lang="en-US" altLang="zh-CN" sz="3200" b="1" dirty="0"/>
-              <a:t>&gt; union-fs  </a:t>
-            </a:r>
-            <a:r>
-              <a:rPr lang="en-US" altLang="zh-CN" sz="3200" b="1" dirty="0" err="1"/>
-              <a:t>BaseImage</a:t>
-            </a:r>
-            <a:endParaRPr lang="zh-CN" altLang="en-US" sz="3200" b="1" dirty="0"/>
+              <a:rPr lang="zh-CN" altLang="en-US" sz="2800" b="1" dirty="0"/>
+              <a:t>可逆计算</a:t>
+            </a:r>
           </a:p>
         </p:txBody>
       </p:sp>
     </p:spTree>
     <p:extLst>
       <p:ext uri="{BB962C8B-B14F-4D97-AF65-F5344CB8AC3E}">
-        <p14:creationId xmlns:p14="http://schemas.microsoft.com/office/powerpoint/2010/main" val="2243421205"/>
+        <p14:creationId xmlns:p14="http://schemas.microsoft.com/office/powerpoint/2010/main" val="2796935556"/>
       </p:ext>
     </p:extLst>
   </p:cSld>
@@ -9379,697 +10310,78 @@
       </p:grpSpPr>
       <p:sp>
         <p:nvSpPr>
-          <p:cNvPr id="2" name="椭圆 1">
-            <a:extLst>
-              <a:ext uri="{FF2B5EF4-FFF2-40B4-BE49-F238E27FC236}">
-                <a16:creationId xmlns:a16="http://schemas.microsoft.com/office/drawing/2014/main" id="{9C8D1B08-AABE-CB26-E0DF-B972FCD61D53}"/>
-              </a:ext>
-            </a:extLst>
-          </p:cNvPr>
-          <p:cNvSpPr/>
+          <p:cNvPr id="2" name="标题 1">
+            <a:extLst>
+              <a:ext uri="{FF2B5EF4-FFF2-40B4-BE49-F238E27FC236}">
+                <a16:creationId xmlns:a16="http://schemas.microsoft.com/office/drawing/2014/main" id="{7B078A78-F1A6-B200-A327-496477BABCB1}"/>
+              </a:ext>
+            </a:extLst>
+          </p:cNvPr>
+          <p:cNvSpPr>
+            <a:spLocks noGrp="1"/>
+          </p:cNvSpPr>
+          <p:nvPr>
+            <p:ph type="title"/>
+          </p:nvPr>
+        </p:nvSpPr>
+        <p:spPr/>
+        <p:txBody>
+          <a:bodyPr/>
+          <a:lstStyle/>
+          <a:p>
+            <a:r>
+              <a:rPr lang="en-US" altLang="zh-CN" b="1" dirty="0"/>
+              <a:t>Docker</a:t>
+            </a:r>
+            <a:r>
+              <a:rPr lang="zh-CN" altLang="en-US" b="1" dirty="0"/>
+              <a:t>作为可逆计算的实例</a:t>
+            </a:r>
+          </a:p>
+        </p:txBody>
+      </p:sp>
+      <p:pic>
+        <p:nvPicPr>
+          <p:cNvPr id="7" name="图片 6">
+            <a:extLst>
+              <a:ext uri="{FF2B5EF4-FFF2-40B4-BE49-F238E27FC236}">
+                <a16:creationId xmlns:a16="http://schemas.microsoft.com/office/drawing/2014/main" id="{A9FAD954-709D-F5D5-9100-CC20B6B65DD1}"/>
+              </a:ext>
+            </a:extLst>
+          </p:cNvPr>
+          <p:cNvPicPr>
+            <a:picLocks noChangeAspect="1"/>
+          </p:cNvPicPr>
           <p:nvPr/>
-        </p:nvSpPr>
+        </p:nvPicPr>
+        <p:blipFill>
+          <a:blip r:embed="rId2">
+            <a:extLst>
+              <a:ext uri="{28A0092B-C50C-407E-A947-70E740481C1C}">
+                <a14:useLocalDpi xmlns:a14="http://schemas.microsoft.com/office/drawing/2010/main" val="0"/>
+              </a:ext>
+            </a:extLst>
+          </a:blip>
+          <a:stretch>
+            <a:fillRect/>
+          </a:stretch>
+        </p:blipFill>
         <p:spPr>
           <a:xfrm>
-            <a:off x="4388779" y="969073"/>
-            <a:ext cx="1661602" cy="751537"/>
-          </a:xfrm>
-          <a:prstGeom prst="ellipse">
-            <a:avLst/>
-          </a:prstGeom>
-        </p:spPr>
-        <p:style>
-          <a:lnRef idx="2">
-            <a:schemeClr val="accent1">
-              <a:shade val="50000"/>
-            </a:schemeClr>
-          </a:lnRef>
-          <a:fillRef idx="1">
-            <a:schemeClr val="accent1"/>
-          </a:fillRef>
-          <a:effectRef idx="0">
-            <a:schemeClr val="accent1"/>
-          </a:effectRef>
-          <a:fontRef idx="minor">
-            <a:schemeClr val="lt1"/>
-          </a:fontRef>
-        </p:style>
-        <p:txBody>
-          <a:bodyPr rtlCol="0" anchor="ctr"/>
-          <a:lstStyle/>
-          <a:p>
-            <a:pPr algn="ctr"/>
-            <a:r>
-              <a:rPr lang="en-US" altLang="zh-CN" dirty="0"/>
-              <a:t>DSL</a:t>
-            </a:r>
-            <a:endParaRPr lang="zh-CN" altLang="en-US" dirty="0"/>
-          </a:p>
-        </p:txBody>
-      </p:sp>
-      <p:sp>
-        <p:nvSpPr>
-          <p:cNvPr id="3" name="椭圆 2">
-            <a:extLst>
-              <a:ext uri="{FF2B5EF4-FFF2-40B4-BE49-F238E27FC236}">
-                <a16:creationId xmlns:a16="http://schemas.microsoft.com/office/drawing/2014/main" id="{196463FB-5DD0-02E5-1BD9-45C2957449D1}"/>
-              </a:ext>
-            </a:extLst>
-          </p:cNvPr>
-          <p:cNvSpPr/>
-          <p:nvPr/>
-        </p:nvSpPr>
-        <p:spPr>
-          <a:xfrm>
-            <a:off x="7411094" y="974521"/>
-            <a:ext cx="1661603" cy="751537"/>
-          </a:xfrm>
-          <a:prstGeom prst="ellipse">
-            <a:avLst/>
-          </a:prstGeom>
-          <a:solidFill>
-            <a:schemeClr val="tx1"/>
-          </a:solidFill>
-        </p:spPr>
-        <p:style>
-          <a:lnRef idx="2">
-            <a:schemeClr val="accent1">
-              <a:shade val="50000"/>
-            </a:schemeClr>
-          </a:lnRef>
-          <a:fillRef idx="1">
-            <a:schemeClr val="accent1"/>
-          </a:fillRef>
-          <a:effectRef idx="0">
-            <a:schemeClr val="accent1"/>
-          </a:effectRef>
-          <a:fontRef idx="minor">
-            <a:schemeClr val="lt1"/>
-          </a:fontRef>
-        </p:style>
-        <p:txBody>
-          <a:bodyPr rtlCol="0" anchor="ctr"/>
-          <a:lstStyle/>
-          <a:p>
-            <a:pPr algn="ctr"/>
-            <a:r>
-              <a:rPr lang="en-US" altLang="zh-CN" dirty="0"/>
-              <a:t>App</a:t>
-            </a:r>
-            <a:endParaRPr lang="zh-CN" altLang="en-US" dirty="0"/>
-          </a:p>
-        </p:txBody>
-      </p:sp>
-      <p:sp>
-        <p:nvSpPr>
-          <p:cNvPr id="5" name="箭头: 右 4">
-            <a:extLst>
-              <a:ext uri="{FF2B5EF4-FFF2-40B4-BE49-F238E27FC236}">
-                <a16:creationId xmlns:a16="http://schemas.microsoft.com/office/drawing/2014/main" id="{6F3292F0-E1F7-D047-2003-B400FD1A1F57}"/>
-              </a:ext>
-            </a:extLst>
-          </p:cNvPr>
-          <p:cNvSpPr/>
-          <p:nvPr/>
-        </p:nvSpPr>
-        <p:spPr>
-          <a:xfrm>
-            <a:off x="6376951" y="1246661"/>
-            <a:ext cx="849086" cy="122464"/>
-          </a:xfrm>
-          <a:prstGeom prst="rightArrow">
-            <a:avLst/>
-          </a:prstGeom>
-        </p:spPr>
-        <p:style>
-          <a:lnRef idx="2">
-            <a:schemeClr val="accent1">
-              <a:shade val="50000"/>
-            </a:schemeClr>
-          </a:lnRef>
-          <a:fillRef idx="1">
-            <a:schemeClr val="accent1"/>
-          </a:fillRef>
-          <a:effectRef idx="0">
-            <a:schemeClr val="accent1"/>
-          </a:effectRef>
-          <a:fontRef idx="minor">
-            <a:schemeClr val="lt1"/>
-          </a:fontRef>
-        </p:style>
-        <p:txBody>
-          <a:bodyPr rtlCol="0" anchor="ctr"/>
-          <a:lstStyle/>
-          <a:p>
-            <a:pPr algn="ctr"/>
-            <a:endParaRPr lang="zh-CN" altLang="en-US"/>
-          </a:p>
-        </p:txBody>
-      </p:sp>
-      <p:sp>
-        <p:nvSpPr>
-          <p:cNvPr id="26" name="矩形 25">
-            <a:extLst>
-              <a:ext uri="{FF2B5EF4-FFF2-40B4-BE49-F238E27FC236}">
-                <a16:creationId xmlns:a16="http://schemas.microsoft.com/office/drawing/2014/main" id="{7CE1272F-FB37-D915-AAE0-14957294C46B}"/>
-              </a:ext>
-            </a:extLst>
-          </p:cNvPr>
-          <p:cNvSpPr/>
-          <p:nvPr/>
-        </p:nvSpPr>
-        <p:spPr>
-          <a:xfrm>
-            <a:off x="3953768" y="2636917"/>
-            <a:ext cx="2168531" cy="751537"/>
+            <a:off x="2963634" y="1545091"/>
+            <a:ext cx="4849586" cy="3637190"/>
           </a:xfrm>
           <a:prstGeom prst="rect">
             <a:avLst/>
           </a:prstGeom>
         </p:spPr>
-        <p:style>
-          <a:lnRef idx="2">
-            <a:schemeClr val="accent1">
-              <a:shade val="50000"/>
-            </a:schemeClr>
-          </a:lnRef>
-          <a:fillRef idx="1">
-            <a:schemeClr val="accent1"/>
-          </a:fillRef>
-          <a:effectRef idx="0">
-            <a:schemeClr val="accent1"/>
-          </a:effectRef>
-          <a:fontRef idx="minor">
-            <a:schemeClr val="lt1"/>
-          </a:fontRef>
-        </p:style>
-        <p:txBody>
-          <a:bodyPr rtlCol="0" anchor="ctr"/>
-          <a:lstStyle/>
-          <a:p>
-            <a:pPr algn="ctr"/>
-            <a:r>
-              <a:rPr lang="en-US" altLang="zh-CN" dirty="0"/>
-              <a:t>Generator&lt;DSL&gt;</a:t>
-            </a:r>
-            <a:endParaRPr lang="zh-CN" altLang="en-US" dirty="0"/>
-          </a:p>
-        </p:txBody>
-      </p:sp>
-      <p:sp>
-        <p:nvSpPr>
-          <p:cNvPr id="27" name="波形 26">
-            <a:extLst>
-              <a:ext uri="{FF2B5EF4-FFF2-40B4-BE49-F238E27FC236}">
-                <a16:creationId xmlns:a16="http://schemas.microsoft.com/office/drawing/2014/main" id="{54F89A0A-395C-1284-2BEF-441CAB1693D9}"/>
-              </a:ext>
-            </a:extLst>
-          </p:cNvPr>
-          <p:cNvSpPr/>
-          <p:nvPr/>
-        </p:nvSpPr>
-        <p:spPr>
-          <a:xfrm>
-            <a:off x="6421347" y="2825394"/>
-            <a:ext cx="849086" cy="184142"/>
-          </a:xfrm>
-          <a:prstGeom prst="wave">
-            <a:avLst/>
-          </a:prstGeom>
-        </p:spPr>
-        <p:style>
-          <a:lnRef idx="2">
-            <a:schemeClr val="accent1">
-              <a:shade val="50000"/>
-            </a:schemeClr>
-          </a:lnRef>
-          <a:fillRef idx="1">
-            <a:schemeClr val="accent1"/>
-          </a:fillRef>
-          <a:effectRef idx="0">
-            <a:schemeClr val="accent1"/>
-          </a:effectRef>
-          <a:fontRef idx="minor">
-            <a:schemeClr val="lt1"/>
-          </a:fontRef>
-        </p:style>
-        <p:txBody>
-          <a:bodyPr rtlCol="0" anchor="ctr"/>
-          <a:lstStyle/>
-          <a:p>
-            <a:pPr algn="ctr"/>
-            <a:endParaRPr lang="zh-CN" altLang="en-US"/>
-          </a:p>
-        </p:txBody>
-      </p:sp>
-      <p:sp>
-        <p:nvSpPr>
-          <p:cNvPr id="28" name="波形 27">
-            <a:extLst>
-              <a:ext uri="{FF2B5EF4-FFF2-40B4-BE49-F238E27FC236}">
-                <a16:creationId xmlns:a16="http://schemas.microsoft.com/office/drawing/2014/main" id="{FD6469EE-34F1-2386-64CF-D5539AA5F783}"/>
-              </a:ext>
-            </a:extLst>
-          </p:cNvPr>
-          <p:cNvSpPr/>
-          <p:nvPr/>
-        </p:nvSpPr>
-        <p:spPr>
-          <a:xfrm>
-            <a:off x="6421347" y="3051422"/>
-            <a:ext cx="849086" cy="184142"/>
-          </a:xfrm>
-          <a:prstGeom prst="wave">
-            <a:avLst/>
-          </a:prstGeom>
-        </p:spPr>
-        <p:style>
-          <a:lnRef idx="2">
-            <a:schemeClr val="accent1">
-              <a:shade val="50000"/>
-            </a:schemeClr>
-          </a:lnRef>
-          <a:fillRef idx="1">
-            <a:schemeClr val="accent1"/>
-          </a:fillRef>
-          <a:effectRef idx="0">
-            <a:schemeClr val="accent1"/>
-          </a:effectRef>
-          <a:fontRef idx="minor">
-            <a:schemeClr val="lt1"/>
-          </a:fontRef>
-        </p:style>
-        <p:txBody>
-          <a:bodyPr rtlCol="0" anchor="ctr"/>
-          <a:lstStyle/>
-          <a:p>
-            <a:pPr algn="ctr"/>
-            <a:endParaRPr lang="zh-CN" altLang="en-US"/>
-          </a:p>
-        </p:txBody>
-      </p:sp>
-      <p:sp>
-        <p:nvSpPr>
-          <p:cNvPr id="29" name="椭圆 28">
-            <a:extLst>
-              <a:ext uri="{FF2B5EF4-FFF2-40B4-BE49-F238E27FC236}">
-                <a16:creationId xmlns:a16="http://schemas.microsoft.com/office/drawing/2014/main" id="{3876BAD3-A6D9-E452-43F0-80BF855A026B}"/>
-              </a:ext>
-            </a:extLst>
-          </p:cNvPr>
-          <p:cNvSpPr/>
-          <p:nvPr/>
-        </p:nvSpPr>
-        <p:spPr>
-          <a:xfrm>
-            <a:off x="7460754" y="2575576"/>
-            <a:ext cx="1661603" cy="751537"/>
-          </a:xfrm>
-          <a:prstGeom prst="ellipse">
-            <a:avLst/>
-          </a:prstGeom>
-          <a:solidFill>
-            <a:schemeClr val="tx1"/>
-          </a:solidFill>
-        </p:spPr>
-        <p:style>
-          <a:lnRef idx="2">
-            <a:schemeClr val="accent1">
-              <a:shade val="50000"/>
-            </a:schemeClr>
-          </a:lnRef>
-          <a:fillRef idx="1">
-            <a:schemeClr val="accent1"/>
-          </a:fillRef>
-          <a:effectRef idx="0">
-            <a:schemeClr val="accent1"/>
-          </a:effectRef>
-          <a:fontRef idx="minor">
-            <a:schemeClr val="lt1"/>
-          </a:fontRef>
-        </p:style>
-        <p:txBody>
-          <a:bodyPr rtlCol="0" anchor="ctr"/>
-          <a:lstStyle/>
-          <a:p>
-            <a:pPr algn="ctr"/>
-            <a:r>
-              <a:rPr lang="en-US" altLang="zh-CN" dirty="0"/>
-              <a:t>App</a:t>
-            </a:r>
-            <a:endParaRPr lang="zh-CN" altLang="en-US" dirty="0"/>
-          </a:p>
-        </p:txBody>
-      </p:sp>
-      <p:sp>
-        <p:nvSpPr>
-          <p:cNvPr id="30" name="椭圆 29">
-            <a:extLst>
-              <a:ext uri="{FF2B5EF4-FFF2-40B4-BE49-F238E27FC236}">
-                <a16:creationId xmlns:a16="http://schemas.microsoft.com/office/drawing/2014/main" id="{616A20E3-C00A-BBC1-D970-B5C701808B2F}"/>
-              </a:ext>
-            </a:extLst>
-          </p:cNvPr>
-          <p:cNvSpPr/>
-          <p:nvPr/>
-        </p:nvSpPr>
-        <p:spPr>
-          <a:xfrm>
-            <a:off x="2239765" y="4515679"/>
-            <a:ext cx="1661603" cy="751537"/>
-          </a:xfrm>
-          <a:prstGeom prst="ellipse">
-            <a:avLst/>
-          </a:prstGeom>
-          <a:solidFill>
-            <a:srgbClr val="00B050"/>
-          </a:solidFill>
-        </p:spPr>
-        <p:style>
-          <a:lnRef idx="2">
-            <a:schemeClr val="accent1">
-              <a:shade val="50000"/>
-            </a:schemeClr>
-          </a:lnRef>
-          <a:fillRef idx="1">
-            <a:schemeClr val="accent1"/>
-          </a:fillRef>
-          <a:effectRef idx="0">
-            <a:schemeClr val="accent1"/>
-          </a:effectRef>
-          <a:fontRef idx="minor">
-            <a:schemeClr val="lt1"/>
-          </a:fontRef>
-        </p:style>
-        <p:txBody>
-          <a:bodyPr rtlCol="0" anchor="ctr"/>
-          <a:lstStyle/>
-          <a:p>
-            <a:pPr algn="ctr"/>
-            <a:r>
-              <a:rPr lang="en-US" altLang="zh-CN" dirty="0"/>
-              <a:t>Delta</a:t>
-            </a:r>
-            <a:endParaRPr lang="zh-CN" altLang="en-US" dirty="0"/>
-          </a:p>
-        </p:txBody>
-      </p:sp>
-      <p:sp>
-        <p:nvSpPr>
-          <p:cNvPr id="34" name="矩形 33">
-            <a:extLst>
-              <a:ext uri="{FF2B5EF4-FFF2-40B4-BE49-F238E27FC236}">
-                <a16:creationId xmlns:a16="http://schemas.microsoft.com/office/drawing/2014/main" id="{9D124D0D-80EC-99EE-1E71-82D0F4D25F32}"/>
-              </a:ext>
-            </a:extLst>
-          </p:cNvPr>
-          <p:cNvSpPr/>
-          <p:nvPr/>
-        </p:nvSpPr>
-        <p:spPr>
-          <a:xfrm>
-            <a:off x="5308602" y="4515788"/>
-            <a:ext cx="2168531" cy="751537"/>
-          </a:xfrm>
-          <a:prstGeom prst="rect">
-            <a:avLst/>
-          </a:prstGeom>
-        </p:spPr>
-        <p:style>
-          <a:lnRef idx="2">
-            <a:schemeClr val="accent1">
-              <a:shade val="50000"/>
-            </a:schemeClr>
-          </a:lnRef>
-          <a:fillRef idx="1">
-            <a:schemeClr val="accent1"/>
-          </a:fillRef>
-          <a:effectRef idx="0">
-            <a:schemeClr val="accent1"/>
-          </a:effectRef>
-          <a:fontRef idx="minor">
-            <a:schemeClr val="lt1"/>
-          </a:fontRef>
-        </p:style>
-        <p:txBody>
-          <a:bodyPr rtlCol="0" anchor="ctr"/>
-          <a:lstStyle/>
-          <a:p>
-            <a:pPr algn="ctr"/>
-            <a:r>
-              <a:rPr lang="en-US" altLang="zh-CN" dirty="0"/>
-              <a:t>Generator&lt;DSL&gt;</a:t>
-            </a:r>
-            <a:endParaRPr lang="zh-CN" altLang="en-US" dirty="0"/>
-          </a:p>
-        </p:txBody>
-      </p:sp>
-      <p:sp>
-        <p:nvSpPr>
-          <p:cNvPr id="35" name="箭头: 右 34">
-            <a:extLst>
-              <a:ext uri="{FF2B5EF4-FFF2-40B4-BE49-F238E27FC236}">
-                <a16:creationId xmlns:a16="http://schemas.microsoft.com/office/drawing/2014/main" id="{4AC889E5-7C6B-345C-EB0D-EA6A15EE3E41}"/>
-              </a:ext>
-            </a:extLst>
-          </p:cNvPr>
-          <p:cNvSpPr/>
-          <p:nvPr/>
-        </p:nvSpPr>
-        <p:spPr>
-          <a:xfrm>
-            <a:off x="4203532" y="4765565"/>
-            <a:ext cx="842481" cy="293960"/>
-          </a:xfrm>
-          <a:prstGeom prst="rightArrow">
-            <a:avLst>
-              <a:gd name="adj1" fmla="val 33704"/>
-              <a:gd name="adj2" fmla="val 50000"/>
-            </a:avLst>
-          </a:prstGeom>
-        </p:spPr>
-        <p:style>
-          <a:lnRef idx="2">
-            <a:schemeClr val="accent1">
-              <a:shade val="50000"/>
-            </a:schemeClr>
-          </a:lnRef>
-          <a:fillRef idx="1">
-            <a:schemeClr val="accent1"/>
-          </a:fillRef>
-          <a:effectRef idx="0">
-            <a:schemeClr val="accent1"/>
-          </a:effectRef>
-          <a:fontRef idx="minor">
-            <a:schemeClr val="lt1"/>
-          </a:fontRef>
-        </p:style>
-        <p:txBody>
-          <a:bodyPr rtlCol="0" anchor="ctr"/>
-          <a:lstStyle/>
-          <a:p>
-            <a:pPr algn="ctr"/>
-            <a:endParaRPr lang="zh-CN" altLang="en-US"/>
-          </a:p>
-        </p:txBody>
-      </p:sp>
-      <p:sp>
-        <p:nvSpPr>
-          <p:cNvPr id="33" name="加号 32">
-            <a:extLst>
-              <a:ext uri="{FF2B5EF4-FFF2-40B4-BE49-F238E27FC236}">
-                <a16:creationId xmlns:a16="http://schemas.microsoft.com/office/drawing/2014/main" id="{679FA90A-2AC3-68A9-EF59-E42519DE28E1}"/>
-              </a:ext>
-            </a:extLst>
-          </p:cNvPr>
-          <p:cNvSpPr/>
-          <p:nvPr/>
-        </p:nvSpPr>
-        <p:spPr>
-          <a:xfrm>
-            <a:off x="4058597" y="4536485"/>
-            <a:ext cx="977142" cy="751537"/>
-          </a:xfrm>
-          <a:prstGeom prst="mathPlus">
-            <a:avLst/>
-          </a:prstGeom>
-        </p:spPr>
-        <p:style>
-          <a:lnRef idx="2">
-            <a:schemeClr val="accent1">
-              <a:shade val="50000"/>
-            </a:schemeClr>
-          </a:lnRef>
-          <a:fillRef idx="1">
-            <a:schemeClr val="accent1"/>
-          </a:fillRef>
-          <a:effectRef idx="0">
-            <a:schemeClr val="accent1"/>
-          </a:effectRef>
-          <a:fontRef idx="minor">
-            <a:schemeClr val="lt1"/>
-          </a:fontRef>
-        </p:style>
-        <p:txBody>
-          <a:bodyPr rtlCol="0" anchor="ctr"/>
-          <a:lstStyle/>
-          <a:p>
-            <a:pPr algn="ctr"/>
-            <a:endParaRPr lang="zh-CN" altLang="en-US"/>
-          </a:p>
-        </p:txBody>
-      </p:sp>
-      <p:sp>
-        <p:nvSpPr>
-          <p:cNvPr id="37" name="矩形 36">
-            <a:extLst>
-              <a:ext uri="{FF2B5EF4-FFF2-40B4-BE49-F238E27FC236}">
-                <a16:creationId xmlns:a16="http://schemas.microsoft.com/office/drawing/2014/main" id="{0FFC943B-05AA-5C56-2937-2AC8C8200392}"/>
-              </a:ext>
-            </a:extLst>
-          </p:cNvPr>
-          <p:cNvSpPr/>
-          <p:nvPr/>
-        </p:nvSpPr>
-        <p:spPr>
-          <a:xfrm>
-            <a:off x="8001862" y="4940158"/>
-            <a:ext cx="772268" cy="119367"/>
-          </a:xfrm>
-          <a:prstGeom prst="rect">
-            <a:avLst/>
-          </a:prstGeom>
-        </p:spPr>
-        <p:style>
-          <a:lnRef idx="2">
-            <a:schemeClr val="accent1">
-              <a:shade val="50000"/>
-            </a:schemeClr>
-          </a:lnRef>
-          <a:fillRef idx="1">
-            <a:schemeClr val="accent1"/>
-          </a:fillRef>
-          <a:effectRef idx="0">
-            <a:schemeClr val="accent1"/>
-          </a:effectRef>
-          <a:fontRef idx="minor">
-            <a:schemeClr val="lt1"/>
-          </a:fontRef>
-        </p:style>
-        <p:txBody>
-          <a:bodyPr rtlCol="0" anchor="ctr"/>
-          <a:lstStyle/>
-          <a:p>
-            <a:pPr algn="ctr"/>
-            <a:endParaRPr lang="zh-CN" altLang="en-US"/>
-          </a:p>
-        </p:txBody>
-      </p:sp>
-      <p:sp>
-        <p:nvSpPr>
-          <p:cNvPr id="38" name="矩形 37">
-            <a:extLst>
-              <a:ext uri="{FF2B5EF4-FFF2-40B4-BE49-F238E27FC236}">
-                <a16:creationId xmlns:a16="http://schemas.microsoft.com/office/drawing/2014/main" id="{2503C6B9-8588-97A4-FA82-68BDEF9F1EF0}"/>
-              </a:ext>
-            </a:extLst>
-          </p:cNvPr>
-          <p:cNvSpPr/>
-          <p:nvPr/>
-        </p:nvSpPr>
-        <p:spPr>
-          <a:xfrm>
-            <a:off x="8000151" y="4743238"/>
-            <a:ext cx="773979" cy="119367"/>
-          </a:xfrm>
-          <a:prstGeom prst="rect">
-            <a:avLst/>
-          </a:prstGeom>
-        </p:spPr>
-        <p:style>
-          <a:lnRef idx="2">
-            <a:schemeClr val="accent1">
-              <a:shade val="50000"/>
-            </a:schemeClr>
-          </a:lnRef>
-          <a:fillRef idx="1">
-            <a:schemeClr val="accent1"/>
-          </a:fillRef>
-          <a:effectRef idx="0">
-            <a:schemeClr val="accent1"/>
-          </a:effectRef>
-          <a:fontRef idx="minor">
-            <a:schemeClr val="lt1"/>
-          </a:fontRef>
-        </p:style>
-        <p:txBody>
-          <a:bodyPr rtlCol="0" anchor="ctr"/>
-          <a:lstStyle/>
-          <a:p>
-            <a:pPr algn="ctr"/>
-            <a:endParaRPr lang="zh-CN" altLang="en-US"/>
-          </a:p>
-        </p:txBody>
-      </p:sp>
-      <p:sp>
-        <p:nvSpPr>
-          <p:cNvPr id="39" name="椭圆 38">
-            <a:extLst>
-              <a:ext uri="{FF2B5EF4-FFF2-40B4-BE49-F238E27FC236}">
-                <a16:creationId xmlns:a16="http://schemas.microsoft.com/office/drawing/2014/main" id="{4CC97309-4587-F45D-255D-14A6EC6D9BBB}"/>
-              </a:ext>
-            </a:extLst>
-          </p:cNvPr>
-          <p:cNvSpPr/>
-          <p:nvPr/>
-        </p:nvSpPr>
-        <p:spPr>
-          <a:xfrm>
-            <a:off x="9246749" y="4505404"/>
-            <a:ext cx="1661603" cy="751537"/>
-          </a:xfrm>
-          <a:prstGeom prst="ellipse">
-            <a:avLst/>
-          </a:prstGeom>
-          <a:solidFill>
-            <a:schemeClr val="tx1"/>
-          </a:solidFill>
-        </p:spPr>
-        <p:style>
-          <a:lnRef idx="2">
-            <a:schemeClr val="accent1">
-              <a:shade val="50000"/>
-            </a:schemeClr>
-          </a:lnRef>
-          <a:fillRef idx="1">
-            <a:schemeClr val="accent1"/>
-          </a:fillRef>
-          <a:effectRef idx="0">
-            <a:schemeClr val="accent1"/>
-          </a:effectRef>
-          <a:fontRef idx="minor">
-            <a:schemeClr val="lt1"/>
-          </a:fontRef>
-        </p:style>
-        <p:txBody>
-          <a:bodyPr rtlCol="0" anchor="ctr"/>
-          <a:lstStyle/>
-          <a:p>
-            <a:pPr algn="ctr"/>
-            <a:r>
-              <a:rPr lang="en-US" altLang="zh-CN" dirty="0"/>
-              <a:t>App</a:t>
-            </a:r>
-            <a:endParaRPr lang="zh-CN" altLang="en-US" dirty="0"/>
-          </a:p>
-        </p:txBody>
-      </p:sp>
-      <p:sp>
-        <p:nvSpPr>
-          <p:cNvPr id="6" name="文本框 5">
-            <a:extLst>
-              <a:ext uri="{FF2B5EF4-FFF2-40B4-BE49-F238E27FC236}">
-                <a16:creationId xmlns:a16="http://schemas.microsoft.com/office/drawing/2014/main" id="{886044FC-B065-DE39-E07E-69143E830ED5}"/>
+      </p:pic>
+      <p:sp>
+        <p:nvSpPr>
+          <p:cNvPr id="8" name="文本框 7">
+            <a:extLst>
+              <a:ext uri="{FF2B5EF4-FFF2-40B4-BE49-F238E27FC236}">
+                <a16:creationId xmlns:a16="http://schemas.microsoft.com/office/drawing/2014/main" id="{00DF1367-32D6-49B4-E298-E4BAF2B93B88}"/>
               </a:ext>
             </a:extLst>
           </p:cNvPr>
@@ -10078,8 +10390,8 @@
         </p:nvSpPr>
         <p:spPr>
           <a:xfrm>
-            <a:off x="531957" y="275012"/>
-            <a:ext cx="1944115" cy="523220"/>
+            <a:off x="1298121" y="5608864"/>
+            <a:ext cx="9429750" cy="584775"/>
           </a:xfrm>
           <a:prstGeom prst="rect">
             <a:avLst/>
@@ -10093,16 +10405,29 @@
           <a:lstStyle/>
           <a:p>
             <a:r>
-              <a:rPr lang="zh-CN" altLang="en-US" sz="2800" b="1" dirty="0"/>
-              <a:t>可逆计算</a:t>
-            </a:r>
+              <a:rPr lang="en-US" altLang="zh-CN" sz="3200" b="1" dirty="0"/>
+              <a:t> App = Build&lt;</a:t>
+            </a:r>
+            <a:r>
+              <a:rPr lang="en-US" altLang="zh-CN" sz="3200" b="1" dirty="0" err="1"/>
+              <a:t>DockerFile</a:t>
+            </a:r>
+            <a:r>
+              <a:rPr lang="en-US" altLang="zh-CN" sz="3200" b="1" dirty="0"/>
+              <a:t>&gt; union-fs  </a:t>
+            </a:r>
+            <a:r>
+              <a:rPr lang="en-US" altLang="zh-CN" sz="3200" b="1" dirty="0" err="1"/>
+              <a:t>BaseImage</a:t>
+            </a:r>
+            <a:endParaRPr lang="zh-CN" altLang="en-US" sz="3200" b="1" dirty="0"/>
           </a:p>
         </p:txBody>
       </p:sp>
     </p:spTree>
     <p:extLst>
       <p:ext uri="{BB962C8B-B14F-4D97-AF65-F5344CB8AC3E}">
-        <p14:creationId xmlns:p14="http://schemas.microsoft.com/office/powerpoint/2010/main" val="2796935556"/>
+        <p14:creationId xmlns:p14="http://schemas.microsoft.com/office/powerpoint/2010/main" val="2243421205"/>
       </p:ext>
     </p:extLst>
   </p:cSld>

--- a/docs/ppt/nop-platform.pptx
+++ b/docs/ppt/nop-platform.pptx
@@ -16,12 +16,13 @@
     <p:sldId id="260" r:id="rId10"/>
     <p:sldId id="293" r:id="rId11"/>
     <p:sldId id="292" r:id="rId12"/>
-    <p:sldId id="263" r:id="rId13"/>
-    <p:sldId id="269" r:id="rId14"/>
-    <p:sldId id="282" r:id="rId15"/>
-    <p:sldId id="291" r:id="rId16"/>
-    <p:sldId id="285" r:id="rId17"/>
-    <p:sldId id="287" r:id="rId18"/>
+    <p:sldId id="294" r:id="rId13"/>
+    <p:sldId id="263" r:id="rId14"/>
+    <p:sldId id="269" r:id="rId15"/>
+    <p:sldId id="282" r:id="rId16"/>
+    <p:sldId id="291" r:id="rId17"/>
+    <p:sldId id="285" r:id="rId18"/>
+    <p:sldId id="287" r:id="rId19"/>
   </p:sldIdLst>
   <p:sldSz cx="12192000" cy="6858000"/>
   <p:notesSz cx="6858000" cy="9144000"/>
@@ -287,7 +288,7 @@
           <a:p>
             <a:fld id="{781BEADB-AF5A-4392-865E-B1E711821C65}" type="datetimeFigureOut">
               <a:rPr lang="zh-CN" altLang="en-US" smtClean="0"/>
-              <a:t>2023/7/30</a:t>
+              <a:t>2023/8/14</a:t>
             </a:fld>
             <a:endParaRPr lang="zh-CN" altLang="en-US"/>
           </a:p>
@@ -485,7 +486,7 @@
           <a:p>
             <a:fld id="{781BEADB-AF5A-4392-865E-B1E711821C65}" type="datetimeFigureOut">
               <a:rPr lang="zh-CN" altLang="en-US" smtClean="0"/>
-              <a:t>2023/7/30</a:t>
+              <a:t>2023/8/14</a:t>
             </a:fld>
             <a:endParaRPr lang="zh-CN" altLang="en-US"/>
           </a:p>
@@ -693,7 +694,7 @@
           <a:p>
             <a:fld id="{781BEADB-AF5A-4392-865E-B1E711821C65}" type="datetimeFigureOut">
               <a:rPr lang="zh-CN" altLang="en-US" smtClean="0"/>
-              <a:t>2023/7/30</a:t>
+              <a:t>2023/8/14</a:t>
             </a:fld>
             <a:endParaRPr lang="zh-CN" altLang="en-US"/>
           </a:p>
@@ -891,7 +892,7 @@
           <a:p>
             <a:fld id="{781BEADB-AF5A-4392-865E-B1E711821C65}" type="datetimeFigureOut">
               <a:rPr lang="zh-CN" altLang="en-US" smtClean="0"/>
-              <a:t>2023/7/30</a:t>
+              <a:t>2023/8/14</a:t>
             </a:fld>
             <a:endParaRPr lang="zh-CN" altLang="en-US"/>
           </a:p>
@@ -1166,7 +1167,7 @@
           <a:p>
             <a:fld id="{781BEADB-AF5A-4392-865E-B1E711821C65}" type="datetimeFigureOut">
               <a:rPr lang="zh-CN" altLang="en-US" smtClean="0"/>
-              <a:t>2023/7/30</a:t>
+              <a:t>2023/8/14</a:t>
             </a:fld>
             <a:endParaRPr lang="zh-CN" altLang="en-US"/>
           </a:p>
@@ -1431,7 +1432,7 @@
           <a:p>
             <a:fld id="{781BEADB-AF5A-4392-865E-B1E711821C65}" type="datetimeFigureOut">
               <a:rPr lang="zh-CN" altLang="en-US" smtClean="0"/>
-              <a:t>2023/7/30</a:t>
+              <a:t>2023/8/14</a:t>
             </a:fld>
             <a:endParaRPr lang="zh-CN" altLang="en-US"/>
           </a:p>
@@ -1843,7 +1844,7 @@
           <a:p>
             <a:fld id="{781BEADB-AF5A-4392-865E-B1E711821C65}" type="datetimeFigureOut">
               <a:rPr lang="zh-CN" altLang="en-US" smtClean="0"/>
-              <a:t>2023/7/30</a:t>
+              <a:t>2023/8/14</a:t>
             </a:fld>
             <a:endParaRPr lang="zh-CN" altLang="en-US"/>
           </a:p>
@@ -1984,7 +1985,7 @@
           <a:p>
             <a:fld id="{781BEADB-AF5A-4392-865E-B1E711821C65}" type="datetimeFigureOut">
               <a:rPr lang="zh-CN" altLang="en-US" smtClean="0"/>
-              <a:t>2023/7/30</a:t>
+              <a:t>2023/8/14</a:t>
             </a:fld>
             <a:endParaRPr lang="zh-CN" altLang="en-US"/>
           </a:p>
@@ -2097,7 +2098,7 @@
           <a:p>
             <a:fld id="{781BEADB-AF5A-4392-865E-B1E711821C65}" type="datetimeFigureOut">
               <a:rPr lang="zh-CN" altLang="en-US" smtClean="0"/>
-              <a:t>2023/7/30</a:t>
+              <a:t>2023/8/14</a:t>
             </a:fld>
             <a:endParaRPr lang="zh-CN" altLang="en-US"/>
           </a:p>
@@ -2408,7 +2409,7 @@
           <a:p>
             <a:fld id="{781BEADB-AF5A-4392-865E-B1E711821C65}" type="datetimeFigureOut">
               <a:rPr lang="zh-CN" altLang="en-US" smtClean="0"/>
-              <a:t>2023/7/30</a:t>
+              <a:t>2023/8/14</a:t>
             </a:fld>
             <a:endParaRPr lang="zh-CN" altLang="en-US"/>
           </a:p>
@@ -2696,7 +2697,7 @@
           <a:p>
             <a:fld id="{781BEADB-AF5A-4392-865E-B1E711821C65}" type="datetimeFigureOut">
               <a:rPr lang="zh-CN" altLang="en-US" smtClean="0"/>
-              <a:t>2023/7/30</a:t>
+              <a:t>2023/8/14</a:t>
             </a:fld>
             <a:endParaRPr lang="zh-CN" altLang="en-US"/>
           </a:p>
@@ -2937,7 +2938,7 @@
           <a:p>
             <a:fld id="{781BEADB-AF5A-4392-865E-B1E711821C65}" type="datetimeFigureOut">
               <a:rPr lang="zh-CN" altLang="en-US" smtClean="0"/>
-              <a:t>2023/7/30</a:t>
+              <a:t>2023/8/14</a:t>
             </a:fld>
             <a:endParaRPr lang="zh-CN" altLang="en-US"/>
           </a:p>
@@ -3928,274 +3929,10 @@
       </p:grpSpPr>
       <p:sp>
         <p:nvSpPr>
-          <p:cNvPr id="4" name="矩形 3">
-            <a:extLst>
-              <a:ext uri="{FF2B5EF4-FFF2-40B4-BE49-F238E27FC236}">
-                <a16:creationId xmlns:a16="http://schemas.microsoft.com/office/drawing/2014/main" id="{82624254-68F0-2252-7C78-0D7D3F200AEA}"/>
-              </a:ext>
-            </a:extLst>
-          </p:cNvPr>
-          <p:cNvSpPr/>
-          <p:nvPr/>
-        </p:nvSpPr>
-        <p:spPr>
-          <a:xfrm>
-            <a:off x="1118773" y="3680866"/>
-            <a:ext cx="1661602" cy="751537"/>
-          </a:xfrm>
-          <a:prstGeom prst="rect">
-            <a:avLst/>
-          </a:prstGeom>
-        </p:spPr>
-        <p:style>
-          <a:lnRef idx="2">
-            <a:schemeClr val="accent1">
-              <a:shade val="50000"/>
-            </a:schemeClr>
-          </a:lnRef>
-          <a:fillRef idx="1">
-            <a:schemeClr val="accent1"/>
-          </a:fillRef>
-          <a:effectRef idx="0">
-            <a:schemeClr val="accent1"/>
-          </a:effectRef>
-          <a:fontRef idx="minor">
-            <a:schemeClr val="lt1"/>
-          </a:fontRef>
-        </p:style>
-        <p:txBody>
-          <a:bodyPr rtlCol="0" anchor="ctr"/>
-          <a:lstStyle/>
-          <a:p>
-            <a:pPr algn="ctr"/>
-            <a:r>
-              <a:rPr lang="en-US" altLang="zh-CN" dirty="0"/>
-              <a:t>_XORM</a:t>
-            </a:r>
-            <a:endParaRPr lang="zh-CN" altLang="en-US" dirty="0"/>
-          </a:p>
-        </p:txBody>
-      </p:sp>
-      <p:sp>
-        <p:nvSpPr>
-          <p:cNvPr id="5" name="矩形 4">
-            <a:extLst>
-              <a:ext uri="{FF2B5EF4-FFF2-40B4-BE49-F238E27FC236}">
-                <a16:creationId xmlns:a16="http://schemas.microsoft.com/office/drawing/2014/main" id="{CE1A4767-FE4D-56D1-40B2-262D4B5896C7}"/>
-              </a:ext>
-            </a:extLst>
-          </p:cNvPr>
-          <p:cNvSpPr/>
-          <p:nvPr/>
-        </p:nvSpPr>
-        <p:spPr>
-          <a:xfrm>
-            <a:off x="1118773" y="2953653"/>
-            <a:ext cx="1661602" cy="751537"/>
-          </a:xfrm>
-          <a:prstGeom prst="rect">
-            <a:avLst/>
-          </a:prstGeom>
-        </p:spPr>
-        <p:style>
-          <a:lnRef idx="2">
-            <a:schemeClr val="accent1">
-              <a:shade val="50000"/>
-            </a:schemeClr>
-          </a:lnRef>
-          <a:fillRef idx="1">
-            <a:schemeClr val="accent1"/>
-          </a:fillRef>
-          <a:effectRef idx="0">
-            <a:schemeClr val="accent1"/>
-          </a:effectRef>
-          <a:fontRef idx="minor">
-            <a:schemeClr val="lt1"/>
-          </a:fontRef>
-        </p:style>
-        <p:txBody>
-          <a:bodyPr rtlCol="0" anchor="ctr"/>
-          <a:lstStyle/>
-          <a:p>
-            <a:pPr algn="ctr"/>
-            <a:r>
-              <a:rPr lang="en-US" altLang="zh-CN" dirty="0"/>
-              <a:t>XORM</a:t>
-            </a:r>
-            <a:endParaRPr lang="zh-CN" altLang="en-US" dirty="0"/>
-          </a:p>
-        </p:txBody>
-      </p:sp>
-      <p:sp>
-        <p:nvSpPr>
-          <p:cNvPr id="12" name="矩形 11">
-            <a:extLst>
-              <a:ext uri="{FF2B5EF4-FFF2-40B4-BE49-F238E27FC236}">
-                <a16:creationId xmlns:a16="http://schemas.microsoft.com/office/drawing/2014/main" id="{D596708B-FC6D-BF5E-34FA-D9730BE8E7E6}"/>
-              </a:ext>
-            </a:extLst>
-          </p:cNvPr>
-          <p:cNvSpPr/>
-          <p:nvPr/>
-        </p:nvSpPr>
-        <p:spPr>
-          <a:xfrm>
-            <a:off x="3743005" y="3692778"/>
-            <a:ext cx="1661602" cy="751537"/>
-          </a:xfrm>
-          <a:prstGeom prst="rect">
-            <a:avLst/>
-          </a:prstGeom>
-        </p:spPr>
-        <p:style>
-          <a:lnRef idx="2">
-            <a:schemeClr val="accent1">
-              <a:shade val="50000"/>
-            </a:schemeClr>
-          </a:lnRef>
-          <a:fillRef idx="1">
-            <a:schemeClr val="accent1"/>
-          </a:fillRef>
-          <a:effectRef idx="0">
-            <a:schemeClr val="accent1"/>
-          </a:effectRef>
-          <a:fontRef idx="minor">
-            <a:schemeClr val="lt1"/>
-          </a:fontRef>
-        </p:style>
-        <p:txBody>
-          <a:bodyPr rtlCol="0" anchor="ctr"/>
-          <a:lstStyle/>
-          <a:p>
-            <a:pPr algn="ctr"/>
-            <a:r>
-              <a:rPr lang="en-US" altLang="zh-CN" dirty="0"/>
-              <a:t>_</a:t>
-            </a:r>
-            <a:r>
-              <a:rPr lang="en-US" altLang="zh-CN" dirty="0" err="1"/>
-              <a:t>XMeta</a:t>
-            </a:r>
-            <a:endParaRPr lang="zh-CN" altLang="en-US" dirty="0"/>
-          </a:p>
-        </p:txBody>
-      </p:sp>
-      <p:sp>
-        <p:nvSpPr>
-          <p:cNvPr id="14" name="矩形 13">
-            <a:extLst>
-              <a:ext uri="{FF2B5EF4-FFF2-40B4-BE49-F238E27FC236}">
-                <a16:creationId xmlns:a16="http://schemas.microsoft.com/office/drawing/2014/main" id="{4EAEFFBD-C790-40AB-8120-0ED2F6F3E3AA}"/>
-              </a:ext>
-            </a:extLst>
-          </p:cNvPr>
-          <p:cNvSpPr/>
-          <p:nvPr/>
-        </p:nvSpPr>
-        <p:spPr>
-          <a:xfrm>
-            <a:off x="6455593" y="3705358"/>
-            <a:ext cx="1661602" cy="751537"/>
-          </a:xfrm>
-          <a:prstGeom prst="rect">
-            <a:avLst/>
-          </a:prstGeom>
-          <a:solidFill>
-            <a:srgbClr val="C00000"/>
-          </a:solidFill>
-        </p:spPr>
-        <p:style>
-          <a:lnRef idx="2">
-            <a:schemeClr val="accent1">
-              <a:shade val="50000"/>
-            </a:schemeClr>
-          </a:lnRef>
-          <a:fillRef idx="1">
-            <a:schemeClr val="accent1"/>
-          </a:fillRef>
-          <a:effectRef idx="0">
-            <a:schemeClr val="accent1"/>
-          </a:effectRef>
-          <a:fontRef idx="minor">
-            <a:schemeClr val="lt1"/>
-          </a:fontRef>
-        </p:style>
-        <p:txBody>
-          <a:bodyPr rtlCol="0" anchor="ctr"/>
-          <a:lstStyle/>
-          <a:p>
-            <a:pPr algn="ctr"/>
-            <a:r>
-              <a:rPr lang="en-US" altLang="zh-CN" dirty="0"/>
-              <a:t>_</a:t>
-            </a:r>
-            <a:r>
-              <a:rPr lang="en-US" altLang="zh-CN" dirty="0" err="1"/>
-              <a:t>XView</a:t>
-            </a:r>
-            <a:endParaRPr lang="zh-CN" altLang="en-US" dirty="0"/>
-          </a:p>
-        </p:txBody>
-      </p:sp>
-      <p:sp>
-        <p:nvSpPr>
-          <p:cNvPr id="19" name="矩形 18">
-            <a:extLst>
-              <a:ext uri="{FF2B5EF4-FFF2-40B4-BE49-F238E27FC236}">
-                <a16:creationId xmlns:a16="http://schemas.microsoft.com/office/drawing/2014/main" id="{1DDE44B1-52E8-98C7-D898-D63D745B0F63}"/>
-              </a:ext>
-            </a:extLst>
-          </p:cNvPr>
-          <p:cNvSpPr/>
-          <p:nvPr/>
-        </p:nvSpPr>
-        <p:spPr>
-          <a:xfrm>
-            <a:off x="9171697" y="2941241"/>
-            <a:ext cx="1661602" cy="751537"/>
-          </a:xfrm>
-          <a:prstGeom prst="rect">
-            <a:avLst/>
-          </a:prstGeom>
-          <a:solidFill>
-            <a:srgbClr val="C00000"/>
-          </a:solidFill>
-        </p:spPr>
-        <p:style>
-          <a:lnRef idx="2">
-            <a:schemeClr val="accent1">
-              <a:shade val="50000"/>
-            </a:schemeClr>
-          </a:lnRef>
-          <a:fillRef idx="1">
-            <a:schemeClr val="accent1"/>
-          </a:fillRef>
-          <a:effectRef idx="0">
-            <a:schemeClr val="accent1"/>
-          </a:effectRef>
-          <a:fontRef idx="minor">
-            <a:schemeClr val="lt1"/>
-          </a:fontRef>
-        </p:style>
-        <p:txBody>
-          <a:bodyPr rtlCol="0" anchor="ctr"/>
-          <a:lstStyle/>
-          <a:p>
-            <a:pPr algn="ctr"/>
-            <a:r>
-              <a:rPr lang="en-US" altLang="zh-CN" dirty="0" err="1"/>
-              <a:t>XPage</a:t>
-            </a:r>
-            <a:endParaRPr lang="zh-CN" altLang="en-US" dirty="0"/>
-          </a:p>
-        </p:txBody>
-      </p:sp>
-      <p:sp>
-        <p:nvSpPr>
-          <p:cNvPr id="49" name="文本框 48">
-            <a:extLst>
-              <a:ext uri="{FF2B5EF4-FFF2-40B4-BE49-F238E27FC236}">
-                <a16:creationId xmlns:a16="http://schemas.microsoft.com/office/drawing/2014/main" id="{C76386B8-0A78-88D0-283F-26AEFDECAB74}"/>
+          <p:cNvPr id="2" name="文本框 1">
+            <a:extLst>
+              <a:ext uri="{FF2B5EF4-FFF2-40B4-BE49-F238E27FC236}">
+                <a16:creationId xmlns:a16="http://schemas.microsoft.com/office/drawing/2014/main" id="{3C94D8A1-9917-8B97-5FC7-325C311C388B}"/>
               </a:ext>
             </a:extLst>
           </p:cNvPr>
@@ -4205,7 +3942,7 @@
         <p:spPr>
           <a:xfrm>
             <a:off x="434689" y="267393"/>
-            <a:ext cx="2380430" cy="523220"/>
+            <a:ext cx="4267940" cy="523220"/>
           </a:xfrm>
           <a:prstGeom prst="rect">
             <a:avLst/>
@@ -4219,277 +3956,35 @@
           <a:lstStyle/>
           <a:p>
             <a:r>
+              <a:rPr lang="en-US" altLang="zh-CN" sz="2800" b="1" dirty="0"/>
+              <a:t>Loader</a:t>
+            </a:r>
+            <a:r>
               <a:rPr lang="zh-CN" altLang="en-US" sz="2800" b="1" dirty="0"/>
-              <a:t>差量流水线</a:t>
-            </a:r>
-          </a:p>
-        </p:txBody>
-      </p:sp>
-      <p:sp>
-        <p:nvSpPr>
-          <p:cNvPr id="2" name="矩形 1">
-            <a:extLst>
-              <a:ext uri="{FF2B5EF4-FFF2-40B4-BE49-F238E27FC236}">
-                <a16:creationId xmlns:a16="http://schemas.microsoft.com/office/drawing/2014/main" id="{D9D7C2E0-53A0-8A71-7E5A-41DA55453420}"/>
-              </a:ext>
-            </a:extLst>
-          </p:cNvPr>
-          <p:cNvSpPr/>
-          <p:nvPr/>
-        </p:nvSpPr>
-        <p:spPr>
-          <a:xfrm>
-            <a:off x="3739489" y="2941242"/>
-            <a:ext cx="1661602" cy="751537"/>
-          </a:xfrm>
-          <a:prstGeom prst="rect">
-            <a:avLst/>
-          </a:prstGeom>
-        </p:spPr>
-        <p:style>
-          <a:lnRef idx="2">
-            <a:schemeClr val="accent1">
-              <a:shade val="50000"/>
-            </a:schemeClr>
-          </a:lnRef>
-          <a:fillRef idx="1">
-            <a:schemeClr val="accent1"/>
-          </a:fillRef>
-          <a:effectRef idx="0">
-            <a:schemeClr val="accent1"/>
-          </a:effectRef>
-          <a:fontRef idx="minor">
-            <a:schemeClr val="lt1"/>
-          </a:fontRef>
-        </p:style>
-        <p:txBody>
-          <a:bodyPr rtlCol="0" anchor="ctr"/>
-          <a:lstStyle/>
-          <a:p>
-            <a:pPr algn="ctr"/>
-            <a:r>
-              <a:rPr lang="en-US" altLang="zh-CN" dirty="0" err="1"/>
-              <a:t>XMeta</a:t>
-            </a:r>
-            <a:endParaRPr lang="zh-CN" altLang="en-US" dirty="0"/>
-          </a:p>
-        </p:txBody>
-      </p:sp>
-      <p:sp>
-        <p:nvSpPr>
-          <p:cNvPr id="11" name="矩形 10">
-            <a:extLst>
-              <a:ext uri="{FF2B5EF4-FFF2-40B4-BE49-F238E27FC236}">
-                <a16:creationId xmlns:a16="http://schemas.microsoft.com/office/drawing/2014/main" id="{656E952D-7207-7257-2CE4-D3885B5052C3}"/>
-              </a:ext>
-            </a:extLst>
-          </p:cNvPr>
-          <p:cNvSpPr/>
-          <p:nvPr/>
-        </p:nvSpPr>
-        <p:spPr>
-          <a:xfrm>
-            <a:off x="6455593" y="2953653"/>
-            <a:ext cx="1661602" cy="751537"/>
-          </a:xfrm>
-          <a:prstGeom prst="rect">
-            <a:avLst/>
-          </a:prstGeom>
-          <a:solidFill>
-            <a:srgbClr val="C00000"/>
-          </a:solidFill>
-        </p:spPr>
-        <p:style>
-          <a:lnRef idx="2">
-            <a:schemeClr val="accent1">
-              <a:shade val="50000"/>
-            </a:schemeClr>
-          </a:lnRef>
-          <a:fillRef idx="1">
-            <a:schemeClr val="accent1"/>
-          </a:fillRef>
-          <a:effectRef idx="0">
-            <a:schemeClr val="accent1"/>
-          </a:effectRef>
-          <a:fontRef idx="minor">
-            <a:schemeClr val="lt1"/>
-          </a:fontRef>
-        </p:style>
-        <p:txBody>
-          <a:bodyPr rtlCol="0" anchor="ctr"/>
-          <a:lstStyle/>
-          <a:p>
-            <a:pPr algn="ctr"/>
-            <a:r>
-              <a:rPr lang="en-US" altLang="zh-CN" dirty="0" err="1"/>
-              <a:t>XView</a:t>
-            </a:r>
-            <a:endParaRPr lang="en-US" altLang="zh-CN" dirty="0"/>
-          </a:p>
-        </p:txBody>
-      </p:sp>
-      <p:sp>
-        <p:nvSpPr>
-          <p:cNvPr id="22" name="矩形 21">
-            <a:extLst>
-              <a:ext uri="{FF2B5EF4-FFF2-40B4-BE49-F238E27FC236}">
-                <a16:creationId xmlns:a16="http://schemas.microsoft.com/office/drawing/2014/main" id="{CA4418D9-C431-D727-C854-E7CFD25EAA57}"/>
-              </a:ext>
-            </a:extLst>
-          </p:cNvPr>
-          <p:cNvSpPr/>
-          <p:nvPr/>
-        </p:nvSpPr>
-        <p:spPr>
-          <a:xfrm>
-            <a:off x="9170477" y="3691632"/>
-            <a:ext cx="1661602" cy="751537"/>
-          </a:xfrm>
-          <a:prstGeom prst="rect">
-            <a:avLst/>
-          </a:prstGeom>
-          <a:solidFill>
-            <a:srgbClr val="C00000"/>
-          </a:solidFill>
-        </p:spPr>
-        <p:style>
-          <a:lnRef idx="2">
-            <a:schemeClr val="accent1">
-              <a:shade val="50000"/>
-            </a:schemeClr>
-          </a:lnRef>
-          <a:fillRef idx="1">
-            <a:schemeClr val="accent1"/>
-          </a:fillRef>
-          <a:effectRef idx="0">
-            <a:schemeClr val="accent1"/>
-          </a:effectRef>
-          <a:fontRef idx="minor">
-            <a:schemeClr val="lt1"/>
-          </a:fontRef>
-        </p:style>
-        <p:txBody>
-          <a:bodyPr rtlCol="0" anchor="ctr"/>
-          <a:lstStyle/>
-          <a:p>
-            <a:pPr algn="ctr"/>
-            <a:r>
-              <a:rPr lang="en-US" altLang="zh-CN" dirty="0"/>
-              <a:t>_</a:t>
-            </a:r>
-            <a:r>
-              <a:rPr lang="en-US" altLang="zh-CN" dirty="0" err="1"/>
-              <a:t>XPage</a:t>
-            </a:r>
-            <a:endParaRPr lang="zh-CN" altLang="en-US" dirty="0"/>
-          </a:p>
-        </p:txBody>
-      </p:sp>
-      <p:sp>
-        <p:nvSpPr>
-          <p:cNvPr id="7" name="椭圆 6">
-            <a:extLst>
-              <a:ext uri="{FF2B5EF4-FFF2-40B4-BE49-F238E27FC236}">
-                <a16:creationId xmlns:a16="http://schemas.microsoft.com/office/drawing/2014/main" id="{C8313F1A-B63D-3A10-E8C1-AB28C38E41FE}"/>
-              </a:ext>
-            </a:extLst>
-          </p:cNvPr>
-          <p:cNvSpPr/>
-          <p:nvPr/>
-        </p:nvSpPr>
-        <p:spPr>
-          <a:xfrm>
-            <a:off x="1119759" y="5255029"/>
-            <a:ext cx="1661602" cy="751537"/>
-          </a:xfrm>
-          <a:prstGeom prst="ellipse">
-            <a:avLst/>
-          </a:prstGeom>
-          <a:solidFill>
-            <a:srgbClr val="7030A0"/>
-          </a:solidFill>
-        </p:spPr>
-        <p:style>
-          <a:lnRef idx="2">
-            <a:schemeClr val="accent1">
-              <a:shade val="50000"/>
-            </a:schemeClr>
-          </a:lnRef>
-          <a:fillRef idx="1">
-            <a:schemeClr val="accent1"/>
-          </a:fillRef>
-          <a:effectRef idx="0">
-            <a:schemeClr val="accent1"/>
-          </a:effectRef>
-          <a:fontRef idx="minor">
-            <a:schemeClr val="lt1"/>
-          </a:fontRef>
-        </p:style>
-        <p:txBody>
-          <a:bodyPr rtlCol="0" anchor="ctr"/>
-          <a:lstStyle/>
-          <a:p>
-            <a:pPr algn="ctr"/>
-            <a:r>
-              <a:rPr lang="en-US" altLang="zh-CN" dirty="0"/>
-              <a:t>Excel</a:t>
-            </a:r>
-            <a:endParaRPr lang="zh-CN" altLang="en-US" dirty="0"/>
-          </a:p>
-        </p:txBody>
-      </p:sp>
-      <p:sp>
-        <p:nvSpPr>
-          <p:cNvPr id="8" name="箭头: 右 7">
-            <a:extLst>
-              <a:ext uri="{FF2B5EF4-FFF2-40B4-BE49-F238E27FC236}">
-                <a16:creationId xmlns:a16="http://schemas.microsoft.com/office/drawing/2014/main" id="{5B1CFA59-D8A1-E062-7710-F234E2186247}"/>
-              </a:ext>
-            </a:extLst>
-          </p:cNvPr>
-          <p:cNvSpPr/>
-          <p:nvPr/>
-        </p:nvSpPr>
-        <p:spPr>
-          <a:xfrm rot="16200000">
-            <a:off x="1632536" y="4765617"/>
-            <a:ext cx="529841" cy="202391"/>
-          </a:xfrm>
-          <a:prstGeom prst="rightArrow">
-            <a:avLst/>
-          </a:prstGeom>
-        </p:spPr>
-        <p:style>
-          <a:lnRef idx="2">
-            <a:schemeClr val="accent1">
-              <a:shade val="50000"/>
-            </a:schemeClr>
-          </a:lnRef>
-          <a:fillRef idx="1">
-            <a:schemeClr val="accent1"/>
-          </a:fillRef>
-          <a:effectRef idx="0">
-            <a:schemeClr val="accent1"/>
-          </a:effectRef>
-          <a:fontRef idx="minor">
-            <a:schemeClr val="lt1"/>
-          </a:fontRef>
-        </p:style>
-        <p:txBody>
-          <a:bodyPr rtlCol="0" anchor="ctr"/>
-          <a:lstStyle/>
-          <a:p>
-            <a:pPr algn="ctr"/>
-            <a:endParaRPr lang="zh-CN" altLang="en-US"/>
-          </a:p>
-        </p:txBody>
-      </p:sp>
-      <p:sp>
-        <p:nvSpPr>
-          <p:cNvPr id="15" name="文本框 14">
-            <a:extLst>
-              <a:ext uri="{FF2B5EF4-FFF2-40B4-BE49-F238E27FC236}">
-                <a16:creationId xmlns:a16="http://schemas.microsoft.com/office/drawing/2014/main" id="{AC6C489F-E051-914F-A225-76E8289574A4}"/>
+              <a:t> </a:t>
+            </a:r>
+            <a:r>
+              <a:rPr lang="en-US" altLang="zh-CN" sz="2800" b="1" dirty="0"/>
+              <a:t>As</a:t>
+            </a:r>
+            <a:r>
+              <a:rPr lang="zh-CN" altLang="en-US" sz="2800" b="1" dirty="0"/>
+              <a:t> </a:t>
+            </a:r>
+            <a:r>
+              <a:rPr lang="en-US" altLang="zh-CN" sz="2800" b="1" dirty="0"/>
+              <a:t>Generator</a:t>
+            </a:r>
+            <a:endParaRPr lang="zh-CN" altLang="en-US" sz="2800" b="1" dirty="0"/>
+          </a:p>
+        </p:txBody>
+      </p:sp>
+      <p:sp>
+        <p:nvSpPr>
+          <p:cNvPr id="5" name="文本框 4">
+            <a:extLst>
+              <a:ext uri="{FF2B5EF4-FFF2-40B4-BE49-F238E27FC236}">
+                <a16:creationId xmlns:a16="http://schemas.microsoft.com/office/drawing/2014/main" id="{A84BC0B8-C288-5EAE-954C-4AAF55CA2262}"/>
               </a:ext>
             </a:extLst>
           </p:cNvPr>
@@ -4498,8 +3993,8 @@
         </p:nvSpPr>
         <p:spPr>
           <a:xfrm>
-            <a:off x="2049427" y="4677527"/>
-            <a:ext cx="708917" cy="369332"/>
+            <a:off x="1094014" y="1379766"/>
+            <a:ext cx="9511393" cy="523220"/>
           </a:xfrm>
           <a:prstGeom prst="rect">
             <a:avLst/>
@@ -4507,125 +4002,24 @@
           <a:noFill/>
         </p:spPr>
         <p:txBody>
-          <a:bodyPr wrap="square" rtlCol="0">
+          <a:bodyPr wrap="square">
             <a:spAutoFit/>
           </a:bodyPr>
           <a:lstStyle/>
           <a:p>
             <a:r>
-              <a:rPr lang="zh-CN" altLang="en-US" dirty="0"/>
-              <a:t>生成</a:t>
-            </a:r>
-          </a:p>
-        </p:txBody>
-      </p:sp>
-      <p:sp>
-        <p:nvSpPr>
-          <p:cNvPr id="26" name="椭圆 25">
-            <a:extLst>
-              <a:ext uri="{FF2B5EF4-FFF2-40B4-BE49-F238E27FC236}">
-                <a16:creationId xmlns:a16="http://schemas.microsoft.com/office/drawing/2014/main" id="{FAFE2A35-9FD0-1A68-9CAD-731A094AA618}"/>
-              </a:ext>
-            </a:extLst>
-          </p:cNvPr>
-          <p:cNvSpPr/>
-          <p:nvPr/>
-        </p:nvSpPr>
-        <p:spPr>
-          <a:xfrm>
-            <a:off x="9171697" y="1267187"/>
-            <a:ext cx="1661602" cy="751537"/>
-          </a:xfrm>
-          <a:prstGeom prst="ellipse">
-            <a:avLst/>
-          </a:prstGeom>
-          <a:solidFill>
-            <a:srgbClr val="7030A0"/>
-          </a:solidFill>
-        </p:spPr>
-        <p:style>
-          <a:lnRef idx="2">
-            <a:schemeClr val="accent1">
-              <a:shade val="50000"/>
-            </a:schemeClr>
-          </a:lnRef>
-          <a:fillRef idx="1">
-            <a:schemeClr val="accent1"/>
-          </a:fillRef>
-          <a:effectRef idx="0">
-            <a:schemeClr val="accent1"/>
-          </a:effectRef>
-          <a:fontRef idx="minor">
-            <a:schemeClr val="lt1"/>
-          </a:fontRef>
-        </p:style>
-        <p:txBody>
-          <a:bodyPr rtlCol="0" anchor="ctr"/>
-          <a:lstStyle/>
-          <a:p>
-            <a:pPr algn="ctr"/>
-            <a:r>
-              <a:rPr lang="zh-CN" altLang="en-US" dirty="0"/>
-              <a:t>界面</a:t>
-            </a:r>
-          </a:p>
-        </p:txBody>
-      </p:sp>
-      <p:sp>
-        <p:nvSpPr>
-          <p:cNvPr id="27" name="箭头: 右 26">
-            <a:extLst>
-              <a:ext uri="{FF2B5EF4-FFF2-40B4-BE49-F238E27FC236}">
-                <a16:creationId xmlns:a16="http://schemas.microsoft.com/office/drawing/2014/main" id="{0705D658-343D-D9A0-4C7A-321BC4AEAD24}"/>
-              </a:ext>
-            </a:extLst>
-          </p:cNvPr>
-          <p:cNvSpPr/>
-          <p:nvPr/>
-        </p:nvSpPr>
-        <p:spPr>
-          <a:xfrm rot="16200000">
-            <a:off x="9655636" y="2400626"/>
-            <a:ext cx="588892" cy="184934"/>
-          </a:xfrm>
-          <a:prstGeom prst="rightArrow">
-            <a:avLst>
-              <a:gd name="adj1" fmla="val 62154"/>
-              <a:gd name="adj2" fmla="val 50000"/>
-            </a:avLst>
-          </a:prstGeom>
-        </p:spPr>
-        <p:style>
-          <a:lnRef idx="2">
-            <a:schemeClr val="accent1">
-              <a:shade val="50000"/>
-            </a:schemeClr>
-          </a:lnRef>
-          <a:fillRef idx="1">
-            <a:schemeClr val="accent1"/>
-          </a:fillRef>
-          <a:effectRef idx="0">
-            <a:schemeClr val="accent1"/>
-          </a:effectRef>
-          <a:fontRef idx="minor">
-            <a:schemeClr val="lt1"/>
-          </a:fontRef>
-        </p:style>
-        <p:txBody>
-          <a:bodyPr rtlCol="0" anchor="ctr"/>
-          <a:lstStyle/>
-          <a:p>
-            <a:pPr algn="ctr"/>
-            <a:endParaRPr lang="zh-CN" altLang="en-US"/>
-          </a:p>
-        </p:txBody>
-      </p:sp>
-      <p:sp>
-        <p:nvSpPr>
-          <p:cNvPr id="28" name="文本框 27">
-            <a:extLst>
-              <a:ext uri="{FF2B5EF4-FFF2-40B4-BE49-F238E27FC236}">
-                <a16:creationId xmlns:a16="http://schemas.microsoft.com/office/drawing/2014/main" id="{7CE677EA-6653-B122-5525-0AF100D20D78}"/>
+              <a:rPr lang="en-US" altLang="zh-CN" sz="2800" dirty="0"/>
+              <a:t>  Loader::   Path -&gt; Model</a:t>
+            </a:r>
+          </a:p>
+        </p:txBody>
+      </p:sp>
+      <p:sp>
+        <p:nvSpPr>
+          <p:cNvPr id="21" name="文本框 20">
+            <a:extLst>
+              <a:ext uri="{FF2B5EF4-FFF2-40B4-BE49-F238E27FC236}">
+                <a16:creationId xmlns:a16="http://schemas.microsoft.com/office/drawing/2014/main" id="{8A75C438-2535-F2D3-5048-EA2A87FA1518}"/>
               </a:ext>
             </a:extLst>
           </p:cNvPr>
@@ -4634,8 +4028,8 @@
         </p:nvSpPr>
         <p:spPr>
           <a:xfrm>
-            <a:off x="10128609" y="2303996"/>
-            <a:ext cx="921004" cy="369332"/>
+            <a:off x="1017814" y="2283284"/>
+            <a:ext cx="9511393" cy="523220"/>
           </a:xfrm>
           <a:prstGeom prst="rect">
             <a:avLst/>
@@ -4643,69 +4037,24 @@
           <a:noFill/>
         </p:spPr>
         <p:txBody>
-          <a:bodyPr wrap="square" rtlCol="0">
+          <a:bodyPr wrap="square">
             <a:spAutoFit/>
           </a:bodyPr>
           <a:lstStyle/>
           <a:p>
             <a:r>
-              <a:rPr lang="en-US" altLang="zh-CN" dirty="0"/>
-              <a:t>Render</a:t>
-            </a:r>
-            <a:endParaRPr lang="zh-CN" altLang="en-US" dirty="0"/>
-          </a:p>
-        </p:txBody>
-      </p:sp>
-      <p:cxnSp>
-        <p:nvCxnSpPr>
-          <p:cNvPr id="42" name="直接连接符 41">
-            <a:extLst>
-              <a:ext uri="{FF2B5EF4-FFF2-40B4-BE49-F238E27FC236}">
-                <a16:creationId xmlns:a16="http://schemas.microsoft.com/office/drawing/2014/main" id="{D50D6AB5-4D89-4BA6-A7E8-F8E26F6D2885}"/>
-              </a:ext>
-            </a:extLst>
-          </p:cNvPr>
-          <p:cNvCxnSpPr>
-            <a:cxnSpLocks/>
-          </p:cNvCxnSpPr>
-          <p:nvPr/>
-        </p:nvCxnSpPr>
-        <p:spPr>
-          <a:xfrm>
-            <a:off x="5900792" y="2749600"/>
-            <a:ext cx="0" cy="4018151"/>
-          </a:xfrm>
-          <a:prstGeom prst="line">
-            <a:avLst/>
-          </a:prstGeom>
-          <a:ln>
-            <a:solidFill>
-              <a:schemeClr val="accent1"/>
-            </a:solidFill>
-            <a:prstDash val="dash"/>
-          </a:ln>
-        </p:spPr>
-        <p:style>
-          <a:lnRef idx="1">
-            <a:schemeClr val="accent1"/>
-          </a:lnRef>
-          <a:fillRef idx="0">
-            <a:schemeClr val="accent1"/>
-          </a:fillRef>
-          <a:effectRef idx="0">
-            <a:schemeClr val="accent1"/>
-          </a:effectRef>
-          <a:fontRef idx="minor">
-            <a:schemeClr val="tx1"/>
-          </a:fontRef>
-        </p:style>
-      </p:cxnSp>
-      <p:sp>
-        <p:nvSpPr>
-          <p:cNvPr id="16" name="文本框 15">
-            <a:extLst>
-              <a:ext uri="{FF2B5EF4-FFF2-40B4-BE49-F238E27FC236}">
-                <a16:creationId xmlns:a16="http://schemas.microsoft.com/office/drawing/2014/main" id="{07128EE0-A808-4AAB-488A-DAAF10473AC0}"/>
+              <a:rPr lang="en-US" altLang="zh-CN" sz="2800" dirty="0"/>
+              <a:t>  Loader::  Possible Path -&gt; Possible Model</a:t>
+            </a:r>
+          </a:p>
+        </p:txBody>
+      </p:sp>
+      <p:sp>
+        <p:nvSpPr>
+          <p:cNvPr id="4" name="文本框 3">
+            <a:extLst>
+              <a:ext uri="{FF2B5EF4-FFF2-40B4-BE49-F238E27FC236}">
+                <a16:creationId xmlns:a16="http://schemas.microsoft.com/office/drawing/2014/main" id="{A02C4C51-481A-8E70-8571-DABD5ABEF108}"/>
               </a:ext>
             </a:extLst>
           </p:cNvPr>
@@ -4714,8 +4063,8 @@
         </p:nvSpPr>
         <p:spPr>
           <a:xfrm>
-            <a:off x="2871297" y="2813342"/>
-            <a:ext cx="708917" cy="369332"/>
+            <a:off x="1017814" y="3186802"/>
+            <a:ext cx="10248901" cy="1938992"/>
           </a:xfrm>
           <a:prstGeom prst="rect">
             <a:avLst/>
@@ -4723,24 +4072,109 @@
           <a:noFill/>
         </p:spPr>
         <p:txBody>
-          <a:bodyPr wrap="square" rtlCol="0">
+          <a:bodyPr wrap="square">
             <a:spAutoFit/>
           </a:bodyPr>
           <a:lstStyle/>
           <a:p>
             <a:r>
-              <a:rPr lang="zh-CN" altLang="en-US" dirty="0"/>
-              <a:t>生成</a:t>
-            </a:r>
-          </a:p>
-        </p:txBody>
-      </p:sp>
-      <p:sp>
-        <p:nvSpPr>
-          <p:cNvPr id="18" name="文本框 17">
-            <a:extLst>
-              <a:ext uri="{FF2B5EF4-FFF2-40B4-BE49-F238E27FC236}">
-                <a16:creationId xmlns:a16="http://schemas.microsoft.com/office/drawing/2014/main" id="{035EADB8-B836-BBCB-4B3A-4AD98E84DCBD}"/>
+              <a:rPr lang="en-US" altLang="zh-CN" sz="2400" dirty="0"/>
+              <a:t>Possible Path = </a:t>
+            </a:r>
+            <a:r>
+              <a:rPr lang="en-US" altLang="zh-CN" sz="2400" dirty="0" err="1"/>
+              <a:t>deltaPath</a:t>
+            </a:r>
+            <a:r>
+              <a:rPr lang="en-US" altLang="zh-CN" sz="2400" dirty="0"/>
+              <a:t> + </a:t>
+            </a:r>
+            <a:r>
+              <a:rPr lang="en-US" altLang="zh-CN" sz="2400" dirty="0" err="1"/>
+              <a:t>stdPath</a:t>
+            </a:r>
+            <a:endParaRPr lang="en-US" altLang="zh-CN" sz="2400" dirty="0"/>
+          </a:p>
+          <a:p>
+            <a:r>
+              <a:rPr lang="en-US" altLang="zh-CN" sz="2400" dirty="0"/>
+              <a:t>Loader&lt;</a:t>
+            </a:r>
+            <a:r>
+              <a:rPr lang="en-US" altLang="zh-CN" sz="2400" dirty="0" err="1"/>
+              <a:t>PossiblePath</a:t>
+            </a:r>
+            <a:r>
+              <a:rPr lang="en-US" altLang="zh-CN" sz="2400" dirty="0"/>
+              <a:t>&gt; = Loader&lt;</a:t>
+            </a:r>
+            <a:r>
+              <a:rPr lang="en-US" altLang="zh-CN" sz="2400" dirty="0" err="1"/>
+              <a:t>deltaPath</a:t>
+            </a:r>
+            <a:r>
+              <a:rPr lang="en-US" altLang="zh-CN" sz="2400" dirty="0"/>
+              <a:t> + </a:t>
+            </a:r>
+            <a:r>
+              <a:rPr lang="en-US" altLang="zh-CN" sz="2400" dirty="0" err="1"/>
+              <a:t>stdPath</a:t>
+            </a:r>
+            <a:r>
+              <a:rPr lang="en-US" altLang="zh-CN" sz="2400" dirty="0"/>
+              <a:t>&gt;</a:t>
+            </a:r>
+          </a:p>
+          <a:p>
+            <a:r>
+              <a:rPr lang="en-US" altLang="zh-CN" sz="2400" dirty="0"/>
+              <a:t>                                    = Loader&lt;</a:t>
+            </a:r>
+            <a:r>
+              <a:rPr lang="en-US" altLang="zh-CN" sz="2400" dirty="0" err="1"/>
+              <a:t>deltaPath</a:t>
+            </a:r>
+            <a:r>
+              <a:rPr lang="en-US" altLang="zh-CN" sz="2400" dirty="0"/>
+              <a:t>&gt; x-extends Loader&lt;</a:t>
+            </a:r>
+            <a:r>
+              <a:rPr lang="en-US" altLang="zh-CN" sz="2400" dirty="0" err="1"/>
+              <a:t>stdPath</a:t>
+            </a:r>
+            <a:r>
+              <a:rPr lang="en-US" altLang="zh-CN" sz="2400" dirty="0"/>
+              <a:t>&gt;</a:t>
+            </a:r>
+          </a:p>
+          <a:p>
+            <a:r>
+              <a:rPr lang="en-US" altLang="zh-CN" sz="2400" dirty="0"/>
+              <a:t>                                    = </a:t>
+            </a:r>
+            <a:r>
+              <a:rPr lang="en-US" altLang="zh-CN" sz="2400" dirty="0" err="1"/>
+              <a:t>DeltaModel</a:t>
+            </a:r>
+            <a:r>
+              <a:rPr lang="en-US" altLang="zh-CN" sz="2400" dirty="0"/>
+              <a:t> x-extends Model</a:t>
+            </a:r>
+          </a:p>
+          <a:p>
+            <a:r>
+              <a:rPr lang="en-US" altLang="zh-CN" sz="2400" dirty="0"/>
+              <a:t>                                    = Possible Model</a:t>
+            </a:r>
+          </a:p>
+        </p:txBody>
+      </p:sp>
+      <p:sp>
+        <p:nvSpPr>
+          <p:cNvPr id="6" name="文本框 5">
+            <a:extLst>
+              <a:ext uri="{FF2B5EF4-FFF2-40B4-BE49-F238E27FC236}">
+                <a16:creationId xmlns:a16="http://schemas.microsoft.com/office/drawing/2014/main" id="{1DE0D502-F837-A9B8-98AE-01B07C60B60A}"/>
               </a:ext>
             </a:extLst>
           </p:cNvPr>
@@ -4749,8 +4183,8 @@
         </p:nvSpPr>
         <p:spPr>
           <a:xfrm>
-            <a:off x="5581843" y="2848847"/>
-            <a:ext cx="708917" cy="369332"/>
+            <a:off x="1121229" y="5668745"/>
+            <a:ext cx="9511393" cy="523220"/>
           </a:xfrm>
           <a:prstGeom prst="rect">
             <a:avLst/>
@@ -4758,356 +4192,34 @@
           <a:noFill/>
         </p:spPr>
         <p:txBody>
-          <a:bodyPr wrap="square" rtlCol="0">
+          <a:bodyPr wrap="square">
             <a:spAutoFit/>
           </a:bodyPr>
           <a:lstStyle/>
           <a:p>
             <a:r>
-              <a:rPr lang="zh-CN" altLang="en-US" dirty="0"/>
-              <a:t>生成</a:t>
-            </a:r>
-          </a:p>
-        </p:txBody>
-      </p:sp>
-      <p:sp>
-        <p:nvSpPr>
-          <p:cNvPr id="21" name="矩形 20">
-            <a:extLst>
-              <a:ext uri="{FF2B5EF4-FFF2-40B4-BE49-F238E27FC236}">
-                <a16:creationId xmlns:a16="http://schemas.microsoft.com/office/drawing/2014/main" id="{53272BCD-B3A7-5DDB-7DF7-DE9D53F7B669}"/>
-              </a:ext>
-            </a:extLst>
-          </p:cNvPr>
-          <p:cNvSpPr/>
-          <p:nvPr/>
-        </p:nvSpPr>
-        <p:spPr>
-          <a:xfrm>
-            <a:off x="3744932" y="1393457"/>
-            <a:ext cx="1661602" cy="751537"/>
-          </a:xfrm>
-          <a:prstGeom prst="rect">
-            <a:avLst/>
-          </a:prstGeom>
-        </p:spPr>
-        <p:style>
-          <a:lnRef idx="2">
-            <a:schemeClr val="accent1">
-              <a:shade val="50000"/>
-            </a:schemeClr>
-          </a:lnRef>
-          <a:fillRef idx="1">
-            <a:schemeClr val="accent1"/>
-          </a:fillRef>
-          <a:effectRef idx="0">
-            <a:schemeClr val="accent1"/>
-          </a:effectRef>
-          <a:fontRef idx="minor">
-            <a:schemeClr val="lt1"/>
-          </a:fontRef>
-        </p:style>
-        <p:txBody>
-          <a:bodyPr rtlCol="0" anchor="ctr"/>
-          <a:lstStyle/>
-          <a:p>
-            <a:pPr algn="ctr"/>
-            <a:r>
-              <a:rPr lang="en-US" altLang="zh-CN" dirty="0" err="1"/>
-              <a:t>GraphQL</a:t>
-            </a:r>
-            <a:endParaRPr lang="zh-CN" altLang="en-US" dirty="0"/>
-          </a:p>
-        </p:txBody>
-      </p:sp>
-      <p:sp>
-        <p:nvSpPr>
-          <p:cNvPr id="36" name="箭头: 上 35">
-            <a:extLst>
-              <a:ext uri="{FF2B5EF4-FFF2-40B4-BE49-F238E27FC236}">
-                <a16:creationId xmlns:a16="http://schemas.microsoft.com/office/drawing/2014/main" id="{AF326EC7-1256-780A-B70E-2888D1738247}"/>
-              </a:ext>
-            </a:extLst>
-          </p:cNvPr>
-          <p:cNvSpPr/>
-          <p:nvPr/>
-        </p:nvSpPr>
-        <p:spPr>
-          <a:xfrm>
-            <a:off x="4436907" y="2299827"/>
-            <a:ext cx="168315" cy="369331"/>
-          </a:xfrm>
-          <a:prstGeom prst="upArrow">
-            <a:avLst/>
-          </a:prstGeom>
-        </p:spPr>
-        <p:style>
-          <a:lnRef idx="2">
-            <a:schemeClr val="accent1">
-              <a:shade val="50000"/>
-            </a:schemeClr>
-          </a:lnRef>
-          <a:fillRef idx="1">
-            <a:schemeClr val="accent1"/>
-          </a:fillRef>
-          <a:effectRef idx="0">
-            <a:schemeClr val="accent1"/>
-          </a:effectRef>
-          <a:fontRef idx="minor">
-            <a:schemeClr val="lt1"/>
-          </a:fontRef>
-        </p:style>
-        <p:txBody>
-          <a:bodyPr rtlCol="0" anchor="ctr"/>
-          <a:lstStyle/>
-          <a:p>
-            <a:pPr algn="ctr"/>
-            <a:endParaRPr lang="zh-CN" altLang="en-US"/>
-          </a:p>
-        </p:txBody>
-      </p:sp>
-      <p:sp>
-        <p:nvSpPr>
-          <p:cNvPr id="37" name="文本框 36">
-            <a:extLst>
-              <a:ext uri="{FF2B5EF4-FFF2-40B4-BE49-F238E27FC236}">
-                <a16:creationId xmlns:a16="http://schemas.microsoft.com/office/drawing/2014/main" id="{0A0BDC57-58BE-9A32-3FB7-E926CFEAEE82}"/>
-              </a:ext>
-            </a:extLst>
-          </p:cNvPr>
-          <p:cNvSpPr txBox="1"/>
-          <p:nvPr/>
-        </p:nvSpPr>
-        <p:spPr>
-          <a:xfrm>
-            <a:off x="4693796" y="2287587"/>
-            <a:ext cx="1220709" cy="369332"/>
-          </a:xfrm>
-          <a:prstGeom prst="rect">
-            <a:avLst/>
-          </a:prstGeom>
-          <a:noFill/>
-        </p:spPr>
-        <p:txBody>
-          <a:bodyPr wrap="square" rtlCol="0">
-            <a:spAutoFit/>
-          </a:bodyPr>
-          <a:lstStyle/>
-          <a:p>
-            <a:r>
-              <a:rPr lang="en-US" altLang="zh-CN" dirty="0" err="1"/>
-              <a:t>BizModel</a:t>
-            </a:r>
-            <a:endParaRPr lang="en-US" altLang="zh-CN" dirty="0"/>
-          </a:p>
-        </p:txBody>
-      </p:sp>
-      <p:sp>
-        <p:nvSpPr>
-          <p:cNvPr id="41" name="加号 40">
-            <a:extLst>
-              <a:ext uri="{FF2B5EF4-FFF2-40B4-BE49-F238E27FC236}">
-                <a16:creationId xmlns:a16="http://schemas.microsoft.com/office/drawing/2014/main" id="{9231E943-E955-B34C-F9CC-CCDADFCEF50E}"/>
-              </a:ext>
-            </a:extLst>
-          </p:cNvPr>
-          <p:cNvSpPr/>
-          <p:nvPr/>
-        </p:nvSpPr>
-        <p:spPr>
-          <a:xfrm>
-            <a:off x="4348332" y="2322000"/>
-            <a:ext cx="345464" cy="369332"/>
-          </a:xfrm>
-          <a:prstGeom prst="mathPlus">
-            <a:avLst/>
-          </a:prstGeom>
-        </p:spPr>
-        <p:style>
-          <a:lnRef idx="2">
-            <a:schemeClr val="accent1">
-              <a:shade val="50000"/>
-            </a:schemeClr>
-          </a:lnRef>
-          <a:fillRef idx="1">
-            <a:schemeClr val="accent1"/>
-          </a:fillRef>
-          <a:effectRef idx="0">
-            <a:schemeClr val="accent1"/>
-          </a:effectRef>
-          <a:fontRef idx="minor">
-            <a:schemeClr val="lt1"/>
-          </a:fontRef>
-        </p:style>
-        <p:txBody>
-          <a:bodyPr rtlCol="0" anchor="ctr"/>
-          <a:lstStyle/>
-          <a:p>
-            <a:pPr algn="ctr"/>
-            <a:endParaRPr lang="zh-CN" altLang="en-US"/>
-          </a:p>
-        </p:txBody>
-      </p:sp>
-      <p:cxnSp>
-        <p:nvCxnSpPr>
-          <p:cNvPr id="50" name="连接符: 肘形 49">
-            <a:extLst>
-              <a:ext uri="{FF2B5EF4-FFF2-40B4-BE49-F238E27FC236}">
-                <a16:creationId xmlns:a16="http://schemas.microsoft.com/office/drawing/2014/main" id="{D53C0396-B1E4-2401-DA0E-CCA76C4CC91E}"/>
-              </a:ext>
-            </a:extLst>
-          </p:cNvPr>
-          <p:cNvCxnSpPr>
-            <a:cxnSpLocks/>
-          </p:cNvCxnSpPr>
-          <p:nvPr/>
-        </p:nvCxnSpPr>
-        <p:spPr>
-          <a:xfrm>
-            <a:off x="2878955" y="3380746"/>
-            <a:ext cx="763177" cy="590140"/>
-          </a:xfrm>
-          <a:prstGeom prst="bentConnector3">
-            <a:avLst>
-              <a:gd name="adj1" fmla="val 50000"/>
-            </a:avLst>
-          </a:prstGeom>
-          <a:ln w="53975">
-            <a:tailEnd type="triangle"/>
-          </a:ln>
-        </p:spPr>
-        <p:style>
-          <a:lnRef idx="1">
-            <a:schemeClr val="accent1"/>
-          </a:lnRef>
-          <a:fillRef idx="0">
-            <a:schemeClr val="accent1"/>
-          </a:fillRef>
-          <a:effectRef idx="0">
-            <a:schemeClr val="accent1"/>
-          </a:effectRef>
-          <a:fontRef idx="minor">
-            <a:schemeClr val="tx1"/>
-          </a:fontRef>
-        </p:style>
-      </p:cxnSp>
-      <p:cxnSp>
-        <p:nvCxnSpPr>
-          <p:cNvPr id="56" name="连接符: 肘形 55">
-            <a:extLst>
-              <a:ext uri="{FF2B5EF4-FFF2-40B4-BE49-F238E27FC236}">
-                <a16:creationId xmlns:a16="http://schemas.microsoft.com/office/drawing/2014/main" id="{57F9F954-A1D8-9A79-F3ED-BD312B9031E7}"/>
-              </a:ext>
-            </a:extLst>
-          </p:cNvPr>
-          <p:cNvCxnSpPr>
-            <a:cxnSpLocks/>
-          </p:cNvCxnSpPr>
-          <p:nvPr/>
-        </p:nvCxnSpPr>
-        <p:spPr>
-          <a:xfrm>
-            <a:off x="5531645" y="3430406"/>
-            <a:ext cx="763177" cy="590140"/>
-          </a:xfrm>
-          <a:prstGeom prst="bentConnector3">
-            <a:avLst>
-              <a:gd name="adj1" fmla="val 50000"/>
-            </a:avLst>
-          </a:prstGeom>
-          <a:ln w="53975">
-            <a:tailEnd type="triangle"/>
-          </a:ln>
-        </p:spPr>
-        <p:style>
-          <a:lnRef idx="1">
-            <a:schemeClr val="accent1"/>
-          </a:lnRef>
-          <a:fillRef idx="0">
-            <a:schemeClr val="accent1"/>
-          </a:fillRef>
-          <a:effectRef idx="0">
-            <a:schemeClr val="accent1"/>
-          </a:effectRef>
-          <a:fontRef idx="minor">
-            <a:schemeClr val="tx1"/>
-          </a:fontRef>
-        </p:style>
-      </p:cxnSp>
-      <p:cxnSp>
-        <p:nvCxnSpPr>
-          <p:cNvPr id="57" name="连接符: 肘形 56">
-            <a:extLst>
-              <a:ext uri="{FF2B5EF4-FFF2-40B4-BE49-F238E27FC236}">
-                <a16:creationId xmlns:a16="http://schemas.microsoft.com/office/drawing/2014/main" id="{69B37F02-B6DF-3079-E988-DFAEC8F2B29E}"/>
-              </a:ext>
-            </a:extLst>
-          </p:cNvPr>
-          <p:cNvCxnSpPr>
-            <a:cxnSpLocks/>
-          </p:cNvCxnSpPr>
-          <p:nvPr/>
-        </p:nvCxnSpPr>
-        <p:spPr>
-          <a:xfrm>
-            <a:off x="8273129" y="3428696"/>
-            <a:ext cx="763177" cy="590140"/>
-          </a:xfrm>
-          <a:prstGeom prst="bentConnector3">
-            <a:avLst>
-              <a:gd name="adj1" fmla="val 50000"/>
-            </a:avLst>
-          </a:prstGeom>
-          <a:ln w="53975">
-            <a:tailEnd type="triangle"/>
-          </a:ln>
-        </p:spPr>
-        <p:style>
-          <a:lnRef idx="1">
-            <a:schemeClr val="accent1"/>
-          </a:lnRef>
-          <a:fillRef idx="0">
-            <a:schemeClr val="accent1"/>
-          </a:fillRef>
-          <a:effectRef idx="0">
-            <a:schemeClr val="accent1"/>
-          </a:effectRef>
-          <a:fontRef idx="minor">
-            <a:schemeClr val="tx1"/>
-          </a:fontRef>
-        </p:style>
-      </p:cxnSp>
-      <p:sp>
-        <p:nvSpPr>
-          <p:cNvPr id="59" name="文本框 58">
-            <a:extLst>
-              <a:ext uri="{FF2B5EF4-FFF2-40B4-BE49-F238E27FC236}">
-                <a16:creationId xmlns:a16="http://schemas.microsoft.com/office/drawing/2014/main" id="{61EA4447-5C5C-F1A0-4594-4664B9C02180}"/>
-              </a:ext>
-            </a:extLst>
-          </p:cNvPr>
-          <p:cNvSpPr txBox="1"/>
-          <p:nvPr/>
-        </p:nvSpPr>
-        <p:spPr>
-          <a:xfrm>
-            <a:off x="8179491" y="2847137"/>
-            <a:ext cx="708917" cy="369332"/>
-          </a:xfrm>
-          <a:prstGeom prst="rect">
-            <a:avLst/>
-          </a:prstGeom>
-          <a:noFill/>
-        </p:spPr>
-        <p:txBody>
-          <a:bodyPr wrap="square" rtlCol="0">
-            <a:spAutoFit/>
-          </a:bodyPr>
-          <a:lstStyle/>
-          <a:p>
-            <a:r>
-              <a:rPr lang="zh-CN" altLang="en-US" dirty="0"/>
-              <a:t>生成</a:t>
+              <a:rPr lang="en-US" altLang="zh-CN" sz="2800" dirty="0" err="1"/>
+              <a:t>DslModel</a:t>
+            </a:r>
+            <a:r>
+              <a:rPr lang="en-US" altLang="zh-CN" sz="2800" dirty="0"/>
+              <a:t> = </a:t>
+            </a:r>
+            <a:r>
+              <a:rPr lang="en-US" altLang="zh-CN" sz="2800" dirty="0" err="1"/>
+              <a:t>DslModelLoader.instance</a:t>
+            </a:r>
+            <a:r>
+              <a:rPr lang="en-US" altLang="zh-CN" sz="2800" dirty="0"/>
+              <a:t>().load(</a:t>
+            </a:r>
+            <a:r>
+              <a:rPr lang="en-US" altLang="zh-CN" sz="2800" dirty="0" err="1"/>
+              <a:t>virtualPath</a:t>
+            </a:r>
+            <a:r>
+              <a:rPr lang="en-US" altLang="zh-CN" sz="2800" dirty="0"/>
+              <a:t>)</a:t>
             </a:r>
           </a:p>
         </p:txBody>
@@ -5115,7 +4227,7 @@
     </p:spTree>
     <p:extLst>
       <p:ext uri="{BB962C8B-B14F-4D97-AF65-F5344CB8AC3E}">
-        <p14:creationId xmlns:p14="http://schemas.microsoft.com/office/powerpoint/2010/main" val="138928013"/>
+        <p14:creationId xmlns:p14="http://schemas.microsoft.com/office/powerpoint/2010/main" val="4012938869"/>
       </p:ext>
     </p:extLst>
   </p:cSld>
@@ -5142,42 +4254,276 @@
           <a:chExt cx="0" cy="0"/>
         </a:xfrm>
       </p:grpSpPr>
-      <p:pic>
-        <p:nvPicPr>
-          <p:cNvPr id="3" name="图片 2">
-            <a:extLst>
-              <a:ext uri="{FF2B5EF4-FFF2-40B4-BE49-F238E27FC236}">
-                <a16:creationId xmlns:a16="http://schemas.microsoft.com/office/drawing/2014/main" id="{AC87EDDB-1E43-486E-03E5-6E6C0523EFB0}"/>
-              </a:ext>
-            </a:extLst>
-          </p:cNvPr>
-          <p:cNvPicPr>
-            <a:picLocks noChangeAspect="1"/>
-          </p:cNvPicPr>
+      <p:sp>
+        <p:nvSpPr>
+          <p:cNvPr id="4" name="矩形 3">
+            <a:extLst>
+              <a:ext uri="{FF2B5EF4-FFF2-40B4-BE49-F238E27FC236}">
+                <a16:creationId xmlns:a16="http://schemas.microsoft.com/office/drawing/2014/main" id="{82624254-68F0-2252-7C78-0D7D3F200AEA}"/>
+              </a:ext>
+            </a:extLst>
+          </p:cNvPr>
+          <p:cNvSpPr/>
           <p:nvPr/>
-        </p:nvPicPr>
-        <p:blipFill>
-          <a:blip r:embed="rId2"/>
-          <a:stretch>
-            <a:fillRect/>
-          </a:stretch>
-        </p:blipFill>
+        </p:nvSpPr>
         <p:spPr>
           <a:xfrm>
-            <a:off x="1547130" y="506189"/>
-            <a:ext cx="8726076" cy="6328222"/>
+            <a:off x="1118773" y="3680866"/>
+            <a:ext cx="1661602" cy="751537"/>
           </a:xfrm>
           <a:prstGeom prst="rect">
             <a:avLst/>
           </a:prstGeom>
         </p:spPr>
-      </p:pic>
-      <p:sp>
-        <p:nvSpPr>
-          <p:cNvPr id="8" name="文本框 7">
-            <a:extLst>
-              <a:ext uri="{FF2B5EF4-FFF2-40B4-BE49-F238E27FC236}">
-                <a16:creationId xmlns:a16="http://schemas.microsoft.com/office/drawing/2014/main" id="{DFB1FE9B-8B28-28F7-2F2F-187EBC612C0D}"/>
+        <p:style>
+          <a:lnRef idx="2">
+            <a:schemeClr val="accent1">
+              <a:shade val="50000"/>
+            </a:schemeClr>
+          </a:lnRef>
+          <a:fillRef idx="1">
+            <a:schemeClr val="accent1"/>
+          </a:fillRef>
+          <a:effectRef idx="0">
+            <a:schemeClr val="accent1"/>
+          </a:effectRef>
+          <a:fontRef idx="minor">
+            <a:schemeClr val="lt1"/>
+          </a:fontRef>
+        </p:style>
+        <p:txBody>
+          <a:bodyPr rtlCol="0" anchor="ctr"/>
+          <a:lstStyle/>
+          <a:p>
+            <a:pPr algn="ctr"/>
+            <a:r>
+              <a:rPr lang="en-US" altLang="zh-CN" dirty="0"/>
+              <a:t>_XORM</a:t>
+            </a:r>
+            <a:endParaRPr lang="zh-CN" altLang="en-US" dirty="0"/>
+          </a:p>
+        </p:txBody>
+      </p:sp>
+      <p:sp>
+        <p:nvSpPr>
+          <p:cNvPr id="5" name="矩形 4">
+            <a:extLst>
+              <a:ext uri="{FF2B5EF4-FFF2-40B4-BE49-F238E27FC236}">
+                <a16:creationId xmlns:a16="http://schemas.microsoft.com/office/drawing/2014/main" id="{CE1A4767-FE4D-56D1-40B2-262D4B5896C7}"/>
+              </a:ext>
+            </a:extLst>
+          </p:cNvPr>
+          <p:cNvSpPr/>
+          <p:nvPr/>
+        </p:nvSpPr>
+        <p:spPr>
+          <a:xfrm>
+            <a:off x="1118773" y="2953653"/>
+            <a:ext cx="1661602" cy="751537"/>
+          </a:xfrm>
+          <a:prstGeom prst="rect">
+            <a:avLst/>
+          </a:prstGeom>
+        </p:spPr>
+        <p:style>
+          <a:lnRef idx="2">
+            <a:schemeClr val="accent1">
+              <a:shade val="50000"/>
+            </a:schemeClr>
+          </a:lnRef>
+          <a:fillRef idx="1">
+            <a:schemeClr val="accent1"/>
+          </a:fillRef>
+          <a:effectRef idx="0">
+            <a:schemeClr val="accent1"/>
+          </a:effectRef>
+          <a:fontRef idx="minor">
+            <a:schemeClr val="lt1"/>
+          </a:fontRef>
+        </p:style>
+        <p:txBody>
+          <a:bodyPr rtlCol="0" anchor="ctr"/>
+          <a:lstStyle/>
+          <a:p>
+            <a:pPr algn="ctr"/>
+            <a:r>
+              <a:rPr lang="en-US" altLang="zh-CN" dirty="0"/>
+              <a:t>XORM</a:t>
+            </a:r>
+            <a:endParaRPr lang="zh-CN" altLang="en-US" dirty="0"/>
+          </a:p>
+        </p:txBody>
+      </p:sp>
+      <p:sp>
+        <p:nvSpPr>
+          <p:cNvPr id="12" name="矩形 11">
+            <a:extLst>
+              <a:ext uri="{FF2B5EF4-FFF2-40B4-BE49-F238E27FC236}">
+                <a16:creationId xmlns:a16="http://schemas.microsoft.com/office/drawing/2014/main" id="{D596708B-FC6D-BF5E-34FA-D9730BE8E7E6}"/>
+              </a:ext>
+            </a:extLst>
+          </p:cNvPr>
+          <p:cNvSpPr/>
+          <p:nvPr/>
+        </p:nvSpPr>
+        <p:spPr>
+          <a:xfrm>
+            <a:off x="3743005" y="3692778"/>
+            <a:ext cx="1661602" cy="751537"/>
+          </a:xfrm>
+          <a:prstGeom prst="rect">
+            <a:avLst/>
+          </a:prstGeom>
+        </p:spPr>
+        <p:style>
+          <a:lnRef idx="2">
+            <a:schemeClr val="accent1">
+              <a:shade val="50000"/>
+            </a:schemeClr>
+          </a:lnRef>
+          <a:fillRef idx="1">
+            <a:schemeClr val="accent1"/>
+          </a:fillRef>
+          <a:effectRef idx="0">
+            <a:schemeClr val="accent1"/>
+          </a:effectRef>
+          <a:fontRef idx="minor">
+            <a:schemeClr val="lt1"/>
+          </a:fontRef>
+        </p:style>
+        <p:txBody>
+          <a:bodyPr rtlCol="0" anchor="ctr"/>
+          <a:lstStyle/>
+          <a:p>
+            <a:pPr algn="ctr"/>
+            <a:r>
+              <a:rPr lang="en-US" altLang="zh-CN" dirty="0"/>
+              <a:t>_</a:t>
+            </a:r>
+            <a:r>
+              <a:rPr lang="en-US" altLang="zh-CN" dirty="0" err="1"/>
+              <a:t>XMeta</a:t>
+            </a:r>
+            <a:endParaRPr lang="zh-CN" altLang="en-US" dirty="0"/>
+          </a:p>
+        </p:txBody>
+      </p:sp>
+      <p:sp>
+        <p:nvSpPr>
+          <p:cNvPr id="14" name="矩形 13">
+            <a:extLst>
+              <a:ext uri="{FF2B5EF4-FFF2-40B4-BE49-F238E27FC236}">
+                <a16:creationId xmlns:a16="http://schemas.microsoft.com/office/drawing/2014/main" id="{4EAEFFBD-C790-40AB-8120-0ED2F6F3E3AA}"/>
+              </a:ext>
+            </a:extLst>
+          </p:cNvPr>
+          <p:cNvSpPr/>
+          <p:nvPr/>
+        </p:nvSpPr>
+        <p:spPr>
+          <a:xfrm>
+            <a:off x="6455593" y="3705358"/>
+            <a:ext cx="1661602" cy="751537"/>
+          </a:xfrm>
+          <a:prstGeom prst="rect">
+            <a:avLst/>
+          </a:prstGeom>
+          <a:solidFill>
+            <a:srgbClr val="C00000"/>
+          </a:solidFill>
+        </p:spPr>
+        <p:style>
+          <a:lnRef idx="2">
+            <a:schemeClr val="accent1">
+              <a:shade val="50000"/>
+            </a:schemeClr>
+          </a:lnRef>
+          <a:fillRef idx="1">
+            <a:schemeClr val="accent1"/>
+          </a:fillRef>
+          <a:effectRef idx="0">
+            <a:schemeClr val="accent1"/>
+          </a:effectRef>
+          <a:fontRef idx="minor">
+            <a:schemeClr val="lt1"/>
+          </a:fontRef>
+        </p:style>
+        <p:txBody>
+          <a:bodyPr rtlCol="0" anchor="ctr"/>
+          <a:lstStyle/>
+          <a:p>
+            <a:pPr algn="ctr"/>
+            <a:r>
+              <a:rPr lang="en-US" altLang="zh-CN" dirty="0"/>
+              <a:t>_</a:t>
+            </a:r>
+            <a:r>
+              <a:rPr lang="en-US" altLang="zh-CN" dirty="0" err="1"/>
+              <a:t>XView</a:t>
+            </a:r>
+            <a:endParaRPr lang="zh-CN" altLang="en-US" dirty="0"/>
+          </a:p>
+        </p:txBody>
+      </p:sp>
+      <p:sp>
+        <p:nvSpPr>
+          <p:cNvPr id="19" name="矩形 18">
+            <a:extLst>
+              <a:ext uri="{FF2B5EF4-FFF2-40B4-BE49-F238E27FC236}">
+                <a16:creationId xmlns:a16="http://schemas.microsoft.com/office/drawing/2014/main" id="{1DDE44B1-52E8-98C7-D898-D63D745B0F63}"/>
+              </a:ext>
+            </a:extLst>
+          </p:cNvPr>
+          <p:cNvSpPr/>
+          <p:nvPr/>
+        </p:nvSpPr>
+        <p:spPr>
+          <a:xfrm>
+            <a:off x="9171697" y="2941241"/>
+            <a:ext cx="1661602" cy="751537"/>
+          </a:xfrm>
+          <a:prstGeom prst="rect">
+            <a:avLst/>
+          </a:prstGeom>
+          <a:solidFill>
+            <a:srgbClr val="C00000"/>
+          </a:solidFill>
+        </p:spPr>
+        <p:style>
+          <a:lnRef idx="2">
+            <a:schemeClr val="accent1">
+              <a:shade val="50000"/>
+            </a:schemeClr>
+          </a:lnRef>
+          <a:fillRef idx="1">
+            <a:schemeClr val="accent1"/>
+          </a:fillRef>
+          <a:effectRef idx="0">
+            <a:schemeClr val="accent1"/>
+          </a:effectRef>
+          <a:fontRef idx="minor">
+            <a:schemeClr val="lt1"/>
+          </a:fontRef>
+        </p:style>
+        <p:txBody>
+          <a:bodyPr rtlCol="0" anchor="ctr"/>
+          <a:lstStyle/>
+          <a:p>
+            <a:pPr algn="ctr"/>
+            <a:r>
+              <a:rPr lang="en-US" altLang="zh-CN" dirty="0" err="1"/>
+              <a:t>XPage</a:t>
+            </a:r>
+            <a:endParaRPr lang="zh-CN" altLang="en-US" dirty="0"/>
+          </a:p>
+        </p:txBody>
+      </p:sp>
+      <p:sp>
+        <p:nvSpPr>
+          <p:cNvPr id="49" name="文本框 48">
+            <a:extLst>
+              <a:ext uri="{FF2B5EF4-FFF2-40B4-BE49-F238E27FC236}">
+                <a16:creationId xmlns:a16="http://schemas.microsoft.com/office/drawing/2014/main" id="{C76386B8-0A78-88D0-283F-26AEFDECAB74}"/>
               </a:ext>
             </a:extLst>
           </p:cNvPr>
@@ -5186,8 +4532,8 @@
         </p:nvSpPr>
         <p:spPr>
           <a:xfrm>
-            <a:off x="204105" y="506189"/>
-            <a:ext cx="2669723" cy="579665"/>
+            <a:off x="434689" y="267393"/>
+            <a:ext cx="2380430" cy="523220"/>
           </a:xfrm>
           <a:prstGeom prst="rect">
             <a:avLst/>
@@ -5201,17 +4547,903 @@
           <a:lstStyle/>
           <a:p>
             <a:r>
-              <a:rPr lang="en-US" altLang="zh-CN" sz="3200" b="1" dirty="0" err="1"/>
+              <a:rPr lang="zh-CN" altLang="en-US" sz="2800" b="1" dirty="0"/>
+              <a:t>差量流水线</a:t>
+            </a:r>
+          </a:p>
+        </p:txBody>
+      </p:sp>
+      <p:sp>
+        <p:nvSpPr>
+          <p:cNvPr id="2" name="矩形 1">
+            <a:extLst>
+              <a:ext uri="{FF2B5EF4-FFF2-40B4-BE49-F238E27FC236}">
+                <a16:creationId xmlns:a16="http://schemas.microsoft.com/office/drawing/2014/main" id="{D9D7C2E0-53A0-8A71-7E5A-41DA55453420}"/>
+              </a:ext>
+            </a:extLst>
+          </p:cNvPr>
+          <p:cNvSpPr/>
+          <p:nvPr/>
+        </p:nvSpPr>
+        <p:spPr>
+          <a:xfrm>
+            <a:off x="3739489" y="2941242"/>
+            <a:ext cx="1661602" cy="751537"/>
+          </a:xfrm>
+          <a:prstGeom prst="rect">
+            <a:avLst/>
+          </a:prstGeom>
+        </p:spPr>
+        <p:style>
+          <a:lnRef idx="2">
+            <a:schemeClr val="accent1">
+              <a:shade val="50000"/>
+            </a:schemeClr>
+          </a:lnRef>
+          <a:fillRef idx="1">
+            <a:schemeClr val="accent1"/>
+          </a:fillRef>
+          <a:effectRef idx="0">
+            <a:schemeClr val="accent1"/>
+          </a:effectRef>
+          <a:fontRef idx="minor">
+            <a:schemeClr val="lt1"/>
+          </a:fontRef>
+        </p:style>
+        <p:txBody>
+          <a:bodyPr rtlCol="0" anchor="ctr"/>
+          <a:lstStyle/>
+          <a:p>
+            <a:pPr algn="ctr"/>
+            <a:r>
+              <a:rPr lang="en-US" altLang="zh-CN" dirty="0" err="1"/>
+              <a:t>XMeta</a:t>
+            </a:r>
+            <a:endParaRPr lang="zh-CN" altLang="en-US" dirty="0"/>
+          </a:p>
+        </p:txBody>
+      </p:sp>
+      <p:sp>
+        <p:nvSpPr>
+          <p:cNvPr id="11" name="矩形 10">
+            <a:extLst>
+              <a:ext uri="{FF2B5EF4-FFF2-40B4-BE49-F238E27FC236}">
+                <a16:creationId xmlns:a16="http://schemas.microsoft.com/office/drawing/2014/main" id="{656E952D-7207-7257-2CE4-D3885B5052C3}"/>
+              </a:ext>
+            </a:extLst>
+          </p:cNvPr>
+          <p:cNvSpPr/>
+          <p:nvPr/>
+        </p:nvSpPr>
+        <p:spPr>
+          <a:xfrm>
+            <a:off x="6455593" y="2953653"/>
+            <a:ext cx="1661602" cy="751537"/>
+          </a:xfrm>
+          <a:prstGeom prst="rect">
+            <a:avLst/>
+          </a:prstGeom>
+          <a:solidFill>
+            <a:srgbClr val="C00000"/>
+          </a:solidFill>
+        </p:spPr>
+        <p:style>
+          <a:lnRef idx="2">
+            <a:schemeClr val="accent1">
+              <a:shade val="50000"/>
+            </a:schemeClr>
+          </a:lnRef>
+          <a:fillRef idx="1">
+            <a:schemeClr val="accent1"/>
+          </a:fillRef>
+          <a:effectRef idx="0">
+            <a:schemeClr val="accent1"/>
+          </a:effectRef>
+          <a:fontRef idx="minor">
+            <a:schemeClr val="lt1"/>
+          </a:fontRef>
+        </p:style>
+        <p:txBody>
+          <a:bodyPr rtlCol="0" anchor="ctr"/>
+          <a:lstStyle/>
+          <a:p>
+            <a:pPr algn="ctr"/>
+            <a:r>
+              <a:rPr lang="en-US" altLang="zh-CN" dirty="0" err="1"/>
+              <a:t>XView</a:t>
+            </a:r>
+            <a:endParaRPr lang="en-US" altLang="zh-CN" dirty="0"/>
+          </a:p>
+        </p:txBody>
+      </p:sp>
+      <p:sp>
+        <p:nvSpPr>
+          <p:cNvPr id="22" name="矩形 21">
+            <a:extLst>
+              <a:ext uri="{FF2B5EF4-FFF2-40B4-BE49-F238E27FC236}">
+                <a16:creationId xmlns:a16="http://schemas.microsoft.com/office/drawing/2014/main" id="{CA4418D9-C431-D727-C854-E7CFD25EAA57}"/>
+              </a:ext>
+            </a:extLst>
+          </p:cNvPr>
+          <p:cNvSpPr/>
+          <p:nvPr/>
+        </p:nvSpPr>
+        <p:spPr>
+          <a:xfrm>
+            <a:off x="9170477" y="3691632"/>
+            <a:ext cx="1661602" cy="751537"/>
+          </a:xfrm>
+          <a:prstGeom prst="rect">
+            <a:avLst/>
+          </a:prstGeom>
+          <a:solidFill>
+            <a:srgbClr val="C00000"/>
+          </a:solidFill>
+        </p:spPr>
+        <p:style>
+          <a:lnRef idx="2">
+            <a:schemeClr val="accent1">
+              <a:shade val="50000"/>
+            </a:schemeClr>
+          </a:lnRef>
+          <a:fillRef idx="1">
+            <a:schemeClr val="accent1"/>
+          </a:fillRef>
+          <a:effectRef idx="0">
+            <a:schemeClr val="accent1"/>
+          </a:effectRef>
+          <a:fontRef idx="minor">
+            <a:schemeClr val="lt1"/>
+          </a:fontRef>
+        </p:style>
+        <p:txBody>
+          <a:bodyPr rtlCol="0" anchor="ctr"/>
+          <a:lstStyle/>
+          <a:p>
+            <a:pPr algn="ctr"/>
+            <a:r>
+              <a:rPr lang="en-US" altLang="zh-CN" dirty="0"/>
+              <a:t>_</a:t>
+            </a:r>
+            <a:r>
+              <a:rPr lang="en-US" altLang="zh-CN" dirty="0" err="1"/>
+              <a:t>XPage</a:t>
+            </a:r>
+            <a:endParaRPr lang="zh-CN" altLang="en-US" dirty="0"/>
+          </a:p>
+        </p:txBody>
+      </p:sp>
+      <p:sp>
+        <p:nvSpPr>
+          <p:cNvPr id="7" name="椭圆 6">
+            <a:extLst>
+              <a:ext uri="{FF2B5EF4-FFF2-40B4-BE49-F238E27FC236}">
+                <a16:creationId xmlns:a16="http://schemas.microsoft.com/office/drawing/2014/main" id="{C8313F1A-B63D-3A10-E8C1-AB28C38E41FE}"/>
+              </a:ext>
+            </a:extLst>
+          </p:cNvPr>
+          <p:cNvSpPr/>
+          <p:nvPr/>
+        </p:nvSpPr>
+        <p:spPr>
+          <a:xfrm>
+            <a:off x="1119759" y="5255029"/>
+            <a:ext cx="1661602" cy="751537"/>
+          </a:xfrm>
+          <a:prstGeom prst="ellipse">
+            <a:avLst/>
+          </a:prstGeom>
+          <a:solidFill>
+            <a:srgbClr val="7030A0"/>
+          </a:solidFill>
+        </p:spPr>
+        <p:style>
+          <a:lnRef idx="2">
+            <a:schemeClr val="accent1">
+              <a:shade val="50000"/>
+            </a:schemeClr>
+          </a:lnRef>
+          <a:fillRef idx="1">
+            <a:schemeClr val="accent1"/>
+          </a:fillRef>
+          <a:effectRef idx="0">
+            <a:schemeClr val="accent1"/>
+          </a:effectRef>
+          <a:fontRef idx="minor">
+            <a:schemeClr val="lt1"/>
+          </a:fontRef>
+        </p:style>
+        <p:txBody>
+          <a:bodyPr rtlCol="0" anchor="ctr"/>
+          <a:lstStyle/>
+          <a:p>
+            <a:pPr algn="ctr"/>
+            <a:r>
+              <a:rPr lang="en-US" altLang="zh-CN" dirty="0"/>
+              <a:t>Excel</a:t>
+            </a:r>
+            <a:endParaRPr lang="zh-CN" altLang="en-US" dirty="0"/>
+          </a:p>
+        </p:txBody>
+      </p:sp>
+      <p:sp>
+        <p:nvSpPr>
+          <p:cNvPr id="8" name="箭头: 右 7">
+            <a:extLst>
+              <a:ext uri="{FF2B5EF4-FFF2-40B4-BE49-F238E27FC236}">
+                <a16:creationId xmlns:a16="http://schemas.microsoft.com/office/drawing/2014/main" id="{5B1CFA59-D8A1-E062-7710-F234E2186247}"/>
+              </a:ext>
+            </a:extLst>
+          </p:cNvPr>
+          <p:cNvSpPr/>
+          <p:nvPr/>
+        </p:nvSpPr>
+        <p:spPr>
+          <a:xfrm rot="16200000">
+            <a:off x="1632536" y="4765617"/>
+            <a:ext cx="529841" cy="202391"/>
+          </a:xfrm>
+          <a:prstGeom prst="rightArrow">
+            <a:avLst/>
+          </a:prstGeom>
+        </p:spPr>
+        <p:style>
+          <a:lnRef idx="2">
+            <a:schemeClr val="accent1">
+              <a:shade val="50000"/>
+            </a:schemeClr>
+          </a:lnRef>
+          <a:fillRef idx="1">
+            <a:schemeClr val="accent1"/>
+          </a:fillRef>
+          <a:effectRef idx="0">
+            <a:schemeClr val="accent1"/>
+          </a:effectRef>
+          <a:fontRef idx="minor">
+            <a:schemeClr val="lt1"/>
+          </a:fontRef>
+        </p:style>
+        <p:txBody>
+          <a:bodyPr rtlCol="0" anchor="ctr"/>
+          <a:lstStyle/>
+          <a:p>
+            <a:pPr algn="ctr"/>
+            <a:endParaRPr lang="zh-CN" altLang="en-US"/>
+          </a:p>
+        </p:txBody>
+      </p:sp>
+      <p:sp>
+        <p:nvSpPr>
+          <p:cNvPr id="15" name="文本框 14">
+            <a:extLst>
+              <a:ext uri="{FF2B5EF4-FFF2-40B4-BE49-F238E27FC236}">
+                <a16:creationId xmlns:a16="http://schemas.microsoft.com/office/drawing/2014/main" id="{AC6C489F-E051-914F-A225-76E8289574A4}"/>
+              </a:ext>
+            </a:extLst>
+          </p:cNvPr>
+          <p:cNvSpPr txBox="1"/>
+          <p:nvPr/>
+        </p:nvSpPr>
+        <p:spPr>
+          <a:xfrm>
+            <a:off x="2049427" y="4677527"/>
+            <a:ext cx="708917" cy="369332"/>
+          </a:xfrm>
+          <a:prstGeom prst="rect">
+            <a:avLst/>
+          </a:prstGeom>
+          <a:noFill/>
+        </p:spPr>
+        <p:txBody>
+          <a:bodyPr wrap="square" rtlCol="0">
+            <a:spAutoFit/>
+          </a:bodyPr>
+          <a:lstStyle/>
+          <a:p>
+            <a:r>
+              <a:rPr lang="zh-CN" altLang="en-US" dirty="0"/>
+              <a:t>生成</a:t>
+            </a:r>
+          </a:p>
+        </p:txBody>
+      </p:sp>
+      <p:sp>
+        <p:nvSpPr>
+          <p:cNvPr id="26" name="椭圆 25">
+            <a:extLst>
+              <a:ext uri="{FF2B5EF4-FFF2-40B4-BE49-F238E27FC236}">
+                <a16:creationId xmlns:a16="http://schemas.microsoft.com/office/drawing/2014/main" id="{FAFE2A35-9FD0-1A68-9CAD-731A094AA618}"/>
+              </a:ext>
+            </a:extLst>
+          </p:cNvPr>
+          <p:cNvSpPr/>
+          <p:nvPr/>
+        </p:nvSpPr>
+        <p:spPr>
+          <a:xfrm>
+            <a:off x="9171697" y="1267187"/>
+            <a:ext cx="1661602" cy="751537"/>
+          </a:xfrm>
+          <a:prstGeom prst="ellipse">
+            <a:avLst/>
+          </a:prstGeom>
+          <a:solidFill>
+            <a:srgbClr val="7030A0"/>
+          </a:solidFill>
+        </p:spPr>
+        <p:style>
+          <a:lnRef idx="2">
+            <a:schemeClr val="accent1">
+              <a:shade val="50000"/>
+            </a:schemeClr>
+          </a:lnRef>
+          <a:fillRef idx="1">
+            <a:schemeClr val="accent1"/>
+          </a:fillRef>
+          <a:effectRef idx="0">
+            <a:schemeClr val="accent1"/>
+          </a:effectRef>
+          <a:fontRef idx="minor">
+            <a:schemeClr val="lt1"/>
+          </a:fontRef>
+        </p:style>
+        <p:txBody>
+          <a:bodyPr rtlCol="0" anchor="ctr"/>
+          <a:lstStyle/>
+          <a:p>
+            <a:pPr algn="ctr"/>
+            <a:r>
+              <a:rPr lang="zh-CN" altLang="en-US" dirty="0"/>
+              <a:t>界面</a:t>
+            </a:r>
+          </a:p>
+        </p:txBody>
+      </p:sp>
+      <p:sp>
+        <p:nvSpPr>
+          <p:cNvPr id="27" name="箭头: 右 26">
+            <a:extLst>
+              <a:ext uri="{FF2B5EF4-FFF2-40B4-BE49-F238E27FC236}">
+                <a16:creationId xmlns:a16="http://schemas.microsoft.com/office/drawing/2014/main" id="{0705D658-343D-D9A0-4C7A-321BC4AEAD24}"/>
+              </a:ext>
+            </a:extLst>
+          </p:cNvPr>
+          <p:cNvSpPr/>
+          <p:nvPr/>
+        </p:nvSpPr>
+        <p:spPr>
+          <a:xfrm rot="16200000">
+            <a:off x="9655636" y="2400626"/>
+            <a:ext cx="588892" cy="184934"/>
+          </a:xfrm>
+          <a:prstGeom prst="rightArrow">
+            <a:avLst>
+              <a:gd name="adj1" fmla="val 62154"/>
+              <a:gd name="adj2" fmla="val 50000"/>
+            </a:avLst>
+          </a:prstGeom>
+        </p:spPr>
+        <p:style>
+          <a:lnRef idx="2">
+            <a:schemeClr val="accent1">
+              <a:shade val="50000"/>
+            </a:schemeClr>
+          </a:lnRef>
+          <a:fillRef idx="1">
+            <a:schemeClr val="accent1"/>
+          </a:fillRef>
+          <a:effectRef idx="0">
+            <a:schemeClr val="accent1"/>
+          </a:effectRef>
+          <a:fontRef idx="minor">
+            <a:schemeClr val="lt1"/>
+          </a:fontRef>
+        </p:style>
+        <p:txBody>
+          <a:bodyPr rtlCol="0" anchor="ctr"/>
+          <a:lstStyle/>
+          <a:p>
+            <a:pPr algn="ctr"/>
+            <a:endParaRPr lang="zh-CN" altLang="en-US"/>
+          </a:p>
+        </p:txBody>
+      </p:sp>
+      <p:sp>
+        <p:nvSpPr>
+          <p:cNvPr id="28" name="文本框 27">
+            <a:extLst>
+              <a:ext uri="{FF2B5EF4-FFF2-40B4-BE49-F238E27FC236}">
+                <a16:creationId xmlns:a16="http://schemas.microsoft.com/office/drawing/2014/main" id="{7CE677EA-6653-B122-5525-0AF100D20D78}"/>
+              </a:ext>
+            </a:extLst>
+          </p:cNvPr>
+          <p:cNvSpPr txBox="1"/>
+          <p:nvPr/>
+        </p:nvSpPr>
+        <p:spPr>
+          <a:xfrm>
+            <a:off x="10128609" y="2303996"/>
+            <a:ext cx="921004" cy="369332"/>
+          </a:xfrm>
+          <a:prstGeom prst="rect">
+            <a:avLst/>
+          </a:prstGeom>
+          <a:noFill/>
+        </p:spPr>
+        <p:txBody>
+          <a:bodyPr wrap="square" rtlCol="0">
+            <a:spAutoFit/>
+          </a:bodyPr>
+          <a:lstStyle/>
+          <a:p>
+            <a:r>
+              <a:rPr lang="en-US" altLang="zh-CN" dirty="0"/>
+              <a:t>Render</a:t>
+            </a:r>
+            <a:endParaRPr lang="zh-CN" altLang="en-US" dirty="0"/>
+          </a:p>
+        </p:txBody>
+      </p:sp>
+      <p:cxnSp>
+        <p:nvCxnSpPr>
+          <p:cNvPr id="42" name="直接连接符 41">
+            <a:extLst>
+              <a:ext uri="{FF2B5EF4-FFF2-40B4-BE49-F238E27FC236}">
+                <a16:creationId xmlns:a16="http://schemas.microsoft.com/office/drawing/2014/main" id="{D50D6AB5-4D89-4BA6-A7E8-F8E26F6D2885}"/>
+              </a:ext>
+            </a:extLst>
+          </p:cNvPr>
+          <p:cNvCxnSpPr>
+            <a:cxnSpLocks/>
+          </p:cNvCxnSpPr>
+          <p:nvPr/>
+        </p:nvCxnSpPr>
+        <p:spPr>
+          <a:xfrm>
+            <a:off x="5900792" y="2749600"/>
+            <a:ext cx="0" cy="4018151"/>
+          </a:xfrm>
+          <a:prstGeom prst="line">
+            <a:avLst/>
+          </a:prstGeom>
+          <a:ln>
+            <a:solidFill>
+              <a:schemeClr val="accent1"/>
+            </a:solidFill>
+            <a:prstDash val="dash"/>
+          </a:ln>
+        </p:spPr>
+        <p:style>
+          <a:lnRef idx="1">
+            <a:schemeClr val="accent1"/>
+          </a:lnRef>
+          <a:fillRef idx="0">
+            <a:schemeClr val="accent1"/>
+          </a:fillRef>
+          <a:effectRef idx="0">
+            <a:schemeClr val="accent1"/>
+          </a:effectRef>
+          <a:fontRef idx="minor">
+            <a:schemeClr val="tx1"/>
+          </a:fontRef>
+        </p:style>
+      </p:cxnSp>
+      <p:sp>
+        <p:nvSpPr>
+          <p:cNvPr id="16" name="文本框 15">
+            <a:extLst>
+              <a:ext uri="{FF2B5EF4-FFF2-40B4-BE49-F238E27FC236}">
+                <a16:creationId xmlns:a16="http://schemas.microsoft.com/office/drawing/2014/main" id="{07128EE0-A808-4AAB-488A-DAAF10473AC0}"/>
+              </a:ext>
+            </a:extLst>
+          </p:cNvPr>
+          <p:cNvSpPr txBox="1"/>
+          <p:nvPr/>
+        </p:nvSpPr>
+        <p:spPr>
+          <a:xfrm>
+            <a:off x="2871297" y="2813342"/>
+            <a:ext cx="708917" cy="369332"/>
+          </a:xfrm>
+          <a:prstGeom prst="rect">
+            <a:avLst/>
+          </a:prstGeom>
+          <a:noFill/>
+        </p:spPr>
+        <p:txBody>
+          <a:bodyPr wrap="square" rtlCol="0">
+            <a:spAutoFit/>
+          </a:bodyPr>
+          <a:lstStyle/>
+          <a:p>
+            <a:r>
+              <a:rPr lang="zh-CN" altLang="en-US" dirty="0"/>
+              <a:t>生成</a:t>
+            </a:r>
+          </a:p>
+        </p:txBody>
+      </p:sp>
+      <p:sp>
+        <p:nvSpPr>
+          <p:cNvPr id="18" name="文本框 17">
+            <a:extLst>
+              <a:ext uri="{FF2B5EF4-FFF2-40B4-BE49-F238E27FC236}">
+                <a16:creationId xmlns:a16="http://schemas.microsoft.com/office/drawing/2014/main" id="{035EADB8-B836-BBCB-4B3A-4AD98E84DCBD}"/>
+              </a:ext>
+            </a:extLst>
+          </p:cNvPr>
+          <p:cNvSpPr txBox="1"/>
+          <p:nvPr/>
+        </p:nvSpPr>
+        <p:spPr>
+          <a:xfrm>
+            <a:off x="5581843" y="2848847"/>
+            <a:ext cx="708917" cy="369332"/>
+          </a:xfrm>
+          <a:prstGeom prst="rect">
+            <a:avLst/>
+          </a:prstGeom>
+          <a:noFill/>
+        </p:spPr>
+        <p:txBody>
+          <a:bodyPr wrap="square" rtlCol="0">
+            <a:spAutoFit/>
+          </a:bodyPr>
+          <a:lstStyle/>
+          <a:p>
+            <a:r>
+              <a:rPr lang="zh-CN" altLang="en-US" dirty="0"/>
+              <a:t>生成</a:t>
+            </a:r>
+          </a:p>
+        </p:txBody>
+      </p:sp>
+      <p:sp>
+        <p:nvSpPr>
+          <p:cNvPr id="21" name="矩形 20">
+            <a:extLst>
+              <a:ext uri="{FF2B5EF4-FFF2-40B4-BE49-F238E27FC236}">
+                <a16:creationId xmlns:a16="http://schemas.microsoft.com/office/drawing/2014/main" id="{53272BCD-B3A7-5DDB-7DF7-DE9D53F7B669}"/>
+              </a:ext>
+            </a:extLst>
+          </p:cNvPr>
+          <p:cNvSpPr/>
+          <p:nvPr/>
+        </p:nvSpPr>
+        <p:spPr>
+          <a:xfrm>
+            <a:off x="3744932" y="1393457"/>
+            <a:ext cx="1661602" cy="751537"/>
+          </a:xfrm>
+          <a:prstGeom prst="rect">
+            <a:avLst/>
+          </a:prstGeom>
+        </p:spPr>
+        <p:style>
+          <a:lnRef idx="2">
+            <a:schemeClr val="accent1">
+              <a:shade val="50000"/>
+            </a:schemeClr>
+          </a:lnRef>
+          <a:fillRef idx="1">
+            <a:schemeClr val="accent1"/>
+          </a:fillRef>
+          <a:effectRef idx="0">
+            <a:schemeClr val="accent1"/>
+          </a:effectRef>
+          <a:fontRef idx="minor">
+            <a:schemeClr val="lt1"/>
+          </a:fontRef>
+        </p:style>
+        <p:txBody>
+          <a:bodyPr rtlCol="0" anchor="ctr"/>
+          <a:lstStyle/>
+          <a:p>
+            <a:pPr algn="ctr"/>
+            <a:r>
+              <a:rPr lang="en-US" altLang="zh-CN" dirty="0" err="1"/>
+              <a:t>GraphQL</a:t>
+            </a:r>
+            <a:endParaRPr lang="zh-CN" altLang="en-US" dirty="0"/>
+          </a:p>
+        </p:txBody>
+      </p:sp>
+      <p:sp>
+        <p:nvSpPr>
+          <p:cNvPr id="36" name="箭头: 上 35">
+            <a:extLst>
+              <a:ext uri="{FF2B5EF4-FFF2-40B4-BE49-F238E27FC236}">
+                <a16:creationId xmlns:a16="http://schemas.microsoft.com/office/drawing/2014/main" id="{AF326EC7-1256-780A-B70E-2888D1738247}"/>
+              </a:ext>
+            </a:extLst>
+          </p:cNvPr>
+          <p:cNvSpPr/>
+          <p:nvPr/>
+        </p:nvSpPr>
+        <p:spPr>
+          <a:xfrm>
+            <a:off x="4436907" y="2299827"/>
+            <a:ext cx="168315" cy="369331"/>
+          </a:xfrm>
+          <a:prstGeom prst="upArrow">
+            <a:avLst/>
+          </a:prstGeom>
+        </p:spPr>
+        <p:style>
+          <a:lnRef idx="2">
+            <a:schemeClr val="accent1">
+              <a:shade val="50000"/>
+            </a:schemeClr>
+          </a:lnRef>
+          <a:fillRef idx="1">
+            <a:schemeClr val="accent1"/>
+          </a:fillRef>
+          <a:effectRef idx="0">
+            <a:schemeClr val="accent1"/>
+          </a:effectRef>
+          <a:fontRef idx="minor">
+            <a:schemeClr val="lt1"/>
+          </a:fontRef>
+        </p:style>
+        <p:txBody>
+          <a:bodyPr rtlCol="0" anchor="ctr"/>
+          <a:lstStyle/>
+          <a:p>
+            <a:pPr algn="ctr"/>
+            <a:endParaRPr lang="zh-CN" altLang="en-US"/>
+          </a:p>
+        </p:txBody>
+      </p:sp>
+      <p:sp>
+        <p:nvSpPr>
+          <p:cNvPr id="37" name="文本框 36">
+            <a:extLst>
+              <a:ext uri="{FF2B5EF4-FFF2-40B4-BE49-F238E27FC236}">
+                <a16:creationId xmlns:a16="http://schemas.microsoft.com/office/drawing/2014/main" id="{0A0BDC57-58BE-9A32-3FB7-E926CFEAEE82}"/>
+              </a:ext>
+            </a:extLst>
+          </p:cNvPr>
+          <p:cNvSpPr txBox="1"/>
+          <p:nvPr/>
+        </p:nvSpPr>
+        <p:spPr>
+          <a:xfrm>
+            <a:off x="4693796" y="2287587"/>
+            <a:ext cx="1220709" cy="369332"/>
+          </a:xfrm>
+          <a:prstGeom prst="rect">
+            <a:avLst/>
+          </a:prstGeom>
+          <a:noFill/>
+        </p:spPr>
+        <p:txBody>
+          <a:bodyPr wrap="square" rtlCol="0">
+            <a:spAutoFit/>
+          </a:bodyPr>
+          <a:lstStyle/>
+          <a:p>
+            <a:r>
+              <a:rPr lang="en-US" altLang="zh-CN" dirty="0" err="1"/>
               <a:t>BizModel</a:t>
             </a:r>
-            <a:endParaRPr lang="zh-CN" altLang="en-US" sz="3200" b="1" dirty="0"/>
+            <a:endParaRPr lang="en-US" altLang="zh-CN" dirty="0"/>
+          </a:p>
+        </p:txBody>
+      </p:sp>
+      <p:sp>
+        <p:nvSpPr>
+          <p:cNvPr id="41" name="加号 40">
+            <a:extLst>
+              <a:ext uri="{FF2B5EF4-FFF2-40B4-BE49-F238E27FC236}">
+                <a16:creationId xmlns:a16="http://schemas.microsoft.com/office/drawing/2014/main" id="{9231E943-E955-B34C-F9CC-CCDADFCEF50E}"/>
+              </a:ext>
+            </a:extLst>
+          </p:cNvPr>
+          <p:cNvSpPr/>
+          <p:nvPr/>
+        </p:nvSpPr>
+        <p:spPr>
+          <a:xfrm>
+            <a:off x="4348332" y="2322000"/>
+            <a:ext cx="345464" cy="369332"/>
+          </a:xfrm>
+          <a:prstGeom prst="mathPlus">
+            <a:avLst/>
+          </a:prstGeom>
+        </p:spPr>
+        <p:style>
+          <a:lnRef idx="2">
+            <a:schemeClr val="accent1">
+              <a:shade val="50000"/>
+            </a:schemeClr>
+          </a:lnRef>
+          <a:fillRef idx="1">
+            <a:schemeClr val="accent1"/>
+          </a:fillRef>
+          <a:effectRef idx="0">
+            <a:schemeClr val="accent1"/>
+          </a:effectRef>
+          <a:fontRef idx="minor">
+            <a:schemeClr val="lt1"/>
+          </a:fontRef>
+        </p:style>
+        <p:txBody>
+          <a:bodyPr rtlCol="0" anchor="ctr"/>
+          <a:lstStyle/>
+          <a:p>
+            <a:pPr algn="ctr"/>
+            <a:endParaRPr lang="zh-CN" altLang="en-US"/>
+          </a:p>
+        </p:txBody>
+      </p:sp>
+      <p:cxnSp>
+        <p:nvCxnSpPr>
+          <p:cNvPr id="50" name="连接符: 肘形 49">
+            <a:extLst>
+              <a:ext uri="{FF2B5EF4-FFF2-40B4-BE49-F238E27FC236}">
+                <a16:creationId xmlns:a16="http://schemas.microsoft.com/office/drawing/2014/main" id="{D53C0396-B1E4-2401-DA0E-CCA76C4CC91E}"/>
+              </a:ext>
+            </a:extLst>
+          </p:cNvPr>
+          <p:cNvCxnSpPr>
+            <a:cxnSpLocks/>
+          </p:cNvCxnSpPr>
+          <p:nvPr/>
+        </p:nvCxnSpPr>
+        <p:spPr>
+          <a:xfrm>
+            <a:off x="2878955" y="3380746"/>
+            <a:ext cx="763177" cy="590140"/>
+          </a:xfrm>
+          <a:prstGeom prst="bentConnector3">
+            <a:avLst>
+              <a:gd name="adj1" fmla="val 50000"/>
+            </a:avLst>
+          </a:prstGeom>
+          <a:ln w="53975">
+            <a:tailEnd type="triangle"/>
+          </a:ln>
+        </p:spPr>
+        <p:style>
+          <a:lnRef idx="1">
+            <a:schemeClr val="accent1"/>
+          </a:lnRef>
+          <a:fillRef idx="0">
+            <a:schemeClr val="accent1"/>
+          </a:fillRef>
+          <a:effectRef idx="0">
+            <a:schemeClr val="accent1"/>
+          </a:effectRef>
+          <a:fontRef idx="minor">
+            <a:schemeClr val="tx1"/>
+          </a:fontRef>
+        </p:style>
+      </p:cxnSp>
+      <p:cxnSp>
+        <p:nvCxnSpPr>
+          <p:cNvPr id="56" name="连接符: 肘形 55">
+            <a:extLst>
+              <a:ext uri="{FF2B5EF4-FFF2-40B4-BE49-F238E27FC236}">
+                <a16:creationId xmlns:a16="http://schemas.microsoft.com/office/drawing/2014/main" id="{57F9F954-A1D8-9A79-F3ED-BD312B9031E7}"/>
+              </a:ext>
+            </a:extLst>
+          </p:cNvPr>
+          <p:cNvCxnSpPr>
+            <a:cxnSpLocks/>
+          </p:cNvCxnSpPr>
+          <p:nvPr/>
+        </p:nvCxnSpPr>
+        <p:spPr>
+          <a:xfrm>
+            <a:off x="5531645" y="3430406"/>
+            <a:ext cx="763177" cy="590140"/>
+          </a:xfrm>
+          <a:prstGeom prst="bentConnector3">
+            <a:avLst>
+              <a:gd name="adj1" fmla="val 50000"/>
+            </a:avLst>
+          </a:prstGeom>
+          <a:ln w="53975">
+            <a:tailEnd type="triangle"/>
+          </a:ln>
+        </p:spPr>
+        <p:style>
+          <a:lnRef idx="1">
+            <a:schemeClr val="accent1"/>
+          </a:lnRef>
+          <a:fillRef idx="0">
+            <a:schemeClr val="accent1"/>
+          </a:fillRef>
+          <a:effectRef idx="0">
+            <a:schemeClr val="accent1"/>
+          </a:effectRef>
+          <a:fontRef idx="minor">
+            <a:schemeClr val="tx1"/>
+          </a:fontRef>
+        </p:style>
+      </p:cxnSp>
+      <p:cxnSp>
+        <p:nvCxnSpPr>
+          <p:cNvPr id="57" name="连接符: 肘形 56">
+            <a:extLst>
+              <a:ext uri="{FF2B5EF4-FFF2-40B4-BE49-F238E27FC236}">
+                <a16:creationId xmlns:a16="http://schemas.microsoft.com/office/drawing/2014/main" id="{69B37F02-B6DF-3079-E988-DFAEC8F2B29E}"/>
+              </a:ext>
+            </a:extLst>
+          </p:cNvPr>
+          <p:cNvCxnSpPr>
+            <a:cxnSpLocks/>
+          </p:cNvCxnSpPr>
+          <p:nvPr/>
+        </p:nvCxnSpPr>
+        <p:spPr>
+          <a:xfrm>
+            <a:off x="8273129" y="3428696"/>
+            <a:ext cx="763177" cy="590140"/>
+          </a:xfrm>
+          <a:prstGeom prst="bentConnector3">
+            <a:avLst>
+              <a:gd name="adj1" fmla="val 50000"/>
+            </a:avLst>
+          </a:prstGeom>
+          <a:ln w="53975">
+            <a:tailEnd type="triangle"/>
+          </a:ln>
+        </p:spPr>
+        <p:style>
+          <a:lnRef idx="1">
+            <a:schemeClr val="accent1"/>
+          </a:lnRef>
+          <a:fillRef idx="0">
+            <a:schemeClr val="accent1"/>
+          </a:fillRef>
+          <a:effectRef idx="0">
+            <a:schemeClr val="accent1"/>
+          </a:effectRef>
+          <a:fontRef idx="minor">
+            <a:schemeClr val="tx1"/>
+          </a:fontRef>
+        </p:style>
+      </p:cxnSp>
+      <p:sp>
+        <p:nvSpPr>
+          <p:cNvPr id="59" name="文本框 58">
+            <a:extLst>
+              <a:ext uri="{FF2B5EF4-FFF2-40B4-BE49-F238E27FC236}">
+                <a16:creationId xmlns:a16="http://schemas.microsoft.com/office/drawing/2014/main" id="{61EA4447-5C5C-F1A0-4594-4664B9C02180}"/>
+              </a:ext>
+            </a:extLst>
+          </p:cNvPr>
+          <p:cNvSpPr txBox="1"/>
+          <p:nvPr/>
+        </p:nvSpPr>
+        <p:spPr>
+          <a:xfrm>
+            <a:off x="8179491" y="2847137"/>
+            <a:ext cx="708917" cy="369332"/>
+          </a:xfrm>
+          <a:prstGeom prst="rect">
+            <a:avLst/>
+          </a:prstGeom>
+          <a:noFill/>
+        </p:spPr>
+        <p:txBody>
+          <a:bodyPr wrap="square" rtlCol="0">
+            <a:spAutoFit/>
+          </a:bodyPr>
+          <a:lstStyle/>
+          <a:p>
+            <a:r>
+              <a:rPr lang="zh-CN" altLang="en-US" dirty="0"/>
+              <a:t>生成</a:t>
+            </a:r>
           </a:p>
         </p:txBody>
       </p:sp>
     </p:spTree>
     <p:extLst>
       <p:ext uri="{BB962C8B-B14F-4D97-AF65-F5344CB8AC3E}">
-        <p14:creationId xmlns:p14="http://schemas.microsoft.com/office/powerpoint/2010/main" val="881827011"/>
+        <p14:creationId xmlns:p14="http://schemas.microsoft.com/office/powerpoint/2010/main" val="138928013"/>
       </p:ext>
     </p:extLst>
   </p:cSld>
@@ -5238,40 +5470,42 @@
           <a:chExt cx="0" cy="0"/>
         </a:xfrm>
       </p:grpSpPr>
-      <p:sp>
-        <p:nvSpPr>
-          <p:cNvPr id="2" name="标题 1">
-            <a:extLst>
-              <a:ext uri="{FF2B5EF4-FFF2-40B4-BE49-F238E27FC236}">
-                <a16:creationId xmlns:a16="http://schemas.microsoft.com/office/drawing/2014/main" id="{7B078A78-F1A6-B200-A327-496477BABCB1}"/>
-              </a:ext>
-            </a:extLst>
-          </p:cNvPr>
-          <p:cNvSpPr>
-            <a:spLocks noGrp="1"/>
-          </p:cNvSpPr>
-          <p:nvPr>
-            <p:ph type="title"/>
-          </p:nvPr>
-        </p:nvSpPr>
-        <p:spPr/>
-        <p:txBody>
-          <a:bodyPr/>
-          <a:lstStyle/>
-          <a:p>
-            <a:r>
-              <a:rPr lang="zh-CN" altLang="en-US" b="1" dirty="0"/>
-              <a:t>在金融科技方面的应用</a:t>
-            </a:r>
-          </a:p>
-        </p:txBody>
-      </p:sp>
-      <p:sp>
-        <p:nvSpPr>
-          <p:cNvPr id="3" name="文本框 2">
-            <a:extLst>
-              <a:ext uri="{FF2B5EF4-FFF2-40B4-BE49-F238E27FC236}">
-                <a16:creationId xmlns:a16="http://schemas.microsoft.com/office/drawing/2014/main" id="{ECE04C1C-1A27-7EF8-F549-0CA12B0352B7}"/>
+      <p:pic>
+        <p:nvPicPr>
+          <p:cNvPr id="3" name="图片 2">
+            <a:extLst>
+              <a:ext uri="{FF2B5EF4-FFF2-40B4-BE49-F238E27FC236}">
+                <a16:creationId xmlns:a16="http://schemas.microsoft.com/office/drawing/2014/main" id="{AC87EDDB-1E43-486E-03E5-6E6C0523EFB0}"/>
+              </a:ext>
+            </a:extLst>
+          </p:cNvPr>
+          <p:cNvPicPr>
+            <a:picLocks noChangeAspect="1"/>
+          </p:cNvPicPr>
+          <p:nvPr/>
+        </p:nvPicPr>
+        <p:blipFill>
+          <a:blip r:embed="rId2"/>
+          <a:stretch>
+            <a:fillRect/>
+          </a:stretch>
+        </p:blipFill>
+        <p:spPr>
+          <a:xfrm>
+            <a:off x="1547130" y="506189"/>
+            <a:ext cx="8726076" cy="6328222"/>
+          </a:xfrm>
+          <a:prstGeom prst="rect">
+            <a:avLst/>
+          </a:prstGeom>
+        </p:spPr>
+      </p:pic>
+      <p:sp>
+        <p:nvSpPr>
+          <p:cNvPr id="8" name="文本框 7">
+            <a:extLst>
+              <a:ext uri="{FF2B5EF4-FFF2-40B4-BE49-F238E27FC236}">
+                <a16:creationId xmlns:a16="http://schemas.microsoft.com/office/drawing/2014/main" id="{DFB1FE9B-8B28-28F7-2F2F-187EBC612C0D}"/>
               </a:ext>
             </a:extLst>
           </p:cNvPr>
@@ -5280,8 +5514,8 @@
         </p:nvSpPr>
         <p:spPr>
           <a:xfrm>
-            <a:off x="930729" y="1828800"/>
-            <a:ext cx="7780564" cy="4062651"/>
+            <a:off x="204105" y="506189"/>
+            <a:ext cx="2669723" cy="579665"/>
           </a:xfrm>
           <a:prstGeom prst="rect">
             <a:avLst/>
@@ -5294,188 +5528,18 @@
           </a:bodyPr>
           <a:lstStyle/>
           <a:p>
-            <a:pPr marL="342900" indent="-342900">
-              <a:buFont typeface="Wingdings" panose="05000000000000000000" pitchFamily="2" charset="2"/>
-              <a:buChar char="ü"/>
-            </a:pPr>
-            <a:r>
-              <a:rPr lang="zh-CN" altLang="en-US" sz="2400" dirty="0"/>
-              <a:t>数据模型（</a:t>
-            </a:r>
-            <a:r>
-              <a:rPr lang="zh-CN" altLang="en-US" dirty="0"/>
-              <a:t>自动生成数据访问层代码和数据库定义</a:t>
-            </a:r>
-            <a:r>
-              <a:rPr lang="zh-CN" altLang="en-US" sz="2400" dirty="0"/>
-              <a:t>）</a:t>
-            </a:r>
-            <a:endParaRPr lang="en-US" altLang="zh-CN" sz="2400" dirty="0"/>
-          </a:p>
-          <a:p>
-            <a:pPr marL="342900" indent="-342900">
-              <a:buFont typeface="Wingdings" panose="05000000000000000000" pitchFamily="2" charset="2"/>
-              <a:buChar char="ü"/>
-            </a:pPr>
-            <a:r>
-              <a:rPr lang="en-US" altLang="zh-CN" sz="2400" dirty="0"/>
-              <a:t>API</a:t>
-            </a:r>
-            <a:r>
-              <a:rPr lang="zh-CN" altLang="en-US" sz="2400" dirty="0"/>
-              <a:t>接口模型（</a:t>
-            </a:r>
-            <a:r>
-              <a:rPr lang="zh-CN" altLang="en-US" dirty="0"/>
-              <a:t>自动生成</a:t>
-            </a:r>
-            <a:r>
-              <a:rPr lang="en-US" altLang="zh-CN" dirty="0"/>
-              <a:t>API</a:t>
-            </a:r>
-            <a:r>
-              <a:rPr lang="zh-CN" altLang="en-US" dirty="0"/>
-              <a:t>接口和缺省实现</a:t>
-            </a:r>
-            <a:r>
-              <a:rPr lang="zh-CN" altLang="en-US" sz="2400" dirty="0"/>
-              <a:t>）</a:t>
-            </a:r>
-            <a:endParaRPr lang="en-US" altLang="zh-CN" sz="2400" dirty="0"/>
-          </a:p>
-          <a:p>
-            <a:pPr marL="342900" indent="-342900">
-              <a:buFont typeface="Wingdings" panose="05000000000000000000" pitchFamily="2" charset="2"/>
-              <a:buChar char="ü"/>
-            </a:pPr>
-            <a:r>
-              <a:rPr lang="en-US" altLang="zh-CN" sz="2400" dirty="0"/>
-              <a:t>TCP</a:t>
-            </a:r>
-            <a:r>
-              <a:rPr lang="zh-CN" altLang="en-US" sz="2400" dirty="0"/>
-              <a:t>网络消息模型（</a:t>
-            </a:r>
-            <a:r>
-              <a:rPr lang="zh-CN" altLang="en-US" dirty="0"/>
-              <a:t>自动解析和生成网络协议包</a:t>
-            </a:r>
-            <a:r>
-              <a:rPr lang="zh-CN" altLang="en-US" sz="2400" dirty="0"/>
-              <a:t>）</a:t>
-            </a:r>
-            <a:endParaRPr lang="en-US" altLang="zh-CN" sz="2400" dirty="0"/>
-          </a:p>
-          <a:p>
-            <a:pPr marL="342900" indent="-342900">
-              <a:buFont typeface="Wingdings" panose="05000000000000000000" pitchFamily="2" charset="2"/>
-              <a:buChar char="ü"/>
-            </a:pPr>
-            <a:r>
-              <a:rPr lang="zh-CN" altLang="en-US" sz="2400" dirty="0"/>
-              <a:t>批处理文件格式模型（</a:t>
-            </a:r>
-            <a:r>
-              <a:rPr lang="zh-CN" altLang="en-US" dirty="0"/>
-              <a:t>自动生成和解析定长文件</a:t>
-            </a:r>
-            <a:r>
-              <a:rPr lang="zh-CN" altLang="en-US" sz="2400" dirty="0"/>
-              <a:t>）</a:t>
-            </a:r>
-            <a:endParaRPr lang="en-US" altLang="zh-CN" sz="2400" dirty="0"/>
-          </a:p>
-          <a:p>
-            <a:pPr marL="342900" indent="-342900">
-              <a:buFont typeface="Wingdings" panose="05000000000000000000" pitchFamily="2" charset="2"/>
-              <a:buChar char="ü"/>
-            </a:pPr>
-            <a:r>
-              <a:rPr lang="zh-CN" altLang="en-US" sz="2400" dirty="0"/>
-              <a:t>批处理任务模型（</a:t>
-            </a:r>
-            <a:r>
-              <a:rPr lang="zh-CN" altLang="en-US" dirty="0"/>
-              <a:t>编配分布式批处理任务</a:t>
-            </a:r>
-            <a:r>
-              <a:rPr lang="zh-CN" altLang="en-US" sz="2400" dirty="0"/>
-              <a:t>）</a:t>
-            </a:r>
-            <a:endParaRPr lang="en-US" altLang="zh-CN" sz="2400" dirty="0"/>
-          </a:p>
-          <a:p>
-            <a:pPr marL="342900" indent="-342900">
-              <a:buFont typeface="Wingdings" panose="05000000000000000000" pitchFamily="2" charset="2"/>
-              <a:buChar char="ü"/>
-            </a:pPr>
-            <a:r>
-              <a:rPr lang="zh-CN" altLang="en-US" sz="2400" dirty="0"/>
-              <a:t>业务规则模型和数据有效性校验模型</a:t>
-            </a:r>
-            <a:endParaRPr lang="en-US" altLang="zh-CN" sz="2400" dirty="0"/>
-          </a:p>
-          <a:p>
-            <a:pPr marL="342900" indent="-342900">
-              <a:buFont typeface="Wingdings" panose="05000000000000000000" pitchFamily="2" charset="2"/>
-              <a:buChar char="ü"/>
-            </a:pPr>
-            <a:r>
-              <a:rPr lang="zh-CN" altLang="en-US" sz="2400" dirty="0"/>
-              <a:t>业务处理流程模型</a:t>
-            </a:r>
-            <a:endParaRPr lang="en-US" altLang="zh-CN" sz="2400" dirty="0"/>
-          </a:p>
-          <a:p>
-            <a:pPr marL="342900" indent="-342900">
-              <a:buFont typeface="Wingdings" panose="05000000000000000000" pitchFamily="2" charset="2"/>
-              <a:buChar char="ü"/>
-            </a:pPr>
-            <a:r>
-              <a:rPr lang="zh-CN" altLang="en-US" sz="2400" dirty="0"/>
-              <a:t>压力测试数据模型（</a:t>
-            </a:r>
-            <a:r>
-              <a:rPr lang="zh-CN" altLang="en-US" dirty="0"/>
-              <a:t>自动生成具有指定分布的测试数据</a:t>
-            </a:r>
-            <a:r>
-              <a:rPr lang="zh-CN" altLang="en-US" sz="2400" dirty="0"/>
-              <a:t>）</a:t>
-            </a:r>
-            <a:endParaRPr lang="en-US" altLang="zh-CN" sz="2400" dirty="0"/>
-          </a:p>
-          <a:p>
-            <a:pPr marL="342900" indent="-342900">
-              <a:buFont typeface="Wingdings" panose="05000000000000000000" pitchFamily="2" charset="2"/>
-              <a:buChar char="ü"/>
-            </a:pPr>
-            <a:r>
-              <a:rPr lang="zh-CN" altLang="en-US" sz="2400" dirty="0"/>
-              <a:t>前端页面模型</a:t>
-            </a:r>
-            <a:endParaRPr lang="en-US" altLang="zh-CN" sz="2400" dirty="0"/>
-          </a:p>
-          <a:p>
-            <a:pPr marL="342900" indent="-342900">
-              <a:buFont typeface="Wingdings" panose="05000000000000000000" pitchFamily="2" charset="2"/>
-              <a:buChar char="ü"/>
-            </a:pPr>
-            <a:r>
-              <a:rPr lang="zh-CN" altLang="en-US" sz="2400" dirty="0"/>
-              <a:t>报表模型</a:t>
-            </a:r>
-            <a:endParaRPr lang="en-US" altLang="zh-CN" sz="2400" dirty="0"/>
-          </a:p>
-          <a:p>
-            <a:endParaRPr lang="zh-CN" altLang="en-US" dirty="0"/>
+            <a:r>
+              <a:rPr lang="en-US" altLang="zh-CN" sz="3200" b="1" dirty="0" err="1"/>
+              <a:t>BizModel</a:t>
+            </a:r>
+            <a:endParaRPr lang="zh-CN" altLang="en-US" sz="3200" b="1" dirty="0"/>
           </a:p>
         </p:txBody>
       </p:sp>
     </p:spTree>
     <p:extLst>
       <p:ext uri="{BB962C8B-B14F-4D97-AF65-F5344CB8AC3E}">
-        <p14:creationId xmlns:p14="http://schemas.microsoft.com/office/powerpoint/2010/main" val="1461263850"/>
+        <p14:creationId xmlns:p14="http://schemas.microsoft.com/office/powerpoint/2010/main" val="881827011"/>
       </p:ext>
     </p:extLst>
   </p:cSld>
@@ -5525,25 +5589,17 @@
           <a:p>
             <a:r>
               <a:rPr lang="zh-CN" altLang="en-US" b="1" dirty="0"/>
-              <a:t>基于</a:t>
-            </a:r>
-            <a:r>
-              <a:rPr lang="en-US" altLang="zh-CN" b="1" dirty="0" err="1"/>
-              <a:t>Nop</a:t>
-            </a:r>
-            <a:r>
-              <a:rPr lang="zh-CN" altLang="en-US" b="1" dirty="0"/>
-              <a:t>平台的定制化开发</a:t>
-            </a:r>
-          </a:p>
-        </p:txBody>
-      </p:sp>
-      <p:sp>
-        <p:nvSpPr>
-          <p:cNvPr id="9" name="文本框 8">
-            <a:extLst>
-              <a:ext uri="{FF2B5EF4-FFF2-40B4-BE49-F238E27FC236}">
-                <a16:creationId xmlns:a16="http://schemas.microsoft.com/office/drawing/2014/main" id="{540A60B3-93A5-7288-4BDF-50258236F659}"/>
+              <a:t>在金融科技方面的应用</a:t>
+            </a:r>
+          </a:p>
+        </p:txBody>
+      </p:sp>
+      <p:sp>
+        <p:nvSpPr>
+          <p:cNvPr id="3" name="文本框 2">
+            <a:extLst>
+              <a:ext uri="{FF2B5EF4-FFF2-40B4-BE49-F238E27FC236}">
+                <a16:creationId xmlns:a16="http://schemas.microsoft.com/office/drawing/2014/main" id="{ECE04C1C-1A27-7EF8-F549-0CA12B0352B7}"/>
               </a:ext>
             </a:extLst>
           </p:cNvPr>
@@ -5552,8 +5608,8 @@
         </p:nvSpPr>
         <p:spPr>
           <a:xfrm>
-            <a:off x="838200" y="1583872"/>
-            <a:ext cx="10208079" cy="4031873"/>
+            <a:off x="930729" y="1828800"/>
+            <a:ext cx="7780564" cy="4062651"/>
           </a:xfrm>
           <a:prstGeom prst="rect">
             <a:avLst/>
@@ -5566,163 +5622,188 @@
           </a:bodyPr>
           <a:lstStyle/>
           <a:p>
-            <a:pPr marL="457200" indent="-457200">
+            <a:pPr marL="342900" indent="-342900">
               <a:buFont typeface="Wingdings" panose="05000000000000000000" pitchFamily="2" charset="2"/>
-              <a:buChar char="Ø"/>
+              <a:buChar char="ü"/>
             </a:pPr>
             <a:r>
-              <a:rPr lang="zh-CN" altLang="en-US" sz="3200" dirty="0"/>
-              <a:t>专用的</a:t>
-            </a:r>
-            <a:r>
-              <a:rPr lang="en-US" altLang="zh-CN" sz="3200" dirty="0"/>
-              <a:t>Delta</a:t>
-            </a:r>
-            <a:r>
-              <a:rPr lang="zh-CN" altLang="en-US" sz="3200" dirty="0"/>
-              <a:t>模块</a:t>
-            </a:r>
-            <a:endParaRPr lang="en-US" altLang="zh-CN" sz="3200" dirty="0"/>
-          </a:p>
-          <a:p>
-            <a:pPr marL="457200" indent="-457200">
+              <a:rPr lang="zh-CN" altLang="en-US" sz="2400" dirty="0"/>
+              <a:t>数据模型（</a:t>
+            </a:r>
+            <a:r>
+              <a:rPr lang="zh-CN" altLang="en-US" dirty="0"/>
+              <a:t>自动生成数据访问层代码和数据库定义</a:t>
+            </a:r>
+            <a:r>
+              <a:rPr lang="zh-CN" altLang="en-US" sz="2400" dirty="0"/>
+              <a:t>）</a:t>
+            </a:r>
+            <a:endParaRPr lang="en-US" altLang="zh-CN" sz="2400" dirty="0"/>
+          </a:p>
+          <a:p>
+            <a:pPr marL="342900" indent="-342900">
               <a:buFont typeface="Wingdings" panose="05000000000000000000" pitchFamily="2" charset="2"/>
-              <a:buChar char="Ø"/>
+              <a:buChar char="ü"/>
             </a:pPr>
             <a:r>
-              <a:rPr lang="zh-CN" altLang="en-US" sz="3200" dirty="0"/>
-              <a:t>数据模型的</a:t>
-            </a:r>
-            <a:r>
-              <a:rPr lang="en-US" altLang="zh-CN" sz="3200" dirty="0"/>
-              <a:t>Delta</a:t>
-            </a:r>
-            <a:r>
-              <a:rPr lang="zh-CN" altLang="en-US" sz="3200" dirty="0"/>
-              <a:t>定制</a:t>
-            </a:r>
-            <a:endParaRPr lang="en-US" altLang="zh-CN" sz="3200" dirty="0"/>
-          </a:p>
-          <a:p>
-            <a:pPr marL="457200" indent="-457200">
+              <a:rPr lang="en-US" altLang="zh-CN" sz="2400" dirty="0"/>
+              <a:t>API</a:t>
+            </a:r>
+            <a:r>
+              <a:rPr lang="zh-CN" altLang="en-US" sz="2400" dirty="0"/>
+              <a:t>接口模型（</a:t>
+            </a:r>
+            <a:r>
+              <a:rPr lang="zh-CN" altLang="en-US" dirty="0"/>
+              <a:t>自动生成</a:t>
+            </a:r>
+            <a:r>
+              <a:rPr lang="en-US" altLang="zh-CN" dirty="0"/>
+              <a:t>API</a:t>
+            </a:r>
+            <a:r>
+              <a:rPr lang="zh-CN" altLang="en-US" dirty="0"/>
+              <a:t>接口和缺省实现</a:t>
+            </a:r>
+            <a:r>
+              <a:rPr lang="zh-CN" altLang="en-US" sz="2400" dirty="0"/>
+              <a:t>）</a:t>
+            </a:r>
+            <a:endParaRPr lang="en-US" altLang="zh-CN" sz="2400" dirty="0"/>
+          </a:p>
+          <a:p>
+            <a:pPr marL="342900" indent="-342900">
               <a:buFont typeface="Wingdings" panose="05000000000000000000" pitchFamily="2" charset="2"/>
-              <a:buChar char="Ø"/>
+              <a:buChar char="ü"/>
             </a:pPr>
             <a:r>
-              <a:rPr lang="en-US" altLang="zh-CN" sz="3200" dirty="0"/>
-              <a:t>IoC</a:t>
-            </a:r>
-            <a:r>
-              <a:rPr lang="zh-CN" altLang="en-US" sz="3200" dirty="0"/>
-              <a:t>容器的</a:t>
-            </a:r>
-            <a:r>
-              <a:rPr lang="en-US" altLang="zh-CN" sz="3200" dirty="0"/>
-              <a:t>Delta</a:t>
-            </a:r>
-            <a:r>
-              <a:rPr lang="zh-CN" altLang="en-US" sz="3200" dirty="0"/>
-              <a:t>定制</a:t>
-            </a:r>
-            <a:endParaRPr lang="en-US" altLang="zh-CN" sz="3200" dirty="0"/>
-          </a:p>
-          <a:p>
-            <a:pPr marL="457200" indent="-457200">
+              <a:rPr lang="en-US" altLang="zh-CN" sz="2400" dirty="0"/>
+              <a:t>TCP</a:t>
+            </a:r>
+            <a:r>
+              <a:rPr lang="zh-CN" altLang="en-US" sz="2400" dirty="0"/>
+              <a:t>网络消息模型（</a:t>
+            </a:r>
+            <a:r>
+              <a:rPr lang="zh-CN" altLang="en-US" dirty="0"/>
+              <a:t>自动解析和生成网络协议包</a:t>
+            </a:r>
+            <a:r>
+              <a:rPr lang="zh-CN" altLang="en-US" sz="2400" dirty="0"/>
+              <a:t>）</a:t>
+            </a:r>
+            <a:endParaRPr lang="en-US" altLang="zh-CN" sz="2400" dirty="0"/>
+          </a:p>
+          <a:p>
+            <a:pPr marL="342900" indent="-342900">
               <a:buFont typeface="Wingdings" panose="05000000000000000000" pitchFamily="2" charset="2"/>
-              <a:buChar char="Ø"/>
+              <a:buChar char="ü"/>
             </a:pPr>
             <a:r>
-              <a:rPr lang="en-US" altLang="zh-CN" sz="3200" dirty="0" err="1"/>
-              <a:t>GraphQL</a:t>
-            </a:r>
-            <a:r>
-              <a:rPr lang="zh-CN" altLang="en-US" sz="3200" dirty="0"/>
-              <a:t>对象的</a:t>
-            </a:r>
-            <a:r>
-              <a:rPr lang="en-US" altLang="zh-CN" sz="3200" dirty="0"/>
-              <a:t>Delta</a:t>
-            </a:r>
-            <a:r>
-              <a:rPr lang="zh-CN" altLang="en-US" sz="3200" dirty="0"/>
-              <a:t>定制</a:t>
-            </a:r>
-            <a:endParaRPr lang="en-US" altLang="zh-CN" sz="3200" dirty="0"/>
-          </a:p>
-          <a:p>
-            <a:pPr marL="457200" indent="-457200">
+              <a:rPr lang="zh-CN" altLang="en-US" sz="2400" dirty="0"/>
+              <a:t>批处理文件格式模型（</a:t>
+            </a:r>
+            <a:r>
+              <a:rPr lang="zh-CN" altLang="en-US" dirty="0"/>
+              <a:t>自动生成和解析定长文件</a:t>
+            </a:r>
+            <a:r>
+              <a:rPr lang="zh-CN" altLang="en-US" sz="2400" dirty="0"/>
+              <a:t>）</a:t>
+            </a:r>
+            <a:endParaRPr lang="en-US" altLang="zh-CN" sz="2400" dirty="0"/>
+          </a:p>
+          <a:p>
+            <a:pPr marL="342900" indent="-342900">
               <a:buFont typeface="Wingdings" panose="05000000000000000000" pitchFamily="2" charset="2"/>
-              <a:buChar char="Ø"/>
+              <a:buChar char="ü"/>
             </a:pPr>
             <a:r>
-              <a:rPr lang="zh-CN" altLang="en-US" sz="3200" dirty="0"/>
-              <a:t>标签函数的</a:t>
-            </a:r>
-            <a:r>
-              <a:rPr lang="en-US" altLang="zh-CN" sz="3200" dirty="0"/>
-              <a:t>Delta</a:t>
-            </a:r>
-            <a:r>
-              <a:rPr lang="zh-CN" altLang="en-US" sz="3200" dirty="0"/>
-              <a:t>定制</a:t>
-            </a:r>
-            <a:endParaRPr lang="en-US" altLang="zh-CN" sz="3200" dirty="0"/>
-          </a:p>
-          <a:p>
-            <a:pPr marL="457200" indent="-457200">
+              <a:rPr lang="zh-CN" altLang="en-US" sz="2400" dirty="0"/>
+              <a:t>批处理任务模型（</a:t>
+            </a:r>
+            <a:r>
+              <a:rPr lang="zh-CN" altLang="en-US" dirty="0"/>
+              <a:t>编配分布式批处理任务</a:t>
+            </a:r>
+            <a:r>
+              <a:rPr lang="zh-CN" altLang="en-US" sz="2400" dirty="0"/>
+              <a:t>）</a:t>
+            </a:r>
+            <a:endParaRPr lang="en-US" altLang="zh-CN" sz="2400" dirty="0"/>
+          </a:p>
+          <a:p>
+            <a:pPr marL="342900" indent="-342900">
               <a:buFont typeface="Wingdings" panose="05000000000000000000" pitchFamily="2" charset="2"/>
-              <a:buChar char="Ø"/>
+              <a:buChar char="ü"/>
             </a:pPr>
             <a:r>
-              <a:rPr lang="zh-CN" altLang="en-US" sz="3200" dirty="0"/>
-              <a:t>前端页面的</a:t>
-            </a:r>
-            <a:r>
-              <a:rPr lang="en-US" altLang="zh-CN" sz="3200" dirty="0"/>
-              <a:t>Delta</a:t>
-            </a:r>
-            <a:r>
-              <a:rPr lang="zh-CN" altLang="en-US" sz="3200" dirty="0"/>
-              <a:t>定制</a:t>
-            </a:r>
-            <a:endParaRPr lang="en-US" altLang="zh-CN" sz="3200" dirty="0"/>
-          </a:p>
-          <a:p>
-            <a:pPr marL="457200" indent="-457200">
+              <a:rPr lang="zh-CN" altLang="en-US" sz="2400" dirty="0"/>
+              <a:t>业务规则模型和数据有效性校验模型</a:t>
+            </a:r>
+            <a:endParaRPr lang="en-US" altLang="zh-CN" sz="2400" dirty="0"/>
+          </a:p>
+          <a:p>
+            <a:pPr marL="342900" indent="-342900">
               <a:buFont typeface="Wingdings" panose="05000000000000000000" pitchFamily="2" charset="2"/>
-              <a:buChar char="Ø"/>
+              <a:buChar char="ü"/>
             </a:pPr>
             <a:r>
-              <a:rPr lang="zh-CN" altLang="en-US" sz="3200" dirty="0"/>
-              <a:t>其他模型的</a:t>
-            </a:r>
-            <a:r>
-              <a:rPr lang="en-US" altLang="zh-CN" sz="3200" dirty="0"/>
-              <a:t>Delta</a:t>
-            </a:r>
-            <a:r>
-              <a:rPr lang="zh-CN" altLang="en-US" sz="3200" dirty="0"/>
-              <a:t>定制 </a:t>
-            </a:r>
-            <a:endParaRPr lang="en-US" altLang="zh-CN" sz="3200" dirty="0"/>
-          </a:p>
-          <a:p>
-            <a:pPr marL="457200" indent="-457200">
+              <a:rPr lang="zh-CN" altLang="en-US" sz="2400" dirty="0"/>
+              <a:t>业务处理流程模型</a:t>
+            </a:r>
+            <a:endParaRPr lang="en-US" altLang="zh-CN" sz="2400" dirty="0"/>
+          </a:p>
+          <a:p>
+            <a:pPr marL="342900" indent="-342900">
               <a:buFont typeface="Wingdings" panose="05000000000000000000" pitchFamily="2" charset="2"/>
-              <a:buChar char="Ø"/>
+              <a:buChar char="ü"/>
             </a:pPr>
             <a:r>
-              <a:rPr lang="zh-CN" altLang="en-US" sz="3200" dirty="0"/>
-              <a:t>编译期的特性开关</a:t>
-            </a:r>
-            <a:endParaRPr lang="en-US" altLang="zh-CN" sz="3200" dirty="0"/>
+              <a:rPr lang="zh-CN" altLang="en-US" sz="2400" dirty="0"/>
+              <a:t>压力测试数据模型（</a:t>
+            </a:r>
+            <a:r>
+              <a:rPr lang="zh-CN" altLang="en-US" dirty="0"/>
+              <a:t>自动生成具有指定分布的测试数据</a:t>
+            </a:r>
+            <a:r>
+              <a:rPr lang="zh-CN" altLang="en-US" sz="2400" dirty="0"/>
+              <a:t>）</a:t>
+            </a:r>
+            <a:endParaRPr lang="en-US" altLang="zh-CN" sz="2400" dirty="0"/>
+          </a:p>
+          <a:p>
+            <a:pPr marL="342900" indent="-342900">
+              <a:buFont typeface="Wingdings" panose="05000000000000000000" pitchFamily="2" charset="2"/>
+              <a:buChar char="ü"/>
+            </a:pPr>
+            <a:r>
+              <a:rPr lang="zh-CN" altLang="en-US" sz="2400" dirty="0"/>
+              <a:t>前端页面模型</a:t>
+            </a:r>
+            <a:endParaRPr lang="en-US" altLang="zh-CN" sz="2400" dirty="0"/>
+          </a:p>
+          <a:p>
+            <a:pPr marL="342900" indent="-342900">
+              <a:buFont typeface="Wingdings" panose="05000000000000000000" pitchFamily="2" charset="2"/>
+              <a:buChar char="ü"/>
+            </a:pPr>
+            <a:r>
+              <a:rPr lang="zh-CN" altLang="en-US" sz="2400" dirty="0"/>
+              <a:t>报表模型</a:t>
+            </a:r>
+            <a:endParaRPr lang="en-US" altLang="zh-CN" sz="2400" dirty="0"/>
+          </a:p>
+          <a:p>
+            <a:endParaRPr lang="zh-CN" altLang="en-US" dirty="0"/>
           </a:p>
         </p:txBody>
       </p:sp>
     </p:spTree>
     <p:extLst>
       <p:ext uri="{BB962C8B-B14F-4D97-AF65-F5344CB8AC3E}">
-        <p14:creationId xmlns:p14="http://schemas.microsoft.com/office/powerpoint/2010/main" val="3712466064"/>
+        <p14:creationId xmlns:p14="http://schemas.microsoft.com/office/powerpoint/2010/main" val="1461263850"/>
       </p:ext>
     </p:extLst>
   </p:cSld>
@@ -5771,6 +5852,253 @@
           <a:lstStyle/>
           <a:p>
             <a:r>
+              <a:rPr lang="zh-CN" altLang="en-US" b="1" dirty="0"/>
+              <a:t>基于</a:t>
+            </a:r>
+            <a:r>
+              <a:rPr lang="en-US" altLang="zh-CN" b="1" dirty="0" err="1"/>
+              <a:t>Nop</a:t>
+            </a:r>
+            <a:r>
+              <a:rPr lang="zh-CN" altLang="en-US" b="1" dirty="0"/>
+              <a:t>平台的定制化开发</a:t>
+            </a:r>
+          </a:p>
+        </p:txBody>
+      </p:sp>
+      <p:sp>
+        <p:nvSpPr>
+          <p:cNvPr id="9" name="文本框 8">
+            <a:extLst>
+              <a:ext uri="{FF2B5EF4-FFF2-40B4-BE49-F238E27FC236}">
+                <a16:creationId xmlns:a16="http://schemas.microsoft.com/office/drawing/2014/main" id="{540A60B3-93A5-7288-4BDF-50258236F659}"/>
+              </a:ext>
+            </a:extLst>
+          </p:cNvPr>
+          <p:cNvSpPr txBox="1"/>
+          <p:nvPr/>
+        </p:nvSpPr>
+        <p:spPr>
+          <a:xfrm>
+            <a:off x="838200" y="1583872"/>
+            <a:ext cx="10208079" cy="4031873"/>
+          </a:xfrm>
+          <a:prstGeom prst="rect">
+            <a:avLst/>
+          </a:prstGeom>
+          <a:noFill/>
+        </p:spPr>
+        <p:txBody>
+          <a:bodyPr wrap="square" rtlCol="0">
+            <a:spAutoFit/>
+          </a:bodyPr>
+          <a:lstStyle/>
+          <a:p>
+            <a:pPr marL="457200" indent="-457200">
+              <a:buFont typeface="Wingdings" panose="05000000000000000000" pitchFamily="2" charset="2"/>
+              <a:buChar char="Ø"/>
+            </a:pPr>
+            <a:r>
+              <a:rPr lang="zh-CN" altLang="en-US" sz="3200" dirty="0"/>
+              <a:t>专用的</a:t>
+            </a:r>
+            <a:r>
+              <a:rPr lang="en-US" altLang="zh-CN" sz="3200" dirty="0"/>
+              <a:t>Delta</a:t>
+            </a:r>
+            <a:r>
+              <a:rPr lang="zh-CN" altLang="en-US" sz="3200" dirty="0"/>
+              <a:t>模块</a:t>
+            </a:r>
+            <a:endParaRPr lang="en-US" altLang="zh-CN" sz="3200" dirty="0"/>
+          </a:p>
+          <a:p>
+            <a:pPr marL="457200" indent="-457200">
+              <a:buFont typeface="Wingdings" panose="05000000000000000000" pitchFamily="2" charset="2"/>
+              <a:buChar char="Ø"/>
+            </a:pPr>
+            <a:r>
+              <a:rPr lang="zh-CN" altLang="en-US" sz="3200" dirty="0"/>
+              <a:t>数据模型的</a:t>
+            </a:r>
+            <a:r>
+              <a:rPr lang="en-US" altLang="zh-CN" sz="3200" dirty="0"/>
+              <a:t>Delta</a:t>
+            </a:r>
+            <a:r>
+              <a:rPr lang="zh-CN" altLang="en-US" sz="3200" dirty="0"/>
+              <a:t>定制</a:t>
+            </a:r>
+            <a:endParaRPr lang="en-US" altLang="zh-CN" sz="3200" dirty="0"/>
+          </a:p>
+          <a:p>
+            <a:pPr marL="457200" indent="-457200">
+              <a:buFont typeface="Wingdings" panose="05000000000000000000" pitchFamily="2" charset="2"/>
+              <a:buChar char="Ø"/>
+            </a:pPr>
+            <a:r>
+              <a:rPr lang="en-US" altLang="zh-CN" sz="3200" dirty="0"/>
+              <a:t>IoC</a:t>
+            </a:r>
+            <a:r>
+              <a:rPr lang="zh-CN" altLang="en-US" sz="3200" dirty="0"/>
+              <a:t>容器的</a:t>
+            </a:r>
+            <a:r>
+              <a:rPr lang="en-US" altLang="zh-CN" sz="3200" dirty="0"/>
+              <a:t>Delta</a:t>
+            </a:r>
+            <a:r>
+              <a:rPr lang="zh-CN" altLang="en-US" sz="3200" dirty="0"/>
+              <a:t>定制</a:t>
+            </a:r>
+            <a:endParaRPr lang="en-US" altLang="zh-CN" sz="3200" dirty="0"/>
+          </a:p>
+          <a:p>
+            <a:pPr marL="457200" indent="-457200">
+              <a:buFont typeface="Wingdings" panose="05000000000000000000" pitchFamily="2" charset="2"/>
+              <a:buChar char="Ø"/>
+            </a:pPr>
+            <a:r>
+              <a:rPr lang="en-US" altLang="zh-CN" sz="3200" dirty="0" err="1"/>
+              <a:t>GraphQL</a:t>
+            </a:r>
+            <a:r>
+              <a:rPr lang="zh-CN" altLang="en-US" sz="3200" dirty="0"/>
+              <a:t>对象的</a:t>
+            </a:r>
+            <a:r>
+              <a:rPr lang="en-US" altLang="zh-CN" sz="3200" dirty="0"/>
+              <a:t>Delta</a:t>
+            </a:r>
+            <a:r>
+              <a:rPr lang="zh-CN" altLang="en-US" sz="3200" dirty="0"/>
+              <a:t>定制</a:t>
+            </a:r>
+            <a:endParaRPr lang="en-US" altLang="zh-CN" sz="3200" dirty="0"/>
+          </a:p>
+          <a:p>
+            <a:pPr marL="457200" indent="-457200">
+              <a:buFont typeface="Wingdings" panose="05000000000000000000" pitchFamily="2" charset="2"/>
+              <a:buChar char="Ø"/>
+            </a:pPr>
+            <a:r>
+              <a:rPr lang="zh-CN" altLang="en-US" sz="3200" dirty="0"/>
+              <a:t>标签函数的</a:t>
+            </a:r>
+            <a:r>
+              <a:rPr lang="en-US" altLang="zh-CN" sz="3200" dirty="0"/>
+              <a:t>Delta</a:t>
+            </a:r>
+            <a:r>
+              <a:rPr lang="zh-CN" altLang="en-US" sz="3200" dirty="0"/>
+              <a:t>定制</a:t>
+            </a:r>
+            <a:endParaRPr lang="en-US" altLang="zh-CN" sz="3200" dirty="0"/>
+          </a:p>
+          <a:p>
+            <a:pPr marL="457200" indent="-457200">
+              <a:buFont typeface="Wingdings" panose="05000000000000000000" pitchFamily="2" charset="2"/>
+              <a:buChar char="Ø"/>
+            </a:pPr>
+            <a:r>
+              <a:rPr lang="zh-CN" altLang="en-US" sz="3200" dirty="0"/>
+              <a:t>前端页面的</a:t>
+            </a:r>
+            <a:r>
+              <a:rPr lang="en-US" altLang="zh-CN" sz="3200" dirty="0"/>
+              <a:t>Delta</a:t>
+            </a:r>
+            <a:r>
+              <a:rPr lang="zh-CN" altLang="en-US" sz="3200" dirty="0"/>
+              <a:t>定制</a:t>
+            </a:r>
+            <a:endParaRPr lang="en-US" altLang="zh-CN" sz="3200" dirty="0"/>
+          </a:p>
+          <a:p>
+            <a:pPr marL="457200" indent="-457200">
+              <a:buFont typeface="Wingdings" panose="05000000000000000000" pitchFamily="2" charset="2"/>
+              <a:buChar char="Ø"/>
+            </a:pPr>
+            <a:r>
+              <a:rPr lang="zh-CN" altLang="en-US" sz="3200" dirty="0"/>
+              <a:t>其他模型的</a:t>
+            </a:r>
+            <a:r>
+              <a:rPr lang="en-US" altLang="zh-CN" sz="3200" dirty="0"/>
+              <a:t>Delta</a:t>
+            </a:r>
+            <a:r>
+              <a:rPr lang="zh-CN" altLang="en-US" sz="3200" dirty="0"/>
+              <a:t>定制 </a:t>
+            </a:r>
+            <a:endParaRPr lang="en-US" altLang="zh-CN" sz="3200" dirty="0"/>
+          </a:p>
+          <a:p>
+            <a:pPr marL="457200" indent="-457200">
+              <a:buFont typeface="Wingdings" panose="05000000000000000000" pitchFamily="2" charset="2"/>
+              <a:buChar char="Ø"/>
+            </a:pPr>
+            <a:r>
+              <a:rPr lang="zh-CN" altLang="en-US" sz="3200" dirty="0"/>
+              <a:t>编译期的特性开关</a:t>
+            </a:r>
+            <a:endParaRPr lang="en-US" altLang="zh-CN" sz="3200" dirty="0"/>
+          </a:p>
+        </p:txBody>
+      </p:sp>
+    </p:spTree>
+    <p:extLst>
+      <p:ext uri="{BB962C8B-B14F-4D97-AF65-F5344CB8AC3E}">
+        <p14:creationId xmlns:p14="http://schemas.microsoft.com/office/powerpoint/2010/main" val="3712466064"/>
+      </p:ext>
+    </p:extLst>
+  </p:cSld>
+  <p:clrMapOvr>
+    <a:masterClrMapping/>
+  </p:clrMapOvr>
+</p:sld>
+</file>
+
+<file path=ppt/slides/slide17.xml><?xml version="1.0" encoding="utf-8"?>
+<p:sld xmlns:a="http://schemas.openxmlformats.org/drawingml/2006/main" xmlns:r="http://schemas.openxmlformats.org/officeDocument/2006/relationships" xmlns:p="http://schemas.openxmlformats.org/presentationml/2006/main">
+  <p:cSld>
+    <p:spTree>
+      <p:nvGrpSpPr>
+        <p:cNvPr id="1" name=""/>
+        <p:cNvGrpSpPr/>
+        <p:nvPr/>
+      </p:nvGrpSpPr>
+      <p:grpSpPr>
+        <a:xfrm>
+          <a:off x="0" y="0"/>
+          <a:ext cx="0" cy="0"/>
+          <a:chOff x="0" y="0"/>
+          <a:chExt cx="0" cy="0"/>
+        </a:xfrm>
+      </p:grpSpPr>
+      <p:sp>
+        <p:nvSpPr>
+          <p:cNvPr id="2" name="标题 1">
+            <a:extLst>
+              <a:ext uri="{FF2B5EF4-FFF2-40B4-BE49-F238E27FC236}">
+                <a16:creationId xmlns:a16="http://schemas.microsoft.com/office/drawing/2014/main" id="{7B078A78-F1A6-B200-A327-496477BABCB1}"/>
+              </a:ext>
+            </a:extLst>
+          </p:cNvPr>
+          <p:cNvSpPr>
+            <a:spLocks noGrp="1"/>
+          </p:cNvSpPr>
+          <p:nvPr>
+            <p:ph type="title"/>
+          </p:nvPr>
+        </p:nvSpPr>
+        <p:spPr/>
+        <p:txBody>
+          <a:bodyPr/>
+          <a:lstStyle/>
+          <a:p>
+            <a:r>
               <a:rPr lang="en-US" altLang="zh-CN" b="1" dirty="0" err="1"/>
               <a:t>Nop</a:t>
             </a:r>
@@ -5860,7 +6188,7 @@
 </p:sld>
 </file>
 
-<file path=ppt/slides/slide17.xml><?xml version="1.0" encoding="utf-8"?>
+<file path=ppt/slides/slide18.xml><?xml version="1.0" encoding="utf-8"?>
 <p:sld xmlns:a="http://schemas.openxmlformats.org/drawingml/2006/main" xmlns:r="http://schemas.openxmlformats.org/officeDocument/2006/relationships" xmlns:p="http://schemas.openxmlformats.org/presentationml/2006/main">
   <p:cSld>
     <p:spTree>

--- a/docs/ppt/nop-platform.pptx
+++ b/docs/ppt/nop-platform.pptx
@@ -9,20 +9,22 @@
     <p:sldId id="284" r:id="rId3"/>
     <p:sldId id="286" r:id="rId4"/>
     <p:sldId id="281" r:id="rId5"/>
-    <p:sldId id="288" r:id="rId6"/>
-    <p:sldId id="289" r:id="rId7"/>
-    <p:sldId id="259" r:id="rId8"/>
-    <p:sldId id="290" r:id="rId9"/>
+    <p:sldId id="295" r:id="rId6"/>
+    <p:sldId id="288" r:id="rId7"/>
+    <p:sldId id="289" r:id="rId8"/>
+    <p:sldId id="259" r:id="rId9"/>
     <p:sldId id="260" r:id="rId10"/>
-    <p:sldId id="293" r:id="rId11"/>
-    <p:sldId id="292" r:id="rId12"/>
-    <p:sldId id="294" r:id="rId13"/>
-    <p:sldId id="263" r:id="rId14"/>
-    <p:sldId id="269" r:id="rId15"/>
-    <p:sldId id="282" r:id="rId16"/>
-    <p:sldId id="291" r:id="rId17"/>
-    <p:sldId id="285" r:id="rId18"/>
-    <p:sldId id="287" r:id="rId19"/>
+    <p:sldId id="290" r:id="rId11"/>
+    <p:sldId id="293" r:id="rId12"/>
+    <p:sldId id="292" r:id="rId13"/>
+    <p:sldId id="294" r:id="rId14"/>
+    <p:sldId id="263" r:id="rId15"/>
+    <p:sldId id="269" r:id="rId16"/>
+    <p:sldId id="282" r:id="rId17"/>
+    <p:sldId id="291" r:id="rId18"/>
+    <p:sldId id="285" r:id="rId19"/>
+    <p:sldId id="287" r:id="rId20"/>
+    <p:sldId id="296" r:id="rId21"/>
   </p:sldIdLst>
   <p:sldSz cx="12192000" cy="6858000"/>
   <p:notesSz cx="6858000" cy="9144000"/>
@@ -288,7 +290,7 @@
           <a:p>
             <a:fld id="{781BEADB-AF5A-4392-865E-B1E711821C65}" type="datetimeFigureOut">
               <a:rPr lang="zh-CN" altLang="en-US" smtClean="0"/>
-              <a:t>2023/8/14</a:t>
+              <a:t>2023/10/13</a:t>
             </a:fld>
             <a:endParaRPr lang="zh-CN" altLang="en-US"/>
           </a:p>
@@ -486,7 +488,7 @@
           <a:p>
             <a:fld id="{781BEADB-AF5A-4392-865E-B1E711821C65}" type="datetimeFigureOut">
               <a:rPr lang="zh-CN" altLang="en-US" smtClean="0"/>
-              <a:t>2023/8/14</a:t>
+              <a:t>2023/10/13</a:t>
             </a:fld>
             <a:endParaRPr lang="zh-CN" altLang="en-US"/>
           </a:p>
@@ -694,7 +696,7 @@
           <a:p>
             <a:fld id="{781BEADB-AF5A-4392-865E-B1E711821C65}" type="datetimeFigureOut">
               <a:rPr lang="zh-CN" altLang="en-US" smtClean="0"/>
-              <a:t>2023/8/14</a:t>
+              <a:t>2023/10/13</a:t>
             </a:fld>
             <a:endParaRPr lang="zh-CN" altLang="en-US"/>
           </a:p>
@@ -892,7 +894,7 @@
           <a:p>
             <a:fld id="{781BEADB-AF5A-4392-865E-B1E711821C65}" type="datetimeFigureOut">
               <a:rPr lang="zh-CN" altLang="en-US" smtClean="0"/>
-              <a:t>2023/8/14</a:t>
+              <a:t>2023/10/13</a:t>
             </a:fld>
             <a:endParaRPr lang="zh-CN" altLang="en-US"/>
           </a:p>
@@ -1167,7 +1169,7 @@
           <a:p>
             <a:fld id="{781BEADB-AF5A-4392-865E-B1E711821C65}" type="datetimeFigureOut">
               <a:rPr lang="zh-CN" altLang="en-US" smtClean="0"/>
-              <a:t>2023/8/14</a:t>
+              <a:t>2023/10/13</a:t>
             </a:fld>
             <a:endParaRPr lang="zh-CN" altLang="en-US"/>
           </a:p>
@@ -1432,7 +1434,7 @@
           <a:p>
             <a:fld id="{781BEADB-AF5A-4392-865E-B1E711821C65}" type="datetimeFigureOut">
               <a:rPr lang="zh-CN" altLang="en-US" smtClean="0"/>
-              <a:t>2023/8/14</a:t>
+              <a:t>2023/10/13</a:t>
             </a:fld>
             <a:endParaRPr lang="zh-CN" altLang="en-US"/>
           </a:p>
@@ -1844,7 +1846,7 @@
           <a:p>
             <a:fld id="{781BEADB-AF5A-4392-865E-B1E711821C65}" type="datetimeFigureOut">
               <a:rPr lang="zh-CN" altLang="en-US" smtClean="0"/>
-              <a:t>2023/8/14</a:t>
+              <a:t>2023/10/13</a:t>
             </a:fld>
             <a:endParaRPr lang="zh-CN" altLang="en-US"/>
           </a:p>
@@ -1985,7 +1987,7 @@
           <a:p>
             <a:fld id="{781BEADB-AF5A-4392-865E-B1E711821C65}" type="datetimeFigureOut">
               <a:rPr lang="zh-CN" altLang="en-US" smtClean="0"/>
-              <a:t>2023/8/14</a:t>
+              <a:t>2023/10/13</a:t>
             </a:fld>
             <a:endParaRPr lang="zh-CN" altLang="en-US"/>
           </a:p>
@@ -2098,7 +2100,7 @@
           <a:p>
             <a:fld id="{781BEADB-AF5A-4392-865E-B1E711821C65}" type="datetimeFigureOut">
               <a:rPr lang="zh-CN" altLang="en-US" smtClean="0"/>
-              <a:t>2023/8/14</a:t>
+              <a:t>2023/10/13</a:t>
             </a:fld>
             <a:endParaRPr lang="zh-CN" altLang="en-US"/>
           </a:p>
@@ -2409,7 +2411,7 @@
           <a:p>
             <a:fld id="{781BEADB-AF5A-4392-865E-B1E711821C65}" type="datetimeFigureOut">
               <a:rPr lang="zh-CN" altLang="en-US" smtClean="0"/>
-              <a:t>2023/8/14</a:t>
+              <a:t>2023/10/13</a:t>
             </a:fld>
             <a:endParaRPr lang="zh-CN" altLang="en-US"/>
           </a:p>
@@ -2697,7 +2699,7 @@
           <a:p>
             <a:fld id="{781BEADB-AF5A-4392-865E-B1E711821C65}" type="datetimeFigureOut">
               <a:rPr lang="zh-CN" altLang="en-US" smtClean="0"/>
-              <a:t>2023/8/14</a:t>
+              <a:t>2023/10/13</a:t>
             </a:fld>
             <a:endParaRPr lang="zh-CN" altLang="en-US"/>
           </a:p>
@@ -2938,7 +2940,7 @@
           <a:p>
             <a:fld id="{781BEADB-AF5A-4392-865E-B1E711821C65}" type="datetimeFigureOut">
               <a:rPr lang="zh-CN" altLang="en-US" smtClean="0"/>
-              <a:t>2023/8/14</a:t>
+              <a:t>2023/10/13</a:t>
             </a:fld>
             <a:endParaRPr lang="zh-CN" altLang="en-US"/>
           </a:p>
@@ -3606,10 +3608,78 @@
       </p:grpSpPr>
       <p:sp>
         <p:nvSpPr>
-          <p:cNvPr id="2" name="文本框 1">
-            <a:extLst>
-              <a:ext uri="{FF2B5EF4-FFF2-40B4-BE49-F238E27FC236}">
-                <a16:creationId xmlns:a16="http://schemas.microsoft.com/office/drawing/2014/main" id="{3C94D8A1-9917-8B97-5FC7-325C311C388B}"/>
+          <p:cNvPr id="2" name="标题 1">
+            <a:extLst>
+              <a:ext uri="{FF2B5EF4-FFF2-40B4-BE49-F238E27FC236}">
+                <a16:creationId xmlns:a16="http://schemas.microsoft.com/office/drawing/2014/main" id="{7B078A78-F1A6-B200-A327-496477BABCB1}"/>
+              </a:ext>
+            </a:extLst>
+          </p:cNvPr>
+          <p:cNvSpPr>
+            <a:spLocks noGrp="1"/>
+          </p:cNvSpPr>
+          <p:nvPr>
+            <p:ph type="title"/>
+          </p:nvPr>
+        </p:nvSpPr>
+        <p:spPr/>
+        <p:txBody>
+          <a:bodyPr/>
+          <a:lstStyle/>
+          <a:p>
+            <a:r>
+              <a:rPr lang="en-US" altLang="zh-CN" b="1" dirty="0"/>
+              <a:t>Docker</a:t>
+            </a:r>
+            <a:r>
+              <a:rPr lang="zh-CN" altLang="en-US" b="1" dirty="0"/>
+              <a:t>作为可逆计算的实例</a:t>
+            </a:r>
+          </a:p>
+        </p:txBody>
+      </p:sp>
+      <p:pic>
+        <p:nvPicPr>
+          <p:cNvPr id="7" name="图片 6">
+            <a:extLst>
+              <a:ext uri="{FF2B5EF4-FFF2-40B4-BE49-F238E27FC236}">
+                <a16:creationId xmlns:a16="http://schemas.microsoft.com/office/drawing/2014/main" id="{A9FAD954-709D-F5D5-9100-CC20B6B65DD1}"/>
+              </a:ext>
+            </a:extLst>
+          </p:cNvPr>
+          <p:cNvPicPr>
+            <a:picLocks noChangeAspect="1"/>
+          </p:cNvPicPr>
+          <p:nvPr/>
+        </p:nvPicPr>
+        <p:blipFill>
+          <a:blip r:embed="rId2">
+            <a:extLst>
+              <a:ext uri="{28A0092B-C50C-407E-A947-70E740481C1C}">
+                <a14:useLocalDpi xmlns:a14="http://schemas.microsoft.com/office/drawing/2010/main" val="0"/>
+              </a:ext>
+            </a:extLst>
+          </a:blip>
+          <a:stretch>
+            <a:fillRect/>
+          </a:stretch>
+        </p:blipFill>
+        <p:spPr>
+          <a:xfrm>
+            <a:off x="2963634" y="1545091"/>
+            <a:ext cx="4849586" cy="3637190"/>
+          </a:xfrm>
+          <a:prstGeom prst="rect">
+            <a:avLst/>
+          </a:prstGeom>
+        </p:spPr>
+      </p:pic>
+      <p:sp>
+        <p:nvSpPr>
+          <p:cNvPr id="8" name="文本框 7">
+            <a:extLst>
+              <a:ext uri="{FF2B5EF4-FFF2-40B4-BE49-F238E27FC236}">
+                <a16:creationId xmlns:a16="http://schemas.microsoft.com/office/drawing/2014/main" id="{00DF1367-32D6-49B4-E298-E4BAF2B93B88}"/>
               </a:ext>
             </a:extLst>
           </p:cNvPr>
@@ -3618,8 +3688,8 @@
         </p:nvSpPr>
         <p:spPr>
           <a:xfrm>
-            <a:off x="434689" y="267393"/>
-            <a:ext cx="2909886" cy="523220"/>
+            <a:off x="1298121" y="5608864"/>
+            <a:ext cx="9429750" cy="584775"/>
           </a:xfrm>
           <a:prstGeom prst="rect">
             <a:avLst/>
@@ -3633,113 +3703,20 @@
           <a:lstStyle/>
           <a:p>
             <a:r>
-              <a:rPr lang="zh-CN" altLang="en-US" sz="2800" b="1" dirty="0"/>
-              <a:t>可逆计算的实现</a:t>
-            </a:r>
-          </a:p>
-        </p:txBody>
-      </p:sp>
-      <p:sp>
-        <p:nvSpPr>
-          <p:cNvPr id="5" name="文本框 4">
-            <a:extLst>
-              <a:ext uri="{FF2B5EF4-FFF2-40B4-BE49-F238E27FC236}">
-                <a16:creationId xmlns:a16="http://schemas.microsoft.com/office/drawing/2014/main" id="{A84BC0B8-C288-5EAE-954C-4AAF55CA2262}"/>
-              </a:ext>
-            </a:extLst>
-          </p:cNvPr>
-          <p:cNvSpPr txBox="1"/>
-          <p:nvPr/>
-        </p:nvSpPr>
-        <p:spPr>
-          <a:xfrm>
-            <a:off x="1094014" y="1494067"/>
-            <a:ext cx="9511393" cy="646331"/>
-          </a:xfrm>
-          <a:prstGeom prst="rect">
-            <a:avLst/>
-          </a:prstGeom>
-          <a:noFill/>
-        </p:spPr>
-        <p:txBody>
-          <a:bodyPr wrap="square">
-            <a:spAutoFit/>
-          </a:bodyPr>
-          <a:lstStyle/>
-          <a:p>
-            <a:r>
-              <a:rPr lang="en-US" altLang="zh-CN" sz="3600" dirty="0"/>
-              <a:t>  Object  = Map extends Map&lt;Map&gt;</a:t>
-            </a:r>
-          </a:p>
-        </p:txBody>
-      </p:sp>
-      <p:sp>
-        <p:nvSpPr>
-          <p:cNvPr id="21" name="文本框 20">
-            <a:extLst>
-              <a:ext uri="{FF2B5EF4-FFF2-40B4-BE49-F238E27FC236}">
-                <a16:creationId xmlns:a16="http://schemas.microsoft.com/office/drawing/2014/main" id="{8A75C438-2535-F2D3-5048-EA2A87FA1518}"/>
-              </a:ext>
-            </a:extLst>
-          </p:cNvPr>
-          <p:cNvSpPr txBox="1"/>
-          <p:nvPr/>
-        </p:nvSpPr>
-        <p:spPr>
-          <a:xfrm>
-            <a:off x="1238250" y="2905782"/>
-            <a:ext cx="7807779" cy="646331"/>
-          </a:xfrm>
-          <a:prstGeom prst="rect">
-            <a:avLst/>
-          </a:prstGeom>
-          <a:noFill/>
-        </p:spPr>
-        <p:txBody>
-          <a:bodyPr wrap="square">
-            <a:spAutoFit/>
-          </a:bodyPr>
-          <a:lstStyle/>
-          <a:p>
-            <a:r>
-              <a:rPr lang="en-US" altLang="zh-CN" sz="3600" dirty="0"/>
-              <a:t>  App = Tree x-extends Tree&lt;Tree&gt;</a:t>
-            </a:r>
-          </a:p>
-        </p:txBody>
-      </p:sp>
-      <p:sp>
-        <p:nvSpPr>
-          <p:cNvPr id="3" name="文本框 2">
-            <a:extLst>
-              <a:ext uri="{FF2B5EF4-FFF2-40B4-BE49-F238E27FC236}">
-                <a16:creationId xmlns:a16="http://schemas.microsoft.com/office/drawing/2014/main" id="{A53CCC2C-5348-EC7B-95D6-3DF6C0965CCA}"/>
-              </a:ext>
-            </a:extLst>
-          </p:cNvPr>
-          <p:cNvSpPr txBox="1"/>
-          <p:nvPr/>
-        </p:nvSpPr>
-        <p:spPr>
-          <a:xfrm>
-            <a:off x="1298121" y="4474026"/>
-            <a:ext cx="9429750" cy="584775"/>
-          </a:xfrm>
-          <a:prstGeom prst="rect">
-            <a:avLst/>
-          </a:prstGeom>
-          <a:noFill/>
-        </p:spPr>
-        <p:txBody>
-          <a:bodyPr wrap="square" rtlCol="0">
-            <a:spAutoFit/>
-          </a:bodyPr>
-          <a:lstStyle/>
-          <a:p>
-            <a:r>
               <a:rPr lang="en-US" altLang="zh-CN" sz="3200" b="1" dirty="0"/>
-              <a:t> App = Delta x-extends Generator&lt;DSL&gt;</a:t>
+              <a:t> App = Build&lt;</a:t>
+            </a:r>
+            <a:r>
+              <a:rPr lang="en-US" altLang="zh-CN" sz="3200" b="1" dirty="0" err="1"/>
+              <a:t>DockerFile</a:t>
+            </a:r>
+            <a:r>
+              <a:rPr lang="en-US" altLang="zh-CN" sz="3200" b="1" dirty="0"/>
+              <a:t>&gt; union-fs  </a:t>
+            </a:r>
+            <a:r>
+              <a:rPr lang="en-US" altLang="zh-CN" sz="3200" b="1" dirty="0" err="1"/>
+              <a:t>BaseImage</a:t>
             </a:r>
             <a:endParaRPr lang="zh-CN" altLang="en-US" sz="3200" b="1" dirty="0"/>
           </a:p>
@@ -3748,7 +3725,7 @@
     </p:spTree>
     <p:extLst>
       <p:ext uri="{BB962C8B-B14F-4D97-AF65-F5344CB8AC3E}">
-        <p14:creationId xmlns:p14="http://schemas.microsoft.com/office/powerpoint/2010/main" val="361804329"/>
+        <p14:creationId xmlns:p14="http://schemas.microsoft.com/office/powerpoint/2010/main" val="2243421205"/>
       </p:ext>
     </p:extLst>
   </p:cSld>
@@ -3790,7 +3767,7 @@
         <p:spPr>
           <a:xfrm>
             <a:off x="434689" y="267393"/>
-            <a:ext cx="3435182" cy="523220"/>
+            <a:ext cx="2909886" cy="523220"/>
           </a:xfrm>
           <a:prstGeom prst="rect">
             <a:avLst/>
@@ -3805,7 +3782,7 @@
           <a:p>
             <a:r>
               <a:rPr lang="zh-CN" altLang="en-US" sz="2800" b="1" dirty="0"/>
-              <a:t>可逆计算的分析框架</a:t>
+              <a:t>可逆计算的实现</a:t>
             </a:r>
           </a:p>
         </p:txBody>
@@ -3824,8 +3801,8 @@
         </p:nvSpPr>
         <p:spPr>
           <a:xfrm>
-            <a:off x="1094014" y="1379766"/>
-            <a:ext cx="9511393" cy="954107"/>
+            <a:off x="1094014" y="1494067"/>
+            <a:ext cx="9511393" cy="646331"/>
           </a:xfrm>
           <a:prstGeom prst="rect">
             <a:avLst/>
@@ -3839,14 +3816,8 @@
           <a:lstStyle/>
           <a:p>
             <a:r>
-              <a:rPr lang="en-US" altLang="zh-CN" sz="2800" dirty="0"/>
-              <a:t>  App =  Biz ⊕ G1&lt;DSL1&gt; ⊕ G2&lt;DSL2&gt; ⊕ …</a:t>
-            </a:r>
-          </a:p>
-          <a:p>
-            <a:r>
-              <a:rPr lang="en-US" altLang="zh-CN" sz="2800" dirty="0"/>
-              <a:t>         ≡ (Biz, DSL1, DSL2, …)</a:t>
+              <a:rPr lang="en-US" altLang="zh-CN" sz="3600" dirty="0"/>
+              <a:t>  Object  = Map extends Map&lt;Map&gt;</a:t>
             </a:r>
           </a:p>
         </p:txBody>
@@ -3865,8 +3836,8 @@
         </p:nvSpPr>
         <p:spPr>
           <a:xfrm>
-            <a:off x="1009650" y="2960919"/>
-            <a:ext cx="9511393" cy="954107"/>
+            <a:off x="1238250" y="2905782"/>
+            <a:ext cx="7807779" cy="646331"/>
           </a:xfrm>
           <a:prstGeom prst="rect">
             <a:avLst/>
@@ -3880,27 +3851,52 @@
           <a:lstStyle/>
           <a:p>
             <a:r>
-              <a:rPr lang="en-US" altLang="zh-CN" sz="2800" dirty="0"/>
-              <a:t>  App =  D1 ⊕ G1&lt;DSL1&gt; </a:t>
-            </a:r>
-          </a:p>
-          <a:p>
-            <a:r>
-              <a:rPr lang="en-US" altLang="zh-CN" sz="2800" dirty="0"/>
-              <a:t>          =  D1 ⊕ G1&lt;</a:t>
-            </a:r>
-            <a:r>
-              <a:rPr lang="en-US" altLang="zh-CN" sz="2800"/>
-              <a:t>D2 ⊕ G2&lt;DSL2&gt;&gt; </a:t>
-            </a:r>
-            <a:endParaRPr lang="en-US" altLang="zh-CN" sz="2800" dirty="0"/>
+              <a:rPr lang="en-US" altLang="zh-CN" sz="3600" dirty="0"/>
+              <a:t>  App = Tree x-extends Tree&lt;Tree&gt;</a:t>
+            </a:r>
+          </a:p>
+        </p:txBody>
+      </p:sp>
+      <p:sp>
+        <p:nvSpPr>
+          <p:cNvPr id="3" name="文本框 2">
+            <a:extLst>
+              <a:ext uri="{FF2B5EF4-FFF2-40B4-BE49-F238E27FC236}">
+                <a16:creationId xmlns:a16="http://schemas.microsoft.com/office/drawing/2014/main" id="{A53CCC2C-5348-EC7B-95D6-3DF6C0965CCA}"/>
+              </a:ext>
+            </a:extLst>
+          </p:cNvPr>
+          <p:cNvSpPr txBox="1"/>
+          <p:nvPr/>
+        </p:nvSpPr>
+        <p:spPr>
+          <a:xfrm>
+            <a:off x="1298121" y="4474026"/>
+            <a:ext cx="9429750" cy="584775"/>
+          </a:xfrm>
+          <a:prstGeom prst="rect">
+            <a:avLst/>
+          </a:prstGeom>
+          <a:noFill/>
+        </p:spPr>
+        <p:txBody>
+          <a:bodyPr wrap="square" rtlCol="0">
+            <a:spAutoFit/>
+          </a:bodyPr>
+          <a:lstStyle/>
+          <a:p>
+            <a:r>
+              <a:rPr lang="en-US" altLang="zh-CN" sz="3200" b="1" dirty="0"/>
+              <a:t> App = Delta x-extends Generator&lt;DSL&gt;</a:t>
+            </a:r>
+            <a:endParaRPr lang="zh-CN" altLang="en-US" sz="3200" b="1" dirty="0"/>
           </a:p>
         </p:txBody>
       </p:sp>
     </p:spTree>
     <p:extLst>
       <p:ext uri="{BB962C8B-B14F-4D97-AF65-F5344CB8AC3E}">
-        <p14:creationId xmlns:p14="http://schemas.microsoft.com/office/powerpoint/2010/main" val="3639506574"/>
+        <p14:creationId xmlns:p14="http://schemas.microsoft.com/office/powerpoint/2010/main" val="361804329"/>
       </p:ext>
     </p:extLst>
   </p:cSld>
@@ -3942,7 +3938,7 @@
         <p:spPr>
           <a:xfrm>
             <a:off x="434689" y="267393"/>
-            <a:ext cx="4267940" cy="523220"/>
+            <a:ext cx="3435182" cy="523220"/>
           </a:xfrm>
           <a:prstGeom prst="rect">
             <a:avLst/>
@@ -3956,26 +3952,9 @@
           <a:lstStyle/>
           <a:p>
             <a:r>
-              <a:rPr lang="en-US" altLang="zh-CN" sz="2800" b="1" dirty="0"/>
-              <a:t>Loader</a:t>
-            </a:r>
-            <a:r>
               <a:rPr lang="zh-CN" altLang="en-US" sz="2800" b="1" dirty="0"/>
-              <a:t> </a:t>
-            </a:r>
-            <a:r>
-              <a:rPr lang="en-US" altLang="zh-CN" sz="2800" b="1" dirty="0"/>
-              <a:t>As</a:t>
-            </a:r>
-            <a:r>
-              <a:rPr lang="zh-CN" altLang="en-US" sz="2800" b="1" dirty="0"/>
-              <a:t> </a:t>
-            </a:r>
-            <a:r>
-              <a:rPr lang="en-US" altLang="zh-CN" sz="2800" b="1" dirty="0"/>
-              <a:t>Generator</a:t>
-            </a:r>
-            <a:endParaRPr lang="zh-CN" altLang="en-US" sz="2800" b="1" dirty="0"/>
+              <a:t>可逆计算的分析框架</a:t>
+            </a:r>
           </a:p>
         </p:txBody>
       </p:sp>
@@ -3994,7 +3973,7 @@
         <p:spPr>
           <a:xfrm>
             <a:off x="1094014" y="1379766"/>
-            <a:ext cx="9511393" cy="523220"/>
+            <a:ext cx="9511393" cy="954107"/>
           </a:xfrm>
           <a:prstGeom prst="rect">
             <a:avLst/>
@@ -4009,7 +3988,13 @@
           <a:p>
             <a:r>
               <a:rPr lang="en-US" altLang="zh-CN" sz="2800" dirty="0"/>
-              <a:t>  Loader::   Path -&gt; Model</a:t>
+              <a:t>  App =  Biz ⊕ G1&lt;DSL1&gt; ⊕ G2&lt;DSL2&gt; ⊕ …</a:t>
+            </a:r>
+          </a:p>
+          <a:p>
+            <a:r>
+              <a:rPr lang="en-US" altLang="zh-CN" sz="2800" dirty="0"/>
+              <a:t>         ≡ (Biz, DSL1, DSL2, …)</a:t>
             </a:r>
           </a:p>
         </p:txBody>
@@ -4028,8 +4013,8 @@
         </p:nvSpPr>
         <p:spPr>
           <a:xfrm>
-            <a:off x="1017814" y="2283284"/>
-            <a:ext cx="9511393" cy="523220"/>
+            <a:off x="1009650" y="2960919"/>
+            <a:ext cx="9511393" cy="954107"/>
           </a:xfrm>
           <a:prstGeom prst="rect">
             <a:avLst/>
@@ -4044,190 +4029,26 @@
           <a:p>
             <a:r>
               <a:rPr lang="en-US" altLang="zh-CN" sz="2800" dirty="0"/>
-              <a:t>  Loader::  Possible Path -&gt; Possible Model</a:t>
-            </a:r>
-          </a:p>
-        </p:txBody>
-      </p:sp>
-      <p:sp>
-        <p:nvSpPr>
-          <p:cNvPr id="4" name="文本框 3">
-            <a:extLst>
-              <a:ext uri="{FF2B5EF4-FFF2-40B4-BE49-F238E27FC236}">
-                <a16:creationId xmlns:a16="http://schemas.microsoft.com/office/drawing/2014/main" id="{A02C4C51-481A-8E70-8571-DABD5ABEF108}"/>
-              </a:ext>
-            </a:extLst>
-          </p:cNvPr>
-          <p:cNvSpPr txBox="1"/>
-          <p:nvPr/>
-        </p:nvSpPr>
-        <p:spPr>
-          <a:xfrm>
-            <a:off x="1017814" y="3186802"/>
-            <a:ext cx="10248901" cy="1938992"/>
-          </a:xfrm>
-          <a:prstGeom prst="rect">
-            <a:avLst/>
-          </a:prstGeom>
-          <a:noFill/>
-        </p:spPr>
-        <p:txBody>
-          <a:bodyPr wrap="square">
-            <a:spAutoFit/>
-          </a:bodyPr>
-          <a:lstStyle/>
-          <a:p>
-            <a:r>
-              <a:rPr lang="en-US" altLang="zh-CN" sz="2400" dirty="0"/>
-              <a:t>Possible Path = </a:t>
-            </a:r>
-            <a:r>
-              <a:rPr lang="en-US" altLang="zh-CN" sz="2400" dirty="0" err="1"/>
-              <a:t>deltaPath</a:t>
-            </a:r>
-            <a:r>
-              <a:rPr lang="en-US" altLang="zh-CN" sz="2400" dirty="0"/>
-              <a:t> + </a:t>
-            </a:r>
-            <a:r>
-              <a:rPr lang="en-US" altLang="zh-CN" sz="2400" dirty="0" err="1"/>
-              <a:t>stdPath</a:t>
-            </a:r>
-            <a:endParaRPr lang="en-US" altLang="zh-CN" sz="2400" dirty="0"/>
-          </a:p>
-          <a:p>
-            <a:r>
-              <a:rPr lang="en-US" altLang="zh-CN" sz="2400" dirty="0"/>
-              <a:t>Loader&lt;</a:t>
-            </a:r>
-            <a:r>
-              <a:rPr lang="en-US" altLang="zh-CN" sz="2400" dirty="0" err="1"/>
-              <a:t>PossiblePath</a:t>
-            </a:r>
-            <a:r>
-              <a:rPr lang="en-US" altLang="zh-CN" sz="2400" dirty="0"/>
-              <a:t>&gt; = Loader&lt;</a:t>
-            </a:r>
-            <a:r>
-              <a:rPr lang="en-US" altLang="zh-CN" sz="2400" dirty="0" err="1"/>
-              <a:t>deltaPath</a:t>
-            </a:r>
-            <a:r>
-              <a:rPr lang="en-US" altLang="zh-CN" sz="2400" dirty="0"/>
-              <a:t> + </a:t>
-            </a:r>
-            <a:r>
-              <a:rPr lang="en-US" altLang="zh-CN" sz="2400" dirty="0" err="1"/>
-              <a:t>stdPath</a:t>
-            </a:r>
-            <a:r>
-              <a:rPr lang="en-US" altLang="zh-CN" sz="2400" dirty="0"/>
-              <a:t>&gt;</a:t>
-            </a:r>
-          </a:p>
-          <a:p>
-            <a:r>
-              <a:rPr lang="en-US" altLang="zh-CN" sz="2400" dirty="0"/>
-              <a:t>                                    = Loader&lt;</a:t>
-            </a:r>
-            <a:r>
-              <a:rPr lang="en-US" altLang="zh-CN" sz="2400" dirty="0" err="1"/>
-              <a:t>deltaPath</a:t>
-            </a:r>
-            <a:r>
-              <a:rPr lang="en-US" altLang="zh-CN" sz="2400" dirty="0"/>
-              <a:t>&gt; x-extends Loader&lt;</a:t>
-            </a:r>
-            <a:r>
-              <a:rPr lang="en-US" altLang="zh-CN" sz="2400" dirty="0" err="1"/>
-              <a:t>stdPath</a:t>
-            </a:r>
-            <a:r>
-              <a:rPr lang="en-US" altLang="zh-CN" sz="2400" dirty="0"/>
-              <a:t>&gt;</a:t>
-            </a:r>
-          </a:p>
-          <a:p>
-            <a:r>
-              <a:rPr lang="en-US" altLang="zh-CN" sz="2400" dirty="0"/>
-              <a:t>                                    = </a:t>
-            </a:r>
-            <a:r>
-              <a:rPr lang="en-US" altLang="zh-CN" sz="2400" dirty="0" err="1"/>
-              <a:t>DeltaModel</a:t>
-            </a:r>
-            <a:r>
-              <a:rPr lang="en-US" altLang="zh-CN" sz="2400" dirty="0"/>
-              <a:t> x-extends Model</a:t>
-            </a:r>
-          </a:p>
-          <a:p>
-            <a:r>
-              <a:rPr lang="en-US" altLang="zh-CN" sz="2400" dirty="0"/>
-              <a:t>                                    = Possible Model</a:t>
-            </a:r>
-          </a:p>
-        </p:txBody>
-      </p:sp>
-      <p:sp>
-        <p:nvSpPr>
-          <p:cNvPr id="6" name="文本框 5">
-            <a:extLst>
-              <a:ext uri="{FF2B5EF4-FFF2-40B4-BE49-F238E27FC236}">
-                <a16:creationId xmlns:a16="http://schemas.microsoft.com/office/drawing/2014/main" id="{1DE0D502-F837-A9B8-98AE-01B07C60B60A}"/>
-              </a:ext>
-            </a:extLst>
-          </p:cNvPr>
-          <p:cNvSpPr txBox="1"/>
-          <p:nvPr/>
-        </p:nvSpPr>
-        <p:spPr>
-          <a:xfrm>
-            <a:off x="1121229" y="5668745"/>
-            <a:ext cx="9511393" cy="523220"/>
-          </a:xfrm>
-          <a:prstGeom prst="rect">
-            <a:avLst/>
-          </a:prstGeom>
-          <a:noFill/>
-        </p:spPr>
-        <p:txBody>
-          <a:bodyPr wrap="square">
-            <a:spAutoFit/>
-          </a:bodyPr>
-          <a:lstStyle/>
-          <a:p>
-            <a:r>
-              <a:rPr lang="en-US" altLang="zh-CN" sz="2800" dirty="0" err="1"/>
-              <a:t>DslModel</a:t>
-            </a:r>
+              <a:t>  App =  D1 ⊕ G1&lt;DSL1&gt; </a:t>
+            </a:r>
+          </a:p>
+          <a:p>
             <a:r>
               <a:rPr lang="en-US" altLang="zh-CN" sz="2800" dirty="0"/>
-              <a:t> = </a:t>
-            </a:r>
-            <a:r>
-              <a:rPr lang="en-US" altLang="zh-CN" sz="2800" dirty="0" err="1"/>
-              <a:t>DslModelLoader.instance</a:t>
-            </a:r>
-            <a:r>
-              <a:rPr lang="en-US" altLang="zh-CN" sz="2800" dirty="0"/>
-              <a:t>().load(</a:t>
-            </a:r>
-            <a:r>
-              <a:rPr lang="en-US" altLang="zh-CN" sz="2800" dirty="0" err="1"/>
-              <a:t>virtualPath</a:t>
-            </a:r>
-            <a:r>
-              <a:rPr lang="en-US" altLang="zh-CN" sz="2800" dirty="0"/>
-              <a:t>)</a:t>
-            </a:r>
+              <a:t>          =  D1 ⊕ G1&lt;</a:t>
+            </a:r>
+            <a:r>
+              <a:rPr lang="en-US" altLang="zh-CN" sz="2800"/>
+              <a:t>D2 ⊕ G2&lt;DSL2&gt;&gt; </a:t>
+            </a:r>
+            <a:endParaRPr lang="en-US" altLang="zh-CN" sz="2800" dirty="0"/>
           </a:p>
         </p:txBody>
       </p:sp>
     </p:spTree>
     <p:extLst>
       <p:ext uri="{BB962C8B-B14F-4D97-AF65-F5344CB8AC3E}">
-        <p14:creationId xmlns:p14="http://schemas.microsoft.com/office/powerpoint/2010/main" val="4012938869"/>
+        <p14:creationId xmlns:p14="http://schemas.microsoft.com/office/powerpoint/2010/main" val="3639506574"/>
       </p:ext>
     </p:extLst>
   </p:cSld>
@@ -4256,274 +4077,10 @@
       </p:grpSpPr>
       <p:sp>
         <p:nvSpPr>
-          <p:cNvPr id="4" name="矩形 3">
-            <a:extLst>
-              <a:ext uri="{FF2B5EF4-FFF2-40B4-BE49-F238E27FC236}">
-                <a16:creationId xmlns:a16="http://schemas.microsoft.com/office/drawing/2014/main" id="{82624254-68F0-2252-7C78-0D7D3F200AEA}"/>
-              </a:ext>
-            </a:extLst>
-          </p:cNvPr>
-          <p:cNvSpPr/>
-          <p:nvPr/>
-        </p:nvSpPr>
-        <p:spPr>
-          <a:xfrm>
-            <a:off x="1118773" y="3680866"/>
-            <a:ext cx="1661602" cy="751537"/>
-          </a:xfrm>
-          <a:prstGeom prst="rect">
-            <a:avLst/>
-          </a:prstGeom>
-        </p:spPr>
-        <p:style>
-          <a:lnRef idx="2">
-            <a:schemeClr val="accent1">
-              <a:shade val="50000"/>
-            </a:schemeClr>
-          </a:lnRef>
-          <a:fillRef idx="1">
-            <a:schemeClr val="accent1"/>
-          </a:fillRef>
-          <a:effectRef idx="0">
-            <a:schemeClr val="accent1"/>
-          </a:effectRef>
-          <a:fontRef idx="minor">
-            <a:schemeClr val="lt1"/>
-          </a:fontRef>
-        </p:style>
-        <p:txBody>
-          <a:bodyPr rtlCol="0" anchor="ctr"/>
-          <a:lstStyle/>
-          <a:p>
-            <a:pPr algn="ctr"/>
-            <a:r>
-              <a:rPr lang="en-US" altLang="zh-CN" dirty="0"/>
-              <a:t>_XORM</a:t>
-            </a:r>
-            <a:endParaRPr lang="zh-CN" altLang="en-US" dirty="0"/>
-          </a:p>
-        </p:txBody>
-      </p:sp>
-      <p:sp>
-        <p:nvSpPr>
-          <p:cNvPr id="5" name="矩形 4">
-            <a:extLst>
-              <a:ext uri="{FF2B5EF4-FFF2-40B4-BE49-F238E27FC236}">
-                <a16:creationId xmlns:a16="http://schemas.microsoft.com/office/drawing/2014/main" id="{CE1A4767-FE4D-56D1-40B2-262D4B5896C7}"/>
-              </a:ext>
-            </a:extLst>
-          </p:cNvPr>
-          <p:cNvSpPr/>
-          <p:nvPr/>
-        </p:nvSpPr>
-        <p:spPr>
-          <a:xfrm>
-            <a:off x="1118773" y="2953653"/>
-            <a:ext cx="1661602" cy="751537"/>
-          </a:xfrm>
-          <a:prstGeom prst="rect">
-            <a:avLst/>
-          </a:prstGeom>
-        </p:spPr>
-        <p:style>
-          <a:lnRef idx="2">
-            <a:schemeClr val="accent1">
-              <a:shade val="50000"/>
-            </a:schemeClr>
-          </a:lnRef>
-          <a:fillRef idx="1">
-            <a:schemeClr val="accent1"/>
-          </a:fillRef>
-          <a:effectRef idx="0">
-            <a:schemeClr val="accent1"/>
-          </a:effectRef>
-          <a:fontRef idx="minor">
-            <a:schemeClr val="lt1"/>
-          </a:fontRef>
-        </p:style>
-        <p:txBody>
-          <a:bodyPr rtlCol="0" anchor="ctr"/>
-          <a:lstStyle/>
-          <a:p>
-            <a:pPr algn="ctr"/>
-            <a:r>
-              <a:rPr lang="en-US" altLang="zh-CN" dirty="0"/>
-              <a:t>XORM</a:t>
-            </a:r>
-            <a:endParaRPr lang="zh-CN" altLang="en-US" dirty="0"/>
-          </a:p>
-        </p:txBody>
-      </p:sp>
-      <p:sp>
-        <p:nvSpPr>
-          <p:cNvPr id="12" name="矩形 11">
-            <a:extLst>
-              <a:ext uri="{FF2B5EF4-FFF2-40B4-BE49-F238E27FC236}">
-                <a16:creationId xmlns:a16="http://schemas.microsoft.com/office/drawing/2014/main" id="{D596708B-FC6D-BF5E-34FA-D9730BE8E7E6}"/>
-              </a:ext>
-            </a:extLst>
-          </p:cNvPr>
-          <p:cNvSpPr/>
-          <p:nvPr/>
-        </p:nvSpPr>
-        <p:spPr>
-          <a:xfrm>
-            <a:off x="3743005" y="3692778"/>
-            <a:ext cx="1661602" cy="751537"/>
-          </a:xfrm>
-          <a:prstGeom prst="rect">
-            <a:avLst/>
-          </a:prstGeom>
-        </p:spPr>
-        <p:style>
-          <a:lnRef idx="2">
-            <a:schemeClr val="accent1">
-              <a:shade val="50000"/>
-            </a:schemeClr>
-          </a:lnRef>
-          <a:fillRef idx="1">
-            <a:schemeClr val="accent1"/>
-          </a:fillRef>
-          <a:effectRef idx="0">
-            <a:schemeClr val="accent1"/>
-          </a:effectRef>
-          <a:fontRef idx="minor">
-            <a:schemeClr val="lt1"/>
-          </a:fontRef>
-        </p:style>
-        <p:txBody>
-          <a:bodyPr rtlCol="0" anchor="ctr"/>
-          <a:lstStyle/>
-          <a:p>
-            <a:pPr algn="ctr"/>
-            <a:r>
-              <a:rPr lang="en-US" altLang="zh-CN" dirty="0"/>
-              <a:t>_</a:t>
-            </a:r>
-            <a:r>
-              <a:rPr lang="en-US" altLang="zh-CN" dirty="0" err="1"/>
-              <a:t>XMeta</a:t>
-            </a:r>
-            <a:endParaRPr lang="zh-CN" altLang="en-US" dirty="0"/>
-          </a:p>
-        </p:txBody>
-      </p:sp>
-      <p:sp>
-        <p:nvSpPr>
-          <p:cNvPr id="14" name="矩形 13">
-            <a:extLst>
-              <a:ext uri="{FF2B5EF4-FFF2-40B4-BE49-F238E27FC236}">
-                <a16:creationId xmlns:a16="http://schemas.microsoft.com/office/drawing/2014/main" id="{4EAEFFBD-C790-40AB-8120-0ED2F6F3E3AA}"/>
-              </a:ext>
-            </a:extLst>
-          </p:cNvPr>
-          <p:cNvSpPr/>
-          <p:nvPr/>
-        </p:nvSpPr>
-        <p:spPr>
-          <a:xfrm>
-            <a:off x="6455593" y="3705358"/>
-            <a:ext cx="1661602" cy="751537"/>
-          </a:xfrm>
-          <a:prstGeom prst="rect">
-            <a:avLst/>
-          </a:prstGeom>
-          <a:solidFill>
-            <a:srgbClr val="C00000"/>
-          </a:solidFill>
-        </p:spPr>
-        <p:style>
-          <a:lnRef idx="2">
-            <a:schemeClr val="accent1">
-              <a:shade val="50000"/>
-            </a:schemeClr>
-          </a:lnRef>
-          <a:fillRef idx="1">
-            <a:schemeClr val="accent1"/>
-          </a:fillRef>
-          <a:effectRef idx="0">
-            <a:schemeClr val="accent1"/>
-          </a:effectRef>
-          <a:fontRef idx="minor">
-            <a:schemeClr val="lt1"/>
-          </a:fontRef>
-        </p:style>
-        <p:txBody>
-          <a:bodyPr rtlCol="0" anchor="ctr"/>
-          <a:lstStyle/>
-          <a:p>
-            <a:pPr algn="ctr"/>
-            <a:r>
-              <a:rPr lang="en-US" altLang="zh-CN" dirty="0"/>
-              <a:t>_</a:t>
-            </a:r>
-            <a:r>
-              <a:rPr lang="en-US" altLang="zh-CN" dirty="0" err="1"/>
-              <a:t>XView</a:t>
-            </a:r>
-            <a:endParaRPr lang="zh-CN" altLang="en-US" dirty="0"/>
-          </a:p>
-        </p:txBody>
-      </p:sp>
-      <p:sp>
-        <p:nvSpPr>
-          <p:cNvPr id="19" name="矩形 18">
-            <a:extLst>
-              <a:ext uri="{FF2B5EF4-FFF2-40B4-BE49-F238E27FC236}">
-                <a16:creationId xmlns:a16="http://schemas.microsoft.com/office/drawing/2014/main" id="{1DDE44B1-52E8-98C7-D898-D63D745B0F63}"/>
-              </a:ext>
-            </a:extLst>
-          </p:cNvPr>
-          <p:cNvSpPr/>
-          <p:nvPr/>
-        </p:nvSpPr>
-        <p:spPr>
-          <a:xfrm>
-            <a:off x="9171697" y="2941241"/>
-            <a:ext cx="1661602" cy="751537"/>
-          </a:xfrm>
-          <a:prstGeom prst="rect">
-            <a:avLst/>
-          </a:prstGeom>
-          <a:solidFill>
-            <a:srgbClr val="C00000"/>
-          </a:solidFill>
-        </p:spPr>
-        <p:style>
-          <a:lnRef idx="2">
-            <a:schemeClr val="accent1">
-              <a:shade val="50000"/>
-            </a:schemeClr>
-          </a:lnRef>
-          <a:fillRef idx="1">
-            <a:schemeClr val="accent1"/>
-          </a:fillRef>
-          <a:effectRef idx="0">
-            <a:schemeClr val="accent1"/>
-          </a:effectRef>
-          <a:fontRef idx="minor">
-            <a:schemeClr val="lt1"/>
-          </a:fontRef>
-        </p:style>
-        <p:txBody>
-          <a:bodyPr rtlCol="0" anchor="ctr"/>
-          <a:lstStyle/>
-          <a:p>
-            <a:pPr algn="ctr"/>
-            <a:r>
-              <a:rPr lang="en-US" altLang="zh-CN" dirty="0" err="1"/>
-              <a:t>XPage</a:t>
-            </a:r>
-            <a:endParaRPr lang="zh-CN" altLang="en-US" dirty="0"/>
-          </a:p>
-        </p:txBody>
-      </p:sp>
-      <p:sp>
-        <p:nvSpPr>
-          <p:cNvPr id="49" name="文本框 48">
-            <a:extLst>
-              <a:ext uri="{FF2B5EF4-FFF2-40B4-BE49-F238E27FC236}">
-                <a16:creationId xmlns:a16="http://schemas.microsoft.com/office/drawing/2014/main" id="{C76386B8-0A78-88D0-283F-26AEFDECAB74}"/>
+          <p:cNvPr id="2" name="文本框 1">
+            <a:extLst>
+              <a:ext uri="{FF2B5EF4-FFF2-40B4-BE49-F238E27FC236}">
+                <a16:creationId xmlns:a16="http://schemas.microsoft.com/office/drawing/2014/main" id="{3C94D8A1-9917-8B97-5FC7-325C311C388B}"/>
               </a:ext>
             </a:extLst>
           </p:cNvPr>
@@ -4533,7 +4090,7 @@
         <p:spPr>
           <a:xfrm>
             <a:off x="434689" y="267393"/>
-            <a:ext cx="2380430" cy="523220"/>
+            <a:ext cx="4267940" cy="523220"/>
           </a:xfrm>
           <a:prstGeom prst="rect">
             <a:avLst/>
@@ -4547,277 +4104,35 @@
           <a:lstStyle/>
           <a:p>
             <a:r>
+              <a:rPr lang="en-US" altLang="zh-CN" sz="2800" b="1" dirty="0"/>
+              <a:t>Loader</a:t>
+            </a:r>
+            <a:r>
               <a:rPr lang="zh-CN" altLang="en-US" sz="2800" b="1" dirty="0"/>
-              <a:t>差量流水线</a:t>
-            </a:r>
-          </a:p>
-        </p:txBody>
-      </p:sp>
-      <p:sp>
-        <p:nvSpPr>
-          <p:cNvPr id="2" name="矩形 1">
-            <a:extLst>
-              <a:ext uri="{FF2B5EF4-FFF2-40B4-BE49-F238E27FC236}">
-                <a16:creationId xmlns:a16="http://schemas.microsoft.com/office/drawing/2014/main" id="{D9D7C2E0-53A0-8A71-7E5A-41DA55453420}"/>
-              </a:ext>
-            </a:extLst>
-          </p:cNvPr>
-          <p:cNvSpPr/>
-          <p:nvPr/>
-        </p:nvSpPr>
-        <p:spPr>
-          <a:xfrm>
-            <a:off x="3739489" y="2941242"/>
-            <a:ext cx="1661602" cy="751537"/>
-          </a:xfrm>
-          <a:prstGeom prst="rect">
-            <a:avLst/>
-          </a:prstGeom>
-        </p:spPr>
-        <p:style>
-          <a:lnRef idx="2">
-            <a:schemeClr val="accent1">
-              <a:shade val="50000"/>
-            </a:schemeClr>
-          </a:lnRef>
-          <a:fillRef idx="1">
-            <a:schemeClr val="accent1"/>
-          </a:fillRef>
-          <a:effectRef idx="0">
-            <a:schemeClr val="accent1"/>
-          </a:effectRef>
-          <a:fontRef idx="minor">
-            <a:schemeClr val="lt1"/>
-          </a:fontRef>
-        </p:style>
-        <p:txBody>
-          <a:bodyPr rtlCol="0" anchor="ctr"/>
-          <a:lstStyle/>
-          <a:p>
-            <a:pPr algn="ctr"/>
-            <a:r>
-              <a:rPr lang="en-US" altLang="zh-CN" dirty="0" err="1"/>
-              <a:t>XMeta</a:t>
-            </a:r>
-            <a:endParaRPr lang="zh-CN" altLang="en-US" dirty="0"/>
-          </a:p>
-        </p:txBody>
-      </p:sp>
-      <p:sp>
-        <p:nvSpPr>
-          <p:cNvPr id="11" name="矩形 10">
-            <a:extLst>
-              <a:ext uri="{FF2B5EF4-FFF2-40B4-BE49-F238E27FC236}">
-                <a16:creationId xmlns:a16="http://schemas.microsoft.com/office/drawing/2014/main" id="{656E952D-7207-7257-2CE4-D3885B5052C3}"/>
-              </a:ext>
-            </a:extLst>
-          </p:cNvPr>
-          <p:cNvSpPr/>
-          <p:nvPr/>
-        </p:nvSpPr>
-        <p:spPr>
-          <a:xfrm>
-            <a:off x="6455593" y="2953653"/>
-            <a:ext cx="1661602" cy="751537"/>
-          </a:xfrm>
-          <a:prstGeom prst="rect">
-            <a:avLst/>
-          </a:prstGeom>
-          <a:solidFill>
-            <a:srgbClr val="C00000"/>
-          </a:solidFill>
-        </p:spPr>
-        <p:style>
-          <a:lnRef idx="2">
-            <a:schemeClr val="accent1">
-              <a:shade val="50000"/>
-            </a:schemeClr>
-          </a:lnRef>
-          <a:fillRef idx="1">
-            <a:schemeClr val="accent1"/>
-          </a:fillRef>
-          <a:effectRef idx="0">
-            <a:schemeClr val="accent1"/>
-          </a:effectRef>
-          <a:fontRef idx="minor">
-            <a:schemeClr val="lt1"/>
-          </a:fontRef>
-        </p:style>
-        <p:txBody>
-          <a:bodyPr rtlCol="0" anchor="ctr"/>
-          <a:lstStyle/>
-          <a:p>
-            <a:pPr algn="ctr"/>
-            <a:r>
-              <a:rPr lang="en-US" altLang="zh-CN" dirty="0" err="1"/>
-              <a:t>XView</a:t>
-            </a:r>
-            <a:endParaRPr lang="en-US" altLang="zh-CN" dirty="0"/>
-          </a:p>
-        </p:txBody>
-      </p:sp>
-      <p:sp>
-        <p:nvSpPr>
-          <p:cNvPr id="22" name="矩形 21">
-            <a:extLst>
-              <a:ext uri="{FF2B5EF4-FFF2-40B4-BE49-F238E27FC236}">
-                <a16:creationId xmlns:a16="http://schemas.microsoft.com/office/drawing/2014/main" id="{CA4418D9-C431-D727-C854-E7CFD25EAA57}"/>
-              </a:ext>
-            </a:extLst>
-          </p:cNvPr>
-          <p:cNvSpPr/>
-          <p:nvPr/>
-        </p:nvSpPr>
-        <p:spPr>
-          <a:xfrm>
-            <a:off x="9170477" y="3691632"/>
-            <a:ext cx="1661602" cy="751537"/>
-          </a:xfrm>
-          <a:prstGeom prst="rect">
-            <a:avLst/>
-          </a:prstGeom>
-          <a:solidFill>
-            <a:srgbClr val="C00000"/>
-          </a:solidFill>
-        </p:spPr>
-        <p:style>
-          <a:lnRef idx="2">
-            <a:schemeClr val="accent1">
-              <a:shade val="50000"/>
-            </a:schemeClr>
-          </a:lnRef>
-          <a:fillRef idx="1">
-            <a:schemeClr val="accent1"/>
-          </a:fillRef>
-          <a:effectRef idx="0">
-            <a:schemeClr val="accent1"/>
-          </a:effectRef>
-          <a:fontRef idx="minor">
-            <a:schemeClr val="lt1"/>
-          </a:fontRef>
-        </p:style>
-        <p:txBody>
-          <a:bodyPr rtlCol="0" anchor="ctr"/>
-          <a:lstStyle/>
-          <a:p>
-            <a:pPr algn="ctr"/>
-            <a:r>
-              <a:rPr lang="en-US" altLang="zh-CN" dirty="0"/>
-              <a:t>_</a:t>
-            </a:r>
-            <a:r>
-              <a:rPr lang="en-US" altLang="zh-CN" dirty="0" err="1"/>
-              <a:t>XPage</a:t>
-            </a:r>
-            <a:endParaRPr lang="zh-CN" altLang="en-US" dirty="0"/>
-          </a:p>
-        </p:txBody>
-      </p:sp>
-      <p:sp>
-        <p:nvSpPr>
-          <p:cNvPr id="7" name="椭圆 6">
-            <a:extLst>
-              <a:ext uri="{FF2B5EF4-FFF2-40B4-BE49-F238E27FC236}">
-                <a16:creationId xmlns:a16="http://schemas.microsoft.com/office/drawing/2014/main" id="{C8313F1A-B63D-3A10-E8C1-AB28C38E41FE}"/>
-              </a:ext>
-            </a:extLst>
-          </p:cNvPr>
-          <p:cNvSpPr/>
-          <p:nvPr/>
-        </p:nvSpPr>
-        <p:spPr>
-          <a:xfrm>
-            <a:off x="1119759" y="5255029"/>
-            <a:ext cx="1661602" cy="751537"/>
-          </a:xfrm>
-          <a:prstGeom prst="ellipse">
-            <a:avLst/>
-          </a:prstGeom>
-          <a:solidFill>
-            <a:srgbClr val="7030A0"/>
-          </a:solidFill>
-        </p:spPr>
-        <p:style>
-          <a:lnRef idx="2">
-            <a:schemeClr val="accent1">
-              <a:shade val="50000"/>
-            </a:schemeClr>
-          </a:lnRef>
-          <a:fillRef idx="1">
-            <a:schemeClr val="accent1"/>
-          </a:fillRef>
-          <a:effectRef idx="0">
-            <a:schemeClr val="accent1"/>
-          </a:effectRef>
-          <a:fontRef idx="minor">
-            <a:schemeClr val="lt1"/>
-          </a:fontRef>
-        </p:style>
-        <p:txBody>
-          <a:bodyPr rtlCol="0" anchor="ctr"/>
-          <a:lstStyle/>
-          <a:p>
-            <a:pPr algn="ctr"/>
-            <a:r>
-              <a:rPr lang="en-US" altLang="zh-CN" dirty="0"/>
-              <a:t>Excel</a:t>
-            </a:r>
-            <a:endParaRPr lang="zh-CN" altLang="en-US" dirty="0"/>
-          </a:p>
-        </p:txBody>
-      </p:sp>
-      <p:sp>
-        <p:nvSpPr>
-          <p:cNvPr id="8" name="箭头: 右 7">
-            <a:extLst>
-              <a:ext uri="{FF2B5EF4-FFF2-40B4-BE49-F238E27FC236}">
-                <a16:creationId xmlns:a16="http://schemas.microsoft.com/office/drawing/2014/main" id="{5B1CFA59-D8A1-E062-7710-F234E2186247}"/>
-              </a:ext>
-            </a:extLst>
-          </p:cNvPr>
-          <p:cNvSpPr/>
-          <p:nvPr/>
-        </p:nvSpPr>
-        <p:spPr>
-          <a:xfrm rot="16200000">
-            <a:off x="1632536" y="4765617"/>
-            <a:ext cx="529841" cy="202391"/>
-          </a:xfrm>
-          <a:prstGeom prst="rightArrow">
-            <a:avLst/>
-          </a:prstGeom>
-        </p:spPr>
-        <p:style>
-          <a:lnRef idx="2">
-            <a:schemeClr val="accent1">
-              <a:shade val="50000"/>
-            </a:schemeClr>
-          </a:lnRef>
-          <a:fillRef idx="1">
-            <a:schemeClr val="accent1"/>
-          </a:fillRef>
-          <a:effectRef idx="0">
-            <a:schemeClr val="accent1"/>
-          </a:effectRef>
-          <a:fontRef idx="minor">
-            <a:schemeClr val="lt1"/>
-          </a:fontRef>
-        </p:style>
-        <p:txBody>
-          <a:bodyPr rtlCol="0" anchor="ctr"/>
-          <a:lstStyle/>
-          <a:p>
-            <a:pPr algn="ctr"/>
-            <a:endParaRPr lang="zh-CN" altLang="en-US"/>
-          </a:p>
-        </p:txBody>
-      </p:sp>
-      <p:sp>
-        <p:nvSpPr>
-          <p:cNvPr id="15" name="文本框 14">
-            <a:extLst>
-              <a:ext uri="{FF2B5EF4-FFF2-40B4-BE49-F238E27FC236}">
-                <a16:creationId xmlns:a16="http://schemas.microsoft.com/office/drawing/2014/main" id="{AC6C489F-E051-914F-A225-76E8289574A4}"/>
+              <a:t> </a:t>
+            </a:r>
+            <a:r>
+              <a:rPr lang="en-US" altLang="zh-CN" sz="2800" b="1" dirty="0"/>
+              <a:t>As</a:t>
+            </a:r>
+            <a:r>
+              <a:rPr lang="zh-CN" altLang="en-US" sz="2800" b="1" dirty="0"/>
+              <a:t> </a:t>
+            </a:r>
+            <a:r>
+              <a:rPr lang="en-US" altLang="zh-CN" sz="2800" b="1" dirty="0"/>
+              <a:t>Generator</a:t>
+            </a:r>
+            <a:endParaRPr lang="zh-CN" altLang="en-US" sz="2800" b="1" dirty="0"/>
+          </a:p>
+        </p:txBody>
+      </p:sp>
+      <p:sp>
+        <p:nvSpPr>
+          <p:cNvPr id="5" name="文本框 4">
+            <a:extLst>
+              <a:ext uri="{FF2B5EF4-FFF2-40B4-BE49-F238E27FC236}">
+                <a16:creationId xmlns:a16="http://schemas.microsoft.com/office/drawing/2014/main" id="{A84BC0B8-C288-5EAE-954C-4AAF55CA2262}"/>
               </a:ext>
             </a:extLst>
           </p:cNvPr>
@@ -4826,8 +4141,8 @@
         </p:nvSpPr>
         <p:spPr>
           <a:xfrm>
-            <a:off x="2049427" y="4677527"/>
-            <a:ext cx="708917" cy="369332"/>
+            <a:off x="1094014" y="1379766"/>
+            <a:ext cx="9511393" cy="523220"/>
           </a:xfrm>
           <a:prstGeom prst="rect">
             <a:avLst/>
@@ -4835,125 +4150,24 @@
           <a:noFill/>
         </p:spPr>
         <p:txBody>
-          <a:bodyPr wrap="square" rtlCol="0">
+          <a:bodyPr wrap="square">
             <a:spAutoFit/>
           </a:bodyPr>
           <a:lstStyle/>
           <a:p>
             <a:r>
-              <a:rPr lang="zh-CN" altLang="en-US" dirty="0"/>
-              <a:t>生成</a:t>
-            </a:r>
-          </a:p>
-        </p:txBody>
-      </p:sp>
-      <p:sp>
-        <p:nvSpPr>
-          <p:cNvPr id="26" name="椭圆 25">
-            <a:extLst>
-              <a:ext uri="{FF2B5EF4-FFF2-40B4-BE49-F238E27FC236}">
-                <a16:creationId xmlns:a16="http://schemas.microsoft.com/office/drawing/2014/main" id="{FAFE2A35-9FD0-1A68-9CAD-731A094AA618}"/>
-              </a:ext>
-            </a:extLst>
-          </p:cNvPr>
-          <p:cNvSpPr/>
-          <p:nvPr/>
-        </p:nvSpPr>
-        <p:spPr>
-          <a:xfrm>
-            <a:off x="9171697" y="1267187"/>
-            <a:ext cx="1661602" cy="751537"/>
-          </a:xfrm>
-          <a:prstGeom prst="ellipse">
-            <a:avLst/>
-          </a:prstGeom>
-          <a:solidFill>
-            <a:srgbClr val="7030A0"/>
-          </a:solidFill>
-        </p:spPr>
-        <p:style>
-          <a:lnRef idx="2">
-            <a:schemeClr val="accent1">
-              <a:shade val="50000"/>
-            </a:schemeClr>
-          </a:lnRef>
-          <a:fillRef idx="1">
-            <a:schemeClr val="accent1"/>
-          </a:fillRef>
-          <a:effectRef idx="0">
-            <a:schemeClr val="accent1"/>
-          </a:effectRef>
-          <a:fontRef idx="minor">
-            <a:schemeClr val="lt1"/>
-          </a:fontRef>
-        </p:style>
-        <p:txBody>
-          <a:bodyPr rtlCol="0" anchor="ctr"/>
-          <a:lstStyle/>
-          <a:p>
-            <a:pPr algn="ctr"/>
-            <a:r>
-              <a:rPr lang="zh-CN" altLang="en-US" dirty="0"/>
-              <a:t>界面</a:t>
-            </a:r>
-          </a:p>
-        </p:txBody>
-      </p:sp>
-      <p:sp>
-        <p:nvSpPr>
-          <p:cNvPr id="27" name="箭头: 右 26">
-            <a:extLst>
-              <a:ext uri="{FF2B5EF4-FFF2-40B4-BE49-F238E27FC236}">
-                <a16:creationId xmlns:a16="http://schemas.microsoft.com/office/drawing/2014/main" id="{0705D658-343D-D9A0-4C7A-321BC4AEAD24}"/>
-              </a:ext>
-            </a:extLst>
-          </p:cNvPr>
-          <p:cNvSpPr/>
-          <p:nvPr/>
-        </p:nvSpPr>
-        <p:spPr>
-          <a:xfrm rot="16200000">
-            <a:off x="9655636" y="2400626"/>
-            <a:ext cx="588892" cy="184934"/>
-          </a:xfrm>
-          <a:prstGeom prst="rightArrow">
-            <a:avLst>
-              <a:gd name="adj1" fmla="val 62154"/>
-              <a:gd name="adj2" fmla="val 50000"/>
-            </a:avLst>
-          </a:prstGeom>
-        </p:spPr>
-        <p:style>
-          <a:lnRef idx="2">
-            <a:schemeClr val="accent1">
-              <a:shade val="50000"/>
-            </a:schemeClr>
-          </a:lnRef>
-          <a:fillRef idx="1">
-            <a:schemeClr val="accent1"/>
-          </a:fillRef>
-          <a:effectRef idx="0">
-            <a:schemeClr val="accent1"/>
-          </a:effectRef>
-          <a:fontRef idx="minor">
-            <a:schemeClr val="lt1"/>
-          </a:fontRef>
-        </p:style>
-        <p:txBody>
-          <a:bodyPr rtlCol="0" anchor="ctr"/>
-          <a:lstStyle/>
-          <a:p>
-            <a:pPr algn="ctr"/>
-            <a:endParaRPr lang="zh-CN" altLang="en-US"/>
-          </a:p>
-        </p:txBody>
-      </p:sp>
-      <p:sp>
-        <p:nvSpPr>
-          <p:cNvPr id="28" name="文本框 27">
-            <a:extLst>
-              <a:ext uri="{FF2B5EF4-FFF2-40B4-BE49-F238E27FC236}">
-                <a16:creationId xmlns:a16="http://schemas.microsoft.com/office/drawing/2014/main" id="{7CE677EA-6653-B122-5525-0AF100D20D78}"/>
+              <a:rPr lang="en-US" altLang="zh-CN" sz="2800" dirty="0"/>
+              <a:t>  Loader::   Path -&gt; Model</a:t>
+            </a:r>
+          </a:p>
+        </p:txBody>
+      </p:sp>
+      <p:sp>
+        <p:nvSpPr>
+          <p:cNvPr id="21" name="文本框 20">
+            <a:extLst>
+              <a:ext uri="{FF2B5EF4-FFF2-40B4-BE49-F238E27FC236}">
+                <a16:creationId xmlns:a16="http://schemas.microsoft.com/office/drawing/2014/main" id="{8A75C438-2535-F2D3-5048-EA2A87FA1518}"/>
               </a:ext>
             </a:extLst>
           </p:cNvPr>
@@ -4962,8 +4176,8 @@
         </p:nvSpPr>
         <p:spPr>
           <a:xfrm>
-            <a:off x="10128609" y="2303996"/>
-            <a:ext cx="921004" cy="369332"/>
+            <a:off x="1017814" y="2283284"/>
+            <a:ext cx="9511393" cy="523220"/>
           </a:xfrm>
           <a:prstGeom prst="rect">
             <a:avLst/>
@@ -4971,69 +4185,24 @@
           <a:noFill/>
         </p:spPr>
         <p:txBody>
-          <a:bodyPr wrap="square" rtlCol="0">
+          <a:bodyPr wrap="square">
             <a:spAutoFit/>
           </a:bodyPr>
           <a:lstStyle/>
           <a:p>
             <a:r>
-              <a:rPr lang="en-US" altLang="zh-CN" dirty="0"/>
-              <a:t>Render</a:t>
-            </a:r>
-            <a:endParaRPr lang="zh-CN" altLang="en-US" dirty="0"/>
-          </a:p>
-        </p:txBody>
-      </p:sp>
-      <p:cxnSp>
-        <p:nvCxnSpPr>
-          <p:cNvPr id="42" name="直接连接符 41">
-            <a:extLst>
-              <a:ext uri="{FF2B5EF4-FFF2-40B4-BE49-F238E27FC236}">
-                <a16:creationId xmlns:a16="http://schemas.microsoft.com/office/drawing/2014/main" id="{D50D6AB5-4D89-4BA6-A7E8-F8E26F6D2885}"/>
-              </a:ext>
-            </a:extLst>
-          </p:cNvPr>
-          <p:cNvCxnSpPr>
-            <a:cxnSpLocks/>
-          </p:cNvCxnSpPr>
-          <p:nvPr/>
-        </p:nvCxnSpPr>
-        <p:spPr>
-          <a:xfrm>
-            <a:off x="5900792" y="2749600"/>
-            <a:ext cx="0" cy="4018151"/>
-          </a:xfrm>
-          <a:prstGeom prst="line">
-            <a:avLst/>
-          </a:prstGeom>
-          <a:ln>
-            <a:solidFill>
-              <a:schemeClr val="accent1"/>
-            </a:solidFill>
-            <a:prstDash val="dash"/>
-          </a:ln>
-        </p:spPr>
-        <p:style>
-          <a:lnRef idx="1">
-            <a:schemeClr val="accent1"/>
-          </a:lnRef>
-          <a:fillRef idx="0">
-            <a:schemeClr val="accent1"/>
-          </a:fillRef>
-          <a:effectRef idx="0">
-            <a:schemeClr val="accent1"/>
-          </a:effectRef>
-          <a:fontRef idx="minor">
-            <a:schemeClr val="tx1"/>
-          </a:fontRef>
-        </p:style>
-      </p:cxnSp>
-      <p:sp>
-        <p:nvSpPr>
-          <p:cNvPr id="16" name="文本框 15">
-            <a:extLst>
-              <a:ext uri="{FF2B5EF4-FFF2-40B4-BE49-F238E27FC236}">
-                <a16:creationId xmlns:a16="http://schemas.microsoft.com/office/drawing/2014/main" id="{07128EE0-A808-4AAB-488A-DAAF10473AC0}"/>
+              <a:rPr lang="en-US" altLang="zh-CN" sz="2800" dirty="0"/>
+              <a:t>  Loader::  Possible Path -&gt; Possible Model</a:t>
+            </a:r>
+          </a:p>
+        </p:txBody>
+      </p:sp>
+      <p:sp>
+        <p:nvSpPr>
+          <p:cNvPr id="4" name="文本框 3">
+            <a:extLst>
+              <a:ext uri="{FF2B5EF4-FFF2-40B4-BE49-F238E27FC236}">
+                <a16:creationId xmlns:a16="http://schemas.microsoft.com/office/drawing/2014/main" id="{A02C4C51-481A-8E70-8571-DABD5ABEF108}"/>
               </a:ext>
             </a:extLst>
           </p:cNvPr>
@@ -5042,8 +4211,8 @@
         </p:nvSpPr>
         <p:spPr>
           <a:xfrm>
-            <a:off x="2871297" y="2813342"/>
-            <a:ext cx="708917" cy="369332"/>
+            <a:off x="1017814" y="3186802"/>
+            <a:ext cx="10248901" cy="1938992"/>
           </a:xfrm>
           <a:prstGeom prst="rect">
             <a:avLst/>
@@ -5051,24 +4220,109 @@
           <a:noFill/>
         </p:spPr>
         <p:txBody>
-          <a:bodyPr wrap="square" rtlCol="0">
+          <a:bodyPr wrap="square">
             <a:spAutoFit/>
           </a:bodyPr>
           <a:lstStyle/>
           <a:p>
             <a:r>
-              <a:rPr lang="zh-CN" altLang="en-US" dirty="0"/>
-              <a:t>生成</a:t>
-            </a:r>
-          </a:p>
-        </p:txBody>
-      </p:sp>
-      <p:sp>
-        <p:nvSpPr>
-          <p:cNvPr id="18" name="文本框 17">
-            <a:extLst>
-              <a:ext uri="{FF2B5EF4-FFF2-40B4-BE49-F238E27FC236}">
-                <a16:creationId xmlns:a16="http://schemas.microsoft.com/office/drawing/2014/main" id="{035EADB8-B836-BBCB-4B3A-4AD98E84DCBD}"/>
+              <a:rPr lang="en-US" altLang="zh-CN" sz="2400" dirty="0"/>
+              <a:t>Possible Path = </a:t>
+            </a:r>
+            <a:r>
+              <a:rPr lang="en-US" altLang="zh-CN" sz="2400" dirty="0" err="1"/>
+              <a:t>deltaPath</a:t>
+            </a:r>
+            <a:r>
+              <a:rPr lang="en-US" altLang="zh-CN" sz="2400" dirty="0"/>
+              <a:t> + </a:t>
+            </a:r>
+            <a:r>
+              <a:rPr lang="en-US" altLang="zh-CN" sz="2400" dirty="0" err="1"/>
+              <a:t>stdPath</a:t>
+            </a:r>
+            <a:endParaRPr lang="en-US" altLang="zh-CN" sz="2400" dirty="0"/>
+          </a:p>
+          <a:p>
+            <a:r>
+              <a:rPr lang="en-US" altLang="zh-CN" sz="2400" dirty="0"/>
+              <a:t>Loader&lt;</a:t>
+            </a:r>
+            <a:r>
+              <a:rPr lang="en-US" altLang="zh-CN" sz="2400" dirty="0" err="1"/>
+              <a:t>PossiblePath</a:t>
+            </a:r>
+            <a:r>
+              <a:rPr lang="en-US" altLang="zh-CN" sz="2400" dirty="0"/>
+              <a:t>&gt; = Loader&lt;</a:t>
+            </a:r>
+            <a:r>
+              <a:rPr lang="en-US" altLang="zh-CN" sz="2400" dirty="0" err="1"/>
+              <a:t>deltaPath</a:t>
+            </a:r>
+            <a:r>
+              <a:rPr lang="en-US" altLang="zh-CN" sz="2400" dirty="0"/>
+              <a:t> + </a:t>
+            </a:r>
+            <a:r>
+              <a:rPr lang="en-US" altLang="zh-CN" sz="2400" dirty="0" err="1"/>
+              <a:t>stdPath</a:t>
+            </a:r>
+            <a:r>
+              <a:rPr lang="en-US" altLang="zh-CN" sz="2400" dirty="0"/>
+              <a:t>&gt;</a:t>
+            </a:r>
+          </a:p>
+          <a:p>
+            <a:r>
+              <a:rPr lang="en-US" altLang="zh-CN" sz="2400" dirty="0"/>
+              <a:t>                                    = Loader&lt;</a:t>
+            </a:r>
+            <a:r>
+              <a:rPr lang="en-US" altLang="zh-CN" sz="2400" dirty="0" err="1"/>
+              <a:t>deltaPath</a:t>
+            </a:r>
+            <a:r>
+              <a:rPr lang="en-US" altLang="zh-CN" sz="2400" dirty="0"/>
+              <a:t>&gt; x-extends Loader&lt;</a:t>
+            </a:r>
+            <a:r>
+              <a:rPr lang="en-US" altLang="zh-CN" sz="2400" dirty="0" err="1"/>
+              <a:t>stdPath</a:t>
+            </a:r>
+            <a:r>
+              <a:rPr lang="en-US" altLang="zh-CN" sz="2400" dirty="0"/>
+              <a:t>&gt;</a:t>
+            </a:r>
+          </a:p>
+          <a:p>
+            <a:r>
+              <a:rPr lang="en-US" altLang="zh-CN" sz="2400" dirty="0"/>
+              <a:t>                                    = </a:t>
+            </a:r>
+            <a:r>
+              <a:rPr lang="en-US" altLang="zh-CN" sz="2400" dirty="0" err="1"/>
+              <a:t>DeltaModel</a:t>
+            </a:r>
+            <a:r>
+              <a:rPr lang="en-US" altLang="zh-CN" sz="2400" dirty="0"/>
+              <a:t> x-extends Model</a:t>
+            </a:r>
+          </a:p>
+          <a:p>
+            <a:r>
+              <a:rPr lang="en-US" altLang="zh-CN" sz="2400" dirty="0"/>
+              <a:t>                                    = Possible Model</a:t>
+            </a:r>
+          </a:p>
+        </p:txBody>
+      </p:sp>
+      <p:sp>
+        <p:nvSpPr>
+          <p:cNvPr id="6" name="文本框 5">
+            <a:extLst>
+              <a:ext uri="{FF2B5EF4-FFF2-40B4-BE49-F238E27FC236}">
+                <a16:creationId xmlns:a16="http://schemas.microsoft.com/office/drawing/2014/main" id="{1DE0D502-F837-A9B8-98AE-01B07C60B60A}"/>
               </a:ext>
             </a:extLst>
           </p:cNvPr>
@@ -5077,8 +4331,8 @@
         </p:nvSpPr>
         <p:spPr>
           <a:xfrm>
-            <a:off x="5581843" y="2848847"/>
-            <a:ext cx="708917" cy="369332"/>
+            <a:off x="1121229" y="5668745"/>
+            <a:ext cx="9511393" cy="523220"/>
           </a:xfrm>
           <a:prstGeom prst="rect">
             <a:avLst/>
@@ -5086,356 +4340,34 @@
           <a:noFill/>
         </p:spPr>
         <p:txBody>
-          <a:bodyPr wrap="square" rtlCol="0">
+          <a:bodyPr wrap="square">
             <a:spAutoFit/>
           </a:bodyPr>
           <a:lstStyle/>
           <a:p>
             <a:r>
-              <a:rPr lang="zh-CN" altLang="en-US" dirty="0"/>
-              <a:t>生成</a:t>
-            </a:r>
-          </a:p>
-        </p:txBody>
-      </p:sp>
-      <p:sp>
-        <p:nvSpPr>
-          <p:cNvPr id="21" name="矩形 20">
-            <a:extLst>
-              <a:ext uri="{FF2B5EF4-FFF2-40B4-BE49-F238E27FC236}">
-                <a16:creationId xmlns:a16="http://schemas.microsoft.com/office/drawing/2014/main" id="{53272BCD-B3A7-5DDB-7DF7-DE9D53F7B669}"/>
-              </a:ext>
-            </a:extLst>
-          </p:cNvPr>
-          <p:cNvSpPr/>
-          <p:nvPr/>
-        </p:nvSpPr>
-        <p:spPr>
-          <a:xfrm>
-            <a:off x="3744932" y="1393457"/>
-            <a:ext cx="1661602" cy="751537"/>
-          </a:xfrm>
-          <a:prstGeom prst="rect">
-            <a:avLst/>
-          </a:prstGeom>
-        </p:spPr>
-        <p:style>
-          <a:lnRef idx="2">
-            <a:schemeClr val="accent1">
-              <a:shade val="50000"/>
-            </a:schemeClr>
-          </a:lnRef>
-          <a:fillRef idx="1">
-            <a:schemeClr val="accent1"/>
-          </a:fillRef>
-          <a:effectRef idx="0">
-            <a:schemeClr val="accent1"/>
-          </a:effectRef>
-          <a:fontRef idx="minor">
-            <a:schemeClr val="lt1"/>
-          </a:fontRef>
-        </p:style>
-        <p:txBody>
-          <a:bodyPr rtlCol="0" anchor="ctr"/>
-          <a:lstStyle/>
-          <a:p>
-            <a:pPr algn="ctr"/>
-            <a:r>
-              <a:rPr lang="en-US" altLang="zh-CN" dirty="0" err="1"/>
-              <a:t>GraphQL</a:t>
-            </a:r>
-            <a:endParaRPr lang="zh-CN" altLang="en-US" dirty="0"/>
-          </a:p>
-        </p:txBody>
-      </p:sp>
-      <p:sp>
-        <p:nvSpPr>
-          <p:cNvPr id="36" name="箭头: 上 35">
-            <a:extLst>
-              <a:ext uri="{FF2B5EF4-FFF2-40B4-BE49-F238E27FC236}">
-                <a16:creationId xmlns:a16="http://schemas.microsoft.com/office/drawing/2014/main" id="{AF326EC7-1256-780A-B70E-2888D1738247}"/>
-              </a:ext>
-            </a:extLst>
-          </p:cNvPr>
-          <p:cNvSpPr/>
-          <p:nvPr/>
-        </p:nvSpPr>
-        <p:spPr>
-          <a:xfrm>
-            <a:off x="4436907" y="2299827"/>
-            <a:ext cx="168315" cy="369331"/>
-          </a:xfrm>
-          <a:prstGeom prst="upArrow">
-            <a:avLst/>
-          </a:prstGeom>
-        </p:spPr>
-        <p:style>
-          <a:lnRef idx="2">
-            <a:schemeClr val="accent1">
-              <a:shade val="50000"/>
-            </a:schemeClr>
-          </a:lnRef>
-          <a:fillRef idx="1">
-            <a:schemeClr val="accent1"/>
-          </a:fillRef>
-          <a:effectRef idx="0">
-            <a:schemeClr val="accent1"/>
-          </a:effectRef>
-          <a:fontRef idx="minor">
-            <a:schemeClr val="lt1"/>
-          </a:fontRef>
-        </p:style>
-        <p:txBody>
-          <a:bodyPr rtlCol="0" anchor="ctr"/>
-          <a:lstStyle/>
-          <a:p>
-            <a:pPr algn="ctr"/>
-            <a:endParaRPr lang="zh-CN" altLang="en-US"/>
-          </a:p>
-        </p:txBody>
-      </p:sp>
-      <p:sp>
-        <p:nvSpPr>
-          <p:cNvPr id="37" name="文本框 36">
-            <a:extLst>
-              <a:ext uri="{FF2B5EF4-FFF2-40B4-BE49-F238E27FC236}">
-                <a16:creationId xmlns:a16="http://schemas.microsoft.com/office/drawing/2014/main" id="{0A0BDC57-58BE-9A32-3FB7-E926CFEAEE82}"/>
-              </a:ext>
-            </a:extLst>
-          </p:cNvPr>
-          <p:cNvSpPr txBox="1"/>
-          <p:nvPr/>
-        </p:nvSpPr>
-        <p:spPr>
-          <a:xfrm>
-            <a:off x="4693796" y="2287587"/>
-            <a:ext cx="1220709" cy="369332"/>
-          </a:xfrm>
-          <a:prstGeom prst="rect">
-            <a:avLst/>
-          </a:prstGeom>
-          <a:noFill/>
-        </p:spPr>
-        <p:txBody>
-          <a:bodyPr wrap="square" rtlCol="0">
-            <a:spAutoFit/>
-          </a:bodyPr>
-          <a:lstStyle/>
-          <a:p>
-            <a:r>
-              <a:rPr lang="en-US" altLang="zh-CN" dirty="0" err="1"/>
-              <a:t>BizModel</a:t>
-            </a:r>
-            <a:endParaRPr lang="en-US" altLang="zh-CN" dirty="0"/>
-          </a:p>
-        </p:txBody>
-      </p:sp>
-      <p:sp>
-        <p:nvSpPr>
-          <p:cNvPr id="41" name="加号 40">
-            <a:extLst>
-              <a:ext uri="{FF2B5EF4-FFF2-40B4-BE49-F238E27FC236}">
-                <a16:creationId xmlns:a16="http://schemas.microsoft.com/office/drawing/2014/main" id="{9231E943-E955-B34C-F9CC-CCDADFCEF50E}"/>
-              </a:ext>
-            </a:extLst>
-          </p:cNvPr>
-          <p:cNvSpPr/>
-          <p:nvPr/>
-        </p:nvSpPr>
-        <p:spPr>
-          <a:xfrm>
-            <a:off x="4348332" y="2322000"/>
-            <a:ext cx="345464" cy="369332"/>
-          </a:xfrm>
-          <a:prstGeom prst="mathPlus">
-            <a:avLst/>
-          </a:prstGeom>
-        </p:spPr>
-        <p:style>
-          <a:lnRef idx="2">
-            <a:schemeClr val="accent1">
-              <a:shade val="50000"/>
-            </a:schemeClr>
-          </a:lnRef>
-          <a:fillRef idx="1">
-            <a:schemeClr val="accent1"/>
-          </a:fillRef>
-          <a:effectRef idx="0">
-            <a:schemeClr val="accent1"/>
-          </a:effectRef>
-          <a:fontRef idx="minor">
-            <a:schemeClr val="lt1"/>
-          </a:fontRef>
-        </p:style>
-        <p:txBody>
-          <a:bodyPr rtlCol="0" anchor="ctr"/>
-          <a:lstStyle/>
-          <a:p>
-            <a:pPr algn="ctr"/>
-            <a:endParaRPr lang="zh-CN" altLang="en-US"/>
-          </a:p>
-        </p:txBody>
-      </p:sp>
-      <p:cxnSp>
-        <p:nvCxnSpPr>
-          <p:cNvPr id="50" name="连接符: 肘形 49">
-            <a:extLst>
-              <a:ext uri="{FF2B5EF4-FFF2-40B4-BE49-F238E27FC236}">
-                <a16:creationId xmlns:a16="http://schemas.microsoft.com/office/drawing/2014/main" id="{D53C0396-B1E4-2401-DA0E-CCA76C4CC91E}"/>
-              </a:ext>
-            </a:extLst>
-          </p:cNvPr>
-          <p:cNvCxnSpPr>
-            <a:cxnSpLocks/>
-          </p:cNvCxnSpPr>
-          <p:nvPr/>
-        </p:nvCxnSpPr>
-        <p:spPr>
-          <a:xfrm>
-            <a:off x="2878955" y="3380746"/>
-            <a:ext cx="763177" cy="590140"/>
-          </a:xfrm>
-          <a:prstGeom prst="bentConnector3">
-            <a:avLst>
-              <a:gd name="adj1" fmla="val 50000"/>
-            </a:avLst>
-          </a:prstGeom>
-          <a:ln w="53975">
-            <a:tailEnd type="triangle"/>
-          </a:ln>
-        </p:spPr>
-        <p:style>
-          <a:lnRef idx="1">
-            <a:schemeClr val="accent1"/>
-          </a:lnRef>
-          <a:fillRef idx="0">
-            <a:schemeClr val="accent1"/>
-          </a:fillRef>
-          <a:effectRef idx="0">
-            <a:schemeClr val="accent1"/>
-          </a:effectRef>
-          <a:fontRef idx="minor">
-            <a:schemeClr val="tx1"/>
-          </a:fontRef>
-        </p:style>
-      </p:cxnSp>
-      <p:cxnSp>
-        <p:nvCxnSpPr>
-          <p:cNvPr id="56" name="连接符: 肘形 55">
-            <a:extLst>
-              <a:ext uri="{FF2B5EF4-FFF2-40B4-BE49-F238E27FC236}">
-                <a16:creationId xmlns:a16="http://schemas.microsoft.com/office/drawing/2014/main" id="{57F9F954-A1D8-9A79-F3ED-BD312B9031E7}"/>
-              </a:ext>
-            </a:extLst>
-          </p:cNvPr>
-          <p:cNvCxnSpPr>
-            <a:cxnSpLocks/>
-          </p:cNvCxnSpPr>
-          <p:nvPr/>
-        </p:nvCxnSpPr>
-        <p:spPr>
-          <a:xfrm>
-            <a:off x="5531645" y="3430406"/>
-            <a:ext cx="763177" cy="590140"/>
-          </a:xfrm>
-          <a:prstGeom prst="bentConnector3">
-            <a:avLst>
-              <a:gd name="adj1" fmla="val 50000"/>
-            </a:avLst>
-          </a:prstGeom>
-          <a:ln w="53975">
-            <a:tailEnd type="triangle"/>
-          </a:ln>
-        </p:spPr>
-        <p:style>
-          <a:lnRef idx="1">
-            <a:schemeClr val="accent1"/>
-          </a:lnRef>
-          <a:fillRef idx="0">
-            <a:schemeClr val="accent1"/>
-          </a:fillRef>
-          <a:effectRef idx="0">
-            <a:schemeClr val="accent1"/>
-          </a:effectRef>
-          <a:fontRef idx="minor">
-            <a:schemeClr val="tx1"/>
-          </a:fontRef>
-        </p:style>
-      </p:cxnSp>
-      <p:cxnSp>
-        <p:nvCxnSpPr>
-          <p:cNvPr id="57" name="连接符: 肘形 56">
-            <a:extLst>
-              <a:ext uri="{FF2B5EF4-FFF2-40B4-BE49-F238E27FC236}">
-                <a16:creationId xmlns:a16="http://schemas.microsoft.com/office/drawing/2014/main" id="{69B37F02-B6DF-3079-E988-DFAEC8F2B29E}"/>
-              </a:ext>
-            </a:extLst>
-          </p:cNvPr>
-          <p:cNvCxnSpPr>
-            <a:cxnSpLocks/>
-          </p:cNvCxnSpPr>
-          <p:nvPr/>
-        </p:nvCxnSpPr>
-        <p:spPr>
-          <a:xfrm>
-            <a:off x="8273129" y="3428696"/>
-            <a:ext cx="763177" cy="590140"/>
-          </a:xfrm>
-          <a:prstGeom prst="bentConnector3">
-            <a:avLst>
-              <a:gd name="adj1" fmla="val 50000"/>
-            </a:avLst>
-          </a:prstGeom>
-          <a:ln w="53975">
-            <a:tailEnd type="triangle"/>
-          </a:ln>
-        </p:spPr>
-        <p:style>
-          <a:lnRef idx="1">
-            <a:schemeClr val="accent1"/>
-          </a:lnRef>
-          <a:fillRef idx="0">
-            <a:schemeClr val="accent1"/>
-          </a:fillRef>
-          <a:effectRef idx="0">
-            <a:schemeClr val="accent1"/>
-          </a:effectRef>
-          <a:fontRef idx="minor">
-            <a:schemeClr val="tx1"/>
-          </a:fontRef>
-        </p:style>
-      </p:cxnSp>
-      <p:sp>
-        <p:nvSpPr>
-          <p:cNvPr id="59" name="文本框 58">
-            <a:extLst>
-              <a:ext uri="{FF2B5EF4-FFF2-40B4-BE49-F238E27FC236}">
-                <a16:creationId xmlns:a16="http://schemas.microsoft.com/office/drawing/2014/main" id="{61EA4447-5C5C-F1A0-4594-4664B9C02180}"/>
-              </a:ext>
-            </a:extLst>
-          </p:cNvPr>
-          <p:cNvSpPr txBox="1"/>
-          <p:nvPr/>
-        </p:nvSpPr>
-        <p:spPr>
-          <a:xfrm>
-            <a:off x="8179491" y="2847137"/>
-            <a:ext cx="708917" cy="369332"/>
-          </a:xfrm>
-          <a:prstGeom prst="rect">
-            <a:avLst/>
-          </a:prstGeom>
-          <a:noFill/>
-        </p:spPr>
-        <p:txBody>
-          <a:bodyPr wrap="square" rtlCol="0">
-            <a:spAutoFit/>
-          </a:bodyPr>
-          <a:lstStyle/>
-          <a:p>
-            <a:r>
-              <a:rPr lang="zh-CN" altLang="en-US" dirty="0"/>
-              <a:t>生成</a:t>
+              <a:rPr lang="en-US" altLang="zh-CN" sz="2800" dirty="0" err="1"/>
+              <a:t>DslModel</a:t>
+            </a:r>
+            <a:r>
+              <a:rPr lang="en-US" altLang="zh-CN" sz="2800" dirty="0"/>
+              <a:t> = </a:t>
+            </a:r>
+            <a:r>
+              <a:rPr lang="en-US" altLang="zh-CN" sz="2800" dirty="0" err="1"/>
+              <a:t>DslModelLoader.instance</a:t>
+            </a:r>
+            <a:r>
+              <a:rPr lang="en-US" altLang="zh-CN" sz="2800" dirty="0"/>
+              <a:t>().load(</a:t>
+            </a:r>
+            <a:r>
+              <a:rPr lang="en-US" altLang="zh-CN" sz="2800" dirty="0" err="1"/>
+              <a:t>virtualPath</a:t>
+            </a:r>
+            <a:r>
+              <a:rPr lang="en-US" altLang="zh-CN" sz="2800" dirty="0"/>
+              <a:t>)</a:t>
             </a:r>
           </a:p>
         </p:txBody>
@@ -5443,7 +4375,7 @@
     </p:spTree>
     <p:extLst>
       <p:ext uri="{BB962C8B-B14F-4D97-AF65-F5344CB8AC3E}">
-        <p14:creationId xmlns:p14="http://schemas.microsoft.com/office/powerpoint/2010/main" val="138928013"/>
+        <p14:creationId xmlns:p14="http://schemas.microsoft.com/office/powerpoint/2010/main" val="4012938869"/>
       </p:ext>
     </p:extLst>
   </p:cSld>
@@ -5470,42 +4402,276 @@
           <a:chExt cx="0" cy="0"/>
         </a:xfrm>
       </p:grpSpPr>
-      <p:pic>
-        <p:nvPicPr>
-          <p:cNvPr id="3" name="图片 2">
-            <a:extLst>
-              <a:ext uri="{FF2B5EF4-FFF2-40B4-BE49-F238E27FC236}">
-                <a16:creationId xmlns:a16="http://schemas.microsoft.com/office/drawing/2014/main" id="{AC87EDDB-1E43-486E-03E5-6E6C0523EFB0}"/>
-              </a:ext>
-            </a:extLst>
-          </p:cNvPr>
-          <p:cNvPicPr>
-            <a:picLocks noChangeAspect="1"/>
-          </p:cNvPicPr>
+      <p:sp>
+        <p:nvSpPr>
+          <p:cNvPr id="4" name="矩形 3">
+            <a:extLst>
+              <a:ext uri="{FF2B5EF4-FFF2-40B4-BE49-F238E27FC236}">
+                <a16:creationId xmlns:a16="http://schemas.microsoft.com/office/drawing/2014/main" id="{82624254-68F0-2252-7C78-0D7D3F200AEA}"/>
+              </a:ext>
+            </a:extLst>
+          </p:cNvPr>
+          <p:cNvSpPr/>
           <p:nvPr/>
-        </p:nvPicPr>
-        <p:blipFill>
-          <a:blip r:embed="rId2"/>
-          <a:stretch>
-            <a:fillRect/>
-          </a:stretch>
-        </p:blipFill>
+        </p:nvSpPr>
         <p:spPr>
           <a:xfrm>
-            <a:off x="1547130" y="506189"/>
-            <a:ext cx="8726076" cy="6328222"/>
+            <a:off x="1118773" y="3680866"/>
+            <a:ext cx="1661602" cy="751537"/>
           </a:xfrm>
           <a:prstGeom prst="rect">
             <a:avLst/>
           </a:prstGeom>
         </p:spPr>
-      </p:pic>
-      <p:sp>
-        <p:nvSpPr>
-          <p:cNvPr id="8" name="文本框 7">
-            <a:extLst>
-              <a:ext uri="{FF2B5EF4-FFF2-40B4-BE49-F238E27FC236}">
-                <a16:creationId xmlns:a16="http://schemas.microsoft.com/office/drawing/2014/main" id="{DFB1FE9B-8B28-28F7-2F2F-187EBC612C0D}"/>
+        <p:style>
+          <a:lnRef idx="2">
+            <a:schemeClr val="accent1">
+              <a:shade val="50000"/>
+            </a:schemeClr>
+          </a:lnRef>
+          <a:fillRef idx="1">
+            <a:schemeClr val="accent1"/>
+          </a:fillRef>
+          <a:effectRef idx="0">
+            <a:schemeClr val="accent1"/>
+          </a:effectRef>
+          <a:fontRef idx="minor">
+            <a:schemeClr val="lt1"/>
+          </a:fontRef>
+        </p:style>
+        <p:txBody>
+          <a:bodyPr rtlCol="0" anchor="ctr"/>
+          <a:lstStyle/>
+          <a:p>
+            <a:pPr algn="ctr"/>
+            <a:r>
+              <a:rPr lang="en-US" altLang="zh-CN" dirty="0"/>
+              <a:t>_XORM</a:t>
+            </a:r>
+            <a:endParaRPr lang="zh-CN" altLang="en-US" dirty="0"/>
+          </a:p>
+        </p:txBody>
+      </p:sp>
+      <p:sp>
+        <p:nvSpPr>
+          <p:cNvPr id="5" name="矩形 4">
+            <a:extLst>
+              <a:ext uri="{FF2B5EF4-FFF2-40B4-BE49-F238E27FC236}">
+                <a16:creationId xmlns:a16="http://schemas.microsoft.com/office/drawing/2014/main" id="{CE1A4767-FE4D-56D1-40B2-262D4B5896C7}"/>
+              </a:ext>
+            </a:extLst>
+          </p:cNvPr>
+          <p:cNvSpPr/>
+          <p:nvPr/>
+        </p:nvSpPr>
+        <p:spPr>
+          <a:xfrm>
+            <a:off x="1118773" y="2953653"/>
+            <a:ext cx="1661602" cy="751537"/>
+          </a:xfrm>
+          <a:prstGeom prst="rect">
+            <a:avLst/>
+          </a:prstGeom>
+        </p:spPr>
+        <p:style>
+          <a:lnRef idx="2">
+            <a:schemeClr val="accent1">
+              <a:shade val="50000"/>
+            </a:schemeClr>
+          </a:lnRef>
+          <a:fillRef idx="1">
+            <a:schemeClr val="accent1"/>
+          </a:fillRef>
+          <a:effectRef idx="0">
+            <a:schemeClr val="accent1"/>
+          </a:effectRef>
+          <a:fontRef idx="minor">
+            <a:schemeClr val="lt1"/>
+          </a:fontRef>
+        </p:style>
+        <p:txBody>
+          <a:bodyPr rtlCol="0" anchor="ctr"/>
+          <a:lstStyle/>
+          <a:p>
+            <a:pPr algn="ctr"/>
+            <a:r>
+              <a:rPr lang="en-US" altLang="zh-CN" dirty="0"/>
+              <a:t>XORM</a:t>
+            </a:r>
+            <a:endParaRPr lang="zh-CN" altLang="en-US" dirty="0"/>
+          </a:p>
+        </p:txBody>
+      </p:sp>
+      <p:sp>
+        <p:nvSpPr>
+          <p:cNvPr id="12" name="矩形 11">
+            <a:extLst>
+              <a:ext uri="{FF2B5EF4-FFF2-40B4-BE49-F238E27FC236}">
+                <a16:creationId xmlns:a16="http://schemas.microsoft.com/office/drawing/2014/main" id="{D596708B-FC6D-BF5E-34FA-D9730BE8E7E6}"/>
+              </a:ext>
+            </a:extLst>
+          </p:cNvPr>
+          <p:cNvSpPr/>
+          <p:nvPr/>
+        </p:nvSpPr>
+        <p:spPr>
+          <a:xfrm>
+            <a:off x="3743005" y="3692778"/>
+            <a:ext cx="1661602" cy="751537"/>
+          </a:xfrm>
+          <a:prstGeom prst="rect">
+            <a:avLst/>
+          </a:prstGeom>
+        </p:spPr>
+        <p:style>
+          <a:lnRef idx="2">
+            <a:schemeClr val="accent1">
+              <a:shade val="50000"/>
+            </a:schemeClr>
+          </a:lnRef>
+          <a:fillRef idx="1">
+            <a:schemeClr val="accent1"/>
+          </a:fillRef>
+          <a:effectRef idx="0">
+            <a:schemeClr val="accent1"/>
+          </a:effectRef>
+          <a:fontRef idx="minor">
+            <a:schemeClr val="lt1"/>
+          </a:fontRef>
+        </p:style>
+        <p:txBody>
+          <a:bodyPr rtlCol="0" anchor="ctr"/>
+          <a:lstStyle/>
+          <a:p>
+            <a:pPr algn="ctr"/>
+            <a:r>
+              <a:rPr lang="en-US" altLang="zh-CN" dirty="0"/>
+              <a:t>_</a:t>
+            </a:r>
+            <a:r>
+              <a:rPr lang="en-US" altLang="zh-CN" dirty="0" err="1"/>
+              <a:t>XMeta</a:t>
+            </a:r>
+            <a:endParaRPr lang="zh-CN" altLang="en-US" dirty="0"/>
+          </a:p>
+        </p:txBody>
+      </p:sp>
+      <p:sp>
+        <p:nvSpPr>
+          <p:cNvPr id="14" name="矩形 13">
+            <a:extLst>
+              <a:ext uri="{FF2B5EF4-FFF2-40B4-BE49-F238E27FC236}">
+                <a16:creationId xmlns:a16="http://schemas.microsoft.com/office/drawing/2014/main" id="{4EAEFFBD-C790-40AB-8120-0ED2F6F3E3AA}"/>
+              </a:ext>
+            </a:extLst>
+          </p:cNvPr>
+          <p:cNvSpPr/>
+          <p:nvPr/>
+        </p:nvSpPr>
+        <p:spPr>
+          <a:xfrm>
+            <a:off x="6455593" y="3705358"/>
+            <a:ext cx="1661602" cy="751537"/>
+          </a:xfrm>
+          <a:prstGeom prst="rect">
+            <a:avLst/>
+          </a:prstGeom>
+          <a:solidFill>
+            <a:srgbClr val="C00000"/>
+          </a:solidFill>
+        </p:spPr>
+        <p:style>
+          <a:lnRef idx="2">
+            <a:schemeClr val="accent1">
+              <a:shade val="50000"/>
+            </a:schemeClr>
+          </a:lnRef>
+          <a:fillRef idx="1">
+            <a:schemeClr val="accent1"/>
+          </a:fillRef>
+          <a:effectRef idx="0">
+            <a:schemeClr val="accent1"/>
+          </a:effectRef>
+          <a:fontRef idx="minor">
+            <a:schemeClr val="lt1"/>
+          </a:fontRef>
+        </p:style>
+        <p:txBody>
+          <a:bodyPr rtlCol="0" anchor="ctr"/>
+          <a:lstStyle/>
+          <a:p>
+            <a:pPr algn="ctr"/>
+            <a:r>
+              <a:rPr lang="en-US" altLang="zh-CN" dirty="0"/>
+              <a:t>_</a:t>
+            </a:r>
+            <a:r>
+              <a:rPr lang="en-US" altLang="zh-CN" dirty="0" err="1"/>
+              <a:t>XView</a:t>
+            </a:r>
+            <a:endParaRPr lang="zh-CN" altLang="en-US" dirty="0"/>
+          </a:p>
+        </p:txBody>
+      </p:sp>
+      <p:sp>
+        <p:nvSpPr>
+          <p:cNvPr id="19" name="矩形 18">
+            <a:extLst>
+              <a:ext uri="{FF2B5EF4-FFF2-40B4-BE49-F238E27FC236}">
+                <a16:creationId xmlns:a16="http://schemas.microsoft.com/office/drawing/2014/main" id="{1DDE44B1-52E8-98C7-D898-D63D745B0F63}"/>
+              </a:ext>
+            </a:extLst>
+          </p:cNvPr>
+          <p:cNvSpPr/>
+          <p:nvPr/>
+        </p:nvSpPr>
+        <p:spPr>
+          <a:xfrm>
+            <a:off x="9171697" y="2941241"/>
+            <a:ext cx="1661602" cy="751537"/>
+          </a:xfrm>
+          <a:prstGeom prst="rect">
+            <a:avLst/>
+          </a:prstGeom>
+          <a:solidFill>
+            <a:srgbClr val="C00000"/>
+          </a:solidFill>
+        </p:spPr>
+        <p:style>
+          <a:lnRef idx="2">
+            <a:schemeClr val="accent1">
+              <a:shade val="50000"/>
+            </a:schemeClr>
+          </a:lnRef>
+          <a:fillRef idx="1">
+            <a:schemeClr val="accent1"/>
+          </a:fillRef>
+          <a:effectRef idx="0">
+            <a:schemeClr val="accent1"/>
+          </a:effectRef>
+          <a:fontRef idx="minor">
+            <a:schemeClr val="lt1"/>
+          </a:fontRef>
+        </p:style>
+        <p:txBody>
+          <a:bodyPr rtlCol="0" anchor="ctr"/>
+          <a:lstStyle/>
+          <a:p>
+            <a:pPr algn="ctr"/>
+            <a:r>
+              <a:rPr lang="en-US" altLang="zh-CN" dirty="0" err="1"/>
+              <a:t>XPage</a:t>
+            </a:r>
+            <a:endParaRPr lang="zh-CN" altLang="en-US" dirty="0"/>
+          </a:p>
+        </p:txBody>
+      </p:sp>
+      <p:sp>
+        <p:nvSpPr>
+          <p:cNvPr id="49" name="文本框 48">
+            <a:extLst>
+              <a:ext uri="{FF2B5EF4-FFF2-40B4-BE49-F238E27FC236}">
+                <a16:creationId xmlns:a16="http://schemas.microsoft.com/office/drawing/2014/main" id="{C76386B8-0A78-88D0-283F-26AEFDECAB74}"/>
               </a:ext>
             </a:extLst>
           </p:cNvPr>
@@ -5514,8 +4680,8 @@
         </p:nvSpPr>
         <p:spPr>
           <a:xfrm>
-            <a:off x="204105" y="506189"/>
-            <a:ext cx="2669723" cy="579665"/>
+            <a:off x="434689" y="267393"/>
+            <a:ext cx="2380430" cy="523220"/>
           </a:xfrm>
           <a:prstGeom prst="rect">
             <a:avLst/>
@@ -5529,17 +4695,903 @@
           <a:lstStyle/>
           <a:p>
             <a:r>
-              <a:rPr lang="en-US" altLang="zh-CN" sz="3200" b="1" dirty="0" err="1"/>
+              <a:rPr lang="zh-CN" altLang="en-US" sz="2800" b="1" dirty="0"/>
+              <a:t>差量流水线</a:t>
+            </a:r>
+          </a:p>
+        </p:txBody>
+      </p:sp>
+      <p:sp>
+        <p:nvSpPr>
+          <p:cNvPr id="2" name="矩形 1">
+            <a:extLst>
+              <a:ext uri="{FF2B5EF4-FFF2-40B4-BE49-F238E27FC236}">
+                <a16:creationId xmlns:a16="http://schemas.microsoft.com/office/drawing/2014/main" id="{D9D7C2E0-53A0-8A71-7E5A-41DA55453420}"/>
+              </a:ext>
+            </a:extLst>
+          </p:cNvPr>
+          <p:cNvSpPr/>
+          <p:nvPr/>
+        </p:nvSpPr>
+        <p:spPr>
+          <a:xfrm>
+            <a:off x="3739489" y="2941242"/>
+            <a:ext cx="1661602" cy="751537"/>
+          </a:xfrm>
+          <a:prstGeom prst="rect">
+            <a:avLst/>
+          </a:prstGeom>
+        </p:spPr>
+        <p:style>
+          <a:lnRef idx="2">
+            <a:schemeClr val="accent1">
+              <a:shade val="50000"/>
+            </a:schemeClr>
+          </a:lnRef>
+          <a:fillRef idx="1">
+            <a:schemeClr val="accent1"/>
+          </a:fillRef>
+          <a:effectRef idx="0">
+            <a:schemeClr val="accent1"/>
+          </a:effectRef>
+          <a:fontRef idx="minor">
+            <a:schemeClr val="lt1"/>
+          </a:fontRef>
+        </p:style>
+        <p:txBody>
+          <a:bodyPr rtlCol="0" anchor="ctr"/>
+          <a:lstStyle/>
+          <a:p>
+            <a:pPr algn="ctr"/>
+            <a:r>
+              <a:rPr lang="en-US" altLang="zh-CN" dirty="0" err="1"/>
+              <a:t>XMeta</a:t>
+            </a:r>
+            <a:endParaRPr lang="zh-CN" altLang="en-US" dirty="0"/>
+          </a:p>
+        </p:txBody>
+      </p:sp>
+      <p:sp>
+        <p:nvSpPr>
+          <p:cNvPr id="11" name="矩形 10">
+            <a:extLst>
+              <a:ext uri="{FF2B5EF4-FFF2-40B4-BE49-F238E27FC236}">
+                <a16:creationId xmlns:a16="http://schemas.microsoft.com/office/drawing/2014/main" id="{656E952D-7207-7257-2CE4-D3885B5052C3}"/>
+              </a:ext>
+            </a:extLst>
+          </p:cNvPr>
+          <p:cNvSpPr/>
+          <p:nvPr/>
+        </p:nvSpPr>
+        <p:spPr>
+          <a:xfrm>
+            <a:off x="6455593" y="2953653"/>
+            <a:ext cx="1661602" cy="751537"/>
+          </a:xfrm>
+          <a:prstGeom prst="rect">
+            <a:avLst/>
+          </a:prstGeom>
+          <a:solidFill>
+            <a:srgbClr val="C00000"/>
+          </a:solidFill>
+        </p:spPr>
+        <p:style>
+          <a:lnRef idx="2">
+            <a:schemeClr val="accent1">
+              <a:shade val="50000"/>
+            </a:schemeClr>
+          </a:lnRef>
+          <a:fillRef idx="1">
+            <a:schemeClr val="accent1"/>
+          </a:fillRef>
+          <a:effectRef idx="0">
+            <a:schemeClr val="accent1"/>
+          </a:effectRef>
+          <a:fontRef idx="minor">
+            <a:schemeClr val="lt1"/>
+          </a:fontRef>
+        </p:style>
+        <p:txBody>
+          <a:bodyPr rtlCol="0" anchor="ctr"/>
+          <a:lstStyle/>
+          <a:p>
+            <a:pPr algn="ctr"/>
+            <a:r>
+              <a:rPr lang="en-US" altLang="zh-CN" dirty="0" err="1"/>
+              <a:t>XView</a:t>
+            </a:r>
+            <a:endParaRPr lang="en-US" altLang="zh-CN" dirty="0"/>
+          </a:p>
+        </p:txBody>
+      </p:sp>
+      <p:sp>
+        <p:nvSpPr>
+          <p:cNvPr id="22" name="矩形 21">
+            <a:extLst>
+              <a:ext uri="{FF2B5EF4-FFF2-40B4-BE49-F238E27FC236}">
+                <a16:creationId xmlns:a16="http://schemas.microsoft.com/office/drawing/2014/main" id="{CA4418D9-C431-D727-C854-E7CFD25EAA57}"/>
+              </a:ext>
+            </a:extLst>
+          </p:cNvPr>
+          <p:cNvSpPr/>
+          <p:nvPr/>
+        </p:nvSpPr>
+        <p:spPr>
+          <a:xfrm>
+            <a:off x="9170477" y="3691632"/>
+            <a:ext cx="1661602" cy="751537"/>
+          </a:xfrm>
+          <a:prstGeom prst="rect">
+            <a:avLst/>
+          </a:prstGeom>
+          <a:solidFill>
+            <a:srgbClr val="C00000"/>
+          </a:solidFill>
+        </p:spPr>
+        <p:style>
+          <a:lnRef idx="2">
+            <a:schemeClr val="accent1">
+              <a:shade val="50000"/>
+            </a:schemeClr>
+          </a:lnRef>
+          <a:fillRef idx="1">
+            <a:schemeClr val="accent1"/>
+          </a:fillRef>
+          <a:effectRef idx="0">
+            <a:schemeClr val="accent1"/>
+          </a:effectRef>
+          <a:fontRef idx="minor">
+            <a:schemeClr val="lt1"/>
+          </a:fontRef>
+        </p:style>
+        <p:txBody>
+          <a:bodyPr rtlCol="0" anchor="ctr"/>
+          <a:lstStyle/>
+          <a:p>
+            <a:pPr algn="ctr"/>
+            <a:r>
+              <a:rPr lang="en-US" altLang="zh-CN" dirty="0"/>
+              <a:t>_</a:t>
+            </a:r>
+            <a:r>
+              <a:rPr lang="en-US" altLang="zh-CN" dirty="0" err="1"/>
+              <a:t>XPage</a:t>
+            </a:r>
+            <a:endParaRPr lang="zh-CN" altLang="en-US" dirty="0"/>
+          </a:p>
+        </p:txBody>
+      </p:sp>
+      <p:sp>
+        <p:nvSpPr>
+          <p:cNvPr id="7" name="椭圆 6">
+            <a:extLst>
+              <a:ext uri="{FF2B5EF4-FFF2-40B4-BE49-F238E27FC236}">
+                <a16:creationId xmlns:a16="http://schemas.microsoft.com/office/drawing/2014/main" id="{C8313F1A-B63D-3A10-E8C1-AB28C38E41FE}"/>
+              </a:ext>
+            </a:extLst>
+          </p:cNvPr>
+          <p:cNvSpPr/>
+          <p:nvPr/>
+        </p:nvSpPr>
+        <p:spPr>
+          <a:xfrm>
+            <a:off x="1119759" y="5255029"/>
+            <a:ext cx="1661602" cy="751537"/>
+          </a:xfrm>
+          <a:prstGeom prst="ellipse">
+            <a:avLst/>
+          </a:prstGeom>
+          <a:solidFill>
+            <a:srgbClr val="7030A0"/>
+          </a:solidFill>
+        </p:spPr>
+        <p:style>
+          <a:lnRef idx="2">
+            <a:schemeClr val="accent1">
+              <a:shade val="50000"/>
+            </a:schemeClr>
+          </a:lnRef>
+          <a:fillRef idx="1">
+            <a:schemeClr val="accent1"/>
+          </a:fillRef>
+          <a:effectRef idx="0">
+            <a:schemeClr val="accent1"/>
+          </a:effectRef>
+          <a:fontRef idx="minor">
+            <a:schemeClr val="lt1"/>
+          </a:fontRef>
+        </p:style>
+        <p:txBody>
+          <a:bodyPr rtlCol="0" anchor="ctr"/>
+          <a:lstStyle/>
+          <a:p>
+            <a:pPr algn="ctr"/>
+            <a:r>
+              <a:rPr lang="en-US" altLang="zh-CN" dirty="0"/>
+              <a:t>Excel</a:t>
+            </a:r>
+            <a:endParaRPr lang="zh-CN" altLang="en-US" dirty="0"/>
+          </a:p>
+        </p:txBody>
+      </p:sp>
+      <p:sp>
+        <p:nvSpPr>
+          <p:cNvPr id="8" name="箭头: 右 7">
+            <a:extLst>
+              <a:ext uri="{FF2B5EF4-FFF2-40B4-BE49-F238E27FC236}">
+                <a16:creationId xmlns:a16="http://schemas.microsoft.com/office/drawing/2014/main" id="{5B1CFA59-D8A1-E062-7710-F234E2186247}"/>
+              </a:ext>
+            </a:extLst>
+          </p:cNvPr>
+          <p:cNvSpPr/>
+          <p:nvPr/>
+        </p:nvSpPr>
+        <p:spPr>
+          <a:xfrm rot="16200000">
+            <a:off x="1632536" y="4765617"/>
+            <a:ext cx="529841" cy="202391"/>
+          </a:xfrm>
+          <a:prstGeom prst="rightArrow">
+            <a:avLst/>
+          </a:prstGeom>
+        </p:spPr>
+        <p:style>
+          <a:lnRef idx="2">
+            <a:schemeClr val="accent1">
+              <a:shade val="50000"/>
+            </a:schemeClr>
+          </a:lnRef>
+          <a:fillRef idx="1">
+            <a:schemeClr val="accent1"/>
+          </a:fillRef>
+          <a:effectRef idx="0">
+            <a:schemeClr val="accent1"/>
+          </a:effectRef>
+          <a:fontRef idx="minor">
+            <a:schemeClr val="lt1"/>
+          </a:fontRef>
+        </p:style>
+        <p:txBody>
+          <a:bodyPr rtlCol="0" anchor="ctr"/>
+          <a:lstStyle/>
+          <a:p>
+            <a:pPr algn="ctr"/>
+            <a:endParaRPr lang="zh-CN" altLang="en-US"/>
+          </a:p>
+        </p:txBody>
+      </p:sp>
+      <p:sp>
+        <p:nvSpPr>
+          <p:cNvPr id="15" name="文本框 14">
+            <a:extLst>
+              <a:ext uri="{FF2B5EF4-FFF2-40B4-BE49-F238E27FC236}">
+                <a16:creationId xmlns:a16="http://schemas.microsoft.com/office/drawing/2014/main" id="{AC6C489F-E051-914F-A225-76E8289574A4}"/>
+              </a:ext>
+            </a:extLst>
+          </p:cNvPr>
+          <p:cNvSpPr txBox="1"/>
+          <p:nvPr/>
+        </p:nvSpPr>
+        <p:spPr>
+          <a:xfrm>
+            <a:off x="2049427" y="4677527"/>
+            <a:ext cx="708917" cy="369332"/>
+          </a:xfrm>
+          <a:prstGeom prst="rect">
+            <a:avLst/>
+          </a:prstGeom>
+          <a:noFill/>
+        </p:spPr>
+        <p:txBody>
+          <a:bodyPr wrap="square" rtlCol="0">
+            <a:spAutoFit/>
+          </a:bodyPr>
+          <a:lstStyle/>
+          <a:p>
+            <a:r>
+              <a:rPr lang="zh-CN" altLang="en-US" dirty="0"/>
+              <a:t>生成</a:t>
+            </a:r>
+          </a:p>
+        </p:txBody>
+      </p:sp>
+      <p:sp>
+        <p:nvSpPr>
+          <p:cNvPr id="26" name="椭圆 25">
+            <a:extLst>
+              <a:ext uri="{FF2B5EF4-FFF2-40B4-BE49-F238E27FC236}">
+                <a16:creationId xmlns:a16="http://schemas.microsoft.com/office/drawing/2014/main" id="{FAFE2A35-9FD0-1A68-9CAD-731A094AA618}"/>
+              </a:ext>
+            </a:extLst>
+          </p:cNvPr>
+          <p:cNvSpPr/>
+          <p:nvPr/>
+        </p:nvSpPr>
+        <p:spPr>
+          <a:xfrm>
+            <a:off x="9171697" y="1267187"/>
+            <a:ext cx="1661602" cy="751537"/>
+          </a:xfrm>
+          <a:prstGeom prst="ellipse">
+            <a:avLst/>
+          </a:prstGeom>
+          <a:solidFill>
+            <a:srgbClr val="7030A0"/>
+          </a:solidFill>
+        </p:spPr>
+        <p:style>
+          <a:lnRef idx="2">
+            <a:schemeClr val="accent1">
+              <a:shade val="50000"/>
+            </a:schemeClr>
+          </a:lnRef>
+          <a:fillRef idx="1">
+            <a:schemeClr val="accent1"/>
+          </a:fillRef>
+          <a:effectRef idx="0">
+            <a:schemeClr val="accent1"/>
+          </a:effectRef>
+          <a:fontRef idx="minor">
+            <a:schemeClr val="lt1"/>
+          </a:fontRef>
+        </p:style>
+        <p:txBody>
+          <a:bodyPr rtlCol="0" anchor="ctr"/>
+          <a:lstStyle/>
+          <a:p>
+            <a:pPr algn="ctr"/>
+            <a:r>
+              <a:rPr lang="zh-CN" altLang="en-US" dirty="0"/>
+              <a:t>界面</a:t>
+            </a:r>
+          </a:p>
+        </p:txBody>
+      </p:sp>
+      <p:sp>
+        <p:nvSpPr>
+          <p:cNvPr id="27" name="箭头: 右 26">
+            <a:extLst>
+              <a:ext uri="{FF2B5EF4-FFF2-40B4-BE49-F238E27FC236}">
+                <a16:creationId xmlns:a16="http://schemas.microsoft.com/office/drawing/2014/main" id="{0705D658-343D-D9A0-4C7A-321BC4AEAD24}"/>
+              </a:ext>
+            </a:extLst>
+          </p:cNvPr>
+          <p:cNvSpPr/>
+          <p:nvPr/>
+        </p:nvSpPr>
+        <p:spPr>
+          <a:xfrm rot="16200000">
+            <a:off x="9655636" y="2400626"/>
+            <a:ext cx="588892" cy="184934"/>
+          </a:xfrm>
+          <a:prstGeom prst="rightArrow">
+            <a:avLst>
+              <a:gd name="adj1" fmla="val 62154"/>
+              <a:gd name="adj2" fmla="val 50000"/>
+            </a:avLst>
+          </a:prstGeom>
+        </p:spPr>
+        <p:style>
+          <a:lnRef idx="2">
+            <a:schemeClr val="accent1">
+              <a:shade val="50000"/>
+            </a:schemeClr>
+          </a:lnRef>
+          <a:fillRef idx="1">
+            <a:schemeClr val="accent1"/>
+          </a:fillRef>
+          <a:effectRef idx="0">
+            <a:schemeClr val="accent1"/>
+          </a:effectRef>
+          <a:fontRef idx="minor">
+            <a:schemeClr val="lt1"/>
+          </a:fontRef>
+        </p:style>
+        <p:txBody>
+          <a:bodyPr rtlCol="0" anchor="ctr"/>
+          <a:lstStyle/>
+          <a:p>
+            <a:pPr algn="ctr"/>
+            <a:endParaRPr lang="zh-CN" altLang="en-US"/>
+          </a:p>
+        </p:txBody>
+      </p:sp>
+      <p:sp>
+        <p:nvSpPr>
+          <p:cNvPr id="28" name="文本框 27">
+            <a:extLst>
+              <a:ext uri="{FF2B5EF4-FFF2-40B4-BE49-F238E27FC236}">
+                <a16:creationId xmlns:a16="http://schemas.microsoft.com/office/drawing/2014/main" id="{7CE677EA-6653-B122-5525-0AF100D20D78}"/>
+              </a:ext>
+            </a:extLst>
+          </p:cNvPr>
+          <p:cNvSpPr txBox="1"/>
+          <p:nvPr/>
+        </p:nvSpPr>
+        <p:spPr>
+          <a:xfrm>
+            <a:off x="10128609" y="2303996"/>
+            <a:ext cx="921004" cy="369332"/>
+          </a:xfrm>
+          <a:prstGeom prst="rect">
+            <a:avLst/>
+          </a:prstGeom>
+          <a:noFill/>
+        </p:spPr>
+        <p:txBody>
+          <a:bodyPr wrap="square" rtlCol="0">
+            <a:spAutoFit/>
+          </a:bodyPr>
+          <a:lstStyle/>
+          <a:p>
+            <a:r>
+              <a:rPr lang="en-US" altLang="zh-CN" dirty="0"/>
+              <a:t>Render</a:t>
+            </a:r>
+            <a:endParaRPr lang="zh-CN" altLang="en-US" dirty="0"/>
+          </a:p>
+        </p:txBody>
+      </p:sp>
+      <p:cxnSp>
+        <p:nvCxnSpPr>
+          <p:cNvPr id="42" name="直接连接符 41">
+            <a:extLst>
+              <a:ext uri="{FF2B5EF4-FFF2-40B4-BE49-F238E27FC236}">
+                <a16:creationId xmlns:a16="http://schemas.microsoft.com/office/drawing/2014/main" id="{D50D6AB5-4D89-4BA6-A7E8-F8E26F6D2885}"/>
+              </a:ext>
+            </a:extLst>
+          </p:cNvPr>
+          <p:cNvCxnSpPr>
+            <a:cxnSpLocks/>
+          </p:cNvCxnSpPr>
+          <p:nvPr/>
+        </p:nvCxnSpPr>
+        <p:spPr>
+          <a:xfrm>
+            <a:off x="5900792" y="2749600"/>
+            <a:ext cx="0" cy="4018151"/>
+          </a:xfrm>
+          <a:prstGeom prst="line">
+            <a:avLst/>
+          </a:prstGeom>
+          <a:ln>
+            <a:solidFill>
+              <a:schemeClr val="accent1"/>
+            </a:solidFill>
+            <a:prstDash val="dash"/>
+          </a:ln>
+        </p:spPr>
+        <p:style>
+          <a:lnRef idx="1">
+            <a:schemeClr val="accent1"/>
+          </a:lnRef>
+          <a:fillRef idx="0">
+            <a:schemeClr val="accent1"/>
+          </a:fillRef>
+          <a:effectRef idx="0">
+            <a:schemeClr val="accent1"/>
+          </a:effectRef>
+          <a:fontRef idx="minor">
+            <a:schemeClr val="tx1"/>
+          </a:fontRef>
+        </p:style>
+      </p:cxnSp>
+      <p:sp>
+        <p:nvSpPr>
+          <p:cNvPr id="16" name="文本框 15">
+            <a:extLst>
+              <a:ext uri="{FF2B5EF4-FFF2-40B4-BE49-F238E27FC236}">
+                <a16:creationId xmlns:a16="http://schemas.microsoft.com/office/drawing/2014/main" id="{07128EE0-A808-4AAB-488A-DAAF10473AC0}"/>
+              </a:ext>
+            </a:extLst>
+          </p:cNvPr>
+          <p:cNvSpPr txBox="1"/>
+          <p:nvPr/>
+        </p:nvSpPr>
+        <p:spPr>
+          <a:xfrm>
+            <a:off x="2871297" y="2813342"/>
+            <a:ext cx="708917" cy="369332"/>
+          </a:xfrm>
+          <a:prstGeom prst="rect">
+            <a:avLst/>
+          </a:prstGeom>
+          <a:noFill/>
+        </p:spPr>
+        <p:txBody>
+          <a:bodyPr wrap="square" rtlCol="0">
+            <a:spAutoFit/>
+          </a:bodyPr>
+          <a:lstStyle/>
+          <a:p>
+            <a:r>
+              <a:rPr lang="zh-CN" altLang="en-US" dirty="0"/>
+              <a:t>生成</a:t>
+            </a:r>
+          </a:p>
+        </p:txBody>
+      </p:sp>
+      <p:sp>
+        <p:nvSpPr>
+          <p:cNvPr id="18" name="文本框 17">
+            <a:extLst>
+              <a:ext uri="{FF2B5EF4-FFF2-40B4-BE49-F238E27FC236}">
+                <a16:creationId xmlns:a16="http://schemas.microsoft.com/office/drawing/2014/main" id="{035EADB8-B836-BBCB-4B3A-4AD98E84DCBD}"/>
+              </a:ext>
+            </a:extLst>
+          </p:cNvPr>
+          <p:cNvSpPr txBox="1"/>
+          <p:nvPr/>
+        </p:nvSpPr>
+        <p:spPr>
+          <a:xfrm>
+            <a:off x="5581843" y="2848847"/>
+            <a:ext cx="708917" cy="369332"/>
+          </a:xfrm>
+          <a:prstGeom prst="rect">
+            <a:avLst/>
+          </a:prstGeom>
+          <a:noFill/>
+        </p:spPr>
+        <p:txBody>
+          <a:bodyPr wrap="square" rtlCol="0">
+            <a:spAutoFit/>
+          </a:bodyPr>
+          <a:lstStyle/>
+          <a:p>
+            <a:r>
+              <a:rPr lang="zh-CN" altLang="en-US" dirty="0"/>
+              <a:t>生成</a:t>
+            </a:r>
+          </a:p>
+        </p:txBody>
+      </p:sp>
+      <p:sp>
+        <p:nvSpPr>
+          <p:cNvPr id="21" name="矩形 20">
+            <a:extLst>
+              <a:ext uri="{FF2B5EF4-FFF2-40B4-BE49-F238E27FC236}">
+                <a16:creationId xmlns:a16="http://schemas.microsoft.com/office/drawing/2014/main" id="{53272BCD-B3A7-5DDB-7DF7-DE9D53F7B669}"/>
+              </a:ext>
+            </a:extLst>
+          </p:cNvPr>
+          <p:cNvSpPr/>
+          <p:nvPr/>
+        </p:nvSpPr>
+        <p:spPr>
+          <a:xfrm>
+            <a:off x="3744932" y="1393457"/>
+            <a:ext cx="1661602" cy="751537"/>
+          </a:xfrm>
+          <a:prstGeom prst="rect">
+            <a:avLst/>
+          </a:prstGeom>
+        </p:spPr>
+        <p:style>
+          <a:lnRef idx="2">
+            <a:schemeClr val="accent1">
+              <a:shade val="50000"/>
+            </a:schemeClr>
+          </a:lnRef>
+          <a:fillRef idx="1">
+            <a:schemeClr val="accent1"/>
+          </a:fillRef>
+          <a:effectRef idx="0">
+            <a:schemeClr val="accent1"/>
+          </a:effectRef>
+          <a:fontRef idx="minor">
+            <a:schemeClr val="lt1"/>
+          </a:fontRef>
+        </p:style>
+        <p:txBody>
+          <a:bodyPr rtlCol="0" anchor="ctr"/>
+          <a:lstStyle/>
+          <a:p>
+            <a:pPr algn="ctr"/>
+            <a:r>
+              <a:rPr lang="en-US" altLang="zh-CN" dirty="0" err="1"/>
+              <a:t>GraphQL</a:t>
+            </a:r>
+            <a:endParaRPr lang="zh-CN" altLang="en-US" dirty="0"/>
+          </a:p>
+        </p:txBody>
+      </p:sp>
+      <p:sp>
+        <p:nvSpPr>
+          <p:cNvPr id="36" name="箭头: 上 35">
+            <a:extLst>
+              <a:ext uri="{FF2B5EF4-FFF2-40B4-BE49-F238E27FC236}">
+                <a16:creationId xmlns:a16="http://schemas.microsoft.com/office/drawing/2014/main" id="{AF326EC7-1256-780A-B70E-2888D1738247}"/>
+              </a:ext>
+            </a:extLst>
+          </p:cNvPr>
+          <p:cNvSpPr/>
+          <p:nvPr/>
+        </p:nvSpPr>
+        <p:spPr>
+          <a:xfrm>
+            <a:off x="4436907" y="2299827"/>
+            <a:ext cx="168315" cy="369331"/>
+          </a:xfrm>
+          <a:prstGeom prst="upArrow">
+            <a:avLst/>
+          </a:prstGeom>
+        </p:spPr>
+        <p:style>
+          <a:lnRef idx="2">
+            <a:schemeClr val="accent1">
+              <a:shade val="50000"/>
+            </a:schemeClr>
+          </a:lnRef>
+          <a:fillRef idx="1">
+            <a:schemeClr val="accent1"/>
+          </a:fillRef>
+          <a:effectRef idx="0">
+            <a:schemeClr val="accent1"/>
+          </a:effectRef>
+          <a:fontRef idx="minor">
+            <a:schemeClr val="lt1"/>
+          </a:fontRef>
+        </p:style>
+        <p:txBody>
+          <a:bodyPr rtlCol="0" anchor="ctr"/>
+          <a:lstStyle/>
+          <a:p>
+            <a:pPr algn="ctr"/>
+            <a:endParaRPr lang="zh-CN" altLang="en-US"/>
+          </a:p>
+        </p:txBody>
+      </p:sp>
+      <p:sp>
+        <p:nvSpPr>
+          <p:cNvPr id="37" name="文本框 36">
+            <a:extLst>
+              <a:ext uri="{FF2B5EF4-FFF2-40B4-BE49-F238E27FC236}">
+                <a16:creationId xmlns:a16="http://schemas.microsoft.com/office/drawing/2014/main" id="{0A0BDC57-58BE-9A32-3FB7-E926CFEAEE82}"/>
+              </a:ext>
+            </a:extLst>
+          </p:cNvPr>
+          <p:cNvSpPr txBox="1"/>
+          <p:nvPr/>
+        </p:nvSpPr>
+        <p:spPr>
+          <a:xfrm>
+            <a:off x="4693796" y="2287587"/>
+            <a:ext cx="1220709" cy="369332"/>
+          </a:xfrm>
+          <a:prstGeom prst="rect">
+            <a:avLst/>
+          </a:prstGeom>
+          <a:noFill/>
+        </p:spPr>
+        <p:txBody>
+          <a:bodyPr wrap="square" rtlCol="0">
+            <a:spAutoFit/>
+          </a:bodyPr>
+          <a:lstStyle/>
+          <a:p>
+            <a:r>
+              <a:rPr lang="en-US" altLang="zh-CN" dirty="0" err="1"/>
               <a:t>BizModel</a:t>
             </a:r>
-            <a:endParaRPr lang="zh-CN" altLang="en-US" sz="3200" b="1" dirty="0"/>
+            <a:endParaRPr lang="en-US" altLang="zh-CN" dirty="0"/>
+          </a:p>
+        </p:txBody>
+      </p:sp>
+      <p:sp>
+        <p:nvSpPr>
+          <p:cNvPr id="41" name="加号 40">
+            <a:extLst>
+              <a:ext uri="{FF2B5EF4-FFF2-40B4-BE49-F238E27FC236}">
+                <a16:creationId xmlns:a16="http://schemas.microsoft.com/office/drawing/2014/main" id="{9231E943-E955-B34C-F9CC-CCDADFCEF50E}"/>
+              </a:ext>
+            </a:extLst>
+          </p:cNvPr>
+          <p:cNvSpPr/>
+          <p:nvPr/>
+        </p:nvSpPr>
+        <p:spPr>
+          <a:xfrm>
+            <a:off x="4348332" y="2322000"/>
+            <a:ext cx="345464" cy="369332"/>
+          </a:xfrm>
+          <a:prstGeom prst="mathPlus">
+            <a:avLst/>
+          </a:prstGeom>
+        </p:spPr>
+        <p:style>
+          <a:lnRef idx="2">
+            <a:schemeClr val="accent1">
+              <a:shade val="50000"/>
+            </a:schemeClr>
+          </a:lnRef>
+          <a:fillRef idx="1">
+            <a:schemeClr val="accent1"/>
+          </a:fillRef>
+          <a:effectRef idx="0">
+            <a:schemeClr val="accent1"/>
+          </a:effectRef>
+          <a:fontRef idx="minor">
+            <a:schemeClr val="lt1"/>
+          </a:fontRef>
+        </p:style>
+        <p:txBody>
+          <a:bodyPr rtlCol="0" anchor="ctr"/>
+          <a:lstStyle/>
+          <a:p>
+            <a:pPr algn="ctr"/>
+            <a:endParaRPr lang="zh-CN" altLang="en-US"/>
+          </a:p>
+        </p:txBody>
+      </p:sp>
+      <p:cxnSp>
+        <p:nvCxnSpPr>
+          <p:cNvPr id="50" name="连接符: 肘形 49">
+            <a:extLst>
+              <a:ext uri="{FF2B5EF4-FFF2-40B4-BE49-F238E27FC236}">
+                <a16:creationId xmlns:a16="http://schemas.microsoft.com/office/drawing/2014/main" id="{D53C0396-B1E4-2401-DA0E-CCA76C4CC91E}"/>
+              </a:ext>
+            </a:extLst>
+          </p:cNvPr>
+          <p:cNvCxnSpPr>
+            <a:cxnSpLocks/>
+          </p:cNvCxnSpPr>
+          <p:nvPr/>
+        </p:nvCxnSpPr>
+        <p:spPr>
+          <a:xfrm>
+            <a:off x="2878955" y="3380746"/>
+            <a:ext cx="763177" cy="590140"/>
+          </a:xfrm>
+          <a:prstGeom prst="bentConnector3">
+            <a:avLst>
+              <a:gd name="adj1" fmla="val 50000"/>
+            </a:avLst>
+          </a:prstGeom>
+          <a:ln w="53975">
+            <a:tailEnd type="triangle"/>
+          </a:ln>
+        </p:spPr>
+        <p:style>
+          <a:lnRef idx="1">
+            <a:schemeClr val="accent1"/>
+          </a:lnRef>
+          <a:fillRef idx="0">
+            <a:schemeClr val="accent1"/>
+          </a:fillRef>
+          <a:effectRef idx="0">
+            <a:schemeClr val="accent1"/>
+          </a:effectRef>
+          <a:fontRef idx="minor">
+            <a:schemeClr val="tx1"/>
+          </a:fontRef>
+        </p:style>
+      </p:cxnSp>
+      <p:cxnSp>
+        <p:nvCxnSpPr>
+          <p:cNvPr id="56" name="连接符: 肘形 55">
+            <a:extLst>
+              <a:ext uri="{FF2B5EF4-FFF2-40B4-BE49-F238E27FC236}">
+                <a16:creationId xmlns:a16="http://schemas.microsoft.com/office/drawing/2014/main" id="{57F9F954-A1D8-9A79-F3ED-BD312B9031E7}"/>
+              </a:ext>
+            </a:extLst>
+          </p:cNvPr>
+          <p:cNvCxnSpPr>
+            <a:cxnSpLocks/>
+          </p:cNvCxnSpPr>
+          <p:nvPr/>
+        </p:nvCxnSpPr>
+        <p:spPr>
+          <a:xfrm>
+            <a:off x="5531645" y="3430406"/>
+            <a:ext cx="763177" cy="590140"/>
+          </a:xfrm>
+          <a:prstGeom prst="bentConnector3">
+            <a:avLst>
+              <a:gd name="adj1" fmla="val 50000"/>
+            </a:avLst>
+          </a:prstGeom>
+          <a:ln w="53975">
+            <a:tailEnd type="triangle"/>
+          </a:ln>
+        </p:spPr>
+        <p:style>
+          <a:lnRef idx="1">
+            <a:schemeClr val="accent1"/>
+          </a:lnRef>
+          <a:fillRef idx="0">
+            <a:schemeClr val="accent1"/>
+          </a:fillRef>
+          <a:effectRef idx="0">
+            <a:schemeClr val="accent1"/>
+          </a:effectRef>
+          <a:fontRef idx="minor">
+            <a:schemeClr val="tx1"/>
+          </a:fontRef>
+        </p:style>
+      </p:cxnSp>
+      <p:cxnSp>
+        <p:nvCxnSpPr>
+          <p:cNvPr id="57" name="连接符: 肘形 56">
+            <a:extLst>
+              <a:ext uri="{FF2B5EF4-FFF2-40B4-BE49-F238E27FC236}">
+                <a16:creationId xmlns:a16="http://schemas.microsoft.com/office/drawing/2014/main" id="{69B37F02-B6DF-3079-E988-DFAEC8F2B29E}"/>
+              </a:ext>
+            </a:extLst>
+          </p:cNvPr>
+          <p:cNvCxnSpPr>
+            <a:cxnSpLocks/>
+          </p:cNvCxnSpPr>
+          <p:nvPr/>
+        </p:nvCxnSpPr>
+        <p:spPr>
+          <a:xfrm>
+            <a:off x="8273129" y="3428696"/>
+            <a:ext cx="763177" cy="590140"/>
+          </a:xfrm>
+          <a:prstGeom prst="bentConnector3">
+            <a:avLst>
+              <a:gd name="adj1" fmla="val 50000"/>
+            </a:avLst>
+          </a:prstGeom>
+          <a:ln w="53975">
+            <a:tailEnd type="triangle"/>
+          </a:ln>
+        </p:spPr>
+        <p:style>
+          <a:lnRef idx="1">
+            <a:schemeClr val="accent1"/>
+          </a:lnRef>
+          <a:fillRef idx="0">
+            <a:schemeClr val="accent1"/>
+          </a:fillRef>
+          <a:effectRef idx="0">
+            <a:schemeClr val="accent1"/>
+          </a:effectRef>
+          <a:fontRef idx="minor">
+            <a:schemeClr val="tx1"/>
+          </a:fontRef>
+        </p:style>
+      </p:cxnSp>
+      <p:sp>
+        <p:nvSpPr>
+          <p:cNvPr id="59" name="文本框 58">
+            <a:extLst>
+              <a:ext uri="{FF2B5EF4-FFF2-40B4-BE49-F238E27FC236}">
+                <a16:creationId xmlns:a16="http://schemas.microsoft.com/office/drawing/2014/main" id="{61EA4447-5C5C-F1A0-4594-4664B9C02180}"/>
+              </a:ext>
+            </a:extLst>
+          </p:cNvPr>
+          <p:cNvSpPr txBox="1"/>
+          <p:nvPr/>
+        </p:nvSpPr>
+        <p:spPr>
+          <a:xfrm>
+            <a:off x="8179491" y="2847137"/>
+            <a:ext cx="708917" cy="369332"/>
+          </a:xfrm>
+          <a:prstGeom prst="rect">
+            <a:avLst/>
+          </a:prstGeom>
+          <a:noFill/>
+        </p:spPr>
+        <p:txBody>
+          <a:bodyPr wrap="square" rtlCol="0">
+            <a:spAutoFit/>
+          </a:bodyPr>
+          <a:lstStyle/>
+          <a:p>
+            <a:r>
+              <a:rPr lang="zh-CN" altLang="en-US" dirty="0"/>
+              <a:t>生成</a:t>
+            </a:r>
           </a:p>
         </p:txBody>
       </p:sp>
     </p:spTree>
     <p:extLst>
       <p:ext uri="{BB962C8B-B14F-4D97-AF65-F5344CB8AC3E}">
-        <p14:creationId xmlns:p14="http://schemas.microsoft.com/office/powerpoint/2010/main" val="881827011"/>
+        <p14:creationId xmlns:p14="http://schemas.microsoft.com/office/powerpoint/2010/main" val="138928013"/>
       </p:ext>
     </p:extLst>
   </p:cSld>
@@ -5566,40 +5618,42 @@
           <a:chExt cx="0" cy="0"/>
         </a:xfrm>
       </p:grpSpPr>
-      <p:sp>
-        <p:nvSpPr>
-          <p:cNvPr id="2" name="标题 1">
-            <a:extLst>
-              <a:ext uri="{FF2B5EF4-FFF2-40B4-BE49-F238E27FC236}">
-                <a16:creationId xmlns:a16="http://schemas.microsoft.com/office/drawing/2014/main" id="{7B078A78-F1A6-B200-A327-496477BABCB1}"/>
-              </a:ext>
-            </a:extLst>
-          </p:cNvPr>
-          <p:cNvSpPr>
-            <a:spLocks noGrp="1"/>
-          </p:cNvSpPr>
-          <p:nvPr>
-            <p:ph type="title"/>
-          </p:nvPr>
-        </p:nvSpPr>
-        <p:spPr/>
-        <p:txBody>
-          <a:bodyPr/>
-          <a:lstStyle/>
-          <a:p>
-            <a:r>
-              <a:rPr lang="zh-CN" altLang="en-US" b="1" dirty="0"/>
-              <a:t>在金融科技方面的应用</a:t>
-            </a:r>
-          </a:p>
-        </p:txBody>
-      </p:sp>
-      <p:sp>
-        <p:nvSpPr>
-          <p:cNvPr id="3" name="文本框 2">
-            <a:extLst>
-              <a:ext uri="{FF2B5EF4-FFF2-40B4-BE49-F238E27FC236}">
-                <a16:creationId xmlns:a16="http://schemas.microsoft.com/office/drawing/2014/main" id="{ECE04C1C-1A27-7EF8-F549-0CA12B0352B7}"/>
+      <p:pic>
+        <p:nvPicPr>
+          <p:cNvPr id="3" name="图片 2">
+            <a:extLst>
+              <a:ext uri="{FF2B5EF4-FFF2-40B4-BE49-F238E27FC236}">
+                <a16:creationId xmlns:a16="http://schemas.microsoft.com/office/drawing/2014/main" id="{AC87EDDB-1E43-486E-03E5-6E6C0523EFB0}"/>
+              </a:ext>
+            </a:extLst>
+          </p:cNvPr>
+          <p:cNvPicPr>
+            <a:picLocks noChangeAspect="1"/>
+          </p:cNvPicPr>
+          <p:nvPr/>
+        </p:nvPicPr>
+        <p:blipFill>
+          <a:blip r:embed="rId2"/>
+          <a:stretch>
+            <a:fillRect/>
+          </a:stretch>
+        </p:blipFill>
+        <p:spPr>
+          <a:xfrm>
+            <a:off x="1547130" y="506189"/>
+            <a:ext cx="8726076" cy="6328222"/>
+          </a:xfrm>
+          <a:prstGeom prst="rect">
+            <a:avLst/>
+          </a:prstGeom>
+        </p:spPr>
+      </p:pic>
+      <p:sp>
+        <p:nvSpPr>
+          <p:cNvPr id="8" name="文本框 7">
+            <a:extLst>
+              <a:ext uri="{FF2B5EF4-FFF2-40B4-BE49-F238E27FC236}">
+                <a16:creationId xmlns:a16="http://schemas.microsoft.com/office/drawing/2014/main" id="{DFB1FE9B-8B28-28F7-2F2F-187EBC612C0D}"/>
               </a:ext>
             </a:extLst>
           </p:cNvPr>
@@ -5608,8 +5662,8 @@
         </p:nvSpPr>
         <p:spPr>
           <a:xfrm>
-            <a:off x="930729" y="1828800"/>
-            <a:ext cx="7780564" cy="4062651"/>
+            <a:off x="204105" y="506189"/>
+            <a:ext cx="2669723" cy="579665"/>
           </a:xfrm>
           <a:prstGeom prst="rect">
             <a:avLst/>
@@ -5622,188 +5676,18 @@
           </a:bodyPr>
           <a:lstStyle/>
           <a:p>
-            <a:pPr marL="342900" indent="-342900">
-              <a:buFont typeface="Wingdings" panose="05000000000000000000" pitchFamily="2" charset="2"/>
-              <a:buChar char="ü"/>
-            </a:pPr>
-            <a:r>
-              <a:rPr lang="zh-CN" altLang="en-US" sz="2400" dirty="0"/>
-              <a:t>数据模型（</a:t>
-            </a:r>
-            <a:r>
-              <a:rPr lang="zh-CN" altLang="en-US" dirty="0"/>
-              <a:t>自动生成数据访问层代码和数据库定义</a:t>
-            </a:r>
-            <a:r>
-              <a:rPr lang="zh-CN" altLang="en-US" sz="2400" dirty="0"/>
-              <a:t>）</a:t>
-            </a:r>
-            <a:endParaRPr lang="en-US" altLang="zh-CN" sz="2400" dirty="0"/>
-          </a:p>
-          <a:p>
-            <a:pPr marL="342900" indent="-342900">
-              <a:buFont typeface="Wingdings" panose="05000000000000000000" pitchFamily="2" charset="2"/>
-              <a:buChar char="ü"/>
-            </a:pPr>
-            <a:r>
-              <a:rPr lang="en-US" altLang="zh-CN" sz="2400" dirty="0"/>
-              <a:t>API</a:t>
-            </a:r>
-            <a:r>
-              <a:rPr lang="zh-CN" altLang="en-US" sz="2400" dirty="0"/>
-              <a:t>接口模型（</a:t>
-            </a:r>
-            <a:r>
-              <a:rPr lang="zh-CN" altLang="en-US" dirty="0"/>
-              <a:t>自动生成</a:t>
-            </a:r>
-            <a:r>
-              <a:rPr lang="en-US" altLang="zh-CN" dirty="0"/>
-              <a:t>API</a:t>
-            </a:r>
-            <a:r>
-              <a:rPr lang="zh-CN" altLang="en-US" dirty="0"/>
-              <a:t>接口和缺省实现</a:t>
-            </a:r>
-            <a:r>
-              <a:rPr lang="zh-CN" altLang="en-US" sz="2400" dirty="0"/>
-              <a:t>）</a:t>
-            </a:r>
-            <a:endParaRPr lang="en-US" altLang="zh-CN" sz="2400" dirty="0"/>
-          </a:p>
-          <a:p>
-            <a:pPr marL="342900" indent="-342900">
-              <a:buFont typeface="Wingdings" panose="05000000000000000000" pitchFamily="2" charset="2"/>
-              <a:buChar char="ü"/>
-            </a:pPr>
-            <a:r>
-              <a:rPr lang="en-US" altLang="zh-CN" sz="2400" dirty="0"/>
-              <a:t>TCP</a:t>
-            </a:r>
-            <a:r>
-              <a:rPr lang="zh-CN" altLang="en-US" sz="2400" dirty="0"/>
-              <a:t>网络消息模型（</a:t>
-            </a:r>
-            <a:r>
-              <a:rPr lang="zh-CN" altLang="en-US" dirty="0"/>
-              <a:t>自动解析和生成网络协议包</a:t>
-            </a:r>
-            <a:r>
-              <a:rPr lang="zh-CN" altLang="en-US" sz="2400" dirty="0"/>
-              <a:t>）</a:t>
-            </a:r>
-            <a:endParaRPr lang="en-US" altLang="zh-CN" sz="2400" dirty="0"/>
-          </a:p>
-          <a:p>
-            <a:pPr marL="342900" indent="-342900">
-              <a:buFont typeface="Wingdings" panose="05000000000000000000" pitchFamily="2" charset="2"/>
-              <a:buChar char="ü"/>
-            </a:pPr>
-            <a:r>
-              <a:rPr lang="zh-CN" altLang="en-US" sz="2400" dirty="0"/>
-              <a:t>批处理文件格式模型（</a:t>
-            </a:r>
-            <a:r>
-              <a:rPr lang="zh-CN" altLang="en-US" dirty="0"/>
-              <a:t>自动生成和解析定长文件</a:t>
-            </a:r>
-            <a:r>
-              <a:rPr lang="zh-CN" altLang="en-US" sz="2400" dirty="0"/>
-              <a:t>）</a:t>
-            </a:r>
-            <a:endParaRPr lang="en-US" altLang="zh-CN" sz="2400" dirty="0"/>
-          </a:p>
-          <a:p>
-            <a:pPr marL="342900" indent="-342900">
-              <a:buFont typeface="Wingdings" panose="05000000000000000000" pitchFamily="2" charset="2"/>
-              <a:buChar char="ü"/>
-            </a:pPr>
-            <a:r>
-              <a:rPr lang="zh-CN" altLang="en-US" sz="2400" dirty="0"/>
-              <a:t>批处理任务模型（</a:t>
-            </a:r>
-            <a:r>
-              <a:rPr lang="zh-CN" altLang="en-US" dirty="0"/>
-              <a:t>编配分布式批处理任务</a:t>
-            </a:r>
-            <a:r>
-              <a:rPr lang="zh-CN" altLang="en-US" sz="2400" dirty="0"/>
-              <a:t>）</a:t>
-            </a:r>
-            <a:endParaRPr lang="en-US" altLang="zh-CN" sz="2400" dirty="0"/>
-          </a:p>
-          <a:p>
-            <a:pPr marL="342900" indent="-342900">
-              <a:buFont typeface="Wingdings" panose="05000000000000000000" pitchFamily="2" charset="2"/>
-              <a:buChar char="ü"/>
-            </a:pPr>
-            <a:r>
-              <a:rPr lang="zh-CN" altLang="en-US" sz="2400" dirty="0"/>
-              <a:t>业务规则模型和数据有效性校验模型</a:t>
-            </a:r>
-            <a:endParaRPr lang="en-US" altLang="zh-CN" sz="2400" dirty="0"/>
-          </a:p>
-          <a:p>
-            <a:pPr marL="342900" indent="-342900">
-              <a:buFont typeface="Wingdings" panose="05000000000000000000" pitchFamily="2" charset="2"/>
-              <a:buChar char="ü"/>
-            </a:pPr>
-            <a:r>
-              <a:rPr lang="zh-CN" altLang="en-US" sz="2400" dirty="0"/>
-              <a:t>业务处理流程模型</a:t>
-            </a:r>
-            <a:endParaRPr lang="en-US" altLang="zh-CN" sz="2400" dirty="0"/>
-          </a:p>
-          <a:p>
-            <a:pPr marL="342900" indent="-342900">
-              <a:buFont typeface="Wingdings" panose="05000000000000000000" pitchFamily="2" charset="2"/>
-              <a:buChar char="ü"/>
-            </a:pPr>
-            <a:r>
-              <a:rPr lang="zh-CN" altLang="en-US" sz="2400" dirty="0"/>
-              <a:t>压力测试数据模型（</a:t>
-            </a:r>
-            <a:r>
-              <a:rPr lang="zh-CN" altLang="en-US" dirty="0"/>
-              <a:t>自动生成具有指定分布的测试数据</a:t>
-            </a:r>
-            <a:r>
-              <a:rPr lang="zh-CN" altLang="en-US" sz="2400" dirty="0"/>
-              <a:t>）</a:t>
-            </a:r>
-            <a:endParaRPr lang="en-US" altLang="zh-CN" sz="2400" dirty="0"/>
-          </a:p>
-          <a:p>
-            <a:pPr marL="342900" indent="-342900">
-              <a:buFont typeface="Wingdings" panose="05000000000000000000" pitchFamily="2" charset="2"/>
-              <a:buChar char="ü"/>
-            </a:pPr>
-            <a:r>
-              <a:rPr lang="zh-CN" altLang="en-US" sz="2400" dirty="0"/>
-              <a:t>前端页面模型</a:t>
-            </a:r>
-            <a:endParaRPr lang="en-US" altLang="zh-CN" sz="2400" dirty="0"/>
-          </a:p>
-          <a:p>
-            <a:pPr marL="342900" indent="-342900">
-              <a:buFont typeface="Wingdings" panose="05000000000000000000" pitchFamily="2" charset="2"/>
-              <a:buChar char="ü"/>
-            </a:pPr>
-            <a:r>
-              <a:rPr lang="zh-CN" altLang="en-US" sz="2400" dirty="0"/>
-              <a:t>报表模型</a:t>
-            </a:r>
-            <a:endParaRPr lang="en-US" altLang="zh-CN" sz="2400" dirty="0"/>
-          </a:p>
-          <a:p>
-            <a:endParaRPr lang="zh-CN" altLang="en-US" dirty="0"/>
+            <a:r>
+              <a:rPr lang="en-US" altLang="zh-CN" sz="3200" b="1" dirty="0" err="1"/>
+              <a:t>BizModel</a:t>
+            </a:r>
+            <a:endParaRPr lang="zh-CN" altLang="en-US" sz="3200" b="1" dirty="0"/>
           </a:p>
         </p:txBody>
       </p:sp>
     </p:spTree>
     <p:extLst>
       <p:ext uri="{BB962C8B-B14F-4D97-AF65-F5344CB8AC3E}">
-        <p14:creationId xmlns:p14="http://schemas.microsoft.com/office/powerpoint/2010/main" val="1461263850"/>
+        <p14:creationId xmlns:p14="http://schemas.microsoft.com/office/powerpoint/2010/main" val="881827011"/>
       </p:ext>
     </p:extLst>
   </p:cSld>
@@ -5853,25 +5737,17 @@
           <a:p>
             <a:r>
               <a:rPr lang="zh-CN" altLang="en-US" b="1" dirty="0"/>
-              <a:t>基于</a:t>
-            </a:r>
-            <a:r>
-              <a:rPr lang="en-US" altLang="zh-CN" b="1" dirty="0" err="1"/>
-              <a:t>Nop</a:t>
-            </a:r>
-            <a:r>
-              <a:rPr lang="zh-CN" altLang="en-US" b="1" dirty="0"/>
-              <a:t>平台的定制化开发</a:t>
-            </a:r>
-          </a:p>
-        </p:txBody>
-      </p:sp>
-      <p:sp>
-        <p:nvSpPr>
-          <p:cNvPr id="9" name="文本框 8">
-            <a:extLst>
-              <a:ext uri="{FF2B5EF4-FFF2-40B4-BE49-F238E27FC236}">
-                <a16:creationId xmlns:a16="http://schemas.microsoft.com/office/drawing/2014/main" id="{540A60B3-93A5-7288-4BDF-50258236F659}"/>
+              <a:t>在金融科技方面的应用</a:t>
+            </a:r>
+          </a:p>
+        </p:txBody>
+      </p:sp>
+      <p:sp>
+        <p:nvSpPr>
+          <p:cNvPr id="3" name="文本框 2">
+            <a:extLst>
+              <a:ext uri="{FF2B5EF4-FFF2-40B4-BE49-F238E27FC236}">
+                <a16:creationId xmlns:a16="http://schemas.microsoft.com/office/drawing/2014/main" id="{ECE04C1C-1A27-7EF8-F549-0CA12B0352B7}"/>
               </a:ext>
             </a:extLst>
           </p:cNvPr>
@@ -5880,8 +5756,8 @@
         </p:nvSpPr>
         <p:spPr>
           <a:xfrm>
-            <a:off x="838200" y="1583872"/>
-            <a:ext cx="10208079" cy="4031873"/>
+            <a:off x="930729" y="1828800"/>
+            <a:ext cx="7780564" cy="4062651"/>
           </a:xfrm>
           <a:prstGeom prst="rect">
             <a:avLst/>
@@ -5894,163 +5770,188 @@
           </a:bodyPr>
           <a:lstStyle/>
           <a:p>
-            <a:pPr marL="457200" indent="-457200">
+            <a:pPr marL="342900" indent="-342900">
               <a:buFont typeface="Wingdings" panose="05000000000000000000" pitchFamily="2" charset="2"/>
-              <a:buChar char="Ø"/>
+              <a:buChar char="ü"/>
             </a:pPr>
             <a:r>
-              <a:rPr lang="zh-CN" altLang="en-US" sz="3200" dirty="0"/>
-              <a:t>专用的</a:t>
-            </a:r>
-            <a:r>
-              <a:rPr lang="en-US" altLang="zh-CN" sz="3200" dirty="0"/>
-              <a:t>Delta</a:t>
-            </a:r>
-            <a:r>
-              <a:rPr lang="zh-CN" altLang="en-US" sz="3200" dirty="0"/>
-              <a:t>模块</a:t>
-            </a:r>
-            <a:endParaRPr lang="en-US" altLang="zh-CN" sz="3200" dirty="0"/>
-          </a:p>
-          <a:p>
-            <a:pPr marL="457200" indent="-457200">
+              <a:rPr lang="zh-CN" altLang="en-US" sz="2400" dirty="0"/>
+              <a:t>数据模型（</a:t>
+            </a:r>
+            <a:r>
+              <a:rPr lang="zh-CN" altLang="en-US" dirty="0"/>
+              <a:t>自动生成数据访问层代码和数据库定义</a:t>
+            </a:r>
+            <a:r>
+              <a:rPr lang="zh-CN" altLang="en-US" sz="2400" dirty="0"/>
+              <a:t>）</a:t>
+            </a:r>
+            <a:endParaRPr lang="en-US" altLang="zh-CN" sz="2400" dirty="0"/>
+          </a:p>
+          <a:p>
+            <a:pPr marL="342900" indent="-342900">
               <a:buFont typeface="Wingdings" panose="05000000000000000000" pitchFamily="2" charset="2"/>
-              <a:buChar char="Ø"/>
+              <a:buChar char="ü"/>
             </a:pPr>
             <a:r>
-              <a:rPr lang="zh-CN" altLang="en-US" sz="3200" dirty="0"/>
-              <a:t>数据模型的</a:t>
-            </a:r>
-            <a:r>
-              <a:rPr lang="en-US" altLang="zh-CN" sz="3200" dirty="0"/>
-              <a:t>Delta</a:t>
-            </a:r>
-            <a:r>
-              <a:rPr lang="zh-CN" altLang="en-US" sz="3200" dirty="0"/>
-              <a:t>定制</a:t>
-            </a:r>
-            <a:endParaRPr lang="en-US" altLang="zh-CN" sz="3200" dirty="0"/>
-          </a:p>
-          <a:p>
-            <a:pPr marL="457200" indent="-457200">
+              <a:rPr lang="en-US" altLang="zh-CN" sz="2400" dirty="0"/>
+              <a:t>API</a:t>
+            </a:r>
+            <a:r>
+              <a:rPr lang="zh-CN" altLang="en-US" sz="2400" dirty="0"/>
+              <a:t>接口模型（</a:t>
+            </a:r>
+            <a:r>
+              <a:rPr lang="zh-CN" altLang="en-US" dirty="0"/>
+              <a:t>自动生成</a:t>
+            </a:r>
+            <a:r>
+              <a:rPr lang="en-US" altLang="zh-CN" dirty="0"/>
+              <a:t>API</a:t>
+            </a:r>
+            <a:r>
+              <a:rPr lang="zh-CN" altLang="en-US" dirty="0"/>
+              <a:t>接口和缺省实现</a:t>
+            </a:r>
+            <a:r>
+              <a:rPr lang="zh-CN" altLang="en-US" sz="2400" dirty="0"/>
+              <a:t>）</a:t>
+            </a:r>
+            <a:endParaRPr lang="en-US" altLang="zh-CN" sz="2400" dirty="0"/>
+          </a:p>
+          <a:p>
+            <a:pPr marL="342900" indent="-342900">
               <a:buFont typeface="Wingdings" panose="05000000000000000000" pitchFamily="2" charset="2"/>
-              <a:buChar char="Ø"/>
+              <a:buChar char="ü"/>
             </a:pPr>
             <a:r>
-              <a:rPr lang="en-US" altLang="zh-CN" sz="3200" dirty="0"/>
-              <a:t>IoC</a:t>
-            </a:r>
-            <a:r>
-              <a:rPr lang="zh-CN" altLang="en-US" sz="3200" dirty="0"/>
-              <a:t>容器的</a:t>
-            </a:r>
-            <a:r>
-              <a:rPr lang="en-US" altLang="zh-CN" sz="3200" dirty="0"/>
-              <a:t>Delta</a:t>
-            </a:r>
-            <a:r>
-              <a:rPr lang="zh-CN" altLang="en-US" sz="3200" dirty="0"/>
-              <a:t>定制</a:t>
-            </a:r>
-            <a:endParaRPr lang="en-US" altLang="zh-CN" sz="3200" dirty="0"/>
-          </a:p>
-          <a:p>
-            <a:pPr marL="457200" indent="-457200">
+              <a:rPr lang="en-US" altLang="zh-CN" sz="2400" dirty="0"/>
+              <a:t>TCP</a:t>
+            </a:r>
+            <a:r>
+              <a:rPr lang="zh-CN" altLang="en-US" sz="2400" dirty="0"/>
+              <a:t>网络消息模型（</a:t>
+            </a:r>
+            <a:r>
+              <a:rPr lang="zh-CN" altLang="en-US" dirty="0"/>
+              <a:t>自动解析和生成网络协议包</a:t>
+            </a:r>
+            <a:r>
+              <a:rPr lang="zh-CN" altLang="en-US" sz="2400" dirty="0"/>
+              <a:t>）</a:t>
+            </a:r>
+            <a:endParaRPr lang="en-US" altLang="zh-CN" sz="2400" dirty="0"/>
+          </a:p>
+          <a:p>
+            <a:pPr marL="342900" indent="-342900">
               <a:buFont typeface="Wingdings" panose="05000000000000000000" pitchFamily="2" charset="2"/>
-              <a:buChar char="Ø"/>
+              <a:buChar char="ü"/>
             </a:pPr>
             <a:r>
-              <a:rPr lang="en-US" altLang="zh-CN" sz="3200" dirty="0" err="1"/>
-              <a:t>GraphQL</a:t>
-            </a:r>
-            <a:r>
-              <a:rPr lang="zh-CN" altLang="en-US" sz="3200" dirty="0"/>
-              <a:t>对象的</a:t>
-            </a:r>
-            <a:r>
-              <a:rPr lang="en-US" altLang="zh-CN" sz="3200" dirty="0"/>
-              <a:t>Delta</a:t>
-            </a:r>
-            <a:r>
-              <a:rPr lang="zh-CN" altLang="en-US" sz="3200" dirty="0"/>
-              <a:t>定制</a:t>
-            </a:r>
-            <a:endParaRPr lang="en-US" altLang="zh-CN" sz="3200" dirty="0"/>
-          </a:p>
-          <a:p>
-            <a:pPr marL="457200" indent="-457200">
+              <a:rPr lang="zh-CN" altLang="en-US" sz="2400" dirty="0"/>
+              <a:t>批处理文件格式模型（</a:t>
+            </a:r>
+            <a:r>
+              <a:rPr lang="zh-CN" altLang="en-US" dirty="0"/>
+              <a:t>自动生成和解析定长文件</a:t>
+            </a:r>
+            <a:r>
+              <a:rPr lang="zh-CN" altLang="en-US" sz="2400" dirty="0"/>
+              <a:t>）</a:t>
+            </a:r>
+            <a:endParaRPr lang="en-US" altLang="zh-CN" sz="2400" dirty="0"/>
+          </a:p>
+          <a:p>
+            <a:pPr marL="342900" indent="-342900">
               <a:buFont typeface="Wingdings" panose="05000000000000000000" pitchFamily="2" charset="2"/>
-              <a:buChar char="Ø"/>
+              <a:buChar char="ü"/>
             </a:pPr>
             <a:r>
-              <a:rPr lang="zh-CN" altLang="en-US" sz="3200" dirty="0"/>
-              <a:t>标签函数的</a:t>
-            </a:r>
-            <a:r>
-              <a:rPr lang="en-US" altLang="zh-CN" sz="3200" dirty="0"/>
-              <a:t>Delta</a:t>
-            </a:r>
-            <a:r>
-              <a:rPr lang="zh-CN" altLang="en-US" sz="3200" dirty="0"/>
-              <a:t>定制</a:t>
-            </a:r>
-            <a:endParaRPr lang="en-US" altLang="zh-CN" sz="3200" dirty="0"/>
-          </a:p>
-          <a:p>
-            <a:pPr marL="457200" indent="-457200">
+              <a:rPr lang="zh-CN" altLang="en-US" sz="2400" dirty="0"/>
+              <a:t>批处理任务模型（</a:t>
+            </a:r>
+            <a:r>
+              <a:rPr lang="zh-CN" altLang="en-US" dirty="0"/>
+              <a:t>编配分布式批处理任务</a:t>
+            </a:r>
+            <a:r>
+              <a:rPr lang="zh-CN" altLang="en-US" sz="2400" dirty="0"/>
+              <a:t>）</a:t>
+            </a:r>
+            <a:endParaRPr lang="en-US" altLang="zh-CN" sz="2400" dirty="0"/>
+          </a:p>
+          <a:p>
+            <a:pPr marL="342900" indent="-342900">
               <a:buFont typeface="Wingdings" panose="05000000000000000000" pitchFamily="2" charset="2"/>
-              <a:buChar char="Ø"/>
+              <a:buChar char="ü"/>
             </a:pPr>
             <a:r>
-              <a:rPr lang="zh-CN" altLang="en-US" sz="3200" dirty="0"/>
-              <a:t>前端页面的</a:t>
-            </a:r>
-            <a:r>
-              <a:rPr lang="en-US" altLang="zh-CN" sz="3200" dirty="0"/>
-              <a:t>Delta</a:t>
-            </a:r>
-            <a:r>
-              <a:rPr lang="zh-CN" altLang="en-US" sz="3200" dirty="0"/>
-              <a:t>定制</a:t>
-            </a:r>
-            <a:endParaRPr lang="en-US" altLang="zh-CN" sz="3200" dirty="0"/>
-          </a:p>
-          <a:p>
-            <a:pPr marL="457200" indent="-457200">
+              <a:rPr lang="zh-CN" altLang="en-US" sz="2400" dirty="0"/>
+              <a:t>业务规则模型和数据有效性校验模型</a:t>
+            </a:r>
+            <a:endParaRPr lang="en-US" altLang="zh-CN" sz="2400" dirty="0"/>
+          </a:p>
+          <a:p>
+            <a:pPr marL="342900" indent="-342900">
               <a:buFont typeface="Wingdings" panose="05000000000000000000" pitchFamily="2" charset="2"/>
-              <a:buChar char="Ø"/>
+              <a:buChar char="ü"/>
             </a:pPr>
             <a:r>
-              <a:rPr lang="zh-CN" altLang="en-US" sz="3200" dirty="0"/>
-              <a:t>其他模型的</a:t>
-            </a:r>
-            <a:r>
-              <a:rPr lang="en-US" altLang="zh-CN" sz="3200" dirty="0"/>
-              <a:t>Delta</a:t>
-            </a:r>
-            <a:r>
-              <a:rPr lang="zh-CN" altLang="en-US" sz="3200" dirty="0"/>
-              <a:t>定制 </a:t>
-            </a:r>
-            <a:endParaRPr lang="en-US" altLang="zh-CN" sz="3200" dirty="0"/>
-          </a:p>
-          <a:p>
-            <a:pPr marL="457200" indent="-457200">
+              <a:rPr lang="zh-CN" altLang="en-US" sz="2400" dirty="0"/>
+              <a:t>业务处理流程模型</a:t>
+            </a:r>
+            <a:endParaRPr lang="en-US" altLang="zh-CN" sz="2400" dirty="0"/>
+          </a:p>
+          <a:p>
+            <a:pPr marL="342900" indent="-342900">
               <a:buFont typeface="Wingdings" panose="05000000000000000000" pitchFamily="2" charset="2"/>
-              <a:buChar char="Ø"/>
+              <a:buChar char="ü"/>
             </a:pPr>
             <a:r>
-              <a:rPr lang="zh-CN" altLang="en-US" sz="3200" dirty="0"/>
-              <a:t>编译期的特性开关</a:t>
-            </a:r>
-            <a:endParaRPr lang="en-US" altLang="zh-CN" sz="3200" dirty="0"/>
+              <a:rPr lang="zh-CN" altLang="en-US" sz="2400" dirty="0"/>
+              <a:t>压力测试数据模型（</a:t>
+            </a:r>
+            <a:r>
+              <a:rPr lang="zh-CN" altLang="en-US" dirty="0"/>
+              <a:t>自动生成具有指定分布的测试数据</a:t>
+            </a:r>
+            <a:r>
+              <a:rPr lang="zh-CN" altLang="en-US" sz="2400" dirty="0"/>
+              <a:t>）</a:t>
+            </a:r>
+            <a:endParaRPr lang="en-US" altLang="zh-CN" sz="2400" dirty="0"/>
+          </a:p>
+          <a:p>
+            <a:pPr marL="342900" indent="-342900">
+              <a:buFont typeface="Wingdings" panose="05000000000000000000" pitchFamily="2" charset="2"/>
+              <a:buChar char="ü"/>
+            </a:pPr>
+            <a:r>
+              <a:rPr lang="zh-CN" altLang="en-US" sz="2400" dirty="0"/>
+              <a:t>前端页面模型</a:t>
+            </a:r>
+            <a:endParaRPr lang="en-US" altLang="zh-CN" sz="2400" dirty="0"/>
+          </a:p>
+          <a:p>
+            <a:pPr marL="342900" indent="-342900">
+              <a:buFont typeface="Wingdings" panose="05000000000000000000" pitchFamily="2" charset="2"/>
+              <a:buChar char="ü"/>
+            </a:pPr>
+            <a:r>
+              <a:rPr lang="zh-CN" altLang="en-US" sz="2400" dirty="0"/>
+              <a:t>报表模型</a:t>
+            </a:r>
+            <a:endParaRPr lang="en-US" altLang="zh-CN" sz="2400" dirty="0"/>
+          </a:p>
+          <a:p>
+            <a:endParaRPr lang="zh-CN" altLang="en-US" dirty="0"/>
           </a:p>
         </p:txBody>
       </p:sp>
     </p:spTree>
     <p:extLst>
       <p:ext uri="{BB962C8B-B14F-4D97-AF65-F5344CB8AC3E}">
-        <p14:creationId xmlns:p14="http://schemas.microsoft.com/office/powerpoint/2010/main" val="3712466064"/>
+        <p14:creationId xmlns:p14="http://schemas.microsoft.com/office/powerpoint/2010/main" val="1461263850"/>
       </p:ext>
     </p:extLst>
   </p:cSld>
@@ -6099,6 +6000,253 @@
           <a:lstStyle/>
           <a:p>
             <a:r>
+              <a:rPr lang="zh-CN" altLang="en-US" b="1" dirty="0"/>
+              <a:t>基于</a:t>
+            </a:r>
+            <a:r>
+              <a:rPr lang="en-US" altLang="zh-CN" b="1" dirty="0" err="1"/>
+              <a:t>Nop</a:t>
+            </a:r>
+            <a:r>
+              <a:rPr lang="zh-CN" altLang="en-US" b="1" dirty="0"/>
+              <a:t>平台的定制化开发</a:t>
+            </a:r>
+          </a:p>
+        </p:txBody>
+      </p:sp>
+      <p:sp>
+        <p:nvSpPr>
+          <p:cNvPr id="9" name="文本框 8">
+            <a:extLst>
+              <a:ext uri="{FF2B5EF4-FFF2-40B4-BE49-F238E27FC236}">
+                <a16:creationId xmlns:a16="http://schemas.microsoft.com/office/drawing/2014/main" id="{540A60B3-93A5-7288-4BDF-50258236F659}"/>
+              </a:ext>
+            </a:extLst>
+          </p:cNvPr>
+          <p:cNvSpPr txBox="1"/>
+          <p:nvPr/>
+        </p:nvSpPr>
+        <p:spPr>
+          <a:xfrm>
+            <a:off x="838200" y="1583872"/>
+            <a:ext cx="10208079" cy="4031873"/>
+          </a:xfrm>
+          <a:prstGeom prst="rect">
+            <a:avLst/>
+          </a:prstGeom>
+          <a:noFill/>
+        </p:spPr>
+        <p:txBody>
+          <a:bodyPr wrap="square" rtlCol="0">
+            <a:spAutoFit/>
+          </a:bodyPr>
+          <a:lstStyle/>
+          <a:p>
+            <a:pPr marL="457200" indent="-457200">
+              <a:buFont typeface="Wingdings" panose="05000000000000000000" pitchFamily="2" charset="2"/>
+              <a:buChar char="Ø"/>
+            </a:pPr>
+            <a:r>
+              <a:rPr lang="zh-CN" altLang="en-US" sz="3200" dirty="0"/>
+              <a:t>专用的</a:t>
+            </a:r>
+            <a:r>
+              <a:rPr lang="en-US" altLang="zh-CN" sz="3200" dirty="0"/>
+              <a:t>Delta</a:t>
+            </a:r>
+            <a:r>
+              <a:rPr lang="zh-CN" altLang="en-US" sz="3200" dirty="0"/>
+              <a:t>模块</a:t>
+            </a:r>
+            <a:endParaRPr lang="en-US" altLang="zh-CN" sz="3200" dirty="0"/>
+          </a:p>
+          <a:p>
+            <a:pPr marL="457200" indent="-457200">
+              <a:buFont typeface="Wingdings" panose="05000000000000000000" pitchFamily="2" charset="2"/>
+              <a:buChar char="Ø"/>
+            </a:pPr>
+            <a:r>
+              <a:rPr lang="zh-CN" altLang="en-US" sz="3200" dirty="0"/>
+              <a:t>数据模型的</a:t>
+            </a:r>
+            <a:r>
+              <a:rPr lang="en-US" altLang="zh-CN" sz="3200" dirty="0"/>
+              <a:t>Delta</a:t>
+            </a:r>
+            <a:r>
+              <a:rPr lang="zh-CN" altLang="en-US" sz="3200" dirty="0"/>
+              <a:t>定制</a:t>
+            </a:r>
+            <a:endParaRPr lang="en-US" altLang="zh-CN" sz="3200" dirty="0"/>
+          </a:p>
+          <a:p>
+            <a:pPr marL="457200" indent="-457200">
+              <a:buFont typeface="Wingdings" panose="05000000000000000000" pitchFamily="2" charset="2"/>
+              <a:buChar char="Ø"/>
+            </a:pPr>
+            <a:r>
+              <a:rPr lang="en-US" altLang="zh-CN" sz="3200" dirty="0"/>
+              <a:t>IoC</a:t>
+            </a:r>
+            <a:r>
+              <a:rPr lang="zh-CN" altLang="en-US" sz="3200" dirty="0"/>
+              <a:t>容器的</a:t>
+            </a:r>
+            <a:r>
+              <a:rPr lang="en-US" altLang="zh-CN" sz="3200" dirty="0"/>
+              <a:t>Delta</a:t>
+            </a:r>
+            <a:r>
+              <a:rPr lang="zh-CN" altLang="en-US" sz="3200" dirty="0"/>
+              <a:t>定制</a:t>
+            </a:r>
+            <a:endParaRPr lang="en-US" altLang="zh-CN" sz="3200" dirty="0"/>
+          </a:p>
+          <a:p>
+            <a:pPr marL="457200" indent="-457200">
+              <a:buFont typeface="Wingdings" panose="05000000000000000000" pitchFamily="2" charset="2"/>
+              <a:buChar char="Ø"/>
+            </a:pPr>
+            <a:r>
+              <a:rPr lang="en-US" altLang="zh-CN" sz="3200" dirty="0" err="1"/>
+              <a:t>GraphQL</a:t>
+            </a:r>
+            <a:r>
+              <a:rPr lang="zh-CN" altLang="en-US" sz="3200" dirty="0"/>
+              <a:t>对象的</a:t>
+            </a:r>
+            <a:r>
+              <a:rPr lang="en-US" altLang="zh-CN" sz="3200" dirty="0"/>
+              <a:t>Delta</a:t>
+            </a:r>
+            <a:r>
+              <a:rPr lang="zh-CN" altLang="en-US" sz="3200" dirty="0"/>
+              <a:t>定制</a:t>
+            </a:r>
+            <a:endParaRPr lang="en-US" altLang="zh-CN" sz="3200" dirty="0"/>
+          </a:p>
+          <a:p>
+            <a:pPr marL="457200" indent="-457200">
+              <a:buFont typeface="Wingdings" panose="05000000000000000000" pitchFamily="2" charset="2"/>
+              <a:buChar char="Ø"/>
+            </a:pPr>
+            <a:r>
+              <a:rPr lang="zh-CN" altLang="en-US" sz="3200" dirty="0"/>
+              <a:t>标签函数的</a:t>
+            </a:r>
+            <a:r>
+              <a:rPr lang="en-US" altLang="zh-CN" sz="3200" dirty="0"/>
+              <a:t>Delta</a:t>
+            </a:r>
+            <a:r>
+              <a:rPr lang="zh-CN" altLang="en-US" sz="3200" dirty="0"/>
+              <a:t>定制</a:t>
+            </a:r>
+            <a:endParaRPr lang="en-US" altLang="zh-CN" sz="3200" dirty="0"/>
+          </a:p>
+          <a:p>
+            <a:pPr marL="457200" indent="-457200">
+              <a:buFont typeface="Wingdings" panose="05000000000000000000" pitchFamily="2" charset="2"/>
+              <a:buChar char="Ø"/>
+            </a:pPr>
+            <a:r>
+              <a:rPr lang="zh-CN" altLang="en-US" sz="3200" dirty="0"/>
+              <a:t>前端页面的</a:t>
+            </a:r>
+            <a:r>
+              <a:rPr lang="en-US" altLang="zh-CN" sz="3200" dirty="0"/>
+              <a:t>Delta</a:t>
+            </a:r>
+            <a:r>
+              <a:rPr lang="zh-CN" altLang="en-US" sz="3200" dirty="0"/>
+              <a:t>定制</a:t>
+            </a:r>
+            <a:endParaRPr lang="en-US" altLang="zh-CN" sz="3200" dirty="0"/>
+          </a:p>
+          <a:p>
+            <a:pPr marL="457200" indent="-457200">
+              <a:buFont typeface="Wingdings" panose="05000000000000000000" pitchFamily="2" charset="2"/>
+              <a:buChar char="Ø"/>
+            </a:pPr>
+            <a:r>
+              <a:rPr lang="zh-CN" altLang="en-US" sz="3200" dirty="0"/>
+              <a:t>其他模型的</a:t>
+            </a:r>
+            <a:r>
+              <a:rPr lang="en-US" altLang="zh-CN" sz="3200" dirty="0"/>
+              <a:t>Delta</a:t>
+            </a:r>
+            <a:r>
+              <a:rPr lang="zh-CN" altLang="en-US" sz="3200" dirty="0"/>
+              <a:t>定制 </a:t>
+            </a:r>
+            <a:endParaRPr lang="en-US" altLang="zh-CN" sz="3200" dirty="0"/>
+          </a:p>
+          <a:p>
+            <a:pPr marL="457200" indent="-457200">
+              <a:buFont typeface="Wingdings" panose="05000000000000000000" pitchFamily="2" charset="2"/>
+              <a:buChar char="Ø"/>
+            </a:pPr>
+            <a:r>
+              <a:rPr lang="zh-CN" altLang="en-US" sz="3200" dirty="0"/>
+              <a:t>编译期的特性开关</a:t>
+            </a:r>
+            <a:endParaRPr lang="en-US" altLang="zh-CN" sz="3200" dirty="0"/>
+          </a:p>
+        </p:txBody>
+      </p:sp>
+    </p:spTree>
+    <p:extLst>
+      <p:ext uri="{BB962C8B-B14F-4D97-AF65-F5344CB8AC3E}">
+        <p14:creationId xmlns:p14="http://schemas.microsoft.com/office/powerpoint/2010/main" val="3712466064"/>
+      </p:ext>
+    </p:extLst>
+  </p:cSld>
+  <p:clrMapOvr>
+    <a:masterClrMapping/>
+  </p:clrMapOvr>
+</p:sld>
+</file>
+
+<file path=ppt/slides/slide18.xml><?xml version="1.0" encoding="utf-8"?>
+<p:sld xmlns:a="http://schemas.openxmlformats.org/drawingml/2006/main" xmlns:r="http://schemas.openxmlformats.org/officeDocument/2006/relationships" xmlns:p="http://schemas.openxmlformats.org/presentationml/2006/main">
+  <p:cSld>
+    <p:spTree>
+      <p:nvGrpSpPr>
+        <p:cNvPr id="1" name=""/>
+        <p:cNvGrpSpPr/>
+        <p:nvPr/>
+      </p:nvGrpSpPr>
+      <p:grpSpPr>
+        <a:xfrm>
+          <a:off x="0" y="0"/>
+          <a:ext cx="0" cy="0"/>
+          <a:chOff x="0" y="0"/>
+          <a:chExt cx="0" cy="0"/>
+        </a:xfrm>
+      </p:grpSpPr>
+      <p:sp>
+        <p:nvSpPr>
+          <p:cNvPr id="2" name="标题 1">
+            <a:extLst>
+              <a:ext uri="{FF2B5EF4-FFF2-40B4-BE49-F238E27FC236}">
+                <a16:creationId xmlns:a16="http://schemas.microsoft.com/office/drawing/2014/main" id="{7B078A78-F1A6-B200-A327-496477BABCB1}"/>
+              </a:ext>
+            </a:extLst>
+          </p:cNvPr>
+          <p:cNvSpPr>
+            <a:spLocks noGrp="1"/>
+          </p:cNvSpPr>
+          <p:nvPr>
+            <p:ph type="title"/>
+          </p:nvPr>
+        </p:nvSpPr>
+        <p:spPr/>
+        <p:txBody>
+          <a:bodyPr/>
+          <a:lstStyle/>
+          <a:p>
+            <a:r>
               <a:rPr lang="en-US" altLang="zh-CN" b="1" dirty="0" err="1"/>
               <a:t>Nop</a:t>
             </a:r>
@@ -6188,7 +6336,7 @@
 </p:sld>
 </file>
 
-<file path=ppt/slides/slide18.xml><?xml version="1.0" encoding="utf-8"?>
+<file path=ppt/slides/slide19.xml><?xml version="1.0" encoding="utf-8"?>
 <p:sld xmlns:a="http://schemas.openxmlformats.org/drawingml/2006/main" xmlns:r="http://schemas.openxmlformats.org/officeDocument/2006/relationships" xmlns:p="http://schemas.openxmlformats.org/presentationml/2006/main">
   <p:cSld>
     <p:spTree>
@@ -6920,6 +7068,178 @@
 </p:sld>
 </file>
 
+<file path=ppt/slides/slide20.xml><?xml version="1.0" encoding="utf-8"?>
+<p:sld xmlns:a="http://schemas.openxmlformats.org/drawingml/2006/main" xmlns:r="http://schemas.openxmlformats.org/officeDocument/2006/relationships" xmlns:p="http://schemas.openxmlformats.org/presentationml/2006/main">
+  <p:cSld>
+    <p:spTree>
+      <p:nvGrpSpPr>
+        <p:cNvPr id="1" name=""/>
+        <p:cNvGrpSpPr/>
+        <p:nvPr/>
+      </p:nvGrpSpPr>
+      <p:grpSpPr>
+        <a:xfrm>
+          <a:off x="0" y="0"/>
+          <a:ext cx="0" cy="0"/>
+          <a:chOff x="0" y="0"/>
+          <a:chExt cx="0" cy="0"/>
+        </a:xfrm>
+      </p:grpSpPr>
+      <p:pic>
+        <p:nvPicPr>
+          <p:cNvPr id="7" name="图片 6">
+            <a:extLst>
+              <a:ext uri="{FF2B5EF4-FFF2-40B4-BE49-F238E27FC236}">
+                <a16:creationId xmlns:a16="http://schemas.microsoft.com/office/drawing/2014/main" id="{5E7A31F4-99FF-2B44-C2DC-2C4FF96FA11A}"/>
+              </a:ext>
+            </a:extLst>
+          </p:cNvPr>
+          <p:cNvPicPr>
+            <a:picLocks noChangeAspect="1"/>
+          </p:cNvPicPr>
+          <p:nvPr/>
+        </p:nvPicPr>
+        <p:blipFill>
+          <a:blip r:embed="rId2">
+            <a:extLst>
+              <a:ext uri="{28A0092B-C50C-407E-A947-70E740481C1C}">
+                <a14:useLocalDpi xmlns:a14="http://schemas.microsoft.com/office/drawing/2010/main" val="0"/>
+              </a:ext>
+            </a:extLst>
+          </a:blip>
+          <a:stretch>
+            <a:fillRect/>
+          </a:stretch>
+        </p:blipFill>
+        <p:spPr>
+          <a:xfrm>
+            <a:off x="1169581" y="1004859"/>
+            <a:ext cx="4550735" cy="4848282"/>
+          </a:xfrm>
+          <a:prstGeom prst="rect">
+            <a:avLst/>
+          </a:prstGeom>
+        </p:spPr>
+      </p:pic>
+      <p:pic>
+        <p:nvPicPr>
+          <p:cNvPr id="10" name="图片 9">
+            <a:extLst>
+              <a:ext uri="{FF2B5EF4-FFF2-40B4-BE49-F238E27FC236}">
+                <a16:creationId xmlns:a16="http://schemas.microsoft.com/office/drawing/2014/main" id="{0E5B38CB-1AF2-9C7D-C799-AE4B64724E61}"/>
+              </a:ext>
+            </a:extLst>
+          </p:cNvPr>
+          <p:cNvPicPr>
+            <a:picLocks noChangeAspect="1"/>
+          </p:cNvPicPr>
+          <p:nvPr/>
+        </p:nvPicPr>
+        <p:blipFill>
+          <a:blip r:embed="rId3">
+            <a:extLst>
+              <a:ext uri="{28A0092B-C50C-407E-A947-70E740481C1C}">
+                <a14:useLocalDpi xmlns:a14="http://schemas.microsoft.com/office/drawing/2010/main" val="0"/>
+              </a:ext>
+            </a:extLst>
+          </a:blip>
+          <a:stretch>
+            <a:fillRect/>
+          </a:stretch>
+        </p:blipFill>
+        <p:spPr>
+          <a:xfrm>
+            <a:off x="6637237" y="1967023"/>
+            <a:ext cx="3886118" cy="3886118"/>
+          </a:xfrm>
+          <a:prstGeom prst="rect">
+            <a:avLst/>
+          </a:prstGeom>
+        </p:spPr>
+      </p:pic>
+      <p:sp>
+        <p:nvSpPr>
+          <p:cNvPr id="11" name="文本框 10">
+            <a:extLst>
+              <a:ext uri="{FF2B5EF4-FFF2-40B4-BE49-F238E27FC236}">
+                <a16:creationId xmlns:a16="http://schemas.microsoft.com/office/drawing/2014/main" id="{5CF4030A-63EF-5DF6-57E6-1B66226EE1D5}"/>
+              </a:ext>
+            </a:extLst>
+          </p:cNvPr>
+          <p:cNvSpPr txBox="1"/>
+          <p:nvPr/>
+        </p:nvSpPr>
+        <p:spPr>
+          <a:xfrm>
+            <a:off x="7762431" y="5746128"/>
+            <a:ext cx="3062177" cy="461665"/>
+          </a:xfrm>
+          <a:prstGeom prst="rect">
+            <a:avLst/>
+          </a:prstGeom>
+          <a:noFill/>
+        </p:spPr>
+        <p:txBody>
+          <a:bodyPr wrap="square" rtlCol="0">
+            <a:spAutoFit/>
+          </a:bodyPr>
+          <a:lstStyle/>
+          <a:p>
+            <a:r>
+              <a:rPr lang="zh-CN" altLang="en-US" sz="2400" b="1" dirty="0"/>
+              <a:t>公众号</a:t>
+            </a:r>
+          </a:p>
+        </p:txBody>
+      </p:sp>
+      <p:sp>
+        <p:nvSpPr>
+          <p:cNvPr id="13" name="文本框 12">
+            <a:extLst>
+              <a:ext uri="{FF2B5EF4-FFF2-40B4-BE49-F238E27FC236}">
+                <a16:creationId xmlns:a16="http://schemas.microsoft.com/office/drawing/2014/main" id="{BD7A7B05-A00C-7E4F-360E-A05166631503}"/>
+              </a:ext>
+            </a:extLst>
+          </p:cNvPr>
+          <p:cNvSpPr txBox="1"/>
+          <p:nvPr/>
+        </p:nvSpPr>
+        <p:spPr>
+          <a:xfrm>
+            <a:off x="2658139" y="5746129"/>
+            <a:ext cx="3062177" cy="461665"/>
+          </a:xfrm>
+          <a:prstGeom prst="rect">
+            <a:avLst/>
+          </a:prstGeom>
+          <a:noFill/>
+        </p:spPr>
+        <p:txBody>
+          <a:bodyPr wrap="square" rtlCol="0">
+            <a:spAutoFit/>
+          </a:bodyPr>
+          <a:lstStyle/>
+          <a:p>
+            <a:r>
+              <a:rPr lang="zh-CN" altLang="en-US" sz="2400" b="1" dirty="0"/>
+              <a:t>微信群</a:t>
+            </a:r>
+          </a:p>
+        </p:txBody>
+      </p:sp>
+    </p:spTree>
+    <p:extLst>
+      <p:ext uri="{BB962C8B-B14F-4D97-AF65-F5344CB8AC3E}">
+        <p14:creationId xmlns:p14="http://schemas.microsoft.com/office/powerpoint/2010/main" val="2402401090"/>
+      </p:ext>
+    </p:extLst>
+  </p:cSld>
+  <p:clrMapOvr>
+    <a:masterClrMapping/>
+  </p:clrMapOvr>
+</p:sld>
+</file>
+
 <file path=ppt/slides/slide3.xml><?xml version="1.0" encoding="utf-8"?>
 <p:sld xmlns:a="http://schemas.openxmlformats.org/drawingml/2006/main" xmlns:r="http://schemas.openxmlformats.org/officeDocument/2006/relationships" xmlns:p="http://schemas.openxmlformats.org/presentationml/2006/main">
   <p:cSld>
@@ -7392,6 +7712,135 @@
 </file>
 
 <file path=ppt/slides/slide5.xml><?xml version="1.0" encoding="utf-8"?>
+<p:sld xmlns:a="http://schemas.openxmlformats.org/drawingml/2006/main" xmlns:r="http://schemas.openxmlformats.org/officeDocument/2006/relationships" xmlns:p="http://schemas.openxmlformats.org/presentationml/2006/main">
+  <p:cSld>
+    <p:spTree>
+      <p:nvGrpSpPr>
+        <p:cNvPr id="1" name=""/>
+        <p:cNvGrpSpPr/>
+        <p:nvPr/>
+      </p:nvGrpSpPr>
+      <p:grpSpPr>
+        <a:xfrm>
+          <a:off x="0" y="0"/>
+          <a:ext cx="0" cy="0"/>
+          <a:chOff x="0" y="0"/>
+          <a:chExt cx="0" cy="0"/>
+        </a:xfrm>
+      </p:grpSpPr>
+      <p:sp>
+        <p:nvSpPr>
+          <p:cNvPr id="2" name="标题 1">
+            <a:extLst>
+              <a:ext uri="{FF2B5EF4-FFF2-40B4-BE49-F238E27FC236}">
+                <a16:creationId xmlns:a16="http://schemas.microsoft.com/office/drawing/2014/main" id="{7B078A78-F1A6-B200-A327-496477BABCB1}"/>
+              </a:ext>
+            </a:extLst>
+          </p:cNvPr>
+          <p:cNvSpPr>
+            <a:spLocks noGrp="1"/>
+          </p:cNvSpPr>
+          <p:nvPr>
+            <p:ph type="title"/>
+          </p:nvPr>
+        </p:nvSpPr>
+        <p:spPr/>
+        <p:txBody>
+          <a:bodyPr/>
+          <a:lstStyle/>
+          <a:p>
+            <a:r>
+              <a:rPr lang="zh-CN" altLang="en-US" b="1" dirty="0"/>
+              <a:t>组件理论的进一步发展</a:t>
+            </a:r>
+          </a:p>
+        </p:txBody>
+      </p:sp>
+      <p:sp>
+        <p:nvSpPr>
+          <p:cNvPr id="3" name="文本框 2">
+            <a:extLst>
+              <a:ext uri="{FF2B5EF4-FFF2-40B4-BE49-F238E27FC236}">
+                <a16:creationId xmlns:a16="http://schemas.microsoft.com/office/drawing/2014/main" id="{E13EC510-F82F-CDB6-53FE-4F07DA41C1C7}"/>
+              </a:ext>
+            </a:extLst>
+          </p:cNvPr>
+          <p:cNvSpPr txBox="1"/>
+          <p:nvPr/>
+        </p:nvSpPr>
+        <p:spPr>
+          <a:xfrm>
+            <a:off x="838200" y="2211570"/>
+            <a:ext cx="7623544" cy="1846659"/>
+          </a:xfrm>
+          <a:prstGeom prst="rect">
+            <a:avLst/>
+          </a:prstGeom>
+          <a:noFill/>
+        </p:spPr>
+        <p:txBody>
+          <a:bodyPr wrap="square" rtlCol="0">
+            <a:spAutoFit/>
+          </a:bodyPr>
+          <a:lstStyle/>
+          <a:p>
+            <a:pPr marL="571500" indent="-571500">
+              <a:buFont typeface="Wingdings" panose="05000000000000000000" pitchFamily="2" charset="2"/>
+              <a:buChar char="Ø"/>
+            </a:pPr>
+            <a:r>
+              <a:rPr lang="zh-CN" altLang="en-US" sz="3800" dirty="0"/>
+              <a:t>面向对象： </a:t>
+            </a:r>
+            <a:r>
+              <a:rPr lang="en-US" altLang="zh-CN" sz="3800" dirty="0"/>
+              <a:t>A &gt; B</a:t>
+            </a:r>
+          </a:p>
+          <a:p>
+            <a:pPr marL="571500" indent="-571500">
+              <a:buFont typeface="Wingdings" panose="05000000000000000000" pitchFamily="2" charset="2"/>
+              <a:buChar char="Ø"/>
+            </a:pPr>
+            <a:r>
+              <a:rPr lang="zh-CN" altLang="en-US" sz="3800" dirty="0"/>
+              <a:t>面向组件： </a:t>
+            </a:r>
+            <a:r>
+              <a:rPr lang="en-US" altLang="zh-CN" sz="3800" dirty="0"/>
+              <a:t>A = B + C</a:t>
+            </a:r>
+          </a:p>
+          <a:p>
+            <a:pPr marL="571500" indent="-571500">
+              <a:buFont typeface="Wingdings" panose="05000000000000000000" pitchFamily="2" charset="2"/>
+              <a:buChar char="Ø"/>
+            </a:pPr>
+            <a:r>
+              <a:rPr lang="zh-CN" altLang="en-US" sz="3800" dirty="0"/>
+              <a:t>可逆计算</a:t>
+            </a:r>
+            <a:r>
+              <a:rPr lang="en-US" altLang="zh-CN" sz="3800" dirty="0"/>
+              <a:t>:    B = A + (- C)</a:t>
+            </a:r>
+          </a:p>
+        </p:txBody>
+      </p:sp>
+    </p:spTree>
+    <p:extLst>
+      <p:ext uri="{BB962C8B-B14F-4D97-AF65-F5344CB8AC3E}">
+        <p14:creationId xmlns:p14="http://schemas.microsoft.com/office/powerpoint/2010/main" val="1303062304"/>
+      </p:ext>
+    </p:extLst>
+  </p:cSld>
+  <p:clrMapOvr>
+    <a:masterClrMapping/>
+  </p:clrMapOvr>
+</p:sld>
+</file>
+
+<file path=ppt/slides/slide6.xml><?xml version="1.0" encoding="utf-8"?>
 <p:sld xmlns:a="http://schemas.openxmlformats.org/drawingml/2006/main" xmlns:r="http://schemas.openxmlformats.org/officeDocument/2006/relationships" xmlns:p="http://schemas.openxmlformats.org/presentationml/2006/main">
   <p:cSld>
     <p:spTree>
@@ -9731,142 +10180,6 @@
 </p:sld>
 </file>
 
-<file path=ppt/slides/slide6.xml><?xml version="1.0" encoding="utf-8"?>
-<p:sld xmlns:a="http://schemas.openxmlformats.org/drawingml/2006/main" xmlns:r="http://schemas.openxmlformats.org/officeDocument/2006/relationships" xmlns:p="http://schemas.openxmlformats.org/presentationml/2006/main">
-  <p:cSld>
-    <p:spTree>
-      <p:nvGrpSpPr>
-        <p:cNvPr id="1" name=""/>
-        <p:cNvGrpSpPr/>
-        <p:nvPr/>
-      </p:nvGrpSpPr>
-      <p:grpSpPr>
-        <a:xfrm>
-          <a:off x="0" y="0"/>
-          <a:ext cx="0" cy="0"/>
-          <a:chOff x="0" y="0"/>
-          <a:chExt cx="0" cy="0"/>
-        </a:xfrm>
-      </p:grpSpPr>
-      <p:sp>
-        <p:nvSpPr>
-          <p:cNvPr id="2" name="标题 1">
-            <a:extLst>
-              <a:ext uri="{FF2B5EF4-FFF2-40B4-BE49-F238E27FC236}">
-                <a16:creationId xmlns:a16="http://schemas.microsoft.com/office/drawing/2014/main" id="{7B078A78-F1A6-B200-A327-496477BABCB1}"/>
-              </a:ext>
-            </a:extLst>
-          </p:cNvPr>
-          <p:cNvSpPr>
-            <a:spLocks noGrp="1"/>
-          </p:cNvSpPr>
-          <p:nvPr>
-            <p:ph type="title"/>
-          </p:nvPr>
-        </p:nvSpPr>
-        <p:spPr/>
-        <p:txBody>
-          <a:bodyPr/>
-          <a:lstStyle/>
-          <a:p>
-            <a:r>
-              <a:rPr lang="zh-CN" altLang="en-US" b="1" dirty="0"/>
-              <a:t>软件产品线</a:t>
-            </a:r>
-          </a:p>
-        </p:txBody>
-      </p:sp>
-      <p:pic>
-        <p:nvPicPr>
-          <p:cNvPr id="3" name="Picture 2" descr="C:\DOCUME~1\a\LOCALS~1\Temp\ksohtml\wps112.tmp.png">
-            <a:extLst>
-              <a:ext uri="{FF2B5EF4-FFF2-40B4-BE49-F238E27FC236}">
-                <a16:creationId xmlns:a16="http://schemas.microsoft.com/office/drawing/2014/main" id="{DD6FCE93-E414-DC94-C5EA-745663892699}"/>
-              </a:ext>
-            </a:extLst>
-          </p:cNvPr>
-          <p:cNvPicPr>
-            <a:picLocks noChangeAspect="1" noChangeArrowheads="1"/>
-          </p:cNvPicPr>
-          <p:nvPr/>
-        </p:nvPicPr>
-        <p:blipFill>
-          <a:blip r:embed="rId2"/>
-          <a:srcRect/>
-          <a:stretch>
-            <a:fillRect/>
-          </a:stretch>
-        </p:blipFill>
-        <p:spPr bwMode="auto">
-          <a:xfrm>
-            <a:off x="2628900" y="2164142"/>
-            <a:ext cx="6025087" cy="4040715"/>
-          </a:xfrm>
-          <a:prstGeom prst="rect">
-            <a:avLst/>
-          </a:prstGeom>
-          <a:noFill/>
-        </p:spPr>
-      </p:pic>
-      <p:sp>
-        <p:nvSpPr>
-          <p:cNvPr id="5" name="文本框 4">
-            <a:extLst>
-              <a:ext uri="{FF2B5EF4-FFF2-40B4-BE49-F238E27FC236}">
-                <a16:creationId xmlns:a16="http://schemas.microsoft.com/office/drawing/2014/main" id="{819C4387-1CF3-5117-5659-CB37164B8E99}"/>
-              </a:ext>
-            </a:extLst>
-          </p:cNvPr>
-          <p:cNvSpPr txBox="1"/>
-          <p:nvPr/>
-        </p:nvSpPr>
-        <p:spPr>
-          <a:xfrm>
-            <a:off x="3047320" y="1537998"/>
-            <a:ext cx="6094638" cy="369332"/>
-          </a:xfrm>
-          <a:prstGeom prst="rect">
-            <a:avLst/>
-          </a:prstGeom>
-          <a:noFill/>
-        </p:spPr>
-        <p:txBody>
-          <a:bodyPr wrap="square">
-            <a:spAutoFit/>
-          </a:bodyPr>
-          <a:lstStyle/>
-          <a:p>
-            <a:pPr>
-              <a:spcBef>
-                <a:spcPct val="50000"/>
-              </a:spcBef>
-              <a:defRPr/>
-            </a:pPr>
-            <a:r>
-              <a:rPr lang="es-ES" altLang="en-US" sz="1800" b="1" dirty="0">
-                <a:latin typeface="Verdana" pitchFamily="34" charset="0"/>
-              </a:rPr>
-              <a:t>Y = (A + B + C)+(– C + D) = X + dY</a:t>
-            </a:r>
-            <a:endParaRPr lang="en-US" altLang="zh-CN" sz="500" b="1" dirty="0">
-              <a:latin typeface="Verdana" pitchFamily="34" charset="0"/>
-            </a:endParaRPr>
-          </a:p>
-        </p:txBody>
-      </p:sp>
-    </p:spTree>
-    <p:extLst>
-      <p:ext uri="{BB962C8B-B14F-4D97-AF65-F5344CB8AC3E}">
-        <p14:creationId xmlns:p14="http://schemas.microsoft.com/office/powerpoint/2010/main" val="2547693607"/>
-      </p:ext>
-    </p:extLst>
-  </p:cSld>
-  <p:clrMapOvr>
-    <a:masterClrMapping/>
-  </p:clrMapOvr>
-</p:sld>
-</file>
-
 <file path=ppt/slides/slide7.xml><?xml version="1.0" encoding="utf-8"?>
 <p:sld xmlns:a="http://schemas.openxmlformats.org/drawingml/2006/main" xmlns:r="http://schemas.openxmlformats.org/officeDocument/2006/relationships" xmlns:p="http://schemas.openxmlformats.org/presentationml/2006/main">
   <p:cSld>
@@ -9886,730 +10199,114 @@
       </p:grpSpPr>
       <p:sp>
         <p:nvSpPr>
-          <p:cNvPr id="2" name="椭圆 1">
-            <a:extLst>
-              <a:ext uri="{FF2B5EF4-FFF2-40B4-BE49-F238E27FC236}">
-                <a16:creationId xmlns:a16="http://schemas.microsoft.com/office/drawing/2014/main" id="{9C8D1B08-AABE-CB26-E0DF-B972FCD61D53}"/>
-              </a:ext>
-            </a:extLst>
-          </p:cNvPr>
-          <p:cNvSpPr/>
+          <p:cNvPr id="2" name="标题 1">
+            <a:extLst>
+              <a:ext uri="{FF2B5EF4-FFF2-40B4-BE49-F238E27FC236}">
+                <a16:creationId xmlns:a16="http://schemas.microsoft.com/office/drawing/2014/main" id="{7B078A78-F1A6-B200-A327-496477BABCB1}"/>
+              </a:ext>
+            </a:extLst>
+          </p:cNvPr>
+          <p:cNvSpPr>
+            <a:spLocks noGrp="1"/>
+          </p:cNvSpPr>
+          <p:nvPr>
+            <p:ph type="title"/>
+          </p:nvPr>
+        </p:nvSpPr>
+        <p:spPr/>
+        <p:txBody>
+          <a:bodyPr/>
+          <a:lstStyle/>
+          <a:p>
+            <a:r>
+              <a:rPr lang="zh-CN" altLang="en-US" b="1" dirty="0"/>
+              <a:t>软件产品线</a:t>
+            </a:r>
+          </a:p>
+        </p:txBody>
+      </p:sp>
+      <p:pic>
+        <p:nvPicPr>
+          <p:cNvPr id="3" name="Picture 2" descr="C:\DOCUME~1\a\LOCALS~1\Temp\ksohtml\wps112.tmp.png">
+            <a:extLst>
+              <a:ext uri="{FF2B5EF4-FFF2-40B4-BE49-F238E27FC236}">
+                <a16:creationId xmlns:a16="http://schemas.microsoft.com/office/drawing/2014/main" id="{DD6FCE93-E414-DC94-C5EA-745663892699}"/>
+              </a:ext>
+            </a:extLst>
+          </p:cNvPr>
+          <p:cNvPicPr>
+            <a:picLocks noChangeAspect="1" noChangeArrowheads="1"/>
+          </p:cNvPicPr>
           <p:nvPr/>
-        </p:nvSpPr>
-        <p:spPr>
-          <a:xfrm>
-            <a:off x="4388779" y="969073"/>
-            <a:ext cx="1661602" cy="751537"/>
-          </a:xfrm>
-          <a:prstGeom prst="ellipse">
-            <a:avLst/>
-          </a:prstGeom>
-        </p:spPr>
-        <p:style>
-          <a:lnRef idx="2">
-            <a:schemeClr val="accent1">
-              <a:shade val="50000"/>
-            </a:schemeClr>
-          </a:lnRef>
-          <a:fillRef idx="1">
-            <a:schemeClr val="accent1"/>
-          </a:fillRef>
-          <a:effectRef idx="0">
-            <a:schemeClr val="accent1"/>
-          </a:effectRef>
-          <a:fontRef idx="minor">
-            <a:schemeClr val="lt1"/>
-          </a:fontRef>
-        </p:style>
-        <p:txBody>
-          <a:bodyPr rtlCol="0" anchor="ctr"/>
-          <a:lstStyle/>
-          <a:p>
-            <a:pPr algn="ctr"/>
-            <a:r>
-              <a:rPr lang="en-US" altLang="zh-CN" dirty="0"/>
-              <a:t>DSL</a:t>
-            </a:r>
-            <a:endParaRPr lang="zh-CN" altLang="en-US" dirty="0"/>
-          </a:p>
-        </p:txBody>
-      </p:sp>
-      <p:sp>
-        <p:nvSpPr>
-          <p:cNvPr id="3" name="椭圆 2">
-            <a:extLst>
-              <a:ext uri="{FF2B5EF4-FFF2-40B4-BE49-F238E27FC236}">
-                <a16:creationId xmlns:a16="http://schemas.microsoft.com/office/drawing/2014/main" id="{196463FB-5DD0-02E5-1BD9-45C2957449D1}"/>
-              </a:ext>
-            </a:extLst>
-          </p:cNvPr>
-          <p:cNvSpPr/>
-          <p:nvPr/>
-        </p:nvSpPr>
-        <p:spPr>
-          <a:xfrm>
-            <a:off x="7411094" y="974521"/>
-            <a:ext cx="1661603" cy="751537"/>
-          </a:xfrm>
-          <a:prstGeom prst="ellipse">
-            <a:avLst/>
-          </a:prstGeom>
-          <a:solidFill>
-            <a:schemeClr val="tx1"/>
-          </a:solidFill>
-        </p:spPr>
-        <p:style>
-          <a:lnRef idx="2">
-            <a:schemeClr val="accent1">
-              <a:shade val="50000"/>
-            </a:schemeClr>
-          </a:lnRef>
-          <a:fillRef idx="1">
-            <a:schemeClr val="accent1"/>
-          </a:fillRef>
-          <a:effectRef idx="0">
-            <a:schemeClr val="accent1"/>
-          </a:effectRef>
-          <a:fontRef idx="minor">
-            <a:schemeClr val="lt1"/>
-          </a:fontRef>
-        </p:style>
-        <p:txBody>
-          <a:bodyPr rtlCol="0" anchor="ctr"/>
-          <a:lstStyle/>
-          <a:p>
-            <a:pPr algn="ctr"/>
-            <a:r>
-              <a:rPr lang="en-US" altLang="zh-CN" dirty="0"/>
-              <a:t>App</a:t>
-            </a:r>
-            <a:endParaRPr lang="zh-CN" altLang="en-US" dirty="0"/>
-          </a:p>
-        </p:txBody>
-      </p:sp>
-      <p:sp>
-        <p:nvSpPr>
-          <p:cNvPr id="5" name="箭头: 右 4">
-            <a:extLst>
-              <a:ext uri="{FF2B5EF4-FFF2-40B4-BE49-F238E27FC236}">
-                <a16:creationId xmlns:a16="http://schemas.microsoft.com/office/drawing/2014/main" id="{6F3292F0-E1F7-D047-2003-B400FD1A1F57}"/>
-              </a:ext>
-            </a:extLst>
-          </p:cNvPr>
-          <p:cNvSpPr/>
-          <p:nvPr/>
-        </p:nvSpPr>
-        <p:spPr>
-          <a:xfrm>
-            <a:off x="6376951" y="1246661"/>
-            <a:ext cx="849086" cy="122464"/>
-          </a:xfrm>
-          <a:prstGeom prst="rightArrow">
-            <a:avLst/>
-          </a:prstGeom>
-        </p:spPr>
-        <p:style>
-          <a:lnRef idx="2">
-            <a:schemeClr val="accent1">
-              <a:shade val="50000"/>
-            </a:schemeClr>
-          </a:lnRef>
-          <a:fillRef idx="1">
-            <a:schemeClr val="accent1"/>
-          </a:fillRef>
-          <a:effectRef idx="0">
-            <a:schemeClr val="accent1"/>
-          </a:effectRef>
-          <a:fontRef idx="minor">
-            <a:schemeClr val="lt1"/>
-          </a:fontRef>
-        </p:style>
-        <p:txBody>
-          <a:bodyPr rtlCol="0" anchor="ctr"/>
-          <a:lstStyle/>
-          <a:p>
-            <a:pPr algn="ctr"/>
-            <a:endParaRPr lang="zh-CN" altLang="en-US"/>
-          </a:p>
-        </p:txBody>
-      </p:sp>
-      <p:sp>
-        <p:nvSpPr>
-          <p:cNvPr id="26" name="矩形 25">
-            <a:extLst>
-              <a:ext uri="{FF2B5EF4-FFF2-40B4-BE49-F238E27FC236}">
-                <a16:creationId xmlns:a16="http://schemas.microsoft.com/office/drawing/2014/main" id="{7CE1272F-FB37-D915-AAE0-14957294C46B}"/>
-              </a:ext>
-            </a:extLst>
-          </p:cNvPr>
-          <p:cNvSpPr/>
-          <p:nvPr/>
-        </p:nvSpPr>
-        <p:spPr>
-          <a:xfrm>
-            <a:off x="3953768" y="2636917"/>
-            <a:ext cx="2168531" cy="751537"/>
-          </a:xfrm>
-          <a:prstGeom prst="rect">
-            <a:avLst/>
-          </a:prstGeom>
-        </p:spPr>
-        <p:style>
-          <a:lnRef idx="2">
-            <a:schemeClr val="accent1">
-              <a:shade val="50000"/>
-            </a:schemeClr>
-          </a:lnRef>
-          <a:fillRef idx="1">
-            <a:schemeClr val="accent1"/>
-          </a:fillRef>
-          <a:effectRef idx="0">
-            <a:schemeClr val="accent1"/>
-          </a:effectRef>
-          <a:fontRef idx="minor">
-            <a:schemeClr val="lt1"/>
-          </a:fontRef>
-        </p:style>
-        <p:txBody>
-          <a:bodyPr rtlCol="0" anchor="ctr"/>
-          <a:lstStyle/>
-          <a:p>
-            <a:pPr algn="ctr"/>
-            <a:r>
-              <a:rPr lang="en-US" altLang="zh-CN" dirty="0"/>
-              <a:t>Generator&lt;DSL&gt;</a:t>
-            </a:r>
-            <a:endParaRPr lang="zh-CN" altLang="en-US" dirty="0"/>
-          </a:p>
-        </p:txBody>
-      </p:sp>
-      <p:sp>
-        <p:nvSpPr>
-          <p:cNvPr id="27" name="波形 26">
-            <a:extLst>
-              <a:ext uri="{FF2B5EF4-FFF2-40B4-BE49-F238E27FC236}">
-                <a16:creationId xmlns:a16="http://schemas.microsoft.com/office/drawing/2014/main" id="{54F89A0A-395C-1284-2BEF-441CAB1693D9}"/>
-              </a:ext>
-            </a:extLst>
-          </p:cNvPr>
-          <p:cNvSpPr/>
-          <p:nvPr/>
-        </p:nvSpPr>
-        <p:spPr>
-          <a:xfrm>
-            <a:off x="6421347" y="2825394"/>
-            <a:ext cx="849086" cy="184142"/>
-          </a:xfrm>
-          <a:prstGeom prst="wave">
-            <a:avLst/>
-          </a:prstGeom>
-        </p:spPr>
-        <p:style>
-          <a:lnRef idx="2">
-            <a:schemeClr val="accent1">
-              <a:shade val="50000"/>
-            </a:schemeClr>
-          </a:lnRef>
-          <a:fillRef idx="1">
-            <a:schemeClr val="accent1"/>
-          </a:fillRef>
-          <a:effectRef idx="0">
-            <a:schemeClr val="accent1"/>
-          </a:effectRef>
-          <a:fontRef idx="minor">
-            <a:schemeClr val="lt1"/>
-          </a:fontRef>
-        </p:style>
-        <p:txBody>
-          <a:bodyPr rtlCol="0" anchor="ctr"/>
-          <a:lstStyle/>
-          <a:p>
-            <a:pPr algn="ctr"/>
-            <a:endParaRPr lang="zh-CN" altLang="en-US"/>
-          </a:p>
-        </p:txBody>
-      </p:sp>
-      <p:sp>
-        <p:nvSpPr>
-          <p:cNvPr id="28" name="波形 27">
-            <a:extLst>
-              <a:ext uri="{FF2B5EF4-FFF2-40B4-BE49-F238E27FC236}">
-                <a16:creationId xmlns:a16="http://schemas.microsoft.com/office/drawing/2014/main" id="{FD6469EE-34F1-2386-64CF-D5539AA5F783}"/>
-              </a:ext>
-            </a:extLst>
-          </p:cNvPr>
-          <p:cNvSpPr/>
-          <p:nvPr/>
-        </p:nvSpPr>
-        <p:spPr>
-          <a:xfrm>
-            <a:off x="6421347" y="3051422"/>
-            <a:ext cx="849086" cy="184142"/>
-          </a:xfrm>
-          <a:prstGeom prst="wave">
-            <a:avLst/>
-          </a:prstGeom>
-        </p:spPr>
-        <p:style>
-          <a:lnRef idx="2">
-            <a:schemeClr val="accent1">
-              <a:shade val="50000"/>
-            </a:schemeClr>
-          </a:lnRef>
-          <a:fillRef idx="1">
-            <a:schemeClr val="accent1"/>
-          </a:fillRef>
-          <a:effectRef idx="0">
-            <a:schemeClr val="accent1"/>
-          </a:effectRef>
-          <a:fontRef idx="minor">
-            <a:schemeClr val="lt1"/>
-          </a:fontRef>
-        </p:style>
-        <p:txBody>
-          <a:bodyPr rtlCol="0" anchor="ctr"/>
-          <a:lstStyle/>
-          <a:p>
-            <a:pPr algn="ctr"/>
-            <a:endParaRPr lang="zh-CN" altLang="en-US"/>
-          </a:p>
-        </p:txBody>
-      </p:sp>
-      <p:sp>
-        <p:nvSpPr>
-          <p:cNvPr id="29" name="椭圆 28">
-            <a:extLst>
-              <a:ext uri="{FF2B5EF4-FFF2-40B4-BE49-F238E27FC236}">
-                <a16:creationId xmlns:a16="http://schemas.microsoft.com/office/drawing/2014/main" id="{3876BAD3-A6D9-E452-43F0-80BF855A026B}"/>
-              </a:ext>
-            </a:extLst>
-          </p:cNvPr>
-          <p:cNvSpPr/>
-          <p:nvPr/>
-        </p:nvSpPr>
-        <p:spPr>
-          <a:xfrm>
-            <a:off x="7460754" y="2575576"/>
-            <a:ext cx="1661603" cy="751537"/>
-          </a:xfrm>
-          <a:prstGeom prst="ellipse">
-            <a:avLst/>
-          </a:prstGeom>
-          <a:solidFill>
-            <a:schemeClr val="tx1"/>
-          </a:solidFill>
-        </p:spPr>
-        <p:style>
-          <a:lnRef idx="2">
-            <a:schemeClr val="accent1">
-              <a:shade val="50000"/>
-            </a:schemeClr>
-          </a:lnRef>
-          <a:fillRef idx="1">
-            <a:schemeClr val="accent1"/>
-          </a:fillRef>
-          <a:effectRef idx="0">
-            <a:schemeClr val="accent1"/>
-          </a:effectRef>
-          <a:fontRef idx="minor">
-            <a:schemeClr val="lt1"/>
-          </a:fontRef>
-        </p:style>
-        <p:txBody>
-          <a:bodyPr rtlCol="0" anchor="ctr"/>
-          <a:lstStyle/>
-          <a:p>
-            <a:pPr algn="ctr"/>
-            <a:r>
-              <a:rPr lang="en-US" altLang="zh-CN" dirty="0"/>
-              <a:t>App</a:t>
-            </a:r>
-            <a:endParaRPr lang="zh-CN" altLang="en-US" dirty="0"/>
-          </a:p>
-        </p:txBody>
-      </p:sp>
-      <p:sp>
-        <p:nvSpPr>
-          <p:cNvPr id="30" name="椭圆 29">
-            <a:extLst>
-              <a:ext uri="{FF2B5EF4-FFF2-40B4-BE49-F238E27FC236}">
-                <a16:creationId xmlns:a16="http://schemas.microsoft.com/office/drawing/2014/main" id="{616A20E3-C00A-BBC1-D970-B5C701808B2F}"/>
-              </a:ext>
-            </a:extLst>
-          </p:cNvPr>
-          <p:cNvSpPr/>
-          <p:nvPr/>
-        </p:nvSpPr>
-        <p:spPr>
-          <a:xfrm>
-            <a:off x="2239765" y="4515679"/>
-            <a:ext cx="1661603" cy="751537"/>
-          </a:xfrm>
-          <a:prstGeom prst="ellipse">
-            <a:avLst/>
-          </a:prstGeom>
-          <a:solidFill>
-            <a:srgbClr val="00B050"/>
-          </a:solidFill>
-        </p:spPr>
-        <p:style>
-          <a:lnRef idx="2">
-            <a:schemeClr val="accent1">
-              <a:shade val="50000"/>
-            </a:schemeClr>
-          </a:lnRef>
-          <a:fillRef idx="1">
-            <a:schemeClr val="accent1"/>
-          </a:fillRef>
-          <a:effectRef idx="0">
-            <a:schemeClr val="accent1"/>
-          </a:effectRef>
-          <a:fontRef idx="minor">
-            <a:schemeClr val="lt1"/>
-          </a:fontRef>
-        </p:style>
-        <p:txBody>
-          <a:bodyPr rtlCol="0" anchor="ctr"/>
-          <a:lstStyle/>
-          <a:p>
-            <a:pPr algn="ctr"/>
-            <a:r>
-              <a:rPr lang="en-US" altLang="zh-CN" dirty="0"/>
-              <a:t>Delta</a:t>
-            </a:r>
-            <a:endParaRPr lang="zh-CN" altLang="en-US" dirty="0"/>
-          </a:p>
-        </p:txBody>
-      </p:sp>
-      <p:sp>
-        <p:nvSpPr>
-          <p:cNvPr id="34" name="矩形 33">
-            <a:extLst>
-              <a:ext uri="{FF2B5EF4-FFF2-40B4-BE49-F238E27FC236}">
-                <a16:creationId xmlns:a16="http://schemas.microsoft.com/office/drawing/2014/main" id="{9D124D0D-80EC-99EE-1E71-82D0F4D25F32}"/>
-              </a:ext>
-            </a:extLst>
-          </p:cNvPr>
-          <p:cNvSpPr/>
-          <p:nvPr/>
-        </p:nvSpPr>
-        <p:spPr>
-          <a:xfrm>
-            <a:off x="5308602" y="4515788"/>
-            <a:ext cx="2168531" cy="751537"/>
-          </a:xfrm>
-          <a:prstGeom prst="rect">
-            <a:avLst/>
-          </a:prstGeom>
-        </p:spPr>
-        <p:style>
-          <a:lnRef idx="2">
-            <a:schemeClr val="accent1">
-              <a:shade val="50000"/>
-            </a:schemeClr>
-          </a:lnRef>
-          <a:fillRef idx="1">
-            <a:schemeClr val="accent1"/>
-          </a:fillRef>
-          <a:effectRef idx="0">
-            <a:schemeClr val="accent1"/>
-          </a:effectRef>
-          <a:fontRef idx="minor">
-            <a:schemeClr val="lt1"/>
-          </a:fontRef>
-        </p:style>
-        <p:txBody>
-          <a:bodyPr rtlCol="0" anchor="ctr"/>
-          <a:lstStyle/>
-          <a:p>
-            <a:pPr algn="ctr"/>
-            <a:r>
-              <a:rPr lang="en-US" altLang="zh-CN" dirty="0"/>
-              <a:t>Generator&lt;DSL&gt;</a:t>
-            </a:r>
-            <a:endParaRPr lang="zh-CN" altLang="en-US" dirty="0"/>
-          </a:p>
-        </p:txBody>
-      </p:sp>
-      <p:sp>
-        <p:nvSpPr>
-          <p:cNvPr id="35" name="箭头: 右 34">
-            <a:extLst>
-              <a:ext uri="{FF2B5EF4-FFF2-40B4-BE49-F238E27FC236}">
-                <a16:creationId xmlns:a16="http://schemas.microsoft.com/office/drawing/2014/main" id="{4AC889E5-7C6B-345C-EB0D-EA6A15EE3E41}"/>
-              </a:ext>
-            </a:extLst>
-          </p:cNvPr>
-          <p:cNvSpPr/>
-          <p:nvPr/>
-        </p:nvSpPr>
-        <p:spPr>
-          <a:xfrm>
-            <a:off x="4203532" y="4765565"/>
-            <a:ext cx="842481" cy="293960"/>
-          </a:xfrm>
-          <a:prstGeom prst="rightArrow">
-            <a:avLst>
-              <a:gd name="adj1" fmla="val 33704"/>
-              <a:gd name="adj2" fmla="val 50000"/>
-            </a:avLst>
-          </a:prstGeom>
-        </p:spPr>
-        <p:style>
-          <a:lnRef idx="2">
-            <a:schemeClr val="accent1">
-              <a:shade val="50000"/>
-            </a:schemeClr>
-          </a:lnRef>
-          <a:fillRef idx="1">
-            <a:schemeClr val="accent1"/>
-          </a:fillRef>
-          <a:effectRef idx="0">
-            <a:schemeClr val="accent1"/>
-          </a:effectRef>
-          <a:fontRef idx="minor">
-            <a:schemeClr val="lt1"/>
-          </a:fontRef>
-        </p:style>
-        <p:txBody>
-          <a:bodyPr rtlCol="0" anchor="ctr"/>
-          <a:lstStyle/>
-          <a:p>
-            <a:pPr algn="ctr"/>
-            <a:endParaRPr lang="zh-CN" altLang="en-US"/>
-          </a:p>
-        </p:txBody>
-      </p:sp>
-      <p:sp>
-        <p:nvSpPr>
-          <p:cNvPr id="33" name="加号 32">
-            <a:extLst>
-              <a:ext uri="{FF2B5EF4-FFF2-40B4-BE49-F238E27FC236}">
-                <a16:creationId xmlns:a16="http://schemas.microsoft.com/office/drawing/2014/main" id="{679FA90A-2AC3-68A9-EF59-E42519DE28E1}"/>
-              </a:ext>
-            </a:extLst>
-          </p:cNvPr>
-          <p:cNvSpPr/>
-          <p:nvPr/>
-        </p:nvSpPr>
-        <p:spPr>
-          <a:xfrm>
-            <a:off x="4058597" y="4536485"/>
-            <a:ext cx="977142" cy="751537"/>
-          </a:xfrm>
-          <a:prstGeom prst="mathPlus">
-            <a:avLst/>
-          </a:prstGeom>
-        </p:spPr>
-        <p:style>
-          <a:lnRef idx="2">
-            <a:schemeClr val="accent1">
-              <a:shade val="50000"/>
-            </a:schemeClr>
-          </a:lnRef>
-          <a:fillRef idx="1">
-            <a:schemeClr val="accent1"/>
-          </a:fillRef>
-          <a:effectRef idx="0">
-            <a:schemeClr val="accent1"/>
-          </a:effectRef>
-          <a:fontRef idx="minor">
-            <a:schemeClr val="lt1"/>
-          </a:fontRef>
-        </p:style>
-        <p:txBody>
-          <a:bodyPr rtlCol="0" anchor="ctr"/>
-          <a:lstStyle/>
-          <a:p>
-            <a:pPr algn="ctr"/>
-            <a:endParaRPr lang="zh-CN" altLang="en-US"/>
-          </a:p>
-        </p:txBody>
-      </p:sp>
-      <p:sp>
-        <p:nvSpPr>
-          <p:cNvPr id="37" name="矩形 36">
-            <a:extLst>
-              <a:ext uri="{FF2B5EF4-FFF2-40B4-BE49-F238E27FC236}">
-                <a16:creationId xmlns:a16="http://schemas.microsoft.com/office/drawing/2014/main" id="{0FFC943B-05AA-5C56-2937-2AC8C8200392}"/>
-              </a:ext>
-            </a:extLst>
-          </p:cNvPr>
-          <p:cNvSpPr/>
-          <p:nvPr/>
-        </p:nvSpPr>
-        <p:spPr>
-          <a:xfrm>
-            <a:off x="8001862" y="4940158"/>
-            <a:ext cx="772268" cy="119367"/>
-          </a:xfrm>
-          <a:prstGeom prst="rect">
-            <a:avLst/>
-          </a:prstGeom>
-        </p:spPr>
-        <p:style>
-          <a:lnRef idx="2">
-            <a:schemeClr val="accent1">
-              <a:shade val="50000"/>
-            </a:schemeClr>
-          </a:lnRef>
-          <a:fillRef idx="1">
-            <a:schemeClr val="accent1"/>
-          </a:fillRef>
-          <a:effectRef idx="0">
-            <a:schemeClr val="accent1"/>
-          </a:effectRef>
-          <a:fontRef idx="minor">
-            <a:schemeClr val="lt1"/>
-          </a:fontRef>
-        </p:style>
-        <p:txBody>
-          <a:bodyPr rtlCol="0" anchor="ctr"/>
-          <a:lstStyle/>
-          <a:p>
-            <a:pPr algn="ctr"/>
-            <a:endParaRPr lang="zh-CN" altLang="en-US"/>
-          </a:p>
-        </p:txBody>
-      </p:sp>
-      <p:sp>
-        <p:nvSpPr>
-          <p:cNvPr id="38" name="矩形 37">
-            <a:extLst>
-              <a:ext uri="{FF2B5EF4-FFF2-40B4-BE49-F238E27FC236}">
-                <a16:creationId xmlns:a16="http://schemas.microsoft.com/office/drawing/2014/main" id="{2503C6B9-8588-97A4-FA82-68BDEF9F1EF0}"/>
-              </a:ext>
-            </a:extLst>
-          </p:cNvPr>
-          <p:cNvSpPr/>
-          <p:nvPr/>
-        </p:nvSpPr>
-        <p:spPr>
-          <a:xfrm>
-            <a:off x="8000151" y="4743238"/>
-            <a:ext cx="773979" cy="119367"/>
-          </a:xfrm>
-          <a:prstGeom prst="rect">
-            <a:avLst/>
-          </a:prstGeom>
-        </p:spPr>
-        <p:style>
-          <a:lnRef idx="2">
-            <a:schemeClr val="accent1">
-              <a:shade val="50000"/>
-            </a:schemeClr>
-          </a:lnRef>
-          <a:fillRef idx="1">
-            <a:schemeClr val="accent1"/>
-          </a:fillRef>
-          <a:effectRef idx="0">
-            <a:schemeClr val="accent1"/>
-          </a:effectRef>
-          <a:fontRef idx="minor">
-            <a:schemeClr val="lt1"/>
-          </a:fontRef>
-        </p:style>
-        <p:txBody>
-          <a:bodyPr rtlCol="0" anchor="ctr"/>
-          <a:lstStyle/>
-          <a:p>
-            <a:pPr algn="ctr"/>
-            <a:endParaRPr lang="zh-CN" altLang="en-US"/>
-          </a:p>
-        </p:txBody>
-      </p:sp>
-      <p:sp>
-        <p:nvSpPr>
-          <p:cNvPr id="39" name="椭圆 38">
-            <a:extLst>
-              <a:ext uri="{FF2B5EF4-FFF2-40B4-BE49-F238E27FC236}">
-                <a16:creationId xmlns:a16="http://schemas.microsoft.com/office/drawing/2014/main" id="{4CC97309-4587-F45D-255D-14A6EC6D9BBB}"/>
-              </a:ext>
-            </a:extLst>
-          </p:cNvPr>
-          <p:cNvSpPr/>
-          <p:nvPr/>
-        </p:nvSpPr>
-        <p:spPr>
-          <a:xfrm>
-            <a:off x="9246749" y="4505404"/>
-            <a:ext cx="1661603" cy="751537"/>
-          </a:xfrm>
-          <a:prstGeom prst="ellipse">
-            <a:avLst/>
-          </a:prstGeom>
-          <a:solidFill>
-            <a:schemeClr val="tx1"/>
-          </a:solidFill>
-        </p:spPr>
-        <p:style>
-          <a:lnRef idx="2">
-            <a:schemeClr val="accent1">
-              <a:shade val="50000"/>
-            </a:schemeClr>
-          </a:lnRef>
-          <a:fillRef idx="1">
-            <a:schemeClr val="accent1"/>
-          </a:fillRef>
-          <a:effectRef idx="0">
-            <a:schemeClr val="accent1"/>
-          </a:effectRef>
-          <a:fontRef idx="minor">
-            <a:schemeClr val="lt1"/>
-          </a:fontRef>
-        </p:style>
-        <p:txBody>
-          <a:bodyPr rtlCol="0" anchor="ctr"/>
-          <a:lstStyle/>
-          <a:p>
-            <a:pPr algn="ctr"/>
-            <a:r>
-              <a:rPr lang="en-US" altLang="zh-CN" dirty="0"/>
-              <a:t>App</a:t>
-            </a:r>
-            <a:endParaRPr lang="zh-CN" altLang="en-US" dirty="0"/>
-          </a:p>
-        </p:txBody>
-      </p:sp>
-      <p:sp>
-        <p:nvSpPr>
-          <p:cNvPr id="6" name="文本框 5">
-            <a:extLst>
-              <a:ext uri="{FF2B5EF4-FFF2-40B4-BE49-F238E27FC236}">
-                <a16:creationId xmlns:a16="http://schemas.microsoft.com/office/drawing/2014/main" id="{886044FC-B065-DE39-E07E-69143E830ED5}"/>
-              </a:ext>
-            </a:extLst>
-          </p:cNvPr>
-          <p:cNvSpPr txBox="1"/>
-          <p:nvPr/>
-        </p:nvSpPr>
-        <p:spPr>
-          <a:xfrm>
-            <a:off x="531957" y="275012"/>
-            <a:ext cx="1944115" cy="523220"/>
+        </p:nvPicPr>
+        <p:blipFill>
+          <a:blip r:embed="rId2"/>
+          <a:srcRect/>
+          <a:stretch>
+            <a:fillRect/>
+          </a:stretch>
+        </p:blipFill>
+        <p:spPr bwMode="auto">
+          <a:xfrm>
+            <a:off x="2628900" y="2164142"/>
+            <a:ext cx="6025087" cy="4040715"/>
           </a:xfrm>
           <a:prstGeom prst="rect">
             <a:avLst/>
           </a:prstGeom>
           <a:noFill/>
         </p:spPr>
-        <p:txBody>
-          <a:bodyPr wrap="square" rtlCol="0">
+      </p:pic>
+      <p:sp>
+        <p:nvSpPr>
+          <p:cNvPr id="5" name="文本框 4">
+            <a:extLst>
+              <a:ext uri="{FF2B5EF4-FFF2-40B4-BE49-F238E27FC236}">
+                <a16:creationId xmlns:a16="http://schemas.microsoft.com/office/drawing/2014/main" id="{819C4387-1CF3-5117-5659-CB37164B8E99}"/>
+              </a:ext>
+            </a:extLst>
+          </p:cNvPr>
+          <p:cNvSpPr txBox="1"/>
+          <p:nvPr/>
+        </p:nvSpPr>
+        <p:spPr>
+          <a:xfrm>
+            <a:off x="3047320" y="1537998"/>
+            <a:ext cx="6094638" cy="369332"/>
+          </a:xfrm>
+          <a:prstGeom prst="rect">
+            <a:avLst/>
+          </a:prstGeom>
+          <a:noFill/>
+        </p:spPr>
+        <p:txBody>
+          <a:bodyPr wrap="square">
             <a:spAutoFit/>
           </a:bodyPr>
           <a:lstStyle/>
           <a:p>
-            <a:r>
-              <a:rPr lang="zh-CN" altLang="en-US" sz="2800" b="1" dirty="0"/>
-              <a:t>可逆计算</a:t>
-            </a:r>
+            <a:pPr>
+              <a:spcBef>
+                <a:spcPct val="50000"/>
+              </a:spcBef>
+              <a:defRPr/>
+            </a:pPr>
+            <a:r>
+              <a:rPr lang="es-ES" altLang="en-US" sz="1800" b="1" dirty="0">
+                <a:latin typeface="Verdana" pitchFamily="34" charset="0"/>
+              </a:rPr>
+              <a:t>Y = (A + B + C)+(– C + D) = X + dY</a:t>
+            </a:r>
+            <a:endParaRPr lang="en-US" altLang="zh-CN" sz="500" b="1" dirty="0">
+              <a:latin typeface="Verdana" pitchFamily="34" charset="0"/>
+            </a:endParaRPr>
           </a:p>
         </p:txBody>
       </p:sp>
     </p:spTree>
     <p:extLst>
       <p:ext uri="{BB962C8B-B14F-4D97-AF65-F5344CB8AC3E}">
-        <p14:creationId xmlns:p14="http://schemas.microsoft.com/office/powerpoint/2010/main" val="2796935556"/>
+        <p14:creationId xmlns:p14="http://schemas.microsoft.com/office/powerpoint/2010/main" val="2547693607"/>
       </p:ext>
     </p:extLst>
   </p:cSld>
@@ -10638,78 +10335,697 @@
       </p:grpSpPr>
       <p:sp>
         <p:nvSpPr>
-          <p:cNvPr id="2" name="标题 1">
-            <a:extLst>
-              <a:ext uri="{FF2B5EF4-FFF2-40B4-BE49-F238E27FC236}">
-                <a16:creationId xmlns:a16="http://schemas.microsoft.com/office/drawing/2014/main" id="{7B078A78-F1A6-B200-A327-496477BABCB1}"/>
-              </a:ext>
-            </a:extLst>
-          </p:cNvPr>
-          <p:cNvSpPr>
-            <a:spLocks noGrp="1"/>
-          </p:cNvSpPr>
-          <p:nvPr>
-            <p:ph type="title"/>
-          </p:nvPr>
-        </p:nvSpPr>
-        <p:spPr/>
-        <p:txBody>
-          <a:bodyPr/>
-          <a:lstStyle/>
-          <a:p>
-            <a:r>
-              <a:rPr lang="en-US" altLang="zh-CN" b="1" dirty="0"/>
-              <a:t>Docker</a:t>
-            </a:r>
-            <a:r>
-              <a:rPr lang="zh-CN" altLang="en-US" b="1" dirty="0"/>
-              <a:t>作为可逆计算的实例</a:t>
-            </a:r>
-          </a:p>
-        </p:txBody>
-      </p:sp>
-      <p:pic>
-        <p:nvPicPr>
-          <p:cNvPr id="7" name="图片 6">
-            <a:extLst>
-              <a:ext uri="{FF2B5EF4-FFF2-40B4-BE49-F238E27FC236}">
-                <a16:creationId xmlns:a16="http://schemas.microsoft.com/office/drawing/2014/main" id="{A9FAD954-709D-F5D5-9100-CC20B6B65DD1}"/>
-              </a:ext>
-            </a:extLst>
-          </p:cNvPr>
-          <p:cNvPicPr>
-            <a:picLocks noChangeAspect="1"/>
-          </p:cNvPicPr>
+          <p:cNvPr id="2" name="椭圆 1">
+            <a:extLst>
+              <a:ext uri="{FF2B5EF4-FFF2-40B4-BE49-F238E27FC236}">
+                <a16:creationId xmlns:a16="http://schemas.microsoft.com/office/drawing/2014/main" id="{9C8D1B08-AABE-CB26-E0DF-B972FCD61D53}"/>
+              </a:ext>
+            </a:extLst>
+          </p:cNvPr>
+          <p:cNvSpPr/>
           <p:nvPr/>
-        </p:nvPicPr>
-        <p:blipFill>
-          <a:blip r:embed="rId2">
-            <a:extLst>
-              <a:ext uri="{28A0092B-C50C-407E-A947-70E740481C1C}">
-                <a14:useLocalDpi xmlns:a14="http://schemas.microsoft.com/office/drawing/2010/main" val="0"/>
-              </a:ext>
-            </a:extLst>
-          </a:blip>
-          <a:stretch>
-            <a:fillRect/>
-          </a:stretch>
-        </p:blipFill>
+        </p:nvSpPr>
         <p:spPr>
           <a:xfrm>
-            <a:off x="2963634" y="1545091"/>
-            <a:ext cx="4849586" cy="3637190"/>
+            <a:off x="4388779" y="969073"/>
+            <a:ext cx="1661602" cy="751537"/>
+          </a:xfrm>
+          <a:prstGeom prst="ellipse">
+            <a:avLst/>
+          </a:prstGeom>
+        </p:spPr>
+        <p:style>
+          <a:lnRef idx="2">
+            <a:schemeClr val="accent1">
+              <a:shade val="50000"/>
+            </a:schemeClr>
+          </a:lnRef>
+          <a:fillRef idx="1">
+            <a:schemeClr val="accent1"/>
+          </a:fillRef>
+          <a:effectRef idx="0">
+            <a:schemeClr val="accent1"/>
+          </a:effectRef>
+          <a:fontRef idx="minor">
+            <a:schemeClr val="lt1"/>
+          </a:fontRef>
+        </p:style>
+        <p:txBody>
+          <a:bodyPr rtlCol="0" anchor="ctr"/>
+          <a:lstStyle/>
+          <a:p>
+            <a:pPr algn="ctr"/>
+            <a:r>
+              <a:rPr lang="en-US" altLang="zh-CN" dirty="0"/>
+              <a:t>DSL</a:t>
+            </a:r>
+            <a:endParaRPr lang="zh-CN" altLang="en-US" dirty="0"/>
+          </a:p>
+        </p:txBody>
+      </p:sp>
+      <p:sp>
+        <p:nvSpPr>
+          <p:cNvPr id="3" name="椭圆 2">
+            <a:extLst>
+              <a:ext uri="{FF2B5EF4-FFF2-40B4-BE49-F238E27FC236}">
+                <a16:creationId xmlns:a16="http://schemas.microsoft.com/office/drawing/2014/main" id="{196463FB-5DD0-02E5-1BD9-45C2957449D1}"/>
+              </a:ext>
+            </a:extLst>
+          </p:cNvPr>
+          <p:cNvSpPr/>
+          <p:nvPr/>
+        </p:nvSpPr>
+        <p:spPr>
+          <a:xfrm>
+            <a:off x="7411094" y="974521"/>
+            <a:ext cx="1661603" cy="751537"/>
+          </a:xfrm>
+          <a:prstGeom prst="ellipse">
+            <a:avLst/>
+          </a:prstGeom>
+          <a:solidFill>
+            <a:schemeClr val="tx1"/>
+          </a:solidFill>
+        </p:spPr>
+        <p:style>
+          <a:lnRef idx="2">
+            <a:schemeClr val="accent1">
+              <a:shade val="50000"/>
+            </a:schemeClr>
+          </a:lnRef>
+          <a:fillRef idx="1">
+            <a:schemeClr val="accent1"/>
+          </a:fillRef>
+          <a:effectRef idx="0">
+            <a:schemeClr val="accent1"/>
+          </a:effectRef>
+          <a:fontRef idx="minor">
+            <a:schemeClr val="lt1"/>
+          </a:fontRef>
+        </p:style>
+        <p:txBody>
+          <a:bodyPr rtlCol="0" anchor="ctr"/>
+          <a:lstStyle/>
+          <a:p>
+            <a:pPr algn="ctr"/>
+            <a:r>
+              <a:rPr lang="en-US" altLang="zh-CN" dirty="0"/>
+              <a:t>App</a:t>
+            </a:r>
+            <a:endParaRPr lang="zh-CN" altLang="en-US" dirty="0"/>
+          </a:p>
+        </p:txBody>
+      </p:sp>
+      <p:sp>
+        <p:nvSpPr>
+          <p:cNvPr id="5" name="箭头: 右 4">
+            <a:extLst>
+              <a:ext uri="{FF2B5EF4-FFF2-40B4-BE49-F238E27FC236}">
+                <a16:creationId xmlns:a16="http://schemas.microsoft.com/office/drawing/2014/main" id="{6F3292F0-E1F7-D047-2003-B400FD1A1F57}"/>
+              </a:ext>
+            </a:extLst>
+          </p:cNvPr>
+          <p:cNvSpPr/>
+          <p:nvPr/>
+        </p:nvSpPr>
+        <p:spPr>
+          <a:xfrm>
+            <a:off x="6376951" y="1246661"/>
+            <a:ext cx="849086" cy="122464"/>
+          </a:xfrm>
+          <a:prstGeom prst="rightArrow">
+            <a:avLst/>
+          </a:prstGeom>
+        </p:spPr>
+        <p:style>
+          <a:lnRef idx="2">
+            <a:schemeClr val="accent1">
+              <a:shade val="50000"/>
+            </a:schemeClr>
+          </a:lnRef>
+          <a:fillRef idx="1">
+            <a:schemeClr val="accent1"/>
+          </a:fillRef>
+          <a:effectRef idx="0">
+            <a:schemeClr val="accent1"/>
+          </a:effectRef>
+          <a:fontRef idx="minor">
+            <a:schemeClr val="lt1"/>
+          </a:fontRef>
+        </p:style>
+        <p:txBody>
+          <a:bodyPr rtlCol="0" anchor="ctr"/>
+          <a:lstStyle/>
+          <a:p>
+            <a:pPr algn="ctr"/>
+            <a:endParaRPr lang="zh-CN" altLang="en-US"/>
+          </a:p>
+        </p:txBody>
+      </p:sp>
+      <p:sp>
+        <p:nvSpPr>
+          <p:cNvPr id="26" name="矩形 25">
+            <a:extLst>
+              <a:ext uri="{FF2B5EF4-FFF2-40B4-BE49-F238E27FC236}">
+                <a16:creationId xmlns:a16="http://schemas.microsoft.com/office/drawing/2014/main" id="{7CE1272F-FB37-D915-AAE0-14957294C46B}"/>
+              </a:ext>
+            </a:extLst>
+          </p:cNvPr>
+          <p:cNvSpPr/>
+          <p:nvPr/>
+        </p:nvSpPr>
+        <p:spPr>
+          <a:xfrm>
+            <a:off x="3953768" y="2636917"/>
+            <a:ext cx="2168531" cy="751537"/>
           </a:xfrm>
           <a:prstGeom prst="rect">
             <a:avLst/>
           </a:prstGeom>
         </p:spPr>
-      </p:pic>
-      <p:sp>
-        <p:nvSpPr>
-          <p:cNvPr id="8" name="文本框 7">
-            <a:extLst>
-              <a:ext uri="{FF2B5EF4-FFF2-40B4-BE49-F238E27FC236}">
-                <a16:creationId xmlns:a16="http://schemas.microsoft.com/office/drawing/2014/main" id="{00DF1367-32D6-49B4-E298-E4BAF2B93B88}"/>
+        <p:style>
+          <a:lnRef idx="2">
+            <a:schemeClr val="accent1">
+              <a:shade val="50000"/>
+            </a:schemeClr>
+          </a:lnRef>
+          <a:fillRef idx="1">
+            <a:schemeClr val="accent1"/>
+          </a:fillRef>
+          <a:effectRef idx="0">
+            <a:schemeClr val="accent1"/>
+          </a:effectRef>
+          <a:fontRef idx="minor">
+            <a:schemeClr val="lt1"/>
+          </a:fontRef>
+        </p:style>
+        <p:txBody>
+          <a:bodyPr rtlCol="0" anchor="ctr"/>
+          <a:lstStyle/>
+          <a:p>
+            <a:pPr algn="ctr"/>
+            <a:r>
+              <a:rPr lang="en-US" altLang="zh-CN" dirty="0"/>
+              <a:t>Generator&lt;DSL&gt;</a:t>
+            </a:r>
+            <a:endParaRPr lang="zh-CN" altLang="en-US" dirty="0"/>
+          </a:p>
+        </p:txBody>
+      </p:sp>
+      <p:sp>
+        <p:nvSpPr>
+          <p:cNvPr id="27" name="波形 26">
+            <a:extLst>
+              <a:ext uri="{FF2B5EF4-FFF2-40B4-BE49-F238E27FC236}">
+                <a16:creationId xmlns:a16="http://schemas.microsoft.com/office/drawing/2014/main" id="{54F89A0A-395C-1284-2BEF-441CAB1693D9}"/>
+              </a:ext>
+            </a:extLst>
+          </p:cNvPr>
+          <p:cNvSpPr/>
+          <p:nvPr/>
+        </p:nvSpPr>
+        <p:spPr>
+          <a:xfrm>
+            <a:off x="6421347" y="2825394"/>
+            <a:ext cx="849086" cy="184142"/>
+          </a:xfrm>
+          <a:prstGeom prst="wave">
+            <a:avLst/>
+          </a:prstGeom>
+        </p:spPr>
+        <p:style>
+          <a:lnRef idx="2">
+            <a:schemeClr val="accent1">
+              <a:shade val="50000"/>
+            </a:schemeClr>
+          </a:lnRef>
+          <a:fillRef idx="1">
+            <a:schemeClr val="accent1"/>
+          </a:fillRef>
+          <a:effectRef idx="0">
+            <a:schemeClr val="accent1"/>
+          </a:effectRef>
+          <a:fontRef idx="minor">
+            <a:schemeClr val="lt1"/>
+          </a:fontRef>
+        </p:style>
+        <p:txBody>
+          <a:bodyPr rtlCol="0" anchor="ctr"/>
+          <a:lstStyle/>
+          <a:p>
+            <a:pPr algn="ctr"/>
+            <a:endParaRPr lang="zh-CN" altLang="en-US"/>
+          </a:p>
+        </p:txBody>
+      </p:sp>
+      <p:sp>
+        <p:nvSpPr>
+          <p:cNvPr id="28" name="波形 27">
+            <a:extLst>
+              <a:ext uri="{FF2B5EF4-FFF2-40B4-BE49-F238E27FC236}">
+                <a16:creationId xmlns:a16="http://schemas.microsoft.com/office/drawing/2014/main" id="{FD6469EE-34F1-2386-64CF-D5539AA5F783}"/>
+              </a:ext>
+            </a:extLst>
+          </p:cNvPr>
+          <p:cNvSpPr/>
+          <p:nvPr/>
+        </p:nvSpPr>
+        <p:spPr>
+          <a:xfrm>
+            <a:off x="6421347" y="3051422"/>
+            <a:ext cx="849086" cy="184142"/>
+          </a:xfrm>
+          <a:prstGeom prst="wave">
+            <a:avLst/>
+          </a:prstGeom>
+        </p:spPr>
+        <p:style>
+          <a:lnRef idx="2">
+            <a:schemeClr val="accent1">
+              <a:shade val="50000"/>
+            </a:schemeClr>
+          </a:lnRef>
+          <a:fillRef idx="1">
+            <a:schemeClr val="accent1"/>
+          </a:fillRef>
+          <a:effectRef idx="0">
+            <a:schemeClr val="accent1"/>
+          </a:effectRef>
+          <a:fontRef idx="minor">
+            <a:schemeClr val="lt1"/>
+          </a:fontRef>
+        </p:style>
+        <p:txBody>
+          <a:bodyPr rtlCol="0" anchor="ctr"/>
+          <a:lstStyle/>
+          <a:p>
+            <a:pPr algn="ctr"/>
+            <a:endParaRPr lang="zh-CN" altLang="en-US"/>
+          </a:p>
+        </p:txBody>
+      </p:sp>
+      <p:sp>
+        <p:nvSpPr>
+          <p:cNvPr id="29" name="椭圆 28">
+            <a:extLst>
+              <a:ext uri="{FF2B5EF4-FFF2-40B4-BE49-F238E27FC236}">
+                <a16:creationId xmlns:a16="http://schemas.microsoft.com/office/drawing/2014/main" id="{3876BAD3-A6D9-E452-43F0-80BF855A026B}"/>
+              </a:ext>
+            </a:extLst>
+          </p:cNvPr>
+          <p:cNvSpPr/>
+          <p:nvPr/>
+        </p:nvSpPr>
+        <p:spPr>
+          <a:xfrm>
+            <a:off x="7460754" y="2575576"/>
+            <a:ext cx="1661603" cy="751537"/>
+          </a:xfrm>
+          <a:prstGeom prst="ellipse">
+            <a:avLst/>
+          </a:prstGeom>
+          <a:solidFill>
+            <a:schemeClr val="tx1"/>
+          </a:solidFill>
+        </p:spPr>
+        <p:style>
+          <a:lnRef idx="2">
+            <a:schemeClr val="accent1">
+              <a:shade val="50000"/>
+            </a:schemeClr>
+          </a:lnRef>
+          <a:fillRef idx="1">
+            <a:schemeClr val="accent1"/>
+          </a:fillRef>
+          <a:effectRef idx="0">
+            <a:schemeClr val="accent1"/>
+          </a:effectRef>
+          <a:fontRef idx="minor">
+            <a:schemeClr val="lt1"/>
+          </a:fontRef>
+        </p:style>
+        <p:txBody>
+          <a:bodyPr rtlCol="0" anchor="ctr"/>
+          <a:lstStyle/>
+          <a:p>
+            <a:pPr algn="ctr"/>
+            <a:r>
+              <a:rPr lang="en-US" altLang="zh-CN" dirty="0"/>
+              <a:t>App</a:t>
+            </a:r>
+            <a:endParaRPr lang="zh-CN" altLang="en-US" dirty="0"/>
+          </a:p>
+        </p:txBody>
+      </p:sp>
+      <p:sp>
+        <p:nvSpPr>
+          <p:cNvPr id="30" name="椭圆 29">
+            <a:extLst>
+              <a:ext uri="{FF2B5EF4-FFF2-40B4-BE49-F238E27FC236}">
+                <a16:creationId xmlns:a16="http://schemas.microsoft.com/office/drawing/2014/main" id="{616A20E3-C00A-BBC1-D970-B5C701808B2F}"/>
+              </a:ext>
+            </a:extLst>
+          </p:cNvPr>
+          <p:cNvSpPr/>
+          <p:nvPr/>
+        </p:nvSpPr>
+        <p:spPr>
+          <a:xfrm>
+            <a:off x="2239765" y="4515679"/>
+            <a:ext cx="1661603" cy="751537"/>
+          </a:xfrm>
+          <a:prstGeom prst="ellipse">
+            <a:avLst/>
+          </a:prstGeom>
+          <a:solidFill>
+            <a:srgbClr val="00B050"/>
+          </a:solidFill>
+        </p:spPr>
+        <p:style>
+          <a:lnRef idx="2">
+            <a:schemeClr val="accent1">
+              <a:shade val="50000"/>
+            </a:schemeClr>
+          </a:lnRef>
+          <a:fillRef idx="1">
+            <a:schemeClr val="accent1"/>
+          </a:fillRef>
+          <a:effectRef idx="0">
+            <a:schemeClr val="accent1"/>
+          </a:effectRef>
+          <a:fontRef idx="minor">
+            <a:schemeClr val="lt1"/>
+          </a:fontRef>
+        </p:style>
+        <p:txBody>
+          <a:bodyPr rtlCol="0" anchor="ctr"/>
+          <a:lstStyle/>
+          <a:p>
+            <a:pPr algn="ctr"/>
+            <a:r>
+              <a:rPr lang="en-US" altLang="zh-CN" dirty="0"/>
+              <a:t>Delta</a:t>
+            </a:r>
+            <a:endParaRPr lang="zh-CN" altLang="en-US" dirty="0"/>
+          </a:p>
+        </p:txBody>
+      </p:sp>
+      <p:sp>
+        <p:nvSpPr>
+          <p:cNvPr id="34" name="矩形 33">
+            <a:extLst>
+              <a:ext uri="{FF2B5EF4-FFF2-40B4-BE49-F238E27FC236}">
+                <a16:creationId xmlns:a16="http://schemas.microsoft.com/office/drawing/2014/main" id="{9D124D0D-80EC-99EE-1E71-82D0F4D25F32}"/>
+              </a:ext>
+            </a:extLst>
+          </p:cNvPr>
+          <p:cNvSpPr/>
+          <p:nvPr/>
+        </p:nvSpPr>
+        <p:spPr>
+          <a:xfrm>
+            <a:off x="5308602" y="4515788"/>
+            <a:ext cx="2168531" cy="751537"/>
+          </a:xfrm>
+          <a:prstGeom prst="rect">
+            <a:avLst/>
+          </a:prstGeom>
+        </p:spPr>
+        <p:style>
+          <a:lnRef idx="2">
+            <a:schemeClr val="accent1">
+              <a:shade val="50000"/>
+            </a:schemeClr>
+          </a:lnRef>
+          <a:fillRef idx="1">
+            <a:schemeClr val="accent1"/>
+          </a:fillRef>
+          <a:effectRef idx="0">
+            <a:schemeClr val="accent1"/>
+          </a:effectRef>
+          <a:fontRef idx="minor">
+            <a:schemeClr val="lt1"/>
+          </a:fontRef>
+        </p:style>
+        <p:txBody>
+          <a:bodyPr rtlCol="0" anchor="ctr"/>
+          <a:lstStyle/>
+          <a:p>
+            <a:pPr algn="ctr"/>
+            <a:r>
+              <a:rPr lang="en-US" altLang="zh-CN" dirty="0"/>
+              <a:t>Generator&lt;DSL&gt;</a:t>
+            </a:r>
+            <a:endParaRPr lang="zh-CN" altLang="en-US" dirty="0"/>
+          </a:p>
+        </p:txBody>
+      </p:sp>
+      <p:sp>
+        <p:nvSpPr>
+          <p:cNvPr id="35" name="箭头: 右 34">
+            <a:extLst>
+              <a:ext uri="{FF2B5EF4-FFF2-40B4-BE49-F238E27FC236}">
+                <a16:creationId xmlns:a16="http://schemas.microsoft.com/office/drawing/2014/main" id="{4AC889E5-7C6B-345C-EB0D-EA6A15EE3E41}"/>
+              </a:ext>
+            </a:extLst>
+          </p:cNvPr>
+          <p:cNvSpPr/>
+          <p:nvPr/>
+        </p:nvSpPr>
+        <p:spPr>
+          <a:xfrm>
+            <a:off x="4203532" y="4765565"/>
+            <a:ext cx="842481" cy="293960"/>
+          </a:xfrm>
+          <a:prstGeom prst="rightArrow">
+            <a:avLst>
+              <a:gd name="adj1" fmla="val 33704"/>
+              <a:gd name="adj2" fmla="val 50000"/>
+            </a:avLst>
+          </a:prstGeom>
+        </p:spPr>
+        <p:style>
+          <a:lnRef idx="2">
+            <a:schemeClr val="accent1">
+              <a:shade val="50000"/>
+            </a:schemeClr>
+          </a:lnRef>
+          <a:fillRef idx="1">
+            <a:schemeClr val="accent1"/>
+          </a:fillRef>
+          <a:effectRef idx="0">
+            <a:schemeClr val="accent1"/>
+          </a:effectRef>
+          <a:fontRef idx="minor">
+            <a:schemeClr val="lt1"/>
+          </a:fontRef>
+        </p:style>
+        <p:txBody>
+          <a:bodyPr rtlCol="0" anchor="ctr"/>
+          <a:lstStyle/>
+          <a:p>
+            <a:pPr algn="ctr"/>
+            <a:endParaRPr lang="zh-CN" altLang="en-US"/>
+          </a:p>
+        </p:txBody>
+      </p:sp>
+      <p:sp>
+        <p:nvSpPr>
+          <p:cNvPr id="33" name="加号 32">
+            <a:extLst>
+              <a:ext uri="{FF2B5EF4-FFF2-40B4-BE49-F238E27FC236}">
+                <a16:creationId xmlns:a16="http://schemas.microsoft.com/office/drawing/2014/main" id="{679FA90A-2AC3-68A9-EF59-E42519DE28E1}"/>
+              </a:ext>
+            </a:extLst>
+          </p:cNvPr>
+          <p:cNvSpPr/>
+          <p:nvPr/>
+        </p:nvSpPr>
+        <p:spPr>
+          <a:xfrm>
+            <a:off x="4058597" y="4536485"/>
+            <a:ext cx="977142" cy="751537"/>
+          </a:xfrm>
+          <a:prstGeom prst="mathPlus">
+            <a:avLst/>
+          </a:prstGeom>
+        </p:spPr>
+        <p:style>
+          <a:lnRef idx="2">
+            <a:schemeClr val="accent1">
+              <a:shade val="50000"/>
+            </a:schemeClr>
+          </a:lnRef>
+          <a:fillRef idx="1">
+            <a:schemeClr val="accent1"/>
+          </a:fillRef>
+          <a:effectRef idx="0">
+            <a:schemeClr val="accent1"/>
+          </a:effectRef>
+          <a:fontRef idx="minor">
+            <a:schemeClr val="lt1"/>
+          </a:fontRef>
+        </p:style>
+        <p:txBody>
+          <a:bodyPr rtlCol="0" anchor="ctr"/>
+          <a:lstStyle/>
+          <a:p>
+            <a:pPr algn="ctr"/>
+            <a:endParaRPr lang="zh-CN" altLang="en-US"/>
+          </a:p>
+        </p:txBody>
+      </p:sp>
+      <p:sp>
+        <p:nvSpPr>
+          <p:cNvPr id="37" name="矩形 36">
+            <a:extLst>
+              <a:ext uri="{FF2B5EF4-FFF2-40B4-BE49-F238E27FC236}">
+                <a16:creationId xmlns:a16="http://schemas.microsoft.com/office/drawing/2014/main" id="{0FFC943B-05AA-5C56-2937-2AC8C8200392}"/>
+              </a:ext>
+            </a:extLst>
+          </p:cNvPr>
+          <p:cNvSpPr/>
+          <p:nvPr/>
+        </p:nvSpPr>
+        <p:spPr>
+          <a:xfrm>
+            <a:off x="8001862" y="4940158"/>
+            <a:ext cx="772268" cy="119367"/>
+          </a:xfrm>
+          <a:prstGeom prst="rect">
+            <a:avLst/>
+          </a:prstGeom>
+        </p:spPr>
+        <p:style>
+          <a:lnRef idx="2">
+            <a:schemeClr val="accent1">
+              <a:shade val="50000"/>
+            </a:schemeClr>
+          </a:lnRef>
+          <a:fillRef idx="1">
+            <a:schemeClr val="accent1"/>
+          </a:fillRef>
+          <a:effectRef idx="0">
+            <a:schemeClr val="accent1"/>
+          </a:effectRef>
+          <a:fontRef idx="minor">
+            <a:schemeClr val="lt1"/>
+          </a:fontRef>
+        </p:style>
+        <p:txBody>
+          <a:bodyPr rtlCol="0" anchor="ctr"/>
+          <a:lstStyle/>
+          <a:p>
+            <a:pPr algn="ctr"/>
+            <a:endParaRPr lang="zh-CN" altLang="en-US"/>
+          </a:p>
+        </p:txBody>
+      </p:sp>
+      <p:sp>
+        <p:nvSpPr>
+          <p:cNvPr id="38" name="矩形 37">
+            <a:extLst>
+              <a:ext uri="{FF2B5EF4-FFF2-40B4-BE49-F238E27FC236}">
+                <a16:creationId xmlns:a16="http://schemas.microsoft.com/office/drawing/2014/main" id="{2503C6B9-8588-97A4-FA82-68BDEF9F1EF0}"/>
+              </a:ext>
+            </a:extLst>
+          </p:cNvPr>
+          <p:cNvSpPr/>
+          <p:nvPr/>
+        </p:nvSpPr>
+        <p:spPr>
+          <a:xfrm>
+            <a:off x="8000151" y="4743238"/>
+            <a:ext cx="773979" cy="119367"/>
+          </a:xfrm>
+          <a:prstGeom prst="rect">
+            <a:avLst/>
+          </a:prstGeom>
+        </p:spPr>
+        <p:style>
+          <a:lnRef idx="2">
+            <a:schemeClr val="accent1">
+              <a:shade val="50000"/>
+            </a:schemeClr>
+          </a:lnRef>
+          <a:fillRef idx="1">
+            <a:schemeClr val="accent1"/>
+          </a:fillRef>
+          <a:effectRef idx="0">
+            <a:schemeClr val="accent1"/>
+          </a:effectRef>
+          <a:fontRef idx="minor">
+            <a:schemeClr val="lt1"/>
+          </a:fontRef>
+        </p:style>
+        <p:txBody>
+          <a:bodyPr rtlCol="0" anchor="ctr"/>
+          <a:lstStyle/>
+          <a:p>
+            <a:pPr algn="ctr"/>
+            <a:endParaRPr lang="zh-CN" altLang="en-US"/>
+          </a:p>
+        </p:txBody>
+      </p:sp>
+      <p:sp>
+        <p:nvSpPr>
+          <p:cNvPr id="39" name="椭圆 38">
+            <a:extLst>
+              <a:ext uri="{FF2B5EF4-FFF2-40B4-BE49-F238E27FC236}">
+                <a16:creationId xmlns:a16="http://schemas.microsoft.com/office/drawing/2014/main" id="{4CC97309-4587-F45D-255D-14A6EC6D9BBB}"/>
+              </a:ext>
+            </a:extLst>
+          </p:cNvPr>
+          <p:cNvSpPr/>
+          <p:nvPr/>
+        </p:nvSpPr>
+        <p:spPr>
+          <a:xfrm>
+            <a:off x="9246749" y="4505404"/>
+            <a:ext cx="1661603" cy="751537"/>
+          </a:xfrm>
+          <a:prstGeom prst="ellipse">
+            <a:avLst/>
+          </a:prstGeom>
+          <a:solidFill>
+            <a:schemeClr val="tx1"/>
+          </a:solidFill>
+        </p:spPr>
+        <p:style>
+          <a:lnRef idx="2">
+            <a:schemeClr val="accent1">
+              <a:shade val="50000"/>
+            </a:schemeClr>
+          </a:lnRef>
+          <a:fillRef idx="1">
+            <a:schemeClr val="accent1"/>
+          </a:fillRef>
+          <a:effectRef idx="0">
+            <a:schemeClr val="accent1"/>
+          </a:effectRef>
+          <a:fontRef idx="minor">
+            <a:schemeClr val="lt1"/>
+          </a:fontRef>
+        </p:style>
+        <p:txBody>
+          <a:bodyPr rtlCol="0" anchor="ctr"/>
+          <a:lstStyle/>
+          <a:p>
+            <a:pPr algn="ctr"/>
+            <a:r>
+              <a:rPr lang="en-US" altLang="zh-CN" dirty="0"/>
+              <a:t>App</a:t>
+            </a:r>
+            <a:endParaRPr lang="zh-CN" altLang="en-US" dirty="0"/>
+          </a:p>
+        </p:txBody>
+      </p:sp>
+      <p:sp>
+        <p:nvSpPr>
+          <p:cNvPr id="6" name="文本框 5">
+            <a:extLst>
+              <a:ext uri="{FF2B5EF4-FFF2-40B4-BE49-F238E27FC236}">
+                <a16:creationId xmlns:a16="http://schemas.microsoft.com/office/drawing/2014/main" id="{886044FC-B065-DE39-E07E-69143E830ED5}"/>
               </a:ext>
             </a:extLst>
           </p:cNvPr>
@@ -10718,8 +11034,8 @@
         </p:nvSpPr>
         <p:spPr>
           <a:xfrm>
-            <a:off x="1298121" y="5608864"/>
-            <a:ext cx="9429750" cy="584775"/>
+            <a:off x="531957" y="275012"/>
+            <a:ext cx="1944115" cy="523220"/>
           </a:xfrm>
           <a:prstGeom prst="rect">
             <a:avLst/>
@@ -10733,29 +11049,16 @@
           <a:lstStyle/>
           <a:p>
             <a:r>
-              <a:rPr lang="en-US" altLang="zh-CN" sz="3200" b="1" dirty="0"/>
-              <a:t> App = Build&lt;</a:t>
-            </a:r>
-            <a:r>
-              <a:rPr lang="en-US" altLang="zh-CN" sz="3200" b="1" dirty="0" err="1"/>
-              <a:t>DockerFile</a:t>
-            </a:r>
-            <a:r>
-              <a:rPr lang="en-US" altLang="zh-CN" sz="3200" b="1" dirty="0"/>
-              <a:t>&gt; union-fs  </a:t>
-            </a:r>
-            <a:r>
-              <a:rPr lang="en-US" altLang="zh-CN" sz="3200" b="1" dirty="0" err="1"/>
-              <a:t>BaseImage</a:t>
-            </a:r>
-            <a:endParaRPr lang="zh-CN" altLang="en-US" sz="3200" b="1" dirty="0"/>
+              <a:rPr lang="zh-CN" altLang="en-US" sz="2800" b="1" dirty="0"/>
+              <a:t>可逆计算</a:t>
+            </a:r>
           </a:p>
         </p:txBody>
       </p:sp>
     </p:spTree>
     <p:extLst>
       <p:ext uri="{BB962C8B-B14F-4D97-AF65-F5344CB8AC3E}">
-        <p14:creationId xmlns:p14="http://schemas.microsoft.com/office/powerpoint/2010/main" val="2243421205"/>
+        <p14:creationId xmlns:p14="http://schemas.microsoft.com/office/powerpoint/2010/main" val="2796935556"/>
       </p:ext>
     </p:extLst>
   </p:cSld>

--- a/docs/ppt/nop-platform.pptx
+++ b/docs/ppt/nop-platform.pptx
@@ -290,7 +290,7 @@
           <a:p>
             <a:fld id="{781BEADB-AF5A-4392-865E-B1E711821C65}" type="datetimeFigureOut">
               <a:rPr lang="zh-CN" altLang="en-US" smtClean="0"/>
-              <a:t>2023/10/13</a:t>
+              <a:t>2023/10/14</a:t>
             </a:fld>
             <a:endParaRPr lang="zh-CN" altLang="en-US"/>
           </a:p>
@@ -488,7 +488,7 @@
           <a:p>
             <a:fld id="{781BEADB-AF5A-4392-865E-B1E711821C65}" type="datetimeFigureOut">
               <a:rPr lang="zh-CN" altLang="en-US" smtClean="0"/>
-              <a:t>2023/10/13</a:t>
+              <a:t>2023/10/14</a:t>
             </a:fld>
             <a:endParaRPr lang="zh-CN" altLang="en-US"/>
           </a:p>
@@ -696,7 +696,7 @@
           <a:p>
             <a:fld id="{781BEADB-AF5A-4392-865E-B1E711821C65}" type="datetimeFigureOut">
               <a:rPr lang="zh-CN" altLang="en-US" smtClean="0"/>
-              <a:t>2023/10/13</a:t>
+              <a:t>2023/10/14</a:t>
             </a:fld>
             <a:endParaRPr lang="zh-CN" altLang="en-US"/>
           </a:p>
@@ -894,7 +894,7 @@
           <a:p>
             <a:fld id="{781BEADB-AF5A-4392-865E-B1E711821C65}" type="datetimeFigureOut">
               <a:rPr lang="zh-CN" altLang="en-US" smtClean="0"/>
-              <a:t>2023/10/13</a:t>
+              <a:t>2023/10/14</a:t>
             </a:fld>
             <a:endParaRPr lang="zh-CN" altLang="en-US"/>
           </a:p>
@@ -1169,7 +1169,7 @@
           <a:p>
             <a:fld id="{781BEADB-AF5A-4392-865E-B1E711821C65}" type="datetimeFigureOut">
               <a:rPr lang="zh-CN" altLang="en-US" smtClean="0"/>
-              <a:t>2023/10/13</a:t>
+              <a:t>2023/10/14</a:t>
             </a:fld>
             <a:endParaRPr lang="zh-CN" altLang="en-US"/>
           </a:p>
@@ -1434,7 +1434,7 @@
           <a:p>
             <a:fld id="{781BEADB-AF5A-4392-865E-B1E711821C65}" type="datetimeFigureOut">
               <a:rPr lang="zh-CN" altLang="en-US" smtClean="0"/>
-              <a:t>2023/10/13</a:t>
+              <a:t>2023/10/14</a:t>
             </a:fld>
             <a:endParaRPr lang="zh-CN" altLang="en-US"/>
           </a:p>
@@ -1846,7 +1846,7 @@
           <a:p>
             <a:fld id="{781BEADB-AF5A-4392-865E-B1E711821C65}" type="datetimeFigureOut">
               <a:rPr lang="zh-CN" altLang="en-US" smtClean="0"/>
-              <a:t>2023/10/13</a:t>
+              <a:t>2023/10/14</a:t>
             </a:fld>
             <a:endParaRPr lang="zh-CN" altLang="en-US"/>
           </a:p>
@@ -1987,7 +1987,7 @@
           <a:p>
             <a:fld id="{781BEADB-AF5A-4392-865E-B1E711821C65}" type="datetimeFigureOut">
               <a:rPr lang="zh-CN" altLang="en-US" smtClean="0"/>
-              <a:t>2023/10/13</a:t>
+              <a:t>2023/10/14</a:t>
             </a:fld>
             <a:endParaRPr lang="zh-CN" altLang="en-US"/>
           </a:p>
@@ -2100,7 +2100,7 @@
           <a:p>
             <a:fld id="{781BEADB-AF5A-4392-865E-B1E711821C65}" type="datetimeFigureOut">
               <a:rPr lang="zh-CN" altLang="en-US" smtClean="0"/>
-              <a:t>2023/10/13</a:t>
+              <a:t>2023/10/14</a:t>
             </a:fld>
             <a:endParaRPr lang="zh-CN" altLang="en-US"/>
           </a:p>
@@ -2411,7 +2411,7 @@
           <a:p>
             <a:fld id="{781BEADB-AF5A-4392-865E-B1E711821C65}" type="datetimeFigureOut">
               <a:rPr lang="zh-CN" altLang="en-US" smtClean="0"/>
-              <a:t>2023/10/13</a:t>
+              <a:t>2023/10/14</a:t>
             </a:fld>
             <a:endParaRPr lang="zh-CN" altLang="en-US"/>
           </a:p>
@@ -2699,7 +2699,7 @@
           <a:p>
             <a:fld id="{781BEADB-AF5A-4392-865E-B1E711821C65}" type="datetimeFigureOut">
               <a:rPr lang="zh-CN" altLang="en-US" smtClean="0"/>
-              <a:t>2023/10/13</a:t>
+              <a:t>2023/10/14</a:t>
             </a:fld>
             <a:endParaRPr lang="zh-CN" altLang="en-US"/>
           </a:p>
@@ -2940,7 +2940,7 @@
           <a:p>
             <a:fld id="{781BEADB-AF5A-4392-865E-B1E711821C65}" type="datetimeFigureOut">
               <a:rPr lang="zh-CN" altLang="en-US" smtClean="0"/>
-              <a:t>2023/10/13</a:t>
+              <a:t>2023/10/14</a:t>
             </a:fld>
             <a:endParaRPr lang="zh-CN" altLang="en-US"/>
           </a:p>
@@ -7610,9 +7610,10 @@
           <a:lstStyle/>
           <a:p>
             <a:r>
-              <a:rPr lang="zh-CN" altLang="en-US" b="1" dirty="0"/>
-              <a:t>可逆计算理论的核心公式</a:t>
-            </a:r>
+              <a:rPr lang="zh-CN" altLang="en-US" b="1"/>
+              <a:t>可逆计算的启发式推导</a:t>
+            </a:r>
+            <a:endParaRPr lang="zh-CN" altLang="en-US" b="1" dirty="0"/>
           </a:p>
         </p:txBody>
       </p:sp>
@@ -11035,7 +11036,7 @@
         <p:spPr>
           <a:xfrm>
             <a:off x="531957" y="275012"/>
-            <a:ext cx="1944115" cy="523220"/>
+            <a:ext cx="3526640" cy="523220"/>
           </a:xfrm>
           <a:prstGeom prst="rect">
             <a:avLst/>
@@ -11050,7 +11051,7 @@
           <a:p>
             <a:r>
               <a:rPr lang="zh-CN" altLang="en-US" sz="2800" b="1" dirty="0"/>
-              <a:t>可逆计算</a:t>
+              <a:t>模型驱动的补完计划</a:t>
             </a:r>
           </a:p>
         </p:txBody>

--- a/docs/ppt/nop-platform.pptx
+++ b/docs/ppt/nop-platform.pptx
@@ -14,17 +14,18 @@
     <p:sldId id="289" r:id="rId8"/>
     <p:sldId id="259" r:id="rId9"/>
     <p:sldId id="260" r:id="rId10"/>
-    <p:sldId id="290" r:id="rId11"/>
-    <p:sldId id="293" r:id="rId12"/>
-    <p:sldId id="292" r:id="rId13"/>
-    <p:sldId id="294" r:id="rId14"/>
-    <p:sldId id="263" r:id="rId15"/>
-    <p:sldId id="269" r:id="rId16"/>
-    <p:sldId id="282" r:id="rId17"/>
-    <p:sldId id="291" r:id="rId18"/>
-    <p:sldId id="285" r:id="rId19"/>
-    <p:sldId id="287" r:id="rId20"/>
-    <p:sldId id="296" r:id="rId21"/>
+    <p:sldId id="297" r:id="rId11"/>
+    <p:sldId id="290" r:id="rId12"/>
+    <p:sldId id="293" r:id="rId13"/>
+    <p:sldId id="292" r:id="rId14"/>
+    <p:sldId id="294" r:id="rId15"/>
+    <p:sldId id="263" r:id="rId16"/>
+    <p:sldId id="269" r:id="rId17"/>
+    <p:sldId id="282" r:id="rId18"/>
+    <p:sldId id="291" r:id="rId19"/>
+    <p:sldId id="285" r:id="rId20"/>
+    <p:sldId id="287" r:id="rId21"/>
+    <p:sldId id="296" r:id="rId22"/>
   </p:sldIdLst>
   <p:sldSz cx="12192000" cy="6858000"/>
   <p:notesSz cx="6858000" cy="9144000"/>
@@ -290,7 +291,7 @@
           <a:p>
             <a:fld id="{781BEADB-AF5A-4392-865E-B1E711821C65}" type="datetimeFigureOut">
               <a:rPr lang="zh-CN" altLang="en-US" smtClean="0"/>
-              <a:t>2023/10/14</a:t>
+              <a:t>2023/10/17</a:t>
             </a:fld>
             <a:endParaRPr lang="zh-CN" altLang="en-US"/>
           </a:p>
@@ -488,7 +489,7 @@
           <a:p>
             <a:fld id="{781BEADB-AF5A-4392-865E-B1E711821C65}" type="datetimeFigureOut">
               <a:rPr lang="zh-CN" altLang="en-US" smtClean="0"/>
-              <a:t>2023/10/14</a:t>
+              <a:t>2023/10/17</a:t>
             </a:fld>
             <a:endParaRPr lang="zh-CN" altLang="en-US"/>
           </a:p>
@@ -696,7 +697,7 @@
           <a:p>
             <a:fld id="{781BEADB-AF5A-4392-865E-B1E711821C65}" type="datetimeFigureOut">
               <a:rPr lang="zh-CN" altLang="en-US" smtClean="0"/>
-              <a:t>2023/10/14</a:t>
+              <a:t>2023/10/17</a:t>
             </a:fld>
             <a:endParaRPr lang="zh-CN" altLang="en-US"/>
           </a:p>
@@ -894,7 +895,7 @@
           <a:p>
             <a:fld id="{781BEADB-AF5A-4392-865E-B1E711821C65}" type="datetimeFigureOut">
               <a:rPr lang="zh-CN" altLang="en-US" smtClean="0"/>
-              <a:t>2023/10/14</a:t>
+              <a:t>2023/10/17</a:t>
             </a:fld>
             <a:endParaRPr lang="zh-CN" altLang="en-US"/>
           </a:p>
@@ -1169,7 +1170,7 @@
           <a:p>
             <a:fld id="{781BEADB-AF5A-4392-865E-B1E711821C65}" type="datetimeFigureOut">
               <a:rPr lang="zh-CN" altLang="en-US" smtClean="0"/>
-              <a:t>2023/10/14</a:t>
+              <a:t>2023/10/17</a:t>
             </a:fld>
             <a:endParaRPr lang="zh-CN" altLang="en-US"/>
           </a:p>
@@ -1434,7 +1435,7 @@
           <a:p>
             <a:fld id="{781BEADB-AF5A-4392-865E-B1E711821C65}" type="datetimeFigureOut">
               <a:rPr lang="zh-CN" altLang="en-US" smtClean="0"/>
-              <a:t>2023/10/14</a:t>
+              <a:t>2023/10/17</a:t>
             </a:fld>
             <a:endParaRPr lang="zh-CN" altLang="en-US"/>
           </a:p>
@@ -1846,7 +1847,7 @@
           <a:p>
             <a:fld id="{781BEADB-AF5A-4392-865E-B1E711821C65}" type="datetimeFigureOut">
               <a:rPr lang="zh-CN" altLang="en-US" smtClean="0"/>
-              <a:t>2023/10/14</a:t>
+              <a:t>2023/10/17</a:t>
             </a:fld>
             <a:endParaRPr lang="zh-CN" altLang="en-US"/>
           </a:p>
@@ -1987,7 +1988,7 @@
           <a:p>
             <a:fld id="{781BEADB-AF5A-4392-865E-B1E711821C65}" type="datetimeFigureOut">
               <a:rPr lang="zh-CN" altLang="en-US" smtClean="0"/>
-              <a:t>2023/10/14</a:t>
+              <a:t>2023/10/17</a:t>
             </a:fld>
             <a:endParaRPr lang="zh-CN" altLang="en-US"/>
           </a:p>
@@ -2100,7 +2101,7 @@
           <a:p>
             <a:fld id="{781BEADB-AF5A-4392-865E-B1E711821C65}" type="datetimeFigureOut">
               <a:rPr lang="zh-CN" altLang="en-US" smtClean="0"/>
-              <a:t>2023/10/14</a:t>
+              <a:t>2023/10/17</a:t>
             </a:fld>
             <a:endParaRPr lang="zh-CN" altLang="en-US"/>
           </a:p>
@@ -2411,7 +2412,7 @@
           <a:p>
             <a:fld id="{781BEADB-AF5A-4392-865E-B1E711821C65}" type="datetimeFigureOut">
               <a:rPr lang="zh-CN" altLang="en-US" smtClean="0"/>
-              <a:t>2023/10/14</a:t>
+              <a:t>2023/10/17</a:t>
             </a:fld>
             <a:endParaRPr lang="zh-CN" altLang="en-US"/>
           </a:p>
@@ -2699,7 +2700,7 @@
           <a:p>
             <a:fld id="{781BEADB-AF5A-4392-865E-B1E711821C65}" type="datetimeFigureOut">
               <a:rPr lang="zh-CN" altLang="en-US" smtClean="0"/>
-              <a:t>2023/10/14</a:t>
+              <a:t>2023/10/17</a:t>
             </a:fld>
             <a:endParaRPr lang="zh-CN" altLang="en-US"/>
           </a:p>
@@ -2940,7 +2941,7 @@
           <a:p>
             <a:fld id="{781BEADB-AF5A-4392-865E-B1E711821C65}" type="datetimeFigureOut">
               <a:rPr lang="zh-CN" altLang="en-US" smtClean="0"/>
-              <a:t>2023/10/14</a:t>
+              <a:t>2023/10/17</a:t>
             </a:fld>
             <a:endParaRPr lang="zh-CN" altLang="en-US"/>
           </a:p>
@@ -3608,78 +3609,10 @@
       </p:grpSpPr>
       <p:sp>
         <p:nvSpPr>
-          <p:cNvPr id="2" name="标题 1">
-            <a:extLst>
-              <a:ext uri="{FF2B5EF4-FFF2-40B4-BE49-F238E27FC236}">
-                <a16:creationId xmlns:a16="http://schemas.microsoft.com/office/drawing/2014/main" id="{7B078A78-F1A6-B200-A327-496477BABCB1}"/>
-              </a:ext>
-            </a:extLst>
-          </p:cNvPr>
-          <p:cNvSpPr>
-            <a:spLocks noGrp="1"/>
-          </p:cNvSpPr>
-          <p:nvPr>
-            <p:ph type="title"/>
-          </p:nvPr>
-        </p:nvSpPr>
-        <p:spPr/>
-        <p:txBody>
-          <a:bodyPr/>
-          <a:lstStyle/>
-          <a:p>
-            <a:r>
-              <a:rPr lang="en-US" altLang="zh-CN" b="1" dirty="0"/>
-              <a:t>Docker</a:t>
-            </a:r>
-            <a:r>
-              <a:rPr lang="zh-CN" altLang="en-US" b="1" dirty="0"/>
-              <a:t>作为可逆计算的实例</a:t>
-            </a:r>
-          </a:p>
-        </p:txBody>
-      </p:sp>
-      <p:pic>
-        <p:nvPicPr>
-          <p:cNvPr id="7" name="图片 6">
-            <a:extLst>
-              <a:ext uri="{FF2B5EF4-FFF2-40B4-BE49-F238E27FC236}">
-                <a16:creationId xmlns:a16="http://schemas.microsoft.com/office/drawing/2014/main" id="{A9FAD954-709D-F5D5-9100-CC20B6B65DD1}"/>
-              </a:ext>
-            </a:extLst>
-          </p:cNvPr>
-          <p:cNvPicPr>
-            <a:picLocks noChangeAspect="1"/>
-          </p:cNvPicPr>
-          <p:nvPr/>
-        </p:nvPicPr>
-        <p:blipFill>
-          <a:blip r:embed="rId2">
-            <a:extLst>
-              <a:ext uri="{28A0092B-C50C-407E-A947-70E740481C1C}">
-                <a14:useLocalDpi xmlns:a14="http://schemas.microsoft.com/office/drawing/2010/main" val="0"/>
-              </a:ext>
-            </a:extLst>
-          </a:blip>
-          <a:stretch>
-            <a:fillRect/>
-          </a:stretch>
-        </p:blipFill>
-        <p:spPr>
-          <a:xfrm>
-            <a:off x="2963634" y="1545091"/>
-            <a:ext cx="4849586" cy="3637190"/>
-          </a:xfrm>
-          <a:prstGeom prst="rect">
-            <a:avLst/>
-          </a:prstGeom>
-        </p:spPr>
-      </p:pic>
-      <p:sp>
-        <p:nvSpPr>
-          <p:cNvPr id="8" name="文本框 7">
-            <a:extLst>
-              <a:ext uri="{FF2B5EF4-FFF2-40B4-BE49-F238E27FC236}">
-                <a16:creationId xmlns:a16="http://schemas.microsoft.com/office/drawing/2014/main" id="{00DF1367-32D6-49B4-E298-E4BAF2B93B88}"/>
+          <p:cNvPr id="2" name="文本框 1">
+            <a:extLst>
+              <a:ext uri="{FF2B5EF4-FFF2-40B4-BE49-F238E27FC236}">
+                <a16:creationId xmlns:a16="http://schemas.microsoft.com/office/drawing/2014/main" id="{3C94D8A1-9917-8B97-5FC7-325C311C388B}"/>
               </a:ext>
             </a:extLst>
           </p:cNvPr>
@@ -3688,8 +3621,8 @@
         </p:nvSpPr>
         <p:spPr>
           <a:xfrm>
-            <a:off x="1298121" y="5608864"/>
-            <a:ext cx="9429750" cy="584775"/>
+            <a:off x="434689" y="267393"/>
+            <a:ext cx="2909886" cy="523220"/>
           </a:xfrm>
           <a:prstGeom prst="rect">
             <a:avLst/>
@@ -3703,29 +3636,169 @@
           <a:lstStyle/>
           <a:p>
             <a:r>
-              <a:rPr lang="en-US" altLang="zh-CN" sz="3200" b="1" dirty="0"/>
-              <a:t> App = Build&lt;</a:t>
-            </a:r>
-            <a:r>
-              <a:rPr lang="en-US" altLang="zh-CN" sz="3200" b="1" dirty="0" err="1"/>
-              <a:t>DockerFile</a:t>
-            </a:r>
-            <a:r>
-              <a:rPr lang="en-US" altLang="zh-CN" sz="3200" b="1" dirty="0"/>
-              <a:t>&gt; union-fs  </a:t>
-            </a:r>
-            <a:r>
-              <a:rPr lang="en-US" altLang="zh-CN" sz="3200" b="1" dirty="0" err="1"/>
-              <a:t>BaseImage</a:t>
-            </a:r>
-            <a:endParaRPr lang="zh-CN" altLang="en-US" sz="3200" b="1" dirty="0"/>
+              <a:rPr lang="zh-CN" altLang="en-US" sz="2800" b="1" dirty="0"/>
+              <a:t>可逆体现在哪里</a:t>
+            </a:r>
+          </a:p>
+        </p:txBody>
+      </p:sp>
+      <p:sp>
+        <p:nvSpPr>
+          <p:cNvPr id="5" name="文本框 4">
+            <a:extLst>
+              <a:ext uri="{FF2B5EF4-FFF2-40B4-BE49-F238E27FC236}">
+                <a16:creationId xmlns:a16="http://schemas.microsoft.com/office/drawing/2014/main" id="{A84BC0B8-C288-5EAE-954C-4AAF55CA2262}"/>
+              </a:ext>
+            </a:extLst>
+          </p:cNvPr>
+          <p:cNvSpPr txBox="1"/>
+          <p:nvPr/>
+        </p:nvSpPr>
+        <p:spPr>
+          <a:xfrm>
+            <a:off x="1094014" y="1494067"/>
+            <a:ext cx="9511393" cy="646331"/>
+          </a:xfrm>
+          <a:prstGeom prst="rect">
+            <a:avLst/>
+          </a:prstGeom>
+          <a:noFill/>
+        </p:spPr>
+        <p:txBody>
+          <a:bodyPr wrap="square">
+            <a:spAutoFit/>
+          </a:bodyPr>
+          <a:lstStyle/>
+          <a:p>
+            <a:r>
+              <a:rPr lang="zh-CN" altLang="en-US" sz="3600" dirty="0"/>
+              <a:t>逆元与减法： </a:t>
+            </a:r>
+            <a:r>
+              <a:rPr lang="en-US" altLang="zh-CN" sz="3600" dirty="0"/>
+              <a:t>0 – C = -C,  B = A + (-C)</a:t>
+            </a:r>
+          </a:p>
+        </p:txBody>
+      </p:sp>
+      <p:sp>
+        <p:nvSpPr>
+          <p:cNvPr id="21" name="文本框 20">
+            <a:extLst>
+              <a:ext uri="{FF2B5EF4-FFF2-40B4-BE49-F238E27FC236}">
+                <a16:creationId xmlns:a16="http://schemas.microsoft.com/office/drawing/2014/main" id="{8A75C438-2535-F2D3-5048-EA2A87FA1518}"/>
+              </a:ext>
+            </a:extLst>
+          </p:cNvPr>
+          <p:cNvSpPr txBox="1"/>
+          <p:nvPr/>
+        </p:nvSpPr>
+        <p:spPr>
+          <a:xfrm>
+            <a:off x="1094015" y="2612817"/>
+            <a:ext cx="10455834" cy="646331"/>
+          </a:xfrm>
+          <a:prstGeom prst="rect">
+            <a:avLst/>
+          </a:prstGeom>
+          <a:noFill/>
+        </p:spPr>
+        <p:txBody>
+          <a:bodyPr wrap="square">
+            <a:spAutoFit/>
+          </a:bodyPr>
+          <a:lstStyle/>
+          <a:p>
+            <a:r>
+              <a:rPr lang="zh-CN" altLang="en-US" sz="3600" dirty="0"/>
+              <a:t>可逆变换</a:t>
+            </a:r>
+            <a:r>
+              <a:rPr lang="en-US" altLang="zh-CN" sz="3600" dirty="0"/>
+              <a:t>:   A + </a:t>
+            </a:r>
+            <a:r>
+              <a:rPr lang="en-US" altLang="zh-CN" sz="3600" dirty="0" err="1"/>
+              <a:t>dA</a:t>
+            </a:r>
+            <a:r>
+              <a:rPr lang="en-US" altLang="zh-CN" sz="3600" dirty="0"/>
+              <a:t> = F(B + dB), G(A + </a:t>
+            </a:r>
+            <a:r>
+              <a:rPr lang="en-US" altLang="zh-CN" sz="3600" dirty="0" err="1"/>
+              <a:t>dA</a:t>
+            </a:r>
+            <a:r>
+              <a:rPr lang="en-US" altLang="zh-CN" sz="3600" dirty="0"/>
+              <a:t>) = B + dB</a:t>
+            </a:r>
+          </a:p>
+        </p:txBody>
+      </p:sp>
+      <p:sp>
+        <p:nvSpPr>
+          <p:cNvPr id="4" name="文本框 20">
+            <a:extLst>
+              <a:ext uri="{FF2B5EF4-FFF2-40B4-BE49-F238E27FC236}">
+                <a16:creationId xmlns:a16="http://schemas.microsoft.com/office/drawing/2014/main" id="{F2FDD96D-EDF6-6B43-3810-D09623E0C40C}"/>
+              </a:ext>
+            </a:extLst>
+          </p:cNvPr>
+          <p:cNvSpPr txBox="1"/>
+          <p:nvPr/>
+        </p:nvSpPr>
+        <p:spPr>
+          <a:xfrm>
+            <a:off x="1077739" y="3812786"/>
+            <a:ext cx="10455834" cy="646331"/>
+          </a:xfrm>
+          <a:prstGeom prst="rect">
+            <a:avLst/>
+          </a:prstGeom>
+          <a:noFill/>
+        </p:spPr>
+        <p:txBody>
+          <a:bodyPr wrap="square">
+            <a:spAutoFit/>
+          </a:bodyPr>
+          <a:lstStyle/>
+          <a:p>
+            <a:r>
+              <a:rPr lang="zh-CN" altLang="en-US" sz="3600" dirty="0"/>
+              <a:t>多重表象</a:t>
+            </a:r>
+            <a:r>
+              <a:rPr lang="en-US" altLang="zh-CN" sz="3600" dirty="0"/>
+              <a:t>:   </a:t>
+            </a:r>
+            <a:r>
+              <a:rPr lang="zh-CN" altLang="en-US" sz="3600" dirty="0"/>
+              <a:t>可视化表象  </a:t>
+            </a:r>
+            <a:r>
+              <a:rPr lang="en-US" altLang="zh-CN" sz="3600" dirty="0">
+                <a:sym typeface="Wingdings" panose="05000000000000000000" pitchFamily="2" charset="2"/>
+              </a:rPr>
+              <a:t> </a:t>
+            </a:r>
+            <a:r>
+              <a:rPr lang="zh-CN" altLang="en-US" sz="3600" dirty="0">
+                <a:sym typeface="Wingdings" panose="05000000000000000000" pitchFamily="2" charset="2"/>
+              </a:rPr>
+              <a:t>文本表象</a:t>
+            </a:r>
+            <a:r>
+              <a:rPr lang="en-US" altLang="zh-CN" sz="3600" dirty="0"/>
+              <a:t>DSL</a:t>
+            </a:r>
           </a:p>
         </p:txBody>
       </p:sp>
     </p:spTree>
     <p:extLst>
       <p:ext uri="{BB962C8B-B14F-4D97-AF65-F5344CB8AC3E}">
-        <p14:creationId xmlns:p14="http://schemas.microsoft.com/office/powerpoint/2010/main" val="2243421205"/>
+        <p14:creationId xmlns:p14="http://schemas.microsoft.com/office/powerpoint/2010/main" val="3972961143"/>
       </p:ext>
     </p:extLst>
   </p:cSld>
@@ -3754,10 +3827,78 @@
       </p:grpSpPr>
       <p:sp>
         <p:nvSpPr>
-          <p:cNvPr id="2" name="文本框 1">
-            <a:extLst>
-              <a:ext uri="{FF2B5EF4-FFF2-40B4-BE49-F238E27FC236}">
-                <a16:creationId xmlns:a16="http://schemas.microsoft.com/office/drawing/2014/main" id="{3C94D8A1-9917-8B97-5FC7-325C311C388B}"/>
+          <p:cNvPr id="2" name="标题 1">
+            <a:extLst>
+              <a:ext uri="{FF2B5EF4-FFF2-40B4-BE49-F238E27FC236}">
+                <a16:creationId xmlns:a16="http://schemas.microsoft.com/office/drawing/2014/main" id="{7B078A78-F1A6-B200-A327-496477BABCB1}"/>
+              </a:ext>
+            </a:extLst>
+          </p:cNvPr>
+          <p:cNvSpPr>
+            <a:spLocks noGrp="1"/>
+          </p:cNvSpPr>
+          <p:nvPr>
+            <p:ph type="title"/>
+          </p:nvPr>
+        </p:nvSpPr>
+        <p:spPr/>
+        <p:txBody>
+          <a:bodyPr/>
+          <a:lstStyle/>
+          <a:p>
+            <a:r>
+              <a:rPr lang="en-US" altLang="zh-CN" b="1" dirty="0"/>
+              <a:t>Docker</a:t>
+            </a:r>
+            <a:r>
+              <a:rPr lang="zh-CN" altLang="en-US" b="1" dirty="0"/>
+              <a:t>作为可逆计算的实例</a:t>
+            </a:r>
+          </a:p>
+        </p:txBody>
+      </p:sp>
+      <p:pic>
+        <p:nvPicPr>
+          <p:cNvPr id="7" name="图片 6">
+            <a:extLst>
+              <a:ext uri="{FF2B5EF4-FFF2-40B4-BE49-F238E27FC236}">
+                <a16:creationId xmlns:a16="http://schemas.microsoft.com/office/drawing/2014/main" id="{A9FAD954-709D-F5D5-9100-CC20B6B65DD1}"/>
+              </a:ext>
+            </a:extLst>
+          </p:cNvPr>
+          <p:cNvPicPr>
+            <a:picLocks noChangeAspect="1"/>
+          </p:cNvPicPr>
+          <p:nvPr/>
+        </p:nvPicPr>
+        <p:blipFill>
+          <a:blip r:embed="rId2">
+            <a:extLst>
+              <a:ext uri="{28A0092B-C50C-407E-A947-70E740481C1C}">
+                <a14:useLocalDpi xmlns:a14="http://schemas.microsoft.com/office/drawing/2010/main" val="0"/>
+              </a:ext>
+            </a:extLst>
+          </a:blip>
+          <a:stretch>
+            <a:fillRect/>
+          </a:stretch>
+        </p:blipFill>
+        <p:spPr>
+          <a:xfrm>
+            <a:off x="2963634" y="1545091"/>
+            <a:ext cx="4849586" cy="3637190"/>
+          </a:xfrm>
+          <a:prstGeom prst="rect">
+            <a:avLst/>
+          </a:prstGeom>
+        </p:spPr>
+      </p:pic>
+      <p:sp>
+        <p:nvSpPr>
+          <p:cNvPr id="8" name="文本框 7">
+            <a:extLst>
+              <a:ext uri="{FF2B5EF4-FFF2-40B4-BE49-F238E27FC236}">
+                <a16:creationId xmlns:a16="http://schemas.microsoft.com/office/drawing/2014/main" id="{00DF1367-32D6-49B4-E298-E4BAF2B93B88}"/>
               </a:ext>
             </a:extLst>
           </p:cNvPr>
@@ -3766,8 +3907,8 @@
         </p:nvSpPr>
         <p:spPr>
           <a:xfrm>
-            <a:off x="434689" y="267393"/>
-            <a:ext cx="2909886" cy="523220"/>
+            <a:off x="1298121" y="5608864"/>
+            <a:ext cx="9429750" cy="584775"/>
           </a:xfrm>
           <a:prstGeom prst="rect">
             <a:avLst/>
@@ -3781,113 +3922,20 @@
           <a:lstStyle/>
           <a:p>
             <a:r>
-              <a:rPr lang="zh-CN" altLang="en-US" sz="2800" b="1" dirty="0"/>
-              <a:t>可逆计算的实现</a:t>
-            </a:r>
-          </a:p>
-        </p:txBody>
-      </p:sp>
-      <p:sp>
-        <p:nvSpPr>
-          <p:cNvPr id="5" name="文本框 4">
-            <a:extLst>
-              <a:ext uri="{FF2B5EF4-FFF2-40B4-BE49-F238E27FC236}">
-                <a16:creationId xmlns:a16="http://schemas.microsoft.com/office/drawing/2014/main" id="{A84BC0B8-C288-5EAE-954C-4AAF55CA2262}"/>
-              </a:ext>
-            </a:extLst>
-          </p:cNvPr>
-          <p:cNvSpPr txBox="1"/>
-          <p:nvPr/>
-        </p:nvSpPr>
-        <p:spPr>
-          <a:xfrm>
-            <a:off x="1094014" y="1494067"/>
-            <a:ext cx="9511393" cy="646331"/>
-          </a:xfrm>
-          <a:prstGeom prst="rect">
-            <a:avLst/>
-          </a:prstGeom>
-          <a:noFill/>
-        </p:spPr>
-        <p:txBody>
-          <a:bodyPr wrap="square">
-            <a:spAutoFit/>
-          </a:bodyPr>
-          <a:lstStyle/>
-          <a:p>
-            <a:r>
-              <a:rPr lang="en-US" altLang="zh-CN" sz="3600" dirty="0"/>
-              <a:t>  Object  = Map extends Map&lt;Map&gt;</a:t>
-            </a:r>
-          </a:p>
-        </p:txBody>
-      </p:sp>
-      <p:sp>
-        <p:nvSpPr>
-          <p:cNvPr id="21" name="文本框 20">
-            <a:extLst>
-              <a:ext uri="{FF2B5EF4-FFF2-40B4-BE49-F238E27FC236}">
-                <a16:creationId xmlns:a16="http://schemas.microsoft.com/office/drawing/2014/main" id="{8A75C438-2535-F2D3-5048-EA2A87FA1518}"/>
-              </a:ext>
-            </a:extLst>
-          </p:cNvPr>
-          <p:cNvSpPr txBox="1"/>
-          <p:nvPr/>
-        </p:nvSpPr>
-        <p:spPr>
-          <a:xfrm>
-            <a:off x="1238250" y="2905782"/>
-            <a:ext cx="7807779" cy="646331"/>
-          </a:xfrm>
-          <a:prstGeom prst="rect">
-            <a:avLst/>
-          </a:prstGeom>
-          <a:noFill/>
-        </p:spPr>
-        <p:txBody>
-          <a:bodyPr wrap="square">
-            <a:spAutoFit/>
-          </a:bodyPr>
-          <a:lstStyle/>
-          <a:p>
-            <a:r>
-              <a:rPr lang="en-US" altLang="zh-CN" sz="3600" dirty="0"/>
-              <a:t>  App = Tree x-extends Tree&lt;Tree&gt;</a:t>
-            </a:r>
-          </a:p>
-        </p:txBody>
-      </p:sp>
-      <p:sp>
-        <p:nvSpPr>
-          <p:cNvPr id="3" name="文本框 2">
-            <a:extLst>
-              <a:ext uri="{FF2B5EF4-FFF2-40B4-BE49-F238E27FC236}">
-                <a16:creationId xmlns:a16="http://schemas.microsoft.com/office/drawing/2014/main" id="{A53CCC2C-5348-EC7B-95D6-3DF6C0965CCA}"/>
-              </a:ext>
-            </a:extLst>
-          </p:cNvPr>
-          <p:cNvSpPr txBox="1"/>
-          <p:nvPr/>
-        </p:nvSpPr>
-        <p:spPr>
-          <a:xfrm>
-            <a:off x="1298121" y="4474026"/>
-            <a:ext cx="9429750" cy="584775"/>
-          </a:xfrm>
-          <a:prstGeom prst="rect">
-            <a:avLst/>
-          </a:prstGeom>
-          <a:noFill/>
-        </p:spPr>
-        <p:txBody>
-          <a:bodyPr wrap="square" rtlCol="0">
-            <a:spAutoFit/>
-          </a:bodyPr>
-          <a:lstStyle/>
-          <a:p>
-            <a:r>
               <a:rPr lang="en-US" altLang="zh-CN" sz="3200" b="1" dirty="0"/>
-              <a:t> App = Delta x-extends Generator&lt;DSL&gt;</a:t>
+              <a:t> App = Build&lt;</a:t>
+            </a:r>
+            <a:r>
+              <a:rPr lang="en-US" altLang="zh-CN" sz="3200" b="1" dirty="0" err="1"/>
+              <a:t>DockerFile</a:t>
+            </a:r>
+            <a:r>
+              <a:rPr lang="en-US" altLang="zh-CN" sz="3200" b="1" dirty="0"/>
+              <a:t>&gt; union-fs  </a:t>
+            </a:r>
+            <a:r>
+              <a:rPr lang="en-US" altLang="zh-CN" sz="3200" b="1" dirty="0" err="1"/>
+              <a:t>BaseImage</a:t>
             </a:r>
             <a:endParaRPr lang="zh-CN" altLang="en-US" sz="3200" b="1" dirty="0"/>
           </a:p>
@@ -3896,7 +3944,7 @@
     </p:spTree>
     <p:extLst>
       <p:ext uri="{BB962C8B-B14F-4D97-AF65-F5344CB8AC3E}">
-        <p14:creationId xmlns:p14="http://schemas.microsoft.com/office/powerpoint/2010/main" val="361804329"/>
+        <p14:creationId xmlns:p14="http://schemas.microsoft.com/office/powerpoint/2010/main" val="2243421205"/>
       </p:ext>
     </p:extLst>
   </p:cSld>
@@ -3938,7 +3986,7 @@
         <p:spPr>
           <a:xfrm>
             <a:off x="434689" y="267393"/>
-            <a:ext cx="3435182" cy="523220"/>
+            <a:ext cx="2909886" cy="523220"/>
           </a:xfrm>
           <a:prstGeom prst="rect">
             <a:avLst/>
@@ -3953,7 +4001,7 @@
           <a:p>
             <a:r>
               <a:rPr lang="zh-CN" altLang="en-US" sz="2800" b="1" dirty="0"/>
-              <a:t>可逆计算的分析框架</a:t>
+              <a:t>可逆计算的实现</a:t>
             </a:r>
           </a:p>
         </p:txBody>
@@ -3972,8 +4020,8 @@
         </p:nvSpPr>
         <p:spPr>
           <a:xfrm>
-            <a:off x="1094014" y="1379766"/>
-            <a:ext cx="9511393" cy="954107"/>
+            <a:off x="1094014" y="1494067"/>
+            <a:ext cx="9511393" cy="646331"/>
           </a:xfrm>
           <a:prstGeom prst="rect">
             <a:avLst/>
@@ -3987,14 +4035,8 @@
           <a:lstStyle/>
           <a:p>
             <a:r>
-              <a:rPr lang="en-US" altLang="zh-CN" sz="2800" dirty="0"/>
-              <a:t>  App =  Biz ⊕ G1&lt;DSL1&gt; ⊕ G2&lt;DSL2&gt; ⊕ …</a:t>
-            </a:r>
-          </a:p>
-          <a:p>
-            <a:r>
-              <a:rPr lang="en-US" altLang="zh-CN" sz="2800" dirty="0"/>
-              <a:t>         ≡ (Biz, DSL1, DSL2, …)</a:t>
+              <a:rPr lang="en-US" altLang="zh-CN" sz="3600" dirty="0"/>
+              <a:t>  Object  = Map extends Map&lt;Map&gt;</a:t>
             </a:r>
           </a:p>
         </p:txBody>
@@ -4013,8 +4055,8 @@
         </p:nvSpPr>
         <p:spPr>
           <a:xfrm>
-            <a:off x="1009650" y="2960919"/>
-            <a:ext cx="9511393" cy="954107"/>
+            <a:off x="1238250" y="2905782"/>
+            <a:ext cx="7807779" cy="646331"/>
           </a:xfrm>
           <a:prstGeom prst="rect">
             <a:avLst/>
@@ -4028,27 +4070,52 @@
           <a:lstStyle/>
           <a:p>
             <a:r>
-              <a:rPr lang="en-US" altLang="zh-CN" sz="2800" dirty="0"/>
-              <a:t>  App =  D1 ⊕ G1&lt;DSL1&gt; </a:t>
-            </a:r>
-          </a:p>
-          <a:p>
-            <a:r>
-              <a:rPr lang="en-US" altLang="zh-CN" sz="2800" dirty="0"/>
-              <a:t>          =  D1 ⊕ G1&lt;</a:t>
-            </a:r>
-            <a:r>
-              <a:rPr lang="en-US" altLang="zh-CN" sz="2800"/>
-              <a:t>D2 ⊕ G2&lt;DSL2&gt;&gt; </a:t>
-            </a:r>
-            <a:endParaRPr lang="en-US" altLang="zh-CN" sz="2800" dirty="0"/>
+              <a:rPr lang="en-US" altLang="zh-CN" sz="3600" dirty="0"/>
+              <a:t>  App = Tree x-extends Tree&lt;Tree&gt;</a:t>
+            </a:r>
+          </a:p>
+        </p:txBody>
+      </p:sp>
+      <p:sp>
+        <p:nvSpPr>
+          <p:cNvPr id="3" name="文本框 2">
+            <a:extLst>
+              <a:ext uri="{FF2B5EF4-FFF2-40B4-BE49-F238E27FC236}">
+                <a16:creationId xmlns:a16="http://schemas.microsoft.com/office/drawing/2014/main" id="{A53CCC2C-5348-EC7B-95D6-3DF6C0965CCA}"/>
+              </a:ext>
+            </a:extLst>
+          </p:cNvPr>
+          <p:cNvSpPr txBox="1"/>
+          <p:nvPr/>
+        </p:nvSpPr>
+        <p:spPr>
+          <a:xfrm>
+            <a:off x="1298121" y="4474026"/>
+            <a:ext cx="9429750" cy="584775"/>
+          </a:xfrm>
+          <a:prstGeom prst="rect">
+            <a:avLst/>
+          </a:prstGeom>
+          <a:noFill/>
+        </p:spPr>
+        <p:txBody>
+          <a:bodyPr wrap="square" rtlCol="0">
+            <a:spAutoFit/>
+          </a:bodyPr>
+          <a:lstStyle/>
+          <a:p>
+            <a:r>
+              <a:rPr lang="en-US" altLang="zh-CN" sz="3200" b="1" dirty="0"/>
+              <a:t> App = Delta x-extends Generator&lt;DSL&gt;</a:t>
+            </a:r>
+            <a:endParaRPr lang="zh-CN" altLang="en-US" sz="3200" b="1" dirty="0"/>
           </a:p>
         </p:txBody>
       </p:sp>
     </p:spTree>
     <p:extLst>
       <p:ext uri="{BB962C8B-B14F-4D97-AF65-F5344CB8AC3E}">
-        <p14:creationId xmlns:p14="http://schemas.microsoft.com/office/powerpoint/2010/main" val="3639506574"/>
+        <p14:creationId xmlns:p14="http://schemas.microsoft.com/office/powerpoint/2010/main" val="361804329"/>
       </p:ext>
     </p:extLst>
   </p:cSld>
@@ -4090,7 +4157,7 @@
         <p:spPr>
           <a:xfrm>
             <a:off x="434689" y="267393"/>
-            <a:ext cx="4267940" cy="523220"/>
+            <a:ext cx="3435182" cy="523220"/>
           </a:xfrm>
           <a:prstGeom prst="rect">
             <a:avLst/>
@@ -4104,26 +4171,9 @@
           <a:lstStyle/>
           <a:p>
             <a:r>
-              <a:rPr lang="en-US" altLang="zh-CN" sz="2800" b="1" dirty="0"/>
-              <a:t>Loader</a:t>
-            </a:r>
-            <a:r>
               <a:rPr lang="zh-CN" altLang="en-US" sz="2800" b="1" dirty="0"/>
-              <a:t> </a:t>
-            </a:r>
-            <a:r>
-              <a:rPr lang="en-US" altLang="zh-CN" sz="2800" b="1" dirty="0"/>
-              <a:t>As</a:t>
-            </a:r>
-            <a:r>
-              <a:rPr lang="zh-CN" altLang="en-US" sz="2800" b="1" dirty="0"/>
-              <a:t> </a:t>
-            </a:r>
-            <a:r>
-              <a:rPr lang="en-US" altLang="zh-CN" sz="2800" b="1" dirty="0"/>
-              <a:t>Generator</a:t>
-            </a:r>
-            <a:endParaRPr lang="zh-CN" altLang="en-US" sz="2800" b="1" dirty="0"/>
+              <a:t>可逆计算的分析框架</a:t>
+            </a:r>
           </a:p>
         </p:txBody>
       </p:sp>
@@ -4142,7 +4192,7 @@
         <p:spPr>
           <a:xfrm>
             <a:off x="1094014" y="1379766"/>
-            <a:ext cx="9511393" cy="523220"/>
+            <a:ext cx="9511393" cy="954107"/>
           </a:xfrm>
           <a:prstGeom prst="rect">
             <a:avLst/>
@@ -4157,7 +4207,13 @@
           <a:p>
             <a:r>
               <a:rPr lang="en-US" altLang="zh-CN" sz="2800" dirty="0"/>
-              <a:t>  Loader::   Path -&gt; Model</a:t>
+              <a:t>  App =  Biz ⊕ G1&lt;DSL1&gt; ⊕ G2&lt;DSL2&gt; ⊕ …</a:t>
+            </a:r>
+          </a:p>
+          <a:p>
+            <a:r>
+              <a:rPr lang="en-US" altLang="zh-CN" sz="2800" dirty="0"/>
+              <a:t>         ≡ (Biz, DSL1, DSL2, …)</a:t>
             </a:r>
           </a:p>
         </p:txBody>
@@ -4176,8 +4232,8 @@
         </p:nvSpPr>
         <p:spPr>
           <a:xfrm>
-            <a:off x="1017814" y="2283284"/>
-            <a:ext cx="9511393" cy="523220"/>
+            <a:off x="1009650" y="2960919"/>
+            <a:ext cx="9511393" cy="954107"/>
           </a:xfrm>
           <a:prstGeom prst="rect">
             <a:avLst/>
@@ -4192,190 +4248,26 @@
           <a:p>
             <a:r>
               <a:rPr lang="en-US" altLang="zh-CN" sz="2800" dirty="0"/>
-              <a:t>  Loader::  Possible Path -&gt; Possible Model</a:t>
-            </a:r>
-          </a:p>
-        </p:txBody>
-      </p:sp>
-      <p:sp>
-        <p:nvSpPr>
-          <p:cNvPr id="4" name="文本框 3">
-            <a:extLst>
-              <a:ext uri="{FF2B5EF4-FFF2-40B4-BE49-F238E27FC236}">
-                <a16:creationId xmlns:a16="http://schemas.microsoft.com/office/drawing/2014/main" id="{A02C4C51-481A-8E70-8571-DABD5ABEF108}"/>
-              </a:ext>
-            </a:extLst>
-          </p:cNvPr>
-          <p:cNvSpPr txBox="1"/>
-          <p:nvPr/>
-        </p:nvSpPr>
-        <p:spPr>
-          <a:xfrm>
-            <a:off x="1017814" y="3186802"/>
-            <a:ext cx="10248901" cy="1938992"/>
-          </a:xfrm>
-          <a:prstGeom prst="rect">
-            <a:avLst/>
-          </a:prstGeom>
-          <a:noFill/>
-        </p:spPr>
-        <p:txBody>
-          <a:bodyPr wrap="square">
-            <a:spAutoFit/>
-          </a:bodyPr>
-          <a:lstStyle/>
-          <a:p>
-            <a:r>
-              <a:rPr lang="en-US" altLang="zh-CN" sz="2400" dirty="0"/>
-              <a:t>Possible Path = </a:t>
-            </a:r>
-            <a:r>
-              <a:rPr lang="en-US" altLang="zh-CN" sz="2400" dirty="0" err="1"/>
-              <a:t>deltaPath</a:t>
-            </a:r>
-            <a:r>
-              <a:rPr lang="en-US" altLang="zh-CN" sz="2400" dirty="0"/>
-              <a:t> + </a:t>
-            </a:r>
-            <a:r>
-              <a:rPr lang="en-US" altLang="zh-CN" sz="2400" dirty="0" err="1"/>
-              <a:t>stdPath</a:t>
-            </a:r>
-            <a:endParaRPr lang="en-US" altLang="zh-CN" sz="2400" dirty="0"/>
-          </a:p>
-          <a:p>
-            <a:r>
-              <a:rPr lang="en-US" altLang="zh-CN" sz="2400" dirty="0"/>
-              <a:t>Loader&lt;</a:t>
-            </a:r>
-            <a:r>
-              <a:rPr lang="en-US" altLang="zh-CN" sz="2400" dirty="0" err="1"/>
-              <a:t>PossiblePath</a:t>
-            </a:r>
-            <a:r>
-              <a:rPr lang="en-US" altLang="zh-CN" sz="2400" dirty="0"/>
-              <a:t>&gt; = Loader&lt;</a:t>
-            </a:r>
-            <a:r>
-              <a:rPr lang="en-US" altLang="zh-CN" sz="2400" dirty="0" err="1"/>
-              <a:t>deltaPath</a:t>
-            </a:r>
-            <a:r>
-              <a:rPr lang="en-US" altLang="zh-CN" sz="2400" dirty="0"/>
-              <a:t> + </a:t>
-            </a:r>
-            <a:r>
-              <a:rPr lang="en-US" altLang="zh-CN" sz="2400" dirty="0" err="1"/>
-              <a:t>stdPath</a:t>
-            </a:r>
-            <a:r>
-              <a:rPr lang="en-US" altLang="zh-CN" sz="2400" dirty="0"/>
-              <a:t>&gt;</a:t>
-            </a:r>
-          </a:p>
-          <a:p>
-            <a:r>
-              <a:rPr lang="en-US" altLang="zh-CN" sz="2400" dirty="0"/>
-              <a:t>                                    = Loader&lt;</a:t>
-            </a:r>
-            <a:r>
-              <a:rPr lang="en-US" altLang="zh-CN" sz="2400" dirty="0" err="1"/>
-              <a:t>deltaPath</a:t>
-            </a:r>
-            <a:r>
-              <a:rPr lang="en-US" altLang="zh-CN" sz="2400" dirty="0"/>
-              <a:t>&gt; x-extends Loader&lt;</a:t>
-            </a:r>
-            <a:r>
-              <a:rPr lang="en-US" altLang="zh-CN" sz="2400" dirty="0" err="1"/>
-              <a:t>stdPath</a:t>
-            </a:r>
-            <a:r>
-              <a:rPr lang="en-US" altLang="zh-CN" sz="2400" dirty="0"/>
-              <a:t>&gt;</a:t>
-            </a:r>
-          </a:p>
-          <a:p>
-            <a:r>
-              <a:rPr lang="en-US" altLang="zh-CN" sz="2400" dirty="0"/>
-              <a:t>                                    = </a:t>
-            </a:r>
-            <a:r>
-              <a:rPr lang="en-US" altLang="zh-CN" sz="2400" dirty="0" err="1"/>
-              <a:t>DeltaModel</a:t>
-            </a:r>
-            <a:r>
-              <a:rPr lang="en-US" altLang="zh-CN" sz="2400" dirty="0"/>
-              <a:t> x-extends Model</a:t>
-            </a:r>
-          </a:p>
-          <a:p>
-            <a:r>
-              <a:rPr lang="en-US" altLang="zh-CN" sz="2400" dirty="0"/>
-              <a:t>                                    = Possible Model</a:t>
-            </a:r>
-          </a:p>
-        </p:txBody>
-      </p:sp>
-      <p:sp>
-        <p:nvSpPr>
-          <p:cNvPr id="6" name="文本框 5">
-            <a:extLst>
-              <a:ext uri="{FF2B5EF4-FFF2-40B4-BE49-F238E27FC236}">
-                <a16:creationId xmlns:a16="http://schemas.microsoft.com/office/drawing/2014/main" id="{1DE0D502-F837-A9B8-98AE-01B07C60B60A}"/>
-              </a:ext>
-            </a:extLst>
-          </p:cNvPr>
-          <p:cNvSpPr txBox="1"/>
-          <p:nvPr/>
-        </p:nvSpPr>
-        <p:spPr>
-          <a:xfrm>
-            <a:off x="1121229" y="5668745"/>
-            <a:ext cx="9511393" cy="523220"/>
-          </a:xfrm>
-          <a:prstGeom prst="rect">
-            <a:avLst/>
-          </a:prstGeom>
-          <a:noFill/>
-        </p:spPr>
-        <p:txBody>
-          <a:bodyPr wrap="square">
-            <a:spAutoFit/>
-          </a:bodyPr>
-          <a:lstStyle/>
-          <a:p>
-            <a:r>
-              <a:rPr lang="en-US" altLang="zh-CN" sz="2800" dirty="0" err="1"/>
-              <a:t>DslModel</a:t>
-            </a:r>
+              <a:t>  App =  D1 ⊕ G1&lt;DSL1&gt; </a:t>
+            </a:r>
+          </a:p>
+          <a:p>
             <a:r>
               <a:rPr lang="en-US" altLang="zh-CN" sz="2800" dirty="0"/>
-              <a:t> = </a:t>
-            </a:r>
-            <a:r>
-              <a:rPr lang="en-US" altLang="zh-CN" sz="2800" dirty="0" err="1"/>
-              <a:t>DslModelLoader.instance</a:t>
-            </a:r>
-            <a:r>
-              <a:rPr lang="en-US" altLang="zh-CN" sz="2800" dirty="0"/>
-              <a:t>().load(</a:t>
-            </a:r>
-            <a:r>
-              <a:rPr lang="en-US" altLang="zh-CN" sz="2800" dirty="0" err="1"/>
-              <a:t>virtualPath</a:t>
-            </a:r>
-            <a:r>
-              <a:rPr lang="en-US" altLang="zh-CN" sz="2800" dirty="0"/>
-              <a:t>)</a:t>
-            </a:r>
+              <a:t>          =  D1 ⊕ G1&lt;</a:t>
+            </a:r>
+            <a:r>
+              <a:rPr lang="en-US" altLang="zh-CN" sz="2800"/>
+              <a:t>D2 ⊕ G2&lt;DSL2&gt;&gt; </a:t>
+            </a:r>
+            <a:endParaRPr lang="en-US" altLang="zh-CN" sz="2800" dirty="0"/>
           </a:p>
         </p:txBody>
       </p:sp>
     </p:spTree>
     <p:extLst>
       <p:ext uri="{BB962C8B-B14F-4D97-AF65-F5344CB8AC3E}">
-        <p14:creationId xmlns:p14="http://schemas.microsoft.com/office/powerpoint/2010/main" val="4012938869"/>
+        <p14:creationId xmlns:p14="http://schemas.microsoft.com/office/powerpoint/2010/main" val="3639506574"/>
       </p:ext>
     </p:extLst>
   </p:cSld>
@@ -4404,274 +4296,10 @@
       </p:grpSpPr>
       <p:sp>
         <p:nvSpPr>
-          <p:cNvPr id="4" name="矩形 3">
-            <a:extLst>
-              <a:ext uri="{FF2B5EF4-FFF2-40B4-BE49-F238E27FC236}">
-                <a16:creationId xmlns:a16="http://schemas.microsoft.com/office/drawing/2014/main" id="{82624254-68F0-2252-7C78-0D7D3F200AEA}"/>
-              </a:ext>
-            </a:extLst>
-          </p:cNvPr>
-          <p:cNvSpPr/>
-          <p:nvPr/>
-        </p:nvSpPr>
-        <p:spPr>
-          <a:xfrm>
-            <a:off x="1118773" y="3680866"/>
-            <a:ext cx="1661602" cy="751537"/>
-          </a:xfrm>
-          <a:prstGeom prst="rect">
-            <a:avLst/>
-          </a:prstGeom>
-        </p:spPr>
-        <p:style>
-          <a:lnRef idx="2">
-            <a:schemeClr val="accent1">
-              <a:shade val="50000"/>
-            </a:schemeClr>
-          </a:lnRef>
-          <a:fillRef idx="1">
-            <a:schemeClr val="accent1"/>
-          </a:fillRef>
-          <a:effectRef idx="0">
-            <a:schemeClr val="accent1"/>
-          </a:effectRef>
-          <a:fontRef idx="minor">
-            <a:schemeClr val="lt1"/>
-          </a:fontRef>
-        </p:style>
-        <p:txBody>
-          <a:bodyPr rtlCol="0" anchor="ctr"/>
-          <a:lstStyle/>
-          <a:p>
-            <a:pPr algn="ctr"/>
-            <a:r>
-              <a:rPr lang="en-US" altLang="zh-CN" dirty="0"/>
-              <a:t>_XORM</a:t>
-            </a:r>
-            <a:endParaRPr lang="zh-CN" altLang="en-US" dirty="0"/>
-          </a:p>
-        </p:txBody>
-      </p:sp>
-      <p:sp>
-        <p:nvSpPr>
-          <p:cNvPr id="5" name="矩形 4">
-            <a:extLst>
-              <a:ext uri="{FF2B5EF4-FFF2-40B4-BE49-F238E27FC236}">
-                <a16:creationId xmlns:a16="http://schemas.microsoft.com/office/drawing/2014/main" id="{CE1A4767-FE4D-56D1-40B2-262D4B5896C7}"/>
-              </a:ext>
-            </a:extLst>
-          </p:cNvPr>
-          <p:cNvSpPr/>
-          <p:nvPr/>
-        </p:nvSpPr>
-        <p:spPr>
-          <a:xfrm>
-            <a:off x="1118773" y="2953653"/>
-            <a:ext cx="1661602" cy="751537"/>
-          </a:xfrm>
-          <a:prstGeom prst="rect">
-            <a:avLst/>
-          </a:prstGeom>
-        </p:spPr>
-        <p:style>
-          <a:lnRef idx="2">
-            <a:schemeClr val="accent1">
-              <a:shade val="50000"/>
-            </a:schemeClr>
-          </a:lnRef>
-          <a:fillRef idx="1">
-            <a:schemeClr val="accent1"/>
-          </a:fillRef>
-          <a:effectRef idx="0">
-            <a:schemeClr val="accent1"/>
-          </a:effectRef>
-          <a:fontRef idx="minor">
-            <a:schemeClr val="lt1"/>
-          </a:fontRef>
-        </p:style>
-        <p:txBody>
-          <a:bodyPr rtlCol="0" anchor="ctr"/>
-          <a:lstStyle/>
-          <a:p>
-            <a:pPr algn="ctr"/>
-            <a:r>
-              <a:rPr lang="en-US" altLang="zh-CN" dirty="0"/>
-              <a:t>XORM</a:t>
-            </a:r>
-            <a:endParaRPr lang="zh-CN" altLang="en-US" dirty="0"/>
-          </a:p>
-        </p:txBody>
-      </p:sp>
-      <p:sp>
-        <p:nvSpPr>
-          <p:cNvPr id="12" name="矩形 11">
-            <a:extLst>
-              <a:ext uri="{FF2B5EF4-FFF2-40B4-BE49-F238E27FC236}">
-                <a16:creationId xmlns:a16="http://schemas.microsoft.com/office/drawing/2014/main" id="{D596708B-FC6D-BF5E-34FA-D9730BE8E7E6}"/>
-              </a:ext>
-            </a:extLst>
-          </p:cNvPr>
-          <p:cNvSpPr/>
-          <p:nvPr/>
-        </p:nvSpPr>
-        <p:spPr>
-          <a:xfrm>
-            <a:off x="3743005" y="3692778"/>
-            <a:ext cx="1661602" cy="751537"/>
-          </a:xfrm>
-          <a:prstGeom prst="rect">
-            <a:avLst/>
-          </a:prstGeom>
-        </p:spPr>
-        <p:style>
-          <a:lnRef idx="2">
-            <a:schemeClr val="accent1">
-              <a:shade val="50000"/>
-            </a:schemeClr>
-          </a:lnRef>
-          <a:fillRef idx="1">
-            <a:schemeClr val="accent1"/>
-          </a:fillRef>
-          <a:effectRef idx="0">
-            <a:schemeClr val="accent1"/>
-          </a:effectRef>
-          <a:fontRef idx="minor">
-            <a:schemeClr val="lt1"/>
-          </a:fontRef>
-        </p:style>
-        <p:txBody>
-          <a:bodyPr rtlCol="0" anchor="ctr"/>
-          <a:lstStyle/>
-          <a:p>
-            <a:pPr algn="ctr"/>
-            <a:r>
-              <a:rPr lang="en-US" altLang="zh-CN" dirty="0"/>
-              <a:t>_</a:t>
-            </a:r>
-            <a:r>
-              <a:rPr lang="en-US" altLang="zh-CN" dirty="0" err="1"/>
-              <a:t>XMeta</a:t>
-            </a:r>
-            <a:endParaRPr lang="zh-CN" altLang="en-US" dirty="0"/>
-          </a:p>
-        </p:txBody>
-      </p:sp>
-      <p:sp>
-        <p:nvSpPr>
-          <p:cNvPr id="14" name="矩形 13">
-            <a:extLst>
-              <a:ext uri="{FF2B5EF4-FFF2-40B4-BE49-F238E27FC236}">
-                <a16:creationId xmlns:a16="http://schemas.microsoft.com/office/drawing/2014/main" id="{4EAEFFBD-C790-40AB-8120-0ED2F6F3E3AA}"/>
-              </a:ext>
-            </a:extLst>
-          </p:cNvPr>
-          <p:cNvSpPr/>
-          <p:nvPr/>
-        </p:nvSpPr>
-        <p:spPr>
-          <a:xfrm>
-            <a:off x="6455593" y="3705358"/>
-            <a:ext cx="1661602" cy="751537"/>
-          </a:xfrm>
-          <a:prstGeom prst="rect">
-            <a:avLst/>
-          </a:prstGeom>
-          <a:solidFill>
-            <a:srgbClr val="C00000"/>
-          </a:solidFill>
-        </p:spPr>
-        <p:style>
-          <a:lnRef idx="2">
-            <a:schemeClr val="accent1">
-              <a:shade val="50000"/>
-            </a:schemeClr>
-          </a:lnRef>
-          <a:fillRef idx="1">
-            <a:schemeClr val="accent1"/>
-          </a:fillRef>
-          <a:effectRef idx="0">
-            <a:schemeClr val="accent1"/>
-          </a:effectRef>
-          <a:fontRef idx="minor">
-            <a:schemeClr val="lt1"/>
-          </a:fontRef>
-        </p:style>
-        <p:txBody>
-          <a:bodyPr rtlCol="0" anchor="ctr"/>
-          <a:lstStyle/>
-          <a:p>
-            <a:pPr algn="ctr"/>
-            <a:r>
-              <a:rPr lang="en-US" altLang="zh-CN" dirty="0"/>
-              <a:t>_</a:t>
-            </a:r>
-            <a:r>
-              <a:rPr lang="en-US" altLang="zh-CN" dirty="0" err="1"/>
-              <a:t>XView</a:t>
-            </a:r>
-            <a:endParaRPr lang="zh-CN" altLang="en-US" dirty="0"/>
-          </a:p>
-        </p:txBody>
-      </p:sp>
-      <p:sp>
-        <p:nvSpPr>
-          <p:cNvPr id="19" name="矩形 18">
-            <a:extLst>
-              <a:ext uri="{FF2B5EF4-FFF2-40B4-BE49-F238E27FC236}">
-                <a16:creationId xmlns:a16="http://schemas.microsoft.com/office/drawing/2014/main" id="{1DDE44B1-52E8-98C7-D898-D63D745B0F63}"/>
-              </a:ext>
-            </a:extLst>
-          </p:cNvPr>
-          <p:cNvSpPr/>
-          <p:nvPr/>
-        </p:nvSpPr>
-        <p:spPr>
-          <a:xfrm>
-            <a:off x="9171697" y="2941241"/>
-            <a:ext cx="1661602" cy="751537"/>
-          </a:xfrm>
-          <a:prstGeom prst="rect">
-            <a:avLst/>
-          </a:prstGeom>
-          <a:solidFill>
-            <a:srgbClr val="C00000"/>
-          </a:solidFill>
-        </p:spPr>
-        <p:style>
-          <a:lnRef idx="2">
-            <a:schemeClr val="accent1">
-              <a:shade val="50000"/>
-            </a:schemeClr>
-          </a:lnRef>
-          <a:fillRef idx="1">
-            <a:schemeClr val="accent1"/>
-          </a:fillRef>
-          <a:effectRef idx="0">
-            <a:schemeClr val="accent1"/>
-          </a:effectRef>
-          <a:fontRef idx="minor">
-            <a:schemeClr val="lt1"/>
-          </a:fontRef>
-        </p:style>
-        <p:txBody>
-          <a:bodyPr rtlCol="0" anchor="ctr"/>
-          <a:lstStyle/>
-          <a:p>
-            <a:pPr algn="ctr"/>
-            <a:r>
-              <a:rPr lang="en-US" altLang="zh-CN" dirty="0" err="1"/>
-              <a:t>XPage</a:t>
-            </a:r>
-            <a:endParaRPr lang="zh-CN" altLang="en-US" dirty="0"/>
-          </a:p>
-        </p:txBody>
-      </p:sp>
-      <p:sp>
-        <p:nvSpPr>
-          <p:cNvPr id="49" name="文本框 48">
-            <a:extLst>
-              <a:ext uri="{FF2B5EF4-FFF2-40B4-BE49-F238E27FC236}">
-                <a16:creationId xmlns:a16="http://schemas.microsoft.com/office/drawing/2014/main" id="{C76386B8-0A78-88D0-283F-26AEFDECAB74}"/>
+          <p:cNvPr id="2" name="文本框 1">
+            <a:extLst>
+              <a:ext uri="{FF2B5EF4-FFF2-40B4-BE49-F238E27FC236}">
+                <a16:creationId xmlns:a16="http://schemas.microsoft.com/office/drawing/2014/main" id="{3C94D8A1-9917-8B97-5FC7-325C311C388B}"/>
               </a:ext>
             </a:extLst>
           </p:cNvPr>
@@ -4681,7 +4309,7 @@
         <p:spPr>
           <a:xfrm>
             <a:off x="434689" y="267393"/>
-            <a:ext cx="2380430" cy="523220"/>
+            <a:ext cx="4267940" cy="523220"/>
           </a:xfrm>
           <a:prstGeom prst="rect">
             <a:avLst/>
@@ -4695,277 +4323,35 @@
           <a:lstStyle/>
           <a:p>
             <a:r>
+              <a:rPr lang="en-US" altLang="zh-CN" sz="2800" b="1" dirty="0"/>
+              <a:t>Loader</a:t>
+            </a:r>
+            <a:r>
               <a:rPr lang="zh-CN" altLang="en-US" sz="2800" b="1" dirty="0"/>
-              <a:t>差量流水线</a:t>
-            </a:r>
-          </a:p>
-        </p:txBody>
-      </p:sp>
-      <p:sp>
-        <p:nvSpPr>
-          <p:cNvPr id="2" name="矩形 1">
-            <a:extLst>
-              <a:ext uri="{FF2B5EF4-FFF2-40B4-BE49-F238E27FC236}">
-                <a16:creationId xmlns:a16="http://schemas.microsoft.com/office/drawing/2014/main" id="{D9D7C2E0-53A0-8A71-7E5A-41DA55453420}"/>
-              </a:ext>
-            </a:extLst>
-          </p:cNvPr>
-          <p:cNvSpPr/>
-          <p:nvPr/>
-        </p:nvSpPr>
-        <p:spPr>
-          <a:xfrm>
-            <a:off x="3739489" y="2941242"/>
-            <a:ext cx="1661602" cy="751537"/>
-          </a:xfrm>
-          <a:prstGeom prst="rect">
-            <a:avLst/>
-          </a:prstGeom>
-        </p:spPr>
-        <p:style>
-          <a:lnRef idx="2">
-            <a:schemeClr val="accent1">
-              <a:shade val="50000"/>
-            </a:schemeClr>
-          </a:lnRef>
-          <a:fillRef idx="1">
-            <a:schemeClr val="accent1"/>
-          </a:fillRef>
-          <a:effectRef idx="0">
-            <a:schemeClr val="accent1"/>
-          </a:effectRef>
-          <a:fontRef idx="minor">
-            <a:schemeClr val="lt1"/>
-          </a:fontRef>
-        </p:style>
-        <p:txBody>
-          <a:bodyPr rtlCol="0" anchor="ctr"/>
-          <a:lstStyle/>
-          <a:p>
-            <a:pPr algn="ctr"/>
-            <a:r>
-              <a:rPr lang="en-US" altLang="zh-CN" dirty="0" err="1"/>
-              <a:t>XMeta</a:t>
-            </a:r>
-            <a:endParaRPr lang="zh-CN" altLang="en-US" dirty="0"/>
-          </a:p>
-        </p:txBody>
-      </p:sp>
-      <p:sp>
-        <p:nvSpPr>
-          <p:cNvPr id="11" name="矩形 10">
-            <a:extLst>
-              <a:ext uri="{FF2B5EF4-FFF2-40B4-BE49-F238E27FC236}">
-                <a16:creationId xmlns:a16="http://schemas.microsoft.com/office/drawing/2014/main" id="{656E952D-7207-7257-2CE4-D3885B5052C3}"/>
-              </a:ext>
-            </a:extLst>
-          </p:cNvPr>
-          <p:cNvSpPr/>
-          <p:nvPr/>
-        </p:nvSpPr>
-        <p:spPr>
-          <a:xfrm>
-            <a:off x="6455593" y="2953653"/>
-            <a:ext cx="1661602" cy="751537"/>
-          </a:xfrm>
-          <a:prstGeom prst="rect">
-            <a:avLst/>
-          </a:prstGeom>
-          <a:solidFill>
-            <a:srgbClr val="C00000"/>
-          </a:solidFill>
-        </p:spPr>
-        <p:style>
-          <a:lnRef idx="2">
-            <a:schemeClr val="accent1">
-              <a:shade val="50000"/>
-            </a:schemeClr>
-          </a:lnRef>
-          <a:fillRef idx="1">
-            <a:schemeClr val="accent1"/>
-          </a:fillRef>
-          <a:effectRef idx="0">
-            <a:schemeClr val="accent1"/>
-          </a:effectRef>
-          <a:fontRef idx="minor">
-            <a:schemeClr val="lt1"/>
-          </a:fontRef>
-        </p:style>
-        <p:txBody>
-          <a:bodyPr rtlCol="0" anchor="ctr"/>
-          <a:lstStyle/>
-          <a:p>
-            <a:pPr algn="ctr"/>
-            <a:r>
-              <a:rPr lang="en-US" altLang="zh-CN" dirty="0" err="1"/>
-              <a:t>XView</a:t>
-            </a:r>
-            <a:endParaRPr lang="en-US" altLang="zh-CN" dirty="0"/>
-          </a:p>
-        </p:txBody>
-      </p:sp>
-      <p:sp>
-        <p:nvSpPr>
-          <p:cNvPr id="22" name="矩形 21">
-            <a:extLst>
-              <a:ext uri="{FF2B5EF4-FFF2-40B4-BE49-F238E27FC236}">
-                <a16:creationId xmlns:a16="http://schemas.microsoft.com/office/drawing/2014/main" id="{CA4418D9-C431-D727-C854-E7CFD25EAA57}"/>
-              </a:ext>
-            </a:extLst>
-          </p:cNvPr>
-          <p:cNvSpPr/>
-          <p:nvPr/>
-        </p:nvSpPr>
-        <p:spPr>
-          <a:xfrm>
-            <a:off x="9170477" y="3691632"/>
-            <a:ext cx="1661602" cy="751537"/>
-          </a:xfrm>
-          <a:prstGeom prst="rect">
-            <a:avLst/>
-          </a:prstGeom>
-          <a:solidFill>
-            <a:srgbClr val="C00000"/>
-          </a:solidFill>
-        </p:spPr>
-        <p:style>
-          <a:lnRef idx="2">
-            <a:schemeClr val="accent1">
-              <a:shade val="50000"/>
-            </a:schemeClr>
-          </a:lnRef>
-          <a:fillRef idx="1">
-            <a:schemeClr val="accent1"/>
-          </a:fillRef>
-          <a:effectRef idx="0">
-            <a:schemeClr val="accent1"/>
-          </a:effectRef>
-          <a:fontRef idx="minor">
-            <a:schemeClr val="lt1"/>
-          </a:fontRef>
-        </p:style>
-        <p:txBody>
-          <a:bodyPr rtlCol="0" anchor="ctr"/>
-          <a:lstStyle/>
-          <a:p>
-            <a:pPr algn="ctr"/>
-            <a:r>
-              <a:rPr lang="en-US" altLang="zh-CN" dirty="0"/>
-              <a:t>_</a:t>
-            </a:r>
-            <a:r>
-              <a:rPr lang="en-US" altLang="zh-CN" dirty="0" err="1"/>
-              <a:t>XPage</a:t>
-            </a:r>
-            <a:endParaRPr lang="zh-CN" altLang="en-US" dirty="0"/>
-          </a:p>
-        </p:txBody>
-      </p:sp>
-      <p:sp>
-        <p:nvSpPr>
-          <p:cNvPr id="7" name="椭圆 6">
-            <a:extLst>
-              <a:ext uri="{FF2B5EF4-FFF2-40B4-BE49-F238E27FC236}">
-                <a16:creationId xmlns:a16="http://schemas.microsoft.com/office/drawing/2014/main" id="{C8313F1A-B63D-3A10-E8C1-AB28C38E41FE}"/>
-              </a:ext>
-            </a:extLst>
-          </p:cNvPr>
-          <p:cNvSpPr/>
-          <p:nvPr/>
-        </p:nvSpPr>
-        <p:spPr>
-          <a:xfrm>
-            <a:off x="1119759" y="5255029"/>
-            <a:ext cx="1661602" cy="751537"/>
-          </a:xfrm>
-          <a:prstGeom prst="ellipse">
-            <a:avLst/>
-          </a:prstGeom>
-          <a:solidFill>
-            <a:srgbClr val="7030A0"/>
-          </a:solidFill>
-        </p:spPr>
-        <p:style>
-          <a:lnRef idx="2">
-            <a:schemeClr val="accent1">
-              <a:shade val="50000"/>
-            </a:schemeClr>
-          </a:lnRef>
-          <a:fillRef idx="1">
-            <a:schemeClr val="accent1"/>
-          </a:fillRef>
-          <a:effectRef idx="0">
-            <a:schemeClr val="accent1"/>
-          </a:effectRef>
-          <a:fontRef idx="minor">
-            <a:schemeClr val="lt1"/>
-          </a:fontRef>
-        </p:style>
-        <p:txBody>
-          <a:bodyPr rtlCol="0" anchor="ctr"/>
-          <a:lstStyle/>
-          <a:p>
-            <a:pPr algn="ctr"/>
-            <a:r>
-              <a:rPr lang="en-US" altLang="zh-CN" dirty="0"/>
-              <a:t>Excel</a:t>
-            </a:r>
-            <a:endParaRPr lang="zh-CN" altLang="en-US" dirty="0"/>
-          </a:p>
-        </p:txBody>
-      </p:sp>
-      <p:sp>
-        <p:nvSpPr>
-          <p:cNvPr id="8" name="箭头: 右 7">
-            <a:extLst>
-              <a:ext uri="{FF2B5EF4-FFF2-40B4-BE49-F238E27FC236}">
-                <a16:creationId xmlns:a16="http://schemas.microsoft.com/office/drawing/2014/main" id="{5B1CFA59-D8A1-E062-7710-F234E2186247}"/>
-              </a:ext>
-            </a:extLst>
-          </p:cNvPr>
-          <p:cNvSpPr/>
-          <p:nvPr/>
-        </p:nvSpPr>
-        <p:spPr>
-          <a:xfrm rot="16200000">
-            <a:off x="1632536" y="4765617"/>
-            <a:ext cx="529841" cy="202391"/>
-          </a:xfrm>
-          <a:prstGeom prst="rightArrow">
-            <a:avLst/>
-          </a:prstGeom>
-        </p:spPr>
-        <p:style>
-          <a:lnRef idx="2">
-            <a:schemeClr val="accent1">
-              <a:shade val="50000"/>
-            </a:schemeClr>
-          </a:lnRef>
-          <a:fillRef idx="1">
-            <a:schemeClr val="accent1"/>
-          </a:fillRef>
-          <a:effectRef idx="0">
-            <a:schemeClr val="accent1"/>
-          </a:effectRef>
-          <a:fontRef idx="minor">
-            <a:schemeClr val="lt1"/>
-          </a:fontRef>
-        </p:style>
-        <p:txBody>
-          <a:bodyPr rtlCol="0" anchor="ctr"/>
-          <a:lstStyle/>
-          <a:p>
-            <a:pPr algn="ctr"/>
-            <a:endParaRPr lang="zh-CN" altLang="en-US"/>
-          </a:p>
-        </p:txBody>
-      </p:sp>
-      <p:sp>
-        <p:nvSpPr>
-          <p:cNvPr id="15" name="文本框 14">
-            <a:extLst>
-              <a:ext uri="{FF2B5EF4-FFF2-40B4-BE49-F238E27FC236}">
-                <a16:creationId xmlns:a16="http://schemas.microsoft.com/office/drawing/2014/main" id="{AC6C489F-E051-914F-A225-76E8289574A4}"/>
+              <a:t> </a:t>
+            </a:r>
+            <a:r>
+              <a:rPr lang="en-US" altLang="zh-CN" sz="2800" b="1" dirty="0"/>
+              <a:t>As</a:t>
+            </a:r>
+            <a:r>
+              <a:rPr lang="zh-CN" altLang="en-US" sz="2800" b="1" dirty="0"/>
+              <a:t> </a:t>
+            </a:r>
+            <a:r>
+              <a:rPr lang="en-US" altLang="zh-CN" sz="2800" b="1" dirty="0"/>
+              <a:t>Generator</a:t>
+            </a:r>
+            <a:endParaRPr lang="zh-CN" altLang="en-US" sz="2800" b="1" dirty="0"/>
+          </a:p>
+        </p:txBody>
+      </p:sp>
+      <p:sp>
+        <p:nvSpPr>
+          <p:cNvPr id="5" name="文本框 4">
+            <a:extLst>
+              <a:ext uri="{FF2B5EF4-FFF2-40B4-BE49-F238E27FC236}">
+                <a16:creationId xmlns:a16="http://schemas.microsoft.com/office/drawing/2014/main" id="{A84BC0B8-C288-5EAE-954C-4AAF55CA2262}"/>
               </a:ext>
             </a:extLst>
           </p:cNvPr>
@@ -4974,8 +4360,8 @@
         </p:nvSpPr>
         <p:spPr>
           <a:xfrm>
-            <a:off x="2049427" y="4677527"/>
-            <a:ext cx="708917" cy="369332"/>
+            <a:off x="1094014" y="1379766"/>
+            <a:ext cx="9511393" cy="523220"/>
           </a:xfrm>
           <a:prstGeom prst="rect">
             <a:avLst/>
@@ -4983,125 +4369,24 @@
           <a:noFill/>
         </p:spPr>
         <p:txBody>
-          <a:bodyPr wrap="square" rtlCol="0">
+          <a:bodyPr wrap="square">
             <a:spAutoFit/>
           </a:bodyPr>
           <a:lstStyle/>
           <a:p>
             <a:r>
-              <a:rPr lang="zh-CN" altLang="en-US" dirty="0"/>
-              <a:t>生成</a:t>
-            </a:r>
-          </a:p>
-        </p:txBody>
-      </p:sp>
-      <p:sp>
-        <p:nvSpPr>
-          <p:cNvPr id="26" name="椭圆 25">
-            <a:extLst>
-              <a:ext uri="{FF2B5EF4-FFF2-40B4-BE49-F238E27FC236}">
-                <a16:creationId xmlns:a16="http://schemas.microsoft.com/office/drawing/2014/main" id="{FAFE2A35-9FD0-1A68-9CAD-731A094AA618}"/>
-              </a:ext>
-            </a:extLst>
-          </p:cNvPr>
-          <p:cNvSpPr/>
-          <p:nvPr/>
-        </p:nvSpPr>
-        <p:spPr>
-          <a:xfrm>
-            <a:off x="9171697" y="1267187"/>
-            <a:ext cx="1661602" cy="751537"/>
-          </a:xfrm>
-          <a:prstGeom prst="ellipse">
-            <a:avLst/>
-          </a:prstGeom>
-          <a:solidFill>
-            <a:srgbClr val="7030A0"/>
-          </a:solidFill>
-        </p:spPr>
-        <p:style>
-          <a:lnRef idx="2">
-            <a:schemeClr val="accent1">
-              <a:shade val="50000"/>
-            </a:schemeClr>
-          </a:lnRef>
-          <a:fillRef idx="1">
-            <a:schemeClr val="accent1"/>
-          </a:fillRef>
-          <a:effectRef idx="0">
-            <a:schemeClr val="accent1"/>
-          </a:effectRef>
-          <a:fontRef idx="minor">
-            <a:schemeClr val="lt1"/>
-          </a:fontRef>
-        </p:style>
-        <p:txBody>
-          <a:bodyPr rtlCol="0" anchor="ctr"/>
-          <a:lstStyle/>
-          <a:p>
-            <a:pPr algn="ctr"/>
-            <a:r>
-              <a:rPr lang="zh-CN" altLang="en-US" dirty="0"/>
-              <a:t>界面</a:t>
-            </a:r>
-          </a:p>
-        </p:txBody>
-      </p:sp>
-      <p:sp>
-        <p:nvSpPr>
-          <p:cNvPr id="27" name="箭头: 右 26">
-            <a:extLst>
-              <a:ext uri="{FF2B5EF4-FFF2-40B4-BE49-F238E27FC236}">
-                <a16:creationId xmlns:a16="http://schemas.microsoft.com/office/drawing/2014/main" id="{0705D658-343D-D9A0-4C7A-321BC4AEAD24}"/>
-              </a:ext>
-            </a:extLst>
-          </p:cNvPr>
-          <p:cNvSpPr/>
-          <p:nvPr/>
-        </p:nvSpPr>
-        <p:spPr>
-          <a:xfrm rot="16200000">
-            <a:off x="9655636" y="2400626"/>
-            <a:ext cx="588892" cy="184934"/>
-          </a:xfrm>
-          <a:prstGeom prst="rightArrow">
-            <a:avLst>
-              <a:gd name="adj1" fmla="val 62154"/>
-              <a:gd name="adj2" fmla="val 50000"/>
-            </a:avLst>
-          </a:prstGeom>
-        </p:spPr>
-        <p:style>
-          <a:lnRef idx="2">
-            <a:schemeClr val="accent1">
-              <a:shade val="50000"/>
-            </a:schemeClr>
-          </a:lnRef>
-          <a:fillRef idx="1">
-            <a:schemeClr val="accent1"/>
-          </a:fillRef>
-          <a:effectRef idx="0">
-            <a:schemeClr val="accent1"/>
-          </a:effectRef>
-          <a:fontRef idx="minor">
-            <a:schemeClr val="lt1"/>
-          </a:fontRef>
-        </p:style>
-        <p:txBody>
-          <a:bodyPr rtlCol="0" anchor="ctr"/>
-          <a:lstStyle/>
-          <a:p>
-            <a:pPr algn="ctr"/>
-            <a:endParaRPr lang="zh-CN" altLang="en-US"/>
-          </a:p>
-        </p:txBody>
-      </p:sp>
-      <p:sp>
-        <p:nvSpPr>
-          <p:cNvPr id="28" name="文本框 27">
-            <a:extLst>
-              <a:ext uri="{FF2B5EF4-FFF2-40B4-BE49-F238E27FC236}">
-                <a16:creationId xmlns:a16="http://schemas.microsoft.com/office/drawing/2014/main" id="{7CE677EA-6653-B122-5525-0AF100D20D78}"/>
+              <a:rPr lang="en-US" altLang="zh-CN" sz="2800" dirty="0"/>
+              <a:t>  Loader::   Path -&gt; Model</a:t>
+            </a:r>
+          </a:p>
+        </p:txBody>
+      </p:sp>
+      <p:sp>
+        <p:nvSpPr>
+          <p:cNvPr id="21" name="文本框 20">
+            <a:extLst>
+              <a:ext uri="{FF2B5EF4-FFF2-40B4-BE49-F238E27FC236}">
+                <a16:creationId xmlns:a16="http://schemas.microsoft.com/office/drawing/2014/main" id="{8A75C438-2535-F2D3-5048-EA2A87FA1518}"/>
               </a:ext>
             </a:extLst>
           </p:cNvPr>
@@ -5110,8 +4395,8 @@
         </p:nvSpPr>
         <p:spPr>
           <a:xfrm>
-            <a:off x="10128609" y="2303996"/>
-            <a:ext cx="921004" cy="369332"/>
+            <a:off x="1017814" y="2283284"/>
+            <a:ext cx="9511393" cy="523220"/>
           </a:xfrm>
           <a:prstGeom prst="rect">
             <a:avLst/>
@@ -5119,69 +4404,24 @@
           <a:noFill/>
         </p:spPr>
         <p:txBody>
-          <a:bodyPr wrap="square" rtlCol="0">
+          <a:bodyPr wrap="square">
             <a:spAutoFit/>
           </a:bodyPr>
           <a:lstStyle/>
           <a:p>
             <a:r>
-              <a:rPr lang="en-US" altLang="zh-CN" dirty="0"/>
-              <a:t>Render</a:t>
-            </a:r>
-            <a:endParaRPr lang="zh-CN" altLang="en-US" dirty="0"/>
-          </a:p>
-        </p:txBody>
-      </p:sp>
-      <p:cxnSp>
-        <p:nvCxnSpPr>
-          <p:cNvPr id="42" name="直接连接符 41">
-            <a:extLst>
-              <a:ext uri="{FF2B5EF4-FFF2-40B4-BE49-F238E27FC236}">
-                <a16:creationId xmlns:a16="http://schemas.microsoft.com/office/drawing/2014/main" id="{D50D6AB5-4D89-4BA6-A7E8-F8E26F6D2885}"/>
-              </a:ext>
-            </a:extLst>
-          </p:cNvPr>
-          <p:cNvCxnSpPr>
-            <a:cxnSpLocks/>
-          </p:cNvCxnSpPr>
-          <p:nvPr/>
-        </p:nvCxnSpPr>
-        <p:spPr>
-          <a:xfrm>
-            <a:off x="5900792" y="2749600"/>
-            <a:ext cx="0" cy="4018151"/>
-          </a:xfrm>
-          <a:prstGeom prst="line">
-            <a:avLst/>
-          </a:prstGeom>
-          <a:ln>
-            <a:solidFill>
-              <a:schemeClr val="accent1"/>
-            </a:solidFill>
-            <a:prstDash val="dash"/>
-          </a:ln>
-        </p:spPr>
-        <p:style>
-          <a:lnRef idx="1">
-            <a:schemeClr val="accent1"/>
-          </a:lnRef>
-          <a:fillRef idx="0">
-            <a:schemeClr val="accent1"/>
-          </a:fillRef>
-          <a:effectRef idx="0">
-            <a:schemeClr val="accent1"/>
-          </a:effectRef>
-          <a:fontRef idx="minor">
-            <a:schemeClr val="tx1"/>
-          </a:fontRef>
-        </p:style>
-      </p:cxnSp>
-      <p:sp>
-        <p:nvSpPr>
-          <p:cNvPr id="16" name="文本框 15">
-            <a:extLst>
-              <a:ext uri="{FF2B5EF4-FFF2-40B4-BE49-F238E27FC236}">
-                <a16:creationId xmlns:a16="http://schemas.microsoft.com/office/drawing/2014/main" id="{07128EE0-A808-4AAB-488A-DAAF10473AC0}"/>
+              <a:rPr lang="en-US" altLang="zh-CN" sz="2800" dirty="0"/>
+              <a:t>  Loader::  Possible Path -&gt; Possible Model</a:t>
+            </a:r>
+          </a:p>
+        </p:txBody>
+      </p:sp>
+      <p:sp>
+        <p:nvSpPr>
+          <p:cNvPr id="4" name="文本框 3">
+            <a:extLst>
+              <a:ext uri="{FF2B5EF4-FFF2-40B4-BE49-F238E27FC236}">
+                <a16:creationId xmlns:a16="http://schemas.microsoft.com/office/drawing/2014/main" id="{A02C4C51-481A-8E70-8571-DABD5ABEF108}"/>
               </a:ext>
             </a:extLst>
           </p:cNvPr>
@@ -5190,8 +4430,8 @@
         </p:nvSpPr>
         <p:spPr>
           <a:xfrm>
-            <a:off x="2871297" y="2813342"/>
-            <a:ext cx="708917" cy="369332"/>
+            <a:off x="1017814" y="3186802"/>
+            <a:ext cx="10248901" cy="1938992"/>
           </a:xfrm>
           <a:prstGeom prst="rect">
             <a:avLst/>
@@ -5199,24 +4439,109 @@
           <a:noFill/>
         </p:spPr>
         <p:txBody>
-          <a:bodyPr wrap="square" rtlCol="0">
+          <a:bodyPr wrap="square">
             <a:spAutoFit/>
           </a:bodyPr>
           <a:lstStyle/>
           <a:p>
             <a:r>
-              <a:rPr lang="zh-CN" altLang="en-US" dirty="0"/>
-              <a:t>生成</a:t>
-            </a:r>
-          </a:p>
-        </p:txBody>
-      </p:sp>
-      <p:sp>
-        <p:nvSpPr>
-          <p:cNvPr id="18" name="文本框 17">
-            <a:extLst>
-              <a:ext uri="{FF2B5EF4-FFF2-40B4-BE49-F238E27FC236}">
-                <a16:creationId xmlns:a16="http://schemas.microsoft.com/office/drawing/2014/main" id="{035EADB8-B836-BBCB-4B3A-4AD98E84DCBD}"/>
+              <a:rPr lang="en-US" altLang="zh-CN" sz="2400" dirty="0"/>
+              <a:t>Possible Path = </a:t>
+            </a:r>
+            <a:r>
+              <a:rPr lang="en-US" altLang="zh-CN" sz="2400" dirty="0" err="1"/>
+              <a:t>deltaPath</a:t>
+            </a:r>
+            <a:r>
+              <a:rPr lang="en-US" altLang="zh-CN" sz="2400" dirty="0"/>
+              <a:t> + </a:t>
+            </a:r>
+            <a:r>
+              <a:rPr lang="en-US" altLang="zh-CN" sz="2400" dirty="0" err="1"/>
+              <a:t>stdPath</a:t>
+            </a:r>
+            <a:endParaRPr lang="en-US" altLang="zh-CN" sz="2400" dirty="0"/>
+          </a:p>
+          <a:p>
+            <a:r>
+              <a:rPr lang="en-US" altLang="zh-CN" sz="2400" dirty="0"/>
+              <a:t>Loader&lt;</a:t>
+            </a:r>
+            <a:r>
+              <a:rPr lang="en-US" altLang="zh-CN" sz="2400" dirty="0" err="1"/>
+              <a:t>PossiblePath</a:t>
+            </a:r>
+            <a:r>
+              <a:rPr lang="en-US" altLang="zh-CN" sz="2400" dirty="0"/>
+              <a:t>&gt; = Loader&lt;</a:t>
+            </a:r>
+            <a:r>
+              <a:rPr lang="en-US" altLang="zh-CN" sz="2400" dirty="0" err="1"/>
+              <a:t>deltaPath</a:t>
+            </a:r>
+            <a:r>
+              <a:rPr lang="en-US" altLang="zh-CN" sz="2400" dirty="0"/>
+              <a:t> + </a:t>
+            </a:r>
+            <a:r>
+              <a:rPr lang="en-US" altLang="zh-CN" sz="2400" dirty="0" err="1"/>
+              <a:t>stdPath</a:t>
+            </a:r>
+            <a:r>
+              <a:rPr lang="en-US" altLang="zh-CN" sz="2400" dirty="0"/>
+              <a:t>&gt;</a:t>
+            </a:r>
+          </a:p>
+          <a:p>
+            <a:r>
+              <a:rPr lang="en-US" altLang="zh-CN" sz="2400" dirty="0"/>
+              <a:t>                                    = Loader&lt;</a:t>
+            </a:r>
+            <a:r>
+              <a:rPr lang="en-US" altLang="zh-CN" sz="2400" dirty="0" err="1"/>
+              <a:t>deltaPath</a:t>
+            </a:r>
+            <a:r>
+              <a:rPr lang="en-US" altLang="zh-CN" sz="2400" dirty="0"/>
+              <a:t>&gt; x-extends Loader&lt;</a:t>
+            </a:r>
+            <a:r>
+              <a:rPr lang="en-US" altLang="zh-CN" sz="2400" dirty="0" err="1"/>
+              <a:t>stdPath</a:t>
+            </a:r>
+            <a:r>
+              <a:rPr lang="en-US" altLang="zh-CN" sz="2400" dirty="0"/>
+              <a:t>&gt;</a:t>
+            </a:r>
+          </a:p>
+          <a:p>
+            <a:r>
+              <a:rPr lang="en-US" altLang="zh-CN" sz="2400" dirty="0"/>
+              <a:t>                                    = </a:t>
+            </a:r>
+            <a:r>
+              <a:rPr lang="en-US" altLang="zh-CN" sz="2400" dirty="0" err="1"/>
+              <a:t>DeltaModel</a:t>
+            </a:r>
+            <a:r>
+              <a:rPr lang="en-US" altLang="zh-CN" sz="2400" dirty="0"/>
+              <a:t> x-extends Model</a:t>
+            </a:r>
+          </a:p>
+          <a:p>
+            <a:r>
+              <a:rPr lang="en-US" altLang="zh-CN" sz="2400" dirty="0"/>
+              <a:t>                                    = Possible Model</a:t>
+            </a:r>
+          </a:p>
+        </p:txBody>
+      </p:sp>
+      <p:sp>
+        <p:nvSpPr>
+          <p:cNvPr id="6" name="文本框 5">
+            <a:extLst>
+              <a:ext uri="{FF2B5EF4-FFF2-40B4-BE49-F238E27FC236}">
+                <a16:creationId xmlns:a16="http://schemas.microsoft.com/office/drawing/2014/main" id="{1DE0D502-F837-A9B8-98AE-01B07C60B60A}"/>
               </a:ext>
             </a:extLst>
           </p:cNvPr>
@@ -5225,8 +4550,8 @@
         </p:nvSpPr>
         <p:spPr>
           <a:xfrm>
-            <a:off x="5581843" y="2848847"/>
-            <a:ext cx="708917" cy="369332"/>
+            <a:off x="1121229" y="5668745"/>
+            <a:ext cx="9511393" cy="523220"/>
           </a:xfrm>
           <a:prstGeom prst="rect">
             <a:avLst/>
@@ -5234,356 +4559,34 @@
           <a:noFill/>
         </p:spPr>
         <p:txBody>
-          <a:bodyPr wrap="square" rtlCol="0">
+          <a:bodyPr wrap="square">
             <a:spAutoFit/>
           </a:bodyPr>
           <a:lstStyle/>
           <a:p>
             <a:r>
-              <a:rPr lang="zh-CN" altLang="en-US" dirty="0"/>
-              <a:t>生成</a:t>
-            </a:r>
-          </a:p>
-        </p:txBody>
-      </p:sp>
-      <p:sp>
-        <p:nvSpPr>
-          <p:cNvPr id="21" name="矩形 20">
-            <a:extLst>
-              <a:ext uri="{FF2B5EF4-FFF2-40B4-BE49-F238E27FC236}">
-                <a16:creationId xmlns:a16="http://schemas.microsoft.com/office/drawing/2014/main" id="{53272BCD-B3A7-5DDB-7DF7-DE9D53F7B669}"/>
-              </a:ext>
-            </a:extLst>
-          </p:cNvPr>
-          <p:cNvSpPr/>
-          <p:nvPr/>
-        </p:nvSpPr>
-        <p:spPr>
-          <a:xfrm>
-            <a:off x="3744932" y="1393457"/>
-            <a:ext cx="1661602" cy="751537"/>
-          </a:xfrm>
-          <a:prstGeom prst="rect">
-            <a:avLst/>
-          </a:prstGeom>
-        </p:spPr>
-        <p:style>
-          <a:lnRef idx="2">
-            <a:schemeClr val="accent1">
-              <a:shade val="50000"/>
-            </a:schemeClr>
-          </a:lnRef>
-          <a:fillRef idx="1">
-            <a:schemeClr val="accent1"/>
-          </a:fillRef>
-          <a:effectRef idx="0">
-            <a:schemeClr val="accent1"/>
-          </a:effectRef>
-          <a:fontRef idx="minor">
-            <a:schemeClr val="lt1"/>
-          </a:fontRef>
-        </p:style>
-        <p:txBody>
-          <a:bodyPr rtlCol="0" anchor="ctr"/>
-          <a:lstStyle/>
-          <a:p>
-            <a:pPr algn="ctr"/>
-            <a:r>
-              <a:rPr lang="en-US" altLang="zh-CN" dirty="0" err="1"/>
-              <a:t>GraphQL</a:t>
-            </a:r>
-            <a:endParaRPr lang="zh-CN" altLang="en-US" dirty="0"/>
-          </a:p>
-        </p:txBody>
-      </p:sp>
-      <p:sp>
-        <p:nvSpPr>
-          <p:cNvPr id="36" name="箭头: 上 35">
-            <a:extLst>
-              <a:ext uri="{FF2B5EF4-FFF2-40B4-BE49-F238E27FC236}">
-                <a16:creationId xmlns:a16="http://schemas.microsoft.com/office/drawing/2014/main" id="{AF326EC7-1256-780A-B70E-2888D1738247}"/>
-              </a:ext>
-            </a:extLst>
-          </p:cNvPr>
-          <p:cNvSpPr/>
-          <p:nvPr/>
-        </p:nvSpPr>
-        <p:spPr>
-          <a:xfrm>
-            <a:off x="4436907" y="2299827"/>
-            <a:ext cx="168315" cy="369331"/>
-          </a:xfrm>
-          <a:prstGeom prst="upArrow">
-            <a:avLst/>
-          </a:prstGeom>
-        </p:spPr>
-        <p:style>
-          <a:lnRef idx="2">
-            <a:schemeClr val="accent1">
-              <a:shade val="50000"/>
-            </a:schemeClr>
-          </a:lnRef>
-          <a:fillRef idx="1">
-            <a:schemeClr val="accent1"/>
-          </a:fillRef>
-          <a:effectRef idx="0">
-            <a:schemeClr val="accent1"/>
-          </a:effectRef>
-          <a:fontRef idx="minor">
-            <a:schemeClr val="lt1"/>
-          </a:fontRef>
-        </p:style>
-        <p:txBody>
-          <a:bodyPr rtlCol="0" anchor="ctr"/>
-          <a:lstStyle/>
-          <a:p>
-            <a:pPr algn="ctr"/>
-            <a:endParaRPr lang="zh-CN" altLang="en-US"/>
-          </a:p>
-        </p:txBody>
-      </p:sp>
-      <p:sp>
-        <p:nvSpPr>
-          <p:cNvPr id="37" name="文本框 36">
-            <a:extLst>
-              <a:ext uri="{FF2B5EF4-FFF2-40B4-BE49-F238E27FC236}">
-                <a16:creationId xmlns:a16="http://schemas.microsoft.com/office/drawing/2014/main" id="{0A0BDC57-58BE-9A32-3FB7-E926CFEAEE82}"/>
-              </a:ext>
-            </a:extLst>
-          </p:cNvPr>
-          <p:cNvSpPr txBox="1"/>
-          <p:nvPr/>
-        </p:nvSpPr>
-        <p:spPr>
-          <a:xfrm>
-            <a:off x="4693796" y="2287587"/>
-            <a:ext cx="1220709" cy="369332"/>
-          </a:xfrm>
-          <a:prstGeom prst="rect">
-            <a:avLst/>
-          </a:prstGeom>
-          <a:noFill/>
-        </p:spPr>
-        <p:txBody>
-          <a:bodyPr wrap="square" rtlCol="0">
-            <a:spAutoFit/>
-          </a:bodyPr>
-          <a:lstStyle/>
-          <a:p>
-            <a:r>
-              <a:rPr lang="en-US" altLang="zh-CN" dirty="0" err="1"/>
-              <a:t>BizModel</a:t>
-            </a:r>
-            <a:endParaRPr lang="en-US" altLang="zh-CN" dirty="0"/>
-          </a:p>
-        </p:txBody>
-      </p:sp>
-      <p:sp>
-        <p:nvSpPr>
-          <p:cNvPr id="41" name="加号 40">
-            <a:extLst>
-              <a:ext uri="{FF2B5EF4-FFF2-40B4-BE49-F238E27FC236}">
-                <a16:creationId xmlns:a16="http://schemas.microsoft.com/office/drawing/2014/main" id="{9231E943-E955-B34C-F9CC-CCDADFCEF50E}"/>
-              </a:ext>
-            </a:extLst>
-          </p:cNvPr>
-          <p:cNvSpPr/>
-          <p:nvPr/>
-        </p:nvSpPr>
-        <p:spPr>
-          <a:xfrm>
-            <a:off x="4348332" y="2322000"/>
-            <a:ext cx="345464" cy="369332"/>
-          </a:xfrm>
-          <a:prstGeom prst="mathPlus">
-            <a:avLst/>
-          </a:prstGeom>
-        </p:spPr>
-        <p:style>
-          <a:lnRef idx="2">
-            <a:schemeClr val="accent1">
-              <a:shade val="50000"/>
-            </a:schemeClr>
-          </a:lnRef>
-          <a:fillRef idx="1">
-            <a:schemeClr val="accent1"/>
-          </a:fillRef>
-          <a:effectRef idx="0">
-            <a:schemeClr val="accent1"/>
-          </a:effectRef>
-          <a:fontRef idx="minor">
-            <a:schemeClr val="lt1"/>
-          </a:fontRef>
-        </p:style>
-        <p:txBody>
-          <a:bodyPr rtlCol="0" anchor="ctr"/>
-          <a:lstStyle/>
-          <a:p>
-            <a:pPr algn="ctr"/>
-            <a:endParaRPr lang="zh-CN" altLang="en-US"/>
-          </a:p>
-        </p:txBody>
-      </p:sp>
-      <p:cxnSp>
-        <p:nvCxnSpPr>
-          <p:cNvPr id="50" name="连接符: 肘形 49">
-            <a:extLst>
-              <a:ext uri="{FF2B5EF4-FFF2-40B4-BE49-F238E27FC236}">
-                <a16:creationId xmlns:a16="http://schemas.microsoft.com/office/drawing/2014/main" id="{D53C0396-B1E4-2401-DA0E-CCA76C4CC91E}"/>
-              </a:ext>
-            </a:extLst>
-          </p:cNvPr>
-          <p:cNvCxnSpPr>
-            <a:cxnSpLocks/>
-          </p:cNvCxnSpPr>
-          <p:nvPr/>
-        </p:nvCxnSpPr>
-        <p:spPr>
-          <a:xfrm>
-            <a:off x="2878955" y="3380746"/>
-            <a:ext cx="763177" cy="590140"/>
-          </a:xfrm>
-          <a:prstGeom prst="bentConnector3">
-            <a:avLst>
-              <a:gd name="adj1" fmla="val 50000"/>
-            </a:avLst>
-          </a:prstGeom>
-          <a:ln w="53975">
-            <a:tailEnd type="triangle"/>
-          </a:ln>
-        </p:spPr>
-        <p:style>
-          <a:lnRef idx="1">
-            <a:schemeClr val="accent1"/>
-          </a:lnRef>
-          <a:fillRef idx="0">
-            <a:schemeClr val="accent1"/>
-          </a:fillRef>
-          <a:effectRef idx="0">
-            <a:schemeClr val="accent1"/>
-          </a:effectRef>
-          <a:fontRef idx="minor">
-            <a:schemeClr val="tx1"/>
-          </a:fontRef>
-        </p:style>
-      </p:cxnSp>
-      <p:cxnSp>
-        <p:nvCxnSpPr>
-          <p:cNvPr id="56" name="连接符: 肘形 55">
-            <a:extLst>
-              <a:ext uri="{FF2B5EF4-FFF2-40B4-BE49-F238E27FC236}">
-                <a16:creationId xmlns:a16="http://schemas.microsoft.com/office/drawing/2014/main" id="{57F9F954-A1D8-9A79-F3ED-BD312B9031E7}"/>
-              </a:ext>
-            </a:extLst>
-          </p:cNvPr>
-          <p:cNvCxnSpPr>
-            <a:cxnSpLocks/>
-          </p:cNvCxnSpPr>
-          <p:nvPr/>
-        </p:nvCxnSpPr>
-        <p:spPr>
-          <a:xfrm>
-            <a:off x="5531645" y="3430406"/>
-            <a:ext cx="763177" cy="590140"/>
-          </a:xfrm>
-          <a:prstGeom prst="bentConnector3">
-            <a:avLst>
-              <a:gd name="adj1" fmla="val 50000"/>
-            </a:avLst>
-          </a:prstGeom>
-          <a:ln w="53975">
-            <a:tailEnd type="triangle"/>
-          </a:ln>
-        </p:spPr>
-        <p:style>
-          <a:lnRef idx="1">
-            <a:schemeClr val="accent1"/>
-          </a:lnRef>
-          <a:fillRef idx="0">
-            <a:schemeClr val="accent1"/>
-          </a:fillRef>
-          <a:effectRef idx="0">
-            <a:schemeClr val="accent1"/>
-          </a:effectRef>
-          <a:fontRef idx="minor">
-            <a:schemeClr val="tx1"/>
-          </a:fontRef>
-        </p:style>
-      </p:cxnSp>
-      <p:cxnSp>
-        <p:nvCxnSpPr>
-          <p:cNvPr id="57" name="连接符: 肘形 56">
-            <a:extLst>
-              <a:ext uri="{FF2B5EF4-FFF2-40B4-BE49-F238E27FC236}">
-                <a16:creationId xmlns:a16="http://schemas.microsoft.com/office/drawing/2014/main" id="{69B37F02-B6DF-3079-E988-DFAEC8F2B29E}"/>
-              </a:ext>
-            </a:extLst>
-          </p:cNvPr>
-          <p:cNvCxnSpPr>
-            <a:cxnSpLocks/>
-          </p:cNvCxnSpPr>
-          <p:nvPr/>
-        </p:nvCxnSpPr>
-        <p:spPr>
-          <a:xfrm>
-            <a:off x="8273129" y="3428696"/>
-            <a:ext cx="763177" cy="590140"/>
-          </a:xfrm>
-          <a:prstGeom prst="bentConnector3">
-            <a:avLst>
-              <a:gd name="adj1" fmla="val 50000"/>
-            </a:avLst>
-          </a:prstGeom>
-          <a:ln w="53975">
-            <a:tailEnd type="triangle"/>
-          </a:ln>
-        </p:spPr>
-        <p:style>
-          <a:lnRef idx="1">
-            <a:schemeClr val="accent1"/>
-          </a:lnRef>
-          <a:fillRef idx="0">
-            <a:schemeClr val="accent1"/>
-          </a:fillRef>
-          <a:effectRef idx="0">
-            <a:schemeClr val="accent1"/>
-          </a:effectRef>
-          <a:fontRef idx="minor">
-            <a:schemeClr val="tx1"/>
-          </a:fontRef>
-        </p:style>
-      </p:cxnSp>
-      <p:sp>
-        <p:nvSpPr>
-          <p:cNvPr id="59" name="文本框 58">
-            <a:extLst>
-              <a:ext uri="{FF2B5EF4-FFF2-40B4-BE49-F238E27FC236}">
-                <a16:creationId xmlns:a16="http://schemas.microsoft.com/office/drawing/2014/main" id="{61EA4447-5C5C-F1A0-4594-4664B9C02180}"/>
-              </a:ext>
-            </a:extLst>
-          </p:cNvPr>
-          <p:cNvSpPr txBox="1"/>
-          <p:nvPr/>
-        </p:nvSpPr>
-        <p:spPr>
-          <a:xfrm>
-            <a:off x="8179491" y="2847137"/>
-            <a:ext cx="708917" cy="369332"/>
-          </a:xfrm>
-          <a:prstGeom prst="rect">
-            <a:avLst/>
-          </a:prstGeom>
-          <a:noFill/>
-        </p:spPr>
-        <p:txBody>
-          <a:bodyPr wrap="square" rtlCol="0">
-            <a:spAutoFit/>
-          </a:bodyPr>
-          <a:lstStyle/>
-          <a:p>
-            <a:r>
-              <a:rPr lang="zh-CN" altLang="en-US" dirty="0"/>
-              <a:t>生成</a:t>
+              <a:rPr lang="en-US" altLang="zh-CN" sz="2800" dirty="0" err="1"/>
+              <a:t>DslModel</a:t>
+            </a:r>
+            <a:r>
+              <a:rPr lang="en-US" altLang="zh-CN" sz="2800" dirty="0"/>
+              <a:t> = </a:t>
+            </a:r>
+            <a:r>
+              <a:rPr lang="en-US" altLang="zh-CN" sz="2800" dirty="0" err="1"/>
+              <a:t>DslModelLoader.instance</a:t>
+            </a:r>
+            <a:r>
+              <a:rPr lang="en-US" altLang="zh-CN" sz="2800" dirty="0"/>
+              <a:t>().load(</a:t>
+            </a:r>
+            <a:r>
+              <a:rPr lang="en-US" altLang="zh-CN" sz="2800" dirty="0" err="1"/>
+              <a:t>virtualPath</a:t>
+            </a:r>
+            <a:r>
+              <a:rPr lang="en-US" altLang="zh-CN" sz="2800" dirty="0"/>
+              <a:t>)</a:t>
             </a:r>
           </a:p>
         </p:txBody>
@@ -5591,7 +4594,7 @@
     </p:spTree>
     <p:extLst>
       <p:ext uri="{BB962C8B-B14F-4D97-AF65-F5344CB8AC3E}">
-        <p14:creationId xmlns:p14="http://schemas.microsoft.com/office/powerpoint/2010/main" val="138928013"/>
+        <p14:creationId xmlns:p14="http://schemas.microsoft.com/office/powerpoint/2010/main" val="4012938869"/>
       </p:ext>
     </p:extLst>
   </p:cSld>
@@ -5618,42 +4621,276 @@
           <a:chExt cx="0" cy="0"/>
         </a:xfrm>
       </p:grpSpPr>
-      <p:pic>
-        <p:nvPicPr>
-          <p:cNvPr id="3" name="图片 2">
-            <a:extLst>
-              <a:ext uri="{FF2B5EF4-FFF2-40B4-BE49-F238E27FC236}">
-                <a16:creationId xmlns:a16="http://schemas.microsoft.com/office/drawing/2014/main" id="{AC87EDDB-1E43-486E-03E5-6E6C0523EFB0}"/>
-              </a:ext>
-            </a:extLst>
-          </p:cNvPr>
-          <p:cNvPicPr>
-            <a:picLocks noChangeAspect="1"/>
-          </p:cNvPicPr>
+      <p:sp>
+        <p:nvSpPr>
+          <p:cNvPr id="4" name="矩形 3">
+            <a:extLst>
+              <a:ext uri="{FF2B5EF4-FFF2-40B4-BE49-F238E27FC236}">
+                <a16:creationId xmlns:a16="http://schemas.microsoft.com/office/drawing/2014/main" id="{82624254-68F0-2252-7C78-0D7D3F200AEA}"/>
+              </a:ext>
+            </a:extLst>
+          </p:cNvPr>
+          <p:cNvSpPr/>
           <p:nvPr/>
-        </p:nvPicPr>
-        <p:blipFill>
-          <a:blip r:embed="rId2"/>
-          <a:stretch>
-            <a:fillRect/>
-          </a:stretch>
-        </p:blipFill>
-        <p:spPr>
-          <a:xfrm>
-            <a:off x="1547130" y="506189"/>
-            <a:ext cx="8726076" cy="6328222"/>
+        </p:nvSpPr>
+        <p:spPr>
+          <a:xfrm>
+            <a:off x="1118773" y="3680866"/>
+            <a:ext cx="1661602" cy="751537"/>
           </a:xfrm>
           <a:prstGeom prst="rect">
             <a:avLst/>
           </a:prstGeom>
         </p:spPr>
-      </p:pic>
-      <p:sp>
-        <p:nvSpPr>
-          <p:cNvPr id="8" name="文本框 7">
-            <a:extLst>
-              <a:ext uri="{FF2B5EF4-FFF2-40B4-BE49-F238E27FC236}">
-                <a16:creationId xmlns:a16="http://schemas.microsoft.com/office/drawing/2014/main" id="{DFB1FE9B-8B28-28F7-2F2F-187EBC612C0D}"/>
+        <p:style>
+          <a:lnRef idx="2">
+            <a:schemeClr val="accent1">
+              <a:shade val="50000"/>
+            </a:schemeClr>
+          </a:lnRef>
+          <a:fillRef idx="1">
+            <a:schemeClr val="accent1"/>
+          </a:fillRef>
+          <a:effectRef idx="0">
+            <a:schemeClr val="accent1"/>
+          </a:effectRef>
+          <a:fontRef idx="minor">
+            <a:schemeClr val="lt1"/>
+          </a:fontRef>
+        </p:style>
+        <p:txBody>
+          <a:bodyPr rtlCol="0" anchor="ctr"/>
+          <a:lstStyle/>
+          <a:p>
+            <a:pPr algn="ctr"/>
+            <a:r>
+              <a:rPr lang="en-US" altLang="zh-CN" dirty="0"/>
+              <a:t>_XORM</a:t>
+            </a:r>
+            <a:endParaRPr lang="zh-CN" altLang="en-US" dirty="0"/>
+          </a:p>
+        </p:txBody>
+      </p:sp>
+      <p:sp>
+        <p:nvSpPr>
+          <p:cNvPr id="5" name="矩形 4">
+            <a:extLst>
+              <a:ext uri="{FF2B5EF4-FFF2-40B4-BE49-F238E27FC236}">
+                <a16:creationId xmlns:a16="http://schemas.microsoft.com/office/drawing/2014/main" id="{CE1A4767-FE4D-56D1-40B2-262D4B5896C7}"/>
+              </a:ext>
+            </a:extLst>
+          </p:cNvPr>
+          <p:cNvSpPr/>
+          <p:nvPr/>
+        </p:nvSpPr>
+        <p:spPr>
+          <a:xfrm>
+            <a:off x="1118773" y="2953653"/>
+            <a:ext cx="1661602" cy="751537"/>
+          </a:xfrm>
+          <a:prstGeom prst="rect">
+            <a:avLst/>
+          </a:prstGeom>
+        </p:spPr>
+        <p:style>
+          <a:lnRef idx="2">
+            <a:schemeClr val="accent1">
+              <a:shade val="50000"/>
+            </a:schemeClr>
+          </a:lnRef>
+          <a:fillRef idx="1">
+            <a:schemeClr val="accent1"/>
+          </a:fillRef>
+          <a:effectRef idx="0">
+            <a:schemeClr val="accent1"/>
+          </a:effectRef>
+          <a:fontRef idx="minor">
+            <a:schemeClr val="lt1"/>
+          </a:fontRef>
+        </p:style>
+        <p:txBody>
+          <a:bodyPr rtlCol="0" anchor="ctr"/>
+          <a:lstStyle/>
+          <a:p>
+            <a:pPr algn="ctr"/>
+            <a:r>
+              <a:rPr lang="en-US" altLang="zh-CN" dirty="0"/>
+              <a:t>XORM</a:t>
+            </a:r>
+            <a:endParaRPr lang="zh-CN" altLang="en-US" dirty="0"/>
+          </a:p>
+        </p:txBody>
+      </p:sp>
+      <p:sp>
+        <p:nvSpPr>
+          <p:cNvPr id="12" name="矩形 11">
+            <a:extLst>
+              <a:ext uri="{FF2B5EF4-FFF2-40B4-BE49-F238E27FC236}">
+                <a16:creationId xmlns:a16="http://schemas.microsoft.com/office/drawing/2014/main" id="{D596708B-FC6D-BF5E-34FA-D9730BE8E7E6}"/>
+              </a:ext>
+            </a:extLst>
+          </p:cNvPr>
+          <p:cNvSpPr/>
+          <p:nvPr/>
+        </p:nvSpPr>
+        <p:spPr>
+          <a:xfrm>
+            <a:off x="3743005" y="3692778"/>
+            <a:ext cx="1661602" cy="751537"/>
+          </a:xfrm>
+          <a:prstGeom prst="rect">
+            <a:avLst/>
+          </a:prstGeom>
+        </p:spPr>
+        <p:style>
+          <a:lnRef idx="2">
+            <a:schemeClr val="accent1">
+              <a:shade val="50000"/>
+            </a:schemeClr>
+          </a:lnRef>
+          <a:fillRef idx="1">
+            <a:schemeClr val="accent1"/>
+          </a:fillRef>
+          <a:effectRef idx="0">
+            <a:schemeClr val="accent1"/>
+          </a:effectRef>
+          <a:fontRef idx="minor">
+            <a:schemeClr val="lt1"/>
+          </a:fontRef>
+        </p:style>
+        <p:txBody>
+          <a:bodyPr rtlCol="0" anchor="ctr"/>
+          <a:lstStyle/>
+          <a:p>
+            <a:pPr algn="ctr"/>
+            <a:r>
+              <a:rPr lang="en-US" altLang="zh-CN" dirty="0"/>
+              <a:t>_</a:t>
+            </a:r>
+            <a:r>
+              <a:rPr lang="en-US" altLang="zh-CN" dirty="0" err="1"/>
+              <a:t>XMeta</a:t>
+            </a:r>
+            <a:endParaRPr lang="zh-CN" altLang="en-US" dirty="0"/>
+          </a:p>
+        </p:txBody>
+      </p:sp>
+      <p:sp>
+        <p:nvSpPr>
+          <p:cNvPr id="14" name="矩形 13">
+            <a:extLst>
+              <a:ext uri="{FF2B5EF4-FFF2-40B4-BE49-F238E27FC236}">
+                <a16:creationId xmlns:a16="http://schemas.microsoft.com/office/drawing/2014/main" id="{4EAEFFBD-C790-40AB-8120-0ED2F6F3E3AA}"/>
+              </a:ext>
+            </a:extLst>
+          </p:cNvPr>
+          <p:cNvSpPr/>
+          <p:nvPr/>
+        </p:nvSpPr>
+        <p:spPr>
+          <a:xfrm>
+            <a:off x="6455593" y="3705358"/>
+            <a:ext cx="1661602" cy="751537"/>
+          </a:xfrm>
+          <a:prstGeom prst="rect">
+            <a:avLst/>
+          </a:prstGeom>
+          <a:solidFill>
+            <a:srgbClr val="C00000"/>
+          </a:solidFill>
+        </p:spPr>
+        <p:style>
+          <a:lnRef idx="2">
+            <a:schemeClr val="accent1">
+              <a:shade val="50000"/>
+            </a:schemeClr>
+          </a:lnRef>
+          <a:fillRef idx="1">
+            <a:schemeClr val="accent1"/>
+          </a:fillRef>
+          <a:effectRef idx="0">
+            <a:schemeClr val="accent1"/>
+          </a:effectRef>
+          <a:fontRef idx="minor">
+            <a:schemeClr val="lt1"/>
+          </a:fontRef>
+        </p:style>
+        <p:txBody>
+          <a:bodyPr rtlCol="0" anchor="ctr"/>
+          <a:lstStyle/>
+          <a:p>
+            <a:pPr algn="ctr"/>
+            <a:r>
+              <a:rPr lang="en-US" altLang="zh-CN" dirty="0"/>
+              <a:t>_</a:t>
+            </a:r>
+            <a:r>
+              <a:rPr lang="en-US" altLang="zh-CN" dirty="0" err="1"/>
+              <a:t>XView</a:t>
+            </a:r>
+            <a:endParaRPr lang="zh-CN" altLang="en-US" dirty="0"/>
+          </a:p>
+        </p:txBody>
+      </p:sp>
+      <p:sp>
+        <p:nvSpPr>
+          <p:cNvPr id="19" name="矩形 18">
+            <a:extLst>
+              <a:ext uri="{FF2B5EF4-FFF2-40B4-BE49-F238E27FC236}">
+                <a16:creationId xmlns:a16="http://schemas.microsoft.com/office/drawing/2014/main" id="{1DDE44B1-52E8-98C7-D898-D63D745B0F63}"/>
+              </a:ext>
+            </a:extLst>
+          </p:cNvPr>
+          <p:cNvSpPr/>
+          <p:nvPr/>
+        </p:nvSpPr>
+        <p:spPr>
+          <a:xfrm>
+            <a:off x="9171697" y="2941241"/>
+            <a:ext cx="1661602" cy="751537"/>
+          </a:xfrm>
+          <a:prstGeom prst="rect">
+            <a:avLst/>
+          </a:prstGeom>
+          <a:solidFill>
+            <a:srgbClr val="C00000"/>
+          </a:solidFill>
+        </p:spPr>
+        <p:style>
+          <a:lnRef idx="2">
+            <a:schemeClr val="accent1">
+              <a:shade val="50000"/>
+            </a:schemeClr>
+          </a:lnRef>
+          <a:fillRef idx="1">
+            <a:schemeClr val="accent1"/>
+          </a:fillRef>
+          <a:effectRef idx="0">
+            <a:schemeClr val="accent1"/>
+          </a:effectRef>
+          <a:fontRef idx="minor">
+            <a:schemeClr val="lt1"/>
+          </a:fontRef>
+        </p:style>
+        <p:txBody>
+          <a:bodyPr rtlCol="0" anchor="ctr"/>
+          <a:lstStyle/>
+          <a:p>
+            <a:pPr algn="ctr"/>
+            <a:r>
+              <a:rPr lang="en-US" altLang="zh-CN" dirty="0" err="1"/>
+              <a:t>XPage</a:t>
+            </a:r>
+            <a:endParaRPr lang="zh-CN" altLang="en-US" dirty="0"/>
+          </a:p>
+        </p:txBody>
+      </p:sp>
+      <p:sp>
+        <p:nvSpPr>
+          <p:cNvPr id="49" name="文本框 48">
+            <a:extLst>
+              <a:ext uri="{FF2B5EF4-FFF2-40B4-BE49-F238E27FC236}">
+                <a16:creationId xmlns:a16="http://schemas.microsoft.com/office/drawing/2014/main" id="{C76386B8-0A78-88D0-283F-26AEFDECAB74}"/>
               </a:ext>
             </a:extLst>
           </p:cNvPr>
@@ -5662,8 +4899,8 @@
         </p:nvSpPr>
         <p:spPr>
           <a:xfrm>
-            <a:off x="204105" y="506189"/>
-            <a:ext cx="2669723" cy="579665"/>
+            <a:off x="434689" y="267393"/>
+            <a:ext cx="2380430" cy="523220"/>
           </a:xfrm>
           <a:prstGeom prst="rect">
             <a:avLst/>
@@ -5677,17 +4914,903 @@
           <a:lstStyle/>
           <a:p>
             <a:r>
-              <a:rPr lang="en-US" altLang="zh-CN" sz="3200" b="1" dirty="0" err="1"/>
+              <a:rPr lang="zh-CN" altLang="en-US" sz="2800" b="1" dirty="0"/>
+              <a:t>差量流水线</a:t>
+            </a:r>
+          </a:p>
+        </p:txBody>
+      </p:sp>
+      <p:sp>
+        <p:nvSpPr>
+          <p:cNvPr id="2" name="矩形 1">
+            <a:extLst>
+              <a:ext uri="{FF2B5EF4-FFF2-40B4-BE49-F238E27FC236}">
+                <a16:creationId xmlns:a16="http://schemas.microsoft.com/office/drawing/2014/main" id="{D9D7C2E0-53A0-8A71-7E5A-41DA55453420}"/>
+              </a:ext>
+            </a:extLst>
+          </p:cNvPr>
+          <p:cNvSpPr/>
+          <p:nvPr/>
+        </p:nvSpPr>
+        <p:spPr>
+          <a:xfrm>
+            <a:off x="3739489" y="2941242"/>
+            <a:ext cx="1661602" cy="751537"/>
+          </a:xfrm>
+          <a:prstGeom prst="rect">
+            <a:avLst/>
+          </a:prstGeom>
+        </p:spPr>
+        <p:style>
+          <a:lnRef idx="2">
+            <a:schemeClr val="accent1">
+              <a:shade val="50000"/>
+            </a:schemeClr>
+          </a:lnRef>
+          <a:fillRef idx="1">
+            <a:schemeClr val="accent1"/>
+          </a:fillRef>
+          <a:effectRef idx="0">
+            <a:schemeClr val="accent1"/>
+          </a:effectRef>
+          <a:fontRef idx="minor">
+            <a:schemeClr val="lt1"/>
+          </a:fontRef>
+        </p:style>
+        <p:txBody>
+          <a:bodyPr rtlCol="0" anchor="ctr"/>
+          <a:lstStyle/>
+          <a:p>
+            <a:pPr algn="ctr"/>
+            <a:r>
+              <a:rPr lang="en-US" altLang="zh-CN" dirty="0" err="1"/>
+              <a:t>XMeta</a:t>
+            </a:r>
+            <a:endParaRPr lang="zh-CN" altLang="en-US" dirty="0"/>
+          </a:p>
+        </p:txBody>
+      </p:sp>
+      <p:sp>
+        <p:nvSpPr>
+          <p:cNvPr id="11" name="矩形 10">
+            <a:extLst>
+              <a:ext uri="{FF2B5EF4-FFF2-40B4-BE49-F238E27FC236}">
+                <a16:creationId xmlns:a16="http://schemas.microsoft.com/office/drawing/2014/main" id="{656E952D-7207-7257-2CE4-D3885B5052C3}"/>
+              </a:ext>
+            </a:extLst>
+          </p:cNvPr>
+          <p:cNvSpPr/>
+          <p:nvPr/>
+        </p:nvSpPr>
+        <p:spPr>
+          <a:xfrm>
+            <a:off x="6455593" y="2953653"/>
+            <a:ext cx="1661602" cy="751537"/>
+          </a:xfrm>
+          <a:prstGeom prst="rect">
+            <a:avLst/>
+          </a:prstGeom>
+          <a:solidFill>
+            <a:srgbClr val="C00000"/>
+          </a:solidFill>
+        </p:spPr>
+        <p:style>
+          <a:lnRef idx="2">
+            <a:schemeClr val="accent1">
+              <a:shade val="50000"/>
+            </a:schemeClr>
+          </a:lnRef>
+          <a:fillRef idx="1">
+            <a:schemeClr val="accent1"/>
+          </a:fillRef>
+          <a:effectRef idx="0">
+            <a:schemeClr val="accent1"/>
+          </a:effectRef>
+          <a:fontRef idx="minor">
+            <a:schemeClr val="lt1"/>
+          </a:fontRef>
+        </p:style>
+        <p:txBody>
+          <a:bodyPr rtlCol="0" anchor="ctr"/>
+          <a:lstStyle/>
+          <a:p>
+            <a:pPr algn="ctr"/>
+            <a:r>
+              <a:rPr lang="en-US" altLang="zh-CN" dirty="0" err="1"/>
+              <a:t>XView</a:t>
+            </a:r>
+            <a:endParaRPr lang="en-US" altLang="zh-CN" dirty="0"/>
+          </a:p>
+        </p:txBody>
+      </p:sp>
+      <p:sp>
+        <p:nvSpPr>
+          <p:cNvPr id="22" name="矩形 21">
+            <a:extLst>
+              <a:ext uri="{FF2B5EF4-FFF2-40B4-BE49-F238E27FC236}">
+                <a16:creationId xmlns:a16="http://schemas.microsoft.com/office/drawing/2014/main" id="{CA4418D9-C431-D727-C854-E7CFD25EAA57}"/>
+              </a:ext>
+            </a:extLst>
+          </p:cNvPr>
+          <p:cNvSpPr/>
+          <p:nvPr/>
+        </p:nvSpPr>
+        <p:spPr>
+          <a:xfrm>
+            <a:off x="9170477" y="3691632"/>
+            <a:ext cx="1661602" cy="751537"/>
+          </a:xfrm>
+          <a:prstGeom prst="rect">
+            <a:avLst/>
+          </a:prstGeom>
+          <a:solidFill>
+            <a:srgbClr val="C00000"/>
+          </a:solidFill>
+        </p:spPr>
+        <p:style>
+          <a:lnRef idx="2">
+            <a:schemeClr val="accent1">
+              <a:shade val="50000"/>
+            </a:schemeClr>
+          </a:lnRef>
+          <a:fillRef idx="1">
+            <a:schemeClr val="accent1"/>
+          </a:fillRef>
+          <a:effectRef idx="0">
+            <a:schemeClr val="accent1"/>
+          </a:effectRef>
+          <a:fontRef idx="minor">
+            <a:schemeClr val="lt1"/>
+          </a:fontRef>
+        </p:style>
+        <p:txBody>
+          <a:bodyPr rtlCol="0" anchor="ctr"/>
+          <a:lstStyle/>
+          <a:p>
+            <a:pPr algn="ctr"/>
+            <a:r>
+              <a:rPr lang="en-US" altLang="zh-CN" dirty="0"/>
+              <a:t>_</a:t>
+            </a:r>
+            <a:r>
+              <a:rPr lang="en-US" altLang="zh-CN" dirty="0" err="1"/>
+              <a:t>XPage</a:t>
+            </a:r>
+            <a:endParaRPr lang="zh-CN" altLang="en-US" dirty="0"/>
+          </a:p>
+        </p:txBody>
+      </p:sp>
+      <p:sp>
+        <p:nvSpPr>
+          <p:cNvPr id="7" name="椭圆 6">
+            <a:extLst>
+              <a:ext uri="{FF2B5EF4-FFF2-40B4-BE49-F238E27FC236}">
+                <a16:creationId xmlns:a16="http://schemas.microsoft.com/office/drawing/2014/main" id="{C8313F1A-B63D-3A10-E8C1-AB28C38E41FE}"/>
+              </a:ext>
+            </a:extLst>
+          </p:cNvPr>
+          <p:cNvSpPr/>
+          <p:nvPr/>
+        </p:nvSpPr>
+        <p:spPr>
+          <a:xfrm>
+            <a:off x="1119759" y="5255029"/>
+            <a:ext cx="1661602" cy="751537"/>
+          </a:xfrm>
+          <a:prstGeom prst="ellipse">
+            <a:avLst/>
+          </a:prstGeom>
+          <a:solidFill>
+            <a:srgbClr val="7030A0"/>
+          </a:solidFill>
+        </p:spPr>
+        <p:style>
+          <a:lnRef idx="2">
+            <a:schemeClr val="accent1">
+              <a:shade val="50000"/>
+            </a:schemeClr>
+          </a:lnRef>
+          <a:fillRef idx="1">
+            <a:schemeClr val="accent1"/>
+          </a:fillRef>
+          <a:effectRef idx="0">
+            <a:schemeClr val="accent1"/>
+          </a:effectRef>
+          <a:fontRef idx="minor">
+            <a:schemeClr val="lt1"/>
+          </a:fontRef>
+        </p:style>
+        <p:txBody>
+          <a:bodyPr rtlCol="0" anchor="ctr"/>
+          <a:lstStyle/>
+          <a:p>
+            <a:pPr algn="ctr"/>
+            <a:r>
+              <a:rPr lang="en-US" altLang="zh-CN" dirty="0"/>
+              <a:t>Excel</a:t>
+            </a:r>
+            <a:endParaRPr lang="zh-CN" altLang="en-US" dirty="0"/>
+          </a:p>
+        </p:txBody>
+      </p:sp>
+      <p:sp>
+        <p:nvSpPr>
+          <p:cNvPr id="8" name="箭头: 右 7">
+            <a:extLst>
+              <a:ext uri="{FF2B5EF4-FFF2-40B4-BE49-F238E27FC236}">
+                <a16:creationId xmlns:a16="http://schemas.microsoft.com/office/drawing/2014/main" id="{5B1CFA59-D8A1-E062-7710-F234E2186247}"/>
+              </a:ext>
+            </a:extLst>
+          </p:cNvPr>
+          <p:cNvSpPr/>
+          <p:nvPr/>
+        </p:nvSpPr>
+        <p:spPr>
+          <a:xfrm rot="16200000">
+            <a:off x="1632536" y="4765617"/>
+            <a:ext cx="529841" cy="202391"/>
+          </a:xfrm>
+          <a:prstGeom prst="rightArrow">
+            <a:avLst/>
+          </a:prstGeom>
+        </p:spPr>
+        <p:style>
+          <a:lnRef idx="2">
+            <a:schemeClr val="accent1">
+              <a:shade val="50000"/>
+            </a:schemeClr>
+          </a:lnRef>
+          <a:fillRef idx="1">
+            <a:schemeClr val="accent1"/>
+          </a:fillRef>
+          <a:effectRef idx="0">
+            <a:schemeClr val="accent1"/>
+          </a:effectRef>
+          <a:fontRef idx="minor">
+            <a:schemeClr val="lt1"/>
+          </a:fontRef>
+        </p:style>
+        <p:txBody>
+          <a:bodyPr rtlCol="0" anchor="ctr"/>
+          <a:lstStyle/>
+          <a:p>
+            <a:pPr algn="ctr"/>
+            <a:endParaRPr lang="zh-CN" altLang="en-US"/>
+          </a:p>
+        </p:txBody>
+      </p:sp>
+      <p:sp>
+        <p:nvSpPr>
+          <p:cNvPr id="15" name="文本框 14">
+            <a:extLst>
+              <a:ext uri="{FF2B5EF4-FFF2-40B4-BE49-F238E27FC236}">
+                <a16:creationId xmlns:a16="http://schemas.microsoft.com/office/drawing/2014/main" id="{AC6C489F-E051-914F-A225-76E8289574A4}"/>
+              </a:ext>
+            </a:extLst>
+          </p:cNvPr>
+          <p:cNvSpPr txBox="1"/>
+          <p:nvPr/>
+        </p:nvSpPr>
+        <p:spPr>
+          <a:xfrm>
+            <a:off x="2049427" y="4677527"/>
+            <a:ext cx="708917" cy="369332"/>
+          </a:xfrm>
+          <a:prstGeom prst="rect">
+            <a:avLst/>
+          </a:prstGeom>
+          <a:noFill/>
+        </p:spPr>
+        <p:txBody>
+          <a:bodyPr wrap="square" rtlCol="0">
+            <a:spAutoFit/>
+          </a:bodyPr>
+          <a:lstStyle/>
+          <a:p>
+            <a:r>
+              <a:rPr lang="zh-CN" altLang="en-US" dirty="0"/>
+              <a:t>生成</a:t>
+            </a:r>
+          </a:p>
+        </p:txBody>
+      </p:sp>
+      <p:sp>
+        <p:nvSpPr>
+          <p:cNvPr id="26" name="椭圆 25">
+            <a:extLst>
+              <a:ext uri="{FF2B5EF4-FFF2-40B4-BE49-F238E27FC236}">
+                <a16:creationId xmlns:a16="http://schemas.microsoft.com/office/drawing/2014/main" id="{FAFE2A35-9FD0-1A68-9CAD-731A094AA618}"/>
+              </a:ext>
+            </a:extLst>
+          </p:cNvPr>
+          <p:cNvSpPr/>
+          <p:nvPr/>
+        </p:nvSpPr>
+        <p:spPr>
+          <a:xfrm>
+            <a:off x="9171697" y="1267187"/>
+            <a:ext cx="1661602" cy="751537"/>
+          </a:xfrm>
+          <a:prstGeom prst="ellipse">
+            <a:avLst/>
+          </a:prstGeom>
+          <a:solidFill>
+            <a:srgbClr val="7030A0"/>
+          </a:solidFill>
+        </p:spPr>
+        <p:style>
+          <a:lnRef idx="2">
+            <a:schemeClr val="accent1">
+              <a:shade val="50000"/>
+            </a:schemeClr>
+          </a:lnRef>
+          <a:fillRef idx="1">
+            <a:schemeClr val="accent1"/>
+          </a:fillRef>
+          <a:effectRef idx="0">
+            <a:schemeClr val="accent1"/>
+          </a:effectRef>
+          <a:fontRef idx="minor">
+            <a:schemeClr val="lt1"/>
+          </a:fontRef>
+        </p:style>
+        <p:txBody>
+          <a:bodyPr rtlCol="0" anchor="ctr"/>
+          <a:lstStyle/>
+          <a:p>
+            <a:pPr algn="ctr"/>
+            <a:r>
+              <a:rPr lang="zh-CN" altLang="en-US" dirty="0"/>
+              <a:t>界面</a:t>
+            </a:r>
+          </a:p>
+        </p:txBody>
+      </p:sp>
+      <p:sp>
+        <p:nvSpPr>
+          <p:cNvPr id="27" name="箭头: 右 26">
+            <a:extLst>
+              <a:ext uri="{FF2B5EF4-FFF2-40B4-BE49-F238E27FC236}">
+                <a16:creationId xmlns:a16="http://schemas.microsoft.com/office/drawing/2014/main" id="{0705D658-343D-D9A0-4C7A-321BC4AEAD24}"/>
+              </a:ext>
+            </a:extLst>
+          </p:cNvPr>
+          <p:cNvSpPr/>
+          <p:nvPr/>
+        </p:nvSpPr>
+        <p:spPr>
+          <a:xfrm rot="16200000">
+            <a:off x="9655636" y="2400626"/>
+            <a:ext cx="588892" cy="184934"/>
+          </a:xfrm>
+          <a:prstGeom prst="rightArrow">
+            <a:avLst>
+              <a:gd name="adj1" fmla="val 62154"/>
+              <a:gd name="adj2" fmla="val 50000"/>
+            </a:avLst>
+          </a:prstGeom>
+        </p:spPr>
+        <p:style>
+          <a:lnRef idx="2">
+            <a:schemeClr val="accent1">
+              <a:shade val="50000"/>
+            </a:schemeClr>
+          </a:lnRef>
+          <a:fillRef idx="1">
+            <a:schemeClr val="accent1"/>
+          </a:fillRef>
+          <a:effectRef idx="0">
+            <a:schemeClr val="accent1"/>
+          </a:effectRef>
+          <a:fontRef idx="minor">
+            <a:schemeClr val="lt1"/>
+          </a:fontRef>
+        </p:style>
+        <p:txBody>
+          <a:bodyPr rtlCol="0" anchor="ctr"/>
+          <a:lstStyle/>
+          <a:p>
+            <a:pPr algn="ctr"/>
+            <a:endParaRPr lang="zh-CN" altLang="en-US"/>
+          </a:p>
+        </p:txBody>
+      </p:sp>
+      <p:sp>
+        <p:nvSpPr>
+          <p:cNvPr id="28" name="文本框 27">
+            <a:extLst>
+              <a:ext uri="{FF2B5EF4-FFF2-40B4-BE49-F238E27FC236}">
+                <a16:creationId xmlns:a16="http://schemas.microsoft.com/office/drawing/2014/main" id="{7CE677EA-6653-B122-5525-0AF100D20D78}"/>
+              </a:ext>
+            </a:extLst>
+          </p:cNvPr>
+          <p:cNvSpPr txBox="1"/>
+          <p:nvPr/>
+        </p:nvSpPr>
+        <p:spPr>
+          <a:xfrm>
+            <a:off x="10128609" y="2303996"/>
+            <a:ext cx="921004" cy="369332"/>
+          </a:xfrm>
+          <a:prstGeom prst="rect">
+            <a:avLst/>
+          </a:prstGeom>
+          <a:noFill/>
+        </p:spPr>
+        <p:txBody>
+          <a:bodyPr wrap="square" rtlCol="0">
+            <a:spAutoFit/>
+          </a:bodyPr>
+          <a:lstStyle/>
+          <a:p>
+            <a:r>
+              <a:rPr lang="en-US" altLang="zh-CN" dirty="0"/>
+              <a:t>Render</a:t>
+            </a:r>
+            <a:endParaRPr lang="zh-CN" altLang="en-US" dirty="0"/>
+          </a:p>
+        </p:txBody>
+      </p:sp>
+      <p:cxnSp>
+        <p:nvCxnSpPr>
+          <p:cNvPr id="42" name="直接连接符 41">
+            <a:extLst>
+              <a:ext uri="{FF2B5EF4-FFF2-40B4-BE49-F238E27FC236}">
+                <a16:creationId xmlns:a16="http://schemas.microsoft.com/office/drawing/2014/main" id="{D50D6AB5-4D89-4BA6-A7E8-F8E26F6D2885}"/>
+              </a:ext>
+            </a:extLst>
+          </p:cNvPr>
+          <p:cNvCxnSpPr>
+            <a:cxnSpLocks/>
+          </p:cNvCxnSpPr>
+          <p:nvPr/>
+        </p:nvCxnSpPr>
+        <p:spPr>
+          <a:xfrm>
+            <a:off x="5900792" y="2749600"/>
+            <a:ext cx="0" cy="4018151"/>
+          </a:xfrm>
+          <a:prstGeom prst="line">
+            <a:avLst/>
+          </a:prstGeom>
+          <a:ln>
+            <a:solidFill>
+              <a:schemeClr val="accent1"/>
+            </a:solidFill>
+            <a:prstDash val="dash"/>
+          </a:ln>
+        </p:spPr>
+        <p:style>
+          <a:lnRef idx="1">
+            <a:schemeClr val="accent1"/>
+          </a:lnRef>
+          <a:fillRef idx="0">
+            <a:schemeClr val="accent1"/>
+          </a:fillRef>
+          <a:effectRef idx="0">
+            <a:schemeClr val="accent1"/>
+          </a:effectRef>
+          <a:fontRef idx="minor">
+            <a:schemeClr val="tx1"/>
+          </a:fontRef>
+        </p:style>
+      </p:cxnSp>
+      <p:sp>
+        <p:nvSpPr>
+          <p:cNvPr id="16" name="文本框 15">
+            <a:extLst>
+              <a:ext uri="{FF2B5EF4-FFF2-40B4-BE49-F238E27FC236}">
+                <a16:creationId xmlns:a16="http://schemas.microsoft.com/office/drawing/2014/main" id="{07128EE0-A808-4AAB-488A-DAAF10473AC0}"/>
+              </a:ext>
+            </a:extLst>
+          </p:cNvPr>
+          <p:cNvSpPr txBox="1"/>
+          <p:nvPr/>
+        </p:nvSpPr>
+        <p:spPr>
+          <a:xfrm>
+            <a:off x="2871297" y="2813342"/>
+            <a:ext cx="708917" cy="369332"/>
+          </a:xfrm>
+          <a:prstGeom prst="rect">
+            <a:avLst/>
+          </a:prstGeom>
+          <a:noFill/>
+        </p:spPr>
+        <p:txBody>
+          <a:bodyPr wrap="square" rtlCol="0">
+            <a:spAutoFit/>
+          </a:bodyPr>
+          <a:lstStyle/>
+          <a:p>
+            <a:r>
+              <a:rPr lang="zh-CN" altLang="en-US" dirty="0"/>
+              <a:t>生成</a:t>
+            </a:r>
+          </a:p>
+        </p:txBody>
+      </p:sp>
+      <p:sp>
+        <p:nvSpPr>
+          <p:cNvPr id="18" name="文本框 17">
+            <a:extLst>
+              <a:ext uri="{FF2B5EF4-FFF2-40B4-BE49-F238E27FC236}">
+                <a16:creationId xmlns:a16="http://schemas.microsoft.com/office/drawing/2014/main" id="{035EADB8-B836-BBCB-4B3A-4AD98E84DCBD}"/>
+              </a:ext>
+            </a:extLst>
+          </p:cNvPr>
+          <p:cNvSpPr txBox="1"/>
+          <p:nvPr/>
+        </p:nvSpPr>
+        <p:spPr>
+          <a:xfrm>
+            <a:off x="5581843" y="2848847"/>
+            <a:ext cx="708917" cy="369332"/>
+          </a:xfrm>
+          <a:prstGeom prst="rect">
+            <a:avLst/>
+          </a:prstGeom>
+          <a:noFill/>
+        </p:spPr>
+        <p:txBody>
+          <a:bodyPr wrap="square" rtlCol="0">
+            <a:spAutoFit/>
+          </a:bodyPr>
+          <a:lstStyle/>
+          <a:p>
+            <a:r>
+              <a:rPr lang="zh-CN" altLang="en-US" dirty="0"/>
+              <a:t>生成</a:t>
+            </a:r>
+          </a:p>
+        </p:txBody>
+      </p:sp>
+      <p:sp>
+        <p:nvSpPr>
+          <p:cNvPr id="21" name="矩形 20">
+            <a:extLst>
+              <a:ext uri="{FF2B5EF4-FFF2-40B4-BE49-F238E27FC236}">
+                <a16:creationId xmlns:a16="http://schemas.microsoft.com/office/drawing/2014/main" id="{53272BCD-B3A7-5DDB-7DF7-DE9D53F7B669}"/>
+              </a:ext>
+            </a:extLst>
+          </p:cNvPr>
+          <p:cNvSpPr/>
+          <p:nvPr/>
+        </p:nvSpPr>
+        <p:spPr>
+          <a:xfrm>
+            <a:off x="3744932" y="1393457"/>
+            <a:ext cx="1661602" cy="751537"/>
+          </a:xfrm>
+          <a:prstGeom prst="rect">
+            <a:avLst/>
+          </a:prstGeom>
+        </p:spPr>
+        <p:style>
+          <a:lnRef idx="2">
+            <a:schemeClr val="accent1">
+              <a:shade val="50000"/>
+            </a:schemeClr>
+          </a:lnRef>
+          <a:fillRef idx="1">
+            <a:schemeClr val="accent1"/>
+          </a:fillRef>
+          <a:effectRef idx="0">
+            <a:schemeClr val="accent1"/>
+          </a:effectRef>
+          <a:fontRef idx="minor">
+            <a:schemeClr val="lt1"/>
+          </a:fontRef>
+        </p:style>
+        <p:txBody>
+          <a:bodyPr rtlCol="0" anchor="ctr"/>
+          <a:lstStyle/>
+          <a:p>
+            <a:pPr algn="ctr"/>
+            <a:r>
+              <a:rPr lang="en-US" altLang="zh-CN" dirty="0" err="1"/>
+              <a:t>GraphQL</a:t>
+            </a:r>
+            <a:endParaRPr lang="zh-CN" altLang="en-US" dirty="0"/>
+          </a:p>
+        </p:txBody>
+      </p:sp>
+      <p:sp>
+        <p:nvSpPr>
+          <p:cNvPr id="36" name="箭头: 上 35">
+            <a:extLst>
+              <a:ext uri="{FF2B5EF4-FFF2-40B4-BE49-F238E27FC236}">
+                <a16:creationId xmlns:a16="http://schemas.microsoft.com/office/drawing/2014/main" id="{AF326EC7-1256-780A-B70E-2888D1738247}"/>
+              </a:ext>
+            </a:extLst>
+          </p:cNvPr>
+          <p:cNvSpPr/>
+          <p:nvPr/>
+        </p:nvSpPr>
+        <p:spPr>
+          <a:xfrm>
+            <a:off x="4436907" y="2299827"/>
+            <a:ext cx="168315" cy="369331"/>
+          </a:xfrm>
+          <a:prstGeom prst="upArrow">
+            <a:avLst/>
+          </a:prstGeom>
+        </p:spPr>
+        <p:style>
+          <a:lnRef idx="2">
+            <a:schemeClr val="accent1">
+              <a:shade val="50000"/>
+            </a:schemeClr>
+          </a:lnRef>
+          <a:fillRef idx="1">
+            <a:schemeClr val="accent1"/>
+          </a:fillRef>
+          <a:effectRef idx="0">
+            <a:schemeClr val="accent1"/>
+          </a:effectRef>
+          <a:fontRef idx="minor">
+            <a:schemeClr val="lt1"/>
+          </a:fontRef>
+        </p:style>
+        <p:txBody>
+          <a:bodyPr rtlCol="0" anchor="ctr"/>
+          <a:lstStyle/>
+          <a:p>
+            <a:pPr algn="ctr"/>
+            <a:endParaRPr lang="zh-CN" altLang="en-US"/>
+          </a:p>
+        </p:txBody>
+      </p:sp>
+      <p:sp>
+        <p:nvSpPr>
+          <p:cNvPr id="37" name="文本框 36">
+            <a:extLst>
+              <a:ext uri="{FF2B5EF4-FFF2-40B4-BE49-F238E27FC236}">
+                <a16:creationId xmlns:a16="http://schemas.microsoft.com/office/drawing/2014/main" id="{0A0BDC57-58BE-9A32-3FB7-E926CFEAEE82}"/>
+              </a:ext>
+            </a:extLst>
+          </p:cNvPr>
+          <p:cNvSpPr txBox="1"/>
+          <p:nvPr/>
+        </p:nvSpPr>
+        <p:spPr>
+          <a:xfrm>
+            <a:off x="4693796" y="2287587"/>
+            <a:ext cx="1220709" cy="369332"/>
+          </a:xfrm>
+          <a:prstGeom prst="rect">
+            <a:avLst/>
+          </a:prstGeom>
+          <a:noFill/>
+        </p:spPr>
+        <p:txBody>
+          <a:bodyPr wrap="square" rtlCol="0">
+            <a:spAutoFit/>
+          </a:bodyPr>
+          <a:lstStyle/>
+          <a:p>
+            <a:r>
+              <a:rPr lang="en-US" altLang="zh-CN" dirty="0" err="1"/>
               <a:t>BizModel</a:t>
             </a:r>
-            <a:endParaRPr lang="zh-CN" altLang="en-US" sz="3200" b="1" dirty="0"/>
+            <a:endParaRPr lang="en-US" altLang="zh-CN" dirty="0"/>
+          </a:p>
+        </p:txBody>
+      </p:sp>
+      <p:sp>
+        <p:nvSpPr>
+          <p:cNvPr id="41" name="加号 40">
+            <a:extLst>
+              <a:ext uri="{FF2B5EF4-FFF2-40B4-BE49-F238E27FC236}">
+                <a16:creationId xmlns:a16="http://schemas.microsoft.com/office/drawing/2014/main" id="{9231E943-E955-B34C-F9CC-CCDADFCEF50E}"/>
+              </a:ext>
+            </a:extLst>
+          </p:cNvPr>
+          <p:cNvSpPr/>
+          <p:nvPr/>
+        </p:nvSpPr>
+        <p:spPr>
+          <a:xfrm>
+            <a:off x="4348332" y="2322000"/>
+            <a:ext cx="345464" cy="369332"/>
+          </a:xfrm>
+          <a:prstGeom prst="mathPlus">
+            <a:avLst/>
+          </a:prstGeom>
+        </p:spPr>
+        <p:style>
+          <a:lnRef idx="2">
+            <a:schemeClr val="accent1">
+              <a:shade val="50000"/>
+            </a:schemeClr>
+          </a:lnRef>
+          <a:fillRef idx="1">
+            <a:schemeClr val="accent1"/>
+          </a:fillRef>
+          <a:effectRef idx="0">
+            <a:schemeClr val="accent1"/>
+          </a:effectRef>
+          <a:fontRef idx="minor">
+            <a:schemeClr val="lt1"/>
+          </a:fontRef>
+        </p:style>
+        <p:txBody>
+          <a:bodyPr rtlCol="0" anchor="ctr"/>
+          <a:lstStyle/>
+          <a:p>
+            <a:pPr algn="ctr"/>
+            <a:endParaRPr lang="zh-CN" altLang="en-US"/>
+          </a:p>
+        </p:txBody>
+      </p:sp>
+      <p:cxnSp>
+        <p:nvCxnSpPr>
+          <p:cNvPr id="50" name="连接符: 肘形 49">
+            <a:extLst>
+              <a:ext uri="{FF2B5EF4-FFF2-40B4-BE49-F238E27FC236}">
+                <a16:creationId xmlns:a16="http://schemas.microsoft.com/office/drawing/2014/main" id="{D53C0396-B1E4-2401-DA0E-CCA76C4CC91E}"/>
+              </a:ext>
+            </a:extLst>
+          </p:cNvPr>
+          <p:cNvCxnSpPr>
+            <a:cxnSpLocks/>
+          </p:cNvCxnSpPr>
+          <p:nvPr/>
+        </p:nvCxnSpPr>
+        <p:spPr>
+          <a:xfrm>
+            <a:off x="2878955" y="3380746"/>
+            <a:ext cx="763177" cy="590140"/>
+          </a:xfrm>
+          <a:prstGeom prst="bentConnector3">
+            <a:avLst>
+              <a:gd name="adj1" fmla="val 50000"/>
+            </a:avLst>
+          </a:prstGeom>
+          <a:ln w="53975">
+            <a:tailEnd type="triangle"/>
+          </a:ln>
+        </p:spPr>
+        <p:style>
+          <a:lnRef idx="1">
+            <a:schemeClr val="accent1"/>
+          </a:lnRef>
+          <a:fillRef idx="0">
+            <a:schemeClr val="accent1"/>
+          </a:fillRef>
+          <a:effectRef idx="0">
+            <a:schemeClr val="accent1"/>
+          </a:effectRef>
+          <a:fontRef idx="minor">
+            <a:schemeClr val="tx1"/>
+          </a:fontRef>
+        </p:style>
+      </p:cxnSp>
+      <p:cxnSp>
+        <p:nvCxnSpPr>
+          <p:cNvPr id="56" name="连接符: 肘形 55">
+            <a:extLst>
+              <a:ext uri="{FF2B5EF4-FFF2-40B4-BE49-F238E27FC236}">
+                <a16:creationId xmlns:a16="http://schemas.microsoft.com/office/drawing/2014/main" id="{57F9F954-A1D8-9A79-F3ED-BD312B9031E7}"/>
+              </a:ext>
+            </a:extLst>
+          </p:cNvPr>
+          <p:cNvCxnSpPr>
+            <a:cxnSpLocks/>
+          </p:cNvCxnSpPr>
+          <p:nvPr/>
+        </p:nvCxnSpPr>
+        <p:spPr>
+          <a:xfrm>
+            <a:off x="5531645" y="3430406"/>
+            <a:ext cx="763177" cy="590140"/>
+          </a:xfrm>
+          <a:prstGeom prst="bentConnector3">
+            <a:avLst>
+              <a:gd name="adj1" fmla="val 50000"/>
+            </a:avLst>
+          </a:prstGeom>
+          <a:ln w="53975">
+            <a:tailEnd type="triangle"/>
+          </a:ln>
+        </p:spPr>
+        <p:style>
+          <a:lnRef idx="1">
+            <a:schemeClr val="accent1"/>
+          </a:lnRef>
+          <a:fillRef idx="0">
+            <a:schemeClr val="accent1"/>
+          </a:fillRef>
+          <a:effectRef idx="0">
+            <a:schemeClr val="accent1"/>
+          </a:effectRef>
+          <a:fontRef idx="minor">
+            <a:schemeClr val="tx1"/>
+          </a:fontRef>
+        </p:style>
+      </p:cxnSp>
+      <p:cxnSp>
+        <p:nvCxnSpPr>
+          <p:cNvPr id="57" name="连接符: 肘形 56">
+            <a:extLst>
+              <a:ext uri="{FF2B5EF4-FFF2-40B4-BE49-F238E27FC236}">
+                <a16:creationId xmlns:a16="http://schemas.microsoft.com/office/drawing/2014/main" id="{69B37F02-B6DF-3079-E988-DFAEC8F2B29E}"/>
+              </a:ext>
+            </a:extLst>
+          </p:cNvPr>
+          <p:cNvCxnSpPr>
+            <a:cxnSpLocks/>
+          </p:cNvCxnSpPr>
+          <p:nvPr/>
+        </p:nvCxnSpPr>
+        <p:spPr>
+          <a:xfrm>
+            <a:off x="8273129" y="3428696"/>
+            <a:ext cx="763177" cy="590140"/>
+          </a:xfrm>
+          <a:prstGeom prst="bentConnector3">
+            <a:avLst>
+              <a:gd name="adj1" fmla="val 50000"/>
+            </a:avLst>
+          </a:prstGeom>
+          <a:ln w="53975">
+            <a:tailEnd type="triangle"/>
+          </a:ln>
+        </p:spPr>
+        <p:style>
+          <a:lnRef idx="1">
+            <a:schemeClr val="accent1"/>
+          </a:lnRef>
+          <a:fillRef idx="0">
+            <a:schemeClr val="accent1"/>
+          </a:fillRef>
+          <a:effectRef idx="0">
+            <a:schemeClr val="accent1"/>
+          </a:effectRef>
+          <a:fontRef idx="minor">
+            <a:schemeClr val="tx1"/>
+          </a:fontRef>
+        </p:style>
+      </p:cxnSp>
+      <p:sp>
+        <p:nvSpPr>
+          <p:cNvPr id="59" name="文本框 58">
+            <a:extLst>
+              <a:ext uri="{FF2B5EF4-FFF2-40B4-BE49-F238E27FC236}">
+                <a16:creationId xmlns:a16="http://schemas.microsoft.com/office/drawing/2014/main" id="{61EA4447-5C5C-F1A0-4594-4664B9C02180}"/>
+              </a:ext>
+            </a:extLst>
+          </p:cNvPr>
+          <p:cNvSpPr txBox="1"/>
+          <p:nvPr/>
+        </p:nvSpPr>
+        <p:spPr>
+          <a:xfrm>
+            <a:off x="8179491" y="2847137"/>
+            <a:ext cx="708917" cy="369332"/>
+          </a:xfrm>
+          <a:prstGeom prst="rect">
+            <a:avLst/>
+          </a:prstGeom>
+          <a:noFill/>
+        </p:spPr>
+        <p:txBody>
+          <a:bodyPr wrap="square" rtlCol="0">
+            <a:spAutoFit/>
+          </a:bodyPr>
+          <a:lstStyle/>
+          <a:p>
+            <a:r>
+              <a:rPr lang="zh-CN" altLang="en-US" dirty="0"/>
+              <a:t>生成</a:t>
+            </a:r>
           </a:p>
         </p:txBody>
       </p:sp>
     </p:spTree>
     <p:extLst>
       <p:ext uri="{BB962C8B-B14F-4D97-AF65-F5344CB8AC3E}">
-        <p14:creationId xmlns:p14="http://schemas.microsoft.com/office/powerpoint/2010/main" val="881827011"/>
+        <p14:creationId xmlns:p14="http://schemas.microsoft.com/office/powerpoint/2010/main" val="138928013"/>
       </p:ext>
     </p:extLst>
   </p:cSld>
@@ -5714,40 +5837,42 @@
           <a:chExt cx="0" cy="0"/>
         </a:xfrm>
       </p:grpSpPr>
-      <p:sp>
-        <p:nvSpPr>
-          <p:cNvPr id="2" name="标题 1">
-            <a:extLst>
-              <a:ext uri="{FF2B5EF4-FFF2-40B4-BE49-F238E27FC236}">
-                <a16:creationId xmlns:a16="http://schemas.microsoft.com/office/drawing/2014/main" id="{7B078A78-F1A6-B200-A327-496477BABCB1}"/>
-              </a:ext>
-            </a:extLst>
-          </p:cNvPr>
-          <p:cNvSpPr>
-            <a:spLocks noGrp="1"/>
-          </p:cNvSpPr>
-          <p:nvPr>
-            <p:ph type="title"/>
-          </p:nvPr>
-        </p:nvSpPr>
-        <p:spPr/>
-        <p:txBody>
-          <a:bodyPr/>
-          <a:lstStyle/>
-          <a:p>
-            <a:r>
-              <a:rPr lang="zh-CN" altLang="en-US" b="1" dirty="0"/>
-              <a:t>在金融科技方面的应用</a:t>
-            </a:r>
-          </a:p>
-        </p:txBody>
-      </p:sp>
-      <p:sp>
-        <p:nvSpPr>
-          <p:cNvPr id="3" name="文本框 2">
-            <a:extLst>
-              <a:ext uri="{FF2B5EF4-FFF2-40B4-BE49-F238E27FC236}">
-                <a16:creationId xmlns:a16="http://schemas.microsoft.com/office/drawing/2014/main" id="{ECE04C1C-1A27-7EF8-F549-0CA12B0352B7}"/>
+      <p:pic>
+        <p:nvPicPr>
+          <p:cNvPr id="3" name="图片 2">
+            <a:extLst>
+              <a:ext uri="{FF2B5EF4-FFF2-40B4-BE49-F238E27FC236}">
+                <a16:creationId xmlns:a16="http://schemas.microsoft.com/office/drawing/2014/main" id="{AC87EDDB-1E43-486E-03E5-6E6C0523EFB0}"/>
+              </a:ext>
+            </a:extLst>
+          </p:cNvPr>
+          <p:cNvPicPr>
+            <a:picLocks noChangeAspect="1"/>
+          </p:cNvPicPr>
+          <p:nvPr/>
+        </p:nvPicPr>
+        <p:blipFill>
+          <a:blip r:embed="rId2"/>
+          <a:stretch>
+            <a:fillRect/>
+          </a:stretch>
+        </p:blipFill>
+        <p:spPr>
+          <a:xfrm>
+            <a:off x="1547130" y="506189"/>
+            <a:ext cx="8726076" cy="6328222"/>
+          </a:xfrm>
+          <a:prstGeom prst="rect">
+            <a:avLst/>
+          </a:prstGeom>
+        </p:spPr>
+      </p:pic>
+      <p:sp>
+        <p:nvSpPr>
+          <p:cNvPr id="8" name="文本框 7">
+            <a:extLst>
+              <a:ext uri="{FF2B5EF4-FFF2-40B4-BE49-F238E27FC236}">
+                <a16:creationId xmlns:a16="http://schemas.microsoft.com/office/drawing/2014/main" id="{DFB1FE9B-8B28-28F7-2F2F-187EBC612C0D}"/>
               </a:ext>
             </a:extLst>
           </p:cNvPr>
@@ -5756,8 +5881,8 @@
         </p:nvSpPr>
         <p:spPr>
           <a:xfrm>
-            <a:off x="930729" y="1828800"/>
-            <a:ext cx="7780564" cy="4062651"/>
+            <a:off x="204105" y="506189"/>
+            <a:ext cx="2669723" cy="579665"/>
           </a:xfrm>
           <a:prstGeom prst="rect">
             <a:avLst/>
@@ -5770,188 +5895,18 @@
           </a:bodyPr>
           <a:lstStyle/>
           <a:p>
-            <a:pPr marL="342900" indent="-342900">
-              <a:buFont typeface="Wingdings" panose="05000000000000000000" pitchFamily="2" charset="2"/>
-              <a:buChar char="ü"/>
-            </a:pPr>
-            <a:r>
-              <a:rPr lang="zh-CN" altLang="en-US" sz="2400" dirty="0"/>
-              <a:t>数据模型（</a:t>
-            </a:r>
-            <a:r>
-              <a:rPr lang="zh-CN" altLang="en-US" dirty="0"/>
-              <a:t>自动生成数据访问层代码和数据库定义</a:t>
-            </a:r>
-            <a:r>
-              <a:rPr lang="zh-CN" altLang="en-US" sz="2400" dirty="0"/>
-              <a:t>）</a:t>
-            </a:r>
-            <a:endParaRPr lang="en-US" altLang="zh-CN" sz="2400" dirty="0"/>
-          </a:p>
-          <a:p>
-            <a:pPr marL="342900" indent="-342900">
-              <a:buFont typeface="Wingdings" panose="05000000000000000000" pitchFamily="2" charset="2"/>
-              <a:buChar char="ü"/>
-            </a:pPr>
-            <a:r>
-              <a:rPr lang="en-US" altLang="zh-CN" sz="2400" dirty="0"/>
-              <a:t>API</a:t>
-            </a:r>
-            <a:r>
-              <a:rPr lang="zh-CN" altLang="en-US" sz="2400" dirty="0"/>
-              <a:t>接口模型（</a:t>
-            </a:r>
-            <a:r>
-              <a:rPr lang="zh-CN" altLang="en-US" dirty="0"/>
-              <a:t>自动生成</a:t>
-            </a:r>
-            <a:r>
-              <a:rPr lang="en-US" altLang="zh-CN" dirty="0"/>
-              <a:t>API</a:t>
-            </a:r>
-            <a:r>
-              <a:rPr lang="zh-CN" altLang="en-US" dirty="0"/>
-              <a:t>接口和缺省实现</a:t>
-            </a:r>
-            <a:r>
-              <a:rPr lang="zh-CN" altLang="en-US" sz="2400" dirty="0"/>
-              <a:t>）</a:t>
-            </a:r>
-            <a:endParaRPr lang="en-US" altLang="zh-CN" sz="2400" dirty="0"/>
-          </a:p>
-          <a:p>
-            <a:pPr marL="342900" indent="-342900">
-              <a:buFont typeface="Wingdings" panose="05000000000000000000" pitchFamily="2" charset="2"/>
-              <a:buChar char="ü"/>
-            </a:pPr>
-            <a:r>
-              <a:rPr lang="en-US" altLang="zh-CN" sz="2400" dirty="0"/>
-              <a:t>TCP</a:t>
-            </a:r>
-            <a:r>
-              <a:rPr lang="zh-CN" altLang="en-US" sz="2400" dirty="0"/>
-              <a:t>网络消息模型（</a:t>
-            </a:r>
-            <a:r>
-              <a:rPr lang="zh-CN" altLang="en-US" dirty="0"/>
-              <a:t>自动解析和生成网络协议包</a:t>
-            </a:r>
-            <a:r>
-              <a:rPr lang="zh-CN" altLang="en-US" sz="2400" dirty="0"/>
-              <a:t>）</a:t>
-            </a:r>
-            <a:endParaRPr lang="en-US" altLang="zh-CN" sz="2400" dirty="0"/>
-          </a:p>
-          <a:p>
-            <a:pPr marL="342900" indent="-342900">
-              <a:buFont typeface="Wingdings" panose="05000000000000000000" pitchFamily="2" charset="2"/>
-              <a:buChar char="ü"/>
-            </a:pPr>
-            <a:r>
-              <a:rPr lang="zh-CN" altLang="en-US" sz="2400" dirty="0"/>
-              <a:t>批处理文件格式模型（</a:t>
-            </a:r>
-            <a:r>
-              <a:rPr lang="zh-CN" altLang="en-US" dirty="0"/>
-              <a:t>自动生成和解析定长文件</a:t>
-            </a:r>
-            <a:r>
-              <a:rPr lang="zh-CN" altLang="en-US" sz="2400" dirty="0"/>
-              <a:t>）</a:t>
-            </a:r>
-            <a:endParaRPr lang="en-US" altLang="zh-CN" sz="2400" dirty="0"/>
-          </a:p>
-          <a:p>
-            <a:pPr marL="342900" indent="-342900">
-              <a:buFont typeface="Wingdings" panose="05000000000000000000" pitchFamily="2" charset="2"/>
-              <a:buChar char="ü"/>
-            </a:pPr>
-            <a:r>
-              <a:rPr lang="zh-CN" altLang="en-US" sz="2400" dirty="0"/>
-              <a:t>批处理任务模型（</a:t>
-            </a:r>
-            <a:r>
-              <a:rPr lang="zh-CN" altLang="en-US" dirty="0"/>
-              <a:t>编配分布式批处理任务</a:t>
-            </a:r>
-            <a:r>
-              <a:rPr lang="zh-CN" altLang="en-US" sz="2400" dirty="0"/>
-              <a:t>）</a:t>
-            </a:r>
-            <a:endParaRPr lang="en-US" altLang="zh-CN" sz="2400" dirty="0"/>
-          </a:p>
-          <a:p>
-            <a:pPr marL="342900" indent="-342900">
-              <a:buFont typeface="Wingdings" panose="05000000000000000000" pitchFamily="2" charset="2"/>
-              <a:buChar char="ü"/>
-            </a:pPr>
-            <a:r>
-              <a:rPr lang="zh-CN" altLang="en-US" sz="2400" dirty="0"/>
-              <a:t>业务规则模型和数据有效性校验模型</a:t>
-            </a:r>
-            <a:endParaRPr lang="en-US" altLang="zh-CN" sz="2400" dirty="0"/>
-          </a:p>
-          <a:p>
-            <a:pPr marL="342900" indent="-342900">
-              <a:buFont typeface="Wingdings" panose="05000000000000000000" pitchFamily="2" charset="2"/>
-              <a:buChar char="ü"/>
-            </a:pPr>
-            <a:r>
-              <a:rPr lang="zh-CN" altLang="en-US" sz="2400" dirty="0"/>
-              <a:t>业务处理流程模型</a:t>
-            </a:r>
-            <a:endParaRPr lang="en-US" altLang="zh-CN" sz="2400" dirty="0"/>
-          </a:p>
-          <a:p>
-            <a:pPr marL="342900" indent="-342900">
-              <a:buFont typeface="Wingdings" panose="05000000000000000000" pitchFamily="2" charset="2"/>
-              <a:buChar char="ü"/>
-            </a:pPr>
-            <a:r>
-              <a:rPr lang="zh-CN" altLang="en-US" sz="2400" dirty="0"/>
-              <a:t>压力测试数据模型（</a:t>
-            </a:r>
-            <a:r>
-              <a:rPr lang="zh-CN" altLang="en-US" dirty="0"/>
-              <a:t>自动生成具有指定分布的测试数据</a:t>
-            </a:r>
-            <a:r>
-              <a:rPr lang="zh-CN" altLang="en-US" sz="2400" dirty="0"/>
-              <a:t>）</a:t>
-            </a:r>
-            <a:endParaRPr lang="en-US" altLang="zh-CN" sz="2400" dirty="0"/>
-          </a:p>
-          <a:p>
-            <a:pPr marL="342900" indent="-342900">
-              <a:buFont typeface="Wingdings" panose="05000000000000000000" pitchFamily="2" charset="2"/>
-              <a:buChar char="ü"/>
-            </a:pPr>
-            <a:r>
-              <a:rPr lang="zh-CN" altLang="en-US" sz="2400" dirty="0"/>
-              <a:t>前端页面模型</a:t>
-            </a:r>
-            <a:endParaRPr lang="en-US" altLang="zh-CN" sz="2400" dirty="0"/>
-          </a:p>
-          <a:p>
-            <a:pPr marL="342900" indent="-342900">
-              <a:buFont typeface="Wingdings" panose="05000000000000000000" pitchFamily="2" charset="2"/>
-              <a:buChar char="ü"/>
-            </a:pPr>
-            <a:r>
-              <a:rPr lang="zh-CN" altLang="en-US" sz="2400" dirty="0"/>
-              <a:t>报表模型</a:t>
-            </a:r>
-            <a:endParaRPr lang="en-US" altLang="zh-CN" sz="2400" dirty="0"/>
-          </a:p>
-          <a:p>
-            <a:endParaRPr lang="zh-CN" altLang="en-US" dirty="0"/>
+            <a:r>
+              <a:rPr lang="en-US" altLang="zh-CN" sz="3200" b="1" dirty="0" err="1"/>
+              <a:t>BizModel</a:t>
+            </a:r>
+            <a:endParaRPr lang="zh-CN" altLang="en-US" sz="3200" b="1" dirty="0"/>
           </a:p>
         </p:txBody>
       </p:sp>
     </p:spTree>
     <p:extLst>
       <p:ext uri="{BB962C8B-B14F-4D97-AF65-F5344CB8AC3E}">
-        <p14:creationId xmlns:p14="http://schemas.microsoft.com/office/powerpoint/2010/main" val="1461263850"/>
+        <p14:creationId xmlns:p14="http://schemas.microsoft.com/office/powerpoint/2010/main" val="881827011"/>
       </p:ext>
     </p:extLst>
   </p:cSld>
@@ -6001,25 +5956,17 @@
           <a:p>
             <a:r>
               <a:rPr lang="zh-CN" altLang="en-US" b="1" dirty="0"/>
-              <a:t>基于</a:t>
-            </a:r>
-            <a:r>
-              <a:rPr lang="en-US" altLang="zh-CN" b="1" dirty="0" err="1"/>
-              <a:t>Nop</a:t>
-            </a:r>
-            <a:r>
-              <a:rPr lang="zh-CN" altLang="en-US" b="1" dirty="0"/>
-              <a:t>平台的定制化开发</a:t>
-            </a:r>
-          </a:p>
-        </p:txBody>
-      </p:sp>
-      <p:sp>
-        <p:nvSpPr>
-          <p:cNvPr id="9" name="文本框 8">
-            <a:extLst>
-              <a:ext uri="{FF2B5EF4-FFF2-40B4-BE49-F238E27FC236}">
-                <a16:creationId xmlns:a16="http://schemas.microsoft.com/office/drawing/2014/main" id="{540A60B3-93A5-7288-4BDF-50258236F659}"/>
+              <a:t>在金融科技方面的应用</a:t>
+            </a:r>
+          </a:p>
+        </p:txBody>
+      </p:sp>
+      <p:sp>
+        <p:nvSpPr>
+          <p:cNvPr id="3" name="文本框 2">
+            <a:extLst>
+              <a:ext uri="{FF2B5EF4-FFF2-40B4-BE49-F238E27FC236}">
+                <a16:creationId xmlns:a16="http://schemas.microsoft.com/office/drawing/2014/main" id="{ECE04C1C-1A27-7EF8-F549-0CA12B0352B7}"/>
               </a:ext>
             </a:extLst>
           </p:cNvPr>
@@ -6028,8 +5975,8 @@
         </p:nvSpPr>
         <p:spPr>
           <a:xfrm>
-            <a:off x="838200" y="1583872"/>
-            <a:ext cx="10208079" cy="4031873"/>
+            <a:off x="930729" y="1828800"/>
+            <a:ext cx="7780564" cy="4062651"/>
           </a:xfrm>
           <a:prstGeom prst="rect">
             <a:avLst/>
@@ -6042,163 +5989,188 @@
           </a:bodyPr>
           <a:lstStyle/>
           <a:p>
-            <a:pPr marL="457200" indent="-457200">
+            <a:pPr marL="342900" indent="-342900">
               <a:buFont typeface="Wingdings" panose="05000000000000000000" pitchFamily="2" charset="2"/>
-              <a:buChar char="Ø"/>
+              <a:buChar char="ü"/>
             </a:pPr>
             <a:r>
-              <a:rPr lang="zh-CN" altLang="en-US" sz="3200" dirty="0"/>
-              <a:t>专用的</a:t>
-            </a:r>
-            <a:r>
-              <a:rPr lang="en-US" altLang="zh-CN" sz="3200" dirty="0"/>
-              <a:t>Delta</a:t>
-            </a:r>
-            <a:r>
-              <a:rPr lang="zh-CN" altLang="en-US" sz="3200" dirty="0"/>
-              <a:t>模块</a:t>
-            </a:r>
-            <a:endParaRPr lang="en-US" altLang="zh-CN" sz="3200" dirty="0"/>
-          </a:p>
-          <a:p>
-            <a:pPr marL="457200" indent="-457200">
+              <a:rPr lang="zh-CN" altLang="en-US" sz="2400" dirty="0"/>
+              <a:t>数据模型（</a:t>
+            </a:r>
+            <a:r>
+              <a:rPr lang="zh-CN" altLang="en-US" dirty="0"/>
+              <a:t>自动生成数据访问层代码和数据库定义</a:t>
+            </a:r>
+            <a:r>
+              <a:rPr lang="zh-CN" altLang="en-US" sz="2400" dirty="0"/>
+              <a:t>）</a:t>
+            </a:r>
+            <a:endParaRPr lang="en-US" altLang="zh-CN" sz="2400" dirty="0"/>
+          </a:p>
+          <a:p>
+            <a:pPr marL="342900" indent="-342900">
               <a:buFont typeface="Wingdings" panose="05000000000000000000" pitchFamily="2" charset="2"/>
-              <a:buChar char="Ø"/>
+              <a:buChar char="ü"/>
             </a:pPr>
             <a:r>
-              <a:rPr lang="zh-CN" altLang="en-US" sz="3200" dirty="0"/>
-              <a:t>数据模型的</a:t>
-            </a:r>
-            <a:r>
-              <a:rPr lang="en-US" altLang="zh-CN" sz="3200" dirty="0"/>
-              <a:t>Delta</a:t>
-            </a:r>
-            <a:r>
-              <a:rPr lang="zh-CN" altLang="en-US" sz="3200" dirty="0"/>
-              <a:t>定制</a:t>
-            </a:r>
-            <a:endParaRPr lang="en-US" altLang="zh-CN" sz="3200" dirty="0"/>
-          </a:p>
-          <a:p>
-            <a:pPr marL="457200" indent="-457200">
+              <a:rPr lang="en-US" altLang="zh-CN" sz="2400" dirty="0"/>
+              <a:t>API</a:t>
+            </a:r>
+            <a:r>
+              <a:rPr lang="zh-CN" altLang="en-US" sz="2400" dirty="0"/>
+              <a:t>接口模型（</a:t>
+            </a:r>
+            <a:r>
+              <a:rPr lang="zh-CN" altLang="en-US" dirty="0"/>
+              <a:t>自动生成</a:t>
+            </a:r>
+            <a:r>
+              <a:rPr lang="en-US" altLang="zh-CN" dirty="0"/>
+              <a:t>API</a:t>
+            </a:r>
+            <a:r>
+              <a:rPr lang="zh-CN" altLang="en-US" dirty="0"/>
+              <a:t>接口和缺省实现</a:t>
+            </a:r>
+            <a:r>
+              <a:rPr lang="zh-CN" altLang="en-US" sz="2400" dirty="0"/>
+              <a:t>）</a:t>
+            </a:r>
+            <a:endParaRPr lang="en-US" altLang="zh-CN" sz="2400" dirty="0"/>
+          </a:p>
+          <a:p>
+            <a:pPr marL="342900" indent="-342900">
               <a:buFont typeface="Wingdings" panose="05000000000000000000" pitchFamily="2" charset="2"/>
-              <a:buChar char="Ø"/>
+              <a:buChar char="ü"/>
             </a:pPr>
             <a:r>
-              <a:rPr lang="en-US" altLang="zh-CN" sz="3200" dirty="0"/>
-              <a:t>IoC</a:t>
-            </a:r>
-            <a:r>
-              <a:rPr lang="zh-CN" altLang="en-US" sz="3200" dirty="0"/>
-              <a:t>容器的</a:t>
-            </a:r>
-            <a:r>
-              <a:rPr lang="en-US" altLang="zh-CN" sz="3200" dirty="0"/>
-              <a:t>Delta</a:t>
-            </a:r>
-            <a:r>
-              <a:rPr lang="zh-CN" altLang="en-US" sz="3200" dirty="0"/>
-              <a:t>定制</a:t>
-            </a:r>
-            <a:endParaRPr lang="en-US" altLang="zh-CN" sz="3200" dirty="0"/>
-          </a:p>
-          <a:p>
-            <a:pPr marL="457200" indent="-457200">
+              <a:rPr lang="en-US" altLang="zh-CN" sz="2400" dirty="0"/>
+              <a:t>TCP</a:t>
+            </a:r>
+            <a:r>
+              <a:rPr lang="zh-CN" altLang="en-US" sz="2400" dirty="0"/>
+              <a:t>网络消息模型（</a:t>
+            </a:r>
+            <a:r>
+              <a:rPr lang="zh-CN" altLang="en-US" dirty="0"/>
+              <a:t>自动解析和生成网络协议包</a:t>
+            </a:r>
+            <a:r>
+              <a:rPr lang="zh-CN" altLang="en-US" sz="2400" dirty="0"/>
+              <a:t>）</a:t>
+            </a:r>
+            <a:endParaRPr lang="en-US" altLang="zh-CN" sz="2400" dirty="0"/>
+          </a:p>
+          <a:p>
+            <a:pPr marL="342900" indent="-342900">
               <a:buFont typeface="Wingdings" panose="05000000000000000000" pitchFamily="2" charset="2"/>
-              <a:buChar char="Ø"/>
+              <a:buChar char="ü"/>
             </a:pPr>
             <a:r>
-              <a:rPr lang="en-US" altLang="zh-CN" sz="3200" dirty="0" err="1"/>
-              <a:t>GraphQL</a:t>
-            </a:r>
-            <a:r>
-              <a:rPr lang="zh-CN" altLang="en-US" sz="3200" dirty="0"/>
-              <a:t>对象的</a:t>
-            </a:r>
-            <a:r>
-              <a:rPr lang="en-US" altLang="zh-CN" sz="3200" dirty="0"/>
-              <a:t>Delta</a:t>
-            </a:r>
-            <a:r>
-              <a:rPr lang="zh-CN" altLang="en-US" sz="3200" dirty="0"/>
-              <a:t>定制</a:t>
-            </a:r>
-            <a:endParaRPr lang="en-US" altLang="zh-CN" sz="3200" dirty="0"/>
-          </a:p>
-          <a:p>
-            <a:pPr marL="457200" indent="-457200">
+              <a:rPr lang="zh-CN" altLang="en-US" sz="2400" dirty="0"/>
+              <a:t>批处理文件格式模型（</a:t>
+            </a:r>
+            <a:r>
+              <a:rPr lang="zh-CN" altLang="en-US" dirty="0"/>
+              <a:t>自动生成和解析定长文件</a:t>
+            </a:r>
+            <a:r>
+              <a:rPr lang="zh-CN" altLang="en-US" sz="2400" dirty="0"/>
+              <a:t>）</a:t>
+            </a:r>
+            <a:endParaRPr lang="en-US" altLang="zh-CN" sz="2400" dirty="0"/>
+          </a:p>
+          <a:p>
+            <a:pPr marL="342900" indent="-342900">
               <a:buFont typeface="Wingdings" panose="05000000000000000000" pitchFamily="2" charset="2"/>
-              <a:buChar char="Ø"/>
+              <a:buChar char="ü"/>
             </a:pPr>
             <a:r>
-              <a:rPr lang="zh-CN" altLang="en-US" sz="3200" dirty="0"/>
-              <a:t>标签函数的</a:t>
-            </a:r>
-            <a:r>
-              <a:rPr lang="en-US" altLang="zh-CN" sz="3200" dirty="0"/>
-              <a:t>Delta</a:t>
-            </a:r>
-            <a:r>
-              <a:rPr lang="zh-CN" altLang="en-US" sz="3200" dirty="0"/>
-              <a:t>定制</a:t>
-            </a:r>
-            <a:endParaRPr lang="en-US" altLang="zh-CN" sz="3200" dirty="0"/>
-          </a:p>
-          <a:p>
-            <a:pPr marL="457200" indent="-457200">
+              <a:rPr lang="zh-CN" altLang="en-US" sz="2400" dirty="0"/>
+              <a:t>批处理任务模型（</a:t>
+            </a:r>
+            <a:r>
+              <a:rPr lang="zh-CN" altLang="en-US" dirty="0"/>
+              <a:t>编配分布式批处理任务</a:t>
+            </a:r>
+            <a:r>
+              <a:rPr lang="zh-CN" altLang="en-US" sz="2400" dirty="0"/>
+              <a:t>）</a:t>
+            </a:r>
+            <a:endParaRPr lang="en-US" altLang="zh-CN" sz="2400" dirty="0"/>
+          </a:p>
+          <a:p>
+            <a:pPr marL="342900" indent="-342900">
               <a:buFont typeface="Wingdings" panose="05000000000000000000" pitchFamily="2" charset="2"/>
-              <a:buChar char="Ø"/>
+              <a:buChar char="ü"/>
             </a:pPr>
             <a:r>
-              <a:rPr lang="zh-CN" altLang="en-US" sz="3200" dirty="0"/>
-              <a:t>前端页面的</a:t>
-            </a:r>
-            <a:r>
-              <a:rPr lang="en-US" altLang="zh-CN" sz="3200" dirty="0"/>
-              <a:t>Delta</a:t>
-            </a:r>
-            <a:r>
-              <a:rPr lang="zh-CN" altLang="en-US" sz="3200" dirty="0"/>
-              <a:t>定制</a:t>
-            </a:r>
-            <a:endParaRPr lang="en-US" altLang="zh-CN" sz="3200" dirty="0"/>
-          </a:p>
-          <a:p>
-            <a:pPr marL="457200" indent="-457200">
+              <a:rPr lang="zh-CN" altLang="en-US" sz="2400" dirty="0"/>
+              <a:t>业务规则模型和数据有效性校验模型</a:t>
+            </a:r>
+            <a:endParaRPr lang="en-US" altLang="zh-CN" sz="2400" dirty="0"/>
+          </a:p>
+          <a:p>
+            <a:pPr marL="342900" indent="-342900">
               <a:buFont typeface="Wingdings" panose="05000000000000000000" pitchFamily="2" charset="2"/>
-              <a:buChar char="Ø"/>
+              <a:buChar char="ü"/>
             </a:pPr>
             <a:r>
-              <a:rPr lang="zh-CN" altLang="en-US" sz="3200" dirty="0"/>
-              <a:t>其他模型的</a:t>
-            </a:r>
-            <a:r>
-              <a:rPr lang="en-US" altLang="zh-CN" sz="3200" dirty="0"/>
-              <a:t>Delta</a:t>
-            </a:r>
-            <a:r>
-              <a:rPr lang="zh-CN" altLang="en-US" sz="3200" dirty="0"/>
-              <a:t>定制 </a:t>
-            </a:r>
-            <a:endParaRPr lang="en-US" altLang="zh-CN" sz="3200" dirty="0"/>
-          </a:p>
-          <a:p>
-            <a:pPr marL="457200" indent="-457200">
+              <a:rPr lang="zh-CN" altLang="en-US" sz="2400" dirty="0"/>
+              <a:t>业务处理流程模型</a:t>
+            </a:r>
+            <a:endParaRPr lang="en-US" altLang="zh-CN" sz="2400" dirty="0"/>
+          </a:p>
+          <a:p>
+            <a:pPr marL="342900" indent="-342900">
               <a:buFont typeface="Wingdings" panose="05000000000000000000" pitchFamily="2" charset="2"/>
-              <a:buChar char="Ø"/>
+              <a:buChar char="ü"/>
             </a:pPr>
             <a:r>
-              <a:rPr lang="zh-CN" altLang="en-US" sz="3200" dirty="0"/>
-              <a:t>编译期的特性开关</a:t>
-            </a:r>
-            <a:endParaRPr lang="en-US" altLang="zh-CN" sz="3200" dirty="0"/>
+              <a:rPr lang="zh-CN" altLang="en-US" sz="2400" dirty="0"/>
+              <a:t>压力测试数据模型（</a:t>
+            </a:r>
+            <a:r>
+              <a:rPr lang="zh-CN" altLang="en-US" dirty="0"/>
+              <a:t>自动生成具有指定分布的测试数据</a:t>
+            </a:r>
+            <a:r>
+              <a:rPr lang="zh-CN" altLang="en-US" sz="2400" dirty="0"/>
+              <a:t>）</a:t>
+            </a:r>
+            <a:endParaRPr lang="en-US" altLang="zh-CN" sz="2400" dirty="0"/>
+          </a:p>
+          <a:p>
+            <a:pPr marL="342900" indent="-342900">
+              <a:buFont typeface="Wingdings" panose="05000000000000000000" pitchFamily="2" charset="2"/>
+              <a:buChar char="ü"/>
+            </a:pPr>
+            <a:r>
+              <a:rPr lang="zh-CN" altLang="en-US" sz="2400" dirty="0"/>
+              <a:t>前端页面模型</a:t>
+            </a:r>
+            <a:endParaRPr lang="en-US" altLang="zh-CN" sz="2400" dirty="0"/>
+          </a:p>
+          <a:p>
+            <a:pPr marL="342900" indent="-342900">
+              <a:buFont typeface="Wingdings" panose="05000000000000000000" pitchFamily="2" charset="2"/>
+              <a:buChar char="ü"/>
+            </a:pPr>
+            <a:r>
+              <a:rPr lang="zh-CN" altLang="en-US" sz="2400" dirty="0"/>
+              <a:t>报表模型</a:t>
+            </a:r>
+            <a:endParaRPr lang="en-US" altLang="zh-CN" sz="2400" dirty="0"/>
+          </a:p>
+          <a:p>
+            <a:endParaRPr lang="zh-CN" altLang="en-US" dirty="0"/>
           </a:p>
         </p:txBody>
       </p:sp>
     </p:spTree>
     <p:extLst>
       <p:ext uri="{BB962C8B-B14F-4D97-AF65-F5344CB8AC3E}">
-        <p14:creationId xmlns:p14="http://schemas.microsoft.com/office/powerpoint/2010/main" val="3712466064"/>
+        <p14:creationId xmlns:p14="http://schemas.microsoft.com/office/powerpoint/2010/main" val="1461263850"/>
       </p:ext>
     </p:extLst>
   </p:cSld>
@@ -6247,18 +6219,17 @@
           <a:lstStyle/>
           <a:p>
             <a:r>
+              <a:rPr lang="zh-CN" altLang="en-US" b="1" dirty="0"/>
+              <a:t>基于</a:t>
+            </a:r>
+            <a:r>
               <a:rPr lang="en-US" altLang="zh-CN" b="1" dirty="0" err="1"/>
               <a:t>Nop</a:t>
             </a:r>
             <a:r>
               <a:rPr lang="zh-CN" altLang="en-US" b="1" dirty="0"/>
-              <a:t>与</a:t>
-            </a:r>
-            <a:r>
-              <a:rPr lang="en-US" altLang="zh-CN" b="1" dirty="0"/>
-              <a:t>GPT</a:t>
-            </a:r>
-            <a:endParaRPr lang="zh-CN" altLang="en-US" b="1" dirty="0"/>
+              <a:t>平台的定制化开发</a:t>
+            </a:r>
           </a:p>
         </p:txBody>
       </p:sp>
@@ -6276,8 +6247,8 @@
         </p:nvSpPr>
         <p:spPr>
           <a:xfrm>
-            <a:off x="838200" y="2106386"/>
-            <a:ext cx="10208079" cy="2062103"/>
+            <a:off x="838200" y="1583872"/>
+            <a:ext cx="10208079" cy="4031873"/>
           </a:xfrm>
           <a:prstGeom prst="rect">
             <a:avLst/>
@@ -6290,34 +6261,154 @@
           </a:bodyPr>
           <a:lstStyle/>
           <a:p>
+            <a:pPr marL="457200" indent="-457200">
+              <a:buFont typeface="Wingdings" panose="05000000000000000000" pitchFamily="2" charset="2"/>
+              <a:buChar char="Ø"/>
+            </a:pPr>
             <a:r>
               <a:rPr lang="zh-CN" altLang="en-US" sz="3200" dirty="0"/>
-              <a:t>长期维护的生成式代码必须解决两个问题：</a:t>
+              <a:t>专用的</a:t>
+            </a:r>
+            <a:r>
+              <a:rPr lang="en-US" altLang="zh-CN" sz="3200" dirty="0"/>
+              <a:t>Delta</a:t>
+            </a:r>
+            <a:r>
+              <a:rPr lang="zh-CN" altLang="en-US" sz="3200" dirty="0"/>
+              <a:t>模块</a:t>
             </a:r>
             <a:endParaRPr lang="en-US" altLang="zh-CN" sz="3200" dirty="0"/>
           </a:p>
           <a:p>
+            <a:pPr marL="457200" indent="-457200">
+              <a:buFont typeface="Wingdings" panose="05000000000000000000" pitchFamily="2" charset="2"/>
+              <a:buChar char="Ø"/>
+            </a:pPr>
+            <a:r>
+              <a:rPr lang="zh-CN" altLang="en-US" sz="3200" dirty="0"/>
+              <a:t>数据模型的</a:t>
+            </a:r>
+            <a:r>
+              <a:rPr lang="en-US" altLang="zh-CN" sz="3200" dirty="0"/>
+              <a:t>Delta</a:t>
+            </a:r>
+            <a:r>
+              <a:rPr lang="zh-CN" altLang="en-US" sz="3200" dirty="0"/>
+              <a:t>定制</a:t>
+            </a:r>
             <a:endParaRPr lang="en-US" altLang="zh-CN" sz="3200" dirty="0"/>
           </a:p>
           <a:p>
-            <a:pPr marL="514350" indent="-514350">
+            <a:pPr marL="457200" indent="-457200">
               <a:buFont typeface="Wingdings" panose="05000000000000000000" pitchFamily="2" charset="2"/>
-              <a:buChar char="ü"/>
+              <a:buChar char="Ø"/>
             </a:pPr>
             <a:r>
+              <a:rPr lang="en-US" altLang="zh-CN" sz="3200" dirty="0"/>
+              <a:t>IoC</a:t>
+            </a:r>
+            <a:r>
               <a:rPr lang="zh-CN" altLang="en-US" sz="3200" dirty="0"/>
-              <a:t>自校验：验证自身的正确性  </a:t>
+              <a:t>容器的</a:t>
+            </a:r>
+            <a:r>
+              <a:rPr lang="en-US" altLang="zh-CN" sz="3200" dirty="0"/>
+              <a:t>Delta</a:t>
+            </a:r>
+            <a:r>
+              <a:rPr lang="zh-CN" altLang="en-US" sz="3200" dirty="0"/>
+              <a:t>定制</a:t>
             </a:r>
             <a:endParaRPr lang="en-US" altLang="zh-CN" sz="3200" dirty="0"/>
           </a:p>
           <a:p>
-            <a:pPr marL="514350" indent="-514350">
+            <a:pPr marL="457200" indent="-457200">
               <a:buFont typeface="Wingdings" panose="05000000000000000000" pitchFamily="2" charset="2"/>
-              <a:buChar char="ü"/>
+              <a:buChar char="Ø"/>
             </a:pPr>
             <a:r>
+              <a:rPr lang="en-US" altLang="zh-CN" sz="3200" dirty="0" err="1"/>
+              <a:t>GraphQL</a:t>
+            </a:r>
+            <a:r>
               <a:rPr lang="zh-CN" altLang="en-US" sz="3200" dirty="0"/>
-              <a:t>差量修正：用差量来表达演化</a:t>
+              <a:t>对象的</a:t>
+            </a:r>
+            <a:r>
+              <a:rPr lang="en-US" altLang="zh-CN" sz="3200" dirty="0"/>
+              <a:t>Delta</a:t>
+            </a:r>
+            <a:r>
+              <a:rPr lang="zh-CN" altLang="en-US" sz="3200" dirty="0"/>
+              <a:t>定制</a:t>
+            </a:r>
+            <a:endParaRPr lang="en-US" altLang="zh-CN" sz="3200" dirty="0"/>
+          </a:p>
+          <a:p>
+            <a:pPr marL="457200" indent="-457200">
+              <a:buFont typeface="Wingdings" panose="05000000000000000000" pitchFamily="2" charset="2"/>
+              <a:buChar char="Ø"/>
+            </a:pPr>
+            <a:r>
+              <a:rPr lang="zh-CN" altLang="en-US" sz="3200" dirty="0"/>
+              <a:t>标签函数的</a:t>
+            </a:r>
+            <a:r>
+              <a:rPr lang="en-US" altLang="zh-CN" sz="3200" dirty="0"/>
+              <a:t>Delta</a:t>
+            </a:r>
+            <a:r>
+              <a:rPr lang="zh-CN" altLang="en-US" sz="3200" dirty="0"/>
+              <a:t>定制</a:t>
+            </a:r>
+            <a:endParaRPr lang="en-US" altLang="zh-CN" sz="3200" dirty="0"/>
+          </a:p>
+          <a:p>
+            <a:pPr marL="457200" indent="-457200">
+              <a:buFont typeface="Wingdings" panose="05000000000000000000" pitchFamily="2" charset="2"/>
+              <a:buChar char="Ø"/>
+            </a:pPr>
+            <a:r>
+              <a:rPr lang="zh-CN" altLang="en-US" sz="3200" dirty="0"/>
+              <a:t>前端页面的</a:t>
+            </a:r>
+            <a:r>
+              <a:rPr lang="en-US" altLang="zh-CN" sz="3200" dirty="0"/>
+              <a:t>Delta</a:t>
+            </a:r>
+            <a:r>
+              <a:rPr lang="zh-CN" altLang="en-US" sz="3200" dirty="0"/>
+              <a:t>定制</a:t>
+            </a:r>
+            <a:endParaRPr lang="en-US" altLang="zh-CN" sz="3200" dirty="0"/>
+          </a:p>
+          <a:p>
+            <a:pPr marL="457200" indent="-457200">
+              <a:buFont typeface="Wingdings" panose="05000000000000000000" pitchFamily="2" charset="2"/>
+              <a:buChar char="Ø"/>
+            </a:pPr>
+            <a:r>
+              <a:rPr lang="zh-CN" altLang="en-US" sz="3200" dirty="0"/>
+              <a:t>其他模型的</a:t>
+            </a:r>
+            <a:r>
+              <a:rPr lang="en-US" altLang="zh-CN" sz="3200" dirty="0"/>
+              <a:t>Delta</a:t>
+            </a:r>
+            <a:r>
+              <a:rPr lang="zh-CN" altLang="en-US" sz="3200" dirty="0"/>
+              <a:t>定制 </a:t>
+            </a:r>
+            <a:endParaRPr lang="en-US" altLang="zh-CN" sz="3200" dirty="0"/>
+          </a:p>
+          <a:p>
+            <a:pPr marL="457200" indent="-457200">
+              <a:buFont typeface="Wingdings" panose="05000000000000000000" pitchFamily="2" charset="2"/>
+              <a:buChar char="Ø"/>
+            </a:pPr>
+            <a:r>
+              <a:rPr lang="zh-CN" altLang="en-US" sz="3200" dirty="0"/>
+              <a:t>编译期的特性开关</a:t>
             </a:r>
             <a:endParaRPr lang="en-US" altLang="zh-CN" sz="3200" dirty="0"/>
           </a:p>
@@ -6326,7 +6417,7 @@
     </p:spTree>
     <p:extLst>
       <p:ext uri="{BB962C8B-B14F-4D97-AF65-F5344CB8AC3E}">
-        <p14:creationId xmlns:p14="http://schemas.microsoft.com/office/powerpoint/2010/main" val="4021357905"/>
+        <p14:creationId xmlns:p14="http://schemas.microsoft.com/office/powerpoint/2010/main" val="3712466064"/>
       </p:ext>
     </p:extLst>
   </p:cSld>
@@ -6375,20 +6466,16 @@
           <a:lstStyle/>
           <a:p>
             <a:r>
-              <a:rPr lang="en-US" altLang="zh-CN" sz="4400" b="1" dirty="0" err="1"/>
+              <a:rPr lang="en-US" altLang="zh-CN" b="1" dirty="0" err="1"/>
               <a:t>Nop</a:t>
             </a:r>
             <a:r>
-              <a:rPr lang="zh-CN" altLang="en-US" sz="4400" b="1" dirty="0"/>
-              <a:t>平台与</a:t>
-            </a:r>
-            <a:r>
-              <a:rPr lang="en-US" altLang="zh-CN" sz="4400" b="1" dirty="0"/>
+              <a:rPr lang="zh-CN" altLang="en-US" b="1" dirty="0"/>
+              <a:t>与</a:t>
+            </a:r>
+            <a:r>
+              <a:rPr lang="en-US" altLang="zh-CN" b="1" dirty="0"/>
               <a:t>GPT</a:t>
-            </a:r>
-            <a:r>
-              <a:rPr lang="zh-CN" altLang="en-US" sz="4400" b="1" dirty="0"/>
-              <a:t>结合的策略</a:t>
             </a:r>
             <a:endParaRPr lang="zh-CN" altLang="en-US" b="1" dirty="0"/>
           </a:p>
@@ -6409,7 +6496,7 @@
         <p:spPr>
           <a:xfrm>
             <a:off x="838200" y="2106386"/>
-            <a:ext cx="10208079" cy="3046988"/>
+            <a:ext cx="10208079" cy="2062103"/>
           </a:xfrm>
           <a:prstGeom prst="rect">
             <a:avLst/>
@@ -6422,57 +6509,23 @@
           </a:bodyPr>
           <a:lstStyle/>
           <a:p>
+            <a:r>
+              <a:rPr lang="zh-CN" altLang="en-US" sz="3200" dirty="0"/>
+              <a:t>长期维护的生成式代码必须解决两个问题：</a:t>
+            </a:r>
+            <a:endParaRPr lang="en-US" altLang="zh-CN" sz="3200" dirty="0"/>
+          </a:p>
+          <a:p>
+            <a:endParaRPr lang="en-US" altLang="zh-CN" sz="3200" dirty="0"/>
+          </a:p>
+          <a:p>
             <a:pPr marL="514350" indent="-514350">
               <a:buFont typeface="Wingdings" panose="05000000000000000000" pitchFamily="2" charset="2"/>
               <a:buChar char="ü"/>
             </a:pPr>
             <a:r>
               <a:rPr lang="zh-CN" altLang="en-US" sz="3200" dirty="0"/>
-              <a:t>通过当前所使用</a:t>
-            </a:r>
-            <a:r>
-              <a:rPr lang="en-US" altLang="zh-CN" sz="3200" dirty="0"/>
-              <a:t>DSL</a:t>
-            </a:r>
-            <a:r>
-              <a:rPr lang="zh-CN" altLang="en-US" sz="3200" dirty="0"/>
-              <a:t>的</a:t>
-            </a:r>
-            <a:r>
-              <a:rPr lang="en-US" altLang="zh-CN" sz="3200" dirty="0" err="1"/>
-              <a:t>xdef</a:t>
-            </a:r>
-            <a:r>
-              <a:rPr lang="zh-CN" altLang="en-US" sz="3200" dirty="0"/>
-              <a:t>元模型（类似</a:t>
-            </a:r>
-            <a:r>
-              <a:rPr lang="en-US" altLang="zh-CN" sz="3200" dirty="0" err="1"/>
-              <a:t>json</a:t>
-            </a:r>
-            <a:r>
-              <a:rPr lang="en-US" altLang="zh-CN" sz="3200" dirty="0"/>
-              <a:t> schema</a:t>
-            </a:r>
-            <a:r>
-              <a:rPr lang="zh-CN" altLang="en-US" sz="3200" dirty="0"/>
-              <a:t>但更紧凑）帮助</a:t>
-            </a:r>
-            <a:r>
-              <a:rPr lang="en-US" altLang="zh-CN" sz="3200" dirty="0"/>
-              <a:t>GPT</a:t>
-            </a:r>
-            <a:r>
-              <a:rPr lang="zh-CN" altLang="en-US" sz="3200" dirty="0"/>
-              <a:t>更快、更精确的理解</a:t>
-            </a:r>
-            <a:r>
-              <a:rPr lang="en-US" altLang="zh-CN" sz="3200" dirty="0"/>
-              <a:t>DSL</a:t>
-            </a:r>
-            <a:r>
-              <a:rPr lang="zh-CN" altLang="en-US" sz="3200" dirty="0"/>
-              <a:t>结构</a:t>
+              <a:t>自校验：验证自身的正确性  </a:t>
             </a:r>
             <a:endParaRPr lang="en-US" altLang="zh-CN" sz="3200" dirty="0"/>
           </a:p>
@@ -6483,106 +6536,16 @@
             </a:pPr>
             <a:r>
               <a:rPr lang="zh-CN" altLang="en-US" sz="3200" dirty="0"/>
-              <a:t>通过可逆计算的差量合并规则，指导</a:t>
-            </a:r>
-            <a:r>
-              <a:rPr lang="en-US" altLang="zh-CN" sz="3200" dirty="0"/>
-              <a:t>GPT</a:t>
-            </a:r>
-            <a:r>
-              <a:rPr lang="zh-CN" altLang="en-US" sz="3200" dirty="0"/>
-              <a:t>直接返回差量描述</a:t>
+              <a:t>差量修正：用差量来表达演化</a:t>
             </a:r>
             <a:endParaRPr lang="en-US" altLang="zh-CN" sz="3200" dirty="0"/>
           </a:p>
-          <a:p>
-            <a:pPr marL="514350" indent="-514350">
-              <a:buFont typeface="Wingdings" panose="05000000000000000000" pitchFamily="2" charset="2"/>
-              <a:buChar char="ü"/>
-            </a:pPr>
-            <a:r>
-              <a:rPr lang="zh-CN" altLang="en-US" sz="3200" dirty="0"/>
-              <a:t>将返回差量合并到当前模型上，成为新的当前模型，在此基础上可以无限次与</a:t>
-            </a:r>
-            <a:r>
-              <a:rPr lang="en-US" altLang="zh-CN" sz="3200" dirty="0"/>
-              <a:t>GPT</a:t>
-            </a:r>
-            <a:r>
-              <a:rPr lang="zh-CN" altLang="en-US" sz="3200" dirty="0"/>
-              <a:t>沟通。</a:t>
-            </a:r>
-            <a:endParaRPr lang="en-US" altLang="zh-CN" sz="3200" dirty="0"/>
-          </a:p>
-        </p:txBody>
-      </p:sp>
-      <p:graphicFrame>
-        <p:nvGraphicFramePr>
-          <p:cNvPr id="3" name="对象 2">
-            <a:extLst>
-              <a:ext uri="{FF2B5EF4-FFF2-40B4-BE49-F238E27FC236}">
-                <a16:creationId xmlns:a16="http://schemas.microsoft.com/office/drawing/2014/main" id="{89DB137C-4AB0-C4F0-F4A5-F062708D4CFB}"/>
-              </a:ext>
-            </a:extLst>
-          </p:cNvPr>
-          <p:cNvGraphicFramePr>
-            <a:graphicFrameLocks noChangeAspect="1"/>
-          </p:cNvGraphicFramePr>
-          <p:nvPr>
-            <p:extLst>
-              <p:ext uri="{D42A27DB-BD31-4B8C-83A1-F6EECF244321}">
-                <p14:modId xmlns:p14="http://schemas.microsoft.com/office/powerpoint/2010/main" val="3769761084"/>
-              </p:ext>
-            </p:extLst>
-          </p:nvPr>
-        </p:nvGraphicFramePr>
-        <p:xfrm>
-          <a:off x="7801194" y="4987707"/>
-          <a:ext cx="2077591" cy="1412570"/>
-        </p:xfrm>
-        <a:graphic>
-          <a:graphicData uri="http://schemas.openxmlformats.org/presentationml/2006/ole">
-            <mc:AlternateContent xmlns:mc="http://schemas.openxmlformats.org/markup-compatibility/2006">
-              <mc:Choice xmlns:v="urn:schemas-microsoft-com:vml" Requires="v">
-                <p:oleObj name="包装程序外壳对象" showAsIcon="1" r:id="rId2" imgW="679680" imgH="462600" progId="Package">
-                  <p:embed/>
-                </p:oleObj>
-              </mc:Choice>
-              <mc:Fallback>
-                <p:oleObj name="包装程序外壳对象" showAsIcon="1" r:id="rId2" imgW="679680" imgH="462600" progId="Package">
-                  <p:embed/>
-                  <p:pic>
-                    <p:nvPicPr>
-                      <p:cNvPr id="0" name=""/>
-                      <p:cNvPicPr/>
-                      <p:nvPr/>
-                    </p:nvPicPr>
-                    <p:blipFill>
-                      <a:blip r:embed="rId3"/>
-                      <a:stretch>
-                        <a:fillRect/>
-                      </a:stretch>
-                    </p:blipFill>
-                    <p:spPr>
-                      <a:xfrm>
-                        <a:off x="7801194" y="4987707"/>
-                        <a:ext cx="2077591" cy="1412570"/>
-                      </a:xfrm>
-                      <a:prstGeom prst="rect">
-                        <a:avLst/>
-                      </a:prstGeom>
-                    </p:spPr>
-                  </p:pic>
-                </p:oleObj>
-              </mc:Fallback>
-            </mc:AlternateContent>
-          </a:graphicData>
-        </a:graphic>
-      </p:graphicFrame>
+        </p:txBody>
+      </p:sp>
     </p:spTree>
     <p:extLst>
       <p:ext uri="{BB962C8B-B14F-4D97-AF65-F5344CB8AC3E}">
-        <p14:creationId xmlns:p14="http://schemas.microsoft.com/office/powerpoint/2010/main" val="3510750151"/>
+        <p14:creationId xmlns:p14="http://schemas.microsoft.com/office/powerpoint/2010/main" val="4021357905"/>
       </p:ext>
     </p:extLst>
   </p:cSld>
@@ -7069,6 +7032,262 @@
 </file>
 
 <file path=ppt/slides/slide20.xml><?xml version="1.0" encoding="utf-8"?>
+<p:sld xmlns:a="http://schemas.openxmlformats.org/drawingml/2006/main" xmlns:r="http://schemas.openxmlformats.org/officeDocument/2006/relationships" xmlns:p="http://schemas.openxmlformats.org/presentationml/2006/main">
+  <p:cSld>
+    <p:spTree>
+      <p:nvGrpSpPr>
+        <p:cNvPr id="1" name=""/>
+        <p:cNvGrpSpPr/>
+        <p:nvPr/>
+      </p:nvGrpSpPr>
+      <p:grpSpPr>
+        <a:xfrm>
+          <a:off x="0" y="0"/>
+          <a:ext cx="0" cy="0"/>
+          <a:chOff x="0" y="0"/>
+          <a:chExt cx="0" cy="0"/>
+        </a:xfrm>
+      </p:grpSpPr>
+      <p:sp>
+        <p:nvSpPr>
+          <p:cNvPr id="2" name="标题 1">
+            <a:extLst>
+              <a:ext uri="{FF2B5EF4-FFF2-40B4-BE49-F238E27FC236}">
+                <a16:creationId xmlns:a16="http://schemas.microsoft.com/office/drawing/2014/main" id="{7B078A78-F1A6-B200-A327-496477BABCB1}"/>
+              </a:ext>
+            </a:extLst>
+          </p:cNvPr>
+          <p:cNvSpPr>
+            <a:spLocks noGrp="1"/>
+          </p:cNvSpPr>
+          <p:nvPr>
+            <p:ph type="title"/>
+          </p:nvPr>
+        </p:nvSpPr>
+        <p:spPr/>
+        <p:txBody>
+          <a:bodyPr/>
+          <a:lstStyle/>
+          <a:p>
+            <a:r>
+              <a:rPr lang="en-US" altLang="zh-CN" sz="4400" b="1" dirty="0" err="1"/>
+              <a:t>Nop</a:t>
+            </a:r>
+            <a:r>
+              <a:rPr lang="zh-CN" altLang="en-US" sz="4400" b="1" dirty="0"/>
+              <a:t>平台与</a:t>
+            </a:r>
+            <a:r>
+              <a:rPr lang="en-US" altLang="zh-CN" sz="4400" b="1" dirty="0"/>
+              <a:t>GPT</a:t>
+            </a:r>
+            <a:r>
+              <a:rPr lang="zh-CN" altLang="en-US" sz="4400" b="1" dirty="0"/>
+              <a:t>结合的策略</a:t>
+            </a:r>
+            <a:endParaRPr lang="zh-CN" altLang="en-US" b="1" dirty="0"/>
+          </a:p>
+        </p:txBody>
+      </p:sp>
+      <p:sp>
+        <p:nvSpPr>
+          <p:cNvPr id="9" name="文本框 8">
+            <a:extLst>
+              <a:ext uri="{FF2B5EF4-FFF2-40B4-BE49-F238E27FC236}">
+                <a16:creationId xmlns:a16="http://schemas.microsoft.com/office/drawing/2014/main" id="{540A60B3-93A5-7288-4BDF-50258236F659}"/>
+              </a:ext>
+            </a:extLst>
+          </p:cNvPr>
+          <p:cNvSpPr txBox="1"/>
+          <p:nvPr/>
+        </p:nvSpPr>
+        <p:spPr>
+          <a:xfrm>
+            <a:off x="838200" y="2106386"/>
+            <a:ext cx="10208079" cy="3046988"/>
+          </a:xfrm>
+          <a:prstGeom prst="rect">
+            <a:avLst/>
+          </a:prstGeom>
+          <a:noFill/>
+        </p:spPr>
+        <p:txBody>
+          <a:bodyPr wrap="square" rtlCol="0">
+            <a:spAutoFit/>
+          </a:bodyPr>
+          <a:lstStyle/>
+          <a:p>
+            <a:pPr marL="514350" indent="-514350">
+              <a:buFont typeface="Wingdings" panose="05000000000000000000" pitchFamily="2" charset="2"/>
+              <a:buChar char="ü"/>
+            </a:pPr>
+            <a:r>
+              <a:rPr lang="zh-CN" altLang="en-US" sz="3200" dirty="0"/>
+              <a:t>通过当前所使用</a:t>
+            </a:r>
+            <a:r>
+              <a:rPr lang="en-US" altLang="zh-CN" sz="3200" dirty="0"/>
+              <a:t>DSL</a:t>
+            </a:r>
+            <a:r>
+              <a:rPr lang="zh-CN" altLang="en-US" sz="3200" dirty="0"/>
+              <a:t>的</a:t>
+            </a:r>
+            <a:r>
+              <a:rPr lang="en-US" altLang="zh-CN" sz="3200" dirty="0" err="1"/>
+              <a:t>xdef</a:t>
+            </a:r>
+            <a:r>
+              <a:rPr lang="zh-CN" altLang="en-US" sz="3200" dirty="0"/>
+              <a:t>元模型（类似</a:t>
+            </a:r>
+            <a:r>
+              <a:rPr lang="en-US" altLang="zh-CN" sz="3200" dirty="0" err="1"/>
+              <a:t>json</a:t>
+            </a:r>
+            <a:r>
+              <a:rPr lang="en-US" altLang="zh-CN" sz="3200" dirty="0"/>
+              <a:t> schema</a:t>
+            </a:r>
+            <a:r>
+              <a:rPr lang="zh-CN" altLang="en-US" sz="3200" dirty="0"/>
+              <a:t>但更紧凑）帮助</a:t>
+            </a:r>
+            <a:r>
+              <a:rPr lang="en-US" altLang="zh-CN" sz="3200" dirty="0"/>
+              <a:t>GPT</a:t>
+            </a:r>
+            <a:r>
+              <a:rPr lang="zh-CN" altLang="en-US" sz="3200" dirty="0"/>
+              <a:t>更快、更精确的理解</a:t>
+            </a:r>
+            <a:r>
+              <a:rPr lang="en-US" altLang="zh-CN" sz="3200" dirty="0"/>
+              <a:t>DSL</a:t>
+            </a:r>
+            <a:r>
+              <a:rPr lang="zh-CN" altLang="en-US" sz="3200" dirty="0"/>
+              <a:t>结构</a:t>
+            </a:r>
+            <a:endParaRPr lang="en-US" altLang="zh-CN" sz="3200" dirty="0"/>
+          </a:p>
+          <a:p>
+            <a:pPr marL="514350" indent="-514350">
+              <a:buFont typeface="Wingdings" panose="05000000000000000000" pitchFamily="2" charset="2"/>
+              <a:buChar char="ü"/>
+            </a:pPr>
+            <a:r>
+              <a:rPr lang="zh-CN" altLang="en-US" sz="3200" dirty="0"/>
+              <a:t>通过可逆计算的差量合并规则，指导</a:t>
+            </a:r>
+            <a:r>
+              <a:rPr lang="en-US" altLang="zh-CN" sz="3200" dirty="0"/>
+              <a:t>GPT</a:t>
+            </a:r>
+            <a:r>
+              <a:rPr lang="zh-CN" altLang="en-US" sz="3200" dirty="0"/>
+              <a:t>直接返回差量描述</a:t>
+            </a:r>
+            <a:endParaRPr lang="en-US" altLang="zh-CN" sz="3200" dirty="0"/>
+          </a:p>
+          <a:p>
+            <a:pPr marL="514350" indent="-514350">
+              <a:buFont typeface="Wingdings" panose="05000000000000000000" pitchFamily="2" charset="2"/>
+              <a:buChar char="ü"/>
+            </a:pPr>
+            <a:r>
+              <a:rPr lang="zh-CN" altLang="en-US" sz="3200" dirty="0"/>
+              <a:t>将返回差量合并到当前模型上，成为新的当前模型，在此基础上可以无限次与</a:t>
+            </a:r>
+            <a:r>
+              <a:rPr lang="en-US" altLang="zh-CN" sz="3200" dirty="0"/>
+              <a:t>GPT</a:t>
+            </a:r>
+            <a:r>
+              <a:rPr lang="zh-CN" altLang="en-US" sz="3200" dirty="0"/>
+              <a:t>沟通。</a:t>
+            </a:r>
+            <a:endParaRPr lang="en-US" altLang="zh-CN" sz="3200" dirty="0"/>
+          </a:p>
+        </p:txBody>
+      </p:sp>
+      <p:graphicFrame>
+        <p:nvGraphicFramePr>
+          <p:cNvPr id="3" name="对象 2">
+            <a:extLst>
+              <a:ext uri="{FF2B5EF4-FFF2-40B4-BE49-F238E27FC236}">
+                <a16:creationId xmlns:a16="http://schemas.microsoft.com/office/drawing/2014/main" id="{89DB137C-4AB0-C4F0-F4A5-F062708D4CFB}"/>
+              </a:ext>
+            </a:extLst>
+          </p:cNvPr>
+          <p:cNvGraphicFramePr>
+            <a:graphicFrameLocks noChangeAspect="1"/>
+          </p:cNvGraphicFramePr>
+          <p:nvPr>
+            <p:extLst>
+              <p:ext uri="{D42A27DB-BD31-4B8C-83A1-F6EECF244321}">
+                <p14:modId xmlns:p14="http://schemas.microsoft.com/office/powerpoint/2010/main" val="3769761084"/>
+              </p:ext>
+            </p:extLst>
+          </p:nvPr>
+        </p:nvGraphicFramePr>
+        <p:xfrm>
+          <a:off x="7801194" y="4987707"/>
+          <a:ext cx="2077591" cy="1412570"/>
+        </p:xfrm>
+        <a:graphic>
+          <a:graphicData uri="http://schemas.openxmlformats.org/presentationml/2006/ole">
+            <mc:AlternateContent xmlns:mc="http://schemas.openxmlformats.org/markup-compatibility/2006">
+              <mc:Choice xmlns:v="urn:schemas-microsoft-com:vml" Requires="v">
+                <p:oleObj name="包装程序外壳对象" showAsIcon="1" r:id="rId2" imgW="679680" imgH="462600" progId="Package">
+                  <p:embed/>
+                </p:oleObj>
+              </mc:Choice>
+              <mc:Fallback>
+                <p:oleObj name="包装程序外壳对象" showAsIcon="1" r:id="rId2" imgW="679680" imgH="462600" progId="Package">
+                  <p:embed/>
+                  <p:pic>
+                    <p:nvPicPr>
+                      <p:cNvPr id="0" name=""/>
+                      <p:cNvPicPr/>
+                      <p:nvPr/>
+                    </p:nvPicPr>
+                    <p:blipFill>
+                      <a:blip r:embed="rId3"/>
+                      <a:stretch>
+                        <a:fillRect/>
+                      </a:stretch>
+                    </p:blipFill>
+                    <p:spPr>
+                      <a:xfrm>
+                        <a:off x="7801194" y="4987707"/>
+                        <a:ext cx="2077591" cy="1412570"/>
+                      </a:xfrm>
+                      <a:prstGeom prst="rect">
+                        <a:avLst/>
+                      </a:prstGeom>
+                    </p:spPr>
+                  </p:pic>
+                </p:oleObj>
+              </mc:Fallback>
+            </mc:AlternateContent>
+          </a:graphicData>
+        </a:graphic>
+      </p:graphicFrame>
+    </p:spTree>
+    <p:extLst>
+      <p:ext uri="{BB962C8B-B14F-4D97-AF65-F5344CB8AC3E}">
+        <p14:creationId xmlns:p14="http://schemas.microsoft.com/office/powerpoint/2010/main" val="3510750151"/>
+      </p:ext>
+    </p:extLst>
+  </p:cSld>
+  <p:clrMapOvr>
+    <a:masterClrMapping/>
+  </p:clrMapOvr>
+</p:sld>
+</file>
+
+<file path=ppt/slides/slide21.xml><?xml version="1.0" encoding="utf-8"?>
 <p:sld xmlns:a="http://schemas.openxmlformats.org/drawingml/2006/main" xmlns:r="http://schemas.openxmlformats.org/officeDocument/2006/relationships" xmlns:p="http://schemas.openxmlformats.org/presentationml/2006/main">
   <p:cSld>
     <p:spTree>

--- a/docs/ppt/nop-platform.pptx
+++ b/docs/ppt/nop-platform.pptx
@@ -291,7 +291,7 @@
           <a:p>
             <a:fld id="{781BEADB-AF5A-4392-865E-B1E711821C65}" type="datetimeFigureOut">
               <a:rPr lang="zh-CN" altLang="en-US" smtClean="0"/>
-              <a:t>2023/10/17</a:t>
+              <a:t>2024/2/24</a:t>
             </a:fld>
             <a:endParaRPr lang="zh-CN" altLang="en-US"/>
           </a:p>
@@ -489,7 +489,7 @@
           <a:p>
             <a:fld id="{781BEADB-AF5A-4392-865E-B1E711821C65}" type="datetimeFigureOut">
               <a:rPr lang="zh-CN" altLang="en-US" smtClean="0"/>
-              <a:t>2023/10/17</a:t>
+              <a:t>2024/2/24</a:t>
             </a:fld>
             <a:endParaRPr lang="zh-CN" altLang="en-US"/>
           </a:p>
@@ -697,7 +697,7 @@
           <a:p>
             <a:fld id="{781BEADB-AF5A-4392-865E-B1E711821C65}" type="datetimeFigureOut">
               <a:rPr lang="zh-CN" altLang="en-US" smtClean="0"/>
-              <a:t>2023/10/17</a:t>
+              <a:t>2024/2/24</a:t>
             </a:fld>
             <a:endParaRPr lang="zh-CN" altLang="en-US"/>
           </a:p>
@@ -895,7 +895,7 @@
           <a:p>
             <a:fld id="{781BEADB-AF5A-4392-865E-B1E711821C65}" type="datetimeFigureOut">
               <a:rPr lang="zh-CN" altLang="en-US" smtClean="0"/>
-              <a:t>2023/10/17</a:t>
+              <a:t>2024/2/24</a:t>
             </a:fld>
             <a:endParaRPr lang="zh-CN" altLang="en-US"/>
           </a:p>
@@ -1170,7 +1170,7 @@
           <a:p>
             <a:fld id="{781BEADB-AF5A-4392-865E-B1E711821C65}" type="datetimeFigureOut">
               <a:rPr lang="zh-CN" altLang="en-US" smtClean="0"/>
-              <a:t>2023/10/17</a:t>
+              <a:t>2024/2/24</a:t>
             </a:fld>
             <a:endParaRPr lang="zh-CN" altLang="en-US"/>
           </a:p>
@@ -1435,7 +1435,7 @@
           <a:p>
             <a:fld id="{781BEADB-AF5A-4392-865E-B1E711821C65}" type="datetimeFigureOut">
               <a:rPr lang="zh-CN" altLang="en-US" smtClean="0"/>
-              <a:t>2023/10/17</a:t>
+              <a:t>2024/2/24</a:t>
             </a:fld>
             <a:endParaRPr lang="zh-CN" altLang="en-US"/>
           </a:p>
@@ -1847,7 +1847,7 @@
           <a:p>
             <a:fld id="{781BEADB-AF5A-4392-865E-B1E711821C65}" type="datetimeFigureOut">
               <a:rPr lang="zh-CN" altLang="en-US" smtClean="0"/>
-              <a:t>2023/10/17</a:t>
+              <a:t>2024/2/24</a:t>
             </a:fld>
             <a:endParaRPr lang="zh-CN" altLang="en-US"/>
           </a:p>
@@ -1988,7 +1988,7 @@
           <a:p>
             <a:fld id="{781BEADB-AF5A-4392-865E-B1E711821C65}" type="datetimeFigureOut">
               <a:rPr lang="zh-CN" altLang="en-US" smtClean="0"/>
-              <a:t>2023/10/17</a:t>
+              <a:t>2024/2/24</a:t>
             </a:fld>
             <a:endParaRPr lang="zh-CN" altLang="en-US"/>
           </a:p>
@@ -2101,7 +2101,7 @@
           <a:p>
             <a:fld id="{781BEADB-AF5A-4392-865E-B1E711821C65}" type="datetimeFigureOut">
               <a:rPr lang="zh-CN" altLang="en-US" smtClean="0"/>
-              <a:t>2023/10/17</a:t>
+              <a:t>2024/2/24</a:t>
             </a:fld>
             <a:endParaRPr lang="zh-CN" altLang="en-US"/>
           </a:p>
@@ -2412,7 +2412,7 @@
           <a:p>
             <a:fld id="{781BEADB-AF5A-4392-865E-B1E711821C65}" type="datetimeFigureOut">
               <a:rPr lang="zh-CN" altLang="en-US" smtClean="0"/>
-              <a:t>2023/10/17</a:t>
+              <a:t>2024/2/24</a:t>
             </a:fld>
             <a:endParaRPr lang="zh-CN" altLang="en-US"/>
           </a:p>
@@ -2700,7 +2700,7 @@
           <a:p>
             <a:fld id="{781BEADB-AF5A-4392-865E-B1E711821C65}" type="datetimeFigureOut">
               <a:rPr lang="zh-CN" altLang="en-US" smtClean="0"/>
-              <a:t>2023/10/17</a:t>
+              <a:t>2024/2/24</a:t>
             </a:fld>
             <a:endParaRPr lang="zh-CN" altLang="en-US"/>
           </a:p>
@@ -2941,7 +2941,7 @@
           <a:p>
             <a:fld id="{781BEADB-AF5A-4392-865E-B1E711821C65}" type="datetimeFigureOut">
               <a:rPr lang="zh-CN" altLang="en-US" smtClean="0"/>
-              <a:t>2023/10/17</a:t>
+              <a:t>2024/2/24</a:t>
             </a:fld>
             <a:endParaRPr lang="zh-CN" altLang="en-US"/>
           </a:p>
@@ -3657,7 +3657,7 @@
         <p:spPr>
           <a:xfrm>
             <a:off x="1094014" y="1494067"/>
-            <a:ext cx="9511393" cy="646331"/>
+            <a:ext cx="9625693" cy="646331"/>
           </a:xfrm>
           <a:prstGeom prst="rect">
             <a:avLst/>
@@ -3676,7 +3676,7 @@
             </a:r>
             <a:r>
               <a:rPr lang="en-US" altLang="zh-CN" sz="3600" dirty="0"/>
-              <a:t>0 – C = -C,  B = A + (-C)</a:t>
+              <a:t>0 – C = -C,  B = A + (-C) = A - C</a:t>
             </a:r>
           </a:p>
         </p:txBody>
@@ -3792,6 +3792,50 @@
               <a:rPr lang="en-US" altLang="zh-CN" sz="3600" dirty="0"/>
               <a:t>DSL</a:t>
             </a:r>
+          </a:p>
+        </p:txBody>
+      </p:sp>
+      <p:sp>
+        <p:nvSpPr>
+          <p:cNvPr id="3" name="文本框 20">
+            <a:extLst>
+              <a:ext uri="{FF2B5EF4-FFF2-40B4-BE49-F238E27FC236}">
+                <a16:creationId xmlns:a16="http://schemas.microsoft.com/office/drawing/2014/main" id="{25B9131E-3187-B15A-4DD6-40E26D26D62B}"/>
+              </a:ext>
+            </a:extLst>
+          </p:cNvPr>
+          <p:cNvSpPr txBox="1"/>
+          <p:nvPr/>
+        </p:nvSpPr>
+        <p:spPr>
+          <a:xfrm>
+            <a:off x="1094015" y="4839405"/>
+            <a:ext cx="10455834" cy="646331"/>
+          </a:xfrm>
+          <a:prstGeom prst="rect">
+            <a:avLst/>
+          </a:prstGeom>
+          <a:noFill/>
+        </p:spPr>
+        <p:txBody>
+          <a:bodyPr wrap="square">
+            <a:spAutoFit/>
+          </a:bodyPr>
+          <a:lstStyle/>
+          <a:p>
+            <a:r>
+              <a:rPr lang="zh-CN" altLang="en-US" sz="3600" dirty="0"/>
+              <a:t>沿时间线逆行：</a:t>
+            </a:r>
+            <a:r>
+              <a:rPr lang="en-US" altLang="zh-CN" sz="3600" dirty="0"/>
+              <a:t>Delta</a:t>
+            </a:r>
+            <a:r>
+              <a:rPr lang="zh-CN" altLang="en-US" sz="3600"/>
+              <a:t>定制</a:t>
+            </a:r>
+            <a:endParaRPr lang="en-US" altLang="zh-CN" sz="3600" dirty="0"/>
           </a:p>
         </p:txBody>
       </p:sp>
